--- a/Scrum Artifacts/Sprint5/IT-Projectwerk 2022.pptx
+++ b/Scrum Artifacts/Sprint5/IT-Projectwerk 2022.pptx
@@ -8,6 +8,13 @@
     <p:sldId id="256" r:id="rId2"/>
     <p:sldId id="257" r:id="rId3"/>
     <p:sldId id="258" r:id="rId4"/>
+    <p:sldId id="260" r:id="rId5"/>
+    <p:sldId id="265" r:id="rId6"/>
+    <p:sldId id="259" r:id="rId7"/>
+    <p:sldId id="261" r:id="rId8"/>
+    <p:sldId id="262" r:id="rId9"/>
+    <p:sldId id="263" r:id="rId10"/>
+    <p:sldId id="264" r:id="rId11"/>
   </p:sldIdLst>
   <p:sldSz cx="12192000" cy="6858000"/>
   <p:notesSz cx="6858000" cy="9144000"/>
@@ -106,6 +113,11 @@
       </a:defRPr>
     </a:lvl9pPr>
   </p:defaultTextStyle>
+  <p:extLst>
+    <p:ext uri="{EFAFB233-063F-42B5-8137-9DF3F51BA10A}">
+      <p15:sldGuideLst xmlns:p15="http://schemas.microsoft.com/office/powerpoint/2012/main"/>
+    </p:ext>
+  </p:extLst>
 </p:presentation>
 </file>
 
@@ -239,7 +251,7 @@
           </a:lstStyle>
           <a:p>
             <a:r>
-              <a:rPr lang="en-US" smtClean="0"/>
+              <a:rPr lang="en-US"/>
               <a:t>Click to edit Master title style</a:t>
             </a:r>
             <a:endParaRPr lang="en-US" dirty="0"/>
@@ -311,7 +323,7 @@
           </a:lstStyle>
           <a:p>
             <a:r>
-              <a:rPr lang="en-US" smtClean="0"/>
+              <a:rPr lang="en-US"/>
               <a:t>Click to edit Master subtitle style</a:t>
             </a:r>
             <a:endParaRPr lang="en-US" dirty="0"/>
@@ -335,7 +347,7 @@
           <a:p>
             <a:fld id="{DE0F2AED-0ED5-49A6-B062-0BE42E986736}" type="datetimeFigureOut">
               <a:rPr lang="nl-BE" smtClean="0"/>
-              <a:t>09/06/2022</a:t>
+              <a:t>10/06/2022</a:t>
             </a:fld>
             <a:endParaRPr lang="nl-BE"/>
           </a:p>
@@ -377,7 +389,7 @@
           <a:p>
             <a:fld id="{10FF35A2-300F-4F56-85B7-30C7EE9C9B70}" type="slidenum">
               <a:rPr lang="nl-BE" smtClean="0"/>
-              <a:t>‹#›</a:t>
+              <a:t>‹nr.›</a:t>
             </a:fld>
             <a:endParaRPr lang="nl-BE"/>
           </a:p>
@@ -467,7 +479,7 @@
           <a:lstStyle/>
           <a:p>
             <a:r>
-              <a:rPr lang="en-US" smtClean="0"/>
+              <a:rPr lang="en-US"/>
               <a:t>Click to edit Master title style</a:t>
             </a:r>
             <a:endParaRPr lang="en-US" dirty="0"/>
@@ -491,35 +503,35 @@
           <a:p>
             <a:pPr lvl="0"/>
             <a:r>
-              <a:rPr lang="en-US" smtClean="0"/>
+              <a:rPr lang="en-US"/>
               <a:t>Edit Master text styles</a:t>
             </a:r>
           </a:p>
           <a:p>
             <a:pPr lvl="1"/>
             <a:r>
-              <a:rPr lang="en-US" smtClean="0"/>
+              <a:rPr lang="en-US"/>
               <a:t>Second level</a:t>
             </a:r>
           </a:p>
           <a:p>
             <a:pPr lvl="2"/>
             <a:r>
-              <a:rPr lang="en-US" smtClean="0"/>
+              <a:rPr lang="en-US"/>
               <a:t>Third level</a:t>
             </a:r>
           </a:p>
           <a:p>
             <a:pPr lvl="3"/>
             <a:r>
-              <a:rPr lang="en-US" smtClean="0"/>
+              <a:rPr lang="en-US"/>
               <a:t>Fourth level</a:t>
             </a:r>
           </a:p>
           <a:p>
             <a:pPr lvl="4"/>
             <a:r>
-              <a:rPr lang="en-US" smtClean="0"/>
+              <a:rPr lang="en-US"/>
               <a:t>Fifth level</a:t>
             </a:r>
             <a:endParaRPr lang="en-US" dirty="0"/>
@@ -543,7 +555,7 @@
           <a:p>
             <a:fld id="{DE0F2AED-0ED5-49A6-B062-0BE42E986736}" type="datetimeFigureOut">
               <a:rPr lang="nl-BE" smtClean="0"/>
-              <a:t>09/06/2022</a:t>
+              <a:t>10/06/2022</a:t>
             </a:fld>
             <a:endParaRPr lang="nl-BE"/>
           </a:p>
@@ -585,7 +597,7 @@
           <a:p>
             <a:fld id="{10FF35A2-300F-4F56-85B7-30C7EE9C9B70}" type="slidenum">
               <a:rPr lang="nl-BE" smtClean="0"/>
-              <a:t>‹#›</a:t>
+              <a:t>‹nr.›</a:t>
             </a:fld>
             <a:endParaRPr lang="nl-BE"/>
           </a:p>
@@ -718,7 +730,7 @@
           <a:lstStyle/>
           <a:p>
             <a:r>
-              <a:rPr lang="en-US" smtClean="0"/>
+              <a:rPr lang="en-US"/>
               <a:t>Click to edit Master title style</a:t>
             </a:r>
             <a:endParaRPr lang="en-US" dirty="0"/>
@@ -747,35 +759,35 @@
           <a:p>
             <a:pPr lvl="0"/>
             <a:r>
-              <a:rPr lang="en-US" smtClean="0"/>
+              <a:rPr lang="en-US"/>
               <a:t>Edit Master text styles</a:t>
             </a:r>
           </a:p>
           <a:p>
             <a:pPr lvl="1"/>
             <a:r>
-              <a:rPr lang="en-US" smtClean="0"/>
+              <a:rPr lang="en-US"/>
               <a:t>Second level</a:t>
             </a:r>
           </a:p>
           <a:p>
             <a:pPr lvl="2"/>
             <a:r>
-              <a:rPr lang="en-US" smtClean="0"/>
+              <a:rPr lang="en-US"/>
               <a:t>Third level</a:t>
             </a:r>
           </a:p>
           <a:p>
             <a:pPr lvl="3"/>
             <a:r>
-              <a:rPr lang="en-US" smtClean="0"/>
+              <a:rPr lang="en-US"/>
               <a:t>Fourth level</a:t>
             </a:r>
           </a:p>
           <a:p>
             <a:pPr lvl="4"/>
             <a:r>
-              <a:rPr lang="en-US" smtClean="0"/>
+              <a:rPr lang="en-US"/>
               <a:t>Fifth level</a:t>
             </a:r>
             <a:endParaRPr lang="en-US" dirty="0"/>
@@ -799,7 +811,7 @@
           <a:p>
             <a:fld id="{DE0F2AED-0ED5-49A6-B062-0BE42E986736}" type="datetimeFigureOut">
               <a:rPr lang="nl-BE" smtClean="0"/>
-              <a:t>09/06/2022</a:t>
+              <a:t>10/06/2022</a:t>
             </a:fld>
             <a:endParaRPr lang="nl-BE"/>
           </a:p>
@@ -841,7 +853,7 @@
           <a:p>
             <a:fld id="{10FF35A2-300F-4F56-85B7-30C7EE9C9B70}" type="slidenum">
               <a:rPr lang="nl-BE" smtClean="0"/>
-              <a:t>‹#›</a:t>
+              <a:t>‹nr.›</a:t>
             </a:fld>
             <a:endParaRPr lang="nl-BE"/>
           </a:p>
@@ -897,7 +909,7 @@
           </a:lstStyle>
           <a:p>
             <a:r>
-              <a:rPr lang="en-US" smtClean="0"/>
+              <a:rPr lang="en-US"/>
               <a:t>Click to edit Master title style</a:t>
             </a:r>
             <a:endParaRPr lang="en-US" dirty="0"/>
@@ -921,35 +933,35 @@
           <a:p>
             <a:pPr lvl="0"/>
             <a:r>
-              <a:rPr lang="en-US" smtClean="0"/>
+              <a:rPr lang="en-US"/>
               <a:t>Edit Master text styles</a:t>
             </a:r>
           </a:p>
           <a:p>
             <a:pPr lvl="1"/>
             <a:r>
-              <a:rPr lang="en-US" smtClean="0"/>
+              <a:rPr lang="en-US"/>
               <a:t>Second level</a:t>
             </a:r>
           </a:p>
           <a:p>
             <a:pPr lvl="2"/>
             <a:r>
-              <a:rPr lang="en-US" smtClean="0"/>
+              <a:rPr lang="en-US"/>
               <a:t>Third level</a:t>
             </a:r>
           </a:p>
           <a:p>
             <a:pPr lvl="3"/>
             <a:r>
-              <a:rPr lang="en-US" smtClean="0"/>
+              <a:rPr lang="en-US"/>
               <a:t>Fourth level</a:t>
             </a:r>
           </a:p>
           <a:p>
             <a:pPr lvl="4"/>
             <a:r>
-              <a:rPr lang="en-US" smtClean="0"/>
+              <a:rPr lang="en-US"/>
               <a:t>Fifth level</a:t>
             </a:r>
             <a:endParaRPr lang="en-US" dirty="0"/>
@@ -973,7 +985,7 @@
           <a:p>
             <a:fld id="{DE0F2AED-0ED5-49A6-B062-0BE42E986736}" type="datetimeFigureOut">
               <a:rPr lang="nl-BE" smtClean="0"/>
-              <a:t>09/06/2022</a:t>
+              <a:t>10/06/2022</a:t>
             </a:fld>
             <a:endParaRPr lang="nl-BE"/>
           </a:p>
@@ -1015,7 +1027,7 @@
           <a:p>
             <a:fld id="{10FF35A2-300F-4F56-85B7-30C7EE9C9B70}" type="slidenum">
               <a:rPr lang="nl-BE" smtClean="0"/>
-              <a:t>‹#›</a:t>
+              <a:t>‹nr.›</a:t>
             </a:fld>
             <a:endParaRPr lang="nl-BE"/>
           </a:p>
@@ -1172,7 +1184,7 @@
           </a:lstStyle>
           <a:p>
             <a:r>
-              <a:rPr lang="en-US" smtClean="0"/>
+              <a:rPr lang="en-US"/>
               <a:t>Click to edit Master title style</a:t>
             </a:r>
             <a:endParaRPr lang="en-US" dirty="0"/>
@@ -1293,7 +1305,7 @@
           <a:p>
             <a:pPr lvl="0"/>
             <a:r>
-              <a:rPr lang="en-US" smtClean="0"/>
+              <a:rPr lang="en-US"/>
               <a:t>Edit Master text styles</a:t>
             </a:r>
           </a:p>
@@ -1316,7 +1328,7 @@
           <a:p>
             <a:fld id="{DE0F2AED-0ED5-49A6-B062-0BE42E986736}" type="datetimeFigureOut">
               <a:rPr lang="nl-BE" smtClean="0"/>
-              <a:t>09/06/2022</a:t>
+              <a:t>10/06/2022</a:t>
             </a:fld>
             <a:endParaRPr lang="nl-BE"/>
           </a:p>
@@ -1358,7 +1370,7 @@
           <a:p>
             <a:fld id="{10FF35A2-300F-4F56-85B7-30C7EE9C9B70}" type="slidenum">
               <a:rPr lang="nl-BE" smtClean="0"/>
-              <a:t>‹#›</a:t>
+              <a:t>‹nr.›</a:t>
             </a:fld>
             <a:endParaRPr lang="nl-BE"/>
           </a:p>
@@ -1453,7 +1465,7 @@
           <a:lstStyle/>
           <a:p>
             <a:r>
-              <a:rPr lang="en-US" smtClean="0"/>
+              <a:rPr lang="en-US"/>
               <a:t>Click to edit Master title style</a:t>
             </a:r>
             <a:endParaRPr lang="en-US" dirty="0"/>
@@ -1482,35 +1494,35 @@
           <a:p>
             <a:pPr lvl="0"/>
             <a:r>
-              <a:rPr lang="en-US" smtClean="0"/>
+              <a:rPr lang="en-US"/>
               <a:t>Edit Master text styles</a:t>
             </a:r>
           </a:p>
           <a:p>
             <a:pPr lvl="1"/>
             <a:r>
-              <a:rPr lang="en-US" smtClean="0"/>
+              <a:rPr lang="en-US"/>
               <a:t>Second level</a:t>
             </a:r>
           </a:p>
           <a:p>
             <a:pPr lvl="2"/>
             <a:r>
-              <a:rPr lang="en-US" smtClean="0"/>
+              <a:rPr lang="en-US"/>
               <a:t>Third level</a:t>
             </a:r>
           </a:p>
           <a:p>
             <a:pPr lvl="3"/>
             <a:r>
-              <a:rPr lang="en-US" smtClean="0"/>
+              <a:rPr lang="en-US"/>
               <a:t>Fourth level</a:t>
             </a:r>
           </a:p>
           <a:p>
             <a:pPr lvl="4"/>
             <a:r>
-              <a:rPr lang="en-US" smtClean="0"/>
+              <a:rPr lang="en-US"/>
               <a:t>Fifth level</a:t>
             </a:r>
             <a:endParaRPr lang="en-US" dirty="0"/>
@@ -1539,35 +1551,35 @@
           <a:p>
             <a:pPr lvl="0"/>
             <a:r>
-              <a:rPr lang="en-US" smtClean="0"/>
+              <a:rPr lang="en-US"/>
               <a:t>Edit Master text styles</a:t>
             </a:r>
           </a:p>
           <a:p>
             <a:pPr lvl="1"/>
             <a:r>
-              <a:rPr lang="en-US" smtClean="0"/>
+              <a:rPr lang="en-US"/>
               <a:t>Second level</a:t>
             </a:r>
           </a:p>
           <a:p>
             <a:pPr lvl="2"/>
             <a:r>
-              <a:rPr lang="en-US" smtClean="0"/>
+              <a:rPr lang="en-US"/>
               <a:t>Third level</a:t>
             </a:r>
           </a:p>
           <a:p>
             <a:pPr lvl="3"/>
             <a:r>
-              <a:rPr lang="en-US" smtClean="0"/>
+              <a:rPr lang="en-US"/>
               <a:t>Fourth level</a:t>
             </a:r>
           </a:p>
           <a:p>
             <a:pPr lvl="4"/>
             <a:r>
-              <a:rPr lang="en-US" smtClean="0"/>
+              <a:rPr lang="en-US"/>
               <a:t>Fifth level</a:t>
             </a:r>
             <a:endParaRPr lang="en-US" dirty="0"/>
@@ -1591,7 +1603,7 @@
           <a:p>
             <a:fld id="{DE0F2AED-0ED5-49A6-B062-0BE42E986736}" type="datetimeFigureOut">
               <a:rPr lang="nl-BE" smtClean="0"/>
-              <a:t>09/06/2022</a:t>
+              <a:t>10/06/2022</a:t>
             </a:fld>
             <a:endParaRPr lang="nl-BE"/>
           </a:p>
@@ -1633,7 +1645,7 @@
           <a:p>
             <a:fld id="{10FF35A2-300F-4F56-85B7-30C7EE9C9B70}" type="slidenum">
               <a:rPr lang="nl-BE" smtClean="0"/>
-              <a:t>‹#›</a:t>
+              <a:t>‹nr.›</a:t>
             </a:fld>
             <a:endParaRPr lang="nl-BE"/>
           </a:p>
@@ -1690,7 +1702,7 @@
           <a:lstStyle/>
           <a:p>
             <a:r>
-              <a:rPr lang="en-US" smtClean="0"/>
+              <a:rPr lang="en-US"/>
               <a:t>Click to edit Master title style</a:t>
             </a:r>
             <a:endParaRPr lang="en-US" dirty="0"/>
@@ -1762,7 +1774,7 @@
           <a:p>
             <a:pPr lvl="0"/>
             <a:r>
-              <a:rPr lang="en-US" smtClean="0"/>
+              <a:rPr lang="en-US"/>
               <a:t>Edit Master text styles</a:t>
             </a:r>
           </a:p>
@@ -1790,35 +1802,35 @@
           <a:p>
             <a:pPr lvl="0"/>
             <a:r>
-              <a:rPr lang="en-US" smtClean="0"/>
+              <a:rPr lang="en-US"/>
               <a:t>Edit Master text styles</a:t>
             </a:r>
           </a:p>
           <a:p>
             <a:pPr lvl="1"/>
             <a:r>
-              <a:rPr lang="en-US" smtClean="0"/>
+              <a:rPr lang="en-US"/>
               <a:t>Second level</a:t>
             </a:r>
           </a:p>
           <a:p>
             <a:pPr lvl="2"/>
             <a:r>
-              <a:rPr lang="en-US" smtClean="0"/>
+              <a:rPr lang="en-US"/>
               <a:t>Third level</a:t>
             </a:r>
           </a:p>
           <a:p>
             <a:pPr lvl="3"/>
             <a:r>
-              <a:rPr lang="en-US" smtClean="0"/>
+              <a:rPr lang="en-US"/>
               <a:t>Fourth level</a:t>
             </a:r>
           </a:p>
           <a:p>
             <a:pPr lvl="4"/>
             <a:r>
-              <a:rPr lang="en-US" smtClean="0"/>
+              <a:rPr lang="en-US"/>
               <a:t>Fifth level</a:t>
             </a:r>
             <a:endParaRPr lang="en-US" dirty="0"/>
@@ -1890,7 +1902,7 @@
           <a:p>
             <a:pPr lvl="0"/>
             <a:r>
-              <a:rPr lang="en-US" smtClean="0"/>
+              <a:rPr lang="en-US"/>
               <a:t>Edit Master text styles</a:t>
             </a:r>
           </a:p>
@@ -1918,35 +1930,35 @@
           <a:p>
             <a:pPr lvl="0"/>
             <a:r>
-              <a:rPr lang="en-US" smtClean="0"/>
+              <a:rPr lang="en-US"/>
               <a:t>Edit Master text styles</a:t>
             </a:r>
           </a:p>
           <a:p>
             <a:pPr lvl="1"/>
             <a:r>
-              <a:rPr lang="en-US" smtClean="0"/>
+              <a:rPr lang="en-US"/>
               <a:t>Second level</a:t>
             </a:r>
           </a:p>
           <a:p>
             <a:pPr lvl="2"/>
             <a:r>
-              <a:rPr lang="en-US" smtClean="0"/>
+              <a:rPr lang="en-US"/>
               <a:t>Third level</a:t>
             </a:r>
           </a:p>
           <a:p>
             <a:pPr lvl="3"/>
             <a:r>
-              <a:rPr lang="en-US" smtClean="0"/>
+              <a:rPr lang="en-US"/>
               <a:t>Fourth level</a:t>
             </a:r>
           </a:p>
           <a:p>
             <a:pPr lvl="4"/>
             <a:r>
-              <a:rPr lang="en-US" smtClean="0"/>
+              <a:rPr lang="en-US"/>
               <a:t>Fifth level</a:t>
             </a:r>
             <a:endParaRPr lang="en-US" dirty="0"/>
@@ -1970,7 +1982,7 @@
           <a:p>
             <a:fld id="{DE0F2AED-0ED5-49A6-B062-0BE42E986736}" type="datetimeFigureOut">
               <a:rPr lang="nl-BE" smtClean="0"/>
-              <a:t>09/06/2022</a:t>
+              <a:t>10/06/2022</a:t>
             </a:fld>
             <a:endParaRPr lang="nl-BE"/>
           </a:p>
@@ -2012,7 +2024,7 @@
           <a:p>
             <a:fld id="{10FF35A2-300F-4F56-85B7-30C7EE9C9B70}" type="slidenum">
               <a:rPr lang="nl-BE" smtClean="0"/>
-              <a:t>‹#›</a:t>
+              <a:t>‹nr.›</a:t>
             </a:fld>
             <a:endParaRPr lang="nl-BE"/>
           </a:p>
@@ -2064,7 +2076,7 @@
           <a:lstStyle/>
           <a:p>
             <a:r>
-              <a:rPr lang="en-US" smtClean="0"/>
+              <a:rPr lang="en-US"/>
               <a:t>Click to edit Master title style</a:t>
             </a:r>
             <a:endParaRPr lang="en-US" dirty="0"/>
@@ -2088,7 +2100,7 @@
           <a:p>
             <a:fld id="{DE0F2AED-0ED5-49A6-B062-0BE42E986736}" type="datetimeFigureOut">
               <a:rPr lang="nl-BE" smtClean="0"/>
-              <a:t>09/06/2022</a:t>
+              <a:t>10/06/2022</a:t>
             </a:fld>
             <a:endParaRPr lang="nl-BE"/>
           </a:p>
@@ -2130,7 +2142,7 @@
           <a:p>
             <a:fld id="{10FF35A2-300F-4F56-85B7-30C7EE9C9B70}" type="slidenum">
               <a:rPr lang="nl-BE" smtClean="0"/>
-              <a:t>‹#›</a:t>
+              <a:t>‹nr.›</a:t>
             </a:fld>
             <a:endParaRPr lang="nl-BE"/>
           </a:p>
@@ -2259,7 +2271,7 @@
           <a:p>
             <a:fld id="{DE0F2AED-0ED5-49A6-B062-0BE42E986736}" type="datetimeFigureOut">
               <a:rPr lang="nl-BE" smtClean="0"/>
-              <a:t>09/06/2022</a:t>
+              <a:t>10/06/2022</a:t>
             </a:fld>
             <a:endParaRPr lang="nl-BE"/>
           </a:p>
@@ -2309,7 +2321,7 @@
           <a:p>
             <a:fld id="{10FF35A2-300F-4F56-85B7-30C7EE9C9B70}" type="slidenum">
               <a:rPr lang="nl-BE" smtClean="0"/>
-              <a:t>‹#›</a:t>
+              <a:t>‹nr.›</a:t>
             </a:fld>
             <a:endParaRPr lang="nl-BE"/>
           </a:p>
@@ -2452,7 +2464,7 @@
           </a:lstStyle>
           <a:p>
             <a:r>
-              <a:rPr lang="en-US" smtClean="0"/>
+              <a:rPr lang="en-US"/>
               <a:t>Click to edit Master title style</a:t>
             </a:r>
             <a:endParaRPr lang="en-US" dirty="0"/>
@@ -2481,35 +2493,35 @@
           <a:p>
             <a:pPr lvl="0"/>
             <a:r>
-              <a:rPr lang="en-US" smtClean="0"/>
+              <a:rPr lang="en-US"/>
               <a:t>Edit Master text styles</a:t>
             </a:r>
           </a:p>
           <a:p>
             <a:pPr lvl="1"/>
             <a:r>
-              <a:rPr lang="en-US" smtClean="0"/>
+              <a:rPr lang="en-US"/>
               <a:t>Second level</a:t>
             </a:r>
           </a:p>
           <a:p>
             <a:pPr lvl="2"/>
             <a:r>
-              <a:rPr lang="en-US" smtClean="0"/>
+              <a:rPr lang="en-US"/>
               <a:t>Third level</a:t>
             </a:r>
           </a:p>
           <a:p>
             <a:pPr lvl="3"/>
             <a:r>
-              <a:rPr lang="en-US" smtClean="0"/>
+              <a:rPr lang="en-US"/>
               <a:t>Fourth level</a:t>
             </a:r>
           </a:p>
           <a:p>
             <a:pPr lvl="4"/>
             <a:r>
-              <a:rPr lang="en-US" smtClean="0"/>
+              <a:rPr lang="en-US"/>
               <a:t>Fifth level</a:t>
             </a:r>
             <a:endParaRPr lang="en-US" dirty="0"/>
@@ -2581,7 +2593,7 @@
           <a:p>
             <a:pPr lvl="0"/>
             <a:r>
-              <a:rPr lang="en-US" smtClean="0"/>
+              <a:rPr lang="en-US"/>
               <a:t>Edit Master text styles</a:t>
             </a:r>
           </a:p>
@@ -2613,7 +2625,7 @@
           <a:p>
             <a:fld id="{DE0F2AED-0ED5-49A6-B062-0BE42E986736}" type="datetimeFigureOut">
               <a:rPr lang="nl-BE" smtClean="0"/>
-              <a:t>09/06/2022</a:t>
+              <a:t>10/06/2022</a:t>
             </a:fld>
             <a:endParaRPr lang="nl-BE"/>
           </a:p>
@@ -2676,7 +2688,7 @@
           <a:p>
             <a:fld id="{10FF35A2-300F-4F56-85B7-30C7EE9C9B70}" type="slidenum">
               <a:rPr lang="nl-BE" smtClean="0"/>
-              <a:t>‹#›</a:t>
+              <a:t>‹nr.›</a:t>
             </a:fld>
             <a:endParaRPr lang="nl-BE"/>
           </a:p>
@@ -2819,7 +2831,7 @@
           </a:lstStyle>
           <a:p>
             <a:r>
-              <a:rPr lang="en-US" smtClean="0"/>
+              <a:rPr lang="en-US"/>
               <a:t>Click to edit Master title style</a:t>
             </a:r>
             <a:endParaRPr lang="en-US" dirty="0"/>
@@ -2894,7 +2906,7 @@
           </a:lstStyle>
           <a:p>
             <a:r>
-              <a:rPr lang="en-US" smtClean="0"/>
+              <a:rPr lang="en-US"/>
               <a:t>Click icon to add picture</a:t>
             </a:r>
             <a:endParaRPr lang="en-US" dirty="0"/>
@@ -2972,7 +2984,7 @@
           <a:p>
             <a:pPr lvl="0"/>
             <a:r>
-              <a:rPr lang="en-US" smtClean="0"/>
+              <a:rPr lang="en-US"/>
               <a:t>Edit Master text styles</a:t>
             </a:r>
           </a:p>
@@ -2995,7 +3007,7 @@
           <a:p>
             <a:fld id="{DE0F2AED-0ED5-49A6-B062-0BE42E986736}" type="datetimeFigureOut">
               <a:rPr lang="nl-BE" smtClean="0"/>
-              <a:t>09/06/2022</a:t>
+              <a:t>10/06/2022</a:t>
             </a:fld>
             <a:endParaRPr lang="nl-BE"/>
           </a:p>
@@ -3037,7 +3049,7 @@
           <a:p>
             <a:fld id="{10FF35A2-300F-4F56-85B7-30C7EE9C9B70}" type="slidenum">
               <a:rPr lang="nl-BE" smtClean="0"/>
-              <a:t>‹#›</a:t>
+              <a:t>‹nr.›</a:t>
             </a:fld>
             <a:endParaRPr lang="nl-BE"/>
           </a:p>
@@ -3180,7 +3192,7 @@
           <a:lstStyle/>
           <a:p>
             <a:r>
-              <a:rPr lang="en-US" smtClean="0"/>
+              <a:rPr lang="en-US"/>
               <a:t>Click to edit Master title style</a:t>
             </a:r>
             <a:endParaRPr lang="en-US" dirty="0"/>
@@ -3214,35 +3226,35 @@
           <a:p>
             <a:pPr lvl="0"/>
             <a:r>
-              <a:rPr lang="en-US" smtClean="0"/>
+              <a:rPr lang="en-US"/>
               <a:t>Edit Master text styles</a:t>
             </a:r>
           </a:p>
           <a:p>
             <a:pPr lvl="1"/>
             <a:r>
-              <a:rPr lang="en-US" smtClean="0"/>
+              <a:rPr lang="en-US"/>
               <a:t>Second level</a:t>
             </a:r>
           </a:p>
           <a:p>
             <a:pPr lvl="2"/>
             <a:r>
-              <a:rPr lang="en-US" smtClean="0"/>
+              <a:rPr lang="en-US"/>
               <a:t>Third level</a:t>
             </a:r>
           </a:p>
           <a:p>
             <a:pPr lvl="3"/>
             <a:r>
-              <a:rPr lang="en-US" smtClean="0"/>
+              <a:rPr lang="en-US"/>
               <a:t>Fourth level</a:t>
             </a:r>
           </a:p>
           <a:p>
             <a:pPr lvl="4"/>
             <a:r>
-              <a:rPr lang="en-US" smtClean="0"/>
+              <a:rPr lang="en-US"/>
               <a:t>Fifth level</a:t>
             </a:r>
             <a:endParaRPr lang="en-US" dirty="0"/>
@@ -3282,7 +3294,7 @@
           <a:p>
             <a:fld id="{DE0F2AED-0ED5-49A6-B062-0BE42E986736}" type="datetimeFigureOut">
               <a:rPr lang="nl-BE" smtClean="0"/>
-              <a:t>09/06/2022</a:t>
+              <a:t>10/06/2022</a:t>
             </a:fld>
             <a:endParaRPr lang="nl-BE"/>
           </a:p>
@@ -3356,7 +3368,7 @@
           <a:p>
             <a:fld id="{10FF35A2-300F-4F56-85B7-30C7EE9C9B70}" type="slidenum">
               <a:rPr lang="nl-BE" smtClean="0"/>
-              <a:t>‹#›</a:t>
+              <a:t>‹nr.›</a:t>
             </a:fld>
             <a:endParaRPr lang="nl-BE"/>
           </a:p>
@@ -3822,10 +3834,9 @@
           <a:lstStyle/>
           <a:p>
             <a:r>
-              <a:rPr lang="nl-BE" dirty="0" smtClean="0"/>
+              <a:rPr lang="nl-BE" dirty="0"/>
               <a:t>IT-Projectwerk 2022</a:t>
             </a:r>
-            <a:endParaRPr lang="nl-BE" dirty="0"/>
           </a:p>
         </p:txBody>
       </p:sp>
@@ -3845,22 +3856,13 @@
           <a:lstStyle/>
           <a:p>
             <a:r>
-              <a:rPr lang="nl-BE" dirty="0" err="1" smtClean="0"/>
-              <a:t>COHogeschool</a:t>
-            </a:r>
-            <a:r>
-              <a:rPr lang="nl-BE" dirty="0" smtClean="0"/>
-              <a:t> </a:t>
-            </a:r>
-            <a:r>
-              <a:rPr lang="nl-BE" dirty="0" err="1" smtClean="0"/>
+              <a:rPr lang="nl-BE" dirty="0" err="1"/>
               <a:t>OdiSEE</a:t>
             </a:r>
             <a:r>
-              <a:rPr lang="nl-BE" dirty="0" smtClean="0"/>
-              <a:t> 2021-2022</a:t>
-            </a:r>
-            <a:endParaRPr lang="nl-BE" dirty="0"/>
+              <a:rPr lang="nl-BE" dirty="0"/>
+              <a:t> de CO-hogeschool 2021-2022</a:t>
+            </a:r>
           </a:p>
         </p:txBody>
       </p:sp>
@@ -3868,6 +3870,89 @@
     <p:extLst>
       <p:ext uri="{BB962C8B-B14F-4D97-AF65-F5344CB8AC3E}">
         <p14:creationId xmlns:p14="http://schemas.microsoft.com/office/powerpoint/2010/main" val="3610964039"/>
+      </p:ext>
+    </p:extLst>
+  </p:cSld>
+  <p:clrMapOvr>
+    <a:masterClrMapping/>
+  </p:clrMapOvr>
+</p:sld>
+</file>
+
+<file path=ppt/slides/slide10.xml><?xml version="1.0" encoding="utf-8"?>
+<p:sld xmlns:a="http://schemas.openxmlformats.org/drawingml/2006/main" xmlns:r="http://schemas.openxmlformats.org/officeDocument/2006/relationships" xmlns:p="http://schemas.openxmlformats.org/presentationml/2006/main">
+  <p:cSld>
+    <p:spTree>
+      <p:nvGrpSpPr>
+        <p:cNvPr id="1" name=""/>
+        <p:cNvGrpSpPr/>
+        <p:nvPr/>
+      </p:nvGrpSpPr>
+      <p:grpSpPr>
+        <a:xfrm>
+          <a:off x="0" y="0"/>
+          <a:ext cx="0" cy="0"/>
+          <a:chOff x="0" y="0"/>
+          <a:chExt cx="0" cy="0"/>
+        </a:xfrm>
+      </p:grpSpPr>
+      <p:sp>
+        <p:nvSpPr>
+          <p:cNvPr id="2" name="Titel 1">
+            <a:extLst>
+              <a:ext uri="{FF2B5EF4-FFF2-40B4-BE49-F238E27FC236}">
+                <a16:creationId xmlns:a16="http://schemas.microsoft.com/office/drawing/2014/main" id="{6DCE6BC2-FCC8-1C7A-F5B9-58B298288E95}"/>
+              </a:ext>
+            </a:extLst>
+          </p:cNvPr>
+          <p:cNvSpPr>
+            <a:spLocks noGrp="1"/>
+          </p:cNvSpPr>
+          <p:nvPr>
+            <p:ph type="title"/>
+          </p:nvPr>
+        </p:nvSpPr>
+        <p:spPr/>
+        <p:txBody>
+          <a:bodyPr/>
+          <a:lstStyle/>
+          <a:p>
+            <a:r>
+              <a:rPr lang="nl-BE" dirty="0"/>
+              <a:t>Besluit</a:t>
+            </a:r>
+          </a:p>
+        </p:txBody>
+      </p:sp>
+      <p:sp>
+        <p:nvSpPr>
+          <p:cNvPr id="3" name="Tijdelijke aanduiding voor inhoud 2">
+            <a:extLst>
+              <a:ext uri="{FF2B5EF4-FFF2-40B4-BE49-F238E27FC236}">
+                <a16:creationId xmlns:a16="http://schemas.microsoft.com/office/drawing/2014/main" id="{B963BFE1-6C82-E4C3-8482-D129FE7C6828}"/>
+              </a:ext>
+            </a:extLst>
+          </p:cNvPr>
+          <p:cNvSpPr>
+            <a:spLocks noGrp="1"/>
+          </p:cNvSpPr>
+          <p:nvPr>
+            <p:ph idx="1"/>
+          </p:nvPr>
+        </p:nvSpPr>
+        <p:spPr/>
+        <p:txBody>
+          <a:bodyPr/>
+          <a:lstStyle/>
+          <a:p>
+            <a:endParaRPr lang="nl-BE"/>
+          </a:p>
+        </p:txBody>
+      </p:sp>
+    </p:spTree>
+    <p:extLst>
+      <p:ext uri="{BB962C8B-B14F-4D97-AF65-F5344CB8AC3E}">
+        <p14:creationId xmlns:p14="http://schemas.microsoft.com/office/powerpoint/2010/main" val="2362220268"/>
       </p:ext>
     </p:extLst>
   </p:cSld>
@@ -3910,10 +3995,9 @@
           <a:lstStyle/>
           <a:p>
             <a:r>
-              <a:rPr lang="nl-BE" dirty="0" smtClean="0"/>
+              <a:rPr lang="nl-BE" dirty="0"/>
               <a:t>Inhoud</a:t>
             </a:r>
-            <a:endParaRPr lang="nl-BE" dirty="0"/>
           </a:p>
         </p:txBody>
       </p:sp>
@@ -3938,43 +4022,43 @@
           <a:lstStyle/>
           <a:p>
             <a:r>
-              <a:rPr lang="nl-BE" dirty="0" smtClean="0"/>
+              <a:rPr lang="nl-BE" dirty="0"/>
               <a:t>- Wie is wie</a:t>
             </a:r>
           </a:p>
           <a:p>
             <a:r>
-              <a:rPr lang="nl-BE" dirty="0" smtClean="0"/>
-              <a:t>- Voorstelling project</a:t>
-            </a:r>
-          </a:p>
-          <a:p>
-            <a:r>
-              <a:rPr lang="nl-BE" dirty="0" smtClean="0"/>
+              <a:rPr lang="nl-BE" dirty="0"/>
+              <a:t>- Situatieschets</a:t>
+            </a:r>
+          </a:p>
+          <a:p>
+            <a:r>
+              <a:rPr lang="nl-BE" dirty="0"/>
               <a:t>- Plan van aanpak</a:t>
             </a:r>
           </a:p>
           <a:p>
             <a:r>
-              <a:rPr lang="nl-BE" dirty="0" smtClean="0"/>
+              <a:rPr lang="nl-BE" dirty="0"/>
               <a:t>- Sprints</a:t>
             </a:r>
           </a:p>
           <a:p>
             <a:r>
-              <a:rPr lang="nl-BE" dirty="0" smtClean="0"/>
+              <a:rPr lang="nl-BE" dirty="0"/>
               <a:t>- Uitvoering</a:t>
             </a:r>
           </a:p>
           <a:p>
             <a:r>
-              <a:rPr lang="nl-BE" dirty="0" smtClean="0"/>
+              <a:rPr lang="nl-BE" dirty="0"/>
               <a:t>- Demo</a:t>
             </a:r>
           </a:p>
           <a:p>
             <a:r>
-              <a:rPr lang="nl-BE" dirty="0" smtClean="0"/>
+              <a:rPr lang="nl-BE" dirty="0"/>
               <a:t>- Besluit</a:t>
             </a:r>
           </a:p>
@@ -4025,7 +4109,10 @@
           <a:bodyPr/>
           <a:lstStyle/>
           <a:p>
-            <a:endParaRPr lang="nl-BE"/>
+            <a:r>
+              <a:rPr lang="nl-BE" dirty="0"/>
+              <a:t>Wie is wie	</a:t>
+            </a:r>
           </a:p>
         </p:txBody>
       </p:sp>
@@ -4039,12 +4126,71 @@
             <p:ph idx="1"/>
           </p:nvPr>
         </p:nvSpPr>
-        <p:spPr/>
-        <p:txBody>
-          <a:bodyPr/>
-          <a:lstStyle/>
-          <a:p>
-            <a:endParaRPr lang="nl-BE"/>
+        <p:spPr>
+          <a:xfrm>
+            <a:off x="1066800" y="1845734"/>
+            <a:ext cx="10058400" cy="4023360"/>
+          </a:xfrm>
+        </p:spPr>
+        <p:txBody>
+          <a:bodyPr/>
+          <a:lstStyle/>
+          <a:p>
+            <a:r>
+              <a:rPr lang="nl-BE" sz="2800" u="sng" dirty="0"/>
+              <a:t>Project Team</a:t>
+            </a:r>
+          </a:p>
+          <a:p>
+            <a:endParaRPr lang="nl-BE" dirty="0"/>
+          </a:p>
+          <a:p>
+            <a:pPr>
+              <a:buFont typeface="Wingdings" panose="05000000000000000000" pitchFamily="2" charset="2"/>
+              <a:buChar char="q"/>
+            </a:pPr>
+            <a:r>
+              <a:rPr lang="nl-BE" dirty="0"/>
+              <a:t> </a:t>
+            </a:r>
+            <a:r>
+              <a:rPr lang="nl-BE" sz="2400" b="1" dirty="0"/>
+              <a:t>William Apaw</a:t>
+            </a:r>
+          </a:p>
+          <a:p>
+            <a:pPr>
+              <a:buFont typeface="Wingdings" panose="05000000000000000000" pitchFamily="2" charset="2"/>
+              <a:buChar char="q"/>
+            </a:pPr>
+            <a:endParaRPr lang="nl-BE" sz="2400" b="1" dirty="0"/>
+          </a:p>
+          <a:p>
+            <a:pPr>
+              <a:buFont typeface="Wingdings" panose="05000000000000000000" pitchFamily="2" charset="2"/>
+              <a:buChar char="q"/>
+            </a:pPr>
+            <a:r>
+              <a:rPr lang="nl-BE" sz="2400" b="1" dirty="0"/>
+              <a:t> Daniel Van de Ven</a:t>
+            </a:r>
+          </a:p>
+          <a:p>
+            <a:pPr>
+              <a:buFont typeface="Wingdings" panose="05000000000000000000" pitchFamily="2" charset="2"/>
+              <a:buChar char="q"/>
+            </a:pPr>
+            <a:endParaRPr lang="nl-BE" sz="2400" b="1" dirty="0"/>
+          </a:p>
+          <a:p>
+            <a:pPr>
+              <a:buFont typeface="Wingdings" panose="05000000000000000000" pitchFamily="2" charset="2"/>
+              <a:buChar char="q"/>
+            </a:pPr>
+            <a:r>
+              <a:rPr lang="nl-BE" sz="2400" b="1" dirty="0"/>
+              <a:t> Jouri Tassignon</a:t>
+            </a:r>
           </a:p>
         </p:txBody>
       </p:sp>
@@ -4052,6 +4198,644 @@
     <p:extLst>
       <p:ext uri="{BB962C8B-B14F-4D97-AF65-F5344CB8AC3E}">
         <p14:creationId xmlns:p14="http://schemas.microsoft.com/office/powerpoint/2010/main" val="3450882516"/>
+      </p:ext>
+    </p:extLst>
+  </p:cSld>
+  <p:clrMapOvr>
+    <a:masterClrMapping/>
+  </p:clrMapOvr>
+</p:sld>
+</file>
+
+<file path=ppt/slides/slide4.xml><?xml version="1.0" encoding="utf-8"?>
+<p:sld xmlns:a="http://schemas.openxmlformats.org/drawingml/2006/main" xmlns:r="http://schemas.openxmlformats.org/officeDocument/2006/relationships" xmlns:p="http://schemas.openxmlformats.org/presentationml/2006/main">
+  <p:cSld>
+    <p:spTree>
+      <p:nvGrpSpPr>
+        <p:cNvPr id="1" name=""/>
+        <p:cNvGrpSpPr/>
+        <p:nvPr/>
+      </p:nvGrpSpPr>
+      <p:grpSpPr>
+        <a:xfrm>
+          <a:off x="0" y="0"/>
+          <a:ext cx="0" cy="0"/>
+          <a:chOff x="0" y="0"/>
+          <a:chExt cx="0" cy="0"/>
+        </a:xfrm>
+      </p:grpSpPr>
+      <p:sp>
+        <p:nvSpPr>
+          <p:cNvPr id="2" name="Titel 1">
+            <a:extLst>
+              <a:ext uri="{FF2B5EF4-FFF2-40B4-BE49-F238E27FC236}">
+                <a16:creationId xmlns:a16="http://schemas.microsoft.com/office/drawing/2014/main" id="{33BEE258-CFBD-51A6-AC0F-ED8F49AD3195}"/>
+              </a:ext>
+            </a:extLst>
+          </p:cNvPr>
+          <p:cNvSpPr>
+            <a:spLocks noGrp="1"/>
+          </p:cNvSpPr>
+          <p:nvPr>
+            <p:ph type="title"/>
+          </p:nvPr>
+        </p:nvSpPr>
+        <p:spPr/>
+        <p:txBody>
+          <a:bodyPr/>
+          <a:lstStyle/>
+          <a:p>
+            <a:r>
+              <a:rPr lang="nl-BE" dirty="0"/>
+              <a:t>Situatieschets</a:t>
+            </a:r>
+          </a:p>
+        </p:txBody>
+      </p:sp>
+      <p:sp>
+        <p:nvSpPr>
+          <p:cNvPr id="3" name="Tijdelijke aanduiding voor inhoud 2">
+            <a:extLst>
+              <a:ext uri="{FF2B5EF4-FFF2-40B4-BE49-F238E27FC236}">
+                <a16:creationId xmlns:a16="http://schemas.microsoft.com/office/drawing/2014/main" id="{2B9BF8CB-C2D6-51EE-2634-6D720262DB13}"/>
+              </a:ext>
+            </a:extLst>
+          </p:cNvPr>
+          <p:cNvSpPr>
+            <a:spLocks noGrp="1"/>
+          </p:cNvSpPr>
+          <p:nvPr>
+            <p:ph idx="1"/>
+          </p:nvPr>
+        </p:nvSpPr>
+        <p:spPr/>
+        <p:txBody>
+          <a:bodyPr/>
+          <a:lstStyle/>
+          <a:p>
+            <a:r>
+              <a:rPr lang="nl-BE" dirty="0"/>
+              <a:t>- Samenwerking tussen Co-Hogeschool </a:t>
+            </a:r>
+            <a:r>
+              <a:rPr lang="nl-BE" dirty="0" err="1"/>
+              <a:t>Odisee</a:t>
+            </a:r>
+            <a:r>
+              <a:rPr lang="nl-BE" dirty="0"/>
+              <a:t> en bedrijven</a:t>
+            </a:r>
+          </a:p>
+          <a:p>
+            <a:r>
+              <a:rPr lang="nl-BE" dirty="0"/>
+              <a:t>- Deployment services implementeren voor de vestigingsplaatsen binnen de bedrijven</a:t>
+            </a:r>
+          </a:p>
+          <a:p>
+            <a:r>
+              <a:rPr lang="nl-BE" dirty="0"/>
+              <a:t>- Werkplek om te studeren en nieuwe onderwerpen uitdiepen</a:t>
+            </a:r>
+          </a:p>
+          <a:p>
+            <a:r>
+              <a:rPr lang="nl-BE" dirty="0"/>
+              <a:t>Te voorziene hardware per vestigingsplaats:</a:t>
+            </a:r>
+          </a:p>
+          <a:p>
+            <a:r>
+              <a:rPr lang="nl-BE" dirty="0"/>
+              <a:t>Servers</a:t>
+            </a:r>
+          </a:p>
+          <a:p>
+            <a:r>
+              <a:rPr lang="nl-BE" dirty="0"/>
+              <a:t>Router</a:t>
+            </a:r>
+          </a:p>
+          <a:p>
+            <a:r>
+              <a:rPr lang="nl-BE" dirty="0"/>
+              <a:t>Switches</a:t>
+            </a:r>
+          </a:p>
+          <a:p>
+            <a:r>
+              <a:rPr lang="nl-BE" dirty="0"/>
+              <a:t>Access-points</a:t>
+            </a:r>
+          </a:p>
+        </p:txBody>
+      </p:sp>
+    </p:spTree>
+    <p:extLst>
+      <p:ext uri="{BB962C8B-B14F-4D97-AF65-F5344CB8AC3E}">
+        <p14:creationId xmlns:p14="http://schemas.microsoft.com/office/powerpoint/2010/main" val="3073130894"/>
+      </p:ext>
+    </p:extLst>
+  </p:cSld>
+  <p:clrMapOvr>
+    <a:masterClrMapping/>
+  </p:clrMapOvr>
+</p:sld>
+</file>
+
+<file path=ppt/slides/slide5.xml><?xml version="1.0" encoding="utf-8"?>
+<p:sld xmlns:a="http://schemas.openxmlformats.org/drawingml/2006/main" xmlns:r="http://schemas.openxmlformats.org/officeDocument/2006/relationships" xmlns:p="http://schemas.openxmlformats.org/presentationml/2006/main">
+  <p:cSld>
+    <p:spTree>
+      <p:nvGrpSpPr>
+        <p:cNvPr id="1" name=""/>
+        <p:cNvGrpSpPr/>
+        <p:nvPr/>
+      </p:nvGrpSpPr>
+      <p:grpSpPr>
+        <a:xfrm>
+          <a:off x="0" y="0"/>
+          <a:ext cx="0" cy="0"/>
+          <a:chOff x="0" y="0"/>
+          <a:chExt cx="0" cy="0"/>
+        </a:xfrm>
+      </p:grpSpPr>
+      <p:sp>
+        <p:nvSpPr>
+          <p:cNvPr id="2" name="Titel 1">
+            <a:extLst>
+              <a:ext uri="{FF2B5EF4-FFF2-40B4-BE49-F238E27FC236}">
+                <a16:creationId xmlns:a16="http://schemas.microsoft.com/office/drawing/2014/main" id="{B0C36400-815D-ABB3-D6A1-0664CE5CBDA1}"/>
+              </a:ext>
+            </a:extLst>
+          </p:cNvPr>
+          <p:cNvSpPr>
+            <a:spLocks noGrp="1"/>
+          </p:cNvSpPr>
+          <p:nvPr>
+            <p:ph type="title"/>
+          </p:nvPr>
+        </p:nvSpPr>
+        <p:spPr>
+          <a:xfrm>
+            <a:off x="1097280" y="286603"/>
+            <a:ext cx="10058400" cy="1459070"/>
+          </a:xfrm>
+        </p:spPr>
+        <p:txBody>
+          <a:bodyPr/>
+          <a:lstStyle/>
+          <a:p>
+            <a:r>
+              <a:rPr lang="nl-BE" dirty="0"/>
+              <a:t>Situatieschets</a:t>
+            </a:r>
+          </a:p>
+        </p:txBody>
+      </p:sp>
+      <p:sp>
+        <p:nvSpPr>
+          <p:cNvPr id="3" name="Tijdelijke aanduiding voor inhoud 2">
+            <a:extLst>
+              <a:ext uri="{FF2B5EF4-FFF2-40B4-BE49-F238E27FC236}">
+                <a16:creationId xmlns:a16="http://schemas.microsoft.com/office/drawing/2014/main" id="{3D7BD6D1-6C15-188A-CCCA-DB292C30BB23}"/>
+              </a:ext>
+            </a:extLst>
+          </p:cNvPr>
+          <p:cNvSpPr>
+            <a:spLocks noGrp="1"/>
+          </p:cNvSpPr>
+          <p:nvPr>
+            <p:ph idx="1"/>
+          </p:nvPr>
+        </p:nvSpPr>
+        <p:spPr/>
+        <p:txBody>
+          <a:bodyPr/>
+          <a:lstStyle/>
+          <a:p>
+            <a:endParaRPr lang="nl-BE" dirty="0"/>
+          </a:p>
+        </p:txBody>
+      </p:sp>
+    </p:spTree>
+    <p:extLst>
+      <p:ext uri="{BB962C8B-B14F-4D97-AF65-F5344CB8AC3E}">
+        <p14:creationId xmlns:p14="http://schemas.microsoft.com/office/powerpoint/2010/main" val="568190497"/>
+      </p:ext>
+    </p:extLst>
+  </p:cSld>
+  <p:clrMapOvr>
+    <a:masterClrMapping/>
+  </p:clrMapOvr>
+</p:sld>
+</file>
+
+<file path=ppt/slides/slide6.xml><?xml version="1.0" encoding="utf-8"?>
+<p:sld xmlns:a="http://schemas.openxmlformats.org/drawingml/2006/main" xmlns:r="http://schemas.openxmlformats.org/officeDocument/2006/relationships" xmlns:p="http://schemas.openxmlformats.org/presentationml/2006/main">
+  <p:cSld>
+    <p:spTree>
+      <p:nvGrpSpPr>
+        <p:cNvPr id="1" name=""/>
+        <p:cNvGrpSpPr/>
+        <p:nvPr/>
+      </p:nvGrpSpPr>
+      <p:grpSpPr>
+        <a:xfrm>
+          <a:off x="0" y="0"/>
+          <a:ext cx="0" cy="0"/>
+          <a:chOff x="0" y="0"/>
+          <a:chExt cx="0" cy="0"/>
+        </a:xfrm>
+      </p:grpSpPr>
+      <p:sp>
+        <p:nvSpPr>
+          <p:cNvPr id="2" name="Titel 1">
+            <a:extLst>
+              <a:ext uri="{FF2B5EF4-FFF2-40B4-BE49-F238E27FC236}">
+                <a16:creationId xmlns:a16="http://schemas.microsoft.com/office/drawing/2014/main" id="{3FE4B145-053D-E958-EC6A-D27D8DA621B8}"/>
+              </a:ext>
+            </a:extLst>
+          </p:cNvPr>
+          <p:cNvSpPr>
+            <a:spLocks noGrp="1"/>
+          </p:cNvSpPr>
+          <p:nvPr>
+            <p:ph type="title"/>
+          </p:nvPr>
+        </p:nvSpPr>
+        <p:spPr/>
+        <p:txBody>
+          <a:bodyPr/>
+          <a:lstStyle/>
+          <a:p>
+            <a:r>
+              <a:rPr lang="nl-BE" dirty="0"/>
+              <a:t>Plan van aanpak</a:t>
+            </a:r>
+          </a:p>
+        </p:txBody>
+      </p:sp>
+      <p:pic>
+        <p:nvPicPr>
+          <p:cNvPr id="5" name="Tijdelijke aanduiding voor inhoud 4">
+            <a:extLst>
+              <a:ext uri="{FF2B5EF4-FFF2-40B4-BE49-F238E27FC236}">
+                <a16:creationId xmlns:a16="http://schemas.microsoft.com/office/drawing/2014/main" id="{95FE44EF-F03B-8E79-136E-BBBF55B04481}"/>
+              </a:ext>
+            </a:extLst>
+          </p:cNvPr>
+          <p:cNvPicPr>
+            <a:picLocks noGrp="1" noChangeAspect="1"/>
+          </p:cNvPicPr>
+          <p:nvPr>
+            <p:ph idx="1"/>
+          </p:nvPr>
+        </p:nvPicPr>
+        <p:blipFill>
+          <a:blip r:embed="rId2"/>
+          <a:stretch>
+            <a:fillRect/>
+          </a:stretch>
+        </p:blipFill>
+        <p:spPr>
+          <a:xfrm>
+            <a:off x="1066800" y="2523319"/>
+            <a:ext cx="10058400" cy="1409579"/>
+          </a:xfrm>
+        </p:spPr>
+      </p:pic>
+      <p:pic>
+        <p:nvPicPr>
+          <p:cNvPr id="7" name="Afbeelding 6">
+            <a:extLst>
+              <a:ext uri="{FF2B5EF4-FFF2-40B4-BE49-F238E27FC236}">
+                <a16:creationId xmlns:a16="http://schemas.microsoft.com/office/drawing/2014/main" id="{AE84DAC4-FF51-2431-7D5A-C4B5E7C5C139}"/>
+              </a:ext>
+            </a:extLst>
+          </p:cNvPr>
+          <p:cNvPicPr>
+            <a:picLocks noChangeAspect="1"/>
+          </p:cNvPicPr>
+          <p:nvPr/>
+        </p:nvPicPr>
+        <p:blipFill>
+          <a:blip r:embed="rId3"/>
+          <a:stretch>
+            <a:fillRect/>
+          </a:stretch>
+        </p:blipFill>
+        <p:spPr>
+          <a:xfrm>
+            <a:off x="1066800" y="3908658"/>
+            <a:ext cx="10058399" cy="1717632"/>
+          </a:xfrm>
+          <a:prstGeom prst="rect">
+            <a:avLst/>
+          </a:prstGeom>
+        </p:spPr>
+      </p:pic>
+      <p:sp>
+        <p:nvSpPr>
+          <p:cNvPr id="9" name="Tekstvak 8">
+            <a:extLst>
+              <a:ext uri="{FF2B5EF4-FFF2-40B4-BE49-F238E27FC236}">
+                <a16:creationId xmlns:a16="http://schemas.microsoft.com/office/drawing/2014/main" id="{10962399-632C-FD8C-82C4-7D2939DD3448}"/>
+              </a:ext>
+            </a:extLst>
+          </p:cNvPr>
+          <p:cNvSpPr txBox="1"/>
+          <p:nvPr/>
+        </p:nvSpPr>
+        <p:spPr>
+          <a:xfrm>
+            <a:off x="1097280" y="1945673"/>
+            <a:ext cx="2568633" cy="369332"/>
+          </a:xfrm>
+          <a:prstGeom prst="rect">
+            <a:avLst/>
+          </a:prstGeom>
+          <a:noFill/>
+        </p:spPr>
+        <p:txBody>
+          <a:bodyPr wrap="square" rtlCol="0">
+            <a:spAutoFit/>
+          </a:bodyPr>
+          <a:lstStyle/>
+          <a:p>
+            <a:r>
+              <a:rPr lang="nl-BE" dirty="0"/>
+              <a:t>Agile Scrum </a:t>
+            </a:r>
+            <a:r>
+              <a:rPr lang="nl-BE" dirty="0" err="1"/>
+              <a:t>Vs</a:t>
+            </a:r>
+            <a:r>
+              <a:rPr lang="nl-BE" dirty="0"/>
+              <a:t> </a:t>
+            </a:r>
+            <a:r>
+              <a:rPr lang="nl-BE" dirty="0" err="1"/>
+              <a:t>Waterfall</a:t>
+            </a:r>
+            <a:endParaRPr lang="nl-BE" dirty="0"/>
+          </a:p>
+        </p:txBody>
+      </p:sp>
+    </p:spTree>
+    <p:extLst>
+      <p:ext uri="{BB962C8B-B14F-4D97-AF65-F5344CB8AC3E}">
+        <p14:creationId xmlns:p14="http://schemas.microsoft.com/office/powerpoint/2010/main" val="1758974228"/>
+      </p:ext>
+    </p:extLst>
+  </p:cSld>
+  <p:clrMapOvr>
+    <a:masterClrMapping/>
+  </p:clrMapOvr>
+</p:sld>
+</file>
+
+<file path=ppt/slides/slide7.xml><?xml version="1.0" encoding="utf-8"?>
+<p:sld xmlns:a="http://schemas.openxmlformats.org/drawingml/2006/main" xmlns:r="http://schemas.openxmlformats.org/officeDocument/2006/relationships" xmlns:p="http://schemas.openxmlformats.org/presentationml/2006/main">
+  <p:cSld>
+    <p:spTree>
+      <p:nvGrpSpPr>
+        <p:cNvPr id="1" name=""/>
+        <p:cNvGrpSpPr/>
+        <p:nvPr/>
+      </p:nvGrpSpPr>
+      <p:grpSpPr>
+        <a:xfrm>
+          <a:off x="0" y="0"/>
+          <a:ext cx="0" cy="0"/>
+          <a:chOff x="0" y="0"/>
+          <a:chExt cx="0" cy="0"/>
+        </a:xfrm>
+      </p:grpSpPr>
+      <p:sp>
+        <p:nvSpPr>
+          <p:cNvPr id="2" name="Titel 1">
+            <a:extLst>
+              <a:ext uri="{FF2B5EF4-FFF2-40B4-BE49-F238E27FC236}">
+                <a16:creationId xmlns:a16="http://schemas.microsoft.com/office/drawing/2014/main" id="{BE311A97-C066-5B05-482F-0E6FA4903BCF}"/>
+              </a:ext>
+            </a:extLst>
+          </p:cNvPr>
+          <p:cNvSpPr>
+            <a:spLocks noGrp="1"/>
+          </p:cNvSpPr>
+          <p:nvPr>
+            <p:ph type="title"/>
+          </p:nvPr>
+        </p:nvSpPr>
+        <p:spPr/>
+        <p:txBody>
+          <a:bodyPr/>
+          <a:lstStyle/>
+          <a:p>
+            <a:r>
+              <a:rPr lang="nl-BE" dirty="0"/>
+              <a:t>Sprints</a:t>
+            </a:r>
+          </a:p>
+        </p:txBody>
+      </p:sp>
+      <p:sp>
+        <p:nvSpPr>
+          <p:cNvPr id="3" name="Tijdelijke aanduiding voor inhoud 2">
+            <a:extLst>
+              <a:ext uri="{FF2B5EF4-FFF2-40B4-BE49-F238E27FC236}">
+                <a16:creationId xmlns:a16="http://schemas.microsoft.com/office/drawing/2014/main" id="{BBB5DA29-7692-24C6-BCFD-428E6A2BEB22}"/>
+              </a:ext>
+            </a:extLst>
+          </p:cNvPr>
+          <p:cNvSpPr>
+            <a:spLocks noGrp="1"/>
+          </p:cNvSpPr>
+          <p:nvPr>
+            <p:ph idx="1"/>
+          </p:nvPr>
+        </p:nvSpPr>
+        <p:spPr/>
+        <p:txBody>
+          <a:bodyPr/>
+          <a:lstStyle/>
+          <a:p>
+            <a:endParaRPr lang="nl-BE"/>
+          </a:p>
+        </p:txBody>
+      </p:sp>
+    </p:spTree>
+    <p:extLst>
+      <p:ext uri="{BB962C8B-B14F-4D97-AF65-F5344CB8AC3E}">
+        <p14:creationId xmlns:p14="http://schemas.microsoft.com/office/powerpoint/2010/main" val="616329558"/>
+      </p:ext>
+    </p:extLst>
+  </p:cSld>
+  <p:clrMapOvr>
+    <a:masterClrMapping/>
+  </p:clrMapOvr>
+</p:sld>
+</file>
+
+<file path=ppt/slides/slide8.xml><?xml version="1.0" encoding="utf-8"?>
+<p:sld xmlns:a="http://schemas.openxmlformats.org/drawingml/2006/main" xmlns:r="http://schemas.openxmlformats.org/officeDocument/2006/relationships" xmlns:p="http://schemas.openxmlformats.org/presentationml/2006/main">
+  <p:cSld>
+    <p:spTree>
+      <p:nvGrpSpPr>
+        <p:cNvPr id="1" name=""/>
+        <p:cNvGrpSpPr/>
+        <p:nvPr/>
+      </p:nvGrpSpPr>
+      <p:grpSpPr>
+        <a:xfrm>
+          <a:off x="0" y="0"/>
+          <a:ext cx="0" cy="0"/>
+          <a:chOff x="0" y="0"/>
+          <a:chExt cx="0" cy="0"/>
+        </a:xfrm>
+      </p:grpSpPr>
+      <p:sp>
+        <p:nvSpPr>
+          <p:cNvPr id="2" name="Titel 1">
+            <a:extLst>
+              <a:ext uri="{FF2B5EF4-FFF2-40B4-BE49-F238E27FC236}">
+                <a16:creationId xmlns:a16="http://schemas.microsoft.com/office/drawing/2014/main" id="{AEC34B59-0146-C33F-CFC6-890060B52779}"/>
+              </a:ext>
+            </a:extLst>
+          </p:cNvPr>
+          <p:cNvSpPr>
+            <a:spLocks noGrp="1"/>
+          </p:cNvSpPr>
+          <p:nvPr>
+            <p:ph type="title"/>
+          </p:nvPr>
+        </p:nvSpPr>
+        <p:spPr/>
+        <p:txBody>
+          <a:bodyPr/>
+          <a:lstStyle/>
+          <a:p>
+            <a:r>
+              <a:rPr lang="nl-BE" dirty="0"/>
+              <a:t>Uitvoering</a:t>
+            </a:r>
+          </a:p>
+        </p:txBody>
+      </p:sp>
+      <p:sp>
+        <p:nvSpPr>
+          <p:cNvPr id="3" name="Tijdelijke aanduiding voor inhoud 2">
+            <a:extLst>
+              <a:ext uri="{FF2B5EF4-FFF2-40B4-BE49-F238E27FC236}">
+                <a16:creationId xmlns:a16="http://schemas.microsoft.com/office/drawing/2014/main" id="{4BE4A8C1-501E-56ED-71C8-F32C29245B80}"/>
+              </a:ext>
+            </a:extLst>
+          </p:cNvPr>
+          <p:cNvSpPr>
+            <a:spLocks noGrp="1"/>
+          </p:cNvSpPr>
+          <p:nvPr>
+            <p:ph idx="1"/>
+          </p:nvPr>
+        </p:nvSpPr>
+        <p:spPr/>
+        <p:txBody>
+          <a:bodyPr/>
+          <a:lstStyle/>
+          <a:p>
+            <a:endParaRPr lang="nl-BE"/>
+          </a:p>
+        </p:txBody>
+      </p:sp>
+    </p:spTree>
+    <p:extLst>
+      <p:ext uri="{BB962C8B-B14F-4D97-AF65-F5344CB8AC3E}">
+        <p14:creationId xmlns:p14="http://schemas.microsoft.com/office/powerpoint/2010/main" val="2170463598"/>
+      </p:ext>
+    </p:extLst>
+  </p:cSld>
+  <p:clrMapOvr>
+    <a:masterClrMapping/>
+  </p:clrMapOvr>
+</p:sld>
+</file>
+
+<file path=ppt/slides/slide9.xml><?xml version="1.0" encoding="utf-8"?>
+<p:sld xmlns:a="http://schemas.openxmlformats.org/drawingml/2006/main" xmlns:r="http://schemas.openxmlformats.org/officeDocument/2006/relationships" xmlns:p="http://schemas.openxmlformats.org/presentationml/2006/main">
+  <p:cSld>
+    <p:spTree>
+      <p:nvGrpSpPr>
+        <p:cNvPr id="1" name=""/>
+        <p:cNvGrpSpPr/>
+        <p:nvPr/>
+      </p:nvGrpSpPr>
+      <p:grpSpPr>
+        <a:xfrm>
+          <a:off x="0" y="0"/>
+          <a:ext cx="0" cy="0"/>
+          <a:chOff x="0" y="0"/>
+          <a:chExt cx="0" cy="0"/>
+        </a:xfrm>
+      </p:grpSpPr>
+      <p:sp>
+        <p:nvSpPr>
+          <p:cNvPr id="2" name="Titel 1">
+            <a:extLst>
+              <a:ext uri="{FF2B5EF4-FFF2-40B4-BE49-F238E27FC236}">
+                <a16:creationId xmlns:a16="http://schemas.microsoft.com/office/drawing/2014/main" id="{AFC54422-200F-390B-1E44-8D7F3C8BE92E}"/>
+              </a:ext>
+            </a:extLst>
+          </p:cNvPr>
+          <p:cNvSpPr>
+            <a:spLocks noGrp="1"/>
+          </p:cNvSpPr>
+          <p:nvPr>
+            <p:ph type="title"/>
+          </p:nvPr>
+        </p:nvSpPr>
+        <p:spPr/>
+        <p:txBody>
+          <a:bodyPr/>
+          <a:lstStyle/>
+          <a:p>
+            <a:r>
+              <a:rPr lang="nl-BE" dirty="0"/>
+              <a:t>Demo</a:t>
+            </a:r>
+          </a:p>
+        </p:txBody>
+      </p:sp>
+      <p:sp>
+        <p:nvSpPr>
+          <p:cNvPr id="3" name="Tijdelijke aanduiding voor inhoud 2">
+            <a:extLst>
+              <a:ext uri="{FF2B5EF4-FFF2-40B4-BE49-F238E27FC236}">
+                <a16:creationId xmlns:a16="http://schemas.microsoft.com/office/drawing/2014/main" id="{B0725605-6BF1-AB8E-4534-CF8AAC3DA7F6}"/>
+              </a:ext>
+            </a:extLst>
+          </p:cNvPr>
+          <p:cNvSpPr>
+            <a:spLocks noGrp="1"/>
+          </p:cNvSpPr>
+          <p:nvPr>
+            <p:ph idx="1"/>
+          </p:nvPr>
+        </p:nvSpPr>
+        <p:spPr/>
+        <p:txBody>
+          <a:bodyPr/>
+          <a:lstStyle/>
+          <a:p>
+            <a:endParaRPr lang="nl-BE"/>
+          </a:p>
+        </p:txBody>
+      </p:sp>
+    </p:spTree>
+    <p:extLst>
+      <p:ext uri="{BB962C8B-B14F-4D97-AF65-F5344CB8AC3E}">
+        <p14:creationId xmlns:p14="http://schemas.microsoft.com/office/powerpoint/2010/main" val="2859215401"/>
       </p:ext>
     </p:extLst>
   </p:cSld>

--- a/Scrum Artifacts/Sprint5/IT-Projectwerk 2022.pptx
+++ b/Scrum Artifacts/Sprint5/IT-Projectwerk 2022.pptx
@@ -4346,6 +4346,14 @@
 <file path=ppt/slides/slide5.xml><?xml version="1.0" encoding="utf-8"?>
 <p:sld xmlns:a="http://schemas.openxmlformats.org/drawingml/2006/main" xmlns:r="http://schemas.openxmlformats.org/officeDocument/2006/relationships" xmlns:p="http://schemas.openxmlformats.org/presentationml/2006/main">
   <p:cSld>
+    <p:bg>
+      <p:bgPr>
+        <a:solidFill>
+          <a:schemeClr val="bg1"/>
+        </a:solidFill>
+        <a:effectLst/>
+      </p:bgPr>
+    </p:bg>
     <p:spTree>
       <p:nvGrpSpPr>
         <p:cNvPr id="1" name=""/>
@@ -4360,6 +4368,66 @@
           <a:chExt cx="0" cy="0"/>
         </a:xfrm>
       </p:grpSpPr>
+      <p:sp useBgFill="1">
+        <p:nvSpPr>
+          <p:cNvPr id="12" name="Rectangle 11">
+            <a:extLst>
+              <a:ext uri="{FF2B5EF4-FFF2-40B4-BE49-F238E27FC236}">
+                <a16:creationId xmlns:a16="http://schemas.microsoft.com/office/drawing/2014/main" id="{284B70D5-875B-433D-BDBD-1522A85D6C1D}"/>
+              </a:ext>
+              <a:ext uri="{C183D7F6-B498-43B3-948B-1728B52AA6E4}">
+                <adec:decorative xmlns:adec="http://schemas.microsoft.com/office/drawing/2017/decorative" val="1"/>
+              </a:ext>
+            </a:extLst>
+          </p:cNvPr>
+          <p:cNvSpPr>
+            <a:spLocks noGrp="1" noRot="1" noChangeAspect="1" noMove="1" noResize="1" noEditPoints="1" noAdjustHandles="1" noChangeArrowheads="1" noChangeShapeType="1" noTextEdit="1"/>
+          </p:cNvSpPr>
+          <p:nvPr>
+            <p:extLst>
+              <p:ext uri="{386F3935-93C4-4BCD-93E2-E3B085C9AB24}">
+                <p16:designElem xmlns:p16="http://schemas.microsoft.com/office/powerpoint/2015/main" val="1"/>
+              </p:ext>
+            </p:extLst>
+          </p:nvPr>
+        </p:nvSpPr>
+        <p:spPr>
+          <a:xfrm>
+            <a:off x="0" y="0"/>
+            <a:ext cx="12192001" cy="6334316"/>
+          </a:xfrm>
+          <a:prstGeom prst="rect">
+            <a:avLst/>
+          </a:prstGeom>
+          <a:ln>
+            <a:noFill/>
+          </a:ln>
+        </p:spPr>
+        <p:style>
+          <a:lnRef idx="2">
+            <a:schemeClr val="accent1">
+              <a:shade val="50000"/>
+            </a:schemeClr>
+          </a:lnRef>
+          <a:fillRef idx="1">
+            <a:schemeClr val="accent1"/>
+          </a:fillRef>
+          <a:effectRef idx="0">
+            <a:schemeClr val="accent1"/>
+          </a:effectRef>
+          <a:fontRef idx="minor">
+            <a:schemeClr val="lt1"/>
+          </a:fontRef>
+        </p:style>
+        <p:txBody>
+          <a:bodyPr rtlCol="0" anchor="ctr"/>
+          <a:lstStyle/>
+          <a:p>
+            <a:pPr algn="ctr"/>
+            <a:endParaRPr lang="en-US"/>
+          </a:p>
+        </p:txBody>
+      </p:sp>
       <p:sp>
         <p:nvSpPr>
           <p:cNvPr id="2" name="Titel 1">
@@ -4378,12 +4446,14 @@
         </p:nvSpPr>
         <p:spPr>
           <a:xfrm>
-            <a:off x="1097280" y="286603"/>
-            <a:ext cx="10058400" cy="1459070"/>
+            <a:off x="7768046" y="748157"/>
+            <a:ext cx="3690257" cy="1450757"/>
           </a:xfrm>
         </p:spPr>
         <p:txBody>
-          <a:bodyPr/>
+          <a:bodyPr>
+            <a:normAutofit/>
+          </a:bodyPr>
           <a:lstStyle/>
           <a:p>
             <a:r>
@@ -4393,15 +4463,101 @@
           </a:p>
         </p:txBody>
       </p:sp>
-      <p:sp>
-        <p:nvSpPr>
-          <p:cNvPr id="3" name="Tijdelijke aanduiding voor inhoud 2">
+      <p:pic>
+        <p:nvPicPr>
+          <p:cNvPr id="5" name="Tijdelijke aanduiding voor inhoud 4">
             <a:extLst>
               <a:ext uri="{FF2B5EF4-FFF2-40B4-BE49-F238E27FC236}">
-                <a16:creationId xmlns:a16="http://schemas.microsoft.com/office/drawing/2014/main" id="{3D7BD6D1-6C15-188A-CCCA-DB292C30BB23}"/>
+                <a16:creationId xmlns:a16="http://schemas.microsoft.com/office/drawing/2014/main" id="{1B53E411-4C23-54EA-5A09-67D623C2A0B7}"/>
               </a:ext>
             </a:extLst>
           </p:cNvPr>
+          <p:cNvPicPr>
+            <a:picLocks noChangeAspect="1"/>
+          </p:cNvPicPr>
+          <p:nvPr/>
+        </p:nvPicPr>
+        <p:blipFill>
+          <a:blip r:embed="rId2"/>
+          <a:stretch>
+            <a:fillRect/>
+          </a:stretch>
+        </p:blipFill>
+        <p:spPr>
+          <a:xfrm>
+            <a:off x="633999" y="714746"/>
+            <a:ext cx="6909801" cy="5165076"/>
+          </a:xfrm>
+          <a:prstGeom prst="rect">
+            <a:avLst/>
+          </a:prstGeom>
+        </p:spPr>
+      </p:pic>
+      <p:cxnSp>
+        <p:nvCxnSpPr>
+          <p:cNvPr id="14" name="Straight Connector 13">
+            <a:extLst>
+              <a:ext uri="{FF2B5EF4-FFF2-40B4-BE49-F238E27FC236}">
+                <a16:creationId xmlns:a16="http://schemas.microsoft.com/office/drawing/2014/main" id="{C947DF4A-614C-4B4C-8B80-E5B9D8E8CFED}"/>
+              </a:ext>
+              <a:ext uri="{C183D7F6-B498-43B3-948B-1728B52AA6E4}">
+                <adec:decorative xmlns:adec="http://schemas.microsoft.com/office/drawing/2017/decorative" val="1"/>
+              </a:ext>
+            </a:extLst>
+          </p:cNvPr>
+          <p:cNvCxnSpPr>
+            <a:cxnSpLocks noGrp="1" noRot="1" noChangeAspect="1" noMove="1" noResize="1" noEditPoints="1" noAdjustHandles="1" noChangeArrowheads="1" noChangeShapeType="1"/>
+          </p:cNvCxnSpPr>
+          <p:nvPr>
+            <p:extLst>
+              <p:ext uri="{386F3935-93C4-4BCD-93E2-E3B085C9AB24}">
+                <p16:designElem xmlns:p16="http://schemas.microsoft.com/office/powerpoint/2015/main" val="1"/>
+              </p:ext>
+            </p:extLst>
+          </p:nvPr>
+        </p:nvCxnSpPr>
+        <p:spPr>
+          <a:xfrm>
+            <a:off x="7892143" y="2085703"/>
+            <a:ext cx="3566160" cy="0"/>
+          </a:xfrm>
+          <a:prstGeom prst="line">
+            <a:avLst/>
+          </a:prstGeom>
+          <a:ln w="6350">
+            <a:solidFill>
+              <a:schemeClr val="tx1">
+                <a:lumMod val="50000"/>
+                <a:lumOff val="50000"/>
+                <a:alpha val="90000"/>
+              </a:schemeClr>
+            </a:solidFill>
+          </a:ln>
+        </p:spPr>
+        <p:style>
+          <a:lnRef idx="1">
+            <a:schemeClr val="accent1"/>
+          </a:lnRef>
+          <a:fillRef idx="0">
+            <a:schemeClr val="accent1"/>
+          </a:fillRef>
+          <a:effectRef idx="0">
+            <a:schemeClr val="accent1"/>
+          </a:effectRef>
+          <a:fontRef idx="minor">
+            <a:schemeClr val="tx1"/>
+          </a:fontRef>
+        </p:style>
+      </p:cxnSp>
+      <p:sp>
+        <p:nvSpPr>
+          <p:cNvPr id="9" name="Content Placeholder 8">
+            <a:extLst>
+              <a:ext uri="{FF2B5EF4-FFF2-40B4-BE49-F238E27FC236}">
+                <a16:creationId xmlns:a16="http://schemas.microsoft.com/office/drawing/2014/main" id="{1D5EF0D3-E098-4EEF-7F0B-6AE05CCE0B15}"/>
+              </a:ext>
+            </a:extLst>
+          </p:cNvPr>
           <p:cNvSpPr>
             <a:spLocks noGrp="1"/>
           </p:cNvSpPr>
@@ -4409,14 +4565,284 @@
             <p:ph idx="1"/>
           </p:nvPr>
         </p:nvSpPr>
-        <p:spPr/>
-        <p:txBody>
-          <a:bodyPr/>
-          <a:lstStyle/>
-          <a:p>
-            <a:endParaRPr lang="nl-BE" dirty="0"/>
-          </a:p>
-        </p:txBody>
+        <p:spPr>
+          <a:xfrm>
+            <a:off x="7859485" y="2198914"/>
+            <a:ext cx="3690257" cy="3670180"/>
+          </a:xfrm>
+        </p:spPr>
+        <p:txBody>
+          <a:bodyPr>
+            <a:normAutofit/>
+          </a:bodyPr>
+          <a:lstStyle/>
+          <a:p>
+            <a:r>
+              <a:rPr lang="en-US" dirty="0"/>
+              <a:t>- </a:t>
+            </a:r>
+            <a:r>
+              <a:rPr lang="nl-BE" dirty="0"/>
+              <a:t>Geautomatiseerd</a:t>
+            </a:r>
+            <a:r>
+              <a:rPr lang="en-US" dirty="0"/>
+              <a:t> script:</a:t>
+            </a:r>
+          </a:p>
+          <a:p>
+            <a:r>
+              <a:rPr lang="en-US" dirty="0" err="1"/>
+              <a:t>Een</a:t>
+            </a:r>
+            <a:r>
+              <a:rPr lang="en-US" dirty="0"/>
+              <a:t> </a:t>
+            </a:r>
+            <a:r>
+              <a:rPr lang="en-US" dirty="0" err="1"/>
+              <a:t>volledig</a:t>
+            </a:r>
+            <a:r>
+              <a:rPr lang="en-US" dirty="0"/>
+              <a:t> </a:t>
+            </a:r>
+            <a:r>
+              <a:rPr lang="en-US" dirty="0" err="1"/>
+              <a:t>ip-adressringschema</a:t>
+            </a:r>
+            <a:r>
+              <a:rPr lang="en-US" dirty="0"/>
+              <a:t> </a:t>
+            </a:r>
+            <a:r>
+              <a:rPr lang="en-US" dirty="0" err="1"/>
+              <a:t>voor</a:t>
+            </a:r>
+            <a:r>
+              <a:rPr lang="en-US" dirty="0"/>
+              <a:t> alle devices </a:t>
+            </a:r>
+          </a:p>
+          <a:p>
+            <a:r>
+              <a:rPr lang="en-US" dirty="0"/>
+              <a:t>Config </a:t>
+            </a:r>
+            <a:r>
+              <a:rPr lang="en-US" dirty="0" err="1"/>
+              <a:t>voor</a:t>
+            </a:r>
+            <a:r>
+              <a:rPr lang="en-US" dirty="0"/>
+              <a:t> de routers </a:t>
+            </a:r>
+            <a:r>
+              <a:rPr lang="en-US" dirty="0" err="1"/>
+              <a:t>en</a:t>
+            </a:r>
+            <a:r>
+              <a:rPr lang="en-US" dirty="0"/>
+              <a:t> switches</a:t>
+            </a:r>
+          </a:p>
+          <a:p>
+            <a:r>
+              <a:rPr lang="en-US" dirty="0"/>
+              <a:t>Via server het OS </a:t>
+            </a:r>
+            <a:r>
+              <a:rPr lang="en-US" dirty="0" err="1"/>
+              <a:t>pushen</a:t>
+            </a:r>
+            <a:r>
+              <a:rPr lang="en-US" dirty="0"/>
+              <a:t> </a:t>
+            </a:r>
+            <a:r>
+              <a:rPr lang="en-US" dirty="0" err="1"/>
+              <a:t>naar</a:t>
+            </a:r>
+            <a:r>
+              <a:rPr lang="en-US" dirty="0"/>
+              <a:t> de hosts pc’s</a:t>
+            </a:r>
+          </a:p>
+          <a:p>
+            <a:r>
+              <a:rPr lang="en-US" dirty="0"/>
+              <a:t>Via docker </a:t>
+            </a:r>
+            <a:r>
+              <a:rPr lang="en-US" dirty="0" err="1"/>
+              <a:t>een</a:t>
+            </a:r>
+            <a:r>
+              <a:rPr lang="en-US" dirty="0"/>
+              <a:t> image met pyhon3 software </a:t>
+            </a:r>
+            <a:r>
+              <a:rPr lang="en-US" dirty="0" err="1"/>
+              <a:t>pushen</a:t>
+            </a:r>
+            <a:endParaRPr lang="en-US" dirty="0"/>
+          </a:p>
+          <a:p>
+            <a:pPr marL="0" indent="0">
+              <a:buNone/>
+            </a:pPr>
+            <a:endParaRPr lang="en-US" dirty="0"/>
+          </a:p>
+          <a:p>
+            <a:pPr marL="0" indent="0">
+              <a:buNone/>
+            </a:pPr>
+            <a:endParaRPr lang="en-US" dirty="0"/>
+          </a:p>
+          <a:p>
+            <a:pPr marL="0" indent="0">
+              <a:buNone/>
+            </a:pPr>
+            <a:endParaRPr lang="en-US" dirty="0"/>
+          </a:p>
+          <a:p>
+            <a:pPr marL="0" indent="0">
+              <a:buNone/>
+            </a:pPr>
+            <a:endParaRPr lang="en-US" dirty="0"/>
+          </a:p>
+          <a:p>
+            <a:endParaRPr lang="en-US" dirty="0"/>
+          </a:p>
+          <a:p>
+            <a:endParaRPr lang="en-US" dirty="0"/>
+          </a:p>
+          <a:p>
+            <a:pPr marL="0" indent="0">
+              <a:buNone/>
+            </a:pPr>
+            <a:endParaRPr lang="en-US" dirty="0"/>
+          </a:p>
+          <a:p>
+            <a:pPr marL="0" indent="0">
+              <a:buNone/>
+            </a:pPr>
+            <a:endParaRPr lang="en-US" dirty="0"/>
+          </a:p>
+          <a:p>
+            <a:endParaRPr lang="en-US" dirty="0"/>
+          </a:p>
+        </p:txBody>
+      </p:sp>
+      <p:sp>
+        <p:nvSpPr>
+          <p:cNvPr id="16" name="Rectangle 15">
+            <a:extLst>
+              <a:ext uri="{FF2B5EF4-FFF2-40B4-BE49-F238E27FC236}">
+                <a16:creationId xmlns:a16="http://schemas.microsoft.com/office/drawing/2014/main" id="{1E299956-A9E7-4FC1-A0B1-D590CA9730E8}"/>
+              </a:ext>
+              <a:ext uri="{C183D7F6-B498-43B3-948B-1728B52AA6E4}">
+                <adec:decorative xmlns:adec="http://schemas.microsoft.com/office/drawing/2017/decorative" val="1"/>
+              </a:ext>
+            </a:extLst>
+          </p:cNvPr>
+          <p:cNvSpPr>
+            <a:spLocks noGrp="1" noRot="1" noChangeAspect="1" noMove="1" noResize="1" noEditPoints="1" noAdjustHandles="1" noChangeArrowheads="1" noChangeShapeType="1" noTextEdit="1"/>
+          </p:cNvSpPr>
+          <p:nvPr>
+            <p:extLst>
+              <p:ext uri="{386F3935-93C4-4BCD-93E2-E3B085C9AB24}">
+                <p16:designElem xmlns:p16="http://schemas.microsoft.com/office/powerpoint/2015/main" val="1"/>
+              </p:ext>
+            </p:extLst>
+          </p:nvPr>
+        </p:nvSpPr>
+        <p:spPr>
+          <a:xfrm>
+            <a:off x="15" y="6334316"/>
+            <a:ext cx="12191985" cy="66484"/>
+          </a:xfrm>
+          <a:prstGeom prst="rect">
+            <a:avLst/>
+          </a:prstGeom>
+          <a:solidFill>
+            <a:schemeClr val="accent1"/>
+          </a:solidFill>
+          <a:ln>
+            <a:noFill/>
+          </a:ln>
+        </p:spPr>
+        <p:style>
+          <a:lnRef idx="2">
+            <a:schemeClr val="accent1">
+              <a:shade val="50000"/>
+            </a:schemeClr>
+          </a:lnRef>
+          <a:fillRef idx="1">
+            <a:schemeClr val="accent1"/>
+          </a:fillRef>
+          <a:effectRef idx="0">
+            <a:schemeClr val="accent1"/>
+          </a:effectRef>
+          <a:fontRef idx="minor">
+            <a:schemeClr val="lt1"/>
+          </a:fontRef>
+        </p:style>
+      </p:sp>
+      <p:sp>
+        <p:nvSpPr>
+          <p:cNvPr id="18" name="Rectangle 17">
+            <a:extLst>
+              <a:ext uri="{FF2B5EF4-FFF2-40B4-BE49-F238E27FC236}">
+                <a16:creationId xmlns:a16="http://schemas.microsoft.com/office/drawing/2014/main" id="{17FC539C-B783-4B03-9F9E-D13430F3F64F}"/>
+              </a:ext>
+              <a:ext uri="{C183D7F6-B498-43B3-948B-1728B52AA6E4}">
+                <adec:decorative xmlns:adec="http://schemas.microsoft.com/office/drawing/2017/decorative" val="1"/>
+              </a:ext>
+            </a:extLst>
+          </p:cNvPr>
+          <p:cNvSpPr>
+            <a:spLocks noGrp="1" noRot="1" noChangeAspect="1" noMove="1" noResize="1" noEditPoints="1" noAdjustHandles="1" noChangeArrowheads="1" noChangeShapeType="1" noTextEdit="1"/>
+          </p:cNvSpPr>
+          <p:nvPr>
+            <p:extLst>
+              <p:ext uri="{386F3935-93C4-4BCD-93E2-E3B085C9AB24}">
+                <p16:designElem xmlns:p16="http://schemas.microsoft.com/office/powerpoint/2015/main" val="1"/>
+              </p:ext>
+            </p:extLst>
+          </p:nvPr>
+        </p:nvSpPr>
+        <p:spPr>
+          <a:xfrm>
+            <a:off x="1" y="6400800"/>
+            <a:ext cx="12192000" cy="457200"/>
+          </a:xfrm>
+          <a:prstGeom prst="rect">
+            <a:avLst/>
+          </a:prstGeom>
+          <a:solidFill>
+            <a:schemeClr val="accent2"/>
+          </a:solidFill>
+          <a:ln>
+            <a:noFill/>
+          </a:ln>
+        </p:spPr>
+        <p:style>
+          <a:lnRef idx="2">
+            <a:schemeClr val="accent1">
+              <a:shade val="50000"/>
+            </a:schemeClr>
+          </a:lnRef>
+          <a:fillRef idx="1">
+            <a:schemeClr val="accent1"/>
+          </a:fillRef>
+          <a:effectRef idx="0">
+            <a:schemeClr val="accent1"/>
+          </a:effectRef>
+          <a:fontRef idx="minor">
+            <a:schemeClr val="lt1"/>
+          </a:fontRef>
+        </p:style>
       </p:sp>
     </p:spTree>
     <p:extLst>

--- a/Scrum Artifacts/Sprint5/IT-Projectwerk 2022.pptx
+++ b/Scrum Artifacts/Sprint5/IT-Projectwerk 2022.pptx
@@ -11,10 +11,11 @@
     <p:sldId id="260" r:id="rId5"/>
     <p:sldId id="265" r:id="rId6"/>
     <p:sldId id="259" r:id="rId7"/>
-    <p:sldId id="261" r:id="rId8"/>
-    <p:sldId id="262" r:id="rId9"/>
-    <p:sldId id="263" r:id="rId10"/>
-    <p:sldId id="264" r:id="rId11"/>
+    <p:sldId id="266" r:id="rId8"/>
+    <p:sldId id="261" r:id="rId9"/>
+    <p:sldId id="262" r:id="rId10"/>
+    <p:sldId id="263" r:id="rId11"/>
+    <p:sldId id="264" r:id="rId12"/>
   </p:sldIdLst>
   <p:sldSz cx="12192000" cy="6858000"/>
   <p:notesSz cx="6858000" cy="9144000"/>
@@ -347,7 +348,7 @@
           <a:p>
             <a:fld id="{DE0F2AED-0ED5-49A6-B062-0BE42E986736}" type="datetimeFigureOut">
               <a:rPr lang="nl-BE" smtClean="0"/>
-              <a:t>10/06/2022</a:t>
+              <a:t>11/06/2022</a:t>
             </a:fld>
             <a:endParaRPr lang="nl-BE"/>
           </a:p>
@@ -555,7 +556,7 @@
           <a:p>
             <a:fld id="{DE0F2AED-0ED5-49A6-B062-0BE42E986736}" type="datetimeFigureOut">
               <a:rPr lang="nl-BE" smtClean="0"/>
-              <a:t>10/06/2022</a:t>
+              <a:t>11/06/2022</a:t>
             </a:fld>
             <a:endParaRPr lang="nl-BE"/>
           </a:p>
@@ -811,7 +812,7 @@
           <a:p>
             <a:fld id="{DE0F2AED-0ED5-49A6-B062-0BE42E986736}" type="datetimeFigureOut">
               <a:rPr lang="nl-BE" smtClean="0"/>
-              <a:t>10/06/2022</a:t>
+              <a:t>11/06/2022</a:t>
             </a:fld>
             <a:endParaRPr lang="nl-BE"/>
           </a:p>
@@ -985,7 +986,7 @@
           <a:p>
             <a:fld id="{DE0F2AED-0ED5-49A6-B062-0BE42E986736}" type="datetimeFigureOut">
               <a:rPr lang="nl-BE" smtClean="0"/>
-              <a:t>10/06/2022</a:t>
+              <a:t>11/06/2022</a:t>
             </a:fld>
             <a:endParaRPr lang="nl-BE"/>
           </a:p>
@@ -1328,7 +1329,7 @@
           <a:p>
             <a:fld id="{DE0F2AED-0ED5-49A6-B062-0BE42E986736}" type="datetimeFigureOut">
               <a:rPr lang="nl-BE" smtClean="0"/>
-              <a:t>10/06/2022</a:t>
+              <a:t>11/06/2022</a:t>
             </a:fld>
             <a:endParaRPr lang="nl-BE"/>
           </a:p>
@@ -1603,7 +1604,7 @@
           <a:p>
             <a:fld id="{DE0F2AED-0ED5-49A6-B062-0BE42E986736}" type="datetimeFigureOut">
               <a:rPr lang="nl-BE" smtClean="0"/>
-              <a:t>10/06/2022</a:t>
+              <a:t>11/06/2022</a:t>
             </a:fld>
             <a:endParaRPr lang="nl-BE"/>
           </a:p>
@@ -1982,7 +1983,7 @@
           <a:p>
             <a:fld id="{DE0F2AED-0ED5-49A6-B062-0BE42E986736}" type="datetimeFigureOut">
               <a:rPr lang="nl-BE" smtClean="0"/>
-              <a:t>10/06/2022</a:t>
+              <a:t>11/06/2022</a:t>
             </a:fld>
             <a:endParaRPr lang="nl-BE"/>
           </a:p>
@@ -2100,7 +2101,7 @@
           <a:p>
             <a:fld id="{DE0F2AED-0ED5-49A6-B062-0BE42E986736}" type="datetimeFigureOut">
               <a:rPr lang="nl-BE" smtClean="0"/>
-              <a:t>10/06/2022</a:t>
+              <a:t>11/06/2022</a:t>
             </a:fld>
             <a:endParaRPr lang="nl-BE"/>
           </a:p>
@@ -2271,7 +2272,7 @@
           <a:p>
             <a:fld id="{DE0F2AED-0ED5-49A6-B062-0BE42E986736}" type="datetimeFigureOut">
               <a:rPr lang="nl-BE" smtClean="0"/>
-              <a:t>10/06/2022</a:t>
+              <a:t>11/06/2022</a:t>
             </a:fld>
             <a:endParaRPr lang="nl-BE"/>
           </a:p>
@@ -2625,7 +2626,7 @@
           <a:p>
             <a:fld id="{DE0F2AED-0ED5-49A6-B062-0BE42E986736}" type="datetimeFigureOut">
               <a:rPr lang="nl-BE" smtClean="0"/>
-              <a:t>10/06/2022</a:t>
+              <a:t>11/06/2022</a:t>
             </a:fld>
             <a:endParaRPr lang="nl-BE"/>
           </a:p>
@@ -3007,7 +3008,7 @@
           <a:p>
             <a:fld id="{DE0F2AED-0ED5-49A6-B062-0BE42E986736}" type="datetimeFigureOut">
               <a:rPr lang="nl-BE" smtClean="0"/>
-              <a:t>10/06/2022</a:t>
+              <a:t>11/06/2022</a:t>
             </a:fld>
             <a:endParaRPr lang="nl-BE"/>
           </a:p>
@@ -3294,7 +3295,7 @@
           <a:p>
             <a:fld id="{DE0F2AED-0ED5-49A6-B062-0BE42E986736}" type="datetimeFigureOut">
               <a:rPr lang="nl-BE" smtClean="0"/>
-              <a:t>10/06/2022</a:t>
+              <a:t>11/06/2022</a:t>
             </a:fld>
             <a:endParaRPr lang="nl-BE"/>
           </a:p>
@@ -3901,6 +3902,89 @@
           <p:cNvPr id="2" name="Titel 1">
             <a:extLst>
               <a:ext uri="{FF2B5EF4-FFF2-40B4-BE49-F238E27FC236}">
+                <a16:creationId xmlns:a16="http://schemas.microsoft.com/office/drawing/2014/main" id="{AFC54422-200F-390B-1E44-8D7F3C8BE92E}"/>
+              </a:ext>
+            </a:extLst>
+          </p:cNvPr>
+          <p:cNvSpPr>
+            <a:spLocks noGrp="1"/>
+          </p:cNvSpPr>
+          <p:nvPr>
+            <p:ph type="title"/>
+          </p:nvPr>
+        </p:nvSpPr>
+        <p:spPr/>
+        <p:txBody>
+          <a:bodyPr/>
+          <a:lstStyle/>
+          <a:p>
+            <a:r>
+              <a:rPr lang="nl-BE" dirty="0"/>
+              <a:t>Demo</a:t>
+            </a:r>
+          </a:p>
+        </p:txBody>
+      </p:sp>
+      <p:sp>
+        <p:nvSpPr>
+          <p:cNvPr id="3" name="Tijdelijke aanduiding voor inhoud 2">
+            <a:extLst>
+              <a:ext uri="{FF2B5EF4-FFF2-40B4-BE49-F238E27FC236}">
+                <a16:creationId xmlns:a16="http://schemas.microsoft.com/office/drawing/2014/main" id="{B0725605-6BF1-AB8E-4534-CF8AAC3DA7F6}"/>
+              </a:ext>
+            </a:extLst>
+          </p:cNvPr>
+          <p:cNvSpPr>
+            <a:spLocks noGrp="1"/>
+          </p:cNvSpPr>
+          <p:nvPr>
+            <p:ph idx="1"/>
+          </p:nvPr>
+        </p:nvSpPr>
+        <p:spPr/>
+        <p:txBody>
+          <a:bodyPr/>
+          <a:lstStyle/>
+          <a:p>
+            <a:endParaRPr lang="nl-BE"/>
+          </a:p>
+        </p:txBody>
+      </p:sp>
+    </p:spTree>
+    <p:extLst>
+      <p:ext uri="{BB962C8B-B14F-4D97-AF65-F5344CB8AC3E}">
+        <p14:creationId xmlns:p14="http://schemas.microsoft.com/office/powerpoint/2010/main" val="2859215401"/>
+      </p:ext>
+    </p:extLst>
+  </p:cSld>
+  <p:clrMapOvr>
+    <a:masterClrMapping/>
+  </p:clrMapOvr>
+</p:sld>
+</file>
+
+<file path=ppt/slides/slide11.xml><?xml version="1.0" encoding="utf-8"?>
+<p:sld xmlns:a="http://schemas.openxmlformats.org/drawingml/2006/main" xmlns:r="http://schemas.openxmlformats.org/officeDocument/2006/relationships" xmlns:p="http://schemas.openxmlformats.org/presentationml/2006/main">
+  <p:cSld>
+    <p:spTree>
+      <p:nvGrpSpPr>
+        <p:cNvPr id="1" name=""/>
+        <p:cNvGrpSpPr/>
+        <p:nvPr/>
+      </p:nvGrpSpPr>
+      <p:grpSpPr>
+        <a:xfrm>
+          <a:off x="0" y="0"/>
+          <a:ext cx="0" cy="0"/>
+          <a:chOff x="0" y="0"/>
+          <a:chExt cx="0" cy="0"/>
+        </a:xfrm>
+      </p:grpSpPr>
+      <p:sp>
+        <p:nvSpPr>
+          <p:cNvPr id="2" name="Titel 1">
+            <a:extLst>
+              <a:ext uri="{FF2B5EF4-FFF2-40B4-BE49-F238E27FC236}">
                 <a16:creationId xmlns:a16="http://schemas.microsoft.com/office/drawing/2014/main" id="{6DCE6BC2-FCC8-1C7A-F5B9-58B298288E95}"/>
               </a:ext>
             </a:extLst>
@@ -4485,7 +4569,7 @@
         </p:blipFill>
         <p:spPr>
           <a:xfrm>
-            <a:off x="633999" y="714746"/>
+            <a:off x="429123" y="608599"/>
             <a:ext cx="6909801" cy="5165076"/>
           </a:xfrm>
           <a:prstGeom prst="rect">
@@ -4567,13 +4651,13 @@
         </p:nvSpPr>
         <p:spPr>
           <a:xfrm>
-            <a:off x="7859485" y="2198914"/>
-            <a:ext cx="3690257" cy="3670180"/>
+            <a:off x="7620001" y="2198914"/>
+            <a:ext cx="3929742" cy="3670180"/>
           </a:xfrm>
         </p:spPr>
         <p:txBody>
           <a:bodyPr>
-            <a:normAutofit/>
+            <a:normAutofit lnSpcReduction="10000"/>
           </a:bodyPr>
           <a:lstStyle/>
           <a:p>
@@ -4597,11 +4681,11 @@
             </a:r>
             <a:r>
               <a:rPr lang="en-US" dirty="0"/>
-              <a:t> </a:t>
-            </a:r>
-            <a:r>
-              <a:rPr lang="en-US" dirty="0" err="1"/>
-              <a:t>volledig</a:t>
+              <a:t> volledig </a:t>
+            </a:r>
+            <a:r>
+              <a:rPr lang="nl-BE" dirty="0"/>
+              <a:t>IP-adresseringsschema</a:t>
             </a:r>
             <a:r>
               <a:rPr lang="en-US" dirty="0"/>
@@ -4609,11 +4693,17 @@
             </a:r>
             <a:r>
               <a:rPr lang="en-US" dirty="0" err="1"/>
-              <a:t>ip-adressringschema</a:t>
+              <a:t>voor</a:t>
             </a:r>
             <a:r>
               <a:rPr lang="en-US" dirty="0"/>
-              <a:t> </a:t>
+              <a:t> alle devices </a:t>
+            </a:r>
+          </a:p>
+          <a:p>
+            <a:r>
+              <a:rPr lang="en-US" dirty="0"/>
+              <a:t>Config </a:t>
             </a:r>
             <a:r>
               <a:rPr lang="en-US" dirty="0" err="1"/>
@@ -4621,20 +4711,6 @@
             </a:r>
             <a:r>
               <a:rPr lang="en-US" dirty="0"/>
-              <a:t> alle devices </a:t>
-            </a:r>
-          </a:p>
-          <a:p>
-            <a:r>
-              <a:rPr lang="en-US" dirty="0"/>
-              <a:t>Config </a:t>
-            </a:r>
-            <a:r>
-              <a:rPr lang="en-US" dirty="0" err="1"/>
-              <a:t>voor</a:t>
-            </a:r>
-            <a:r>
-              <a:rPr lang="en-US" dirty="0"/>
               <a:t> de routers </a:t>
             </a:r>
             <a:r>
@@ -4643,13 +4719,19 @@
             </a:r>
             <a:r>
               <a:rPr lang="en-US" dirty="0"/>
-              <a:t> switches</a:t>
+              <a:t> de switches</a:t>
             </a:r>
           </a:p>
           <a:p>
             <a:r>
               <a:rPr lang="en-US" dirty="0"/>
-              <a:t>Via server het OS </a:t>
+              <a:t>- </a:t>
+            </a:r>
+          </a:p>
+          <a:p>
+            <a:r>
+              <a:rPr lang="en-US" dirty="0"/>
+              <a:t>Via server OS </a:t>
             </a:r>
             <a:r>
               <a:rPr lang="en-US" dirty="0" err="1"/>
@@ -4860,6 +4942,14 @@
 <file path=ppt/slides/slide6.xml><?xml version="1.0" encoding="utf-8"?>
 <p:sld xmlns:a="http://schemas.openxmlformats.org/drawingml/2006/main" xmlns:r="http://schemas.openxmlformats.org/officeDocument/2006/relationships" xmlns:p="http://schemas.openxmlformats.org/presentationml/2006/main">
   <p:cSld>
+    <p:bg>
+      <p:bgPr>
+        <a:solidFill>
+          <a:schemeClr val="bg1"/>
+        </a:solidFill>
+        <a:effectLst/>
+      </p:bgPr>
+    </p:bg>
     <p:spTree>
       <p:nvGrpSpPr>
         <p:cNvPr id="1" name=""/>
@@ -4890,13 +4980,20 @@
             <p:ph type="title"/>
           </p:nvPr>
         </p:nvSpPr>
-        <p:spPr/>
-        <p:txBody>
-          <a:bodyPr/>
-          <a:lstStyle/>
-          <a:p>
-            <a:r>
-              <a:rPr lang="nl-BE" dirty="0"/>
+        <p:spPr>
+          <a:xfrm>
+            <a:off x="1097280" y="286603"/>
+            <a:ext cx="10058400" cy="1450757"/>
+          </a:xfrm>
+        </p:spPr>
+        <p:txBody>
+          <a:bodyPr vert="horz" lIns="91440" tIns="45720" rIns="91440" bIns="45720" rtlCol="0" anchor="b">
+            <a:normAutofit/>
+          </a:bodyPr>
+          <a:lstStyle/>
+          <a:p>
+            <a:r>
+              <a:rPr lang="en-US"/>
               <a:t>Plan van aanpak</a:t>
             </a:r>
           </a:p>
@@ -4904,19 +5001,17 @@
       </p:sp>
       <p:pic>
         <p:nvPicPr>
-          <p:cNvPr id="5" name="Tijdelijke aanduiding voor inhoud 4">
+          <p:cNvPr id="11" name="Afbeelding 10">
             <a:extLst>
               <a:ext uri="{FF2B5EF4-FFF2-40B4-BE49-F238E27FC236}">
-                <a16:creationId xmlns:a16="http://schemas.microsoft.com/office/drawing/2014/main" id="{95FE44EF-F03B-8E79-136E-BBBF55B04481}"/>
+                <a16:creationId xmlns:a16="http://schemas.microsoft.com/office/drawing/2014/main" id="{1D679743-40DD-6190-C502-EF6899E7E119}"/>
               </a:ext>
             </a:extLst>
           </p:cNvPr>
           <p:cNvPicPr>
-            <a:picLocks noGrp="1" noChangeAspect="1"/>
+            <a:picLocks noChangeAspect="1"/>
           </p:cNvPicPr>
-          <p:nvPr>
-            <p:ph idx="1"/>
-          </p:nvPr>
+          <p:nvPr/>
         </p:nvPicPr>
         <p:blipFill>
           <a:blip r:embed="rId2"/>
@@ -4926,17 +5021,20 @@
         </p:blipFill>
         <p:spPr>
           <a:xfrm>
-            <a:off x="1066800" y="2523319"/>
-            <a:ext cx="10058400" cy="1409579"/>
-          </a:xfrm>
+            <a:off x="1198614" y="3864269"/>
+            <a:ext cx="2895001" cy="1450756"/>
+          </a:xfrm>
+          <a:prstGeom prst="rect">
+            <a:avLst/>
+          </a:prstGeom>
         </p:spPr>
       </p:pic>
       <p:pic>
         <p:nvPicPr>
-          <p:cNvPr id="7" name="Afbeelding 6">
+          <p:cNvPr id="8" name="Afbeelding 7" descr="Afbeelding met pijl&#10;&#10;Automatisch gegenereerde beschrijving">
             <a:extLst>
               <a:ext uri="{FF2B5EF4-FFF2-40B4-BE49-F238E27FC236}">
-                <a16:creationId xmlns:a16="http://schemas.microsoft.com/office/drawing/2014/main" id="{AE84DAC4-FF51-2431-7D5A-C4B5E7C5C139}"/>
+                <a16:creationId xmlns:a16="http://schemas.microsoft.com/office/drawing/2014/main" id="{503873E3-C0B1-C2CC-8735-90E5C340BF23}"/>
               </a:ext>
             </a:extLst>
           </p:cNvPr>
@@ -4953,8 +5051,8 @@
         </p:blipFill>
         <p:spPr>
           <a:xfrm>
-            <a:off x="1066800" y="3908658"/>
-            <a:ext cx="10058399" cy="1717632"/>
+            <a:off x="4686301" y="3386580"/>
+            <a:ext cx="2376057" cy="2406133"/>
           </a:xfrm>
           <a:prstGeom prst="rect">
             <a:avLst/>
@@ -4975,37 +5073,144 @@
         </p:nvSpPr>
         <p:spPr>
           <a:xfrm>
-            <a:off x="1097280" y="1945673"/>
-            <a:ext cx="2568633" cy="369332"/>
+            <a:off x="1198615" y="2008296"/>
+            <a:ext cx="3487686" cy="1450757"/>
           </a:xfrm>
           <a:prstGeom prst="rect">
             <a:avLst/>
           </a:prstGeom>
-          <a:noFill/>
-        </p:spPr>
-        <p:txBody>
-          <a:bodyPr wrap="square" rtlCol="0">
-            <a:spAutoFit/>
+        </p:spPr>
+        <p:txBody>
+          <a:bodyPr vert="horz" lIns="0" tIns="45720" rIns="0" bIns="45720" rtlCol="0">
+            <a:normAutofit/>
           </a:bodyPr>
           <a:lstStyle/>
           <a:p>
-            <a:r>
-              <a:rPr lang="nl-BE" dirty="0"/>
-              <a:t>Agile Scrum </a:t>
-            </a:r>
-            <a:r>
-              <a:rPr lang="nl-BE" dirty="0" err="1"/>
-              <a:t>Vs</a:t>
-            </a:r>
-            <a:r>
-              <a:rPr lang="nl-BE" dirty="0"/>
-              <a:t> </a:t>
-            </a:r>
-            <a:r>
-              <a:rPr lang="nl-BE" dirty="0" err="1"/>
-              <a:t>Waterfall</a:t>
-            </a:r>
-            <a:endParaRPr lang="nl-BE" dirty="0"/>
+            <a:pPr defTabSz="914400">
+              <a:lnSpc>
+                <a:spcPct val="90000"/>
+              </a:lnSpc>
+              <a:spcAft>
+                <a:spcPts val="600"/>
+              </a:spcAft>
+              <a:buClr>
+                <a:schemeClr val="accent1"/>
+              </a:buClr>
+              <a:buFont typeface="Calibri" panose="020F0502020204030204" pitchFamily="34" charset="0"/>
+            </a:pPr>
+            <a:r>
+              <a:rPr lang="en-US" dirty="0">
+                <a:solidFill>
+                  <a:schemeClr val="tx1">
+                    <a:lumMod val="75000"/>
+                    <a:lumOff val="25000"/>
+                  </a:schemeClr>
+                </a:solidFill>
+              </a:rPr>
+              <a:t>Agile Scrum Vs Waterfall</a:t>
+            </a:r>
+          </a:p>
+          <a:p>
+            <a:pPr defTabSz="914400">
+              <a:lnSpc>
+                <a:spcPct val="90000"/>
+              </a:lnSpc>
+              <a:spcAft>
+                <a:spcPts val="600"/>
+              </a:spcAft>
+              <a:buClr>
+                <a:schemeClr val="accent1"/>
+              </a:buClr>
+              <a:buFont typeface="Calibri" panose="020F0502020204030204" pitchFamily="34" charset="0"/>
+            </a:pPr>
+            <a:endParaRPr lang="en-US" dirty="0">
+              <a:solidFill>
+                <a:schemeClr val="tx1">
+                  <a:lumMod val="75000"/>
+                  <a:lumOff val="25000"/>
+                </a:schemeClr>
+              </a:solidFill>
+            </a:endParaRPr>
+          </a:p>
+          <a:p>
+            <a:pPr defTabSz="914400">
+              <a:lnSpc>
+                <a:spcPct val="90000"/>
+              </a:lnSpc>
+              <a:spcAft>
+                <a:spcPts val="600"/>
+              </a:spcAft>
+              <a:buClr>
+                <a:schemeClr val="accent1"/>
+              </a:buClr>
+              <a:buFont typeface="Calibri" panose="020F0502020204030204" pitchFamily="34" charset="0"/>
+            </a:pPr>
+            <a:r>
+              <a:rPr lang="en-US" dirty="0" err="1">
+                <a:solidFill>
+                  <a:schemeClr val="tx1">
+                    <a:lumMod val="75000"/>
+                    <a:lumOff val="25000"/>
+                  </a:schemeClr>
+                </a:solidFill>
+              </a:rPr>
+              <a:t>Waarom</a:t>
+            </a:r>
+            <a:r>
+              <a:rPr lang="en-US" dirty="0">
+                <a:solidFill>
+                  <a:schemeClr val="tx1">
+                    <a:lumMod val="75000"/>
+                    <a:lumOff val="25000"/>
+                  </a:schemeClr>
+                </a:solidFill>
+              </a:rPr>
+              <a:t> Agile Scrum?</a:t>
+            </a:r>
+          </a:p>
+          <a:p>
+            <a:pPr defTabSz="914400">
+              <a:lnSpc>
+                <a:spcPct val="90000"/>
+              </a:lnSpc>
+              <a:spcAft>
+                <a:spcPts val="600"/>
+              </a:spcAft>
+              <a:buClr>
+                <a:schemeClr val="accent1"/>
+              </a:buClr>
+              <a:buFont typeface="Calibri" panose="020F0502020204030204" pitchFamily="34" charset="0"/>
+            </a:pPr>
+            <a:endParaRPr lang="en-US" dirty="0">
+              <a:solidFill>
+                <a:schemeClr val="tx1">
+                  <a:lumMod val="75000"/>
+                  <a:lumOff val="25000"/>
+                </a:schemeClr>
+              </a:solidFill>
+            </a:endParaRPr>
+          </a:p>
+          <a:p>
+            <a:pPr defTabSz="914400">
+              <a:lnSpc>
+                <a:spcPct val="90000"/>
+              </a:lnSpc>
+              <a:spcAft>
+                <a:spcPts val="600"/>
+              </a:spcAft>
+              <a:buClr>
+                <a:schemeClr val="accent1"/>
+              </a:buClr>
+              <a:buFont typeface="Calibri" panose="020F0502020204030204" pitchFamily="34" charset="0"/>
+            </a:pPr>
+            <a:endParaRPr lang="en-US" dirty="0">
+              <a:solidFill>
+                <a:schemeClr val="tx1">
+                  <a:lumMod val="75000"/>
+                  <a:lumOff val="25000"/>
+                </a:schemeClr>
+              </a:solidFill>
+            </a:endParaRPr>
           </a:p>
         </p:txBody>
       </p:sp>
@@ -5044,7 +5249,7 @@
           <p:cNvPr id="2" name="Titel 1">
             <a:extLst>
               <a:ext uri="{FF2B5EF4-FFF2-40B4-BE49-F238E27FC236}">
-                <a16:creationId xmlns:a16="http://schemas.microsoft.com/office/drawing/2014/main" id="{BE311A97-C066-5B05-482F-0E6FA4903BCF}"/>
+                <a16:creationId xmlns:a16="http://schemas.microsoft.com/office/drawing/2014/main" id="{437CA3E9-E049-BF82-8256-9488B89D6579}"/>
               </a:ext>
             </a:extLst>
           </p:cNvPr>
@@ -5062,7 +5267,7 @@
           <a:p>
             <a:r>
               <a:rPr lang="nl-BE" dirty="0"/>
-              <a:t>Sprints</a:t>
+              <a:t>Plan van aanpak</a:t>
             </a:r>
           </a:p>
         </p:txBody>
@@ -5072,7 +5277,7 @@
           <p:cNvPr id="3" name="Tijdelijke aanduiding voor inhoud 2">
             <a:extLst>
               <a:ext uri="{FF2B5EF4-FFF2-40B4-BE49-F238E27FC236}">
-                <a16:creationId xmlns:a16="http://schemas.microsoft.com/office/drawing/2014/main" id="{BBB5DA29-7692-24C6-BCFD-428E6A2BEB22}"/>
+                <a16:creationId xmlns:a16="http://schemas.microsoft.com/office/drawing/2014/main" id="{78D28960-B765-7B25-FA04-FDD1ED45EF63}"/>
               </a:ext>
             </a:extLst>
           </p:cNvPr>
@@ -5083,19 +5288,84 @@
             <p:ph idx="1"/>
           </p:nvPr>
         </p:nvSpPr>
-        <p:spPr/>
-        <p:txBody>
-          <a:bodyPr/>
-          <a:lstStyle/>
-          <a:p>
-            <a:endParaRPr lang="nl-BE"/>
-          </a:p>
-        </p:txBody>
-      </p:sp>
+        <p:spPr>
+          <a:xfrm>
+            <a:off x="1097280" y="1820796"/>
+            <a:ext cx="10058400" cy="706273"/>
+          </a:xfrm>
+        </p:spPr>
+        <p:txBody>
+          <a:bodyPr/>
+          <a:lstStyle/>
+          <a:p>
+            <a:endParaRPr lang="nl-BE" dirty="0"/>
+          </a:p>
+        </p:txBody>
+      </p:sp>
+      <p:pic>
+        <p:nvPicPr>
+          <p:cNvPr id="4" name="Tijdelijke aanduiding voor inhoud 4">
+            <a:extLst>
+              <a:ext uri="{FF2B5EF4-FFF2-40B4-BE49-F238E27FC236}">
+                <a16:creationId xmlns:a16="http://schemas.microsoft.com/office/drawing/2014/main" id="{5188A173-A41B-CD1D-B5BF-87529FB515BC}"/>
+              </a:ext>
+            </a:extLst>
+          </p:cNvPr>
+          <p:cNvPicPr>
+            <a:picLocks noChangeAspect="1"/>
+          </p:cNvPicPr>
+          <p:nvPr/>
+        </p:nvPicPr>
+        <p:blipFill>
+          <a:blip r:embed="rId2"/>
+          <a:stretch>
+            <a:fillRect/>
+          </a:stretch>
+        </p:blipFill>
+        <p:spPr>
+          <a:xfrm>
+            <a:off x="1097280" y="2604357"/>
+            <a:ext cx="9885429" cy="1385339"/>
+          </a:xfrm>
+          <a:prstGeom prst="rect">
+            <a:avLst/>
+          </a:prstGeom>
+        </p:spPr>
+      </p:pic>
+      <p:pic>
+        <p:nvPicPr>
+          <p:cNvPr id="5" name="Afbeelding 4">
+            <a:extLst>
+              <a:ext uri="{FF2B5EF4-FFF2-40B4-BE49-F238E27FC236}">
+                <a16:creationId xmlns:a16="http://schemas.microsoft.com/office/drawing/2014/main" id="{B8F3C3C3-93B4-9255-2B12-269380A0EE2D}"/>
+              </a:ext>
+            </a:extLst>
+          </p:cNvPr>
+          <p:cNvPicPr>
+            <a:picLocks noChangeAspect="1"/>
+          </p:cNvPicPr>
+          <p:nvPr/>
+        </p:nvPicPr>
+        <p:blipFill>
+          <a:blip r:embed="rId3"/>
+          <a:stretch>
+            <a:fillRect/>
+          </a:stretch>
+        </p:blipFill>
+        <p:spPr>
+          <a:xfrm>
+            <a:off x="1097280" y="3989696"/>
+            <a:ext cx="9885429" cy="1688095"/>
+          </a:xfrm>
+          <a:prstGeom prst="rect">
+            <a:avLst/>
+          </a:prstGeom>
+        </p:spPr>
+      </p:pic>
     </p:spTree>
     <p:extLst>
       <p:ext uri="{BB962C8B-B14F-4D97-AF65-F5344CB8AC3E}">
-        <p14:creationId xmlns:p14="http://schemas.microsoft.com/office/powerpoint/2010/main" val="616329558"/>
+        <p14:creationId xmlns:p14="http://schemas.microsoft.com/office/powerpoint/2010/main" val="1527229354"/>
       </p:ext>
     </p:extLst>
   </p:cSld>
@@ -5127,7 +5397,7 @@
           <p:cNvPr id="2" name="Titel 1">
             <a:extLst>
               <a:ext uri="{FF2B5EF4-FFF2-40B4-BE49-F238E27FC236}">
-                <a16:creationId xmlns:a16="http://schemas.microsoft.com/office/drawing/2014/main" id="{AEC34B59-0146-C33F-CFC6-890060B52779}"/>
+                <a16:creationId xmlns:a16="http://schemas.microsoft.com/office/drawing/2014/main" id="{BE311A97-C066-5B05-482F-0E6FA4903BCF}"/>
               </a:ext>
             </a:extLst>
           </p:cNvPr>
@@ -5145,7 +5415,7 @@
           <a:p>
             <a:r>
               <a:rPr lang="nl-BE" dirty="0"/>
-              <a:t>Uitvoering</a:t>
+              <a:t>Sprints</a:t>
             </a:r>
           </a:p>
         </p:txBody>
@@ -5155,7 +5425,7 @@
           <p:cNvPr id="3" name="Tijdelijke aanduiding voor inhoud 2">
             <a:extLst>
               <a:ext uri="{FF2B5EF4-FFF2-40B4-BE49-F238E27FC236}">
-                <a16:creationId xmlns:a16="http://schemas.microsoft.com/office/drawing/2014/main" id="{4BE4A8C1-501E-56ED-71C8-F32C29245B80}"/>
+                <a16:creationId xmlns:a16="http://schemas.microsoft.com/office/drawing/2014/main" id="{BBB5DA29-7692-24C6-BCFD-428E6A2BEB22}"/>
               </a:ext>
             </a:extLst>
           </p:cNvPr>
@@ -5171,14 +5441,14 @@
           <a:bodyPr/>
           <a:lstStyle/>
           <a:p>
-            <a:endParaRPr lang="nl-BE"/>
+            <a:endParaRPr lang="nl-BE" dirty="0"/>
           </a:p>
         </p:txBody>
       </p:sp>
     </p:spTree>
     <p:extLst>
       <p:ext uri="{BB962C8B-B14F-4D97-AF65-F5344CB8AC3E}">
-        <p14:creationId xmlns:p14="http://schemas.microsoft.com/office/powerpoint/2010/main" val="2170463598"/>
+        <p14:creationId xmlns:p14="http://schemas.microsoft.com/office/powerpoint/2010/main" val="616329558"/>
       </p:ext>
     </p:extLst>
   </p:cSld>
@@ -5210,7 +5480,7 @@
           <p:cNvPr id="2" name="Titel 1">
             <a:extLst>
               <a:ext uri="{FF2B5EF4-FFF2-40B4-BE49-F238E27FC236}">
-                <a16:creationId xmlns:a16="http://schemas.microsoft.com/office/drawing/2014/main" id="{AFC54422-200F-390B-1E44-8D7F3C8BE92E}"/>
+                <a16:creationId xmlns:a16="http://schemas.microsoft.com/office/drawing/2014/main" id="{AEC34B59-0146-C33F-CFC6-890060B52779}"/>
               </a:ext>
             </a:extLst>
           </p:cNvPr>
@@ -5228,7 +5498,7 @@
           <a:p>
             <a:r>
               <a:rPr lang="nl-BE" dirty="0"/>
-              <a:t>Demo</a:t>
+              <a:t>Uitvoering</a:t>
             </a:r>
           </a:p>
         </p:txBody>
@@ -5238,7 +5508,7 @@
           <p:cNvPr id="3" name="Tijdelijke aanduiding voor inhoud 2">
             <a:extLst>
               <a:ext uri="{FF2B5EF4-FFF2-40B4-BE49-F238E27FC236}">
-                <a16:creationId xmlns:a16="http://schemas.microsoft.com/office/drawing/2014/main" id="{B0725605-6BF1-AB8E-4534-CF8AAC3DA7F6}"/>
+                <a16:creationId xmlns:a16="http://schemas.microsoft.com/office/drawing/2014/main" id="{4BE4A8C1-501E-56ED-71C8-F32C29245B80}"/>
               </a:ext>
             </a:extLst>
           </p:cNvPr>
@@ -5261,7 +5531,7 @@
     </p:spTree>
     <p:extLst>
       <p:ext uri="{BB962C8B-B14F-4D97-AF65-F5344CB8AC3E}">
-        <p14:creationId xmlns:p14="http://schemas.microsoft.com/office/powerpoint/2010/main" val="2859215401"/>
+        <p14:creationId xmlns:p14="http://schemas.microsoft.com/office/powerpoint/2010/main" val="2170463598"/>
       </p:ext>
     </p:extLst>
   </p:cSld>

--- a/Scrum Artifacts/Sprint5/IT-Projectwerk 2022.pptx
+++ b/Scrum Artifacts/Sprint5/IT-Projectwerk 2022.pptx
@@ -348,7 +348,7 @@
           <a:p>
             <a:fld id="{DE0F2AED-0ED5-49A6-B062-0BE42E986736}" type="datetimeFigureOut">
               <a:rPr lang="nl-BE" smtClean="0"/>
-              <a:t>11/06/2022</a:t>
+              <a:t>12/06/2022</a:t>
             </a:fld>
             <a:endParaRPr lang="nl-BE"/>
           </a:p>
@@ -556,7 +556,7 @@
           <a:p>
             <a:fld id="{DE0F2AED-0ED5-49A6-B062-0BE42E986736}" type="datetimeFigureOut">
               <a:rPr lang="nl-BE" smtClean="0"/>
-              <a:t>11/06/2022</a:t>
+              <a:t>12/06/2022</a:t>
             </a:fld>
             <a:endParaRPr lang="nl-BE"/>
           </a:p>
@@ -812,7 +812,7 @@
           <a:p>
             <a:fld id="{DE0F2AED-0ED5-49A6-B062-0BE42E986736}" type="datetimeFigureOut">
               <a:rPr lang="nl-BE" smtClean="0"/>
-              <a:t>11/06/2022</a:t>
+              <a:t>12/06/2022</a:t>
             </a:fld>
             <a:endParaRPr lang="nl-BE"/>
           </a:p>
@@ -986,7 +986,7 @@
           <a:p>
             <a:fld id="{DE0F2AED-0ED5-49A6-B062-0BE42E986736}" type="datetimeFigureOut">
               <a:rPr lang="nl-BE" smtClean="0"/>
-              <a:t>11/06/2022</a:t>
+              <a:t>12/06/2022</a:t>
             </a:fld>
             <a:endParaRPr lang="nl-BE"/>
           </a:p>
@@ -1329,7 +1329,7 @@
           <a:p>
             <a:fld id="{DE0F2AED-0ED5-49A6-B062-0BE42E986736}" type="datetimeFigureOut">
               <a:rPr lang="nl-BE" smtClean="0"/>
-              <a:t>11/06/2022</a:t>
+              <a:t>12/06/2022</a:t>
             </a:fld>
             <a:endParaRPr lang="nl-BE"/>
           </a:p>
@@ -1604,7 +1604,7 @@
           <a:p>
             <a:fld id="{DE0F2AED-0ED5-49A6-B062-0BE42E986736}" type="datetimeFigureOut">
               <a:rPr lang="nl-BE" smtClean="0"/>
-              <a:t>11/06/2022</a:t>
+              <a:t>12/06/2022</a:t>
             </a:fld>
             <a:endParaRPr lang="nl-BE"/>
           </a:p>
@@ -1983,7 +1983,7 @@
           <a:p>
             <a:fld id="{DE0F2AED-0ED5-49A6-B062-0BE42E986736}" type="datetimeFigureOut">
               <a:rPr lang="nl-BE" smtClean="0"/>
-              <a:t>11/06/2022</a:t>
+              <a:t>12/06/2022</a:t>
             </a:fld>
             <a:endParaRPr lang="nl-BE"/>
           </a:p>
@@ -2101,7 +2101,7 @@
           <a:p>
             <a:fld id="{DE0F2AED-0ED5-49A6-B062-0BE42E986736}" type="datetimeFigureOut">
               <a:rPr lang="nl-BE" smtClean="0"/>
-              <a:t>11/06/2022</a:t>
+              <a:t>12/06/2022</a:t>
             </a:fld>
             <a:endParaRPr lang="nl-BE"/>
           </a:p>
@@ -2272,7 +2272,7 @@
           <a:p>
             <a:fld id="{DE0F2AED-0ED5-49A6-B062-0BE42E986736}" type="datetimeFigureOut">
               <a:rPr lang="nl-BE" smtClean="0"/>
-              <a:t>11/06/2022</a:t>
+              <a:t>12/06/2022</a:t>
             </a:fld>
             <a:endParaRPr lang="nl-BE"/>
           </a:p>
@@ -2626,7 +2626,7 @@
           <a:p>
             <a:fld id="{DE0F2AED-0ED5-49A6-B062-0BE42E986736}" type="datetimeFigureOut">
               <a:rPr lang="nl-BE" smtClean="0"/>
-              <a:t>11/06/2022</a:t>
+              <a:t>12/06/2022</a:t>
             </a:fld>
             <a:endParaRPr lang="nl-BE"/>
           </a:p>
@@ -3008,7 +3008,7 @@
           <a:p>
             <a:fld id="{DE0F2AED-0ED5-49A6-B062-0BE42E986736}" type="datetimeFigureOut">
               <a:rPr lang="nl-BE" smtClean="0"/>
-              <a:t>11/06/2022</a:t>
+              <a:t>12/06/2022</a:t>
             </a:fld>
             <a:endParaRPr lang="nl-BE"/>
           </a:p>
@@ -3295,7 +3295,7 @@
           <a:p>
             <a:fld id="{DE0F2AED-0ED5-49A6-B062-0BE42E986736}" type="datetimeFigureOut">
               <a:rPr lang="nl-BE" smtClean="0"/>
-              <a:t>11/06/2022</a:t>
+              <a:t>12/06/2022</a:t>
             </a:fld>
             <a:endParaRPr lang="nl-BE"/>
           </a:p>
@@ -3946,7 +3946,23 @@
           <a:bodyPr/>
           <a:lstStyle/>
           <a:p>
-            <a:endParaRPr lang="nl-BE"/>
+            <a:r>
+              <a:rPr lang="nl-BE" dirty="0" smtClean="0"/>
+              <a:t>Script</a:t>
+            </a:r>
+          </a:p>
+          <a:p>
+            <a:r>
+              <a:rPr lang="nl-BE" dirty="0" smtClean="0"/>
+              <a:t>PXE-boot</a:t>
+            </a:r>
+          </a:p>
+          <a:p>
+            <a:r>
+              <a:rPr lang="nl-BE" dirty="0" smtClean="0"/>
+              <a:t>Docker</a:t>
+            </a:r>
+            <a:endParaRPr lang="nl-BE" dirty="0"/>
           </a:p>
         </p:txBody>
       </p:sp>
@@ -4029,7 +4045,29 @@
           <a:bodyPr/>
           <a:lstStyle/>
           <a:p>
-            <a:endParaRPr lang="nl-BE"/>
+            <a:r>
+              <a:rPr lang="nl-BE" dirty="0" smtClean="0"/>
+              <a:t>Product</a:t>
+            </a:r>
+          </a:p>
+          <a:p>
+            <a:r>
+              <a:rPr lang="nl-BE" dirty="0" smtClean="0"/>
+              <a:t>Sterke punten</a:t>
+            </a:r>
+          </a:p>
+          <a:p>
+            <a:r>
+              <a:rPr lang="nl-BE" dirty="0" smtClean="0"/>
+              <a:t>Werkpunten</a:t>
+            </a:r>
+          </a:p>
+          <a:p>
+            <a:r>
+              <a:rPr lang="nl-BE" smtClean="0"/>
+              <a:t>Revisie</a:t>
+            </a:r>
+            <a:endParaRPr lang="nl-BE" dirty="0"/>
           </a:p>
         </p:txBody>
       </p:sp>
@@ -4460,7 +4498,7 @@
                 <a16:creationId xmlns:a16="http://schemas.microsoft.com/office/drawing/2014/main" id="{284B70D5-875B-433D-BDBD-1522A85D6C1D}"/>
               </a:ext>
               <a:ext uri="{C183D7F6-B498-43B3-948B-1728B52AA6E4}">
-                <adec:decorative xmlns:adec="http://schemas.microsoft.com/office/drawing/2017/decorative" val="1"/>
+                <adec:decorative xmlns:adec="http://schemas.microsoft.com/office/drawing/2017/decorative" xmlns="" val="1"/>
               </a:ext>
             </a:extLst>
           </p:cNvPr>
@@ -4585,7 +4623,7 @@
                 <a16:creationId xmlns:a16="http://schemas.microsoft.com/office/drawing/2014/main" id="{C947DF4A-614C-4B4C-8B80-E5B9D8E8CFED}"/>
               </a:ext>
               <a:ext uri="{C183D7F6-B498-43B3-948B-1728B52AA6E4}">
-                <adec:decorative xmlns:adec="http://schemas.microsoft.com/office/drawing/2017/decorative" val="1"/>
+                <adec:decorative xmlns:adec="http://schemas.microsoft.com/office/drawing/2017/decorative" xmlns="" val="1"/>
               </a:ext>
             </a:extLst>
           </p:cNvPr>
@@ -4824,7 +4862,7 @@
                 <a16:creationId xmlns:a16="http://schemas.microsoft.com/office/drawing/2014/main" id="{1E299956-A9E7-4FC1-A0B1-D590CA9730E8}"/>
               </a:ext>
               <a:ext uri="{C183D7F6-B498-43B3-948B-1728B52AA6E4}">
-                <adec:decorative xmlns:adec="http://schemas.microsoft.com/office/drawing/2017/decorative" val="1"/>
+                <adec:decorative xmlns:adec="http://schemas.microsoft.com/office/drawing/2017/decorative" xmlns="" val="1"/>
               </a:ext>
             </a:extLst>
           </p:cNvPr>
@@ -4879,7 +4917,7 @@
                 <a16:creationId xmlns:a16="http://schemas.microsoft.com/office/drawing/2014/main" id="{17FC539C-B783-4B03-9F9E-D13430F3F64F}"/>
               </a:ext>
               <a:ext uri="{C183D7F6-B498-43B3-948B-1728B52AA6E4}">
-                <adec:decorative xmlns:adec="http://schemas.microsoft.com/office/drawing/2017/decorative" val="1"/>
+                <adec:decorative xmlns:adec="http://schemas.microsoft.com/office/drawing/2017/decorative" xmlns="" val="1"/>
               </a:ext>
             </a:extLst>
           </p:cNvPr>
@@ -5524,7 +5562,35 @@
           <a:bodyPr/>
           <a:lstStyle/>
           <a:p>
-            <a:endParaRPr lang="nl-BE"/>
+            <a:r>
+              <a:rPr lang="nl-BE" dirty="0" err="1" smtClean="0"/>
+              <a:t>Github</a:t>
+            </a:r>
+            <a:endParaRPr lang="nl-BE" dirty="0" smtClean="0"/>
+          </a:p>
+          <a:p>
+            <a:r>
+              <a:rPr lang="nl-BE" dirty="0" smtClean="0"/>
+              <a:t>Visio</a:t>
+            </a:r>
+            <a:endParaRPr lang="nl-BE" dirty="0"/>
+          </a:p>
+          <a:p>
+            <a:r>
+              <a:rPr lang="nl-BE" dirty="0" smtClean="0"/>
+              <a:t>Python3</a:t>
+            </a:r>
+          </a:p>
+          <a:p>
+            <a:r>
+              <a:rPr lang="nl-BE" dirty="0" err="1" smtClean="0"/>
+              <a:t>Notepad</a:t>
+            </a:r>
+            <a:r>
+              <a:rPr lang="nl-BE" dirty="0" smtClean="0"/>
+              <a:t>++</a:t>
+            </a:r>
+            <a:endParaRPr lang="nl-BE" dirty="0"/>
           </a:p>
         </p:txBody>
       </p:sp>

--- a/Scrum Artifacts/Sprint5/IT-Projectwerk 2022.pptx
+++ b/Scrum Artifacts/Sprint5/IT-Projectwerk 2022.pptx
@@ -4,6 +4,9 @@
   <p:sldMasterIdLst>
     <p:sldMasterId id="2147483660" r:id="rId1"/>
   </p:sldMasterIdLst>
+  <p:notesMasterIdLst>
+    <p:notesMasterId r:id="rId14"/>
+  </p:notesMasterIdLst>
   <p:sldIdLst>
     <p:sldId id="256" r:id="rId2"/>
     <p:sldId id="257" r:id="rId3"/>
@@ -11,11 +14,12 @@
     <p:sldId id="260" r:id="rId5"/>
     <p:sldId id="265" r:id="rId6"/>
     <p:sldId id="259" r:id="rId7"/>
-    <p:sldId id="266" r:id="rId8"/>
-    <p:sldId id="261" r:id="rId9"/>
-    <p:sldId id="262" r:id="rId10"/>
-    <p:sldId id="263" r:id="rId11"/>
-    <p:sldId id="264" r:id="rId12"/>
+    <p:sldId id="267" r:id="rId8"/>
+    <p:sldId id="266" r:id="rId9"/>
+    <p:sldId id="261" r:id="rId10"/>
+    <p:sldId id="262" r:id="rId11"/>
+    <p:sldId id="263" r:id="rId12"/>
+    <p:sldId id="264" r:id="rId13"/>
   </p:sldIdLst>
   <p:sldSz cx="12192000" cy="6858000"/>
   <p:notesSz cx="6858000" cy="9144000"/>
@@ -122,6 +126,384 @@
 </p:presentation>
 </file>
 
+<file path=ppt/ink/ink1.xml><?xml version="1.0" encoding="utf-8"?>
+<inkml:ink xmlns:inkml="http://www.w3.org/2003/InkML">
+  <inkml:definitions>
+    <inkml:context xml:id="ctx0">
+      <inkml:inkSource xml:id="inkSrc0">
+        <inkml:traceFormat>
+          <inkml:channel name="X" type="integer" min="-2.14748E9" max="2.14748E9" units="cm"/>
+          <inkml:channel name="Y" type="integer" min="-2.14748E9" max="2.14748E9" units="cm"/>
+          <inkml:channel name="F" type="integer" max="32767" units="dev"/>
+        </inkml:traceFormat>
+        <inkml:channelProperties>
+          <inkml:channelProperty channel="X" name="resolution" value="1000" units="1/cm"/>
+          <inkml:channelProperty channel="Y" name="resolution" value="1000" units="1/cm"/>
+          <inkml:channelProperty channel="F" name="resolution" value="0" units="1/dev"/>
+        </inkml:channelProperties>
+      </inkml:inkSource>
+      <inkml:timestamp xml:id="ts0" timeString="2022-06-13T08:02:13.300"/>
+    </inkml:context>
+    <inkml:brush xml:id="br0">
+      <inkml:brushProperty name="width" value="0.05" units="cm"/>
+      <inkml:brushProperty name="height" value="0.05" units="cm"/>
+      <inkml:brushProperty name="color" value="#E71224"/>
+    </inkml:brush>
+  </inkml:definitions>
+  <inkml:trace contextRef="#ctx0" brushRef="#br0">1 0 24575</inkml:trace>
+</inkml:ink>
+</file>
+
+<file path=ppt/notesMasters/notesMaster1.xml><?xml version="1.0" encoding="utf-8"?>
+<p:notesMaster xmlns:a="http://schemas.openxmlformats.org/drawingml/2006/main" xmlns:r="http://schemas.openxmlformats.org/officeDocument/2006/relationships" xmlns:p="http://schemas.openxmlformats.org/presentationml/2006/main">
+  <p:cSld>
+    <p:bg>
+      <p:bgRef idx="1001">
+        <a:schemeClr val="bg1"/>
+      </p:bgRef>
+    </p:bg>
+    <p:spTree>
+      <p:nvGrpSpPr>
+        <p:cNvPr id="1" name=""/>
+        <p:cNvGrpSpPr/>
+        <p:nvPr/>
+      </p:nvGrpSpPr>
+      <p:grpSpPr>
+        <a:xfrm>
+          <a:off x="0" y="0"/>
+          <a:ext cx="0" cy="0"/>
+          <a:chOff x="0" y="0"/>
+          <a:chExt cx="0" cy="0"/>
+        </a:xfrm>
+      </p:grpSpPr>
+      <p:sp>
+        <p:nvSpPr>
+          <p:cNvPr id="2" name="Tijdelijke aanduiding voor koptekst 1"/>
+          <p:cNvSpPr>
+            <a:spLocks noGrp="1"/>
+          </p:cNvSpPr>
+          <p:nvPr>
+            <p:ph type="hdr" sz="quarter"/>
+          </p:nvPr>
+        </p:nvSpPr>
+        <p:spPr>
+          <a:xfrm>
+            <a:off x="0" y="0"/>
+            <a:ext cx="2971800" cy="458788"/>
+          </a:xfrm>
+          <a:prstGeom prst="rect">
+            <a:avLst/>
+          </a:prstGeom>
+        </p:spPr>
+        <p:txBody>
+          <a:bodyPr vert="horz" lIns="91440" tIns="45720" rIns="91440" bIns="45720" rtlCol="0"/>
+          <a:lstStyle>
+            <a:lvl1pPr algn="l">
+              <a:defRPr sz="1200"/>
+            </a:lvl1pPr>
+          </a:lstStyle>
+          <a:p>
+            <a:endParaRPr lang="nl-BE"/>
+          </a:p>
+        </p:txBody>
+      </p:sp>
+      <p:sp>
+        <p:nvSpPr>
+          <p:cNvPr id="3" name="Tijdelijke aanduiding voor datum 2"/>
+          <p:cNvSpPr>
+            <a:spLocks noGrp="1"/>
+          </p:cNvSpPr>
+          <p:nvPr>
+            <p:ph type="dt" idx="1"/>
+          </p:nvPr>
+        </p:nvSpPr>
+        <p:spPr>
+          <a:xfrm>
+            <a:off x="3884613" y="0"/>
+            <a:ext cx="2971800" cy="458788"/>
+          </a:xfrm>
+          <a:prstGeom prst="rect">
+            <a:avLst/>
+          </a:prstGeom>
+        </p:spPr>
+        <p:txBody>
+          <a:bodyPr vert="horz" lIns="91440" tIns="45720" rIns="91440" bIns="45720" rtlCol="0"/>
+          <a:lstStyle>
+            <a:lvl1pPr algn="r">
+              <a:defRPr sz="1200"/>
+            </a:lvl1pPr>
+          </a:lstStyle>
+          <a:p>
+            <a:fld id="{A995E84E-CDEF-4A96-A262-66E76253392E}" type="datetimeFigureOut">
+              <a:rPr lang="nl-BE" smtClean="0"/>
+              <a:t>13/06/2022</a:t>
+            </a:fld>
+            <a:endParaRPr lang="nl-BE"/>
+          </a:p>
+        </p:txBody>
+      </p:sp>
+      <p:sp>
+        <p:nvSpPr>
+          <p:cNvPr id="4" name="Tijdelijke aanduiding voor dia-afbeelding 3"/>
+          <p:cNvSpPr>
+            <a:spLocks noGrp="1" noRot="1" noChangeAspect="1"/>
+          </p:cNvSpPr>
+          <p:nvPr>
+            <p:ph type="sldImg" idx="2"/>
+          </p:nvPr>
+        </p:nvSpPr>
+        <p:spPr>
+          <a:xfrm>
+            <a:off x="685800" y="1143000"/>
+            <a:ext cx="5486400" cy="3086100"/>
+          </a:xfrm>
+          <a:prstGeom prst="rect">
+            <a:avLst/>
+          </a:prstGeom>
+          <a:noFill/>
+          <a:ln w="12700">
+            <a:solidFill>
+              <a:prstClr val="black"/>
+            </a:solidFill>
+          </a:ln>
+        </p:spPr>
+        <p:txBody>
+          <a:bodyPr vert="horz" lIns="91440" tIns="45720" rIns="91440" bIns="45720" rtlCol="0" anchor="ctr"/>
+          <a:lstStyle/>
+          <a:p>
+            <a:endParaRPr lang="nl-BE"/>
+          </a:p>
+        </p:txBody>
+      </p:sp>
+      <p:sp>
+        <p:nvSpPr>
+          <p:cNvPr id="5" name="Tijdelijke aanduiding voor notities 4"/>
+          <p:cNvSpPr>
+            <a:spLocks noGrp="1"/>
+          </p:cNvSpPr>
+          <p:nvPr>
+            <p:ph type="body" sz="quarter" idx="3"/>
+          </p:nvPr>
+        </p:nvSpPr>
+        <p:spPr>
+          <a:xfrm>
+            <a:off x="685800" y="4400550"/>
+            <a:ext cx="5486400" cy="3600450"/>
+          </a:xfrm>
+          <a:prstGeom prst="rect">
+            <a:avLst/>
+          </a:prstGeom>
+        </p:spPr>
+        <p:txBody>
+          <a:bodyPr vert="horz" lIns="91440" tIns="45720" rIns="91440" bIns="45720" rtlCol="0"/>
+          <a:lstStyle/>
+          <a:p>
+            <a:pPr lvl="0"/>
+            <a:r>
+              <a:rPr lang="nl-NL"/>
+              <a:t>Klikken om de tekststijl van het model te bewerken</a:t>
+            </a:r>
+          </a:p>
+          <a:p>
+            <a:pPr lvl="1"/>
+            <a:r>
+              <a:rPr lang="nl-NL"/>
+              <a:t>Tweede niveau</a:t>
+            </a:r>
+          </a:p>
+          <a:p>
+            <a:pPr lvl="2"/>
+            <a:r>
+              <a:rPr lang="nl-NL"/>
+              <a:t>Derde niveau</a:t>
+            </a:r>
+          </a:p>
+          <a:p>
+            <a:pPr lvl="3"/>
+            <a:r>
+              <a:rPr lang="nl-NL"/>
+              <a:t>Vierde niveau</a:t>
+            </a:r>
+          </a:p>
+          <a:p>
+            <a:pPr lvl="4"/>
+            <a:r>
+              <a:rPr lang="nl-NL"/>
+              <a:t>Vijfde niveau</a:t>
+            </a:r>
+            <a:endParaRPr lang="nl-BE"/>
+          </a:p>
+        </p:txBody>
+      </p:sp>
+      <p:sp>
+        <p:nvSpPr>
+          <p:cNvPr id="6" name="Tijdelijke aanduiding voor voettekst 5"/>
+          <p:cNvSpPr>
+            <a:spLocks noGrp="1"/>
+          </p:cNvSpPr>
+          <p:nvPr>
+            <p:ph type="ftr" sz="quarter" idx="4"/>
+          </p:nvPr>
+        </p:nvSpPr>
+        <p:spPr>
+          <a:xfrm>
+            <a:off x="0" y="8685213"/>
+            <a:ext cx="2971800" cy="458787"/>
+          </a:xfrm>
+          <a:prstGeom prst="rect">
+            <a:avLst/>
+          </a:prstGeom>
+        </p:spPr>
+        <p:txBody>
+          <a:bodyPr vert="horz" lIns="91440" tIns="45720" rIns="91440" bIns="45720" rtlCol="0" anchor="b"/>
+          <a:lstStyle>
+            <a:lvl1pPr algn="l">
+              <a:defRPr sz="1200"/>
+            </a:lvl1pPr>
+          </a:lstStyle>
+          <a:p>
+            <a:endParaRPr lang="nl-BE"/>
+          </a:p>
+        </p:txBody>
+      </p:sp>
+      <p:sp>
+        <p:nvSpPr>
+          <p:cNvPr id="7" name="Tijdelijke aanduiding voor dianummer 6"/>
+          <p:cNvSpPr>
+            <a:spLocks noGrp="1"/>
+          </p:cNvSpPr>
+          <p:nvPr>
+            <p:ph type="sldNum" sz="quarter" idx="5"/>
+          </p:nvPr>
+        </p:nvSpPr>
+        <p:spPr>
+          <a:xfrm>
+            <a:off x="3884613" y="8685213"/>
+            <a:ext cx="2971800" cy="458787"/>
+          </a:xfrm>
+          <a:prstGeom prst="rect">
+            <a:avLst/>
+          </a:prstGeom>
+        </p:spPr>
+        <p:txBody>
+          <a:bodyPr vert="horz" lIns="91440" tIns="45720" rIns="91440" bIns="45720" rtlCol="0" anchor="b"/>
+          <a:lstStyle>
+            <a:lvl1pPr algn="r">
+              <a:defRPr sz="1200"/>
+            </a:lvl1pPr>
+          </a:lstStyle>
+          <a:p>
+            <a:fld id="{83C3FC71-3940-440E-A630-2221910CEB56}" type="slidenum">
+              <a:rPr lang="nl-BE" smtClean="0"/>
+              <a:t>‹nr.›</a:t>
+            </a:fld>
+            <a:endParaRPr lang="nl-BE"/>
+          </a:p>
+        </p:txBody>
+      </p:sp>
+    </p:spTree>
+    <p:extLst>
+      <p:ext uri="{BB962C8B-B14F-4D97-AF65-F5344CB8AC3E}">
+        <p14:creationId xmlns:p14="http://schemas.microsoft.com/office/powerpoint/2010/main" val="4019926941"/>
+      </p:ext>
+    </p:extLst>
+  </p:cSld>
+  <p:clrMap bg1="lt1" tx1="dk1" bg2="lt2" tx2="dk2" accent1="accent1" accent2="accent2" accent3="accent3" accent4="accent4" accent5="accent5" accent6="accent6" hlink="hlink" folHlink="folHlink"/>
+  <p:notesStyle>
+    <a:lvl1pPr marL="0" algn="l" defTabSz="914400" rtl="0" eaLnBrk="1" latinLnBrk="0" hangingPunct="1">
+      <a:defRPr sz="1200" kern="1200">
+        <a:solidFill>
+          <a:schemeClr val="tx1"/>
+        </a:solidFill>
+        <a:latin typeface="+mn-lt"/>
+        <a:ea typeface="+mn-ea"/>
+        <a:cs typeface="+mn-cs"/>
+      </a:defRPr>
+    </a:lvl1pPr>
+    <a:lvl2pPr marL="457200" algn="l" defTabSz="914400" rtl="0" eaLnBrk="1" latinLnBrk="0" hangingPunct="1">
+      <a:defRPr sz="1200" kern="1200">
+        <a:solidFill>
+          <a:schemeClr val="tx1"/>
+        </a:solidFill>
+        <a:latin typeface="+mn-lt"/>
+        <a:ea typeface="+mn-ea"/>
+        <a:cs typeface="+mn-cs"/>
+      </a:defRPr>
+    </a:lvl2pPr>
+    <a:lvl3pPr marL="914400" algn="l" defTabSz="914400" rtl="0" eaLnBrk="1" latinLnBrk="0" hangingPunct="1">
+      <a:defRPr sz="1200" kern="1200">
+        <a:solidFill>
+          <a:schemeClr val="tx1"/>
+        </a:solidFill>
+        <a:latin typeface="+mn-lt"/>
+        <a:ea typeface="+mn-ea"/>
+        <a:cs typeface="+mn-cs"/>
+      </a:defRPr>
+    </a:lvl3pPr>
+    <a:lvl4pPr marL="1371600" algn="l" defTabSz="914400" rtl="0" eaLnBrk="1" latinLnBrk="0" hangingPunct="1">
+      <a:defRPr sz="1200" kern="1200">
+        <a:solidFill>
+          <a:schemeClr val="tx1"/>
+        </a:solidFill>
+        <a:latin typeface="+mn-lt"/>
+        <a:ea typeface="+mn-ea"/>
+        <a:cs typeface="+mn-cs"/>
+      </a:defRPr>
+    </a:lvl4pPr>
+    <a:lvl5pPr marL="1828800" algn="l" defTabSz="914400" rtl="0" eaLnBrk="1" latinLnBrk="0" hangingPunct="1">
+      <a:defRPr sz="1200" kern="1200">
+        <a:solidFill>
+          <a:schemeClr val="tx1"/>
+        </a:solidFill>
+        <a:latin typeface="+mn-lt"/>
+        <a:ea typeface="+mn-ea"/>
+        <a:cs typeface="+mn-cs"/>
+      </a:defRPr>
+    </a:lvl5pPr>
+    <a:lvl6pPr marL="2286000" algn="l" defTabSz="914400" rtl="0" eaLnBrk="1" latinLnBrk="0" hangingPunct="1">
+      <a:defRPr sz="1200" kern="1200">
+        <a:solidFill>
+          <a:schemeClr val="tx1"/>
+        </a:solidFill>
+        <a:latin typeface="+mn-lt"/>
+        <a:ea typeface="+mn-ea"/>
+        <a:cs typeface="+mn-cs"/>
+      </a:defRPr>
+    </a:lvl6pPr>
+    <a:lvl7pPr marL="2743200" algn="l" defTabSz="914400" rtl="0" eaLnBrk="1" latinLnBrk="0" hangingPunct="1">
+      <a:defRPr sz="1200" kern="1200">
+        <a:solidFill>
+          <a:schemeClr val="tx1"/>
+        </a:solidFill>
+        <a:latin typeface="+mn-lt"/>
+        <a:ea typeface="+mn-ea"/>
+        <a:cs typeface="+mn-cs"/>
+      </a:defRPr>
+    </a:lvl7pPr>
+    <a:lvl8pPr marL="3200400" algn="l" defTabSz="914400" rtl="0" eaLnBrk="1" latinLnBrk="0" hangingPunct="1">
+      <a:defRPr sz="1200" kern="1200">
+        <a:solidFill>
+          <a:schemeClr val="tx1"/>
+        </a:solidFill>
+        <a:latin typeface="+mn-lt"/>
+        <a:ea typeface="+mn-ea"/>
+        <a:cs typeface="+mn-cs"/>
+      </a:defRPr>
+    </a:lvl8pPr>
+    <a:lvl9pPr marL="3657600" algn="l" defTabSz="914400" rtl="0" eaLnBrk="1" latinLnBrk="0" hangingPunct="1">
+      <a:defRPr sz="1200" kern="1200">
+        <a:solidFill>
+          <a:schemeClr val="tx1"/>
+        </a:solidFill>
+        <a:latin typeface="+mn-lt"/>
+        <a:ea typeface="+mn-ea"/>
+        <a:cs typeface="+mn-cs"/>
+      </a:defRPr>
+    </a:lvl9pPr>
+  </p:notesStyle>
+</p:notesMaster>
+</file>
+
 <file path=ppt/slideLayouts/slideLayout1.xml><?xml version="1.0" encoding="utf-8"?>
 <p:sldLayout xmlns:a="http://schemas.openxmlformats.org/drawingml/2006/main" xmlns:r="http://schemas.openxmlformats.org/officeDocument/2006/relationships" xmlns:p="http://schemas.openxmlformats.org/presentationml/2006/main" showMasterSp="0" type="title" preserve="1">
   <p:cSld name="Title Slide">
@@ -348,7 +730,7 @@
           <a:p>
             <a:fld id="{DE0F2AED-0ED5-49A6-B062-0BE42E986736}" type="datetimeFigureOut">
               <a:rPr lang="nl-BE" smtClean="0"/>
-              <a:t>12/06/2022</a:t>
+              <a:t>13/06/2022</a:t>
             </a:fld>
             <a:endParaRPr lang="nl-BE"/>
           </a:p>
@@ -556,7 +938,7 @@
           <a:p>
             <a:fld id="{DE0F2AED-0ED5-49A6-B062-0BE42E986736}" type="datetimeFigureOut">
               <a:rPr lang="nl-BE" smtClean="0"/>
-              <a:t>12/06/2022</a:t>
+              <a:t>13/06/2022</a:t>
             </a:fld>
             <a:endParaRPr lang="nl-BE"/>
           </a:p>
@@ -812,7 +1194,7 @@
           <a:p>
             <a:fld id="{DE0F2AED-0ED5-49A6-B062-0BE42E986736}" type="datetimeFigureOut">
               <a:rPr lang="nl-BE" smtClean="0"/>
-              <a:t>12/06/2022</a:t>
+              <a:t>13/06/2022</a:t>
             </a:fld>
             <a:endParaRPr lang="nl-BE"/>
           </a:p>
@@ -986,7 +1368,7 @@
           <a:p>
             <a:fld id="{DE0F2AED-0ED5-49A6-B062-0BE42E986736}" type="datetimeFigureOut">
               <a:rPr lang="nl-BE" smtClean="0"/>
-              <a:t>12/06/2022</a:t>
+              <a:t>13/06/2022</a:t>
             </a:fld>
             <a:endParaRPr lang="nl-BE"/>
           </a:p>
@@ -1329,7 +1711,7 @@
           <a:p>
             <a:fld id="{DE0F2AED-0ED5-49A6-B062-0BE42E986736}" type="datetimeFigureOut">
               <a:rPr lang="nl-BE" smtClean="0"/>
-              <a:t>12/06/2022</a:t>
+              <a:t>13/06/2022</a:t>
             </a:fld>
             <a:endParaRPr lang="nl-BE"/>
           </a:p>
@@ -1604,7 +1986,7 @@
           <a:p>
             <a:fld id="{DE0F2AED-0ED5-49A6-B062-0BE42E986736}" type="datetimeFigureOut">
               <a:rPr lang="nl-BE" smtClean="0"/>
-              <a:t>12/06/2022</a:t>
+              <a:t>13/06/2022</a:t>
             </a:fld>
             <a:endParaRPr lang="nl-BE"/>
           </a:p>
@@ -1983,7 +2365,7 @@
           <a:p>
             <a:fld id="{DE0F2AED-0ED5-49A6-B062-0BE42E986736}" type="datetimeFigureOut">
               <a:rPr lang="nl-BE" smtClean="0"/>
-              <a:t>12/06/2022</a:t>
+              <a:t>13/06/2022</a:t>
             </a:fld>
             <a:endParaRPr lang="nl-BE"/>
           </a:p>
@@ -2101,7 +2483,7 @@
           <a:p>
             <a:fld id="{DE0F2AED-0ED5-49A6-B062-0BE42E986736}" type="datetimeFigureOut">
               <a:rPr lang="nl-BE" smtClean="0"/>
-              <a:t>12/06/2022</a:t>
+              <a:t>13/06/2022</a:t>
             </a:fld>
             <a:endParaRPr lang="nl-BE"/>
           </a:p>
@@ -2272,7 +2654,7 @@
           <a:p>
             <a:fld id="{DE0F2AED-0ED5-49A6-B062-0BE42E986736}" type="datetimeFigureOut">
               <a:rPr lang="nl-BE" smtClean="0"/>
-              <a:t>12/06/2022</a:t>
+              <a:t>13/06/2022</a:t>
             </a:fld>
             <a:endParaRPr lang="nl-BE"/>
           </a:p>
@@ -2626,7 +3008,7 @@
           <a:p>
             <a:fld id="{DE0F2AED-0ED5-49A6-B062-0BE42E986736}" type="datetimeFigureOut">
               <a:rPr lang="nl-BE" smtClean="0"/>
-              <a:t>12/06/2022</a:t>
+              <a:t>13/06/2022</a:t>
             </a:fld>
             <a:endParaRPr lang="nl-BE"/>
           </a:p>
@@ -3008,7 +3390,7 @@
           <a:p>
             <a:fld id="{DE0F2AED-0ED5-49A6-B062-0BE42E986736}" type="datetimeFigureOut">
               <a:rPr lang="nl-BE" smtClean="0"/>
-              <a:t>12/06/2022</a:t>
+              <a:t>13/06/2022</a:t>
             </a:fld>
             <a:endParaRPr lang="nl-BE"/>
           </a:p>
@@ -3295,7 +3677,7 @@
           <a:p>
             <a:fld id="{DE0F2AED-0ED5-49A6-B062-0BE42E986736}" type="datetimeFigureOut">
               <a:rPr lang="nl-BE" smtClean="0"/>
-              <a:t>12/06/2022</a:t>
+              <a:t>13/06/2022</a:t>
             </a:fld>
             <a:endParaRPr lang="nl-BE"/>
           </a:p>
@@ -3902,7 +4284,7 @@
           <p:cNvPr id="2" name="Titel 1">
             <a:extLst>
               <a:ext uri="{FF2B5EF4-FFF2-40B4-BE49-F238E27FC236}">
-                <a16:creationId xmlns:a16="http://schemas.microsoft.com/office/drawing/2014/main" id="{AFC54422-200F-390B-1E44-8D7F3C8BE92E}"/>
+                <a16:creationId xmlns:a16="http://schemas.microsoft.com/office/drawing/2014/main" id="{AEC34B59-0146-C33F-CFC6-890060B52779}"/>
               </a:ext>
             </a:extLst>
           </p:cNvPr>
@@ -3920,7 +4302,7 @@
           <a:p>
             <a:r>
               <a:rPr lang="nl-BE" dirty="0"/>
-              <a:t>Demo</a:t>
+              <a:t>Uitvoering</a:t>
             </a:r>
           </a:p>
         </p:txBody>
@@ -3930,7 +4312,7 @@
           <p:cNvPr id="3" name="Tijdelijke aanduiding voor inhoud 2">
             <a:extLst>
               <a:ext uri="{FF2B5EF4-FFF2-40B4-BE49-F238E27FC236}">
-                <a16:creationId xmlns:a16="http://schemas.microsoft.com/office/drawing/2014/main" id="{B0725605-6BF1-AB8E-4534-CF8AAC3DA7F6}"/>
+                <a16:creationId xmlns:a16="http://schemas.microsoft.com/office/drawing/2014/main" id="{4BE4A8C1-501E-56ED-71C8-F32C29245B80}"/>
               </a:ext>
             </a:extLst>
           </p:cNvPr>
@@ -3947,29 +4329,39 @@
           <a:lstStyle/>
           <a:p>
             <a:r>
-              <a:rPr lang="nl-BE" dirty="0" smtClean="0"/>
-              <a:t>Script</a:t>
-            </a:r>
-          </a:p>
-          <a:p>
-            <a:r>
-              <a:rPr lang="nl-BE" dirty="0" smtClean="0"/>
-              <a:t>PXE-boot</a:t>
-            </a:r>
-          </a:p>
-          <a:p>
-            <a:r>
-              <a:rPr lang="nl-BE" dirty="0" smtClean="0"/>
-              <a:t>Docker</a:t>
+              <a:rPr lang="nl-BE" dirty="0" err="1"/>
+              <a:t>Github</a:t>
             </a:r>
             <a:endParaRPr lang="nl-BE" dirty="0"/>
+          </a:p>
+          <a:p>
+            <a:r>
+              <a:rPr lang="nl-BE" dirty="0"/>
+              <a:t>Visio</a:t>
+            </a:r>
+          </a:p>
+          <a:p>
+            <a:r>
+              <a:rPr lang="nl-BE" dirty="0"/>
+              <a:t>Python3</a:t>
+            </a:r>
+          </a:p>
+          <a:p>
+            <a:r>
+              <a:rPr lang="nl-BE" dirty="0" err="1"/>
+              <a:t>Notepad</a:t>
+            </a:r>
+            <a:r>
+              <a:rPr lang="nl-BE" dirty="0"/>
+              <a:t>++</a:t>
+            </a:r>
           </a:p>
         </p:txBody>
       </p:sp>
     </p:spTree>
     <p:extLst>
       <p:ext uri="{BB962C8B-B14F-4D97-AF65-F5344CB8AC3E}">
-        <p14:creationId xmlns:p14="http://schemas.microsoft.com/office/powerpoint/2010/main" val="2859215401"/>
+        <p14:creationId xmlns:p14="http://schemas.microsoft.com/office/powerpoint/2010/main" val="2170463598"/>
       </p:ext>
     </p:extLst>
   </p:cSld>
@@ -4001,6 +4393,104 @@
           <p:cNvPr id="2" name="Titel 1">
             <a:extLst>
               <a:ext uri="{FF2B5EF4-FFF2-40B4-BE49-F238E27FC236}">
+                <a16:creationId xmlns:a16="http://schemas.microsoft.com/office/drawing/2014/main" id="{AFC54422-200F-390B-1E44-8D7F3C8BE92E}"/>
+              </a:ext>
+            </a:extLst>
+          </p:cNvPr>
+          <p:cNvSpPr>
+            <a:spLocks noGrp="1"/>
+          </p:cNvSpPr>
+          <p:nvPr>
+            <p:ph type="title"/>
+          </p:nvPr>
+        </p:nvSpPr>
+        <p:spPr/>
+        <p:txBody>
+          <a:bodyPr/>
+          <a:lstStyle/>
+          <a:p>
+            <a:r>
+              <a:rPr lang="nl-BE" dirty="0"/>
+              <a:t>Demo</a:t>
+            </a:r>
+          </a:p>
+        </p:txBody>
+      </p:sp>
+      <p:sp>
+        <p:nvSpPr>
+          <p:cNvPr id="3" name="Tijdelijke aanduiding voor inhoud 2">
+            <a:extLst>
+              <a:ext uri="{FF2B5EF4-FFF2-40B4-BE49-F238E27FC236}">
+                <a16:creationId xmlns:a16="http://schemas.microsoft.com/office/drawing/2014/main" id="{B0725605-6BF1-AB8E-4534-CF8AAC3DA7F6}"/>
+              </a:ext>
+            </a:extLst>
+          </p:cNvPr>
+          <p:cNvSpPr>
+            <a:spLocks noGrp="1"/>
+          </p:cNvSpPr>
+          <p:nvPr>
+            <p:ph idx="1"/>
+          </p:nvPr>
+        </p:nvSpPr>
+        <p:spPr/>
+        <p:txBody>
+          <a:bodyPr/>
+          <a:lstStyle/>
+          <a:p>
+            <a:r>
+              <a:rPr lang="nl-BE" dirty="0"/>
+              <a:t>Script</a:t>
+            </a:r>
+          </a:p>
+          <a:p>
+            <a:r>
+              <a:rPr lang="nl-BE" dirty="0"/>
+              <a:t>PXE-boot</a:t>
+            </a:r>
+          </a:p>
+          <a:p>
+            <a:r>
+              <a:rPr lang="nl-BE" dirty="0"/>
+              <a:t>Docker</a:t>
+            </a:r>
+          </a:p>
+        </p:txBody>
+      </p:sp>
+    </p:spTree>
+    <p:extLst>
+      <p:ext uri="{BB962C8B-B14F-4D97-AF65-F5344CB8AC3E}">
+        <p14:creationId xmlns:p14="http://schemas.microsoft.com/office/powerpoint/2010/main" val="2859215401"/>
+      </p:ext>
+    </p:extLst>
+  </p:cSld>
+  <p:clrMapOvr>
+    <a:masterClrMapping/>
+  </p:clrMapOvr>
+</p:sld>
+</file>
+
+<file path=ppt/slides/slide12.xml><?xml version="1.0" encoding="utf-8"?>
+<p:sld xmlns:a="http://schemas.openxmlformats.org/drawingml/2006/main" xmlns:r="http://schemas.openxmlformats.org/officeDocument/2006/relationships" xmlns:p="http://schemas.openxmlformats.org/presentationml/2006/main">
+  <p:cSld>
+    <p:spTree>
+      <p:nvGrpSpPr>
+        <p:cNvPr id="1" name=""/>
+        <p:cNvGrpSpPr/>
+        <p:nvPr/>
+      </p:nvGrpSpPr>
+      <p:grpSpPr>
+        <a:xfrm>
+          <a:off x="0" y="0"/>
+          <a:ext cx="0" cy="0"/>
+          <a:chOff x="0" y="0"/>
+          <a:chExt cx="0" cy="0"/>
+        </a:xfrm>
+      </p:grpSpPr>
+      <p:sp>
+        <p:nvSpPr>
+          <p:cNvPr id="2" name="Titel 1">
+            <a:extLst>
+              <a:ext uri="{FF2B5EF4-FFF2-40B4-BE49-F238E27FC236}">
                 <a16:creationId xmlns:a16="http://schemas.microsoft.com/office/drawing/2014/main" id="{6DCE6BC2-FCC8-1C7A-F5B9-58B298288E95}"/>
               </a:ext>
             </a:extLst>
@@ -4046,25 +4536,25 @@
           <a:lstStyle/>
           <a:p>
             <a:r>
-              <a:rPr lang="nl-BE" dirty="0" smtClean="0"/>
+              <a:rPr lang="nl-BE" dirty="0"/>
               <a:t>Product</a:t>
             </a:r>
           </a:p>
           <a:p>
             <a:r>
-              <a:rPr lang="nl-BE" dirty="0" smtClean="0"/>
+              <a:rPr lang="nl-BE" dirty="0"/>
               <a:t>Sterke punten</a:t>
             </a:r>
           </a:p>
           <a:p>
             <a:r>
-              <a:rPr lang="nl-BE" dirty="0" smtClean="0"/>
+              <a:rPr lang="nl-BE" dirty="0"/>
               <a:t>Werkpunten</a:t>
             </a:r>
           </a:p>
           <a:p>
             <a:r>
-              <a:rPr lang="nl-BE" smtClean="0"/>
+              <a:rPr lang="nl-BE"/>
               <a:t>Revisie</a:t>
             </a:r>
             <a:endParaRPr lang="nl-BE" dirty="0"/>
@@ -4135,7 +4625,7 @@
         </p:nvSpPr>
         <p:spPr>
           <a:xfrm>
-            <a:off x="1735635" y="2285681"/>
+            <a:off x="1097280" y="2111113"/>
             <a:ext cx="10058400" cy="4023360"/>
           </a:xfrm>
         </p:spPr>
@@ -4255,15 +4745,23 @@
           </a:xfrm>
         </p:spPr>
         <p:txBody>
-          <a:bodyPr/>
-          <a:lstStyle/>
-          <a:p>
+          <a:bodyPr>
+            <a:normAutofit/>
+          </a:bodyPr>
+          <a:lstStyle/>
+          <a:p>
+            <a:pPr marL="0" indent="0">
+              <a:buNone/>
+            </a:pPr>
             <a:r>
               <a:rPr lang="nl-BE" sz="2800" u="sng" dirty="0"/>
               <a:t>Project Team</a:t>
             </a:r>
           </a:p>
           <a:p>
+            <a:pPr marL="0" indent="0">
+              <a:buNone/>
+            </a:pPr>
             <a:endParaRPr lang="nl-BE" dirty="0"/>
           </a:p>
           <a:p>
@@ -4498,7 +4996,7 @@
                 <a16:creationId xmlns:a16="http://schemas.microsoft.com/office/drawing/2014/main" id="{284B70D5-875B-433D-BDBD-1522A85D6C1D}"/>
               </a:ext>
               <a:ext uri="{C183D7F6-B498-43B3-948B-1728B52AA6E4}">
-                <adec:decorative xmlns:adec="http://schemas.microsoft.com/office/drawing/2017/decorative" xmlns="" val="1"/>
+                <adec:decorative xmlns:adec="http://schemas.microsoft.com/office/drawing/2017/decorative" val="1"/>
               </a:ext>
             </a:extLst>
           </p:cNvPr>
@@ -4623,7 +5121,7 @@
                 <a16:creationId xmlns:a16="http://schemas.microsoft.com/office/drawing/2014/main" id="{C947DF4A-614C-4B4C-8B80-E5B9D8E8CFED}"/>
               </a:ext>
               <a:ext uri="{C183D7F6-B498-43B3-948B-1728B52AA6E4}">
-                <adec:decorative xmlns:adec="http://schemas.microsoft.com/office/drawing/2017/decorative" xmlns="" val="1"/>
+                <adec:decorative xmlns:adec="http://schemas.microsoft.com/office/drawing/2017/decorative" val="1"/>
               </a:ext>
             </a:extLst>
           </p:cNvPr>
@@ -4763,13 +5261,13 @@
           <a:p>
             <a:r>
               <a:rPr lang="en-US" dirty="0"/>
-              <a:t>- </a:t>
+              <a:t>- Deployment services:</a:t>
             </a:r>
           </a:p>
           <a:p>
             <a:r>
               <a:rPr lang="en-US" dirty="0"/>
-              <a:t>Via server OS </a:t>
+              <a:t>Via PXE-boot OS </a:t>
             </a:r>
             <a:r>
               <a:rPr lang="en-US" dirty="0" err="1"/>
@@ -4862,7 +5360,7 @@
                 <a16:creationId xmlns:a16="http://schemas.microsoft.com/office/drawing/2014/main" id="{1E299956-A9E7-4FC1-A0B1-D590CA9730E8}"/>
               </a:ext>
               <a:ext uri="{C183D7F6-B498-43B3-948B-1728B52AA6E4}">
-                <adec:decorative xmlns:adec="http://schemas.microsoft.com/office/drawing/2017/decorative" xmlns="" val="1"/>
+                <adec:decorative xmlns:adec="http://schemas.microsoft.com/office/drawing/2017/decorative" val="1"/>
               </a:ext>
             </a:extLst>
           </p:cNvPr>
@@ -4917,7 +5415,7 @@
                 <a16:creationId xmlns:a16="http://schemas.microsoft.com/office/drawing/2014/main" id="{17FC539C-B783-4B03-9F9E-D13430F3F64F}"/>
               </a:ext>
               <a:ext uri="{C183D7F6-B498-43B3-948B-1728B52AA6E4}">
-                <adec:decorative xmlns:adec="http://schemas.microsoft.com/office/drawing/2017/decorative" xmlns="" val="1"/>
+                <adec:decorative xmlns:adec="http://schemas.microsoft.com/office/drawing/2017/decorative" val="1"/>
               </a:ext>
             </a:extLst>
           </p:cNvPr>
@@ -5039,10 +5537,10 @@
       </p:sp>
       <p:pic>
         <p:nvPicPr>
-          <p:cNvPr id="11" name="Afbeelding 10">
+          <p:cNvPr id="8" name="Afbeelding 7" descr="Afbeelding met pijl&#10;&#10;Automatisch gegenereerde beschrijving">
             <a:extLst>
               <a:ext uri="{FF2B5EF4-FFF2-40B4-BE49-F238E27FC236}">
-                <a16:creationId xmlns:a16="http://schemas.microsoft.com/office/drawing/2014/main" id="{1D679743-40DD-6190-C502-EF6899E7E119}"/>
+                <a16:creationId xmlns:a16="http://schemas.microsoft.com/office/drawing/2014/main" id="{503873E3-C0B1-C2CC-8735-90E5C340BF23}"/>
               </a:ext>
             </a:extLst>
           </p:cNvPr>
@@ -5059,38 +5557,8 @@
         </p:blipFill>
         <p:spPr>
           <a:xfrm>
-            <a:off x="1198614" y="3864269"/>
-            <a:ext cx="2895001" cy="1450756"/>
-          </a:xfrm>
-          <a:prstGeom prst="rect">
-            <a:avLst/>
-          </a:prstGeom>
-        </p:spPr>
-      </p:pic>
-      <p:pic>
-        <p:nvPicPr>
-          <p:cNvPr id="8" name="Afbeelding 7" descr="Afbeelding met pijl&#10;&#10;Automatisch gegenereerde beschrijving">
-            <a:extLst>
-              <a:ext uri="{FF2B5EF4-FFF2-40B4-BE49-F238E27FC236}">
-                <a16:creationId xmlns:a16="http://schemas.microsoft.com/office/drawing/2014/main" id="{503873E3-C0B1-C2CC-8735-90E5C340BF23}"/>
-              </a:ext>
-            </a:extLst>
-          </p:cNvPr>
-          <p:cNvPicPr>
-            <a:picLocks noChangeAspect="1"/>
-          </p:cNvPicPr>
-          <p:nvPr/>
-        </p:nvPicPr>
-        <p:blipFill>
-          <a:blip r:embed="rId3"/>
-          <a:stretch>
-            <a:fillRect/>
-          </a:stretch>
-        </p:blipFill>
-        <p:spPr>
-          <a:xfrm>
-            <a:off x="4686301" y="3386580"/>
-            <a:ext cx="2376057" cy="2406133"/>
+            <a:off x="2159232" y="3997662"/>
+            <a:ext cx="2030383" cy="2056083"/>
           </a:xfrm>
           <a:prstGeom prst="rect">
             <a:avLst/>
@@ -5111,8 +5579,8 @@
         </p:nvSpPr>
         <p:spPr>
           <a:xfrm>
-            <a:off x="1198615" y="2008296"/>
-            <a:ext cx="3487686" cy="1450757"/>
+            <a:off x="1163782" y="2008296"/>
+            <a:ext cx="10282843" cy="789037"/>
           </a:xfrm>
           <a:prstGeom prst="rect">
             <a:avLst/>
@@ -5145,7 +5613,43 @@
                   </a:schemeClr>
                 </a:solidFill>
               </a:rPr>
-              <a:t>Agile Scrum Vs Waterfall</a:t>
+              <a:t>Agile Scrum 				Vs 			Waterfall</a:t>
+            </a:r>
+          </a:p>
+          <a:p>
+            <a:pPr defTabSz="914400">
+              <a:lnSpc>
+                <a:spcPct val="90000"/>
+              </a:lnSpc>
+              <a:spcAft>
+                <a:spcPts val="600"/>
+              </a:spcAft>
+              <a:buClr>
+                <a:schemeClr val="accent1"/>
+              </a:buClr>
+              <a:buFont typeface="Calibri" panose="020F0502020204030204" pitchFamily="34" charset="0"/>
+            </a:pPr>
+            <a:r>
+              <a:rPr lang="en-US" sz="1600" dirty="0" err="1">
+                <a:solidFill>
+                  <a:schemeClr val="tx1">
+                    <a:lumMod val="75000"/>
+                    <a:lumOff val="25000"/>
+                  </a:schemeClr>
+                </a:solidFill>
+              </a:rPr>
+              <a:t>Waarom</a:t>
+            </a:r>
+            <a:r>
+              <a:rPr lang="en-US" sz="1600" dirty="0">
+                <a:solidFill>
+                  <a:schemeClr val="tx1">
+                    <a:lumMod val="75000"/>
+                    <a:lumOff val="25000"/>
+                  </a:schemeClr>
+                </a:solidFill>
+              </a:rPr>
+              <a:t> Agile Scrum?</a:t>
             </a:r>
           </a:p>
           <a:p>
@@ -5183,42 +5687,6 @@
               </a:buClr>
               <a:buFont typeface="Calibri" panose="020F0502020204030204" pitchFamily="34" charset="0"/>
             </a:pPr>
-            <a:r>
-              <a:rPr lang="en-US" dirty="0" err="1">
-                <a:solidFill>
-                  <a:schemeClr val="tx1">
-                    <a:lumMod val="75000"/>
-                    <a:lumOff val="25000"/>
-                  </a:schemeClr>
-                </a:solidFill>
-              </a:rPr>
-              <a:t>Waarom</a:t>
-            </a:r>
-            <a:r>
-              <a:rPr lang="en-US" dirty="0">
-                <a:solidFill>
-                  <a:schemeClr val="tx1">
-                    <a:lumMod val="75000"/>
-                    <a:lumOff val="25000"/>
-                  </a:schemeClr>
-                </a:solidFill>
-              </a:rPr>
-              <a:t> Agile Scrum?</a:t>
-            </a:r>
-          </a:p>
-          <a:p>
-            <a:pPr defTabSz="914400">
-              <a:lnSpc>
-                <a:spcPct val="90000"/>
-              </a:lnSpc>
-              <a:spcAft>
-                <a:spcPts val="600"/>
-              </a:spcAft>
-              <a:buClr>
-                <a:schemeClr val="accent1"/>
-              </a:buClr>
-              <a:buFont typeface="Calibri" panose="020F0502020204030204" pitchFamily="34" charset="0"/>
-            </a:pPr>
             <a:endParaRPr lang="en-US" dirty="0">
               <a:solidFill>
                 <a:schemeClr val="tx1">
@@ -5228,27 +5696,280 @@
               </a:solidFill>
             </a:endParaRPr>
           </a:p>
-          <a:p>
-            <a:pPr defTabSz="914400">
-              <a:lnSpc>
-                <a:spcPct val="90000"/>
-              </a:lnSpc>
-              <a:spcAft>
-                <a:spcPts val="600"/>
-              </a:spcAft>
-              <a:buClr>
-                <a:schemeClr val="accent1"/>
-              </a:buClr>
-              <a:buFont typeface="Calibri" panose="020F0502020204030204" pitchFamily="34" charset="0"/>
+        </p:txBody>
+      </p:sp>
+      <p:sp>
+        <p:nvSpPr>
+          <p:cNvPr id="5" name="Tekstvak 4">
+            <a:extLst>
+              <a:ext uri="{FF2B5EF4-FFF2-40B4-BE49-F238E27FC236}">
+                <a16:creationId xmlns:a16="http://schemas.microsoft.com/office/drawing/2014/main" id="{1516458D-F828-DAC5-E5D1-FC80439EA055}"/>
+              </a:ext>
+            </a:extLst>
+          </p:cNvPr>
+          <p:cNvSpPr txBox="1"/>
+          <p:nvPr/>
+        </p:nvSpPr>
+        <p:spPr>
+          <a:xfrm>
+            <a:off x="1097280" y="2797333"/>
+            <a:ext cx="3582785" cy="1077218"/>
+          </a:xfrm>
+          <a:prstGeom prst="rect">
+            <a:avLst/>
+          </a:prstGeom>
+          <a:noFill/>
+        </p:spPr>
+        <p:txBody>
+          <a:bodyPr wrap="square" rtlCol="0">
+            <a:spAutoFit/>
+          </a:bodyPr>
+          <a:lstStyle/>
+          <a:p>
+            <a:pPr marL="285750" indent="-285750">
+              <a:buFont typeface="Wingdings" panose="05000000000000000000" pitchFamily="2" charset="2"/>
+              <a:buChar char="ü"/>
             </a:pPr>
-            <a:endParaRPr lang="en-US" dirty="0">
-              <a:solidFill>
-                <a:schemeClr val="tx1">
-                  <a:lumMod val="75000"/>
-                  <a:lumOff val="25000"/>
-                </a:schemeClr>
-              </a:solidFill>
-            </a:endParaRPr>
+            <a:r>
+              <a:rPr lang="nl-BE" sz="1600" dirty="0"/>
+              <a:t>Mensen en hun onderlinge interactie</a:t>
+            </a:r>
+          </a:p>
+          <a:p>
+            <a:pPr marL="285750" indent="-285750">
+              <a:buFont typeface="Wingdings" panose="05000000000000000000" pitchFamily="2" charset="2"/>
+              <a:buChar char="ü"/>
+            </a:pPr>
+            <a:r>
+              <a:rPr lang="nl-BE" sz="1600" dirty="0"/>
+              <a:t>Werkende producten</a:t>
+            </a:r>
+          </a:p>
+          <a:p>
+            <a:pPr marL="285750" indent="-285750">
+              <a:buFont typeface="Wingdings" panose="05000000000000000000" pitchFamily="2" charset="2"/>
+              <a:buChar char="ü"/>
+            </a:pPr>
+            <a:r>
+              <a:rPr lang="nl-BE" sz="1600" dirty="0"/>
+              <a:t>Samenwerking met de klant</a:t>
+            </a:r>
+          </a:p>
+          <a:p>
+            <a:pPr marL="285750" indent="-285750">
+              <a:buFont typeface="Wingdings" panose="05000000000000000000" pitchFamily="2" charset="2"/>
+              <a:buChar char="ü"/>
+            </a:pPr>
+            <a:r>
+              <a:rPr lang="nl-BE" sz="1600" dirty="0"/>
+              <a:t>Inspelen op verandering</a:t>
+            </a:r>
+          </a:p>
+        </p:txBody>
+      </p:sp>
+      <p:sp>
+        <p:nvSpPr>
+          <p:cNvPr id="6" name="Tekstvak 5">
+            <a:extLst>
+              <a:ext uri="{FF2B5EF4-FFF2-40B4-BE49-F238E27FC236}">
+                <a16:creationId xmlns:a16="http://schemas.microsoft.com/office/drawing/2014/main" id="{9F2329EE-DFDA-B646-F47C-5DB023F9E558}"/>
+              </a:ext>
+            </a:extLst>
+          </p:cNvPr>
+          <p:cNvSpPr txBox="1"/>
+          <p:nvPr/>
+        </p:nvSpPr>
+        <p:spPr>
+          <a:xfrm>
+            <a:off x="6206256" y="2797333"/>
+            <a:ext cx="5885991" cy="1077218"/>
+          </a:xfrm>
+          <a:prstGeom prst="rect">
+            <a:avLst/>
+          </a:prstGeom>
+          <a:noFill/>
+        </p:spPr>
+        <p:txBody>
+          <a:bodyPr wrap="square" rtlCol="0">
+            <a:spAutoFit/>
+          </a:bodyPr>
+          <a:lstStyle/>
+          <a:p>
+            <a:pPr marL="285750" indent="-285750">
+              <a:buFont typeface="Wingdings" panose="05000000000000000000" pitchFamily="2" charset="2"/>
+              <a:buChar char="ü"/>
+            </a:pPr>
+            <a:r>
+              <a:rPr lang="nl-BE" sz="1600" dirty="0"/>
+              <a:t>Geen tussentijdse feedback van gebruikers</a:t>
+            </a:r>
+          </a:p>
+          <a:p>
+            <a:pPr marL="285750" indent="-285750">
+              <a:buFont typeface="Wingdings" panose="05000000000000000000" pitchFamily="2" charset="2"/>
+              <a:buChar char="ü"/>
+            </a:pPr>
+            <a:r>
+              <a:rPr lang="nl-BE" sz="1600" dirty="0"/>
+              <a:t>Er wordt pas getest nadat de applicatie gebouwd is</a:t>
+            </a:r>
+          </a:p>
+          <a:p>
+            <a:pPr marL="285750" indent="-285750">
+              <a:buFont typeface="Wingdings" panose="05000000000000000000" pitchFamily="2" charset="2"/>
+              <a:buChar char="ü"/>
+            </a:pPr>
+            <a:r>
+              <a:rPr lang="nl-BE" sz="1600" dirty="0"/>
+              <a:t>Moeilijker duurder, tijdrovender om fouten en bugs te corrigeren</a:t>
+            </a:r>
+          </a:p>
+          <a:p>
+            <a:pPr marL="285750" indent="-285750">
+              <a:buFont typeface="Wingdings" panose="05000000000000000000" pitchFamily="2" charset="2"/>
+              <a:buChar char="ü"/>
+            </a:pPr>
+            <a:r>
+              <a:rPr lang="nl-BE" sz="1600" dirty="0"/>
+              <a:t>Rechtlijnig proces, weinig ruimte voor verandering</a:t>
+            </a:r>
+          </a:p>
+        </p:txBody>
+      </p:sp>
+      <mc:AlternateContent xmlns:mc="http://schemas.openxmlformats.org/markup-compatibility/2006">
+        <mc:Choice xmlns:p14="http://schemas.microsoft.com/office/powerpoint/2010/main" Requires="p14">
+          <p:contentPart p14:bwMode="auto" r:id="rId3">
+            <p14:nvContentPartPr>
+              <p14:cNvPr id="15" name="Inkt 14">
+                <a:extLst>
+                  <a:ext uri="{FF2B5EF4-FFF2-40B4-BE49-F238E27FC236}">
+                    <a16:creationId xmlns:a16="http://schemas.microsoft.com/office/drawing/2014/main" id="{63E0BE64-5205-3BD9-7914-9297041A112D}"/>
+                  </a:ext>
+                </a:extLst>
+              </p14:cNvPr>
+              <p14:cNvContentPartPr/>
+              <p14:nvPr/>
+            </p14:nvContentPartPr>
+            <p14:xfrm>
+              <a:off x="6982364" y="-91669"/>
+              <a:ext cx="360" cy="360"/>
+            </p14:xfrm>
+          </p:contentPart>
+        </mc:Choice>
+        <mc:Fallback>
+          <p:pic>
+            <p:nvPicPr>
+              <p:cNvPr id="15" name="Inkt 14">
+                <a:extLst>
+                  <a:ext uri="{FF2B5EF4-FFF2-40B4-BE49-F238E27FC236}">
+                    <a16:creationId xmlns:a16="http://schemas.microsoft.com/office/drawing/2014/main" id="{63E0BE64-5205-3BD9-7914-9297041A112D}"/>
+                  </a:ext>
+                </a:extLst>
+              </p:cNvPr>
+              <p:cNvPicPr/>
+              <p:nvPr/>
+            </p:nvPicPr>
+            <p:blipFill>
+              <a:blip r:embed="rId4"/>
+              <a:stretch>
+                <a:fillRect/>
+              </a:stretch>
+            </p:blipFill>
+            <p:spPr>
+              <a:xfrm>
+                <a:off x="6973724" y="-100669"/>
+                <a:ext cx="18000" cy="18000"/>
+              </a:xfrm>
+              <a:prstGeom prst="rect">
+                <a:avLst/>
+              </a:prstGeom>
+            </p:spPr>
+          </p:pic>
+        </mc:Fallback>
+      </mc:AlternateContent>
+      <p:sp>
+        <p:nvSpPr>
+          <p:cNvPr id="28" name="Vermenigvuldigingsteken 27">
+            <a:extLst>
+              <a:ext uri="{FF2B5EF4-FFF2-40B4-BE49-F238E27FC236}">
+                <a16:creationId xmlns:a16="http://schemas.microsoft.com/office/drawing/2014/main" id="{386CB9B1-EED4-E14F-E121-8D65624C47CA}"/>
+              </a:ext>
+            </a:extLst>
+          </p:cNvPr>
+          <p:cNvSpPr/>
+          <p:nvPr/>
+        </p:nvSpPr>
+        <p:spPr>
+          <a:xfrm>
+            <a:off x="7226531" y="2227811"/>
+            <a:ext cx="2806237" cy="2172642"/>
+          </a:xfrm>
+          <a:prstGeom prst="mathMultiply">
+            <a:avLst/>
+          </a:prstGeom>
+          <a:solidFill>
+            <a:srgbClr val="FF0000"/>
+          </a:solidFill>
+          <a:ln>
+            <a:gradFill>
+              <a:gsLst>
+                <a:gs pos="49993">
+                  <a:srgbClr val="F9D7B1"/>
+                </a:gs>
+                <a:gs pos="49000">
+                  <a:srgbClr val="FADFC0"/>
+                </a:gs>
+                <a:gs pos="0">
+                  <a:schemeClr val="accent1">
+                    <a:lumMod val="5000"/>
+                    <a:lumOff val="95000"/>
+                  </a:schemeClr>
+                </a:gs>
+                <a:gs pos="74000">
+                  <a:schemeClr val="accent1">
+                    <a:lumMod val="45000"/>
+                    <a:lumOff val="55000"/>
+                  </a:schemeClr>
+                </a:gs>
+                <a:gs pos="83000">
+                  <a:schemeClr val="accent1">
+                    <a:lumMod val="45000"/>
+                    <a:lumOff val="55000"/>
+                  </a:schemeClr>
+                </a:gs>
+                <a:gs pos="100000">
+                  <a:schemeClr val="accent1">
+                    <a:lumMod val="30000"/>
+                    <a:lumOff val="70000"/>
+                  </a:schemeClr>
+                </a:gs>
+              </a:gsLst>
+              <a:lin ang="5400000" scaled="1"/>
+            </a:gradFill>
+          </a:ln>
+        </p:spPr>
+        <p:style>
+          <a:lnRef idx="2">
+            <a:schemeClr val="accent1">
+              <a:shade val="50000"/>
+            </a:schemeClr>
+          </a:lnRef>
+          <a:fillRef idx="1">
+            <a:schemeClr val="accent1"/>
+          </a:fillRef>
+          <a:effectRef idx="0">
+            <a:schemeClr val="accent1"/>
+          </a:effectRef>
+          <a:fontRef idx="minor">
+            <a:schemeClr val="lt1"/>
+          </a:fontRef>
+        </p:style>
+        <p:txBody>
+          <a:bodyPr rtlCol="0" anchor="ctr"/>
+          <a:lstStyle/>
+          <a:p>
+            <a:pPr algn="ctr"/>
+            <a:endParaRPr lang="nl-BE"/>
           </a:p>
         </p:txBody>
       </p:sp>
@@ -5262,6 +5983,84 @@
   <p:clrMapOvr>
     <a:masterClrMapping/>
   </p:clrMapOvr>
+  <p:timing>
+    <p:tnLst>
+      <p:par>
+        <p:cTn id="1" dur="indefinite" restart="never" nodeType="tmRoot">
+          <p:childTnLst>
+            <p:seq concurrent="1" nextAc="seek">
+              <p:cTn id="2" dur="indefinite" nodeType="mainSeq">
+                <p:childTnLst>
+                  <p:par>
+                    <p:cTn id="3" fill="hold">
+                      <p:stCondLst>
+                        <p:cond delay="indefinite"/>
+                      </p:stCondLst>
+                      <p:childTnLst>
+                        <p:par>
+                          <p:cTn id="4" fill="hold">
+                            <p:stCondLst>
+                              <p:cond delay="0"/>
+                            </p:stCondLst>
+                            <p:childTnLst>
+                              <p:par>
+                                <p:cTn id="5" presetID="1" presetClass="entr" presetSubtype="0" fill="hold" grpId="0" nodeType="clickEffect">
+                                  <p:stCondLst>
+                                    <p:cond delay="0"/>
+                                  </p:stCondLst>
+                                  <p:childTnLst>
+                                    <p:set>
+                                      <p:cBhvr>
+                                        <p:cTn id="6" dur="1" fill="hold">
+                                          <p:stCondLst>
+                                            <p:cond delay="0"/>
+                                          </p:stCondLst>
+                                        </p:cTn>
+                                        <p:tgtEl>
+                                          <p:spTgt spid="28"/>
+                                        </p:tgtEl>
+                                        <p:attrNameLst>
+                                          <p:attrName>style.visibility</p:attrName>
+                                        </p:attrNameLst>
+                                      </p:cBhvr>
+                                      <p:to>
+                                        <p:strVal val="visible"/>
+                                      </p:to>
+                                    </p:set>
+                                  </p:childTnLst>
+                                </p:cTn>
+                              </p:par>
+                            </p:childTnLst>
+                          </p:cTn>
+                        </p:par>
+                      </p:childTnLst>
+                    </p:cTn>
+                  </p:par>
+                </p:childTnLst>
+              </p:cTn>
+              <p:prevCondLst>
+                <p:cond evt="onPrev" delay="0">
+                  <p:tgtEl>
+                    <p:sldTgt/>
+                  </p:tgtEl>
+                </p:cond>
+              </p:prevCondLst>
+              <p:nextCondLst>
+                <p:cond evt="onNext" delay="0">
+                  <p:tgtEl>
+                    <p:sldTgt/>
+                  </p:tgtEl>
+                </p:cond>
+              </p:nextCondLst>
+            </p:seq>
+          </p:childTnLst>
+        </p:cTn>
+      </p:par>
+    </p:tnLst>
+    <p:bldLst>
+      <p:bldP spid="28" grpId="0" animBg="1"/>
+    </p:bldLst>
+  </p:timing>
 </p:sld>
 </file>
 
@@ -5287,6 +6086,188 @@
           <p:cNvPr id="2" name="Titel 1">
             <a:extLst>
               <a:ext uri="{FF2B5EF4-FFF2-40B4-BE49-F238E27FC236}">
+                <a16:creationId xmlns:a16="http://schemas.microsoft.com/office/drawing/2014/main" id="{61222D61-FB80-136C-EA7C-4498181F5EC3}"/>
+              </a:ext>
+            </a:extLst>
+          </p:cNvPr>
+          <p:cNvSpPr>
+            <a:spLocks noGrp="1"/>
+          </p:cNvSpPr>
+          <p:nvPr>
+            <p:ph type="title"/>
+          </p:nvPr>
+        </p:nvSpPr>
+        <p:spPr/>
+        <p:txBody>
+          <a:bodyPr/>
+          <a:lstStyle/>
+          <a:p>
+            <a:r>
+              <a:rPr lang="nl-BE" dirty="0"/>
+              <a:t>Plan van aanpak</a:t>
+            </a:r>
+          </a:p>
+        </p:txBody>
+      </p:sp>
+      <p:pic>
+        <p:nvPicPr>
+          <p:cNvPr id="5" name="Tijdelijke aanduiding voor inhoud 4">
+            <a:extLst>
+              <a:ext uri="{FF2B5EF4-FFF2-40B4-BE49-F238E27FC236}">
+                <a16:creationId xmlns:a16="http://schemas.microsoft.com/office/drawing/2014/main" id="{C0BB8812-5997-BA9A-BC40-7B96BCE35243}"/>
+              </a:ext>
+            </a:extLst>
+          </p:cNvPr>
+          <p:cNvPicPr>
+            <a:picLocks noGrp="1" noChangeAspect="1"/>
+          </p:cNvPicPr>
+          <p:nvPr>
+            <p:ph idx="1"/>
+          </p:nvPr>
+        </p:nvPicPr>
+        <p:blipFill>
+          <a:blip r:embed="rId2"/>
+          <a:stretch>
+            <a:fillRect/>
+          </a:stretch>
+        </p:blipFill>
+        <p:spPr>
+          <a:xfrm>
+            <a:off x="2927926" y="1846263"/>
+            <a:ext cx="6465455" cy="4022725"/>
+          </a:xfrm>
+        </p:spPr>
+      </p:pic>
+      <mc:AlternateContent xmlns:mc="http://schemas.openxmlformats.org/markup-compatibility/2006">
+        <mc:Choice xmlns:a14="http://schemas.microsoft.com/office/drawing/2010/main" Requires="a14">
+          <p:sp>
+            <p:nvSpPr>
+              <p:cNvPr id="6" name="Tekstvak 5">
+                <a:extLst>
+                  <a:ext uri="{FF2B5EF4-FFF2-40B4-BE49-F238E27FC236}">
+                    <a16:creationId xmlns:a16="http://schemas.microsoft.com/office/drawing/2014/main" id="{D387BA67-91EC-14DF-53DC-C0240FB89E80}"/>
+                  </a:ext>
+                </a:extLst>
+              </p:cNvPr>
+              <p:cNvSpPr txBox="1"/>
+              <p:nvPr/>
+            </p:nvSpPr>
+            <p:spPr>
+              <a:xfrm>
+                <a:off x="5640185" y="2971800"/>
+                <a:ext cx="2510303" cy="276999"/>
+              </a:xfrm>
+              <a:prstGeom prst="rect">
+                <a:avLst/>
+              </a:prstGeom>
+              <a:noFill/>
+            </p:spPr>
+            <p:txBody>
+              <a:bodyPr wrap="none" lIns="0" tIns="0" rIns="0" bIns="0" rtlCol="0">
+                <a:spAutoFit/>
+              </a:bodyPr>
+              <a:lstStyle/>
+              <a:p>
+                <a14:m>
+                  <m:oMathPara xmlns:m="http://schemas.openxmlformats.org/officeDocument/2006/math">
+                    <m:oMathParaPr>
+                      <m:jc m:val="centerGroup"/>
+                    </m:oMathParaPr>
+                    <m:oMath xmlns:m="http://schemas.openxmlformats.org/officeDocument/2006/math">
+                      <a:fld id="{825F15A7-03F4-43D7-82C5-3E23DA2F108C}" type="mathplaceholder">
+                        <a:rPr lang="nl-BE" i="1" smtClean="0">
+                          <a:latin typeface="Cambria Math" panose="02040503050406030204" pitchFamily="18" charset="0"/>
+                        </a:rPr>
+                        <a:t>Typ hier uw vergelijking.</a:t>
+                      </a:fld>
+                    </m:oMath>
+                  </m:oMathPara>
+                </a14:m>
+                <a:endParaRPr lang="nl-BE" dirty="0"/>
+              </a:p>
+            </p:txBody>
+          </p:sp>
+        </mc:Choice>
+        <mc:Fallback>
+          <p:sp>
+            <p:nvSpPr>
+              <p:cNvPr id="6" name="Tekstvak 5">
+                <a:extLst>
+                  <a:ext uri="{FF2B5EF4-FFF2-40B4-BE49-F238E27FC236}">
+                    <a16:creationId xmlns:a16="http://schemas.microsoft.com/office/drawing/2014/main" id="{D387BA67-91EC-14DF-53DC-C0240FB89E80}"/>
+                  </a:ext>
+                </a:extLst>
+              </p:cNvPr>
+              <p:cNvSpPr txBox="1">
+                <a:spLocks noRot="1" noChangeAspect="1" noMove="1" noResize="1" noEditPoints="1" noAdjustHandles="1" noChangeArrowheads="1" noChangeShapeType="1" noTextEdit="1"/>
+              </p:cNvSpPr>
+              <p:nvPr/>
+            </p:nvSpPr>
+            <p:spPr>
+              <a:xfrm>
+                <a:off x="5640185" y="2971800"/>
+                <a:ext cx="2510303" cy="276999"/>
+              </a:xfrm>
+              <a:prstGeom prst="rect">
+                <a:avLst/>
+              </a:prstGeom>
+              <a:blipFill>
+                <a:blip r:embed="rId3"/>
+                <a:stretch>
+                  <a:fillRect l="-2670" t="-4444" r="-2913" b="-33333"/>
+                </a:stretch>
+              </a:blipFill>
+            </p:spPr>
+            <p:txBody>
+              <a:bodyPr/>
+              <a:lstStyle/>
+              <a:p>
+                <a:r>
+                  <a:rPr lang="nl-BE">
+                    <a:noFill/>
+                  </a:rPr>
+                  <a:t> </a:t>
+                </a:r>
+              </a:p>
+            </p:txBody>
+          </p:sp>
+        </mc:Fallback>
+      </mc:AlternateContent>
+    </p:spTree>
+    <p:extLst>
+      <p:ext uri="{BB962C8B-B14F-4D97-AF65-F5344CB8AC3E}">
+        <p14:creationId xmlns:p14="http://schemas.microsoft.com/office/powerpoint/2010/main" val="1965371869"/>
+      </p:ext>
+    </p:extLst>
+  </p:cSld>
+  <p:clrMapOvr>
+    <a:masterClrMapping/>
+  </p:clrMapOvr>
+</p:sld>
+</file>
+
+<file path=ppt/slides/slide8.xml><?xml version="1.0" encoding="utf-8"?>
+<p:sld xmlns:a="http://schemas.openxmlformats.org/drawingml/2006/main" xmlns:r="http://schemas.openxmlformats.org/officeDocument/2006/relationships" xmlns:p="http://schemas.openxmlformats.org/presentationml/2006/main">
+  <p:cSld>
+    <p:spTree>
+      <p:nvGrpSpPr>
+        <p:cNvPr id="1" name=""/>
+        <p:cNvGrpSpPr/>
+        <p:nvPr/>
+      </p:nvGrpSpPr>
+      <p:grpSpPr>
+        <a:xfrm>
+          <a:off x="0" y="0"/>
+          <a:ext cx="0" cy="0"/>
+          <a:chOff x="0" y="0"/>
+          <a:chExt cx="0" cy="0"/>
+        </a:xfrm>
+      </p:grpSpPr>
+      <p:sp>
+        <p:nvSpPr>
+          <p:cNvPr id="2" name="Titel 1">
+            <a:extLst>
+              <a:ext uri="{FF2B5EF4-FFF2-40B4-BE49-F238E27FC236}">
                 <a16:creationId xmlns:a16="http://schemas.microsoft.com/office/drawing/2014/main" id="{437CA3E9-E049-BF82-8256-9488B89D6579}"/>
               </a:ext>
             </a:extLst>
@@ -5336,7 +6317,10 @@
           <a:bodyPr/>
           <a:lstStyle/>
           <a:p>
-            <a:endParaRPr lang="nl-BE" dirty="0"/>
+            <a:r>
+              <a:rPr lang="nl-BE" dirty="0"/>
+              <a:t>Certificaten </a:t>
+            </a:r>
           </a:p>
         </p:txBody>
       </p:sp>
@@ -5362,8 +6346,8 @@
         </p:blipFill>
         <p:spPr>
           <a:xfrm>
-            <a:off x="1097280" y="2604357"/>
-            <a:ext cx="9885429" cy="1385339"/>
+            <a:off x="1097281" y="2604357"/>
+            <a:ext cx="7871578" cy="1103119"/>
           </a:xfrm>
           <a:prstGeom prst="rect">
             <a:avLst/>
@@ -5392,8 +6376,8 @@
         </p:blipFill>
         <p:spPr>
           <a:xfrm>
-            <a:off x="1097280" y="3989696"/>
-            <a:ext cx="9885429" cy="1688095"/>
+            <a:off x="1097281" y="3851922"/>
+            <a:ext cx="7871578" cy="1344198"/>
           </a:xfrm>
           <a:prstGeom prst="rect">
             <a:avLst/>
@@ -5404,89 +6388,6 @@
     <p:extLst>
       <p:ext uri="{BB962C8B-B14F-4D97-AF65-F5344CB8AC3E}">
         <p14:creationId xmlns:p14="http://schemas.microsoft.com/office/powerpoint/2010/main" val="1527229354"/>
-      </p:ext>
-    </p:extLst>
-  </p:cSld>
-  <p:clrMapOvr>
-    <a:masterClrMapping/>
-  </p:clrMapOvr>
-</p:sld>
-</file>
-
-<file path=ppt/slides/slide8.xml><?xml version="1.0" encoding="utf-8"?>
-<p:sld xmlns:a="http://schemas.openxmlformats.org/drawingml/2006/main" xmlns:r="http://schemas.openxmlformats.org/officeDocument/2006/relationships" xmlns:p="http://schemas.openxmlformats.org/presentationml/2006/main">
-  <p:cSld>
-    <p:spTree>
-      <p:nvGrpSpPr>
-        <p:cNvPr id="1" name=""/>
-        <p:cNvGrpSpPr/>
-        <p:nvPr/>
-      </p:nvGrpSpPr>
-      <p:grpSpPr>
-        <a:xfrm>
-          <a:off x="0" y="0"/>
-          <a:ext cx="0" cy="0"/>
-          <a:chOff x="0" y="0"/>
-          <a:chExt cx="0" cy="0"/>
-        </a:xfrm>
-      </p:grpSpPr>
-      <p:sp>
-        <p:nvSpPr>
-          <p:cNvPr id="2" name="Titel 1">
-            <a:extLst>
-              <a:ext uri="{FF2B5EF4-FFF2-40B4-BE49-F238E27FC236}">
-                <a16:creationId xmlns:a16="http://schemas.microsoft.com/office/drawing/2014/main" id="{BE311A97-C066-5B05-482F-0E6FA4903BCF}"/>
-              </a:ext>
-            </a:extLst>
-          </p:cNvPr>
-          <p:cNvSpPr>
-            <a:spLocks noGrp="1"/>
-          </p:cNvSpPr>
-          <p:nvPr>
-            <p:ph type="title"/>
-          </p:nvPr>
-        </p:nvSpPr>
-        <p:spPr/>
-        <p:txBody>
-          <a:bodyPr/>
-          <a:lstStyle/>
-          <a:p>
-            <a:r>
-              <a:rPr lang="nl-BE" dirty="0"/>
-              <a:t>Sprints</a:t>
-            </a:r>
-          </a:p>
-        </p:txBody>
-      </p:sp>
-      <p:sp>
-        <p:nvSpPr>
-          <p:cNvPr id="3" name="Tijdelijke aanduiding voor inhoud 2">
-            <a:extLst>
-              <a:ext uri="{FF2B5EF4-FFF2-40B4-BE49-F238E27FC236}">
-                <a16:creationId xmlns:a16="http://schemas.microsoft.com/office/drawing/2014/main" id="{BBB5DA29-7692-24C6-BCFD-428E6A2BEB22}"/>
-              </a:ext>
-            </a:extLst>
-          </p:cNvPr>
-          <p:cNvSpPr>
-            <a:spLocks noGrp="1"/>
-          </p:cNvSpPr>
-          <p:nvPr>
-            <p:ph idx="1"/>
-          </p:nvPr>
-        </p:nvSpPr>
-        <p:spPr/>
-        <p:txBody>
-          <a:bodyPr/>
-          <a:lstStyle/>
-          <a:p>
-            <a:endParaRPr lang="nl-BE" dirty="0"/>
-          </a:p>
-        </p:txBody>
-      </p:sp>
-    </p:spTree>
-    <p:extLst>
-      <p:ext uri="{BB962C8B-B14F-4D97-AF65-F5344CB8AC3E}">
-        <p14:creationId xmlns:p14="http://schemas.microsoft.com/office/powerpoint/2010/main" val="616329558"/>
       </p:ext>
     </p:extLst>
   </p:cSld>
@@ -5518,7 +6419,7 @@
           <p:cNvPr id="2" name="Titel 1">
             <a:extLst>
               <a:ext uri="{FF2B5EF4-FFF2-40B4-BE49-F238E27FC236}">
-                <a16:creationId xmlns:a16="http://schemas.microsoft.com/office/drawing/2014/main" id="{AEC34B59-0146-C33F-CFC6-890060B52779}"/>
+                <a16:creationId xmlns:a16="http://schemas.microsoft.com/office/drawing/2014/main" id="{BE311A97-C066-5B05-482F-0E6FA4903BCF}"/>
               </a:ext>
             </a:extLst>
           </p:cNvPr>
@@ -5536,7 +6437,7 @@
           <a:p>
             <a:r>
               <a:rPr lang="nl-BE" dirty="0"/>
-              <a:t>Uitvoering</a:t>
+              <a:t>Sprints</a:t>
             </a:r>
           </a:p>
         </p:txBody>
@@ -5546,7 +6447,7 @@
           <p:cNvPr id="3" name="Tijdelijke aanduiding voor inhoud 2">
             <a:extLst>
               <a:ext uri="{FF2B5EF4-FFF2-40B4-BE49-F238E27FC236}">
-                <a16:creationId xmlns:a16="http://schemas.microsoft.com/office/drawing/2014/main" id="{4BE4A8C1-501E-56ED-71C8-F32C29245B80}"/>
+                <a16:creationId xmlns:a16="http://schemas.microsoft.com/office/drawing/2014/main" id="{BBB5DA29-7692-24C6-BCFD-428E6A2BEB22}"/>
               </a:ext>
             </a:extLst>
           </p:cNvPr>
@@ -5562,34 +6463,6 @@
           <a:bodyPr/>
           <a:lstStyle/>
           <a:p>
-            <a:r>
-              <a:rPr lang="nl-BE" dirty="0" err="1" smtClean="0"/>
-              <a:t>Github</a:t>
-            </a:r>
-            <a:endParaRPr lang="nl-BE" dirty="0" smtClean="0"/>
-          </a:p>
-          <a:p>
-            <a:r>
-              <a:rPr lang="nl-BE" dirty="0" smtClean="0"/>
-              <a:t>Visio</a:t>
-            </a:r>
-            <a:endParaRPr lang="nl-BE" dirty="0"/>
-          </a:p>
-          <a:p>
-            <a:r>
-              <a:rPr lang="nl-BE" dirty="0" smtClean="0"/>
-              <a:t>Python3</a:t>
-            </a:r>
-          </a:p>
-          <a:p>
-            <a:r>
-              <a:rPr lang="nl-BE" dirty="0" err="1" smtClean="0"/>
-              <a:t>Notepad</a:t>
-            </a:r>
-            <a:r>
-              <a:rPr lang="nl-BE" dirty="0" smtClean="0"/>
-              <a:t>++</a:t>
-            </a:r>
             <a:endParaRPr lang="nl-BE" dirty="0"/>
           </a:p>
         </p:txBody>
@@ -5597,7 +6470,7 @@
     </p:spTree>
     <p:extLst>
       <p:ext uri="{BB962C8B-B14F-4D97-AF65-F5344CB8AC3E}">
-        <p14:creationId xmlns:p14="http://schemas.microsoft.com/office/powerpoint/2010/main" val="2170463598"/>
+        <p14:creationId xmlns:p14="http://schemas.microsoft.com/office/powerpoint/2010/main" val="616329558"/>
       </p:ext>
     </p:extLst>
   </p:cSld>
@@ -5888,4 +6761,299 @@
     </a:ext>
   </a:extLst>
 </a:theme>
+</file>
+
+<file path=ppt/theme/theme2.xml><?xml version="1.0" encoding="utf-8"?>
+<a:theme xmlns:a="http://schemas.openxmlformats.org/drawingml/2006/main" name="Kantoorthema">
+  <a:themeElements>
+    <a:clrScheme name="Office">
+      <a:dk1>
+        <a:sysClr val="windowText" lastClr="000000"/>
+      </a:dk1>
+      <a:lt1>
+        <a:sysClr val="window" lastClr="FFFFFF"/>
+      </a:lt1>
+      <a:dk2>
+        <a:srgbClr val="44546A"/>
+      </a:dk2>
+      <a:lt2>
+        <a:srgbClr val="E7E6E6"/>
+      </a:lt2>
+      <a:accent1>
+        <a:srgbClr val="4472C4"/>
+      </a:accent1>
+      <a:accent2>
+        <a:srgbClr val="ED7D31"/>
+      </a:accent2>
+      <a:accent3>
+        <a:srgbClr val="A5A5A5"/>
+      </a:accent3>
+      <a:accent4>
+        <a:srgbClr val="FFC000"/>
+      </a:accent4>
+      <a:accent5>
+        <a:srgbClr val="5B9BD5"/>
+      </a:accent5>
+      <a:accent6>
+        <a:srgbClr val="70AD47"/>
+      </a:accent6>
+      <a:hlink>
+        <a:srgbClr val="0563C1"/>
+      </a:hlink>
+      <a:folHlink>
+        <a:srgbClr val="954F72"/>
+      </a:folHlink>
+    </a:clrScheme>
+    <a:fontScheme name="Office">
+      <a:majorFont>
+        <a:latin typeface="Calibri Light" panose="020F0302020204030204"/>
+        <a:ea typeface=""/>
+        <a:cs typeface=""/>
+        <a:font script="Jpan" typeface="游ゴシック Light"/>
+        <a:font script="Hang" typeface="맑은 고딕"/>
+        <a:font script="Hans" typeface="等线 Light"/>
+        <a:font script="Hant" typeface="新細明體"/>
+        <a:font script="Arab" typeface="Times New Roman"/>
+        <a:font script="Hebr" typeface="Times New Roman"/>
+        <a:font script="Thai" typeface="Angsana New"/>
+        <a:font script="Ethi" typeface="Nyala"/>
+        <a:font script="Beng" typeface="Vrinda"/>
+        <a:font script="Gujr" typeface="Shruti"/>
+        <a:font script="Khmr" typeface="MoolBoran"/>
+        <a:font script="Knda" typeface="Tunga"/>
+        <a:font script="Guru" typeface="Raavi"/>
+        <a:font script="Cans" typeface="Euphemia"/>
+        <a:font script="Cher" typeface="Plantagenet Cherokee"/>
+        <a:font script="Yiii" typeface="Microsoft Yi Baiti"/>
+        <a:font script="Tibt" typeface="Microsoft Himalaya"/>
+        <a:font script="Thaa" typeface="MV Boli"/>
+        <a:font script="Deva" typeface="Mangal"/>
+        <a:font script="Telu" typeface="Gautami"/>
+        <a:font script="Taml" typeface="Latha"/>
+        <a:font script="Syrc" typeface="Estrangelo Edessa"/>
+        <a:font script="Orya" typeface="Kalinga"/>
+        <a:font script="Mlym" typeface="Kartika"/>
+        <a:font script="Laoo" typeface="DokChampa"/>
+        <a:font script="Sinh" typeface="Iskoola Pota"/>
+        <a:font script="Mong" typeface="Mongolian Baiti"/>
+        <a:font script="Viet" typeface="Times New Roman"/>
+        <a:font script="Uigh" typeface="Microsoft Uighur"/>
+        <a:font script="Geor" typeface="Sylfaen"/>
+        <a:font script="Armn" typeface="Arial"/>
+        <a:font script="Bugi" typeface="Leelawadee UI"/>
+        <a:font script="Bopo" typeface="Microsoft JhengHei"/>
+        <a:font script="Java" typeface="Javanese Text"/>
+        <a:font script="Lisu" typeface="Segoe UI"/>
+        <a:font script="Mymr" typeface="Myanmar Text"/>
+        <a:font script="Nkoo" typeface="Ebrima"/>
+        <a:font script="Olck" typeface="Nirmala UI"/>
+        <a:font script="Osma" typeface="Ebrima"/>
+        <a:font script="Phag" typeface="Phagspa"/>
+        <a:font script="Syrn" typeface="Estrangelo Edessa"/>
+        <a:font script="Syrj" typeface="Estrangelo Edessa"/>
+        <a:font script="Syre" typeface="Estrangelo Edessa"/>
+        <a:font script="Sora" typeface="Nirmala UI"/>
+        <a:font script="Tale" typeface="Microsoft Tai Le"/>
+        <a:font script="Talu" typeface="Microsoft New Tai Lue"/>
+        <a:font script="Tfng" typeface="Ebrima"/>
+      </a:majorFont>
+      <a:minorFont>
+        <a:latin typeface="Calibri" panose="020F0502020204030204"/>
+        <a:ea typeface=""/>
+        <a:cs typeface=""/>
+        <a:font script="Jpan" typeface="游ゴシック"/>
+        <a:font script="Hang" typeface="맑은 고딕"/>
+        <a:font script="Hans" typeface="等线"/>
+        <a:font script="Hant" typeface="新細明體"/>
+        <a:font script="Arab" typeface="Arial"/>
+        <a:font script="Hebr" typeface="Arial"/>
+        <a:font script="Thai" typeface="Cordia New"/>
+        <a:font script="Ethi" typeface="Nyala"/>
+        <a:font script="Beng" typeface="Vrinda"/>
+        <a:font script="Gujr" typeface="Shruti"/>
+        <a:font script="Khmr" typeface="DaunPenh"/>
+        <a:font script="Knda" typeface="Tunga"/>
+        <a:font script="Guru" typeface="Raavi"/>
+        <a:font script="Cans" typeface="Euphemia"/>
+        <a:font script="Cher" typeface="Plantagenet Cherokee"/>
+        <a:font script="Yiii" typeface="Microsoft Yi Baiti"/>
+        <a:font script="Tibt" typeface="Microsoft Himalaya"/>
+        <a:font script="Thaa" typeface="MV Boli"/>
+        <a:font script="Deva" typeface="Mangal"/>
+        <a:font script="Telu" typeface="Gautami"/>
+        <a:font script="Taml" typeface="Latha"/>
+        <a:font script="Syrc" typeface="Estrangelo Edessa"/>
+        <a:font script="Orya" typeface="Kalinga"/>
+        <a:font script="Mlym" typeface="Kartika"/>
+        <a:font script="Laoo" typeface="DokChampa"/>
+        <a:font script="Sinh" typeface="Iskoola Pota"/>
+        <a:font script="Mong" typeface="Mongolian Baiti"/>
+        <a:font script="Viet" typeface="Arial"/>
+        <a:font script="Uigh" typeface="Microsoft Uighur"/>
+        <a:font script="Geor" typeface="Sylfaen"/>
+        <a:font script="Armn" typeface="Arial"/>
+        <a:font script="Bugi" typeface="Leelawadee UI"/>
+        <a:font script="Bopo" typeface="Microsoft JhengHei"/>
+        <a:font script="Java" typeface="Javanese Text"/>
+        <a:font script="Lisu" typeface="Segoe UI"/>
+        <a:font script="Mymr" typeface="Myanmar Text"/>
+        <a:font script="Nkoo" typeface="Ebrima"/>
+        <a:font script="Olck" typeface="Nirmala UI"/>
+        <a:font script="Osma" typeface="Ebrima"/>
+        <a:font script="Phag" typeface="Phagspa"/>
+        <a:font script="Syrn" typeface="Estrangelo Edessa"/>
+        <a:font script="Syrj" typeface="Estrangelo Edessa"/>
+        <a:font script="Syre" typeface="Estrangelo Edessa"/>
+        <a:font script="Sora" typeface="Nirmala UI"/>
+        <a:font script="Tale" typeface="Microsoft Tai Le"/>
+        <a:font script="Talu" typeface="Microsoft New Tai Lue"/>
+        <a:font script="Tfng" typeface="Ebrima"/>
+      </a:minorFont>
+    </a:fontScheme>
+    <a:fmtScheme name="Office">
+      <a:fillStyleLst>
+        <a:solidFill>
+          <a:schemeClr val="phClr"/>
+        </a:solidFill>
+        <a:gradFill rotWithShape="1">
+          <a:gsLst>
+            <a:gs pos="0">
+              <a:schemeClr val="phClr">
+                <a:lumMod val="110000"/>
+                <a:satMod val="105000"/>
+                <a:tint val="67000"/>
+              </a:schemeClr>
+            </a:gs>
+            <a:gs pos="50000">
+              <a:schemeClr val="phClr">
+                <a:lumMod val="105000"/>
+                <a:satMod val="103000"/>
+                <a:tint val="73000"/>
+              </a:schemeClr>
+            </a:gs>
+            <a:gs pos="100000">
+              <a:schemeClr val="phClr">
+                <a:lumMod val="105000"/>
+                <a:satMod val="109000"/>
+                <a:tint val="81000"/>
+              </a:schemeClr>
+            </a:gs>
+          </a:gsLst>
+          <a:lin ang="5400000" scaled="0"/>
+        </a:gradFill>
+        <a:gradFill rotWithShape="1">
+          <a:gsLst>
+            <a:gs pos="0">
+              <a:schemeClr val="phClr">
+                <a:satMod val="103000"/>
+                <a:lumMod val="102000"/>
+                <a:tint val="94000"/>
+              </a:schemeClr>
+            </a:gs>
+            <a:gs pos="50000">
+              <a:schemeClr val="phClr">
+                <a:satMod val="110000"/>
+                <a:lumMod val="100000"/>
+                <a:shade val="100000"/>
+              </a:schemeClr>
+            </a:gs>
+            <a:gs pos="100000">
+              <a:schemeClr val="phClr">
+                <a:lumMod val="99000"/>
+                <a:satMod val="120000"/>
+                <a:shade val="78000"/>
+              </a:schemeClr>
+            </a:gs>
+          </a:gsLst>
+          <a:lin ang="5400000" scaled="0"/>
+        </a:gradFill>
+      </a:fillStyleLst>
+      <a:lnStyleLst>
+        <a:ln w="6350" cap="flat" cmpd="sng" algn="ctr">
+          <a:solidFill>
+            <a:schemeClr val="phClr"/>
+          </a:solidFill>
+          <a:prstDash val="solid"/>
+          <a:miter lim="800000"/>
+        </a:ln>
+        <a:ln w="12700" cap="flat" cmpd="sng" algn="ctr">
+          <a:solidFill>
+            <a:schemeClr val="phClr"/>
+          </a:solidFill>
+          <a:prstDash val="solid"/>
+          <a:miter lim="800000"/>
+        </a:ln>
+        <a:ln w="19050" cap="flat" cmpd="sng" algn="ctr">
+          <a:solidFill>
+            <a:schemeClr val="phClr"/>
+          </a:solidFill>
+          <a:prstDash val="solid"/>
+          <a:miter lim="800000"/>
+        </a:ln>
+      </a:lnStyleLst>
+      <a:effectStyleLst>
+        <a:effectStyle>
+          <a:effectLst/>
+        </a:effectStyle>
+        <a:effectStyle>
+          <a:effectLst/>
+        </a:effectStyle>
+        <a:effectStyle>
+          <a:effectLst>
+            <a:outerShdw blurRad="57150" dist="19050" dir="5400000" algn="ctr" rotWithShape="0">
+              <a:srgbClr val="000000">
+                <a:alpha val="63000"/>
+              </a:srgbClr>
+            </a:outerShdw>
+          </a:effectLst>
+        </a:effectStyle>
+      </a:effectStyleLst>
+      <a:bgFillStyleLst>
+        <a:solidFill>
+          <a:schemeClr val="phClr"/>
+        </a:solidFill>
+        <a:solidFill>
+          <a:schemeClr val="phClr">
+            <a:tint val="95000"/>
+            <a:satMod val="170000"/>
+          </a:schemeClr>
+        </a:solidFill>
+        <a:gradFill rotWithShape="1">
+          <a:gsLst>
+            <a:gs pos="0">
+              <a:schemeClr val="phClr">
+                <a:tint val="93000"/>
+                <a:satMod val="150000"/>
+                <a:shade val="98000"/>
+                <a:lumMod val="102000"/>
+              </a:schemeClr>
+            </a:gs>
+            <a:gs pos="50000">
+              <a:schemeClr val="phClr">
+                <a:tint val="98000"/>
+                <a:satMod val="130000"/>
+                <a:shade val="90000"/>
+                <a:lumMod val="103000"/>
+              </a:schemeClr>
+            </a:gs>
+            <a:gs pos="100000">
+              <a:schemeClr val="phClr">
+                <a:shade val="63000"/>
+                <a:satMod val="120000"/>
+              </a:schemeClr>
+            </a:gs>
+          </a:gsLst>
+          <a:lin ang="5400000" scaled="0"/>
+        </a:gradFill>
+      </a:bgFillStyleLst>
+    </a:fmtScheme>
+  </a:themeElements>
+  <a:objectDefaults/>
+  <a:extraClrSchemeLst/>
+  <a:extLst>
+    <a:ext uri="{05A4C25C-085E-4340-85A3-A5531E510DB2}">
+      <thm15:themeFamily xmlns:thm15="http://schemas.microsoft.com/office/thememl/2012/main" name="Office Theme" id="{62F939B6-93AF-4DB8-9C6B-D6C7DFDC589F}" vid="{4A3C46E8-61CC-4603-A589-7422A47A8E4A}"/>
+    </a:ext>
+  </a:extLst>
+</a:theme>
 </file>
--- a/Scrum Artifacts/Sprint5/IT-Projectwerk 2022.pptx
+++ b/Scrum Artifacts/Sprint5/IT-Projectwerk 2022.pptx
@@ -5836,8 +5836,8 @@
           </a:p>
         </p:txBody>
       </p:sp>
-      <mc:AlternateContent xmlns:mc="http://schemas.openxmlformats.org/markup-compatibility/2006">
-        <mc:Choice xmlns:p14="http://schemas.microsoft.com/office/powerpoint/2010/main" Requires="p14">
+      <mc:AlternateContent xmlns:mc="http://schemas.openxmlformats.org/markup-compatibility/2006" xmlns:p14="http://schemas.microsoft.com/office/powerpoint/2010/main">
+        <mc:Choice Requires="p14">
           <p:contentPart p14:bwMode="auto" r:id="rId3">
             <p14:nvContentPartPr>
               <p14:cNvPr id="15" name="Inkt 14">
@@ -5856,7 +5856,7 @@
             </p14:xfrm>
           </p:contentPart>
         </mc:Choice>
-        <mc:Fallback>
+        <mc:Fallback xmlns="">
           <p:pic>
             <p:nvPicPr>
               <p:cNvPr id="15" name="Inkt 14">
@@ -6138,8 +6138,8 @@
           </a:xfrm>
         </p:spPr>
       </p:pic>
-      <mc:AlternateContent xmlns:mc="http://schemas.openxmlformats.org/markup-compatibility/2006">
-        <mc:Choice xmlns:a14="http://schemas.microsoft.com/office/drawing/2010/main" Requires="a14">
+      <mc:AlternateContent xmlns:mc="http://schemas.openxmlformats.org/markup-compatibility/2006" xmlns:a14="http://schemas.microsoft.com/office/drawing/2010/main">
+        <mc:Choice Requires="a14">
           <p:sp>
             <p:nvSpPr>
               <p:cNvPr id="6" name="Tekstvak 5">
@@ -6168,6 +6168,7 @@
               </a:bodyPr>
               <a:lstStyle/>
               <a:p>
+                <a:pPr/>
                 <a14:m>
                   <m:oMathPara xmlns:m="http://schemas.openxmlformats.org/officeDocument/2006/math">
                     <m:oMathParaPr>
@@ -6188,7 +6189,7 @@
             </p:txBody>
           </p:sp>
         </mc:Choice>
-        <mc:Fallback>
+        <mc:Fallback xmlns="">
           <p:sp>
             <p:nvSpPr>
               <p:cNvPr id="6" name="Tekstvak 5">
@@ -6314,12 +6315,20 @@
           </a:xfrm>
         </p:spPr>
         <p:txBody>
-          <a:bodyPr/>
+          <a:bodyPr>
+            <a:normAutofit fontScale="92500" lnSpcReduction="20000"/>
+          </a:bodyPr>
           <a:lstStyle/>
           <a:p>
             <a:r>
               <a:rPr lang="nl-BE" dirty="0"/>
-              <a:t>Certificaten </a:t>
+              <a:t>Certificaten behaald:</a:t>
+            </a:r>
+          </a:p>
+          <a:p>
+            <a:r>
+              <a:rPr lang="nl-BE" dirty="0"/>
+              <a:t>https://scrumalliance.learnupon.com/ </a:t>
             </a:r>
           </a:p>
         </p:txBody>

--- a/Scrum Artifacts/Sprint5/IT-Projectwerk 2022.pptx
+++ b/Scrum Artifacts/Sprint5/IT-Projectwerk 2022.pptx
@@ -2,10 +2,10 @@
 <file path=ppt/presentation.xml><?xml version="1.0" encoding="utf-8"?>
 <p:presentation xmlns:a="http://schemas.openxmlformats.org/drawingml/2006/main" xmlns:r="http://schemas.openxmlformats.org/officeDocument/2006/relationships" xmlns:p="http://schemas.openxmlformats.org/presentationml/2006/main" saveSubsetFonts="1">
   <p:sldMasterIdLst>
-    <p:sldMasterId id="2147483660" r:id="rId1"/>
+    <p:sldMasterId id="2147483672" r:id="rId1"/>
   </p:sldMasterIdLst>
   <p:notesMasterIdLst>
-    <p:notesMasterId r:id="rId14"/>
+    <p:notesMasterId r:id="rId17"/>
   </p:notesMasterIdLst>
   <p:sldIdLst>
     <p:sldId id="256" r:id="rId2"/>
@@ -17,9 +17,12 @@
     <p:sldId id="267" r:id="rId8"/>
     <p:sldId id="266" r:id="rId9"/>
     <p:sldId id="261" r:id="rId10"/>
-    <p:sldId id="262" r:id="rId11"/>
-    <p:sldId id="263" r:id="rId12"/>
-    <p:sldId id="264" r:id="rId13"/>
+    <p:sldId id="268" r:id="rId11"/>
+    <p:sldId id="269" r:id="rId12"/>
+    <p:sldId id="270" r:id="rId13"/>
+    <p:sldId id="262" r:id="rId14"/>
+    <p:sldId id="263" r:id="rId15"/>
+    <p:sldId id="264" r:id="rId16"/>
   </p:sldIdLst>
   <p:sldSz cx="12192000" cy="6858000"/>
   <p:notesSz cx="6858000" cy="9144000"/>
@@ -506,7 +509,7 @@
 
 <file path=ppt/slideLayouts/slideLayout1.xml><?xml version="1.0" encoding="utf-8"?>
 <p:sldLayout xmlns:a="http://schemas.openxmlformats.org/drawingml/2006/main" xmlns:r="http://schemas.openxmlformats.org/officeDocument/2006/relationships" xmlns:p="http://schemas.openxmlformats.org/presentationml/2006/main" showMasterSp="0" type="title" preserve="1">
-  <p:cSld name="Title Slide">
+  <p:cSld name="Titeldia">
     <p:spTree>
       <p:nvGrpSpPr>
         <p:cNvPr id="1" name=""/>
@@ -529,8 +532,8 @@
         </p:nvSpPr>
         <p:spPr>
           <a:xfrm>
-            <a:off x="3175" y="6400800"/>
-            <a:ext cx="12188825" cy="457200"/>
+            <a:off x="1" y="6400800"/>
+            <a:ext cx="12192000" cy="457200"/>
           </a:xfrm>
           <a:prstGeom prst="rect">
             <a:avLst/>
@@ -567,8 +570,8 @@
         </p:nvSpPr>
         <p:spPr>
           <a:xfrm>
-            <a:off x="15" y="6334316"/>
-            <a:ext cx="12188825" cy="64008"/>
+            <a:off x="1" y="6334316"/>
+            <a:ext cx="12192000" cy="66484"/>
           </a:xfrm>
           <a:prstGeom prst="rect">
             <a:avLst/>
@@ -634,8 +637,8 @@
           </a:lstStyle>
           <a:p>
             <a:r>
-              <a:rPr lang="en-US"/>
-              <a:t>Click to edit Master title style</a:t>
+              <a:rPr lang="nl-NL" smtClean="0"/>
+              <a:t>Klik om de stijl te bewerken</a:t>
             </a:r>
             <a:endParaRPr lang="en-US" dirty="0"/>
           </a:p>
@@ -653,7 +656,7 @@
         </p:nvSpPr>
         <p:spPr>
           <a:xfrm>
-            <a:off x="1100051" y="4455620"/>
+            <a:off x="1100051" y="4455621"/>
             <a:ext cx="10058400" cy="1143000"/>
           </a:xfrm>
         </p:spPr>
@@ -706,8 +709,8 @@
           </a:lstStyle>
           <a:p>
             <a:r>
-              <a:rPr lang="en-US"/>
-              <a:t>Click to edit Master subtitle style</a:t>
+              <a:rPr lang="nl-NL" smtClean="0"/>
+              <a:t>Klik om de ondertitelstijl van het model te bewerken</a:t>
             </a:r>
             <a:endParaRPr lang="en-US" dirty="0"/>
           </a:p>
@@ -819,7 +822,7 @@
     </p:spTree>
     <p:extLst>
       <p:ext uri="{BB962C8B-B14F-4D97-AF65-F5344CB8AC3E}">
-        <p14:creationId xmlns:p14="http://schemas.microsoft.com/office/powerpoint/2010/main" val="396996437"/>
+        <p14:creationId xmlns:p14="http://schemas.microsoft.com/office/powerpoint/2010/main" val="511738518"/>
       </p:ext>
     </p:extLst>
   </p:cSld>
@@ -831,7 +834,7 @@
 
 <file path=ppt/slideLayouts/slideLayout10.xml><?xml version="1.0" encoding="utf-8"?>
 <p:sldLayout xmlns:a="http://schemas.openxmlformats.org/drawingml/2006/main" xmlns:r="http://schemas.openxmlformats.org/officeDocument/2006/relationships" xmlns:p="http://schemas.openxmlformats.org/presentationml/2006/main" type="vertTx" preserve="1">
-  <p:cSld name="Title and Vertical Text">
+  <p:cSld name="Titel en verticale tekst">
     <p:spTree>
       <p:nvGrpSpPr>
         <p:cNvPr id="1" name=""/>
@@ -862,8 +865,8 @@
           <a:lstStyle/>
           <a:p>
             <a:r>
-              <a:rPr lang="en-US"/>
-              <a:t>Click to edit Master title style</a:t>
+              <a:rPr lang="nl-NL" smtClean="0"/>
+              <a:t>Klik om de stijl te bewerken</a:t>
             </a:r>
             <a:endParaRPr lang="en-US" dirty="0"/>
           </a:p>
@@ -886,36 +889,36 @@
           <a:p>
             <a:pPr lvl="0"/>
             <a:r>
-              <a:rPr lang="en-US"/>
-              <a:t>Edit Master text styles</a:t>
+              <a:rPr lang="nl-NL" smtClean="0"/>
+              <a:t>Klik om de modelstijlen te bewerken</a:t>
             </a:r>
           </a:p>
           <a:p>
             <a:pPr lvl="1"/>
             <a:r>
-              <a:rPr lang="en-US"/>
-              <a:t>Second level</a:t>
+              <a:rPr lang="nl-NL" smtClean="0"/>
+              <a:t>Tweede niveau</a:t>
             </a:r>
           </a:p>
           <a:p>
             <a:pPr lvl="2"/>
             <a:r>
-              <a:rPr lang="en-US"/>
-              <a:t>Third level</a:t>
+              <a:rPr lang="nl-NL" smtClean="0"/>
+              <a:t>Derde niveau</a:t>
             </a:r>
           </a:p>
           <a:p>
             <a:pPr lvl="3"/>
             <a:r>
-              <a:rPr lang="en-US"/>
-              <a:t>Fourth level</a:t>
+              <a:rPr lang="nl-NL" smtClean="0"/>
+              <a:t>Vierde niveau</a:t>
             </a:r>
           </a:p>
           <a:p>
             <a:pPr lvl="4"/>
             <a:r>
-              <a:rPr lang="en-US"/>
-              <a:t>Fifth level</a:t>
+              <a:rPr lang="nl-NL" smtClean="0"/>
+              <a:t>Vijfde niveau</a:t>
             </a:r>
             <a:endParaRPr lang="en-US" dirty="0"/>
           </a:p>
@@ -989,7 +992,7 @@
     </p:spTree>
     <p:extLst>
       <p:ext uri="{BB962C8B-B14F-4D97-AF65-F5344CB8AC3E}">
-        <p14:creationId xmlns:p14="http://schemas.microsoft.com/office/powerpoint/2010/main" val="1617382240"/>
+        <p14:creationId xmlns:p14="http://schemas.microsoft.com/office/powerpoint/2010/main" val="3100302139"/>
       </p:ext>
     </p:extLst>
   </p:cSld>
@@ -1001,7 +1004,7 @@
 
 <file path=ppt/slideLayouts/slideLayout11.xml><?xml version="1.0" encoding="utf-8"?>
 <p:sldLayout xmlns:a="http://schemas.openxmlformats.org/drawingml/2006/main" xmlns:r="http://schemas.openxmlformats.org/officeDocument/2006/relationships" xmlns:p="http://schemas.openxmlformats.org/presentationml/2006/main" showMasterSp="0" type="vertTitleAndTx" preserve="1">
-  <p:cSld name="Vertical Title and Text">
+  <p:cSld name="Verticale titel en tekst">
     <p:spTree>
       <p:nvGrpSpPr>
         <p:cNvPr id="1" name=""/>
@@ -1104,8 +1107,8 @@
         </p:nvSpPr>
         <p:spPr>
           <a:xfrm>
-            <a:off x="8724900" y="414778"/>
-            <a:ext cx="2628900" cy="5757421"/>
+            <a:off x="8724900" y="412302"/>
+            <a:ext cx="2628900" cy="5759898"/>
           </a:xfrm>
         </p:spPr>
         <p:txBody>
@@ -1113,8 +1116,8 @@
           <a:lstStyle/>
           <a:p>
             <a:r>
-              <a:rPr lang="en-US"/>
-              <a:t>Click to edit Master title style</a:t>
+              <a:rPr lang="nl-NL" smtClean="0"/>
+              <a:t>Klik om de stijl te bewerken</a:t>
             </a:r>
             <a:endParaRPr lang="en-US" dirty="0"/>
           </a:p>
@@ -1132,8 +1135,8 @@
         </p:nvSpPr>
         <p:spPr>
           <a:xfrm>
-            <a:off x="838200" y="414778"/>
-            <a:ext cx="7734300" cy="5757422"/>
+            <a:off x="838200" y="412302"/>
+            <a:ext cx="7734300" cy="5759898"/>
           </a:xfrm>
         </p:spPr>
         <p:txBody>
@@ -1142,36 +1145,36 @@
           <a:p>
             <a:pPr lvl="0"/>
             <a:r>
-              <a:rPr lang="en-US"/>
-              <a:t>Edit Master text styles</a:t>
+              <a:rPr lang="nl-NL" smtClean="0"/>
+              <a:t>Klik om de modelstijlen te bewerken</a:t>
             </a:r>
           </a:p>
           <a:p>
             <a:pPr lvl="1"/>
             <a:r>
-              <a:rPr lang="en-US"/>
-              <a:t>Second level</a:t>
+              <a:rPr lang="nl-NL" smtClean="0"/>
+              <a:t>Tweede niveau</a:t>
             </a:r>
           </a:p>
           <a:p>
             <a:pPr lvl="2"/>
             <a:r>
-              <a:rPr lang="en-US"/>
-              <a:t>Third level</a:t>
+              <a:rPr lang="nl-NL" smtClean="0"/>
+              <a:t>Derde niveau</a:t>
             </a:r>
           </a:p>
           <a:p>
             <a:pPr lvl="3"/>
             <a:r>
-              <a:rPr lang="en-US"/>
-              <a:t>Fourth level</a:t>
+              <a:rPr lang="nl-NL" smtClean="0"/>
+              <a:t>Vierde niveau</a:t>
             </a:r>
           </a:p>
           <a:p>
             <a:pPr lvl="4"/>
             <a:r>
-              <a:rPr lang="en-US"/>
-              <a:t>Fifth level</a:t>
+              <a:rPr lang="nl-NL" smtClean="0"/>
+              <a:t>Vijfde niveau</a:t>
             </a:r>
             <a:endParaRPr lang="en-US" dirty="0"/>
           </a:p>
@@ -1245,7 +1248,7 @@
     </p:spTree>
     <p:extLst>
       <p:ext uri="{BB962C8B-B14F-4D97-AF65-F5344CB8AC3E}">
-        <p14:creationId xmlns:p14="http://schemas.microsoft.com/office/powerpoint/2010/main" val="2344447424"/>
+        <p14:creationId xmlns:p14="http://schemas.microsoft.com/office/powerpoint/2010/main" val="2703426429"/>
       </p:ext>
     </p:extLst>
   </p:cSld>
@@ -1257,7 +1260,7 @@
 
 <file path=ppt/slideLayouts/slideLayout2.xml><?xml version="1.0" encoding="utf-8"?>
 <p:sldLayout xmlns:a="http://schemas.openxmlformats.org/drawingml/2006/main" xmlns:r="http://schemas.openxmlformats.org/officeDocument/2006/relationships" xmlns:p="http://schemas.openxmlformats.org/presentationml/2006/main" type="obj" preserve="1">
-  <p:cSld name="Title and Content">
+  <p:cSld name="Titel en object">
     <p:spTree>
       <p:nvGrpSpPr>
         <p:cNvPr id="1" name=""/>
@@ -1285,15 +1288,11 @@
         <p:spPr/>
         <p:txBody>
           <a:bodyPr/>
-          <a:lstStyle>
-            <a:lvl1pPr marL="0">
-              <a:defRPr/>
-            </a:lvl1pPr>
-          </a:lstStyle>
-          <a:p>
-            <a:r>
-              <a:rPr lang="en-US"/>
-              <a:t>Click to edit Master title style</a:t>
+          <a:lstStyle/>
+          <a:p>
+            <a:r>
+              <a:rPr lang="nl-NL" smtClean="0"/>
+              <a:t>Klik om de stijl te bewerken</a:t>
             </a:r>
             <a:endParaRPr lang="en-US" dirty="0"/>
           </a:p>
@@ -1316,36 +1315,36 @@
           <a:p>
             <a:pPr lvl="0"/>
             <a:r>
-              <a:rPr lang="en-US"/>
-              <a:t>Edit Master text styles</a:t>
+              <a:rPr lang="nl-NL" smtClean="0"/>
+              <a:t>Klik om de modelstijlen te bewerken</a:t>
             </a:r>
           </a:p>
           <a:p>
             <a:pPr lvl="1"/>
             <a:r>
-              <a:rPr lang="en-US"/>
-              <a:t>Second level</a:t>
+              <a:rPr lang="nl-NL" smtClean="0"/>
+              <a:t>Tweede niveau</a:t>
             </a:r>
           </a:p>
           <a:p>
             <a:pPr lvl="2"/>
             <a:r>
-              <a:rPr lang="en-US"/>
-              <a:t>Third level</a:t>
+              <a:rPr lang="nl-NL" smtClean="0"/>
+              <a:t>Derde niveau</a:t>
             </a:r>
           </a:p>
           <a:p>
             <a:pPr lvl="3"/>
             <a:r>
-              <a:rPr lang="en-US"/>
-              <a:t>Fourth level</a:t>
+              <a:rPr lang="nl-NL" smtClean="0"/>
+              <a:t>Vierde niveau</a:t>
             </a:r>
           </a:p>
           <a:p>
             <a:pPr lvl="4"/>
             <a:r>
-              <a:rPr lang="en-US"/>
-              <a:t>Fifth level</a:t>
+              <a:rPr lang="nl-NL" smtClean="0"/>
+              <a:t>Vijfde niveau</a:t>
             </a:r>
             <a:endParaRPr lang="en-US" dirty="0"/>
           </a:p>
@@ -1419,7 +1418,7 @@
     </p:spTree>
     <p:extLst>
       <p:ext uri="{BB962C8B-B14F-4D97-AF65-F5344CB8AC3E}">
-        <p14:creationId xmlns:p14="http://schemas.microsoft.com/office/powerpoint/2010/main" val="4209092473"/>
+        <p14:creationId xmlns:p14="http://schemas.microsoft.com/office/powerpoint/2010/main" val="1146542528"/>
       </p:ext>
     </p:extLst>
   </p:cSld>
@@ -1431,7 +1430,7 @@
 
 <file path=ppt/slideLayouts/slideLayout3.xml><?xml version="1.0" encoding="utf-8"?>
 <p:sldLayout xmlns:a="http://schemas.openxmlformats.org/drawingml/2006/main" xmlns:r="http://schemas.openxmlformats.org/officeDocument/2006/relationships" xmlns:p="http://schemas.openxmlformats.org/presentationml/2006/main" showMasterSp="0" type="secHead" preserve="1">
-  <p:cSld name="Section Header">
+  <p:cSld name="Sectiekop">
     <p:bg>
       <p:bgPr>
         <a:solidFill>
@@ -1567,8 +1566,8 @@
           </a:lstStyle>
           <a:p>
             <a:r>
-              <a:rPr lang="en-US"/>
-              <a:t>Click to edit Master title style</a:t>
+              <a:rPr lang="nl-NL" smtClean="0"/>
+              <a:t>Klik om de stijl te bewerken</a:t>
             </a:r>
             <a:endParaRPr lang="en-US" dirty="0"/>
           </a:p>
@@ -1688,8 +1687,8 @@
           <a:p>
             <a:pPr lvl="0"/>
             <a:r>
-              <a:rPr lang="en-US"/>
-              <a:t>Edit Master text styles</a:t>
+              <a:rPr lang="nl-NL" smtClean="0"/>
+              <a:t>Klik om de modelstijlen te bewerken</a:t>
             </a:r>
           </a:p>
         </p:txBody>
@@ -1800,7 +1799,7 @@
     </p:spTree>
     <p:extLst>
       <p:ext uri="{BB962C8B-B14F-4D97-AF65-F5344CB8AC3E}">
-        <p14:creationId xmlns:p14="http://schemas.microsoft.com/office/powerpoint/2010/main" val="3194675065"/>
+        <p14:creationId xmlns:p14="http://schemas.microsoft.com/office/powerpoint/2010/main" val="1737096757"/>
       </p:ext>
     </p:extLst>
   </p:cSld>
@@ -1812,7 +1811,7 @@
 
 <file path=ppt/slideLayouts/slideLayout4.xml><?xml version="1.0" encoding="utf-8"?>
 <p:sldLayout xmlns:a="http://schemas.openxmlformats.org/drawingml/2006/main" xmlns:r="http://schemas.openxmlformats.org/officeDocument/2006/relationships" xmlns:p="http://schemas.openxmlformats.org/presentationml/2006/main" type="twoObj" preserve="1">
-  <p:cSld name="Two Content">
+  <p:cSld name="Inhoud van twee">
     <p:spTree>
       <p:nvGrpSpPr>
         <p:cNvPr id="1" name=""/>
@@ -1848,8 +1847,8 @@
           <a:lstStyle/>
           <a:p>
             <a:r>
-              <a:rPr lang="en-US"/>
-              <a:t>Click to edit Master title style</a:t>
+              <a:rPr lang="nl-NL" smtClean="0"/>
+              <a:t>Klik om de stijl te bewerken</a:t>
             </a:r>
             <a:endParaRPr lang="en-US" dirty="0"/>
           </a:p>
@@ -1867,8 +1866,8 @@
         </p:nvSpPr>
         <p:spPr>
           <a:xfrm>
-            <a:off x="1097279" y="1845734"/>
-            <a:ext cx="4937760" cy="4023360"/>
+            <a:off x="1097280" y="1845734"/>
+            <a:ext cx="4937760" cy="4023359"/>
           </a:xfrm>
         </p:spPr>
         <p:txBody>
@@ -1877,36 +1876,36 @@
           <a:p>
             <a:pPr lvl="0"/>
             <a:r>
-              <a:rPr lang="en-US"/>
-              <a:t>Edit Master text styles</a:t>
+              <a:rPr lang="nl-NL" smtClean="0"/>
+              <a:t>Klik om de modelstijlen te bewerken</a:t>
             </a:r>
           </a:p>
           <a:p>
             <a:pPr lvl="1"/>
             <a:r>
-              <a:rPr lang="en-US"/>
-              <a:t>Second level</a:t>
+              <a:rPr lang="nl-NL" smtClean="0"/>
+              <a:t>Tweede niveau</a:t>
             </a:r>
           </a:p>
           <a:p>
             <a:pPr lvl="2"/>
             <a:r>
-              <a:rPr lang="en-US"/>
-              <a:t>Third level</a:t>
+              <a:rPr lang="nl-NL" smtClean="0"/>
+              <a:t>Derde niveau</a:t>
             </a:r>
           </a:p>
           <a:p>
             <a:pPr lvl="3"/>
             <a:r>
-              <a:rPr lang="en-US"/>
-              <a:t>Fourth level</a:t>
+              <a:rPr lang="nl-NL" smtClean="0"/>
+              <a:t>Vierde niveau</a:t>
             </a:r>
           </a:p>
           <a:p>
             <a:pPr lvl="4"/>
             <a:r>
-              <a:rPr lang="en-US"/>
-              <a:t>Fifth level</a:t>
+              <a:rPr lang="nl-NL" smtClean="0"/>
+              <a:t>Vijfde niveau</a:t>
             </a:r>
             <a:endParaRPr lang="en-US" dirty="0"/>
           </a:p>
@@ -1934,36 +1933,36 @@
           <a:p>
             <a:pPr lvl="0"/>
             <a:r>
-              <a:rPr lang="en-US"/>
-              <a:t>Edit Master text styles</a:t>
+              <a:rPr lang="nl-NL" smtClean="0"/>
+              <a:t>Klik om de modelstijlen te bewerken</a:t>
             </a:r>
           </a:p>
           <a:p>
             <a:pPr lvl="1"/>
             <a:r>
-              <a:rPr lang="en-US"/>
-              <a:t>Second level</a:t>
+              <a:rPr lang="nl-NL" smtClean="0"/>
+              <a:t>Tweede niveau</a:t>
             </a:r>
           </a:p>
           <a:p>
             <a:pPr lvl="2"/>
             <a:r>
-              <a:rPr lang="en-US"/>
-              <a:t>Third level</a:t>
+              <a:rPr lang="nl-NL" smtClean="0"/>
+              <a:t>Derde niveau</a:t>
             </a:r>
           </a:p>
           <a:p>
             <a:pPr lvl="3"/>
             <a:r>
-              <a:rPr lang="en-US"/>
-              <a:t>Fourth level</a:t>
+              <a:rPr lang="nl-NL" smtClean="0"/>
+              <a:t>Vierde niveau</a:t>
             </a:r>
           </a:p>
           <a:p>
             <a:pPr lvl="4"/>
             <a:r>
-              <a:rPr lang="en-US"/>
-              <a:t>Fifth level</a:t>
+              <a:rPr lang="nl-NL" smtClean="0"/>
+              <a:t>Vijfde niveau</a:t>
             </a:r>
             <a:endParaRPr lang="en-US" dirty="0"/>
           </a:p>
@@ -2037,7 +2036,7 @@
     </p:spTree>
     <p:extLst>
       <p:ext uri="{BB962C8B-B14F-4D97-AF65-F5344CB8AC3E}">
-        <p14:creationId xmlns:p14="http://schemas.microsoft.com/office/powerpoint/2010/main" val="2907088544"/>
+        <p14:creationId xmlns:p14="http://schemas.microsoft.com/office/powerpoint/2010/main" val="3270046438"/>
       </p:ext>
     </p:extLst>
   </p:cSld>
@@ -2049,7 +2048,7 @@
 
 <file path=ppt/slideLayouts/slideLayout5.xml><?xml version="1.0" encoding="utf-8"?>
 <p:sldLayout xmlns:a="http://schemas.openxmlformats.org/drawingml/2006/main" xmlns:r="http://schemas.openxmlformats.org/officeDocument/2006/relationships" xmlns:p="http://schemas.openxmlformats.org/presentationml/2006/main" type="twoTxTwoObj" preserve="1">
-  <p:cSld name="Comparison">
+  <p:cSld name="Vergelijking">
     <p:spTree>
       <p:nvGrpSpPr>
         <p:cNvPr id="1" name=""/>
@@ -2085,8 +2084,8 @@
           <a:lstStyle/>
           <a:p>
             <a:r>
-              <a:rPr lang="en-US"/>
-              <a:t>Click to edit Master title style</a:t>
+              <a:rPr lang="nl-NL" smtClean="0"/>
+              <a:t>Klik om de stijl te bewerken</a:t>
             </a:r>
             <a:endParaRPr lang="en-US" dirty="0"/>
           </a:p>
@@ -2157,8 +2156,8 @@
           <a:p>
             <a:pPr lvl="0"/>
             <a:r>
-              <a:rPr lang="en-US"/>
-              <a:t>Edit Master text styles</a:t>
+              <a:rPr lang="nl-NL" smtClean="0"/>
+              <a:t>Klik om de modelstijlen te bewerken</a:t>
             </a:r>
           </a:p>
         </p:txBody>
@@ -2175,8 +2174,8 @@
         </p:nvSpPr>
         <p:spPr>
           <a:xfrm>
-            <a:off x="1097280" y="2582334"/>
-            <a:ext cx="4937760" cy="3378200"/>
+            <a:off x="1097280" y="2582335"/>
+            <a:ext cx="4937760" cy="3286760"/>
           </a:xfrm>
         </p:spPr>
         <p:txBody>
@@ -2185,36 +2184,36 @@
           <a:p>
             <a:pPr lvl="0"/>
             <a:r>
-              <a:rPr lang="en-US"/>
-              <a:t>Edit Master text styles</a:t>
+              <a:rPr lang="nl-NL" smtClean="0"/>
+              <a:t>Klik om de modelstijlen te bewerken</a:t>
             </a:r>
           </a:p>
           <a:p>
             <a:pPr lvl="1"/>
             <a:r>
-              <a:rPr lang="en-US"/>
-              <a:t>Second level</a:t>
+              <a:rPr lang="nl-NL" smtClean="0"/>
+              <a:t>Tweede niveau</a:t>
             </a:r>
           </a:p>
           <a:p>
             <a:pPr lvl="2"/>
             <a:r>
-              <a:rPr lang="en-US"/>
-              <a:t>Third level</a:t>
+              <a:rPr lang="nl-NL" smtClean="0"/>
+              <a:t>Derde niveau</a:t>
             </a:r>
           </a:p>
           <a:p>
             <a:pPr lvl="3"/>
             <a:r>
-              <a:rPr lang="en-US"/>
-              <a:t>Fourth level</a:t>
+              <a:rPr lang="nl-NL" smtClean="0"/>
+              <a:t>Vierde niveau</a:t>
             </a:r>
           </a:p>
           <a:p>
             <a:pPr lvl="4"/>
             <a:r>
-              <a:rPr lang="en-US"/>
-              <a:t>Fifth level</a:t>
+              <a:rPr lang="nl-NL" smtClean="0"/>
+              <a:t>Vijfde niveau</a:t>
             </a:r>
             <a:endParaRPr lang="en-US" dirty="0"/>
           </a:p>
@@ -2285,8 +2284,8 @@
           <a:p>
             <a:pPr lvl="0"/>
             <a:r>
-              <a:rPr lang="en-US"/>
-              <a:t>Edit Master text styles</a:t>
+              <a:rPr lang="nl-NL" smtClean="0"/>
+              <a:t>Klik om de modelstijlen te bewerken</a:t>
             </a:r>
           </a:p>
         </p:txBody>
@@ -2304,7 +2303,7 @@
         <p:spPr>
           <a:xfrm>
             <a:off x="6217920" y="2582334"/>
-            <a:ext cx="4937760" cy="3378200"/>
+            <a:ext cx="4937760" cy="3286760"/>
           </a:xfrm>
         </p:spPr>
         <p:txBody>
@@ -2313,36 +2312,36 @@
           <a:p>
             <a:pPr lvl="0"/>
             <a:r>
-              <a:rPr lang="en-US"/>
-              <a:t>Edit Master text styles</a:t>
+              <a:rPr lang="nl-NL" smtClean="0"/>
+              <a:t>Klik om de modelstijlen te bewerken</a:t>
             </a:r>
           </a:p>
           <a:p>
             <a:pPr lvl="1"/>
             <a:r>
-              <a:rPr lang="en-US"/>
-              <a:t>Second level</a:t>
+              <a:rPr lang="nl-NL" smtClean="0"/>
+              <a:t>Tweede niveau</a:t>
             </a:r>
           </a:p>
           <a:p>
             <a:pPr lvl="2"/>
             <a:r>
-              <a:rPr lang="en-US"/>
-              <a:t>Third level</a:t>
+              <a:rPr lang="nl-NL" smtClean="0"/>
+              <a:t>Derde niveau</a:t>
             </a:r>
           </a:p>
           <a:p>
             <a:pPr lvl="3"/>
             <a:r>
-              <a:rPr lang="en-US"/>
-              <a:t>Fourth level</a:t>
+              <a:rPr lang="nl-NL" smtClean="0"/>
+              <a:t>Vierde niveau</a:t>
             </a:r>
           </a:p>
           <a:p>
             <a:pPr lvl="4"/>
             <a:r>
-              <a:rPr lang="en-US"/>
-              <a:t>Fifth level</a:t>
+              <a:rPr lang="nl-NL" smtClean="0"/>
+              <a:t>Vijfde niveau</a:t>
             </a:r>
             <a:endParaRPr lang="en-US" dirty="0"/>
           </a:p>
@@ -2416,7 +2415,7 @@
     </p:spTree>
     <p:extLst>
       <p:ext uri="{BB962C8B-B14F-4D97-AF65-F5344CB8AC3E}">
-        <p14:creationId xmlns:p14="http://schemas.microsoft.com/office/powerpoint/2010/main" val="2165346991"/>
+        <p14:creationId xmlns:p14="http://schemas.microsoft.com/office/powerpoint/2010/main" val="3814223523"/>
       </p:ext>
     </p:extLst>
   </p:cSld>
@@ -2428,7 +2427,7 @@
 
 <file path=ppt/slideLayouts/slideLayout6.xml><?xml version="1.0" encoding="utf-8"?>
 <p:sldLayout xmlns:a="http://schemas.openxmlformats.org/drawingml/2006/main" xmlns:r="http://schemas.openxmlformats.org/officeDocument/2006/relationships" xmlns:p="http://schemas.openxmlformats.org/presentationml/2006/main" type="titleOnly" preserve="1">
-  <p:cSld name="Title Only">
+  <p:cSld name="Alleen titel">
     <p:spTree>
       <p:nvGrpSpPr>
         <p:cNvPr id="1" name=""/>
@@ -2459,8 +2458,8 @@
           <a:lstStyle/>
           <a:p>
             <a:r>
-              <a:rPr lang="en-US"/>
-              <a:t>Click to edit Master title style</a:t>
+              <a:rPr lang="nl-NL" smtClean="0"/>
+              <a:t>Klik om de stijl te bewerken</a:t>
             </a:r>
             <a:endParaRPr lang="en-US" dirty="0"/>
           </a:p>
@@ -2534,7 +2533,7 @@
     </p:spTree>
     <p:extLst>
       <p:ext uri="{BB962C8B-B14F-4D97-AF65-F5344CB8AC3E}">
-        <p14:creationId xmlns:p14="http://schemas.microsoft.com/office/powerpoint/2010/main" val="567337947"/>
+        <p14:creationId xmlns:p14="http://schemas.microsoft.com/office/powerpoint/2010/main" val="1892534325"/>
       </p:ext>
     </p:extLst>
   </p:cSld>
@@ -2546,7 +2545,7 @@
 
 <file path=ppt/slideLayouts/slideLayout7.xml><?xml version="1.0" encoding="utf-8"?>
 <p:sldLayout xmlns:a="http://schemas.openxmlformats.org/drawingml/2006/main" xmlns:r="http://schemas.openxmlformats.org/officeDocument/2006/relationships" xmlns:p="http://schemas.openxmlformats.org/presentationml/2006/main" showMasterSp="0" type="blank" preserve="1">
-  <p:cSld name="Blank">
+  <p:cSld name="Leeg">
     <p:spTree>
       <p:nvGrpSpPr>
         <p:cNvPr id="1" name=""/>
@@ -2713,7 +2712,7 @@
     </p:spTree>
     <p:extLst>
       <p:ext uri="{BB962C8B-B14F-4D97-AF65-F5344CB8AC3E}">
-        <p14:creationId xmlns:p14="http://schemas.microsoft.com/office/powerpoint/2010/main" val="554379450"/>
+        <p14:creationId xmlns:p14="http://schemas.microsoft.com/office/powerpoint/2010/main" val="3190143588"/>
       </p:ext>
     </p:extLst>
   </p:cSld>
@@ -2725,7 +2724,7 @@
 
 <file path=ppt/slideLayouts/slideLayout8.xml><?xml version="1.0" encoding="utf-8"?>
 <p:sldLayout xmlns:a="http://schemas.openxmlformats.org/drawingml/2006/main" xmlns:r="http://schemas.openxmlformats.org/officeDocument/2006/relationships" xmlns:p="http://schemas.openxmlformats.org/presentationml/2006/main" showMasterSp="0" type="objTx" preserve="1">
-  <p:cSld name="Content with Caption">
+  <p:cSld name="Inhoud met bijschrift">
     <p:spTree>
       <p:nvGrpSpPr>
         <p:cNvPr id="1" name=""/>
@@ -2847,8 +2846,8 @@
           </a:lstStyle>
           <a:p>
             <a:r>
-              <a:rPr lang="en-US"/>
-              <a:t>Click to edit Master title style</a:t>
+              <a:rPr lang="nl-NL" smtClean="0"/>
+              <a:t>Klik om de stijl te bewerken</a:t>
             </a:r>
             <a:endParaRPr lang="en-US" dirty="0"/>
           </a:p>
@@ -2876,36 +2875,36 @@
           <a:p>
             <a:pPr lvl="0"/>
             <a:r>
-              <a:rPr lang="en-US"/>
-              <a:t>Edit Master text styles</a:t>
+              <a:rPr lang="nl-NL" smtClean="0"/>
+              <a:t>Klik om de modelstijlen te bewerken</a:t>
             </a:r>
           </a:p>
           <a:p>
             <a:pPr lvl="1"/>
             <a:r>
-              <a:rPr lang="en-US"/>
-              <a:t>Second level</a:t>
+              <a:rPr lang="nl-NL" smtClean="0"/>
+              <a:t>Tweede niveau</a:t>
             </a:r>
           </a:p>
           <a:p>
             <a:pPr lvl="2"/>
             <a:r>
-              <a:rPr lang="en-US"/>
-              <a:t>Third level</a:t>
+              <a:rPr lang="nl-NL" smtClean="0"/>
+              <a:t>Derde niveau</a:t>
             </a:r>
           </a:p>
           <a:p>
             <a:pPr lvl="3"/>
             <a:r>
-              <a:rPr lang="en-US"/>
-              <a:t>Fourth level</a:t>
+              <a:rPr lang="nl-NL" smtClean="0"/>
+              <a:t>Vierde niveau</a:t>
             </a:r>
           </a:p>
           <a:p>
             <a:pPr lvl="4"/>
             <a:r>
-              <a:rPr lang="en-US"/>
-              <a:t>Fifth level</a:t>
+              <a:rPr lang="nl-NL" smtClean="0"/>
+              <a:t>Vijfde niveau</a:t>
             </a:r>
             <a:endParaRPr lang="en-US" dirty="0"/>
           </a:p>
@@ -2976,8 +2975,8 @@
           <a:p>
             <a:pPr lvl="0"/>
             <a:r>
-              <a:rPr lang="en-US"/>
-              <a:t>Edit Master text styles</a:t>
+              <a:rPr lang="nl-NL" smtClean="0"/>
+              <a:t>Klik om de modelstijlen te bewerken</a:t>
             </a:r>
           </a:p>
         </p:txBody>
@@ -3080,7 +3079,7 @@
     </p:spTree>
     <p:extLst>
       <p:ext uri="{BB962C8B-B14F-4D97-AF65-F5344CB8AC3E}">
-        <p14:creationId xmlns:p14="http://schemas.microsoft.com/office/powerpoint/2010/main" val="985108082"/>
+        <p14:creationId xmlns:p14="http://schemas.microsoft.com/office/powerpoint/2010/main" val="2733619931"/>
       </p:ext>
     </p:extLst>
   </p:cSld>
@@ -3092,7 +3091,7 @@
 
 <file path=ppt/slideLayouts/slideLayout9.xml><?xml version="1.0" encoding="utf-8"?>
 <p:sldLayout xmlns:a="http://schemas.openxmlformats.org/drawingml/2006/main" xmlns:r="http://schemas.openxmlformats.org/officeDocument/2006/relationships" xmlns:p="http://schemas.openxmlformats.org/presentationml/2006/main" showMasterSp="0" type="picTx" preserve="1">
-  <p:cSld name="Picture with Caption">
+  <p:cSld name="Afbeelding met bijschrift">
     <p:spTree>
       <p:nvGrpSpPr>
         <p:cNvPr id="1" name=""/>
@@ -3196,11 +3195,11 @@
         <p:spPr>
           <a:xfrm>
             <a:off x="1097280" y="5074920"/>
-            <a:ext cx="10113264" cy="822960"/>
+            <a:ext cx="10113645" cy="822960"/>
           </a:xfrm>
         </p:spPr>
         <p:txBody>
-          <a:bodyPr lIns="91440" tIns="0" rIns="91440" bIns="0" anchor="b">
+          <a:bodyPr tIns="0" bIns="0" anchor="b">
             <a:noAutofit/>
           </a:bodyPr>
           <a:lstStyle>
@@ -3214,8 +3213,8 @@
           </a:lstStyle>
           <a:p>
             <a:r>
-              <a:rPr lang="en-US"/>
-              <a:t>Click to edit Master title style</a:t>
+              <a:rPr lang="nl-NL" smtClean="0"/>
+              <a:t>Klik om de stijl te bewerken</a:t>
             </a:r>
             <a:endParaRPr lang="en-US" dirty="0"/>
           </a:p>
@@ -3236,23 +3235,18 @@
             <a:off x="15" y="0"/>
             <a:ext cx="12191985" cy="4915076"/>
           </a:xfrm>
-          <a:blipFill>
-            <a:blip r:embed="rId2"/>
-            <a:stretch>
-              <a:fillRect/>
-            </a:stretch>
-          </a:blipFill>
+          <a:solidFill>
+            <a:schemeClr val="bg2">
+              <a:lumMod val="90000"/>
+            </a:schemeClr>
+          </a:solidFill>
         </p:spPr>
         <p:txBody>
           <a:bodyPr lIns="457200" tIns="457200" anchor="t"/>
           <a:lstStyle>
             <a:lvl1pPr marL="0" indent="0">
               <a:buNone/>
-              <a:defRPr sz="3200">
-                <a:solidFill>
-                  <a:schemeClr val="bg1"/>
-                </a:solidFill>
-              </a:defRPr>
+              <a:defRPr sz="3200"/>
             </a:lvl1pPr>
             <a:lvl2pPr marL="457200" indent="0">
               <a:buNone/>
@@ -3289,8 +3283,8 @@
           </a:lstStyle>
           <a:p>
             <a:r>
-              <a:rPr lang="en-US"/>
-              <a:t>Click icon to add picture</a:t>
+              <a:rPr lang="nl-NL" smtClean="0"/>
+              <a:t>Klik op het pictogram als u een afbeelding wilt toevoegen</a:t>
             </a:r>
             <a:endParaRPr lang="en-US" dirty="0"/>
           </a:p>
@@ -3308,7 +3302,7 @@
         </p:nvSpPr>
         <p:spPr>
           <a:xfrm>
-            <a:off x="1097280" y="5907023"/>
+            <a:off x="1097280" y="5907024"/>
             <a:ext cx="10113264" cy="594360"/>
           </a:xfrm>
         </p:spPr>
@@ -3367,8 +3361,8 @@
           <a:p>
             <a:pPr lvl="0"/>
             <a:r>
-              <a:rPr lang="en-US"/>
-              <a:t>Edit Master text styles</a:t>
+              <a:rPr lang="nl-NL" smtClean="0"/>
+              <a:t>Klik om de modelstijlen te bewerken</a:t>
             </a:r>
           </a:p>
         </p:txBody>
@@ -3441,7 +3435,7 @@
     </p:spTree>
     <p:extLst>
       <p:ext uri="{BB962C8B-B14F-4D97-AF65-F5344CB8AC3E}">
-        <p14:creationId xmlns:p14="http://schemas.microsoft.com/office/powerpoint/2010/main" val="138326031"/>
+        <p14:creationId xmlns:p14="http://schemas.microsoft.com/office/powerpoint/2010/main" val="1898886823"/>
       </p:ext>
     </p:extLst>
   </p:cSld>
@@ -3481,8 +3475,8 @@
         </p:nvSpPr>
         <p:spPr>
           <a:xfrm>
-            <a:off x="1" y="6400800"/>
-            <a:ext cx="12192000" cy="457200"/>
+            <a:off x="3175" y="6400800"/>
+            <a:ext cx="12188825" cy="457200"/>
           </a:xfrm>
           <a:prstGeom prst="rect">
             <a:avLst/>
@@ -3519,8 +3513,8 @@
         </p:nvSpPr>
         <p:spPr>
           <a:xfrm>
-            <a:off x="0" y="6334316"/>
-            <a:ext cx="12192001" cy="65998"/>
+            <a:off x="15" y="6334316"/>
+            <a:ext cx="12188825" cy="64008"/>
           </a:xfrm>
           <a:prstGeom prst="rect">
             <a:avLst/>
@@ -3575,8 +3569,8 @@
           <a:lstStyle/>
           <a:p>
             <a:r>
-              <a:rPr lang="en-US"/>
-              <a:t>Click to edit Master title style</a:t>
+              <a:rPr lang="nl-NL" smtClean="0"/>
+              <a:t>Klik om de stijl te bewerken</a:t>
             </a:r>
             <a:endParaRPr lang="en-US" dirty="0"/>
           </a:p>
@@ -3609,36 +3603,36 @@
           <a:p>
             <a:pPr lvl="0"/>
             <a:r>
-              <a:rPr lang="en-US"/>
-              <a:t>Edit Master text styles</a:t>
+              <a:rPr lang="nl-NL" smtClean="0"/>
+              <a:t>Klik om de modelstijlen te bewerken</a:t>
             </a:r>
           </a:p>
           <a:p>
             <a:pPr lvl="1"/>
             <a:r>
-              <a:rPr lang="en-US"/>
-              <a:t>Second level</a:t>
+              <a:rPr lang="nl-NL" smtClean="0"/>
+              <a:t>Tweede niveau</a:t>
             </a:r>
           </a:p>
           <a:p>
             <a:pPr lvl="2"/>
             <a:r>
-              <a:rPr lang="en-US"/>
-              <a:t>Third level</a:t>
+              <a:rPr lang="nl-NL" smtClean="0"/>
+              <a:t>Derde niveau</a:t>
             </a:r>
           </a:p>
           <a:p>
             <a:pPr lvl="3"/>
             <a:r>
-              <a:rPr lang="en-US"/>
-              <a:t>Fourth level</a:t>
+              <a:rPr lang="nl-NL" smtClean="0"/>
+              <a:t>Vierde niveau</a:t>
             </a:r>
           </a:p>
           <a:p>
             <a:pPr lvl="4"/>
             <a:r>
-              <a:rPr lang="en-US"/>
-              <a:t>Fifth level</a:t>
+              <a:rPr lang="nl-NL" smtClean="0"/>
+              <a:t>Vijfde niveau</a:t>
             </a:r>
             <a:endParaRPr lang="en-US" dirty="0"/>
           </a:p>
@@ -3798,23 +3792,23 @@
     </p:spTree>
     <p:extLst>
       <p:ext uri="{BB962C8B-B14F-4D97-AF65-F5344CB8AC3E}">
-        <p14:creationId xmlns:p14="http://schemas.microsoft.com/office/powerpoint/2010/main" val="550406845"/>
+        <p14:creationId xmlns:p14="http://schemas.microsoft.com/office/powerpoint/2010/main" val="941566731"/>
       </p:ext>
     </p:extLst>
   </p:cSld>
   <p:clrMap bg1="lt1" tx1="dk1" bg2="lt2" tx2="dk2" accent1="accent1" accent2="accent2" accent3="accent3" accent4="accent4" accent5="accent5" accent6="accent6" hlink="hlink" folHlink="folHlink"/>
   <p:sldLayoutIdLst>
-    <p:sldLayoutId id="2147483661" r:id="rId1"/>
-    <p:sldLayoutId id="2147483662" r:id="rId2"/>
-    <p:sldLayoutId id="2147483663" r:id="rId3"/>
-    <p:sldLayoutId id="2147483664" r:id="rId4"/>
-    <p:sldLayoutId id="2147483665" r:id="rId5"/>
-    <p:sldLayoutId id="2147483666" r:id="rId6"/>
-    <p:sldLayoutId id="2147483667" r:id="rId7"/>
-    <p:sldLayoutId id="2147483668" r:id="rId8"/>
-    <p:sldLayoutId id="2147483669" r:id="rId9"/>
-    <p:sldLayoutId id="2147483670" r:id="rId10"/>
-    <p:sldLayoutId id="2147483671" r:id="rId11"/>
+    <p:sldLayoutId id="2147483673" r:id="rId1"/>
+    <p:sldLayoutId id="2147483674" r:id="rId2"/>
+    <p:sldLayoutId id="2147483675" r:id="rId3"/>
+    <p:sldLayoutId id="2147483676" r:id="rId4"/>
+    <p:sldLayoutId id="2147483677" r:id="rId5"/>
+    <p:sldLayoutId id="2147483678" r:id="rId6"/>
+    <p:sldLayoutId id="2147483679" r:id="rId7"/>
+    <p:sldLayoutId id="2147483680" r:id="rId8"/>
+    <p:sldLayoutId id="2147483681" r:id="rId9"/>
+    <p:sldLayoutId id="2147483682" r:id="rId10"/>
+    <p:sldLayoutId id="2147483683" r:id="rId11"/>
   </p:sldLayoutIdLst>
   <p:txStyles>
     <p:titleStyle>
@@ -4259,6 +4253,13 @@
   <p:clrMapOvr>
     <a:masterClrMapping/>
   </p:clrMapOvr>
+  <p:timing>
+    <p:tnLst>
+      <p:par>
+        <p:cTn id="1" dur="indefinite" restart="never" nodeType="tmRoot"/>
+      </p:par>
+    </p:tnLst>
+  </p:timing>
 </p:sld>
 </file>
 
@@ -4284,7 +4285,7 @@
           <p:cNvPr id="2" name="Titel 1">
             <a:extLst>
               <a:ext uri="{FF2B5EF4-FFF2-40B4-BE49-F238E27FC236}">
-                <a16:creationId xmlns:a16="http://schemas.microsoft.com/office/drawing/2014/main" id="{AEC34B59-0146-C33F-CFC6-890060B52779}"/>
+                <a16:creationId xmlns:a16="http://schemas.microsoft.com/office/drawing/2014/main" xmlns="" id="{BE311A97-C066-5B05-482F-0E6FA4903BCF}"/>
               </a:ext>
             </a:extLst>
           </p:cNvPr>
@@ -4297,77 +4298,79 @@
         </p:nvSpPr>
         <p:spPr/>
         <p:txBody>
+          <a:bodyPr>
+            <a:normAutofit/>
+          </a:bodyPr>
+          <a:lstStyle/>
+          <a:p>
+            <a:r>
+              <a:rPr lang="nl-BE" sz="4800" dirty="0"/>
+              <a:t>Sprints</a:t>
+            </a:r>
+          </a:p>
+        </p:txBody>
+      </p:sp>
+      <p:pic>
+        <p:nvPicPr>
+          <p:cNvPr id="3" name="Tijdelijke aanduiding voor inhoud 2"/>
+          <p:cNvPicPr>
+            <a:picLocks noGrp="1" noChangeAspect="1"/>
+          </p:cNvPicPr>
+          <p:nvPr>
+            <p:ph idx="1"/>
+          </p:nvPr>
+        </p:nvPicPr>
+        <p:blipFill rotWithShape="1">
+          <a:blip r:embed="rId2"/>
+          <a:srcRect r="2994"/>
+          <a:stretch/>
+        </p:blipFill>
+        <p:spPr>
+          <a:xfrm>
+            <a:off x="4138452" y="594359"/>
+            <a:ext cx="7601604" cy="3940353"/>
+          </a:xfrm>
+          <a:prstGeom prst="rect">
+            <a:avLst/>
+          </a:prstGeom>
+        </p:spPr>
+      </p:pic>
+      <p:sp>
+        <p:nvSpPr>
+          <p:cNvPr id="5" name="Tijdelijke aanduiding voor tekst 4"/>
+          <p:cNvSpPr>
+            <a:spLocks noGrp="1"/>
+          </p:cNvSpPr>
+          <p:nvPr>
+            <p:ph type="body" sz="half" idx="2"/>
+          </p:nvPr>
+        </p:nvSpPr>
+        <p:spPr/>
+        <p:txBody>
           <a:bodyPr/>
           <a:lstStyle/>
           <a:p>
-            <a:r>
-              <a:rPr lang="nl-BE" dirty="0"/>
-              <a:t>Uitvoering</a:t>
-            </a:r>
-          </a:p>
-        </p:txBody>
-      </p:sp>
-      <p:sp>
-        <p:nvSpPr>
-          <p:cNvPr id="3" name="Tijdelijke aanduiding voor inhoud 2">
-            <a:extLst>
-              <a:ext uri="{FF2B5EF4-FFF2-40B4-BE49-F238E27FC236}">
-                <a16:creationId xmlns:a16="http://schemas.microsoft.com/office/drawing/2014/main" id="{4BE4A8C1-501E-56ED-71C8-F32C29245B80}"/>
-              </a:ext>
-            </a:extLst>
-          </p:cNvPr>
-          <p:cNvSpPr>
-            <a:spLocks noGrp="1"/>
-          </p:cNvSpPr>
-          <p:nvPr>
-            <p:ph idx="1"/>
-          </p:nvPr>
-        </p:nvSpPr>
-        <p:spPr/>
-        <p:txBody>
-          <a:bodyPr/>
-          <a:lstStyle/>
-          <a:p>
-            <a:r>
-              <a:rPr lang="nl-BE" dirty="0" err="1"/>
-              <a:t>Github</a:t>
-            </a:r>
             <a:endParaRPr lang="nl-BE" dirty="0"/>
-          </a:p>
-          <a:p>
-            <a:r>
-              <a:rPr lang="nl-BE" dirty="0"/>
-              <a:t>Visio</a:t>
-            </a:r>
-          </a:p>
-          <a:p>
-            <a:r>
-              <a:rPr lang="nl-BE" dirty="0"/>
-              <a:t>Python3</a:t>
-            </a:r>
-          </a:p>
-          <a:p>
-            <a:r>
-              <a:rPr lang="nl-BE" dirty="0" err="1"/>
-              <a:t>Notepad</a:t>
-            </a:r>
-            <a:r>
-              <a:rPr lang="nl-BE" dirty="0"/>
-              <a:t>++</a:t>
-            </a:r>
           </a:p>
         </p:txBody>
       </p:sp>
     </p:spTree>
     <p:extLst>
       <p:ext uri="{BB962C8B-B14F-4D97-AF65-F5344CB8AC3E}">
-        <p14:creationId xmlns:p14="http://schemas.microsoft.com/office/powerpoint/2010/main" val="2170463598"/>
+        <p14:creationId xmlns:p14="http://schemas.microsoft.com/office/powerpoint/2010/main" val="705310232"/>
       </p:ext>
     </p:extLst>
   </p:cSld>
   <p:clrMapOvr>
     <a:masterClrMapping/>
   </p:clrMapOvr>
+  <p:timing>
+    <p:tnLst>
+      <p:par>
+        <p:cTn id="1" dur="indefinite" restart="never" nodeType="tmRoot"/>
+      </p:par>
+    </p:tnLst>
+  </p:timing>
 </p:sld>
 </file>
 
@@ -4393,7 +4396,7 @@
           <p:cNvPr id="2" name="Titel 1">
             <a:extLst>
               <a:ext uri="{FF2B5EF4-FFF2-40B4-BE49-F238E27FC236}">
-                <a16:creationId xmlns:a16="http://schemas.microsoft.com/office/drawing/2014/main" id="{AFC54422-200F-390B-1E44-8D7F3C8BE92E}"/>
+                <a16:creationId xmlns:a16="http://schemas.microsoft.com/office/drawing/2014/main" xmlns="" id="{BE311A97-C066-5B05-482F-0E6FA4903BCF}"/>
               </a:ext>
             </a:extLst>
           </p:cNvPr>
@@ -4406,66 +4409,108 @@
         </p:nvSpPr>
         <p:spPr/>
         <p:txBody>
+          <a:bodyPr>
+            <a:normAutofit/>
+          </a:bodyPr>
+          <a:lstStyle/>
+          <a:p>
+            <a:r>
+              <a:rPr lang="nl-BE" sz="4800" dirty="0"/>
+              <a:t>Sprints</a:t>
+            </a:r>
+          </a:p>
+        </p:txBody>
+      </p:sp>
+      <p:pic>
+        <p:nvPicPr>
+          <p:cNvPr id="3" name="Tijdelijke aanduiding voor inhoud 2"/>
+          <p:cNvPicPr>
+            <a:picLocks noGrp="1" noChangeAspect="1"/>
+          </p:cNvPicPr>
+          <p:nvPr>
+            <p:ph idx="1"/>
+          </p:nvPr>
+        </p:nvPicPr>
+        <p:blipFill>
+          <a:blip r:embed="rId2"/>
+          <a:stretch>
+            <a:fillRect/>
+          </a:stretch>
+        </p:blipFill>
+        <p:spPr>
+          <a:xfrm>
+            <a:off x="4185499" y="594359"/>
+            <a:ext cx="7702203" cy="3605900"/>
+          </a:xfrm>
+          <a:prstGeom prst="rect">
+            <a:avLst/>
+          </a:prstGeom>
+        </p:spPr>
+      </p:pic>
+      <p:sp>
+        <p:nvSpPr>
+          <p:cNvPr id="5" name="Tijdelijke aanduiding voor tekst 4"/>
+          <p:cNvSpPr>
+            <a:spLocks noGrp="1"/>
+          </p:cNvSpPr>
+          <p:nvPr>
+            <p:ph type="body" sz="half" idx="2"/>
+          </p:nvPr>
+        </p:nvSpPr>
+        <p:spPr/>
+        <p:txBody>
           <a:bodyPr/>
           <a:lstStyle/>
           <a:p>
-            <a:r>
-              <a:rPr lang="nl-BE" dirty="0"/>
-              <a:t>Demo</a:t>
-            </a:r>
-          </a:p>
-        </p:txBody>
-      </p:sp>
-      <p:sp>
-        <p:nvSpPr>
-          <p:cNvPr id="3" name="Tijdelijke aanduiding voor inhoud 2">
-            <a:extLst>
-              <a:ext uri="{FF2B5EF4-FFF2-40B4-BE49-F238E27FC236}">
-                <a16:creationId xmlns:a16="http://schemas.microsoft.com/office/drawing/2014/main" id="{B0725605-6BF1-AB8E-4534-CF8AAC3DA7F6}"/>
-              </a:ext>
-            </a:extLst>
-          </p:cNvPr>
-          <p:cNvSpPr>
-            <a:spLocks noGrp="1"/>
-          </p:cNvSpPr>
-          <p:nvPr>
-            <p:ph idx="1"/>
-          </p:nvPr>
-        </p:nvSpPr>
-        <p:spPr/>
-        <p:txBody>
-          <a:bodyPr/>
-          <a:lstStyle/>
-          <a:p>
-            <a:r>
-              <a:rPr lang="nl-BE" dirty="0"/>
-              <a:t>Script</a:t>
-            </a:r>
-          </a:p>
-          <a:p>
-            <a:r>
-              <a:rPr lang="nl-BE" dirty="0"/>
-              <a:t>PXE-boot</a:t>
-            </a:r>
-          </a:p>
-          <a:p>
-            <a:r>
-              <a:rPr lang="nl-BE" dirty="0"/>
-              <a:t>Docker</a:t>
-            </a:r>
+            <a:pPr marL="285750" indent="-285750">
+              <a:buFont typeface="Arial" panose="020B0604020202020204" pitchFamily="34" charset="0"/>
+              <a:buChar char="•"/>
+            </a:pPr>
+            <a:r>
+              <a:rPr lang="nl-BE" dirty="0" smtClean="0"/>
+              <a:t>Installatie</a:t>
+            </a:r>
+          </a:p>
+          <a:p>
+            <a:pPr marL="285750" indent="-285750">
+              <a:buFont typeface="Arial" panose="020B0604020202020204" pitchFamily="34" charset="0"/>
+              <a:buChar char="•"/>
+            </a:pPr>
+            <a:r>
+              <a:rPr lang="nl-BE" dirty="0" smtClean="0"/>
+              <a:t>Stappenplan</a:t>
+            </a:r>
+          </a:p>
+          <a:p>
+            <a:pPr marL="285750" indent="-285750">
+              <a:buFont typeface="Arial" panose="020B0604020202020204" pitchFamily="34" charset="0"/>
+              <a:buChar char="•"/>
+            </a:pPr>
+            <a:r>
+              <a:rPr lang="nl-BE" dirty="0" smtClean="0"/>
+              <a:t>Hervatting uit vorige sprint</a:t>
+            </a:r>
+            <a:endParaRPr lang="nl-BE" dirty="0"/>
           </a:p>
         </p:txBody>
       </p:sp>
     </p:spTree>
     <p:extLst>
       <p:ext uri="{BB962C8B-B14F-4D97-AF65-F5344CB8AC3E}">
-        <p14:creationId xmlns:p14="http://schemas.microsoft.com/office/powerpoint/2010/main" val="2859215401"/>
+        <p14:creationId xmlns:p14="http://schemas.microsoft.com/office/powerpoint/2010/main" val="1519593788"/>
       </p:ext>
     </p:extLst>
   </p:cSld>
   <p:clrMapOvr>
     <a:masterClrMapping/>
   </p:clrMapOvr>
+  <p:timing>
+    <p:tnLst>
+      <p:par>
+        <p:cTn id="1" dur="indefinite" restart="never" nodeType="tmRoot"/>
+      </p:par>
+    </p:tnLst>
+  </p:timing>
 </p:sld>
 </file>
 
@@ -4491,7 +4536,7 @@
           <p:cNvPr id="2" name="Titel 1">
             <a:extLst>
               <a:ext uri="{FF2B5EF4-FFF2-40B4-BE49-F238E27FC236}">
-                <a16:creationId xmlns:a16="http://schemas.microsoft.com/office/drawing/2014/main" id="{6DCE6BC2-FCC8-1C7A-F5B9-58B298288E95}"/>
+                <a16:creationId xmlns:a16="http://schemas.microsoft.com/office/drawing/2014/main" xmlns="" id="{BE311A97-C066-5B05-482F-0E6FA4903BCF}"/>
               </a:ext>
             </a:extLst>
           </p:cNvPr>
@@ -4504,12 +4549,123 @@
         </p:nvSpPr>
         <p:spPr/>
         <p:txBody>
+          <a:bodyPr>
+            <a:normAutofit/>
+          </a:bodyPr>
+          <a:lstStyle/>
+          <a:p>
+            <a:r>
+              <a:rPr lang="nl-BE" sz="4800" dirty="0"/>
+              <a:t>Sprints</a:t>
+            </a:r>
+          </a:p>
+        </p:txBody>
+      </p:sp>
+      <p:pic>
+        <p:nvPicPr>
+          <p:cNvPr id="3" name="Tijdelijke aanduiding voor inhoud 2"/>
+          <p:cNvPicPr>
+            <a:picLocks noGrp="1" noChangeAspect="1"/>
+          </p:cNvPicPr>
+          <p:nvPr>
+            <p:ph idx="1"/>
+          </p:nvPr>
+        </p:nvPicPr>
+        <p:blipFill rotWithShape="1">
+          <a:blip r:embed="rId2"/>
+          <a:srcRect r="30670"/>
+          <a:stretch/>
+        </p:blipFill>
+        <p:spPr>
+          <a:xfrm>
+            <a:off x="4180491" y="594359"/>
+            <a:ext cx="6211926" cy="3827949"/>
+          </a:xfrm>
+          <a:prstGeom prst="rect">
+            <a:avLst/>
+          </a:prstGeom>
+        </p:spPr>
+      </p:pic>
+      <p:sp>
+        <p:nvSpPr>
+          <p:cNvPr id="5" name="Tijdelijke aanduiding voor tekst 4"/>
+          <p:cNvSpPr>
+            <a:spLocks noGrp="1"/>
+          </p:cNvSpPr>
+          <p:nvPr>
+            <p:ph type="body" sz="half" idx="2"/>
+          </p:nvPr>
+        </p:nvSpPr>
+        <p:spPr/>
+        <p:txBody>
           <a:bodyPr/>
           <a:lstStyle/>
           <a:p>
+            <a:endParaRPr lang="nl-BE" dirty="0"/>
+          </a:p>
+        </p:txBody>
+      </p:sp>
+    </p:spTree>
+    <p:extLst>
+      <p:ext uri="{BB962C8B-B14F-4D97-AF65-F5344CB8AC3E}">
+        <p14:creationId xmlns:p14="http://schemas.microsoft.com/office/powerpoint/2010/main" val="819422581"/>
+      </p:ext>
+    </p:extLst>
+  </p:cSld>
+  <p:clrMapOvr>
+    <a:masterClrMapping/>
+  </p:clrMapOvr>
+  <p:timing>
+    <p:tnLst>
+      <p:par>
+        <p:cTn id="1" dur="indefinite" restart="never" nodeType="tmRoot"/>
+      </p:par>
+    </p:tnLst>
+  </p:timing>
+</p:sld>
+</file>
+
+<file path=ppt/slides/slide13.xml><?xml version="1.0" encoding="utf-8"?>
+<p:sld xmlns:a="http://schemas.openxmlformats.org/drawingml/2006/main" xmlns:r="http://schemas.openxmlformats.org/officeDocument/2006/relationships" xmlns:p="http://schemas.openxmlformats.org/presentationml/2006/main">
+  <p:cSld>
+    <p:spTree>
+      <p:nvGrpSpPr>
+        <p:cNvPr id="1" name=""/>
+        <p:cNvGrpSpPr/>
+        <p:nvPr/>
+      </p:nvGrpSpPr>
+      <p:grpSpPr>
+        <a:xfrm>
+          <a:off x="0" y="0"/>
+          <a:ext cx="0" cy="0"/>
+          <a:chOff x="0" y="0"/>
+          <a:chExt cx="0" cy="0"/>
+        </a:xfrm>
+      </p:grpSpPr>
+      <p:sp>
+        <p:nvSpPr>
+          <p:cNvPr id="2" name="Titel 1">
+            <a:extLst>
+              <a:ext uri="{FF2B5EF4-FFF2-40B4-BE49-F238E27FC236}">
+                <a16:creationId xmlns:a16="http://schemas.microsoft.com/office/drawing/2014/main" xmlns="" id="{AEC34B59-0146-C33F-CFC6-890060B52779}"/>
+              </a:ext>
+            </a:extLst>
+          </p:cNvPr>
+          <p:cNvSpPr>
+            <a:spLocks noGrp="1"/>
+          </p:cNvSpPr>
+          <p:nvPr>
+            <p:ph type="title"/>
+          </p:nvPr>
+        </p:nvSpPr>
+        <p:spPr/>
+        <p:txBody>
+          <a:bodyPr/>
+          <a:lstStyle/>
+          <a:p>
             <a:r>
               <a:rPr lang="nl-BE" dirty="0"/>
-              <a:t>Besluit</a:t>
+              <a:t>Uitvoering</a:t>
             </a:r>
           </a:p>
         </p:txBody>
@@ -4519,7 +4675,221 @@
           <p:cNvPr id="3" name="Tijdelijke aanduiding voor inhoud 2">
             <a:extLst>
               <a:ext uri="{FF2B5EF4-FFF2-40B4-BE49-F238E27FC236}">
-                <a16:creationId xmlns:a16="http://schemas.microsoft.com/office/drawing/2014/main" id="{B963BFE1-6C82-E4C3-8482-D129FE7C6828}"/>
+                <a16:creationId xmlns:a16="http://schemas.microsoft.com/office/drawing/2014/main" xmlns="" id="{4BE4A8C1-501E-56ED-71C8-F32C29245B80}"/>
+              </a:ext>
+            </a:extLst>
+          </p:cNvPr>
+          <p:cNvSpPr>
+            <a:spLocks noGrp="1"/>
+          </p:cNvSpPr>
+          <p:nvPr>
+            <p:ph idx="1"/>
+          </p:nvPr>
+        </p:nvSpPr>
+        <p:spPr/>
+        <p:txBody>
+          <a:bodyPr/>
+          <a:lstStyle/>
+          <a:p>
+            <a:r>
+              <a:rPr lang="nl-BE" dirty="0" err="1"/>
+              <a:t>Github</a:t>
+            </a:r>
+            <a:endParaRPr lang="nl-BE" dirty="0"/>
+          </a:p>
+          <a:p>
+            <a:r>
+              <a:rPr lang="nl-BE" dirty="0"/>
+              <a:t>Visio</a:t>
+            </a:r>
+          </a:p>
+          <a:p>
+            <a:r>
+              <a:rPr lang="nl-BE" dirty="0"/>
+              <a:t>Python3</a:t>
+            </a:r>
+          </a:p>
+          <a:p>
+            <a:r>
+              <a:rPr lang="nl-BE" dirty="0" err="1"/>
+              <a:t>Notepad</a:t>
+            </a:r>
+            <a:r>
+              <a:rPr lang="nl-BE" dirty="0"/>
+              <a:t>++</a:t>
+            </a:r>
+          </a:p>
+        </p:txBody>
+      </p:sp>
+    </p:spTree>
+    <p:extLst>
+      <p:ext uri="{BB962C8B-B14F-4D97-AF65-F5344CB8AC3E}">
+        <p14:creationId xmlns:p14="http://schemas.microsoft.com/office/powerpoint/2010/main" val="2170463598"/>
+      </p:ext>
+    </p:extLst>
+  </p:cSld>
+  <p:clrMapOvr>
+    <a:masterClrMapping/>
+  </p:clrMapOvr>
+  <p:timing>
+    <p:tnLst>
+      <p:par>
+        <p:cTn id="1" dur="indefinite" restart="never" nodeType="tmRoot"/>
+      </p:par>
+    </p:tnLst>
+  </p:timing>
+</p:sld>
+</file>
+
+<file path=ppt/slides/slide14.xml><?xml version="1.0" encoding="utf-8"?>
+<p:sld xmlns:a="http://schemas.openxmlformats.org/drawingml/2006/main" xmlns:r="http://schemas.openxmlformats.org/officeDocument/2006/relationships" xmlns:p="http://schemas.openxmlformats.org/presentationml/2006/main">
+  <p:cSld>
+    <p:spTree>
+      <p:nvGrpSpPr>
+        <p:cNvPr id="1" name=""/>
+        <p:cNvGrpSpPr/>
+        <p:nvPr/>
+      </p:nvGrpSpPr>
+      <p:grpSpPr>
+        <a:xfrm>
+          <a:off x="0" y="0"/>
+          <a:ext cx="0" cy="0"/>
+          <a:chOff x="0" y="0"/>
+          <a:chExt cx="0" cy="0"/>
+        </a:xfrm>
+      </p:grpSpPr>
+      <p:sp>
+        <p:nvSpPr>
+          <p:cNvPr id="2" name="Titel 1">
+            <a:extLst>
+              <a:ext uri="{FF2B5EF4-FFF2-40B4-BE49-F238E27FC236}">
+                <a16:creationId xmlns:a16="http://schemas.microsoft.com/office/drawing/2014/main" xmlns="" id="{AFC54422-200F-390B-1E44-8D7F3C8BE92E}"/>
+              </a:ext>
+            </a:extLst>
+          </p:cNvPr>
+          <p:cNvSpPr>
+            <a:spLocks noGrp="1"/>
+          </p:cNvSpPr>
+          <p:nvPr>
+            <p:ph type="title"/>
+          </p:nvPr>
+        </p:nvSpPr>
+        <p:spPr/>
+        <p:txBody>
+          <a:bodyPr/>
+          <a:lstStyle/>
+          <a:p>
+            <a:r>
+              <a:rPr lang="nl-BE" dirty="0"/>
+              <a:t>Demo</a:t>
+            </a:r>
+          </a:p>
+        </p:txBody>
+      </p:sp>
+      <p:sp>
+        <p:nvSpPr>
+          <p:cNvPr id="3" name="Tijdelijke aanduiding voor inhoud 2">
+            <a:extLst>
+              <a:ext uri="{FF2B5EF4-FFF2-40B4-BE49-F238E27FC236}">
+                <a16:creationId xmlns:a16="http://schemas.microsoft.com/office/drawing/2014/main" xmlns="" id="{B0725605-6BF1-AB8E-4534-CF8AAC3DA7F6}"/>
+              </a:ext>
+            </a:extLst>
+          </p:cNvPr>
+          <p:cNvSpPr>
+            <a:spLocks noGrp="1"/>
+          </p:cNvSpPr>
+          <p:nvPr>
+            <p:ph idx="1"/>
+          </p:nvPr>
+        </p:nvSpPr>
+        <p:spPr/>
+        <p:txBody>
+          <a:bodyPr/>
+          <a:lstStyle/>
+          <a:p>
+            <a:r>
+              <a:rPr lang="nl-BE" dirty="0"/>
+              <a:t>Script</a:t>
+            </a:r>
+          </a:p>
+          <a:p>
+            <a:r>
+              <a:rPr lang="nl-BE" dirty="0"/>
+              <a:t>PXE-boot</a:t>
+            </a:r>
+          </a:p>
+          <a:p>
+            <a:r>
+              <a:rPr lang="nl-BE" dirty="0"/>
+              <a:t>Docker</a:t>
+            </a:r>
+          </a:p>
+        </p:txBody>
+      </p:sp>
+    </p:spTree>
+    <p:extLst>
+      <p:ext uri="{BB962C8B-B14F-4D97-AF65-F5344CB8AC3E}">
+        <p14:creationId xmlns:p14="http://schemas.microsoft.com/office/powerpoint/2010/main" val="2859215401"/>
+      </p:ext>
+    </p:extLst>
+  </p:cSld>
+  <p:clrMapOvr>
+    <a:masterClrMapping/>
+  </p:clrMapOvr>
+</p:sld>
+</file>
+
+<file path=ppt/slides/slide15.xml><?xml version="1.0" encoding="utf-8"?>
+<p:sld xmlns:a="http://schemas.openxmlformats.org/drawingml/2006/main" xmlns:r="http://schemas.openxmlformats.org/officeDocument/2006/relationships" xmlns:p="http://schemas.openxmlformats.org/presentationml/2006/main">
+  <p:cSld>
+    <p:spTree>
+      <p:nvGrpSpPr>
+        <p:cNvPr id="1" name=""/>
+        <p:cNvGrpSpPr/>
+        <p:nvPr/>
+      </p:nvGrpSpPr>
+      <p:grpSpPr>
+        <a:xfrm>
+          <a:off x="0" y="0"/>
+          <a:ext cx="0" cy="0"/>
+          <a:chOff x="0" y="0"/>
+          <a:chExt cx="0" cy="0"/>
+        </a:xfrm>
+      </p:grpSpPr>
+      <p:sp>
+        <p:nvSpPr>
+          <p:cNvPr id="2" name="Titel 1">
+            <a:extLst>
+              <a:ext uri="{FF2B5EF4-FFF2-40B4-BE49-F238E27FC236}">
+                <a16:creationId xmlns:a16="http://schemas.microsoft.com/office/drawing/2014/main" xmlns="" id="{6DCE6BC2-FCC8-1C7A-F5B9-58B298288E95}"/>
+              </a:ext>
+            </a:extLst>
+          </p:cNvPr>
+          <p:cNvSpPr>
+            <a:spLocks noGrp="1"/>
+          </p:cNvSpPr>
+          <p:nvPr>
+            <p:ph type="title"/>
+          </p:nvPr>
+        </p:nvSpPr>
+        <p:spPr/>
+        <p:txBody>
+          <a:bodyPr/>
+          <a:lstStyle/>
+          <a:p>
+            <a:r>
+              <a:rPr lang="nl-BE" dirty="0"/>
+              <a:t>Besluit</a:t>
+            </a:r>
+          </a:p>
+        </p:txBody>
+      </p:sp>
+      <p:sp>
+        <p:nvSpPr>
+          <p:cNvPr id="3" name="Tijdelijke aanduiding voor inhoud 2">
+            <a:extLst>
+              <a:ext uri="{FF2B5EF4-FFF2-40B4-BE49-F238E27FC236}">
+                <a16:creationId xmlns:a16="http://schemas.microsoft.com/office/drawing/2014/main" xmlns="" id="{B963BFE1-6C82-E4C3-8482-D129FE7C6828}"/>
               </a:ext>
             </a:extLst>
           </p:cNvPr>
@@ -4686,6 +5056,13 @@
   <p:clrMapOvr>
     <a:masterClrMapping/>
   </p:clrMapOvr>
+  <p:timing>
+    <p:tnLst>
+      <p:par>
+        <p:cTn id="1" dur="indefinite" restart="never" nodeType="tmRoot"/>
+      </p:par>
+    </p:tnLst>
+  </p:timing>
 </p:sld>
 </file>
 
@@ -4824,6 +5201,13 @@
   <p:clrMapOvr>
     <a:masterClrMapping/>
   </p:clrMapOvr>
+  <p:timing>
+    <p:tnLst>
+      <p:par>
+        <p:cTn id="1" dur="indefinite" restart="never" nodeType="tmRoot"/>
+      </p:par>
+    </p:tnLst>
+  </p:timing>
 </p:sld>
 </file>
 
@@ -4849,7 +5233,7 @@
           <p:cNvPr id="2" name="Titel 1">
             <a:extLst>
               <a:ext uri="{FF2B5EF4-FFF2-40B4-BE49-F238E27FC236}">
-                <a16:creationId xmlns:a16="http://schemas.microsoft.com/office/drawing/2014/main" id="{33BEE258-CFBD-51A6-AC0F-ED8F49AD3195}"/>
+                <a16:creationId xmlns:a16="http://schemas.microsoft.com/office/drawing/2014/main" xmlns="" id="{33BEE258-CFBD-51A6-AC0F-ED8F49AD3195}"/>
               </a:ext>
             </a:extLst>
           </p:cNvPr>
@@ -4877,7 +5261,7 @@
           <p:cNvPr id="3" name="Tijdelijke aanduiding voor inhoud 2">
             <a:extLst>
               <a:ext uri="{FF2B5EF4-FFF2-40B4-BE49-F238E27FC236}">
-                <a16:creationId xmlns:a16="http://schemas.microsoft.com/office/drawing/2014/main" id="{2B9BF8CB-C2D6-51EE-2634-6D720262DB13}"/>
+                <a16:creationId xmlns:a16="http://schemas.microsoft.com/office/drawing/2014/main" xmlns="" id="{2B9BF8CB-C2D6-51EE-2634-6D720262DB13}"/>
               </a:ext>
             </a:extLst>
           </p:cNvPr>
@@ -4960,6 +5344,13 @@
   <p:clrMapOvr>
     <a:masterClrMapping/>
   </p:clrMapOvr>
+  <p:timing>
+    <p:tnLst>
+      <p:par>
+        <p:cTn id="1" dur="indefinite" restart="never" nodeType="tmRoot"/>
+      </p:par>
+    </p:tnLst>
+  </p:timing>
 </p:sld>
 </file>
 
@@ -4993,10 +5384,10 @@
           <p:cNvPr id="12" name="Rectangle 11">
             <a:extLst>
               <a:ext uri="{FF2B5EF4-FFF2-40B4-BE49-F238E27FC236}">
-                <a16:creationId xmlns:a16="http://schemas.microsoft.com/office/drawing/2014/main" id="{284B70D5-875B-433D-BDBD-1522A85D6C1D}"/>
+                <a16:creationId xmlns:a16="http://schemas.microsoft.com/office/drawing/2014/main" xmlns="" id="{284B70D5-875B-433D-BDBD-1522A85D6C1D}"/>
               </a:ext>
               <a:ext uri="{C183D7F6-B498-43B3-948B-1728B52AA6E4}">
-                <adec:decorative xmlns:adec="http://schemas.microsoft.com/office/drawing/2017/decorative" val="1"/>
+                <adec:decorative xmlns:adec="http://schemas.microsoft.com/office/drawing/2017/decorative" xmlns="" val="1"/>
               </a:ext>
             </a:extLst>
           </p:cNvPr>
@@ -5006,7 +5397,7 @@
           <p:nvPr>
             <p:extLst>
               <p:ext uri="{386F3935-93C4-4BCD-93E2-E3B085C9AB24}">
-                <p16:designElem xmlns:p16="http://schemas.microsoft.com/office/powerpoint/2015/main" val="1"/>
+                <p16:designElem xmlns:p16="http://schemas.microsoft.com/office/powerpoint/2015/main" xmlns="" val="1"/>
               </p:ext>
             </p:extLst>
           </p:nvPr>
@@ -5053,7 +5444,7 @@
           <p:cNvPr id="2" name="Titel 1">
             <a:extLst>
               <a:ext uri="{FF2B5EF4-FFF2-40B4-BE49-F238E27FC236}">
-                <a16:creationId xmlns:a16="http://schemas.microsoft.com/office/drawing/2014/main" id="{B0C36400-815D-ABB3-D6A1-0664CE5CBDA1}"/>
+                <a16:creationId xmlns:a16="http://schemas.microsoft.com/office/drawing/2014/main" xmlns="" id="{B0C36400-815D-ABB3-D6A1-0664CE5CBDA1}"/>
               </a:ext>
             </a:extLst>
           </p:cNvPr>
@@ -5083,12 +5474,203 @@
           </a:p>
         </p:txBody>
       </p:sp>
+      <p:sp>
+        <p:nvSpPr>
+          <p:cNvPr id="9" name="Content Placeholder 8">
+            <a:extLst>
+              <a:ext uri="{FF2B5EF4-FFF2-40B4-BE49-F238E27FC236}">
+                <a16:creationId xmlns:a16="http://schemas.microsoft.com/office/drawing/2014/main" xmlns="" id="{1D5EF0D3-E098-4EEF-7F0B-6AE05CCE0B15}"/>
+              </a:ext>
+            </a:extLst>
+          </p:cNvPr>
+          <p:cNvSpPr>
+            <a:spLocks noGrp="1"/>
+          </p:cNvSpPr>
+          <p:nvPr>
+            <p:ph idx="1"/>
+          </p:nvPr>
+        </p:nvSpPr>
+        <p:spPr>
+          <a:xfrm>
+            <a:off x="7620001" y="2198914"/>
+            <a:ext cx="3929742" cy="3670180"/>
+          </a:xfrm>
+        </p:spPr>
+        <p:txBody>
+          <a:bodyPr>
+            <a:normAutofit lnSpcReduction="10000"/>
+          </a:bodyPr>
+          <a:lstStyle/>
+          <a:p>
+            <a:r>
+              <a:rPr lang="en-US" dirty="0"/>
+              <a:t>- </a:t>
+            </a:r>
+            <a:r>
+              <a:rPr lang="nl-BE" dirty="0"/>
+              <a:t>Geautomatiseerd</a:t>
+            </a:r>
+            <a:r>
+              <a:rPr lang="en-US" dirty="0"/>
+              <a:t> script:</a:t>
+            </a:r>
+          </a:p>
+          <a:p>
+            <a:r>
+              <a:rPr lang="en-US" dirty="0" err="1"/>
+              <a:t>Een</a:t>
+            </a:r>
+            <a:r>
+              <a:rPr lang="en-US" dirty="0"/>
+              <a:t> volledig </a:t>
+            </a:r>
+            <a:r>
+              <a:rPr lang="nl-BE" dirty="0"/>
+              <a:t>IP-adresseringsschema</a:t>
+            </a:r>
+            <a:r>
+              <a:rPr lang="en-US" dirty="0"/>
+              <a:t> </a:t>
+            </a:r>
+            <a:r>
+              <a:rPr lang="en-US" dirty="0" err="1"/>
+              <a:t>voor</a:t>
+            </a:r>
+            <a:r>
+              <a:rPr lang="en-US" dirty="0"/>
+              <a:t> alle devices </a:t>
+            </a:r>
+          </a:p>
+          <a:p>
+            <a:r>
+              <a:rPr lang="en-US" dirty="0"/>
+              <a:t>Config </a:t>
+            </a:r>
+            <a:r>
+              <a:rPr lang="en-US" dirty="0" err="1"/>
+              <a:t>voor</a:t>
+            </a:r>
+            <a:r>
+              <a:rPr lang="en-US" dirty="0"/>
+              <a:t> de routers </a:t>
+            </a:r>
+            <a:r>
+              <a:rPr lang="en-US" dirty="0" err="1"/>
+              <a:t>en</a:t>
+            </a:r>
+            <a:r>
+              <a:rPr lang="en-US" dirty="0"/>
+              <a:t> de switches</a:t>
+            </a:r>
+          </a:p>
+          <a:p>
+            <a:r>
+              <a:rPr lang="en-US" dirty="0"/>
+              <a:t>- Deployment services:</a:t>
+            </a:r>
+          </a:p>
+          <a:p>
+            <a:r>
+              <a:rPr lang="en-US" dirty="0"/>
+              <a:t>Via PXE-boot OS </a:t>
+            </a:r>
+            <a:r>
+              <a:rPr lang="en-US" dirty="0" err="1"/>
+              <a:t>pushen</a:t>
+            </a:r>
+            <a:r>
+              <a:rPr lang="en-US" dirty="0"/>
+              <a:t> </a:t>
+            </a:r>
+            <a:r>
+              <a:rPr lang="en-US" dirty="0" err="1"/>
+              <a:t>naar</a:t>
+            </a:r>
+            <a:r>
+              <a:rPr lang="en-US" dirty="0"/>
+              <a:t> de hosts pc’s</a:t>
+            </a:r>
+          </a:p>
+          <a:p>
+            <a:r>
+              <a:rPr lang="en-US" dirty="0"/>
+              <a:t>Via docker </a:t>
+            </a:r>
+            <a:r>
+              <a:rPr lang="en-US" dirty="0" err="1"/>
+              <a:t>een</a:t>
+            </a:r>
+            <a:r>
+              <a:rPr lang="en-US" dirty="0"/>
+              <a:t> image met </a:t>
+            </a:r>
+            <a:r>
+              <a:rPr lang="en-US" dirty="0" smtClean="0"/>
+              <a:t>python3 </a:t>
+            </a:r>
+            <a:r>
+              <a:rPr lang="en-US" dirty="0"/>
+              <a:t>software </a:t>
+            </a:r>
+            <a:r>
+              <a:rPr lang="en-US" dirty="0" err="1"/>
+              <a:t>pushen</a:t>
+            </a:r>
+            <a:endParaRPr lang="en-US" dirty="0"/>
+          </a:p>
+          <a:p>
+            <a:pPr marL="0" indent="0">
+              <a:buNone/>
+            </a:pPr>
+            <a:endParaRPr lang="en-US" dirty="0"/>
+          </a:p>
+          <a:p>
+            <a:pPr marL="0" indent="0">
+              <a:buNone/>
+            </a:pPr>
+            <a:endParaRPr lang="en-US" dirty="0"/>
+          </a:p>
+          <a:p>
+            <a:pPr marL="0" indent="0">
+              <a:buNone/>
+            </a:pPr>
+            <a:endParaRPr lang="en-US" dirty="0"/>
+          </a:p>
+          <a:p>
+            <a:pPr marL="0" indent="0">
+              <a:buNone/>
+            </a:pPr>
+            <a:endParaRPr lang="en-US" dirty="0"/>
+          </a:p>
+          <a:p>
+            <a:endParaRPr lang="en-US" dirty="0"/>
+          </a:p>
+          <a:p>
+            <a:endParaRPr lang="en-US" dirty="0"/>
+          </a:p>
+          <a:p>
+            <a:pPr marL="0" indent="0">
+              <a:buNone/>
+            </a:pPr>
+            <a:endParaRPr lang="en-US" dirty="0"/>
+          </a:p>
+          <a:p>
+            <a:pPr marL="0" indent="0">
+              <a:buNone/>
+            </a:pPr>
+            <a:endParaRPr lang="en-US" dirty="0"/>
+          </a:p>
+          <a:p>
+            <a:endParaRPr lang="en-US" dirty="0"/>
+          </a:p>
+        </p:txBody>
+      </p:sp>
       <p:pic>
         <p:nvPicPr>
           <p:cNvPr id="5" name="Tijdelijke aanduiding voor inhoud 4">
             <a:extLst>
               <a:ext uri="{FF2B5EF4-FFF2-40B4-BE49-F238E27FC236}">
-                <a16:creationId xmlns:a16="http://schemas.microsoft.com/office/drawing/2014/main" id="{1B53E411-4C23-54EA-5A09-67D623C2A0B7}"/>
+                <a16:creationId xmlns:a16="http://schemas.microsoft.com/office/drawing/2014/main" xmlns="" id="{1B53E411-4C23-54EA-5A09-67D623C2A0B7}"/>
               </a:ext>
             </a:extLst>
           </p:cNvPr>
@@ -5118,10 +5700,10 @@
           <p:cNvPr id="14" name="Straight Connector 13">
             <a:extLst>
               <a:ext uri="{FF2B5EF4-FFF2-40B4-BE49-F238E27FC236}">
-                <a16:creationId xmlns:a16="http://schemas.microsoft.com/office/drawing/2014/main" id="{C947DF4A-614C-4B4C-8B80-E5B9D8E8CFED}"/>
+                <a16:creationId xmlns:a16="http://schemas.microsoft.com/office/drawing/2014/main" xmlns="" id="{C947DF4A-614C-4B4C-8B80-E5B9D8E8CFED}"/>
               </a:ext>
               <a:ext uri="{C183D7F6-B498-43B3-948B-1728B52AA6E4}">
-                <adec:decorative xmlns:adec="http://schemas.microsoft.com/office/drawing/2017/decorative" val="1"/>
+                <adec:decorative xmlns:adec="http://schemas.microsoft.com/office/drawing/2017/decorative" xmlns="" val="1"/>
               </a:ext>
             </a:extLst>
           </p:cNvPr>
@@ -5131,7 +5713,7 @@
           <p:nvPr>
             <p:extLst>
               <p:ext uri="{386F3935-93C4-4BCD-93E2-E3B085C9AB24}">
-                <p16:designElem xmlns:p16="http://schemas.microsoft.com/office/powerpoint/2015/main" val="1"/>
+                <p16:designElem xmlns:p16="http://schemas.microsoft.com/office/powerpoint/2015/main" xmlns="" val="1"/>
               </p:ext>
             </p:extLst>
           </p:nvPr>
@@ -5171,206 +5753,23 @@
       </p:cxnSp>
       <p:sp>
         <p:nvSpPr>
-          <p:cNvPr id="9" name="Content Placeholder 8">
+          <p:cNvPr id="16" name="Rectangle 15">
             <a:extLst>
               <a:ext uri="{FF2B5EF4-FFF2-40B4-BE49-F238E27FC236}">
-                <a16:creationId xmlns:a16="http://schemas.microsoft.com/office/drawing/2014/main" id="{1D5EF0D3-E098-4EEF-7F0B-6AE05CCE0B15}"/>
+                <a16:creationId xmlns:a16="http://schemas.microsoft.com/office/drawing/2014/main" xmlns="" id="{1E299956-A9E7-4FC1-A0B1-D590CA9730E8}"/>
+              </a:ext>
+              <a:ext uri="{C183D7F6-B498-43B3-948B-1728B52AA6E4}">
+                <adec:decorative xmlns:adec="http://schemas.microsoft.com/office/drawing/2017/decorative" xmlns="" val="1"/>
               </a:ext>
             </a:extLst>
           </p:cNvPr>
           <p:cNvSpPr>
-            <a:spLocks noGrp="1"/>
-          </p:cNvSpPr>
-          <p:nvPr>
-            <p:ph idx="1"/>
-          </p:nvPr>
-        </p:nvSpPr>
-        <p:spPr>
-          <a:xfrm>
-            <a:off x="7620001" y="2198914"/>
-            <a:ext cx="3929742" cy="3670180"/>
-          </a:xfrm>
-        </p:spPr>
-        <p:txBody>
-          <a:bodyPr>
-            <a:normAutofit lnSpcReduction="10000"/>
-          </a:bodyPr>
-          <a:lstStyle/>
-          <a:p>
-            <a:r>
-              <a:rPr lang="en-US" dirty="0"/>
-              <a:t>- </a:t>
-            </a:r>
-            <a:r>
-              <a:rPr lang="nl-BE" dirty="0"/>
-              <a:t>Geautomatiseerd</a:t>
-            </a:r>
-            <a:r>
-              <a:rPr lang="en-US" dirty="0"/>
-              <a:t> script:</a:t>
-            </a:r>
-          </a:p>
-          <a:p>
-            <a:r>
-              <a:rPr lang="en-US" dirty="0" err="1"/>
-              <a:t>Een</a:t>
-            </a:r>
-            <a:r>
-              <a:rPr lang="en-US" dirty="0"/>
-              <a:t> volledig </a:t>
-            </a:r>
-            <a:r>
-              <a:rPr lang="nl-BE" dirty="0"/>
-              <a:t>IP-adresseringsschema</a:t>
-            </a:r>
-            <a:r>
-              <a:rPr lang="en-US" dirty="0"/>
-              <a:t> </a:t>
-            </a:r>
-            <a:r>
-              <a:rPr lang="en-US" dirty="0" err="1"/>
-              <a:t>voor</a:t>
-            </a:r>
-            <a:r>
-              <a:rPr lang="en-US" dirty="0"/>
-              <a:t> alle devices </a:t>
-            </a:r>
-          </a:p>
-          <a:p>
-            <a:r>
-              <a:rPr lang="en-US" dirty="0"/>
-              <a:t>Config </a:t>
-            </a:r>
-            <a:r>
-              <a:rPr lang="en-US" dirty="0" err="1"/>
-              <a:t>voor</a:t>
-            </a:r>
-            <a:r>
-              <a:rPr lang="en-US" dirty="0"/>
-              <a:t> de routers </a:t>
-            </a:r>
-            <a:r>
-              <a:rPr lang="en-US" dirty="0" err="1"/>
-              <a:t>en</a:t>
-            </a:r>
-            <a:r>
-              <a:rPr lang="en-US" dirty="0"/>
-              <a:t> de switches</a:t>
-            </a:r>
-          </a:p>
-          <a:p>
-            <a:r>
-              <a:rPr lang="en-US" dirty="0"/>
-              <a:t>- Deployment services:</a:t>
-            </a:r>
-          </a:p>
-          <a:p>
-            <a:r>
-              <a:rPr lang="en-US" dirty="0"/>
-              <a:t>Via PXE-boot OS </a:t>
-            </a:r>
-            <a:r>
-              <a:rPr lang="en-US" dirty="0" err="1"/>
-              <a:t>pushen</a:t>
-            </a:r>
-            <a:r>
-              <a:rPr lang="en-US" dirty="0"/>
-              <a:t> </a:t>
-            </a:r>
-            <a:r>
-              <a:rPr lang="en-US" dirty="0" err="1"/>
-              <a:t>naar</a:t>
-            </a:r>
-            <a:r>
-              <a:rPr lang="en-US" dirty="0"/>
-              <a:t> de hosts pc’s</a:t>
-            </a:r>
-          </a:p>
-          <a:p>
-            <a:r>
-              <a:rPr lang="en-US" dirty="0"/>
-              <a:t>Via docker </a:t>
-            </a:r>
-            <a:r>
-              <a:rPr lang="en-US" dirty="0" err="1"/>
-              <a:t>een</a:t>
-            </a:r>
-            <a:r>
-              <a:rPr lang="en-US" dirty="0"/>
-              <a:t> image met pyhon3 software </a:t>
-            </a:r>
-            <a:r>
-              <a:rPr lang="en-US" dirty="0" err="1"/>
-              <a:t>pushen</a:t>
-            </a:r>
-            <a:endParaRPr lang="en-US" dirty="0"/>
-          </a:p>
-          <a:p>
-            <a:pPr marL="0" indent="0">
-              <a:buNone/>
-            </a:pPr>
-            <a:endParaRPr lang="en-US" dirty="0"/>
-          </a:p>
-          <a:p>
-            <a:pPr marL="0" indent="0">
-              <a:buNone/>
-            </a:pPr>
-            <a:endParaRPr lang="en-US" dirty="0"/>
-          </a:p>
-          <a:p>
-            <a:pPr marL="0" indent="0">
-              <a:buNone/>
-            </a:pPr>
-            <a:endParaRPr lang="en-US" dirty="0"/>
-          </a:p>
-          <a:p>
-            <a:pPr marL="0" indent="0">
-              <a:buNone/>
-            </a:pPr>
-            <a:endParaRPr lang="en-US" dirty="0"/>
-          </a:p>
-          <a:p>
-            <a:endParaRPr lang="en-US" dirty="0"/>
-          </a:p>
-          <a:p>
-            <a:endParaRPr lang="en-US" dirty="0"/>
-          </a:p>
-          <a:p>
-            <a:pPr marL="0" indent="0">
-              <a:buNone/>
-            </a:pPr>
-            <a:endParaRPr lang="en-US" dirty="0"/>
-          </a:p>
-          <a:p>
-            <a:pPr marL="0" indent="0">
-              <a:buNone/>
-            </a:pPr>
-            <a:endParaRPr lang="en-US" dirty="0"/>
-          </a:p>
-          <a:p>
-            <a:endParaRPr lang="en-US" dirty="0"/>
-          </a:p>
-        </p:txBody>
-      </p:sp>
-      <p:sp>
-        <p:nvSpPr>
-          <p:cNvPr id="16" name="Rectangle 15">
-            <a:extLst>
-              <a:ext uri="{FF2B5EF4-FFF2-40B4-BE49-F238E27FC236}">
-                <a16:creationId xmlns:a16="http://schemas.microsoft.com/office/drawing/2014/main" id="{1E299956-A9E7-4FC1-A0B1-D590CA9730E8}"/>
-              </a:ext>
-              <a:ext uri="{C183D7F6-B498-43B3-948B-1728B52AA6E4}">
-                <adec:decorative xmlns:adec="http://schemas.microsoft.com/office/drawing/2017/decorative" val="1"/>
-              </a:ext>
-            </a:extLst>
-          </p:cNvPr>
-          <p:cNvSpPr>
             <a:spLocks noGrp="1" noRot="1" noChangeAspect="1" noMove="1" noResize="1" noEditPoints="1" noAdjustHandles="1" noChangeArrowheads="1" noChangeShapeType="1" noTextEdit="1"/>
           </p:cNvSpPr>
           <p:nvPr>
             <p:extLst>
               <p:ext uri="{386F3935-93C4-4BCD-93E2-E3B085C9AB24}">
-                <p16:designElem xmlns:p16="http://schemas.microsoft.com/office/powerpoint/2015/main" val="1"/>
+                <p16:designElem xmlns:p16="http://schemas.microsoft.com/office/powerpoint/2015/main" xmlns="" val="1"/>
               </p:ext>
             </p:extLst>
           </p:nvPr>
@@ -5412,10 +5811,10 @@
           <p:cNvPr id="18" name="Rectangle 17">
             <a:extLst>
               <a:ext uri="{FF2B5EF4-FFF2-40B4-BE49-F238E27FC236}">
-                <a16:creationId xmlns:a16="http://schemas.microsoft.com/office/drawing/2014/main" id="{17FC539C-B783-4B03-9F9E-D13430F3F64F}"/>
+                <a16:creationId xmlns:a16="http://schemas.microsoft.com/office/drawing/2014/main" xmlns="" id="{17FC539C-B783-4B03-9F9E-D13430F3F64F}"/>
               </a:ext>
               <a:ext uri="{C183D7F6-B498-43B3-948B-1728B52AA6E4}">
-                <adec:decorative xmlns:adec="http://schemas.microsoft.com/office/drawing/2017/decorative" val="1"/>
+                <adec:decorative xmlns:adec="http://schemas.microsoft.com/office/drawing/2017/decorative" xmlns="" val="1"/>
               </a:ext>
             </a:extLst>
           </p:cNvPr>
@@ -5425,7 +5824,7 @@
           <p:nvPr>
             <p:extLst>
               <p:ext uri="{386F3935-93C4-4BCD-93E2-E3B085C9AB24}">
-                <p16:designElem xmlns:p16="http://schemas.microsoft.com/office/powerpoint/2015/main" val="1"/>
+                <p16:designElem xmlns:p16="http://schemas.microsoft.com/office/powerpoint/2015/main" xmlns="" val="1"/>
               </p:ext>
             </p:extLst>
           </p:nvPr>
@@ -5472,6 +5871,13 @@
   <p:clrMapOvr>
     <a:masterClrMapping/>
   </p:clrMapOvr>
+  <p:timing>
+    <p:tnLst>
+      <p:par>
+        <p:cTn id="1" dur="indefinite" restart="never" nodeType="tmRoot"/>
+      </p:par>
+    </p:tnLst>
+  </p:timing>
 </p:sld>
 </file>
 
@@ -5505,7 +5911,7 @@
           <p:cNvPr id="2" name="Titel 1">
             <a:extLst>
               <a:ext uri="{FF2B5EF4-FFF2-40B4-BE49-F238E27FC236}">
-                <a16:creationId xmlns:a16="http://schemas.microsoft.com/office/drawing/2014/main" id="{3FE4B145-053D-E958-EC6A-D27D8DA621B8}"/>
+                <a16:creationId xmlns:a16="http://schemas.microsoft.com/office/drawing/2014/main" xmlns="" id="{3FE4B145-053D-E958-EC6A-D27D8DA621B8}"/>
               </a:ext>
             </a:extLst>
           </p:cNvPr>
@@ -5516,12 +5922,7 @@
             <p:ph type="title"/>
           </p:nvPr>
         </p:nvSpPr>
-        <p:spPr>
-          <a:xfrm>
-            <a:off x="1097280" y="286603"/>
-            <a:ext cx="10058400" cy="1450757"/>
-          </a:xfrm>
-        </p:spPr>
+        <p:spPr/>
         <p:txBody>
           <a:bodyPr vert="horz" lIns="91440" tIns="45720" rIns="91440" bIns="45720" rtlCol="0" anchor="b">
             <a:normAutofit/>
@@ -5540,7 +5941,7 @@
           <p:cNvPr id="8" name="Afbeelding 7" descr="Afbeelding met pijl&#10;&#10;Automatisch gegenereerde beschrijving">
             <a:extLst>
               <a:ext uri="{FF2B5EF4-FFF2-40B4-BE49-F238E27FC236}">
-                <a16:creationId xmlns:a16="http://schemas.microsoft.com/office/drawing/2014/main" id="{503873E3-C0B1-C2CC-8735-90E5C340BF23}"/>
+                <a16:creationId xmlns:a16="http://schemas.microsoft.com/office/drawing/2014/main" xmlns="" id="{503873E3-C0B1-C2CC-8735-90E5C340BF23}"/>
               </a:ext>
             </a:extLst>
           </p:cNvPr>
@@ -5570,7 +5971,7 @@
           <p:cNvPr id="9" name="Tekstvak 8">
             <a:extLst>
               <a:ext uri="{FF2B5EF4-FFF2-40B4-BE49-F238E27FC236}">
-                <a16:creationId xmlns:a16="http://schemas.microsoft.com/office/drawing/2014/main" id="{10962399-632C-FD8C-82C4-7D2939DD3448}"/>
+                <a16:creationId xmlns:a16="http://schemas.microsoft.com/office/drawing/2014/main" xmlns="" id="{10962399-632C-FD8C-82C4-7D2939DD3448}"/>
               </a:ext>
             </a:extLst>
           </p:cNvPr>
@@ -5703,7 +6104,7 @@
           <p:cNvPr id="5" name="Tekstvak 4">
             <a:extLst>
               <a:ext uri="{FF2B5EF4-FFF2-40B4-BE49-F238E27FC236}">
-                <a16:creationId xmlns:a16="http://schemas.microsoft.com/office/drawing/2014/main" id="{1516458D-F828-DAC5-E5D1-FC80439EA055}"/>
+                <a16:creationId xmlns:a16="http://schemas.microsoft.com/office/drawing/2014/main" xmlns="" id="{1516458D-F828-DAC5-E5D1-FC80439EA055}"/>
               </a:ext>
             </a:extLst>
           </p:cNvPr>
@@ -5772,7 +6173,7 @@
           <p:cNvPr id="6" name="Tekstvak 5">
             <a:extLst>
               <a:ext uri="{FF2B5EF4-FFF2-40B4-BE49-F238E27FC236}">
-                <a16:creationId xmlns:a16="http://schemas.microsoft.com/office/drawing/2014/main" id="{9F2329EE-DFDA-B646-F47C-5DB023F9E558}"/>
+                <a16:creationId xmlns:a16="http://schemas.microsoft.com/office/drawing/2014/main" xmlns="" id="{9F2329EE-DFDA-B646-F47C-5DB023F9E558}"/>
               </a:ext>
             </a:extLst>
           </p:cNvPr>
@@ -5843,7 +6244,7 @@
               <p14:cNvPr id="15" name="Inkt 14">
                 <a:extLst>
                   <a:ext uri="{FF2B5EF4-FFF2-40B4-BE49-F238E27FC236}">
-                    <a16:creationId xmlns:a16="http://schemas.microsoft.com/office/drawing/2014/main" id="{63E0BE64-5205-3BD9-7914-9297041A112D}"/>
+                    <a16:creationId xmlns:a16="http://schemas.microsoft.com/office/drawing/2014/main" xmlns="" id="{63E0BE64-5205-3BD9-7914-9297041A112D}"/>
                   </a:ext>
                 </a:extLst>
               </p14:cNvPr>
@@ -5892,7 +6293,7 @@
           <p:cNvPr id="28" name="Vermenigvuldigingsteken 27">
             <a:extLst>
               <a:ext uri="{FF2B5EF4-FFF2-40B4-BE49-F238E27FC236}">
-                <a16:creationId xmlns:a16="http://schemas.microsoft.com/office/drawing/2014/main" id="{386CB9B1-EED4-E14F-E121-8D65624C47CA}"/>
+                <a16:creationId xmlns:a16="http://schemas.microsoft.com/office/drawing/2014/main" xmlns="" id="{386CB9B1-EED4-E14F-E121-8D65624C47CA}"/>
               </a:ext>
             </a:extLst>
           </p:cNvPr>
@@ -6086,7 +6487,7 @@
           <p:cNvPr id="2" name="Titel 1">
             <a:extLst>
               <a:ext uri="{FF2B5EF4-FFF2-40B4-BE49-F238E27FC236}">
-                <a16:creationId xmlns:a16="http://schemas.microsoft.com/office/drawing/2014/main" id="{61222D61-FB80-136C-EA7C-4498181F5EC3}"/>
+                <a16:creationId xmlns:a16="http://schemas.microsoft.com/office/drawing/2014/main" xmlns="" id="{61222D61-FB80-136C-EA7C-4498181F5EC3}"/>
               </a:ext>
             </a:extLst>
           </p:cNvPr>
@@ -6114,7 +6515,7 @@
           <p:cNvPr id="5" name="Tijdelijke aanduiding voor inhoud 4">
             <a:extLst>
               <a:ext uri="{FF2B5EF4-FFF2-40B4-BE49-F238E27FC236}">
-                <a16:creationId xmlns:a16="http://schemas.microsoft.com/office/drawing/2014/main" id="{C0BB8812-5997-BA9A-BC40-7B96BCE35243}"/>
+                <a16:creationId xmlns:a16="http://schemas.microsoft.com/office/drawing/2014/main" xmlns="" id="{C0BB8812-5997-BA9A-BC40-7B96BCE35243}"/>
               </a:ext>
             </a:extLst>
           </p:cNvPr>
@@ -6133,8 +6534,8 @@
         </p:blipFill>
         <p:spPr>
           <a:xfrm>
-            <a:off x="2927926" y="1846263"/>
-            <a:ext cx="6465455" cy="4022725"/>
+            <a:off x="3036499" y="1846263"/>
+            <a:ext cx="6179328" cy="4022725"/>
           </a:xfrm>
         </p:spPr>
       </p:pic>
@@ -6145,7 +6546,7 @@
               <p:cNvPr id="6" name="Tekstvak 5">
                 <a:extLst>
                   <a:ext uri="{FF2B5EF4-FFF2-40B4-BE49-F238E27FC236}">
-                    <a16:creationId xmlns:a16="http://schemas.microsoft.com/office/drawing/2014/main" id="{D387BA67-91EC-14DF-53DC-C0240FB89E80}"/>
+                    <a16:creationId xmlns:a16="http://schemas.microsoft.com/office/drawing/2014/main" xmlns="" id="{D387BA67-91EC-14DF-53DC-C0240FB89E80}"/>
                   </a:ext>
                 </a:extLst>
               </p:cNvPr>
@@ -6175,7 +6576,7 @@
                       <m:jc m:val="centerGroup"/>
                     </m:oMathParaPr>
                     <m:oMath xmlns:m="http://schemas.openxmlformats.org/officeDocument/2006/math">
-                      <a:fld id="{825F15A7-03F4-43D7-82C5-3E23DA2F108C}" type="mathplaceholder">
+                      <a:fld id="{82C0B288-6902-49BA-88BB-FB8C319A6CD8}" type="mathplaceholder">
                         <a:rPr lang="nl-BE" i="1" smtClean="0">
                           <a:latin typeface="Cambria Math" panose="02040503050406030204" pitchFamily="18" charset="0"/>
                         </a:rPr>
@@ -6244,6 +6645,13 @@
   <p:clrMapOvr>
     <a:masterClrMapping/>
   </p:clrMapOvr>
+  <p:timing>
+    <p:tnLst>
+      <p:par>
+        <p:cTn id="1" dur="indefinite" restart="never" nodeType="tmRoot"/>
+      </p:par>
+    </p:tnLst>
+  </p:timing>
 </p:sld>
 </file>
 
@@ -6269,7 +6677,7 @@
           <p:cNvPr id="2" name="Titel 1">
             <a:extLst>
               <a:ext uri="{FF2B5EF4-FFF2-40B4-BE49-F238E27FC236}">
-                <a16:creationId xmlns:a16="http://schemas.microsoft.com/office/drawing/2014/main" id="{437CA3E9-E049-BF82-8256-9488B89D6579}"/>
+                <a16:creationId xmlns:a16="http://schemas.microsoft.com/office/drawing/2014/main" xmlns="" id="{437CA3E9-E049-BF82-8256-9488B89D6579}"/>
               </a:ext>
             </a:extLst>
           </p:cNvPr>
@@ -6297,7 +6705,7 @@
           <p:cNvPr id="3" name="Tijdelijke aanduiding voor inhoud 2">
             <a:extLst>
               <a:ext uri="{FF2B5EF4-FFF2-40B4-BE49-F238E27FC236}">
-                <a16:creationId xmlns:a16="http://schemas.microsoft.com/office/drawing/2014/main" id="{78D28960-B765-7B25-FA04-FDD1ED45EF63}"/>
+                <a16:creationId xmlns:a16="http://schemas.microsoft.com/office/drawing/2014/main" xmlns="" id="{78D28960-B765-7B25-FA04-FDD1ED45EF63}"/>
               </a:ext>
             </a:extLst>
           </p:cNvPr>
@@ -6338,7 +6746,7 @@
           <p:cNvPr id="4" name="Tijdelijke aanduiding voor inhoud 4">
             <a:extLst>
               <a:ext uri="{FF2B5EF4-FFF2-40B4-BE49-F238E27FC236}">
-                <a16:creationId xmlns:a16="http://schemas.microsoft.com/office/drawing/2014/main" id="{5188A173-A41B-CD1D-B5BF-87529FB515BC}"/>
+                <a16:creationId xmlns:a16="http://schemas.microsoft.com/office/drawing/2014/main" xmlns="" id="{5188A173-A41B-CD1D-B5BF-87529FB515BC}"/>
               </a:ext>
             </a:extLst>
           </p:cNvPr>
@@ -6368,7 +6776,7 @@
           <p:cNvPr id="5" name="Afbeelding 4">
             <a:extLst>
               <a:ext uri="{FF2B5EF4-FFF2-40B4-BE49-F238E27FC236}">
-                <a16:creationId xmlns:a16="http://schemas.microsoft.com/office/drawing/2014/main" id="{B8F3C3C3-93B4-9255-2B12-269380A0EE2D}"/>
+                <a16:creationId xmlns:a16="http://schemas.microsoft.com/office/drawing/2014/main" xmlns="" id="{B8F3C3C3-93B4-9255-2B12-269380A0EE2D}"/>
               </a:ext>
             </a:extLst>
           </p:cNvPr>
@@ -6403,6 +6811,13 @@
   <p:clrMapOvr>
     <a:masterClrMapping/>
   </p:clrMapOvr>
+  <p:timing>
+    <p:tnLst>
+      <p:par>
+        <p:cTn id="1" dur="indefinite" restart="never" nodeType="tmRoot"/>
+      </p:par>
+    </p:tnLst>
+  </p:timing>
 </p:sld>
 </file>
 
@@ -6428,7 +6843,7 @@
           <p:cNvPr id="2" name="Titel 1">
             <a:extLst>
               <a:ext uri="{FF2B5EF4-FFF2-40B4-BE49-F238E27FC236}">
-                <a16:creationId xmlns:a16="http://schemas.microsoft.com/office/drawing/2014/main" id="{BE311A97-C066-5B05-482F-0E6FA4903BCF}"/>
+                <a16:creationId xmlns:a16="http://schemas.microsoft.com/office/drawing/2014/main" xmlns="" id="{BE311A97-C066-5B05-482F-0E6FA4903BCF}"/>
               </a:ext>
             </a:extLst>
           </p:cNvPr>
@@ -6439,40 +6854,105 @@
             <p:ph type="title"/>
           </p:nvPr>
         </p:nvSpPr>
-        <p:spPr/>
-        <p:txBody>
-          <a:bodyPr/>
-          <a:lstStyle/>
-          <a:p>
-            <a:r>
-              <a:rPr lang="nl-BE" dirty="0"/>
+        <p:spPr>
+          <a:xfrm>
+            <a:off x="457200" y="893379"/>
+            <a:ext cx="3200400" cy="1986980"/>
+          </a:xfrm>
+        </p:spPr>
+        <p:txBody>
+          <a:bodyPr>
+            <a:normAutofit/>
+          </a:bodyPr>
+          <a:lstStyle/>
+          <a:p>
+            <a:r>
+              <a:rPr lang="nl-BE" sz="4800" dirty="0"/>
               <a:t>Sprints</a:t>
             </a:r>
-          </a:p>
-        </p:txBody>
-      </p:sp>
-      <p:sp>
-        <p:nvSpPr>
-          <p:cNvPr id="3" name="Tijdelijke aanduiding voor inhoud 2">
+            <a:endParaRPr lang="nl-BE" sz="6000" dirty="0"/>
+          </a:p>
+        </p:txBody>
+      </p:sp>
+      <p:pic>
+        <p:nvPicPr>
+          <p:cNvPr id="7" name="Tijdelijke aanduiding voor inhoud 6"/>
+          <p:cNvPicPr>
+            <a:picLocks noGrp="1" noChangeAspect="1"/>
+          </p:cNvPicPr>
+          <p:nvPr>
+            <p:ph idx="1"/>
+          </p:nvPr>
+        </p:nvPicPr>
+        <p:blipFill rotWithShape="1">
+          <a:blip r:embed="rId2">
             <a:extLst>
-              <a:ext uri="{FF2B5EF4-FFF2-40B4-BE49-F238E27FC236}">
-                <a16:creationId xmlns:a16="http://schemas.microsoft.com/office/drawing/2014/main" id="{BBB5DA29-7692-24C6-BCFD-428E6A2BEB22}"/>
+              <a:ext uri="{28A0092B-C50C-407E-A947-70E740481C1C}">
+                <a14:useLocalDpi xmlns:a14="http://schemas.microsoft.com/office/drawing/2010/main" val="0"/>
               </a:ext>
             </a:extLst>
-          </p:cNvPr>
-          <p:cNvSpPr>
-            <a:spLocks noGrp="1"/>
-          </p:cNvSpPr>
-          <p:nvPr>
-            <p:ph idx="1"/>
+          </a:blip>
+          <a:srcRect l="1039" t="2175" r="8300" b="1410"/>
+          <a:stretch/>
+        </p:blipFill>
+        <p:spPr>
+          <a:xfrm>
+            <a:off x="4131971" y="177673"/>
+            <a:ext cx="7678164" cy="6409502"/>
+          </a:xfrm>
+        </p:spPr>
+      </p:pic>
+      <p:sp>
+        <p:nvSpPr>
+          <p:cNvPr id="5" name="Tijdelijke aanduiding voor tekst 4"/>
+          <p:cNvSpPr>
+            <a:spLocks noGrp="1"/>
+          </p:cNvSpPr>
+          <p:nvPr>
+            <p:ph type="body" sz="half" idx="2"/>
           </p:nvPr>
         </p:nvSpPr>
         <p:spPr/>
         <p:txBody>
-          <a:bodyPr/>
-          <a:lstStyle/>
-          <a:p>
-            <a:endParaRPr lang="nl-BE" dirty="0"/>
+          <a:bodyPr>
+            <a:normAutofit/>
+          </a:bodyPr>
+          <a:lstStyle/>
+          <a:p>
+            <a:pPr marL="285750" indent="-285750">
+              <a:buFont typeface="Arial" panose="020B0604020202020204" pitchFamily="34" charset="0"/>
+              <a:buChar char="•"/>
+            </a:pPr>
+            <a:r>
+              <a:rPr lang="nl-BE" sz="2000" dirty="0" smtClean="0"/>
+              <a:t>Sprint backlogs</a:t>
+            </a:r>
+          </a:p>
+          <a:p>
+            <a:pPr marL="285750" indent="-285750">
+              <a:buFont typeface="Arial" panose="020B0604020202020204" pitchFamily="34" charset="0"/>
+              <a:buChar char="•"/>
+            </a:pPr>
+            <a:r>
+              <a:rPr lang="nl-BE" sz="2000" dirty="0" smtClean="0"/>
+              <a:t>Definition of </a:t>
+            </a:r>
+            <a:r>
+              <a:rPr lang="nl-BE" sz="2000" dirty="0" err="1" smtClean="0"/>
+              <a:t>done</a:t>
+            </a:r>
+            <a:endParaRPr lang="nl-BE" sz="2000" dirty="0" smtClean="0"/>
+          </a:p>
+          <a:p>
+            <a:pPr marL="285750" indent="-285750">
+              <a:buFont typeface="Arial" panose="020B0604020202020204" pitchFamily="34" charset="0"/>
+              <a:buChar char="•"/>
+            </a:pPr>
+            <a:r>
+              <a:rPr lang="nl-BE" sz="2000" dirty="0" smtClean="0"/>
+              <a:t>Increment</a:t>
+            </a:r>
+            <a:endParaRPr lang="nl-BE" sz="2000" dirty="0"/>
           </a:p>
         </p:txBody>
       </p:sp>
@@ -6486,51 +6966,320 @@
   <p:clrMapOvr>
     <a:masterClrMapping/>
   </p:clrMapOvr>
+  <p:timing>
+    <p:tnLst>
+      <p:par>
+        <p:cTn id="1" dur="indefinite" restart="never" nodeType="tmRoot">
+          <p:childTnLst>
+            <p:seq concurrent="1" nextAc="seek">
+              <p:cTn id="2" dur="indefinite" nodeType="mainSeq">
+                <p:childTnLst>
+                  <p:par>
+                    <p:cTn id="3" fill="hold">
+                      <p:stCondLst>
+                        <p:cond delay="indefinite"/>
+                      </p:stCondLst>
+                      <p:childTnLst>
+                        <p:par>
+                          <p:cTn id="4" fill="hold">
+                            <p:stCondLst>
+                              <p:cond delay="0"/>
+                            </p:stCondLst>
+                            <p:childTnLst>
+                              <p:par>
+                                <p:cTn id="5" presetID="10" presetClass="entr" presetSubtype="0" fill="hold" nodeType="clickEffect">
+                                  <p:stCondLst>
+                                    <p:cond delay="0"/>
+                                  </p:stCondLst>
+                                  <p:childTnLst>
+                                    <p:set>
+                                      <p:cBhvr>
+                                        <p:cTn id="6" dur="1" fill="hold">
+                                          <p:stCondLst>
+                                            <p:cond delay="0"/>
+                                          </p:stCondLst>
+                                        </p:cTn>
+                                        <p:tgtEl>
+                                          <p:spTgt spid="7"/>
+                                        </p:tgtEl>
+                                        <p:attrNameLst>
+                                          <p:attrName>style.visibility</p:attrName>
+                                        </p:attrNameLst>
+                                      </p:cBhvr>
+                                      <p:to>
+                                        <p:strVal val="visible"/>
+                                      </p:to>
+                                    </p:set>
+                                    <p:animEffect transition="in" filter="fade">
+                                      <p:cBhvr>
+                                        <p:cTn id="7" dur="500"/>
+                                        <p:tgtEl>
+                                          <p:spTgt spid="7"/>
+                                        </p:tgtEl>
+                                      </p:cBhvr>
+                                    </p:animEffect>
+                                  </p:childTnLst>
+                                </p:cTn>
+                              </p:par>
+                            </p:childTnLst>
+                          </p:cTn>
+                        </p:par>
+                      </p:childTnLst>
+                    </p:cTn>
+                  </p:par>
+                  <p:par>
+                    <p:cTn id="8" fill="hold">
+                      <p:stCondLst>
+                        <p:cond delay="indefinite"/>
+                      </p:stCondLst>
+                      <p:childTnLst>
+                        <p:par>
+                          <p:cTn id="9" fill="hold">
+                            <p:stCondLst>
+                              <p:cond delay="0"/>
+                            </p:stCondLst>
+                            <p:childTnLst>
+                              <p:par>
+                                <p:cTn id="10" presetID="10" presetClass="entr" presetSubtype="0" fill="hold" grpId="0" nodeType="clickEffect">
+                                  <p:stCondLst>
+                                    <p:cond delay="0"/>
+                                  </p:stCondLst>
+                                  <p:childTnLst>
+                                    <p:set>
+                                      <p:cBhvr>
+                                        <p:cTn id="11" dur="1" fill="hold">
+                                          <p:stCondLst>
+                                            <p:cond delay="0"/>
+                                          </p:stCondLst>
+                                        </p:cTn>
+                                        <p:tgtEl>
+                                          <p:spTgt spid="5">
+                                            <p:txEl>
+                                              <p:pRg st="0" end="0"/>
+                                            </p:txEl>
+                                          </p:spTgt>
+                                        </p:tgtEl>
+                                        <p:attrNameLst>
+                                          <p:attrName>style.visibility</p:attrName>
+                                        </p:attrNameLst>
+                                      </p:cBhvr>
+                                      <p:to>
+                                        <p:strVal val="visible"/>
+                                      </p:to>
+                                    </p:set>
+                                    <p:animEffect transition="in" filter="fade">
+                                      <p:cBhvr>
+                                        <p:cTn id="12" dur="500"/>
+                                        <p:tgtEl>
+                                          <p:spTgt spid="5">
+                                            <p:txEl>
+                                              <p:pRg st="0" end="0"/>
+                                            </p:txEl>
+                                          </p:spTgt>
+                                        </p:tgtEl>
+                                      </p:cBhvr>
+                                    </p:animEffect>
+                                  </p:childTnLst>
+                                </p:cTn>
+                              </p:par>
+                            </p:childTnLst>
+                          </p:cTn>
+                        </p:par>
+                      </p:childTnLst>
+                    </p:cTn>
+                  </p:par>
+                  <p:par>
+                    <p:cTn id="13" fill="hold">
+                      <p:stCondLst>
+                        <p:cond delay="indefinite"/>
+                      </p:stCondLst>
+                      <p:childTnLst>
+                        <p:par>
+                          <p:cTn id="14" fill="hold">
+                            <p:stCondLst>
+                              <p:cond delay="0"/>
+                            </p:stCondLst>
+                            <p:childTnLst>
+                              <p:par>
+                                <p:cTn id="15" presetID="10" presetClass="entr" presetSubtype="0" fill="hold" grpId="0" nodeType="clickEffect">
+                                  <p:stCondLst>
+                                    <p:cond delay="0"/>
+                                  </p:stCondLst>
+                                  <p:childTnLst>
+                                    <p:set>
+                                      <p:cBhvr>
+                                        <p:cTn id="16" dur="1" fill="hold">
+                                          <p:stCondLst>
+                                            <p:cond delay="0"/>
+                                          </p:stCondLst>
+                                        </p:cTn>
+                                        <p:tgtEl>
+                                          <p:spTgt spid="5">
+                                            <p:txEl>
+                                              <p:pRg st="1" end="1"/>
+                                            </p:txEl>
+                                          </p:spTgt>
+                                        </p:tgtEl>
+                                        <p:attrNameLst>
+                                          <p:attrName>style.visibility</p:attrName>
+                                        </p:attrNameLst>
+                                      </p:cBhvr>
+                                      <p:to>
+                                        <p:strVal val="visible"/>
+                                      </p:to>
+                                    </p:set>
+                                    <p:animEffect transition="in" filter="fade">
+                                      <p:cBhvr>
+                                        <p:cTn id="17" dur="500"/>
+                                        <p:tgtEl>
+                                          <p:spTgt spid="5">
+                                            <p:txEl>
+                                              <p:pRg st="1" end="1"/>
+                                            </p:txEl>
+                                          </p:spTgt>
+                                        </p:tgtEl>
+                                      </p:cBhvr>
+                                    </p:animEffect>
+                                  </p:childTnLst>
+                                </p:cTn>
+                              </p:par>
+                            </p:childTnLst>
+                          </p:cTn>
+                        </p:par>
+                      </p:childTnLst>
+                    </p:cTn>
+                  </p:par>
+                  <p:par>
+                    <p:cTn id="18" fill="hold">
+                      <p:stCondLst>
+                        <p:cond delay="indefinite"/>
+                      </p:stCondLst>
+                      <p:childTnLst>
+                        <p:par>
+                          <p:cTn id="19" fill="hold">
+                            <p:stCondLst>
+                              <p:cond delay="0"/>
+                            </p:stCondLst>
+                            <p:childTnLst>
+                              <p:par>
+                                <p:cTn id="20" presetID="10" presetClass="entr" presetSubtype="0" fill="hold" grpId="0" nodeType="clickEffect">
+                                  <p:stCondLst>
+                                    <p:cond delay="0"/>
+                                  </p:stCondLst>
+                                  <p:childTnLst>
+                                    <p:set>
+                                      <p:cBhvr>
+                                        <p:cTn id="21" dur="1" fill="hold">
+                                          <p:stCondLst>
+                                            <p:cond delay="0"/>
+                                          </p:stCondLst>
+                                        </p:cTn>
+                                        <p:tgtEl>
+                                          <p:spTgt spid="5">
+                                            <p:txEl>
+                                              <p:pRg st="2" end="2"/>
+                                            </p:txEl>
+                                          </p:spTgt>
+                                        </p:tgtEl>
+                                        <p:attrNameLst>
+                                          <p:attrName>style.visibility</p:attrName>
+                                        </p:attrNameLst>
+                                      </p:cBhvr>
+                                      <p:to>
+                                        <p:strVal val="visible"/>
+                                      </p:to>
+                                    </p:set>
+                                    <p:animEffect transition="in" filter="fade">
+                                      <p:cBhvr>
+                                        <p:cTn id="22" dur="500"/>
+                                        <p:tgtEl>
+                                          <p:spTgt spid="5">
+                                            <p:txEl>
+                                              <p:pRg st="2" end="2"/>
+                                            </p:txEl>
+                                          </p:spTgt>
+                                        </p:tgtEl>
+                                      </p:cBhvr>
+                                    </p:animEffect>
+                                  </p:childTnLst>
+                                </p:cTn>
+                              </p:par>
+                            </p:childTnLst>
+                          </p:cTn>
+                        </p:par>
+                      </p:childTnLst>
+                    </p:cTn>
+                  </p:par>
+                </p:childTnLst>
+              </p:cTn>
+              <p:prevCondLst>
+                <p:cond evt="onPrev" delay="0">
+                  <p:tgtEl>
+                    <p:sldTgt/>
+                  </p:tgtEl>
+                </p:cond>
+              </p:prevCondLst>
+              <p:nextCondLst>
+                <p:cond evt="onNext" delay="0">
+                  <p:tgtEl>
+                    <p:sldTgt/>
+                  </p:tgtEl>
+                </p:cond>
+              </p:nextCondLst>
+            </p:seq>
+          </p:childTnLst>
+        </p:cTn>
+      </p:par>
+    </p:tnLst>
+    <p:bldLst>
+      <p:bldP spid="5" grpId="0" build="p"/>
+    </p:bldLst>
+  </p:timing>
 </p:sld>
 </file>
 
 <file path=ppt/theme/theme1.xml><?xml version="1.0" encoding="utf-8"?>
-<a:theme xmlns:a="http://schemas.openxmlformats.org/drawingml/2006/main" name="Retrospect">
+<a:theme xmlns:a="http://schemas.openxmlformats.org/drawingml/2006/main" name="Terugblik">
   <a:themeElements>
-    <a:clrScheme name="Retrospect">
+    <a:clrScheme name="Terugblik">
       <a:dk1>
-        <a:srgbClr val="000000"/>
+        <a:sysClr val="windowText" lastClr="000000"/>
       </a:dk1>
       <a:lt1>
         <a:sysClr val="window" lastClr="FFFFFF"/>
       </a:lt1>
       <a:dk2>
-        <a:srgbClr val="637052"/>
+        <a:srgbClr val="344068"/>
       </a:dk2>
       <a:lt2>
-        <a:srgbClr val="CCDDEA"/>
+        <a:srgbClr val="D9E0E6"/>
       </a:lt2>
       <a:accent1>
-        <a:srgbClr val="E48312"/>
+        <a:srgbClr val="1CADE4"/>
       </a:accent1>
       <a:accent2>
-        <a:srgbClr val="BD582C"/>
+        <a:srgbClr val="2683C6"/>
       </a:accent2>
       <a:accent3>
-        <a:srgbClr val="865640"/>
+        <a:srgbClr val="28C4CC"/>
       </a:accent3>
       <a:accent4>
-        <a:srgbClr val="9B8357"/>
+        <a:srgbClr val="42BA97"/>
       </a:accent4>
       <a:accent5>
-        <a:srgbClr val="C2BC80"/>
+        <a:srgbClr val="3E8853"/>
       </a:accent5>
       <a:accent6>
-        <a:srgbClr val="94A088"/>
+        <a:srgbClr val="62A39F"/>
       </a:accent6>
       <a:hlink>
-        <a:srgbClr val="2998E3"/>
+        <a:srgbClr val="6EAC1C"/>
       </a:hlink>
       <a:folHlink>
-        <a:srgbClr val="8C8C8C"/>
+        <a:srgbClr val="B26B02"/>
       </a:folHlink>
     </a:clrScheme>
-    <a:fontScheme name="Retrospect">
+    <a:fontScheme name="Terugblik">
       <a:majorFont>
         <a:latin typeface="Calibri Light" panose="020F0302020204030204"/>
         <a:ea typeface=""/>
@@ -6602,7 +7351,7 @@
         <a:font script="Geor" typeface="Sylfaen"/>
       </a:minorFont>
     </a:fontScheme>
-    <a:fmtScheme name="Retrospect">
+    <a:fmtScheme name="Terugblik">
       <a:fillStyleLst>
         <a:solidFill>
           <a:schemeClr val="phClr"/>
@@ -6766,7 +7515,7 @@
   <a:extraClrSchemeLst/>
   <a:extLst>
     <a:ext uri="{05A4C25C-085E-4340-85A3-A5531E510DB2}">
-      <thm15:themeFamily xmlns:thm15="http://schemas.microsoft.com/office/thememl/2012/main" name="Retrospect" id="{5F128B03-DCCA-4EEB-AB3B-CF2899314A46}" vid="{3F1AAB62-24C6-49D2-8E01-B56FAC9A3DCD}"/>
+      <thm15:themeFamily xmlns:thm15="http://schemas.microsoft.com/office/thememl/2012/main" name="Retrospect" id="{5F128B03-DCCA-4EEB-AB3B-CF2899314A46}" vid="{9CC26709-368C-4D72-9060-94E5B3FF3CD6}"/>
     </a:ext>
   </a:extLst>
 </a:theme>

--- a/Scrum Artifacts/Sprint5/IT-Projectwerk 2022.pptx
+++ b/Scrum Artifacts/Sprint5/IT-Projectwerk 2022.pptx
@@ -6133,107 +6133,11 @@
         </p:blipFill>
         <p:spPr>
           <a:xfrm>
-            <a:off x="2927926" y="1846263"/>
+            <a:off x="2952864" y="1846263"/>
             <a:ext cx="6465455" cy="4022725"/>
           </a:xfrm>
         </p:spPr>
       </p:pic>
-      <mc:AlternateContent xmlns:mc="http://schemas.openxmlformats.org/markup-compatibility/2006" xmlns:a14="http://schemas.microsoft.com/office/drawing/2010/main">
-        <mc:Choice Requires="a14">
-          <p:sp>
-            <p:nvSpPr>
-              <p:cNvPr id="6" name="Tekstvak 5">
-                <a:extLst>
-                  <a:ext uri="{FF2B5EF4-FFF2-40B4-BE49-F238E27FC236}">
-                    <a16:creationId xmlns:a16="http://schemas.microsoft.com/office/drawing/2014/main" id="{D387BA67-91EC-14DF-53DC-C0240FB89E80}"/>
-                  </a:ext>
-                </a:extLst>
-              </p:cNvPr>
-              <p:cNvSpPr txBox="1"/>
-              <p:nvPr/>
-            </p:nvSpPr>
-            <p:spPr>
-              <a:xfrm>
-                <a:off x="5640185" y="2971800"/>
-                <a:ext cx="2510303" cy="276999"/>
-              </a:xfrm>
-              <a:prstGeom prst="rect">
-                <a:avLst/>
-              </a:prstGeom>
-              <a:noFill/>
-            </p:spPr>
-            <p:txBody>
-              <a:bodyPr wrap="none" lIns="0" tIns="0" rIns="0" bIns="0" rtlCol="0">
-                <a:spAutoFit/>
-              </a:bodyPr>
-              <a:lstStyle/>
-              <a:p>
-                <a:pPr/>
-                <a14:m>
-                  <m:oMathPara xmlns:m="http://schemas.openxmlformats.org/officeDocument/2006/math">
-                    <m:oMathParaPr>
-                      <m:jc m:val="centerGroup"/>
-                    </m:oMathParaPr>
-                    <m:oMath xmlns:m="http://schemas.openxmlformats.org/officeDocument/2006/math">
-                      <a:fld id="{825F15A7-03F4-43D7-82C5-3E23DA2F108C}" type="mathplaceholder">
-                        <a:rPr lang="nl-BE" i="1" smtClean="0">
-                          <a:latin typeface="Cambria Math" panose="02040503050406030204" pitchFamily="18" charset="0"/>
-                        </a:rPr>
-                        <a:t>Typ hier uw vergelijking.</a:t>
-                      </a:fld>
-                    </m:oMath>
-                  </m:oMathPara>
-                </a14:m>
-                <a:endParaRPr lang="nl-BE" dirty="0"/>
-              </a:p>
-            </p:txBody>
-          </p:sp>
-        </mc:Choice>
-        <mc:Fallback xmlns="">
-          <p:sp>
-            <p:nvSpPr>
-              <p:cNvPr id="6" name="Tekstvak 5">
-                <a:extLst>
-                  <a:ext uri="{FF2B5EF4-FFF2-40B4-BE49-F238E27FC236}">
-                    <a16:creationId xmlns:a16="http://schemas.microsoft.com/office/drawing/2014/main" id="{D387BA67-91EC-14DF-53DC-C0240FB89E80}"/>
-                  </a:ext>
-                </a:extLst>
-              </p:cNvPr>
-              <p:cNvSpPr txBox="1">
-                <a:spLocks noRot="1" noChangeAspect="1" noMove="1" noResize="1" noEditPoints="1" noAdjustHandles="1" noChangeArrowheads="1" noChangeShapeType="1" noTextEdit="1"/>
-              </p:cNvSpPr>
-              <p:nvPr/>
-            </p:nvSpPr>
-            <p:spPr>
-              <a:xfrm>
-                <a:off x="5640185" y="2971800"/>
-                <a:ext cx="2510303" cy="276999"/>
-              </a:xfrm>
-              <a:prstGeom prst="rect">
-                <a:avLst/>
-              </a:prstGeom>
-              <a:blipFill>
-                <a:blip r:embed="rId3"/>
-                <a:stretch>
-                  <a:fillRect l="-2670" t="-4444" r="-2913" b="-33333"/>
-                </a:stretch>
-              </a:blipFill>
-            </p:spPr>
-            <p:txBody>
-              <a:bodyPr/>
-              <a:lstStyle/>
-              <a:p>
-                <a:r>
-                  <a:rPr lang="nl-BE">
-                    <a:noFill/>
-                  </a:rPr>
-                  <a:t> </a:t>
-                </a:r>
-              </a:p>
-            </p:txBody>
-          </p:sp>
-        </mc:Fallback>
-      </mc:AlternateContent>
     </p:spTree>
     <p:extLst>
       <p:ext uri="{BB962C8B-B14F-4D97-AF65-F5344CB8AC3E}">

--- a/Scrum Artifacts/Sprint5/IT-Projectwerk 2022.pptx
+++ b/Scrum Artifacts/Sprint5/IT-Projectwerk 2022.pptx
@@ -2,10 +2,10 @@
 <file path=ppt/presentation.xml><?xml version="1.0" encoding="utf-8"?>
 <p:presentation xmlns:a="http://schemas.openxmlformats.org/drawingml/2006/main" xmlns:r="http://schemas.openxmlformats.org/officeDocument/2006/relationships" xmlns:p="http://schemas.openxmlformats.org/presentationml/2006/main" saveSubsetFonts="1">
   <p:sldMasterIdLst>
-    <p:sldMasterId id="2147483660" r:id="rId1"/>
+    <p:sldMasterId id="2147483672" r:id="rId1"/>
   </p:sldMasterIdLst>
   <p:notesMasterIdLst>
-    <p:notesMasterId r:id="rId14"/>
+    <p:notesMasterId r:id="rId17"/>
   </p:notesMasterIdLst>
   <p:sldIdLst>
     <p:sldId id="256" r:id="rId2"/>
@@ -17,9 +17,12 @@
     <p:sldId id="267" r:id="rId8"/>
     <p:sldId id="266" r:id="rId9"/>
     <p:sldId id="261" r:id="rId10"/>
-    <p:sldId id="262" r:id="rId11"/>
-    <p:sldId id="263" r:id="rId12"/>
-    <p:sldId id="264" r:id="rId13"/>
+    <p:sldId id="268" r:id="rId11"/>
+    <p:sldId id="269" r:id="rId12"/>
+    <p:sldId id="270" r:id="rId13"/>
+    <p:sldId id="262" r:id="rId14"/>
+    <p:sldId id="263" r:id="rId15"/>
+    <p:sldId id="264" r:id="rId16"/>
   </p:sldIdLst>
   <p:sldSz cx="12192000" cy="6858000"/>
   <p:notesSz cx="6858000" cy="9144000"/>
@@ -506,7 +509,7 @@
 
 <file path=ppt/slideLayouts/slideLayout1.xml><?xml version="1.0" encoding="utf-8"?>
 <p:sldLayout xmlns:a="http://schemas.openxmlformats.org/drawingml/2006/main" xmlns:r="http://schemas.openxmlformats.org/officeDocument/2006/relationships" xmlns:p="http://schemas.openxmlformats.org/presentationml/2006/main" showMasterSp="0" type="title" preserve="1">
-  <p:cSld name="Title Slide">
+  <p:cSld name="Titeldia">
     <p:spTree>
       <p:nvGrpSpPr>
         <p:cNvPr id="1" name=""/>
@@ -529,8 +532,8 @@
         </p:nvSpPr>
         <p:spPr>
           <a:xfrm>
-            <a:off x="3175" y="6400800"/>
-            <a:ext cx="12188825" cy="457200"/>
+            <a:off x="1" y="6400800"/>
+            <a:ext cx="12192000" cy="457200"/>
           </a:xfrm>
           <a:prstGeom prst="rect">
             <a:avLst/>
@@ -567,8 +570,8 @@
         </p:nvSpPr>
         <p:spPr>
           <a:xfrm>
-            <a:off x="15" y="6334316"/>
-            <a:ext cx="12188825" cy="64008"/>
+            <a:off x="1" y="6334316"/>
+            <a:ext cx="12192000" cy="66484"/>
           </a:xfrm>
           <a:prstGeom prst="rect">
             <a:avLst/>
@@ -634,8 +637,8 @@
           </a:lstStyle>
           <a:p>
             <a:r>
-              <a:rPr lang="en-US"/>
-              <a:t>Click to edit Master title style</a:t>
+              <a:rPr lang="nl-NL" smtClean="0"/>
+              <a:t>Klik om de stijl te bewerken</a:t>
             </a:r>
             <a:endParaRPr lang="en-US" dirty="0"/>
           </a:p>
@@ -653,7 +656,7 @@
         </p:nvSpPr>
         <p:spPr>
           <a:xfrm>
-            <a:off x="1100051" y="4455620"/>
+            <a:off x="1100051" y="4455621"/>
             <a:ext cx="10058400" cy="1143000"/>
           </a:xfrm>
         </p:spPr>
@@ -706,8 +709,8 @@
           </a:lstStyle>
           <a:p>
             <a:r>
-              <a:rPr lang="en-US"/>
-              <a:t>Click to edit Master subtitle style</a:t>
+              <a:rPr lang="nl-NL" smtClean="0"/>
+              <a:t>Klik om de ondertitelstijl van het model te bewerken</a:t>
             </a:r>
             <a:endParaRPr lang="en-US" dirty="0"/>
           </a:p>
@@ -819,7 +822,7 @@
     </p:spTree>
     <p:extLst>
       <p:ext uri="{BB962C8B-B14F-4D97-AF65-F5344CB8AC3E}">
-        <p14:creationId xmlns:p14="http://schemas.microsoft.com/office/powerpoint/2010/main" val="396996437"/>
+        <p14:creationId xmlns:p14="http://schemas.microsoft.com/office/powerpoint/2010/main" val="511738518"/>
       </p:ext>
     </p:extLst>
   </p:cSld>
@@ -831,7 +834,7 @@
 
 <file path=ppt/slideLayouts/slideLayout10.xml><?xml version="1.0" encoding="utf-8"?>
 <p:sldLayout xmlns:a="http://schemas.openxmlformats.org/drawingml/2006/main" xmlns:r="http://schemas.openxmlformats.org/officeDocument/2006/relationships" xmlns:p="http://schemas.openxmlformats.org/presentationml/2006/main" type="vertTx" preserve="1">
-  <p:cSld name="Title and Vertical Text">
+  <p:cSld name="Titel en verticale tekst">
     <p:spTree>
       <p:nvGrpSpPr>
         <p:cNvPr id="1" name=""/>
@@ -862,8 +865,8 @@
           <a:lstStyle/>
           <a:p>
             <a:r>
-              <a:rPr lang="en-US"/>
-              <a:t>Click to edit Master title style</a:t>
+              <a:rPr lang="nl-NL" smtClean="0"/>
+              <a:t>Klik om de stijl te bewerken</a:t>
             </a:r>
             <a:endParaRPr lang="en-US" dirty="0"/>
           </a:p>
@@ -886,36 +889,36 @@
           <a:p>
             <a:pPr lvl="0"/>
             <a:r>
-              <a:rPr lang="en-US"/>
-              <a:t>Edit Master text styles</a:t>
+              <a:rPr lang="nl-NL" smtClean="0"/>
+              <a:t>Klik om de modelstijlen te bewerken</a:t>
             </a:r>
           </a:p>
           <a:p>
             <a:pPr lvl="1"/>
             <a:r>
-              <a:rPr lang="en-US"/>
-              <a:t>Second level</a:t>
+              <a:rPr lang="nl-NL" smtClean="0"/>
+              <a:t>Tweede niveau</a:t>
             </a:r>
           </a:p>
           <a:p>
             <a:pPr lvl="2"/>
             <a:r>
-              <a:rPr lang="en-US"/>
-              <a:t>Third level</a:t>
+              <a:rPr lang="nl-NL" smtClean="0"/>
+              <a:t>Derde niveau</a:t>
             </a:r>
           </a:p>
           <a:p>
             <a:pPr lvl="3"/>
             <a:r>
-              <a:rPr lang="en-US"/>
-              <a:t>Fourth level</a:t>
+              <a:rPr lang="nl-NL" smtClean="0"/>
+              <a:t>Vierde niveau</a:t>
             </a:r>
           </a:p>
           <a:p>
             <a:pPr lvl="4"/>
             <a:r>
-              <a:rPr lang="en-US"/>
-              <a:t>Fifth level</a:t>
+              <a:rPr lang="nl-NL" smtClean="0"/>
+              <a:t>Vijfde niveau</a:t>
             </a:r>
             <a:endParaRPr lang="en-US" dirty="0"/>
           </a:p>
@@ -989,7 +992,7 @@
     </p:spTree>
     <p:extLst>
       <p:ext uri="{BB962C8B-B14F-4D97-AF65-F5344CB8AC3E}">
-        <p14:creationId xmlns:p14="http://schemas.microsoft.com/office/powerpoint/2010/main" val="1617382240"/>
+        <p14:creationId xmlns:p14="http://schemas.microsoft.com/office/powerpoint/2010/main" val="3100302139"/>
       </p:ext>
     </p:extLst>
   </p:cSld>
@@ -1001,7 +1004,7 @@
 
 <file path=ppt/slideLayouts/slideLayout11.xml><?xml version="1.0" encoding="utf-8"?>
 <p:sldLayout xmlns:a="http://schemas.openxmlformats.org/drawingml/2006/main" xmlns:r="http://schemas.openxmlformats.org/officeDocument/2006/relationships" xmlns:p="http://schemas.openxmlformats.org/presentationml/2006/main" showMasterSp="0" type="vertTitleAndTx" preserve="1">
-  <p:cSld name="Vertical Title and Text">
+  <p:cSld name="Verticale titel en tekst">
     <p:spTree>
       <p:nvGrpSpPr>
         <p:cNvPr id="1" name=""/>
@@ -1104,8 +1107,8 @@
         </p:nvSpPr>
         <p:spPr>
           <a:xfrm>
-            <a:off x="8724900" y="414778"/>
-            <a:ext cx="2628900" cy="5757421"/>
+            <a:off x="8724900" y="412302"/>
+            <a:ext cx="2628900" cy="5759898"/>
           </a:xfrm>
         </p:spPr>
         <p:txBody>
@@ -1113,8 +1116,8 @@
           <a:lstStyle/>
           <a:p>
             <a:r>
-              <a:rPr lang="en-US"/>
-              <a:t>Click to edit Master title style</a:t>
+              <a:rPr lang="nl-NL" smtClean="0"/>
+              <a:t>Klik om de stijl te bewerken</a:t>
             </a:r>
             <a:endParaRPr lang="en-US" dirty="0"/>
           </a:p>
@@ -1132,8 +1135,8 @@
         </p:nvSpPr>
         <p:spPr>
           <a:xfrm>
-            <a:off x="838200" y="414778"/>
-            <a:ext cx="7734300" cy="5757422"/>
+            <a:off x="838200" y="412302"/>
+            <a:ext cx="7734300" cy="5759898"/>
           </a:xfrm>
         </p:spPr>
         <p:txBody>
@@ -1142,36 +1145,36 @@
           <a:p>
             <a:pPr lvl="0"/>
             <a:r>
-              <a:rPr lang="en-US"/>
-              <a:t>Edit Master text styles</a:t>
+              <a:rPr lang="nl-NL" smtClean="0"/>
+              <a:t>Klik om de modelstijlen te bewerken</a:t>
             </a:r>
           </a:p>
           <a:p>
             <a:pPr lvl="1"/>
             <a:r>
-              <a:rPr lang="en-US"/>
-              <a:t>Second level</a:t>
+              <a:rPr lang="nl-NL" smtClean="0"/>
+              <a:t>Tweede niveau</a:t>
             </a:r>
           </a:p>
           <a:p>
             <a:pPr lvl="2"/>
             <a:r>
-              <a:rPr lang="en-US"/>
-              <a:t>Third level</a:t>
+              <a:rPr lang="nl-NL" smtClean="0"/>
+              <a:t>Derde niveau</a:t>
             </a:r>
           </a:p>
           <a:p>
             <a:pPr lvl="3"/>
             <a:r>
-              <a:rPr lang="en-US"/>
-              <a:t>Fourth level</a:t>
+              <a:rPr lang="nl-NL" smtClean="0"/>
+              <a:t>Vierde niveau</a:t>
             </a:r>
           </a:p>
           <a:p>
             <a:pPr lvl="4"/>
             <a:r>
-              <a:rPr lang="en-US"/>
-              <a:t>Fifth level</a:t>
+              <a:rPr lang="nl-NL" smtClean="0"/>
+              <a:t>Vijfde niveau</a:t>
             </a:r>
             <a:endParaRPr lang="en-US" dirty="0"/>
           </a:p>
@@ -1245,7 +1248,7 @@
     </p:spTree>
     <p:extLst>
       <p:ext uri="{BB962C8B-B14F-4D97-AF65-F5344CB8AC3E}">
-        <p14:creationId xmlns:p14="http://schemas.microsoft.com/office/powerpoint/2010/main" val="2344447424"/>
+        <p14:creationId xmlns:p14="http://schemas.microsoft.com/office/powerpoint/2010/main" val="2703426429"/>
       </p:ext>
     </p:extLst>
   </p:cSld>
@@ -1257,7 +1260,7 @@
 
 <file path=ppt/slideLayouts/slideLayout2.xml><?xml version="1.0" encoding="utf-8"?>
 <p:sldLayout xmlns:a="http://schemas.openxmlformats.org/drawingml/2006/main" xmlns:r="http://schemas.openxmlformats.org/officeDocument/2006/relationships" xmlns:p="http://schemas.openxmlformats.org/presentationml/2006/main" type="obj" preserve="1">
-  <p:cSld name="Title and Content">
+  <p:cSld name="Titel en object">
     <p:spTree>
       <p:nvGrpSpPr>
         <p:cNvPr id="1" name=""/>
@@ -1285,15 +1288,11 @@
         <p:spPr/>
         <p:txBody>
           <a:bodyPr/>
-          <a:lstStyle>
-            <a:lvl1pPr marL="0">
-              <a:defRPr/>
-            </a:lvl1pPr>
-          </a:lstStyle>
-          <a:p>
-            <a:r>
-              <a:rPr lang="en-US"/>
-              <a:t>Click to edit Master title style</a:t>
+          <a:lstStyle/>
+          <a:p>
+            <a:r>
+              <a:rPr lang="nl-NL" smtClean="0"/>
+              <a:t>Klik om de stijl te bewerken</a:t>
             </a:r>
             <a:endParaRPr lang="en-US" dirty="0"/>
           </a:p>
@@ -1316,36 +1315,36 @@
           <a:p>
             <a:pPr lvl="0"/>
             <a:r>
-              <a:rPr lang="en-US"/>
-              <a:t>Edit Master text styles</a:t>
+              <a:rPr lang="nl-NL" smtClean="0"/>
+              <a:t>Klik om de modelstijlen te bewerken</a:t>
             </a:r>
           </a:p>
           <a:p>
             <a:pPr lvl="1"/>
             <a:r>
-              <a:rPr lang="en-US"/>
-              <a:t>Second level</a:t>
+              <a:rPr lang="nl-NL" smtClean="0"/>
+              <a:t>Tweede niveau</a:t>
             </a:r>
           </a:p>
           <a:p>
             <a:pPr lvl="2"/>
             <a:r>
-              <a:rPr lang="en-US"/>
-              <a:t>Third level</a:t>
+              <a:rPr lang="nl-NL" smtClean="0"/>
+              <a:t>Derde niveau</a:t>
             </a:r>
           </a:p>
           <a:p>
             <a:pPr lvl="3"/>
             <a:r>
-              <a:rPr lang="en-US"/>
-              <a:t>Fourth level</a:t>
+              <a:rPr lang="nl-NL" smtClean="0"/>
+              <a:t>Vierde niveau</a:t>
             </a:r>
           </a:p>
           <a:p>
             <a:pPr lvl="4"/>
             <a:r>
-              <a:rPr lang="en-US"/>
-              <a:t>Fifth level</a:t>
+              <a:rPr lang="nl-NL" smtClean="0"/>
+              <a:t>Vijfde niveau</a:t>
             </a:r>
             <a:endParaRPr lang="en-US" dirty="0"/>
           </a:p>
@@ -1419,7 +1418,7 @@
     </p:spTree>
     <p:extLst>
       <p:ext uri="{BB962C8B-B14F-4D97-AF65-F5344CB8AC3E}">
-        <p14:creationId xmlns:p14="http://schemas.microsoft.com/office/powerpoint/2010/main" val="4209092473"/>
+        <p14:creationId xmlns:p14="http://schemas.microsoft.com/office/powerpoint/2010/main" val="1146542528"/>
       </p:ext>
     </p:extLst>
   </p:cSld>
@@ -1431,7 +1430,7 @@
 
 <file path=ppt/slideLayouts/slideLayout3.xml><?xml version="1.0" encoding="utf-8"?>
 <p:sldLayout xmlns:a="http://schemas.openxmlformats.org/drawingml/2006/main" xmlns:r="http://schemas.openxmlformats.org/officeDocument/2006/relationships" xmlns:p="http://schemas.openxmlformats.org/presentationml/2006/main" showMasterSp="0" type="secHead" preserve="1">
-  <p:cSld name="Section Header">
+  <p:cSld name="Sectiekop">
     <p:bg>
       <p:bgPr>
         <a:solidFill>
@@ -1567,8 +1566,8 @@
           </a:lstStyle>
           <a:p>
             <a:r>
-              <a:rPr lang="en-US"/>
-              <a:t>Click to edit Master title style</a:t>
+              <a:rPr lang="nl-NL" smtClean="0"/>
+              <a:t>Klik om de stijl te bewerken</a:t>
             </a:r>
             <a:endParaRPr lang="en-US" dirty="0"/>
           </a:p>
@@ -1688,8 +1687,8 @@
           <a:p>
             <a:pPr lvl="0"/>
             <a:r>
-              <a:rPr lang="en-US"/>
-              <a:t>Edit Master text styles</a:t>
+              <a:rPr lang="nl-NL" smtClean="0"/>
+              <a:t>Klik om de modelstijlen te bewerken</a:t>
             </a:r>
           </a:p>
         </p:txBody>
@@ -1800,7 +1799,7 @@
     </p:spTree>
     <p:extLst>
       <p:ext uri="{BB962C8B-B14F-4D97-AF65-F5344CB8AC3E}">
-        <p14:creationId xmlns:p14="http://schemas.microsoft.com/office/powerpoint/2010/main" val="3194675065"/>
+        <p14:creationId xmlns:p14="http://schemas.microsoft.com/office/powerpoint/2010/main" val="1737096757"/>
       </p:ext>
     </p:extLst>
   </p:cSld>
@@ -1812,7 +1811,7 @@
 
 <file path=ppt/slideLayouts/slideLayout4.xml><?xml version="1.0" encoding="utf-8"?>
 <p:sldLayout xmlns:a="http://schemas.openxmlformats.org/drawingml/2006/main" xmlns:r="http://schemas.openxmlformats.org/officeDocument/2006/relationships" xmlns:p="http://schemas.openxmlformats.org/presentationml/2006/main" type="twoObj" preserve="1">
-  <p:cSld name="Two Content">
+  <p:cSld name="Inhoud van twee">
     <p:spTree>
       <p:nvGrpSpPr>
         <p:cNvPr id="1" name=""/>
@@ -1848,8 +1847,8 @@
           <a:lstStyle/>
           <a:p>
             <a:r>
-              <a:rPr lang="en-US"/>
-              <a:t>Click to edit Master title style</a:t>
+              <a:rPr lang="nl-NL" smtClean="0"/>
+              <a:t>Klik om de stijl te bewerken</a:t>
             </a:r>
             <a:endParaRPr lang="en-US" dirty="0"/>
           </a:p>
@@ -1867,8 +1866,8 @@
         </p:nvSpPr>
         <p:spPr>
           <a:xfrm>
-            <a:off x="1097279" y="1845734"/>
-            <a:ext cx="4937760" cy="4023360"/>
+            <a:off x="1097280" y="1845734"/>
+            <a:ext cx="4937760" cy="4023359"/>
           </a:xfrm>
         </p:spPr>
         <p:txBody>
@@ -1877,36 +1876,36 @@
           <a:p>
             <a:pPr lvl="0"/>
             <a:r>
-              <a:rPr lang="en-US"/>
-              <a:t>Edit Master text styles</a:t>
+              <a:rPr lang="nl-NL" smtClean="0"/>
+              <a:t>Klik om de modelstijlen te bewerken</a:t>
             </a:r>
           </a:p>
           <a:p>
             <a:pPr lvl="1"/>
             <a:r>
-              <a:rPr lang="en-US"/>
-              <a:t>Second level</a:t>
+              <a:rPr lang="nl-NL" smtClean="0"/>
+              <a:t>Tweede niveau</a:t>
             </a:r>
           </a:p>
           <a:p>
             <a:pPr lvl="2"/>
             <a:r>
-              <a:rPr lang="en-US"/>
-              <a:t>Third level</a:t>
+              <a:rPr lang="nl-NL" smtClean="0"/>
+              <a:t>Derde niveau</a:t>
             </a:r>
           </a:p>
           <a:p>
             <a:pPr lvl="3"/>
             <a:r>
-              <a:rPr lang="en-US"/>
-              <a:t>Fourth level</a:t>
+              <a:rPr lang="nl-NL" smtClean="0"/>
+              <a:t>Vierde niveau</a:t>
             </a:r>
           </a:p>
           <a:p>
             <a:pPr lvl="4"/>
             <a:r>
-              <a:rPr lang="en-US"/>
-              <a:t>Fifth level</a:t>
+              <a:rPr lang="nl-NL" smtClean="0"/>
+              <a:t>Vijfde niveau</a:t>
             </a:r>
             <a:endParaRPr lang="en-US" dirty="0"/>
           </a:p>
@@ -1934,36 +1933,36 @@
           <a:p>
             <a:pPr lvl="0"/>
             <a:r>
-              <a:rPr lang="en-US"/>
-              <a:t>Edit Master text styles</a:t>
+              <a:rPr lang="nl-NL" smtClean="0"/>
+              <a:t>Klik om de modelstijlen te bewerken</a:t>
             </a:r>
           </a:p>
           <a:p>
             <a:pPr lvl="1"/>
             <a:r>
-              <a:rPr lang="en-US"/>
-              <a:t>Second level</a:t>
+              <a:rPr lang="nl-NL" smtClean="0"/>
+              <a:t>Tweede niveau</a:t>
             </a:r>
           </a:p>
           <a:p>
             <a:pPr lvl="2"/>
             <a:r>
-              <a:rPr lang="en-US"/>
-              <a:t>Third level</a:t>
+              <a:rPr lang="nl-NL" smtClean="0"/>
+              <a:t>Derde niveau</a:t>
             </a:r>
           </a:p>
           <a:p>
             <a:pPr lvl="3"/>
             <a:r>
-              <a:rPr lang="en-US"/>
-              <a:t>Fourth level</a:t>
+              <a:rPr lang="nl-NL" smtClean="0"/>
+              <a:t>Vierde niveau</a:t>
             </a:r>
           </a:p>
           <a:p>
             <a:pPr lvl="4"/>
             <a:r>
-              <a:rPr lang="en-US"/>
-              <a:t>Fifth level</a:t>
+              <a:rPr lang="nl-NL" smtClean="0"/>
+              <a:t>Vijfde niveau</a:t>
             </a:r>
             <a:endParaRPr lang="en-US" dirty="0"/>
           </a:p>
@@ -2037,7 +2036,7 @@
     </p:spTree>
     <p:extLst>
       <p:ext uri="{BB962C8B-B14F-4D97-AF65-F5344CB8AC3E}">
-        <p14:creationId xmlns:p14="http://schemas.microsoft.com/office/powerpoint/2010/main" val="2907088544"/>
+        <p14:creationId xmlns:p14="http://schemas.microsoft.com/office/powerpoint/2010/main" val="3270046438"/>
       </p:ext>
     </p:extLst>
   </p:cSld>
@@ -2049,7 +2048,7 @@
 
 <file path=ppt/slideLayouts/slideLayout5.xml><?xml version="1.0" encoding="utf-8"?>
 <p:sldLayout xmlns:a="http://schemas.openxmlformats.org/drawingml/2006/main" xmlns:r="http://schemas.openxmlformats.org/officeDocument/2006/relationships" xmlns:p="http://schemas.openxmlformats.org/presentationml/2006/main" type="twoTxTwoObj" preserve="1">
-  <p:cSld name="Comparison">
+  <p:cSld name="Vergelijking">
     <p:spTree>
       <p:nvGrpSpPr>
         <p:cNvPr id="1" name=""/>
@@ -2085,8 +2084,8 @@
           <a:lstStyle/>
           <a:p>
             <a:r>
-              <a:rPr lang="en-US"/>
-              <a:t>Click to edit Master title style</a:t>
+              <a:rPr lang="nl-NL" smtClean="0"/>
+              <a:t>Klik om de stijl te bewerken</a:t>
             </a:r>
             <a:endParaRPr lang="en-US" dirty="0"/>
           </a:p>
@@ -2157,8 +2156,8 @@
           <a:p>
             <a:pPr lvl="0"/>
             <a:r>
-              <a:rPr lang="en-US"/>
-              <a:t>Edit Master text styles</a:t>
+              <a:rPr lang="nl-NL" smtClean="0"/>
+              <a:t>Klik om de modelstijlen te bewerken</a:t>
             </a:r>
           </a:p>
         </p:txBody>
@@ -2175,8 +2174,8 @@
         </p:nvSpPr>
         <p:spPr>
           <a:xfrm>
-            <a:off x="1097280" y="2582334"/>
-            <a:ext cx="4937760" cy="3378200"/>
+            <a:off x="1097280" y="2582335"/>
+            <a:ext cx="4937760" cy="3286760"/>
           </a:xfrm>
         </p:spPr>
         <p:txBody>
@@ -2185,36 +2184,36 @@
           <a:p>
             <a:pPr lvl="0"/>
             <a:r>
-              <a:rPr lang="en-US"/>
-              <a:t>Edit Master text styles</a:t>
+              <a:rPr lang="nl-NL" smtClean="0"/>
+              <a:t>Klik om de modelstijlen te bewerken</a:t>
             </a:r>
           </a:p>
           <a:p>
             <a:pPr lvl="1"/>
             <a:r>
-              <a:rPr lang="en-US"/>
-              <a:t>Second level</a:t>
+              <a:rPr lang="nl-NL" smtClean="0"/>
+              <a:t>Tweede niveau</a:t>
             </a:r>
           </a:p>
           <a:p>
             <a:pPr lvl="2"/>
             <a:r>
-              <a:rPr lang="en-US"/>
-              <a:t>Third level</a:t>
+              <a:rPr lang="nl-NL" smtClean="0"/>
+              <a:t>Derde niveau</a:t>
             </a:r>
           </a:p>
           <a:p>
             <a:pPr lvl="3"/>
             <a:r>
-              <a:rPr lang="en-US"/>
-              <a:t>Fourth level</a:t>
+              <a:rPr lang="nl-NL" smtClean="0"/>
+              <a:t>Vierde niveau</a:t>
             </a:r>
           </a:p>
           <a:p>
             <a:pPr lvl="4"/>
             <a:r>
-              <a:rPr lang="en-US"/>
-              <a:t>Fifth level</a:t>
+              <a:rPr lang="nl-NL" smtClean="0"/>
+              <a:t>Vijfde niveau</a:t>
             </a:r>
             <a:endParaRPr lang="en-US" dirty="0"/>
           </a:p>
@@ -2285,8 +2284,8 @@
           <a:p>
             <a:pPr lvl="0"/>
             <a:r>
-              <a:rPr lang="en-US"/>
-              <a:t>Edit Master text styles</a:t>
+              <a:rPr lang="nl-NL" smtClean="0"/>
+              <a:t>Klik om de modelstijlen te bewerken</a:t>
             </a:r>
           </a:p>
         </p:txBody>
@@ -2304,7 +2303,7 @@
         <p:spPr>
           <a:xfrm>
             <a:off x="6217920" y="2582334"/>
-            <a:ext cx="4937760" cy="3378200"/>
+            <a:ext cx="4937760" cy="3286760"/>
           </a:xfrm>
         </p:spPr>
         <p:txBody>
@@ -2313,36 +2312,36 @@
           <a:p>
             <a:pPr lvl="0"/>
             <a:r>
-              <a:rPr lang="en-US"/>
-              <a:t>Edit Master text styles</a:t>
+              <a:rPr lang="nl-NL" smtClean="0"/>
+              <a:t>Klik om de modelstijlen te bewerken</a:t>
             </a:r>
           </a:p>
           <a:p>
             <a:pPr lvl="1"/>
             <a:r>
-              <a:rPr lang="en-US"/>
-              <a:t>Second level</a:t>
+              <a:rPr lang="nl-NL" smtClean="0"/>
+              <a:t>Tweede niveau</a:t>
             </a:r>
           </a:p>
           <a:p>
             <a:pPr lvl="2"/>
             <a:r>
-              <a:rPr lang="en-US"/>
-              <a:t>Third level</a:t>
+              <a:rPr lang="nl-NL" smtClean="0"/>
+              <a:t>Derde niveau</a:t>
             </a:r>
           </a:p>
           <a:p>
             <a:pPr lvl="3"/>
             <a:r>
-              <a:rPr lang="en-US"/>
-              <a:t>Fourth level</a:t>
+              <a:rPr lang="nl-NL" smtClean="0"/>
+              <a:t>Vierde niveau</a:t>
             </a:r>
           </a:p>
           <a:p>
             <a:pPr lvl="4"/>
             <a:r>
-              <a:rPr lang="en-US"/>
-              <a:t>Fifth level</a:t>
+              <a:rPr lang="nl-NL" smtClean="0"/>
+              <a:t>Vijfde niveau</a:t>
             </a:r>
             <a:endParaRPr lang="en-US" dirty="0"/>
           </a:p>
@@ -2416,7 +2415,7 @@
     </p:spTree>
     <p:extLst>
       <p:ext uri="{BB962C8B-B14F-4D97-AF65-F5344CB8AC3E}">
-        <p14:creationId xmlns:p14="http://schemas.microsoft.com/office/powerpoint/2010/main" val="2165346991"/>
+        <p14:creationId xmlns:p14="http://schemas.microsoft.com/office/powerpoint/2010/main" val="3814223523"/>
       </p:ext>
     </p:extLst>
   </p:cSld>
@@ -2428,7 +2427,7 @@
 
 <file path=ppt/slideLayouts/slideLayout6.xml><?xml version="1.0" encoding="utf-8"?>
 <p:sldLayout xmlns:a="http://schemas.openxmlformats.org/drawingml/2006/main" xmlns:r="http://schemas.openxmlformats.org/officeDocument/2006/relationships" xmlns:p="http://schemas.openxmlformats.org/presentationml/2006/main" type="titleOnly" preserve="1">
-  <p:cSld name="Title Only">
+  <p:cSld name="Alleen titel">
     <p:spTree>
       <p:nvGrpSpPr>
         <p:cNvPr id="1" name=""/>
@@ -2459,8 +2458,8 @@
           <a:lstStyle/>
           <a:p>
             <a:r>
-              <a:rPr lang="en-US"/>
-              <a:t>Click to edit Master title style</a:t>
+              <a:rPr lang="nl-NL" smtClean="0"/>
+              <a:t>Klik om de stijl te bewerken</a:t>
             </a:r>
             <a:endParaRPr lang="en-US" dirty="0"/>
           </a:p>
@@ -2534,7 +2533,7 @@
     </p:spTree>
     <p:extLst>
       <p:ext uri="{BB962C8B-B14F-4D97-AF65-F5344CB8AC3E}">
-        <p14:creationId xmlns:p14="http://schemas.microsoft.com/office/powerpoint/2010/main" val="567337947"/>
+        <p14:creationId xmlns:p14="http://schemas.microsoft.com/office/powerpoint/2010/main" val="1892534325"/>
       </p:ext>
     </p:extLst>
   </p:cSld>
@@ -2546,7 +2545,7 @@
 
 <file path=ppt/slideLayouts/slideLayout7.xml><?xml version="1.0" encoding="utf-8"?>
 <p:sldLayout xmlns:a="http://schemas.openxmlformats.org/drawingml/2006/main" xmlns:r="http://schemas.openxmlformats.org/officeDocument/2006/relationships" xmlns:p="http://schemas.openxmlformats.org/presentationml/2006/main" showMasterSp="0" type="blank" preserve="1">
-  <p:cSld name="Blank">
+  <p:cSld name="Leeg">
     <p:spTree>
       <p:nvGrpSpPr>
         <p:cNvPr id="1" name=""/>
@@ -2713,7 +2712,7 @@
     </p:spTree>
     <p:extLst>
       <p:ext uri="{BB962C8B-B14F-4D97-AF65-F5344CB8AC3E}">
-        <p14:creationId xmlns:p14="http://schemas.microsoft.com/office/powerpoint/2010/main" val="554379450"/>
+        <p14:creationId xmlns:p14="http://schemas.microsoft.com/office/powerpoint/2010/main" val="3190143588"/>
       </p:ext>
     </p:extLst>
   </p:cSld>
@@ -2725,7 +2724,7 @@
 
 <file path=ppt/slideLayouts/slideLayout8.xml><?xml version="1.0" encoding="utf-8"?>
 <p:sldLayout xmlns:a="http://schemas.openxmlformats.org/drawingml/2006/main" xmlns:r="http://schemas.openxmlformats.org/officeDocument/2006/relationships" xmlns:p="http://schemas.openxmlformats.org/presentationml/2006/main" showMasterSp="0" type="objTx" preserve="1">
-  <p:cSld name="Content with Caption">
+  <p:cSld name="Inhoud met bijschrift">
     <p:spTree>
       <p:nvGrpSpPr>
         <p:cNvPr id="1" name=""/>
@@ -2847,8 +2846,8 @@
           </a:lstStyle>
           <a:p>
             <a:r>
-              <a:rPr lang="en-US"/>
-              <a:t>Click to edit Master title style</a:t>
+              <a:rPr lang="nl-NL" smtClean="0"/>
+              <a:t>Klik om de stijl te bewerken</a:t>
             </a:r>
             <a:endParaRPr lang="en-US" dirty="0"/>
           </a:p>
@@ -2876,36 +2875,36 @@
           <a:p>
             <a:pPr lvl="0"/>
             <a:r>
-              <a:rPr lang="en-US"/>
-              <a:t>Edit Master text styles</a:t>
+              <a:rPr lang="nl-NL" smtClean="0"/>
+              <a:t>Klik om de modelstijlen te bewerken</a:t>
             </a:r>
           </a:p>
           <a:p>
             <a:pPr lvl="1"/>
             <a:r>
-              <a:rPr lang="en-US"/>
-              <a:t>Second level</a:t>
+              <a:rPr lang="nl-NL" smtClean="0"/>
+              <a:t>Tweede niveau</a:t>
             </a:r>
           </a:p>
           <a:p>
             <a:pPr lvl="2"/>
             <a:r>
-              <a:rPr lang="en-US"/>
-              <a:t>Third level</a:t>
+              <a:rPr lang="nl-NL" smtClean="0"/>
+              <a:t>Derde niveau</a:t>
             </a:r>
           </a:p>
           <a:p>
             <a:pPr lvl="3"/>
             <a:r>
-              <a:rPr lang="en-US"/>
-              <a:t>Fourth level</a:t>
+              <a:rPr lang="nl-NL" smtClean="0"/>
+              <a:t>Vierde niveau</a:t>
             </a:r>
           </a:p>
           <a:p>
             <a:pPr lvl="4"/>
             <a:r>
-              <a:rPr lang="en-US"/>
-              <a:t>Fifth level</a:t>
+              <a:rPr lang="nl-NL" smtClean="0"/>
+              <a:t>Vijfde niveau</a:t>
             </a:r>
             <a:endParaRPr lang="en-US" dirty="0"/>
           </a:p>
@@ -2976,8 +2975,8 @@
           <a:p>
             <a:pPr lvl="0"/>
             <a:r>
-              <a:rPr lang="en-US"/>
-              <a:t>Edit Master text styles</a:t>
+              <a:rPr lang="nl-NL" smtClean="0"/>
+              <a:t>Klik om de modelstijlen te bewerken</a:t>
             </a:r>
           </a:p>
         </p:txBody>
@@ -3080,7 +3079,7 @@
     </p:spTree>
     <p:extLst>
       <p:ext uri="{BB962C8B-B14F-4D97-AF65-F5344CB8AC3E}">
-        <p14:creationId xmlns:p14="http://schemas.microsoft.com/office/powerpoint/2010/main" val="985108082"/>
+        <p14:creationId xmlns:p14="http://schemas.microsoft.com/office/powerpoint/2010/main" val="2733619931"/>
       </p:ext>
     </p:extLst>
   </p:cSld>
@@ -3092,7 +3091,7 @@
 
 <file path=ppt/slideLayouts/slideLayout9.xml><?xml version="1.0" encoding="utf-8"?>
 <p:sldLayout xmlns:a="http://schemas.openxmlformats.org/drawingml/2006/main" xmlns:r="http://schemas.openxmlformats.org/officeDocument/2006/relationships" xmlns:p="http://schemas.openxmlformats.org/presentationml/2006/main" showMasterSp="0" type="picTx" preserve="1">
-  <p:cSld name="Picture with Caption">
+  <p:cSld name="Afbeelding met bijschrift">
     <p:spTree>
       <p:nvGrpSpPr>
         <p:cNvPr id="1" name=""/>
@@ -3196,11 +3195,11 @@
         <p:spPr>
           <a:xfrm>
             <a:off x="1097280" y="5074920"/>
-            <a:ext cx="10113264" cy="822960"/>
+            <a:ext cx="10113645" cy="822960"/>
           </a:xfrm>
         </p:spPr>
         <p:txBody>
-          <a:bodyPr lIns="91440" tIns="0" rIns="91440" bIns="0" anchor="b">
+          <a:bodyPr tIns="0" bIns="0" anchor="b">
             <a:noAutofit/>
           </a:bodyPr>
           <a:lstStyle>
@@ -3214,8 +3213,8 @@
           </a:lstStyle>
           <a:p>
             <a:r>
-              <a:rPr lang="en-US"/>
-              <a:t>Click to edit Master title style</a:t>
+              <a:rPr lang="nl-NL" smtClean="0"/>
+              <a:t>Klik om de stijl te bewerken</a:t>
             </a:r>
             <a:endParaRPr lang="en-US" dirty="0"/>
           </a:p>
@@ -3236,23 +3235,18 @@
             <a:off x="15" y="0"/>
             <a:ext cx="12191985" cy="4915076"/>
           </a:xfrm>
-          <a:blipFill>
-            <a:blip r:embed="rId2"/>
-            <a:stretch>
-              <a:fillRect/>
-            </a:stretch>
-          </a:blipFill>
+          <a:solidFill>
+            <a:schemeClr val="bg2">
+              <a:lumMod val="90000"/>
+            </a:schemeClr>
+          </a:solidFill>
         </p:spPr>
         <p:txBody>
           <a:bodyPr lIns="457200" tIns="457200" anchor="t"/>
           <a:lstStyle>
             <a:lvl1pPr marL="0" indent="0">
               <a:buNone/>
-              <a:defRPr sz="3200">
-                <a:solidFill>
-                  <a:schemeClr val="bg1"/>
-                </a:solidFill>
-              </a:defRPr>
+              <a:defRPr sz="3200"/>
             </a:lvl1pPr>
             <a:lvl2pPr marL="457200" indent="0">
               <a:buNone/>
@@ -3289,8 +3283,8 @@
           </a:lstStyle>
           <a:p>
             <a:r>
-              <a:rPr lang="en-US"/>
-              <a:t>Click icon to add picture</a:t>
+              <a:rPr lang="nl-NL" smtClean="0"/>
+              <a:t>Klik op het pictogram als u een afbeelding wilt toevoegen</a:t>
             </a:r>
             <a:endParaRPr lang="en-US" dirty="0"/>
           </a:p>
@@ -3308,7 +3302,7 @@
         </p:nvSpPr>
         <p:spPr>
           <a:xfrm>
-            <a:off x="1097280" y="5907023"/>
+            <a:off x="1097280" y="5907024"/>
             <a:ext cx="10113264" cy="594360"/>
           </a:xfrm>
         </p:spPr>
@@ -3367,8 +3361,8 @@
           <a:p>
             <a:pPr lvl="0"/>
             <a:r>
-              <a:rPr lang="en-US"/>
-              <a:t>Edit Master text styles</a:t>
+              <a:rPr lang="nl-NL" smtClean="0"/>
+              <a:t>Klik om de modelstijlen te bewerken</a:t>
             </a:r>
           </a:p>
         </p:txBody>
@@ -3441,7 +3435,7 @@
     </p:spTree>
     <p:extLst>
       <p:ext uri="{BB962C8B-B14F-4D97-AF65-F5344CB8AC3E}">
-        <p14:creationId xmlns:p14="http://schemas.microsoft.com/office/powerpoint/2010/main" val="138326031"/>
+        <p14:creationId xmlns:p14="http://schemas.microsoft.com/office/powerpoint/2010/main" val="1898886823"/>
       </p:ext>
     </p:extLst>
   </p:cSld>
@@ -3481,8 +3475,8 @@
         </p:nvSpPr>
         <p:spPr>
           <a:xfrm>
-            <a:off x="1" y="6400800"/>
-            <a:ext cx="12192000" cy="457200"/>
+            <a:off x="3175" y="6400800"/>
+            <a:ext cx="12188825" cy="457200"/>
           </a:xfrm>
           <a:prstGeom prst="rect">
             <a:avLst/>
@@ -3519,8 +3513,8 @@
         </p:nvSpPr>
         <p:spPr>
           <a:xfrm>
-            <a:off x="0" y="6334316"/>
-            <a:ext cx="12192001" cy="65998"/>
+            <a:off x="15" y="6334316"/>
+            <a:ext cx="12188825" cy="64008"/>
           </a:xfrm>
           <a:prstGeom prst="rect">
             <a:avLst/>
@@ -3575,8 +3569,8 @@
           <a:lstStyle/>
           <a:p>
             <a:r>
-              <a:rPr lang="en-US"/>
-              <a:t>Click to edit Master title style</a:t>
+              <a:rPr lang="nl-NL" smtClean="0"/>
+              <a:t>Klik om de stijl te bewerken</a:t>
             </a:r>
             <a:endParaRPr lang="en-US" dirty="0"/>
           </a:p>
@@ -3609,36 +3603,36 @@
           <a:p>
             <a:pPr lvl="0"/>
             <a:r>
-              <a:rPr lang="en-US"/>
-              <a:t>Edit Master text styles</a:t>
+              <a:rPr lang="nl-NL" smtClean="0"/>
+              <a:t>Klik om de modelstijlen te bewerken</a:t>
             </a:r>
           </a:p>
           <a:p>
             <a:pPr lvl="1"/>
             <a:r>
-              <a:rPr lang="en-US"/>
-              <a:t>Second level</a:t>
+              <a:rPr lang="nl-NL" smtClean="0"/>
+              <a:t>Tweede niveau</a:t>
             </a:r>
           </a:p>
           <a:p>
             <a:pPr lvl="2"/>
             <a:r>
-              <a:rPr lang="en-US"/>
-              <a:t>Third level</a:t>
+              <a:rPr lang="nl-NL" smtClean="0"/>
+              <a:t>Derde niveau</a:t>
             </a:r>
           </a:p>
           <a:p>
             <a:pPr lvl="3"/>
             <a:r>
-              <a:rPr lang="en-US"/>
-              <a:t>Fourth level</a:t>
+              <a:rPr lang="nl-NL" smtClean="0"/>
+              <a:t>Vierde niveau</a:t>
             </a:r>
           </a:p>
           <a:p>
             <a:pPr lvl="4"/>
             <a:r>
-              <a:rPr lang="en-US"/>
-              <a:t>Fifth level</a:t>
+              <a:rPr lang="nl-NL" smtClean="0"/>
+              <a:t>Vijfde niveau</a:t>
             </a:r>
             <a:endParaRPr lang="en-US" dirty="0"/>
           </a:p>
@@ -3798,23 +3792,23 @@
     </p:spTree>
     <p:extLst>
       <p:ext uri="{BB962C8B-B14F-4D97-AF65-F5344CB8AC3E}">
-        <p14:creationId xmlns:p14="http://schemas.microsoft.com/office/powerpoint/2010/main" val="550406845"/>
+        <p14:creationId xmlns:p14="http://schemas.microsoft.com/office/powerpoint/2010/main" val="941566731"/>
       </p:ext>
     </p:extLst>
   </p:cSld>
   <p:clrMap bg1="lt1" tx1="dk1" bg2="lt2" tx2="dk2" accent1="accent1" accent2="accent2" accent3="accent3" accent4="accent4" accent5="accent5" accent6="accent6" hlink="hlink" folHlink="folHlink"/>
   <p:sldLayoutIdLst>
-    <p:sldLayoutId id="2147483661" r:id="rId1"/>
-    <p:sldLayoutId id="2147483662" r:id="rId2"/>
-    <p:sldLayoutId id="2147483663" r:id="rId3"/>
-    <p:sldLayoutId id="2147483664" r:id="rId4"/>
-    <p:sldLayoutId id="2147483665" r:id="rId5"/>
-    <p:sldLayoutId id="2147483666" r:id="rId6"/>
-    <p:sldLayoutId id="2147483667" r:id="rId7"/>
-    <p:sldLayoutId id="2147483668" r:id="rId8"/>
-    <p:sldLayoutId id="2147483669" r:id="rId9"/>
-    <p:sldLayoutId id="2147483670" r:id="rId10"/>
-    <p:sldLayoutId id="2147483671" r:id="rId11"/>
+    <p:sldLayoutId id="2147483673" r:id="rId1"/>
+    <p:sldLayoutId id="2147483674" r:id="rId2"/>
+    <p:sldLayoutId id="2147483675" r:id="rId3"/>
+    <p:sldLayoutId id="2147483676" r:id="rId4"/>
+    <p:sldLayoutId id="2147483677" r:id="rId5"/>
+    <p:sldLayoutId id="2147483678" r:id="rId6"/>
+    <p:sldLayoutId id="2147483679" r:id="rId7"/>
+    <p:sldLayoutId id="2147483680" r:id="rId8"/>
+    <p:sldLayoutId id="2147483681" r:id="rId9"/>
+    <p:sldLayoutId id="2147483682" r:id="rId10"/>
+    <p:sldLayoutId id="2147483683" r:id="rId11"/>
   </p:sldLayoutIdLst>
   <p:txStyles>
     <p:titleStyle>
@@ -4259,6 +4253,13 @@
   <p:clrMapOvr>
     <a:masterClrMapping/>
   </p:clrMapOvr>
+  <p:timing>
+    <p:tnLst>
+      <p:par>
+        <p:cTn id="1" dur="indefinite" restart="never" nodeType="tmRoot"/>
+      </p:par>
+    </p:tnLst>
+  </p:timing>
 </p:sld>
 </file>
 
@@ -4284,7 +4285,7 @@
           <p:cNvPr id="2" name="Titel 1">
             <a:extLst>
               <a:ext uri="{FF2B5EF4-FFF2-40B4-BE49-F238E27FC236}">
-                <a16:creationId xmlns:a16="http://schemas.microsoft.com/office/drawing/2014/main" id="{AEC34B59-0146-C33F-CFC6-890060B52779}"/>
+                <a16:creationId xmlns:a16="http://schemas.microsoft.com/office/drawing/2014/main" xmlns="" id="{BE311A97-C066-5B05-482F-0E6FA4903BCF}"/>
               </a:ext>
             </a:extLst>
           </p:cNvPr>
@@ -4297,77 +4298,79 @@
         </p:nvSpPr>
         <p:spPr/>
         <p:txBody>
+          <a:bodyPr>
+            <a:normAutofit/>
+          </a:bodyPr>
+          <a:lstStyle/>
+          <a:p>
+            <a:r>
+              <a:rPr lang="nl-BE" sz="4800" dirty="0"/>
+              <a:t>Sprints</a:t>
+            </a:r>
+          </a:p>
+        </p:txBody>
+      </p:sp>
+      <p:pic>
+        <p:nvPicPr>
+          <p:cNvPr id="3" name="Tijdelijke aanduiding voor inhoud 2"/>
+          <p:cNvPicPr>
+            <a:picLocks noGrp="1" noChangeAspect="1"/>
+          </p:cNvPicPr>
+          <p:nvPr>
+            <p:ph idx="1"/>
+          </p:nvPr>
+        </p:nvPicPr>
+        <p:blipFill rotWithShape="1">
+          <a:blip r:embed="rId2"/>
+          <a:srcRect r="2994"/>
+          <a:stretch/>
+        </p:blipFill>
+        <p:spPr>
+          <a:xfrm>
+            <a:off x="4138452" y="594359"/>
+            <a:ext cx="7601604" cy="3940353"/>
+          </a:xfrm>
+          <a:prstGeom prst="rect">
+            <a:avLst/>
+          </a:prstGeom>
+        </p:spPr>
+      </p:pic>
+      <p:sp>
+        <p:nvSpPr>
+          <p:cNvPr id="5" name="Tijdelijke aanduiding voor tekst 4"/>
+          <p:cNvSpPr>
+            <a:spLocks noGrp="1"/>
+          </p:cNvSpPr>
+          <p:nvPr>
+            <p:ph type="body" sz="half" idx="2"/>
+          </p:nvPr>
+        </p:nvSpPr>
+        <p:spPr/>
+        <p:txBody>
           <a:bodyPr/>
           <a:lstStyle/>
           <a:p>
-            <a:r>
-              <a:rPr lang="nl-BE" dirty="0"/>
-              <a:t>Uitvoering</a:t>
-            </a:r>
-          </a:p>
-        </p:txBody>
-      </p:sp>
-      <p:sp>
-        <p:nvSpPr>
-          <p:cNvPr id="3" name="Tijdelijke aanduiding voor inhoud 2">
-            <a:extLst>
-              <a:ext uri="{FF2B5EF4-FFF2-40B4-BE49-F238E27FC236}">
-                <a16:creationId xmlns:a16="http://schemas.microsoft.com/office/drawing/2014/main" id="{4BE4A8C1-501E-56ED-71C8-F32C29245B80}"/>
-              </a:ext>
-            </a:extLst>
-          </p:cNvPr>
-          <p:cNvSpPr>
-            <a:spLocks noGrp="1"/>
-          </p:cNvSpPr>
-          <p:nvPr>
-            <p:ph idx="1"/>
-          </p:nvPr>
-        </p:nvSpPr>
-        <p:spPr/>
-        <p:txBody>
-          <a:bodyPr/>
-          <a:lstStyle/>
-          <a:p>
-            <a:r>
-              <a:rPr lang="nl-BE" dirty="0" err="1"/>
-              <a:t>Github</a:t>
-            </a:r>
             <a:endParaRPr lang="nl-BE" dirty="0"/>
-          </a:p>
-          <a:p>
-            <a:r>
-              <a:rPr lang="nl-BE" dirty="0"/>
-              <a:t>Visio</a:t>
-            </a:r>
-          </a:p>
-          <a:p>
-            <a:r>
-              <a:rPr lang="nl-BE" dirty="0"/>
-              <a:t>Python3</a:t>
-            </a:r>
-          </a:p>
-          <a:p>
-            <a:r>
-              <a:rPr lang="nl-BE" dirty="0" err="1"/>
-              <a:t>Notepad</a:t>
-            </a:r>
-            <a:r>
-              <a:rPr lang="nl-BE" dirty="0"/>
-              <a:t>++</a:t>
-            </a:r>
           </a:p>
         </p:txBody>
       </p:sp>
     </p:spTree>
     <p:extLst>
       <p:ext uri="{BB962C8B-B14F-4D97-AF65-F5344CB8AC3E}">
-        <p14:creationId xmlns:p14="http://schemas.microsoft.com/office/powerpoint/2010/main" val="2170463598"/>
+        <p14:creationId xmlns:p14="http://schemas.microsoft.com/office/powerpoint/2010/main" val="705310232"/>
       </p:ext>
     </p:extLst>
   </p:cSld>
   <p:clrMapOvr>
     <a:masterClrMapping/>
   </p:clrMapOvr>
+  <p:timing>
+    <p:tnLst>
+      <p:par>
+        <p:cTn id="1" dur="indefinite" restart="never" nodeType="tmRoot"/>
+      </p:par>
+    </p:tnLst>
+  </p:timing>
 </p:sld>
 </file>
 
@@ -4393,7 +4396,7 @@
           <p:cNvPr id="2" name="Titel 1">
             <a:extLst>
               <a:ext uri="{FF2B5EF4-FFF2-40B4-BE49-F238E27FC236}">
-                <a16:creationId xmlns:a16="http://schemas.microsoft.com/office/drawing/2014/main" id="{AFC54422-200F-390B-1E44-8D7F3C8BE92E}"/>
+                <a16:creationId xmlns:a16="http://schemas.microsoft.com/office/drawing/2014/main" xmlns="" id="{BE311A97-C066-5B05-482F-0E6FA4903BCF}"/>
               </a:ext>
             </a:extLst>
           </p:cNvPr>
@@ -4406,66 +4409,108 @@
         </p:nvSpPr>
         <p:spPr/>
         <p:txBody>
+          <a:bodyPr>
+            <a:normAutofit/>
+          </a:bodyPr>
+          <a:lstStyle/>
+          <a:p>
+            <a:r>
+              <a:rPr lang="nl-BE" sz="4800" dirty="0"/>
+              <a:t>Sprints</a:t>
+            </a:r>
+          </a:p>
+        </p:txBody>
+      </p:sp>
+      <p:pic>
+        <p:nvPicPr>
+          <p:cNvPr id="3" name="Tijdelijke aanduiding voor inhoud 2"/>
+          <p:cNvPicPr>
+            <a:picLocks noGrp="1" noChangeAspect="1"/>
+          </p:cNvPicPr>
+          <p:nvPr>
+            <p:ph idx="1"/>
+          </p:nvPr>
+        </p:nvPicPr>
+        <p:blipFill>
+          <a:blip r:embed="rId2"/>
+          <a:stretch>
+            <a:fillRect/>
+          </a:stretch>
+        </p:blipFill>
+        <p:spPr>
+          <a:xfrm>
+            <a:off x="4185499" y="594359"/>
+            <a:ext cx="7702203" cy="3605900"/>
+          </a:xfrm>
+          <a:prstGeom prst="rect">
+            <a:avLst/>
+          </a:prstGeom>
+        </p:spPr>
+      </p:pic>
+      <p:sp>
+        <p:nvSpPr>
+          <p:cNvPr id="5" name="Tijdelijke aanduiding voor tekst 4"/>
+          <p:cNvSpPr>
+            <a:spLocks noGrp="1"/>
+          </p:cNvSpPr>
+          <p:nvPr>
+            <p:ph type="body" sz="half" idx="2"/>
+          </p:nvPr>
+        </p:nvSpPr>
+        <p:spPr/>
+        <p:txBody>
           <a:bodyPr/>
           <a:lstStyle/>
           <a:p>
-            <a:r>
-              <a:rPr lang="nl-BE" dirty="0"/>
-              <a:t>Demo</a:t>
-            </a:r>
-          </a:p>
-        </p:txBody>
-      </p:sp>
-      <p:sp>
-        <p:nvSpPr>
-          <p:cNvPr id="3" name="Tijdelijke aanduiding voor inhoud 2">
-            <a:extLst>
-              <a:ext uri="{FF2B5EF4-FFF2-40B4-BE49-F238E27FC236}">
-                <a16:creationId xmlns:a16="http://schemas.microsoft.com/office/drawing/2014/main" id="{B0725605-6BF1-AB8E-4534-CF8AAC3DA7F6}"/>
-              </a:ext>
-            </a:extLst>
-          </p:cNvPr>
-          <p:cNvSpPr>
-            <a:spLocks noGrp="1"/>
-          </p:cNvSpPr>
-          <p:nvPr>
-            <p:ph idx="1"/>
-          </p:nvPr>
-        </p:nvSpPr>
-        <p:spPr/>
-        <p:txBody>
-          <a:bodyPr/>
-          <a:lstStyle/>
-          <a:p>
-            <a:r>
-              <a:rPr lang="nl-BE" dirty="0"/>
-              <a:t>Script</a:t>
-            </a:r>
-          </a:p>
-          <a:p>
-            <a:r>
-              <a:rPr lang="nl-BE" dirty="0"/>
-              <a:t>PXE-boot</a:t>
-            </a:r>
-          </a:p>
-          <a:p>
-            <a:r>
-              <a:rPr lang="nl-BE" dirty="0"/>
-              <a:t>Docker</a:t>
-            </a:r>
+            <a:pPr marL="285750" indent="-285750">
+              <a:buFont typeface="Arial" panose="020B0604020202020204" pitchFamily="34" charset="0"/>
+              <a:buChar char="•"/>
+            </a:pPr>
+            <a:r>
+              <a:rPr lang="nl-BE" dirty="0" smtClean="0"/>
+              <a:t>Installatie</a:t>
+            </a:r>
+          </a:p>
+          <a:p>
+            <a:pPr marL="285750" indent="-285750">
+              <a:buFont typeface="Arial" panose="020B0604020202020204" pitchFamily="34" charset="0"/>
+              <a:buChar char="•"/>
+            </a:pPr>
+            <a:r>
+              <a:rPr lang="nl-BE" dirty="0" smtClean="0"/>
+              <a:t>Stappenplan</a:t>
+            </a:r>
+          </a:p>
+          <a:p>
+            <a:pPr marL="285750" indent="-285750">
+              <a:buFont typeface="Arial" panose="020B0604020202020204" pitchFamily="34" charset="0"/>
+              <a:buChar char="•"/>
+            </a:pPr>
+            <a:r>
+              <a:rPr lang="nl-BE" dirty="0" smtClean="0"/>
+              <a:t>Hervatting uit vorige sprint</a:t>
+            </a:r>
+            <a:endParaRPr lang="nl-BE" dirty="0"/>
           </a:p>
         </p:txBody>
       </p:sp>
     </p:spTree>
     <p:extLst>
       <p:ext uri="{BB962C8B-B14F-4D97-AF65-F5344CB8AC3E}">
-        <p14:creationId xmlns:p14="http://schemas.microsoft.com/office/powerpoint/2010/main" val="2859215401"/>
+        <p14:creationId xmlns:p14="http://schemas.microsoft.com/office/powerpoint/2010/main" val="1519593788"/>
       </p:ext>
     </p:extLst>
   </p:cSld>
   <p:clrMapOvr>
     <a:masterClrMapping/>
   </p:clrMapOvr>
+  <p:timing>
+    <p:tnLst>
+      <p:par>
+        <p:cTn id="1" dur="indefinite" restart="never" nodeType="tmRoot"/>
+      </p:par>
+    </p:tnLst>
+  </p:timing>
 </p:sld>
 </file>
 
@@ -4491,7 +4536,7 @@
           <p:cNvPr id="2" name="Titel 1">
             <a:extLst>
               <a:ext uri="{FF2B5EF4-FFF2-40B4-BE49-F238E27FC236}">
-                <a16:creationId xmlns:a16="http://schemas.microsoft.com/office/drawing/2014/main" id="{6DCE6BC2-FCC8-1C7A-F5B9-58B298288E95}"/>
+                <a16:creationId xmlns:a16="http://schemas.microsoft.com/office/drawing/2014/main" xmlns="" id="{BE311A97-C066-5B05-482F-0E6FA4903BCF}"/>
               </a:ext>
             </a:extLst>
           </p:cNvPr>
@@ -4504,12 +4549,123 @@
         </p:nvSpPr>
         <p:spPr/>
         <p:txBody>
+          <a:bodyPr>
+            <a:normAutofit/>
+          </a:bodyPr>
+          <a:lstStyle/>
+          <a:p>
+            <a:r>
+              <a:rPr lang="nl-BE" sz="4800" dirty="0"/>
+              <a:t>Sprints</a:t>
+            </a:r>
+          </a:p>
+        </p:txBody>
+      </p:sp>
+      <p:pic>
+        <p:nvPicPr>
+          <p:cNvPr id="3" name="Tijdelijke aanduiding voor inhoud 2"/>
+          <p:cNvPicPr>
+            <a:picLocks noGrp="1" noChangeAspect="1"/>
+          </p:cNvPicPr>
+          <p:nvPr>
+            <p:ph idx="1"/>
+          </p:nvPr>
+        </p:nvPicPr>
+        <p:blipFill rotWithShape="1">
+          <a:blip r:embed="rId2"/>
+          <a:srcRect r="30670"/>
+          <a:stretch/>
+        </p:blipFill>
+        <p:spPr>
+          <a:xfrm>
+            <a:off x="4180491" y="594359"/>
+            <a:ext cx="6211926" cy="3827949"/>
+          </a:xfrm>
+          <a:prstGeom prst="rect">
+            <a:avLst/>
+          </a:prstGeom>
+        </p:spPr>
+      </p:pic>
+      <p:sp>
+        <p:nvSpPr>
+          <p:cNvPr id="5" name="Tijdelijke aanduiding voor tekst 4"/>
+          <p:cNvSpPr>
+            <a:spLocks noGrp="1"/>
+          </p:cNvSpPr>
+          <p:nvPr>
+            <p:ph type="body" sz="half" idx="2"/>
+          </p:nvPr>
+        </p:nvSpPr>
+        <p:spPr/>
+        <p:txBody>
           <a:bodyPr/>
           <a:lstStyle/>
           <a:p>
+            <a:endParaRPr lang="nl-BE" dirty="0"/>
+          </a:p>
+        </p:txBody>
+      </p:sp>
+    </p:spTree>
+    <p:extLst>
+      <p:ext uri="{BB962C8B-B14F-4D97-AF65-F5344CB8AC3E}">
+        <p14:creationId xmlns:p14="http://schemas.microsoft.com/office/powerpoint/2010/main" val="819422581"/>
+      </p:ext>
+    </p:extLst>
+  </p:cSld>
+  <p:clrMapOvr>
+    <a:masterClrMapping/>
+  </p:clrMapOvr>
+  <p:timing>
+    <p:tnLst>
+      <p:par>
+        <p:cTn id="1" dur="indefinite" restart="never" nodeType="tmRoot"/>
+      </p:par>
+    </p:tnLst>
+  </p:timing>
+</p:sld>
+</file>
+
+<file path=ppt/slides/slide13.xml><?xml version="1.0" encoding="utf-8"?>
+<p:sld xmlns:a="http://schemas.openxmlformats.org/drawingml/2006/main" xmlns:r="http://schemas.openxmlformats.org/officeDocument/2006/relationships" xmlns:p="http://schemas.openxmlformats.org/presentationml/2006/main">
+  <p:cSld>
+    <p:spTree>
+      <p:nvGrpSpPr>
+        <p:cNvPr id="1" name=""/>
+        <p:cNvGrpSpPr/>
+        <p:nvPr/>
+      </p:nvGrpSpPr>
+      <p:grpSpPr>
+        <a:xfrm>
+          <a:off x="0" y="0"/>
+          <a:ext cx="0" cy="0"/>
+          <a:chOff x="0" y="0"/>
+          <a:chExt cx="0" cy="0"/>
+        </a:xfrm>
+      </p:grpSpPr>
+      <p:sp>
+        <p:nvSpPr>
+          <p:cNvPr id="2" name="Titel 1">
+            <a:extLst>
+              <a:ext uri="{FF2B5EF4-FFF2-40B4-BE49-F238E27FC236}">
+                <a16:creationId xmlns:a16="http://schemas.microsoft.com/office/drawing/2014/main" xmlns="" id="{AEC34B59-0146-C33F-CFC6-890060B52779}"/>
+              </a:ext>
+            </a:extLst>
+          </p:cNvPr>
+          <p:cNvSpPr>
+            <a:spLocks noGrp="1"/>
+          </p:cNvSpPr>
+          <p:nvPr>
+            <p:ph type="title"/>
+          </p:nvPr>
+        </p:nvSpPr>
+        <p:spPr/>
+        <p:txBody>
+          <a:bodyPr/>
+          <a:lstStyle/>
+          <a:p>
             <a:r>
               <a:rPr lang="nl-BE" dirty="0"/>
-              <a:t>Besluit</a:t>
+              <a:t>Uitvoering</a:t>
             </a:r>
           </a:p>
         </p:txBody>
@@ -4519,7 +4675,221 @@
           <p:cNvPr id="3" name="Tijdelijke aanduiding voor inhoud 2">
             <a:extLst>
               <a:ext uri="{FF2B5EF4-FFF2-40B4-BE49-F238E27FC236}">
-                <a16:creationId xmlns:a16="http://schemas.microsoft.com/office/drawing/2014/main" id="{B963BFE1-6C82-E4C3-8482-D129FE7C6828}"/>
+                <a16:creationId xmlns:a16="http://schemas.microsoft.com/office/drawing/2014/main" xmlns="" id="{4BE4A8C1-501E-56ED-71C8-F32C29245B80}"/>
+              </a:ext>
+            </a:extLst>
+          </p:cNvPr>
+          <p:cNvSpPr>
+            <a:spLocks noGrp="1"/>
+          </p:cNvSpPr>
+          <p:nvPr>
+            <p:ph idx="1"/>
+          </p:nvPr>
+        </p:nvSpPr>
+        <p:spPr/>
+        <p:txBody>
+          <a:bodyPr/>
+          <a:lstStyle/>
+          <a:p>
+            <a:r>
+              <a:rPr lang="nl-BE" dirty="0" err="1"/>
+              <a:t>Github</a:t>
+            </a:r>
+            <a:endParaRPr lang="nl-BE" dirty="0"/>
+          </a:p>
+          <a:p>
+            <a:r>
+              <a:rPr lang="nl-BE" dirty="0"/>
+              <a:t>Visio</a:t>
+            </a:r>
+          </a:p>
+          <a:p>
+            <a:r>
+              <a:rPr lang="nl-BE" dirty="0"/>
+              <a:t>Python3</a:t>
+            </a:r>
+          </a:p>
+          <a:p>
+            <a:r>
+              <a:rPr lang="nl-BE" dirty="0" err="1"/>
+              <a:t>Notepad</a:t>
+            </a:r>
+            <a:r>
+              <a:rPr lang="nl-BE" dirty="0"/>
+              <a:t>++</a:t>
+            </a:r>
+          </a:p>
+        </p:txBody>
+      </p:sp>
+    </p:spTree>
+    <p:extLst>
+      <p:ext uri="{BB962C8B-B14F-4D97-AF65-F5344CB8AC3E}">
+        <p14:creationId xmlns:p14="http://schemas.microsoft.com/office/powerpoint/2010/main" val="2170463598"/>
+      </p:ext>
+    </p:extLst>
+  </p:cSld>
+  <p:clrMapOvr>
+    <a:masterClrMapping/>
+  </p:clrMapOvr>
+  <p:timing>
+    <p:tnLst>
+      <p:par>
+        <p:cTn id="1" dur="indefinite" restart="never" nodeType="tmRoot"/>
+      </p:par>
+    </p:tnLst>
+  </p:timing>
+</p:sld>
+</file>
+
+<file path=ppt/slides/slide14.xml><?xml version="1.0" encoding="utf-8"?>
+<p:sld xmlns:a="http://schemas.openxmlformats.org/drawingml/2006/main" xmlns:r="http://schemas.openxmlformats.org/officeDocument/2006/relationships" xmlns:p="http://schemas.openxmlformats.org/presentationml/2006/main">
+  <p:cSld>
+    <p:spTree>
+      <p:nvGrpSpPr>
+        <p:cNvPr id="1" name=""/>
+        <p:cNvGrpSpPr/>
+        <p:nvPr/>
+      </p:nvGrpSpPr>
+      <p:grpSpPr>
+        <a:xfrm>
+          <a:off x="0" y="0"/>
+          <a:ext cx="0" cy="0"/>
+          <a:chOff x="0" y="0"/>
+          <a:chExt cx="0" cy="0"/>
+        </a:xfrm>
+      </p:grpSpPr>
+      <p:sp>
+        <p:nvSpPr>
+          <p:cNvPr id="2" name="Titel 1">
+            <a:extLst>
+              <a:ext uri="{FF2B5EF4-FFF2-40B4-BE49-F238E27FC236}">
+                <a16:creationId xmlns:a16="http://schemas.microsoft.com/office/drawing/2014/main" xmlns="" id="{AFC54422-200F-390B-1E44-8D7F3C8BE92E}"/>
+              </a:ext>
+            </a:extLst>
+          </p:cNvPr>
+          <p:cNvSpPr>
+            <a:spLocks noGrp="1"/>
+          </p:cNvSpPr>
+          <p:nvPr>
+            <p:ph type="title"/>
+          </p:nvPr>
+        </p:nvSpPr>
+        <p:spPr/>
+        <p:txBody>
+          <a:bodyPr/>
+          <a:lstStyle/>
+          <a:p>
+            <a:r>
+              <a:rPr lang="nl-BE" dirty="0"/>
+              <a:t>Demo</a:t>
+            </a:r>
+          </a:p>
+        </p:txBody>
+      </p:sp>
+      <p:sp>
+        <p:nvSpPr>
+          <p:cNvPr id="3" name="Tijdelijke aanduiding voor inhoud 2">
+            <a:extLst>
+              <a:ext uri="{FF2B5EF4-FFF2-40B4-BE49-F238E27FC236}">
+                <a16:creationId xmlns:a16="http://schemas.microsoft.com/office/drawing/2014/main" xmlns="" id="{B0725605-6BF1-AB8E-4534-CF8AAC3DA7F6}"/>
+              </a:ext>
+            </a:extLst>
+          </p:cNvPr>
+          <p:cNvSpPr>
+            <a:spLocks noGrp="1"/>
+          </p:cNvSpPr>
+          <p:nvPr>
+            <p:ph idx="1"/>
+          </p:nvPr>
+        </p:nvSpPr>
+        <p:spPr/>
+        <p:txBody>
+          <a:bodyPr/>
+          <a:lstStyle/>
+          <a:p>
+            <a:r>
+              <a:rPr lang="nl-BE" dirty="0"/>
+              <a:t>Script</a:t>
+            </a:r>
+          </a:p>
+          <a:p>
+            <a:r>
+              <a:rPr lang="nl-BE" dirty="0"/>
+              <a:t>PXE-boot</a:t>
+            </a:r>
+          </a:p>
+          <a:p>
+            <a:r>
+              <a:rPr lang="nl-BE" dirty="0"/>
+              <a:t>Docker</a:t>
+            </a:r>
+          </a:p>
+        </p:txBody>
+      </p:sp>
+    </p:spTree>
+    <p:extLst>
+      <p:ext uri="{BB962C8B-B14F-4D97-AF65-F5344CB8AC3E}">
+        <p14:creationId xmlns:p14="http://schemas.microsoft.com/office/powerpoint/2010/main" val="2859215401"/>
+      </p:ext>
+    </p:extLst>
+  </p:cSld>
+  <p:clrMapOvr>
+    <a:masterClrMapping/>
+  </p:clrMapOvr>
+</p:sld>
+</file>
+
+<file path=ppt/slides/slide15.xml><?xml version="1.0" encoding="utf-8"?>
+<p:sld xmlns:a="http://schemas.openxmlformats.org/drawingml/2006/main" xmlns:r="http://schemas.openxmlformats.org/officeDocument/2006/relationships" xmlns:p="http://schemas.openxmlformats.org/presentationml/2006/main">
+  <p:cSld>
+    <p:spTree>
+      <p:nvGrpSpPr>
+        <p:cNvPr id="1" name=""/>
+        <p:cNvGrpSpPr/>
+        <p:nvPr/>
+      </p:nvGrpSpPr>
+      <p:grpSpPr>
+        <a:xfrm>
+          <a:off x="0" y="0"/>
+          <a:ext cx="0" cy="0"/>
+          <a:chOff x="0" y="0"/>
+          <a:chExt cx="0" cy="0"/>
+        </a:xfrm>
+      </p:grpSpPr>
+      <p:sp>
+        <p:nvSpPr>
+          <p:cNvPr id="2" name="Titel 1">
+            <a:extLst>
+              <a:ext uri="{FF2B5EF4-FFF2-40B4-BE49-F238E27FC236}">
+                <a16:creationId xmlns:a16="http://schemas.microsoft.com/office/drawing/2014/main" xmlns="" id="{6DCE6BC2-FCC8-1C7A-F5B9-58B298288E95}"/>
+              </a:ext>
+            </a:extLst>
+          </p:cNvPr>
+          <p:cNvSpPr>
+            <a:spLocks noGrp="1"/>
+          </p:cNvSpPr>
+          <p:nvPr>
+            <p:ph type="title"/>
+          </p:nvPr>
+        </p:nvSpPr>
+        <p:spPr/>
+        <p:txBody>
+          <a:bodyPr/>
+          <a:lstStyle/>
+          <a:p>
+            <a:r>
+              <a:rPr lang="nl-BE" dirty="0"/>
+              <a:t>Besluit</a:t>
+            </a:r>
+          </a:p>
+        </p:txBody>
+      </p:sp>
+      <p:sp>
+        <p:nvSpPr>
+          <p:cNvPr id="3" name="Tijdelijke aanduiding voor inhoud 2">
+            <a:extLst>
+              <a:ext uri="{FF2B5EF4-FFF2-40B4-BE49-F238E27FC236}">
+                <a16:creationId xmlns:a16="http://schemas.microsoft.com/office/drawing/2014/main" xmlns="" id="{B963BFE1-6C82-E4C3-8482-D129FE7C6828}"/>
               </a:ext>
             </a:extLst>
           </p:cNvPr>
@@ -4686,6 +5056,13 @@
   <p:clrMapOvr>
     <a:masterClrMapping/>
   </p:clrMapOvr>
+  <p:timing>
+    <p:tnLst>
+      <p:par>
+        <p:cTn id="1" dur="indefinite" restart="never" nodeType="tmRoot"/>
+      </p:par>
+    </p:tnLst>
+  </p:timing>
 </p:sld>
 </file>
 
@@ -4824,6 +5201,13 @@
   <p:clrMapOvr>
     <a:masterClrMapping/>
   </p:clrMapOvr>
+  <p:timing>
+    <p:tnLst>
+      <p:par>
+        <p:cTn id="1" dur="indefinite" restart="never" nodeType="tmRoot"/>
+      </p:par>
+    </p:tnLst>
+  </p:timing>
 </p:sld>
 </file>
 
@@ -4849,7 +5233,7 @@
           <p:cNvPr id="2" name="Titel 1">
             <a:extLst>
               <a:ext uri="{FF2B5EF4-FFF2-40B4-BE49-F238E27FC236}">
-                <a16:creationId xmlns:a16="http://schemas.microsoft.com/office/drawing/2014/main" id="{33BEE258-CFBD-51A6-AC0F-ED8F49AD3195}"/>
+                <a16:creationId xmlns:a16="http://schemas.microsoft.com/office/drawing/2014/main" xmlns="" id="{33BEE258-CFBD-51A6-AC0F-ED8F49AD3195}"/>
               </a:ext>
             </a:extLst>
           </p:cNvPr>
@@ -4877,7 +5261,7 @@
           <p:cNvPr id="3" name="Tijdelijke aanduiding voor inhoud 2">
             <a:extLst>
               <a:ext uri="{FF2B5EF4-FFF2-40B4-BE49-F238E27FC236}">
-                <a16:creationId xmlns:a16="http://schemas.microsoft.com/office/drawing/2014/main" id="{2B9BF8CB-C2D6-51EE-2634-6D720262DB13}"/>
+                <a16:creationId xmlns:a16="http://schemas.microsoft.com/office/drawing/2014/main" xmlns="" id="{2B9BF8CB-C2D6-51EE-2634-6D720262DB13}"/>
               </a:ext>
             </a:extLst>
           </p:cNvPr>
@@ -4960,6 +5344,13 @@
   <p:clrMapOvr>
     <a:masterClrMapping/>
   </p:clrMapOvr>
+  <p:timing>
+    <p:tnLst>
+      <p:par>
+        <p:cTn id="1" dur="indefinite" restart="never" nodeType="tmRoot"/>
+      </p:par>
+    </p:tnLst>
+  </p:timing>
 </p:sld>
 </file>
 
@@ -4993,10 +5384,10 @@
           <p:cNvPr id="12" name="Rectangle 11">
             <a:extLst>
               <a:ext uri="{FF2B5EF4-FFF2-40B4-BE49-F238E27FC236}">
-                <a16:creationId xmlns:a16="http://schemas.microsoft.com/office/drawing/2014/main" id="{284B70D5-875B-433D-BDBD-1522A85D6C1D}"/>
+                <a16:creationId xmlns:a16="http://schemas.microsoft.com/office/drawing/2014/main" xmlns="" id="{284B70D5-875B-433D-BDBD-1522A85D6C1D}"/>
               </a:ext>
               <a:ext uri="{C183D7F6-B498-43B3-948B-1728B52AA6E4}">
-                <adec:decorative xmlns:adec="http://schemas.microsoft.com/office/drawing/2017/decorative" val="1"/>
+                <adec:decorative xmlns:adec="http://schemas.microsoft.com/office/drawing/2017/decorative" xmlns="" val="1"/>
               </a:ext>
             </a:extLst>
           </p:cNvPr>
@@ -5006,7 +5397,7 @@
           <p:nvPr>
             <p:extLst>
               <p:ext uri="{386F3935-93C4-4BCD-93E2-E3B085C9AB24}">
-                <p16:designElem xmlns:p16="http://schemas.microsoft.com/office/powerpoint/2015/main" val="1"/>
+                <p16:designElem xmlns:p16="http://schemas.microsoft.com/office/powerpoint/2015/main" xmlns="" val="1"/>
               </p:ext>
             </p:extLst>
           </p:nvPr>
@@ -5053,7 +5444,7 @@
           <p:cNvPr id="2" name="Titel 1">
             <a:extLst>
               <a:ext uri="{FF2B5EF4-FFF2-40B4-BE49-F238E27FC236}">
-                <a16:creationId xmlns:a16="http://schemas.microsoft.com/office/drawing/2014/main" id="{B0C36400-815D-ABB3-D6A1-0664CE5CBDA1}"/>
+                <a16:creationId xmlns:a16="http://schemas.microsoft.com/office/drawing/2014/main" xmlns="" id="{B0C36400-815D-ABB3-D6A1-0664CE5CBDA1}"/>
               </a:ext>
             </a:extLst>
           </p:cNvPr>
@@ -5083,12 +5474,203 @@
           </a:p>
         </p:txBody>
       </p:sp>
+      <p:sp>
+        <p:nvSpPr>
+          <p:cNvPr id="9" name="Content Placeholder 8">
+            <a:extLst>
+              <a:ext uri="{FF2B5EF4-FFF2-40B4-BE49-F238E27FC236}">
+                <a16:creationId xmlns:a16="http://schemas.microsoft.com/office/drawing/2014/main" xmlns="" id="{1D5EF0D3-E098-4EEF-7F0B-6AE05CCE0B15}"/>
+              </a:ext>
+            </a:extLst>
+          </p:cNvPr>
+          <p:cNvSpPr>
+            <a:spLocks noGrp="1"/>
+          </p:cNvSpPr>
+          <p:nvPr>
+            <p:ph idx="1"/>
+          </p:nvPr>
+        </p:nvSpPr>
+        <p:spPr>
+          <a:xfrm>
+            <a:off x="7620001" y="2198914"/>
+            <a:ext cx="3929742" cy="3670180"/>
+          </a:xfrm>
+        </p:spPr>
+        <p:txBody>
+          <a:bodyPr>
+            <a:normAutofit lnSpcReduction="10000"/>
+          </a:bodyPr>
+          <a:lstStyle/>
+          <a:p>
+            <a:r>
+              <a:rPr lang="en-US" dirty="0"/>
+              <a:t>- </a:t>
+            </a:r>
+            <a:r>
+              <a:rPr lang="nl-BE" dirty="0"/>
+              <a:t>Geautomatiseerd</a:t>
+            </a:r>
+            <a:r>
+              <a:rPr lang="en-US" dirty="0"/>
+              <a:t> script:</a:t>
+            </a:r>
+          </a:p>
+          <a:p>
+            <a:r>
+              <a:rPr lang="en-US" dirty="0" err="1"/>
+              <a:t>Een</a:t>
+            </a:r>
+            <a:r>
+              <a:rPr lang="en-US" dirty="0"/>
+              <a:t> volledig </a:t>
+            </a:r>
+            <a:r>
+              <a:rPr lang="nl-BE" dirty="0"/>
+              <a:t>IP-adresseringsschema</a:t>
+            </a:r>
+            <a:r>
+              <a:rPr lang="en-US" dirty="0"/>
+              <a:t> </a:t>
+            </a:r>
+            <a:r>
+              <a:rPr lang="en-US" dirty="0" err="1"/>
+              <a:t>voor</a:t>
+            </a:r>
+            <a:r>
+              <a:rPr lang="en-US" dirty="0"/>
+              <a:t> alle devices </a:t>
+            </a:r>
+          </a:p>
+          <a:p>
+            <a:r>
+              <a:rPr lang="en-US" dirty="0"/>
+              <a:t>Config </a:t>
+            </a:r>
+            <a:r>
+              <a:rPr lang="en-US" dirty="0" err="1"/>
+              <a:t>voor</a:t>
+            </a:r>
+            <a:r>
+              <a:rPr lang="en-US" dirty="0"/>
+              <a:t> de routers </a:t>
+            </a:r>
+            <a:r>
+              <a:rPr lang="en-US" dirty="0" err="1"/>
+              <a:t>en</a:t>
+            </a:r>
+            <a:r>
+              <a:rPr lang="en-US" dirty="0"/>
+              <a:t> de switches</a:t>
+            </a:r>
+          </a:p>
+          <a:p>
+            <a:r>
+              <a:rPr lang="en-US" dirty="0"/>
+              <a:t>- Deployment services:</a:t>
+            </a:r>
+          </a:p>
+          <a:p>
+            <a:r>
+              <a:rPr lang="en-US" dirty="0"/>
+              <a:t>Via PXE-boot OS </a:t>
+            </a:r>
+            <a:r>
+              <a:rPr lang="en-US" dirty="0" err="1"/>
+              <a:t>pushen</a:t>
+            </a:r>
+            <a:r>
+              <a:rPr lang="en-US" dirty="0"/>
+              <a:t> </a:t>
+            </a:r>
+            <a:r>
+              <a:rPr lang="en-US" dirty="0" err="1"/>
+              <a:t>naar</a:t>
+            </a:r>
+            <a:r>
+              <a:rPr lang="en-US" dirty="0"/>
+              <a:t> de hosts pc’s</a:t>
+            </a:r>
+          </a:p>
+          <a:p>
+            <a:r>
+              <a:rPr lang="en-US" dirty="0"/>
+              <a:t>Via docker </a:t>
+            </a:r>
+            <a:r>
+              <a:rPr lang="en-US" dirty="0" err="1"/>
+              <a:t>een</a:t>
+            </a:r>
+            <a:r>
+              <a:rPr lang="en-US" dirty="0"/>
+              <a:t> image met </a:t>
+            </a:r>
+            <a:r>
+              <a:rPr lang="en-US" dirty="0" smtClean="0"/>
+              <a:t>python3 </a:t>
+            </a:r>
+            <a:r>
+              <a:rPr lang="en-US" dirty="0"/>
+              <a:t>software </a:t>
+            </a:r>
+            <a:r>
+              <a:rPr lang="en-US" dirty="0" err="1"/>
+              <a:t>pushen</a:t>
+            </a:r>
+            <a:endParaRPr lang="en-US" dirty="0"/>
+          </a:p>
+          <a:p>
+            <a:pPr marL="0" indent="0">
+              <a:buNone/>
+            </a:pPr>
+            <a:endParaRPr lang="en-US" dirty="0"/>
+          </a:p>
+          <a:p>
+            <a:pPr marL="0" indent="0">
+              <a:buNone/>
+            </a:pPr>
+            <a:endParaRPr lang="en-US" dirty="0"/>
+          </a:p>
+          <a:p>
+            <a:pPr marL="0" indent="0">
+              <a:buNone/>
+            </a:pPr>
+            <a:endParaRPr lang="en-US" dirty="0"/>
+          </a:p>
+          <a:p>
+            <a:pPr marL="0" indent="0">
+              <a:buNone/>
+            </a:pPr>
+            <a:endParaRPr lang="en-US" dirty="0"/>
+          </a:p>
+          <a:p>
+            <a:endParaRPr lang="en-US" dirty="0"/>
+          </a:p>
+          <a:p>
+            <a:endParaRPr lang="en-US" dirty="0"/>
+          </a:p>
+          <a:p>
+            <a:pPr marL="0" indent="0">
+              <a:buNone/>
+            </a:pPr>
+            <a:endParaRPr lang="en-US" dirty="0"/>
+          </a:p>
+          <a:p>
+            <a:pPr marL="0" indent="0">
+              <a:buNone/>
+            </a:pPr>
+            <a:endParaRPr lang="en-US" dirty="0"/>
+          </a:p>
+          <a:p>
+            <a:endParaRPr lang="en-US" dirty="0"/>
+          </a:p>
+        </p:txBody>
+      </p:sp>
       <p:pic>
         <p:nvPicPr>
           <p:cNvPr id="5" name="Tijdelijke aanduiding voor inhoud 4">
             <a:extLst>
               <a:ext uri="{FF2B5EF4-FFF2-40B4-BE49-F238E27FC236}">
-                <a16:creationId xmlns:a16="http://schemas.microsoft.com/office/drawing/2014/main" id="{1B53E411-4C23-54EA-5A09-67D623C2A0B7}"/>
+                <a16:creationId xmlns:a16="http://schemas.microsoft.com/office/drawing/2014/main" xmlns="" id="{1B53E411-4C23-54EA-5A09-67D623C2A0B7}"/>
               </a:ext>
             </a:extLst>
           </p:cNvPr>
@@ -5118,10 +5700,10 @@
           <p:cNvPr id="14" name="Straight Connector 13">
             <a:extLst>
               <a:ext uri="{FF2B5EF4-FFF2-40B4-BE49-F238E27FC236}">
-                <a16:creationId xmlns:a16="http://schemas.microsoft.com/office/drawing/2014/main" id="{C947DF4A-614C-4B4C-8B80-E5B9D8E8CFED}"/>
+                <a16:creationId xmlns:a16="http://schemas.microsoft.com/office/drawing/2014/main" xmlns="" id="{C947DF4A-614C-4B4C-8B80-E5B9D8E8CFED}"/>
               </a:ext>
               <a:ext uri="{C183D7F6-B498-43B3-948B-1728B52AA6E4}">
-                <adec:decorative xmlns:adec="http://schemas.microsoft.com/office/drawing/2017/decorative" val="1"/>
+                <adec:decorative xmlns:adec="http://schemas.microsoft.com/office/drawing/2017/decorative" xmlns="" val="1"/>
               </a:ext>
             </a:extLst>
           </p:cNvPr>
@@ -5131,7 +5713,7 @@
           <p:nvPr>
             <p:extLst>
               <p:ext uri="{386F3935-93C4-4BCD-93E2-E3B085C9AB24}">
-                <p16:designElem xmlns:p16="http://schemas.microsoft.com/office/powerpoint/2015/main" val="1"/>
+                <p16:designElem xmlns:p16="http://schemas.microsoft.com/office/powerpoint/2015/main" xmlns="" val="1"/>
               </p:ext>
             </p:extLst>
           </p:nvPr>
@@ -5171,206 +5753,23 @@
       </p:cxnSp>
       <p:sp>
         <p:nvSpPr>
-          <p:cNvPr id="9" name="Content Placeholder 8">
+          <p:cNvPr id="16" name="Rectangle 15">
             <a:extLst>
               <a:ext uri="{FF2B5EF4-FFF2-40B4-BE49-F238E27FC236}">
-                <a16:creationId xmlns:a16="http://schemas.microsoft.com/office/drawing/2014/main" id="{1D5EF0D3-E098-4EEF-7F0B-6AE05CCE0B15}"/>
+                <a16:creationId xmlns:a16="http://schemas.microsoft.com/office/drawing/2014/main" xmlns="" id="{1E299956-A9E7-4FC1-A0B1-D590CA9730E8}"/>
+              </a:ext>
+              <a:ext uri="{C183D7F6-B498-43B3-948B-1728B52AA6E4}">
+                <adec:decorative xmlns:adec="http://schemas.microsoft.com/office/drawing/2017/decorative" xmlns="" val="1"/>
               </a:ext>
             </a:extLst>
           </p:cNvPr>
           <p:cNvSpPr>
-            <a:spLocks noGrp="1"/>
-          </p:cNvSpPr>
-          <p:nvPr>
-            <p:ph idx="1"/>
-          </p:nvPr>
-        </p:nvSpPr>
-        <p:spPr>
-          <a:xfrm>
-            <a:off x="7620001" y="2198914"/>
-            <a:ext cx="3929742" cy="3670180"/>
-          </a:xfrm>
-        </p:spPr>
-        <p:txBody>
-          <a:bodyPr>
-            <a:normAutofit lnSpcReduction="10000"/>
-          </a:bodyPr>
-          <a:lstStyle/>
-          <a:p>
-            <a:r>
-              <a:rPr lang="en-US" dirty="0"/>
-              <a:t>- </a:t>
-            </a:r>
-            <a:r>
-              <a:rPr lang="nl-BE" dirty="0"/>
-              <a:t>Geautomatiseerd</a:t>
-            </a:r>
-            <a:r>
-              <a:rPr lang="en-US" dirty="0"/>
-              <a:t> script:</a:t>
-            </a:r>
-          </a:p>
-          <a:p>
-            <a:r>
-              <a:rPr lang="en-US" dirty="0" err="1"/>
-              <a:t>Een</a:t>
-            </a:r>
-            <a:r>
-              <a:rPr lang="en-US" dirty="0"/>
-              <a:t> volledig </a:t>
-            </a:r>
-            <a:r>
-              <a:rPr lang="nl-BE" dirty="0"/>
-              <a:t>IP-adresseringsschema</a:t>
-            </a:r>
-            <a:r>
-              <a:rPr lang="en-US" dirty="0"/>
-              <a:t> </a:t>
-            </a:r>
-            <a:r>
-              <a:rPr lang="en-US" dirty="0" err="1"/>
-              <a:t>voor</a:t>
-            </a:r>
-            <a:r>
-              <a:rPr lang="en-US" dirty="0"/>
-              <a:t> alle devices </a:t>
-            </a:r>
-          </a:p>
-          <a:p>
-            <a:r>
-              <a:rPr lang="en-US" dirty="0"/>
-              <a:t>Config </a:t>
-            </a:r>
-            <a:r>
-              <a:rPr lang="en-US" dirty="0" err="1"/>
-              <a:t>voor</a:t>
-            </a:r>
-            <a:r>
-              <a:rPr lang="en-US" dirty="0"/>
-              <a:t> de routers </a:t>
-            </a:r>
-            <a:r>
-              <a:rPr lang="en-US" dirty="0" err="1"/>
-              <a:t>en</a:t>
-            </a:r>
-            <a:r>
-              <a:rPr lang="en-US" dirty="0"/>
-              <a:t> de switches</a:t>
-            </a:r>
-          </a:p>
-          <a:p>
-            <a:r>
-              <a:rPr lang="en-US" dirty="0"/>
-              <a:t>- Deployment services:</a:t>
-            </a:r>
-          </a:p>
-          <a:p>
-            <a:r>
-              <a:rPr lang="en-US" dirty="0"/>
-              <a:t>Via PXE-boot OS </a:t>
-            </a:r>
-            <a:r>
-              <a:rPr lang="en-US" dirty="0" err="1"/>
-              <a:t>pushen</a:t>
-            </a:r>
-            <a:r>
-              <a:rPr lang="en-US" dirty="0"/>
-              <a:t> </a:t>
-            </a:r>
-            <a:r>
-              <a:rPr lang="en-US" dirty="0" err="1"/>
-              <a:t>naar</a:t>
-            </a:r>
-            <a:r>
-              <a:rPr lang="en-US" dirty="0"/>
-              <a:t> de hosts pc’s</a:t>
-            </a:r>
-          </a:p>
-          <a:p>
-            <a:r>
-              <a:rPr lang="en-US" dirty="0"/>
-              <a:t>Via docker </a:t>
-            </a:r>
-            <a:r>
-              <a:rPr lang="en-US" dirty="0" err="1"/>
-              <a:t>een</a:t>
-            </a:r>
-            <a:r>
-              <a:rPr lang="en-US" dirty="0"/>
-              <a:t> image met pyhon3 software </a:t>
-            </a:r>
-            <a:r>
-              <a:rPr lang="en-US" dirty="0" err="1"/>
-              <a:t>pushen</a:t>
-            </a:r>
-            <a:endParaRPr lang="en-US" dirty="0"/>
-          </a:p>
-          <a:p>
-            <a:pPr marL="0" indent="0">
-              <a:buNone/>
-            </a:pPr>
-            <a:endParaRPr lang="en-US" dirty="0"/>
-          </a:p>
-          <a:p>
-            <a:pPr marL="0" indent="0">
-              <a:buNone/>
-            </a:pPr>
-            <a:endParaRPr lang="en-US" dirty="0"/>
-          </a:p>
-          <a:p>
-            <a:pPr marL="0" indent="0">
-              <a:buNone/>
-            </a:pPr>
-            <a:endParaRPr lang="en-US" dirty="0"/>
-          </a:p>
-          <a:p>
-            <a:pPr marL="0" indent="0">
-              <a:buNone/>
-            </a:pPr>
-            <a:endParaRPr lang="en-US" dirty="0"/>
-          </a:p>
-          <a:p>
-            <a:endParaRPr lang="en-US" dirty="0"/>
-          </a:p>
-          <a:p>
-            <a:endParaRPr lang="en-US" dirty="0"/>
-          </a:p>
-          <a:p>
-            <a:pPr marL="0" indent="0">
-              <a:buNone/>
-            </a:pPr>
-            <a:endParaRPr lang="en-US" dirty="0"/>
-          </a:p>
-          <a:p>
-            <a:pPr marL="0" indent="0">
-              <a:buNone/>
-            </a:pPr>
-            <a:endParaRPr lang="en-US" dirty="0"/>
-          </a:p>
-          <a:p>
-            <a:endParaRPr lang="en-US" dirty="0"/>
-          </a:p>
-        </p:txBody>
-      </p:sp>
-      <p:sp>
-        <p:nvSpPr>
-          <p:cNvPr id="16" name="Rectangle 15">
-            <a:extLst>
-              <a:ext uri="{FF2B5EF4-FFF2-40B4-BE49-F238E27FC236}">
-                <a16:creationId xmlns:a16="http://schemas.microsoft.com/office/drawing/2014/main" id="{1E299956-A9E7-4FC1-A0B1-D590CA9730E8}"/>
-              </a:ext>
-              <a:ext uri="{C183D7F6-B498-43B3-948B-1728B52AA6E4}">
-                <adec:decorative xmlns:adec="http://schemas.microsoft.com/office/drawing/2017/decorative" val="1"/>
-              </a:ext>
-            </a:extLst>
-          </p:cNvPr>
-          <p:cNvSpPr>
             <a:spLocks noGrp="1" noRot="1" noChangeAspect="1" noMove="1" noResize="1" noEditPoints="1" noAdjustHandles="1" noChangeArrowheads="1" noChangeShapeType="1" noTextEdit="1"/>
           </p:cNvSpPr>
           <p:nvPr>
             <p:extLst>
               <p:ext uri="{386F3935-93C4-4BCD-93E2-E3B085C9AB24}">
-                <p16:designElem xmlns:p16="http://schemas.microsoft.com/office/powerpoint/2015/main" val="1"/>
+                <p16:designElem xmlns:p16="http://schemas.microsoft.com/office/powerpoint/2015/main" xmlns="" val="1"/>
               </p:ext>
             </p:extLst>
           </p:nvPr>
@@ -5412,10 +5811,10 @@
           <p:cNvPr id="18" name="Rectangle 17">
             <a:extLst>
               <a:ext uri="{FF2B5EF4-FFF2-40B4-BE49-F238E27FC236}">
-                <a16:creationId xmlns:a16="http://schemas.microsoft.com/office/drawing/2014/main" id="{17FC539C-B783-4B03-9F9E-D13430F3F64F}"/>
+                <a16:creationId xmlns:a16="http://schemas.microsoft.com/office/drawing/2014/main" xmlns="" id="{17FC539C-B783-4B03-9F9E-D13430F3F64F}"/>
               </a:ext>
               <a:ext uri="{C183D7F6-B498-43B3-948B-1728B52AA6E4}">
-                <adec:decorative xmlns:adec="http://schemas.microsoft.com/office/drawing/2017/decorative" val="1"/>
+                <adec:decorative xmlns:adec="http://schemas.microsoft.com/office/drawing/2017/decorative" xmlns="" val="1"/>
               </a:ext>
             </a:extLst>
           </p:cNvPr>
@@ -5425,7 +5824,7 @@
           <p:nvPr>
             <p:extLst>
               <p:ext uri="{386F3935-93C4-4BCD-93E2-E3B085C9AB24}">
-                <p16:designElem xmlns:p16="http://schemas.microsoft.com/office/powerpoint/2015/main" val="1"/>
+                <p16:designElem xmlns:p16="http://schemas.microsoft.com/office/powerpoint/2015/main" xmlns="" val="1"/>
               </p:ext>
             </p:extLst>
           </p:nvPr>
@@ -5472,6 +5871,13 @@
   <p:clrMapOvr>
     <a:masterClrMapping/>
   </p:clrMapOvr>
+  <p:timing>
+    <p:tnLst>
+      <p:par>
+        <p:cTn id="1" dur="indefinite" restart="never" nodeType="tmRoot"/>
+      </p:par>
+    </p:tnLst>
+  </p:timing>
 </p:sld>
 </file>
 
@@ -5505,7 +5911,7 @@
           <p:cNvPr id="2" name="Titel 1">
             <a:extLst>
               <a:ext uri="{FF2B5EF4-FFF2-40B4-BE49-F238E27FC236}">
-                <a16:creationId xmlns:a16="http://schemas.microsoft.com/office/drawing/2014/main" id="{3FE4B145-053D-E958-EC6A-D27D8DA621B8}"/>
+                <a16:creationId xmlns:a16="http://schemas.microsoft.com/office/drawing/2014/main" xmlns="" id="{3FE4B145-053D-E958-EC6A-D27D8DA621B8}"/>
               </a:ext>
             </a:extLst>
           </p:cNvPr>
@@ -5516,12 +5922,7 @@
             <p:ph type="title"/>
           </p:nvPr>
         </p:nvSpPr>
-        <p:spPr>
-          <a:xfrm>
-            <a:off x="1097280" y="286603"/>
-            <a:ext cx="10058400" cy="1450757"/>
-          </a:xfrm>
-        </p:spPr>
+        <p:spPr/>
         <p:txBody>
           <a:bodyPr vert="horz" lIns="91440" tIns="45720" rIns="91440" bIns="45720" rtlCol="0" anchor="b">
             <a:normAutofit/>
@@ -5540,7 +5941,7 @@
           <p:cNvPr id="8" name="Afbeelding 7" descr="Afbeelding met pijl&#10;&#10;Automatisch gegenereerde beschrijving">
             <a:extLst>
               <a:ext uri="{FF2B5EF4-FFF2-40B4-BE49-F238E27FC236}">
-                <a16:creationId xmlns:a16="http://schemas.microsoft.com/office/drawing/2014/main" id="{503873E3-C0B1-C2CC-8735-90E5C340BF23}"/>
+                <a16:creationId xmlns:a16="http://schemas.microsoft.com/office/drawing/2014/main" xmlns="" id="{503873E3-C0B1-C2CC-8735-90E5C340BF23}"/>
               </a:ext>
             </a:extLst>
           </p:cNvPr>
@@ -5570,7 +5971,7 @@
           <p:cNvPr id="9" name="Tekstvak 8">
             <a:extLst>
               <a:ext uri="{FF2B5EF4-FFF2-40B4-BE49-F238E27FC236}">
-                <a16:creationId xmlns:a16="http://schemas.microsoft.com/office/drawing/2014/main" id="{10962399-632C-FD8C-82C4-7D2939DD3448}"/>
+                <a16:creationId xmlns:a16="http://schemas.microsoft.com/office/drawing/2014/main" xmlns="" id="{10962399-632C-FD8C-82C4-7D2939DD3448}"/>
               </a:ext>
             </a:extLst>
           </p:cNvPr>
@@ -5703,7 +6104,7 @@
           <p:cNvPr id="5" name="Tekstvak 4">
             <a:extLst>
               <a:ext uri="{FF2B5EF4-FFF2-40B4-BE49-F238E27FC236}">
-                <a16:creationId xmlns:a16="http://schemas.microsoft.com/office/drawing/2014/main" id="{1516458D-F828-DAC5-E5D1-FC80439EA055}"/>
+                <a16:creationId xmlns:a16="http://schemas.microsoft.com/office/drawing/2014/main" xmlns="" id="{1516458D-F828-DAC5-E5D1-FC80439EA055}"/>
               </a:ext>
             </a:extLst>
           </p:cNvPr>
@@ -5772,7 +6173,7 @@
           <p:cNvPr id="6" name="Tekstvak 5">
             <a:extLst>
               <a:ext uri="{FF2B5EF4-FFF2-40B4-BE49-F238E27FC236}">
-                <a16:creationId xmlns:a16="http://schemas.microsoft.com/office/drawing/2014/main" id="{9F2329EE-DFDA-B646-F47C-5DB023F9E558}"/>
+                <a16:creationId xmlns:a16="http://schemas.microsoft.com/office/drawing/2014/main" xmlns="" id="{9F2329EE-DFDA-B646-F47C-5DB023F9E558}"/>
               </a:ext>
             </a:extLst>
           </p:cNvPr>
@@ -5843,7 +6244,7 @@
               <p14:cNvPr id="15" name="Inkt 14">
                 <a:extLst>
                   <a:ext uri="{FF2B5EF4-FFF2-40B4-BE49-F238E27FC236}">
-                    <a16:creationId xmlns:a16="http://schemas.microsoft.com/office/drawing/2014/main" id="{63E0BE64-5205-3BD9-7914-9297041A112D}"/>
+                    <a16:creationId xmlns:a16="http://schemas.microsoft.com/office/drawing/2014/main" xmlns="" id="{63E0BE64-5205-3BD9-7914-9297041A112D}"/>
                   </a:ext>
                 </a:extLst>
               </p14:cNvPr>
@@ -5892,7 +6293,7 @@
           <p:cNvPr id="28" name="Vermenigvuldigingsteken 27">
             <a:extLst>
               <a:ext uri="{FF2B5EF4-FFF2-40B4-BE49-F238E27FC236}">
-                <a16:creationId xmlns:a16="http://schemas.microsoft.com/office/drawing/2014/main" id="{386CB9B1-EED4-E14F-E121-8D65624C47CA}"/>
+                <a16:creationId xmlns:a16="http://schemas.microsoft.com/office/drawing/2014/main" xmlns="" id="{386CB9B1-EED4-E14F-E121-8D65624C47CA}"/>
               </a:ext>
             </a:extLst>
           </p:cNvPr>
@@ -6086,7 +6487,7 @@
           <p:cNvPr id="2" name="Titel 1">
             <a:extLst>
               <a:ext uri="{FF2B5EF4-FFF2-40B4-BE49-F238E27FC236}">
-                <a16:creationId xmlns:a16="http://schemas.microsoft.com/office/drawing/2014/main" id="{61222D61-FB80-136C-EA7C-4498181F5EC3}"/>
+                <a16:creationId xmlns:a16="http://schemas.microsoft.com/office/drawing/2014/main" xmlns="" id="{61222D61-FB80-136C-EA7C-4498181F5EC3}"/>
               </a:ext>
             </a:extLst>
           </p:cNvPr>
@@ -6114,7 +6515,7 @@
           <p:cNvPr id="5" name="Tijdelijke aanduiding voor inhoud 4">
             <a:extLst>
               <a:ext uri="{FF2B5EF4-FFF2-40B4-BE49-F238E27FC236}">
-                <a16:creationId xmlns:a16="http://schemas.microsoft.com/office/drawing/2014/main" id="{C0BB8812-5997-BA9A-BC40-7B96BCE35243}"/>
+                <a16:creationId xmlns:a16="http://schemas.microsoft.com/office/drawing/2014/main" xmlns="" id="{C0BB8812-5997-BA9A-BC40-7B96BCE35243}"/>
               </a:ext>
             </a:extLst>
           </p:cNvPr>
@@ -6133,8 +6534,8 @@
         </p:blipFill>
         <p:spPr>
           <a:xfrm>
-            <a:off x="2952864" y="1846263"/>
-            <a:ext cx="6465455" cy="4022725"/>
+            <a:off x="3036499" y="1846263"/>
+            <a:ext cx="6179328" cy="4022725"/>
           </a:xfrm>
         </p:spPr>
       </p:pic>
@@ -6148,6 +6549,13 @@
   <p:clrMapOvr>
     <a:masterClrMapping/>
   </p:clrMapOvr>
+  <p:timing>
+    <p:tnLst>
+      <p:par>
+        <p:cTn id="1" dur="indefinite" restart="never" nodeType="tmRoot"/>
+      </p:par>
+    </p:tnLst>
+  </p:timing>
 </p:sld>
 </file>
 
@@ -6173,7 +6581,7 @@
           <p:cNvPr id="2" name="Titel 1">
             <a:extLst>
               <a:ext uri="{FF2B5EF4-FFF2-40B4-BE49-F238E27FC236}">
-                <a16:creationId xmlns:a16="http://schemas.microsoft.com/office/drawing/2014/main" id="{437CA3E9-E049-BF82-8256-9488B89D6579}"/>
+                <a16:creationId xmlns:a16="http://schemas.microsoft.com/office/drawing/2014/main" xmlns="" id="{437CA3E9-E049-BF82-8256-9488B89D6579}"/>
               </a:ext>
             </a:extLst>
           </p:cNvPr>
@@ -6201,7 +6609,7 @@
           <p:cNvPr id="3" name="Tijdelijke aanduiding voor inhoud 2">
             <a:extLst>
               <a:ext uri="{FF2B5EF4-FFF2-40B4-BE49-F238E27FC236}">
-                <a16:creationId xmlns:a16="http://schemas.microsoft.com/office/drawing/2014/main" id="{78D28960-B765-7B25-FA04-FDD1ED45EF63}"/>
+                <a16:creationId xmlns:a16="http://schemas.microsoft.com/office/drawing/2014/main" xmlns="" id="{78D28960-B765-7B25-FA04-FDD1ED45EF63}"/>
               </a:ext>
             </a:extLst>
           </p:cNvPr>
@@ -6242,7 +6650,7 @@
           <p:cNvPr id="4" name="Tijdelijke aanduiding voor inhoud 4">
             <a:extLst>
               <a:ext uri="{FF2B5EF4-FFF2-40B4-BE49-F238E27FC236}">
-                <a16:creationId xmlns:a16="http://schemas.microsoft.com/office/drawing/2014/main" id="{5188A173-A41B-CD1D-B5BF-87529FB515BC}"/>
+                <a16:creationId xmlns:a16="http://schemas.microsoft.com/office/drawing/2014/main" xmlns="" id="{5188A173-A41B-CD1D-B5BF-87529FB515BC}"/>
               </a:ext>
             </a:extLst>
           </p:cNvPr>
@@ -6272,7 +6680,7 @@
           <p:cNvPr id="5" name="Afbeelding 4">
             <a:extLst>
               <a:ext uri="{FF2B5EF4-FFF2-40B4-BE49-F238E27FC236}">
-                <a16:creationId xmlns:a16="http://schemas.microsoft.com/office/drawing/2014/main" id="{B8F3C3C3-93B4-9255-2B12-269380A0EE2D}"/>
+                <a16:creationId xmlns:a16="http://schemas.microsoft.com/office/drawing/2014/main" xmlns="" id="{B8F3C3C3-93B4-9255-2B12-269380A0EE2D}"/>
               </a:ext>
             </a:extLst>
           </p:cNvPr>
@@ -6307,6 +6715,13 @@
   <p:clrMapOvr>
     <a:masterClrMapping/>
   </p:clrMapOvr>
+  <p:timing>
+    <p:tnLst>
+      <p:par>
+        <p:cTn id="1" dur="indefinite" restart="never" nodeType="tmRoot"/>
+      </p:par>
+    </p:tnLst>
+  </p:timing>
 </p:sld>
 </file>
 
@@ -6332,7 +6747,7 @@
           <p:cNvPr id="2" name="Titel 1">
             <a:extLst>
               <a:ext uri="{FF2B5EF4-FFF2-40B4-BE49-F238E27FC236}">
-                <a16:creationId xmlns:a16="http://schemas.microsoft.com/office/drawing/2014/main" id="{BE311A97-C066-5B05-482F-0E6FA4903BCF}"/>
+                <a16:creationId xmlns:a16="http://schemas.microsoft.com/office/drawing/2014/main" xmlns="" id="{BE311A97-C066-5B05-482F-0E6FA4903BCF}"/>
               </a:ext>
             </a:extLst>
           </p:cNvPr>
@@ -6343,40 +6758,105 @@
             <p:ph type="title"/>
           </p:nvPr>
         </p:nvSpPr>
-        <p:spPr/>
-        <p:txBody>
-          <a:bodyPr/>
-          <a:lstStyle/>
-          <a:p>
-            <a:r>
-              <a:rPr lang="nl-BE" dirty="0"/>
+        <p:spPr>
+          <a:xfrm>
+            <a:off x="457200" y="893379"/>
+            <a:ext cx="3200400" cy="1986980"/>
+          </a:xfrm>
+        </p:spPr>
+        <p:txBody>
+          <a:bodyPr>
+            <a:normAutofit/>
+          </a:bodyPr>
+          <a:lstStyle/>
+          <a:p>
+            <a:r>
+              <a:rPr lang="nl-BE" sz="4800" dirty="0"/>
               <a:t>Sprints</a:t>
             </a:r>
-          </a:p>
-        </p:txBody>
-      </p:sp>
-      <p:sp>
-        <p:nvSpPr>
-          <p:cNvPr id="3" name="Tijdelijke aanduiding voor inhoud 2">
+            <a:endParaRPr lang="nl-BE" sz="6000" dirty="0"/>
+          </a:p>
+        </p:txBody>
+      </p:sp>
+      <p:pic>
+        <p:nvPicPr>
+          <p:cNvPr id="7" name="Tijdelijke aanduiding voor inhoud 6"/>
+          <p:cNvPicPr>
+            <a:picLocks noGrp="1" noChangeAspect="1"/>
+          </p:cNvPicPr>
+          <p:nvPr>
+            <p:ph idx="1"/>
+          </p:nvPr>
+        </p:nvPicPr>
+        <p:blipFill rotWithShape="1">
+          <a:blip r:embed="rId2">
             <a:extLst>
-              <a:ext uri="{FF2B5EF4-FFF2-40B4-BE49-F238E27FC236}">
-                <a16:creationId xmlns:a16="http://schemas.microsoft.com/office/drawing/2014/main" id="{BBB5DA29-7692-24C6-BCFD-428E6A2BEB22}"/>
+              <a:ext uri="{28A0092B-C50C-407E-A947-70E740481C1C}">
+                <a14:useLocalDpi xmlns:a14="http://schemas.microsoft.com/office/drawing/2010/main" val="0"/>
               </a:ext>
             </a:extLst>
-          </p:cNvPr>
-          <p:cNvSpPr>
-            <a:spLocks noGrp="1"/>
-          </p:cNvSpPr>
-          <p:nvPr>
-            <p:ph idx="1"/>
+          </a:blip>
+          <a:srcRect l="1039" t="2175" r="8300" b="1410"/>
+          <a:stretch/>
+        </p:blipFill>
+        <p:spPr>
+          <a:xfrm>
+            <a:off x="4142481" y="230225"/>
+            <a:ext cx="7678164" cy="6409502"/>
+          </a:xfrm>
+        </p:spPr>
+      </p:pic>
+      <p:sp>
+        <p:nvSpPr>
+          <p:cNvPr id="5" name="Tijdelijke aanduiding voor tekst 4"/>
+          <p:cNvSpPr>
+            <a:spLocks noGrp="1"/>
+          </p:cNvSpPr>
+          <p:nvPr>
+            <p:ph type="body" sz="half" idx="2"/>
           </p:nvPr>
         </p:nvSpPr>
         <p:spPr/>
         <p:txBody>
-          <a:bodyPr/>
-          <a:lstStyle/>
-          <a:p>
-            <a:endParaRPr lang="nl-BE" dirty="0"/>
+          <a:bodyPr>
+            <a:normAutofit/>
+          </a:bodyPr>
+          <a:lstStyle/>
+          <a:p>
+            <a:pPr marL="285750" indent="-285750">
+              <a:buFont typeface="Arial" panose="020B0604020202020204" pitchFamily="34" charset="0"/>
+              <a:buChar char="•"/>
+            </a:pPr>
+            <a:r>
+              <a:rPr lang="nl-BE" sz="2000" dirty="0" smtClean="0"/>
+              <a:t>Sprint backlogs</a:t>
+            </a:r>
+          </a:p>
+          <a:p>
+            <a:pPr marL="285750" indent="-285750">
+              <a:buFont typeface="Arial" panose="020B0604020202020204" pitchFamily="34" charset="0"/>
+              <a:buChar char="•"/>
+            </a:pPr>
+            <a:r>
+              <a:rPr lang="nl-BE" sz="2000" dirty="0" smtClean="0"/>
+              <a:t>Definition of </a:t>
+            </a:r>
+            <a:r>
+              <a:rPr lang="nl-BE" sz="2000" dirty="0" err="1" smtClean="0"/>
+              <a:t>done</a:t>
+            </a:r>
+            <a:endParaRPr lang="nl-BE" sz="2000" dirty="0" smtClean="0"/>
+          </a:p>
+          <a:p>
+            <a:pPr marL="285750" indent="-285750">
+              <a:buFont typeface="Arial" panose="020B0604020202020204" pitchFamily="34" charset="0"/>
+              <a:buChar char="•"/>
+            </a:pPr>
+            <a:r>
+              <a:rPr lang="nl-BE" sz="2000" dirty="0" smtClean="0"/>
+              <a:t>Increment</a:t>
+            </a:r>
+            <a:endParaRPr lang="nl-BE" sz="2000" dirty="0"/>
           </a:p>
         </p:txBody>
       </p:sp>
@@ -6390,51 +6870,320 @@
   <p:clrMapOvr>
     <a:masterClrMapping/>
   </p:clrMapOvr>
+  <p:timing>
+    <p:tnLst>
+      <p:par>
+        <p:cTn id="1" dur="indefinite" restart="never" nodeType="tmRoot">
+          <p:childTnLst>
+            <p:seq concurrent="1" nextAc="seek">
+              <p:cTn id="2" dur="indefinite" nodeType="mainSeq">
+                <p:childTnLst>
+                  <p:par>
+                    <p:cTn id="3" fill="hold">
+                      <p:stCondLst>
+                        <p:cond delay="indefinite"/>
+                      </p:stCondLst>
+                      <p:childTnLst>
+                        <p:par>
+                          <p:cTn id="4" fill="hold">
+                            <p:stCondLst>
+                              <p:cond delay="0"/>
+                            </p:stCondLst>
+                            <p:childTnLst>
+                              <p:par>
+                                <p:cTn id="5" presetID="10" presetClass="entr" presetSubtype="0" fill="hold" nodeType="clickEffect">
+                                  <p:stCondLst>
+                                    <p:cond delay="0"/>
+                                  </p:stCondLst>
+                                  <p:childTnLst>
+                                    <p:set>
+                                      <p:cBhvr>
+                                        <p:cTn id="6" dur="1" fill="hold">
+                                          <p:stCondLst>
+                                            <p:cond delay="0"/>
+                                          </p:stCondLst>
+                                        </p:cTn>
+                                        <p:tgtEl>
+                                          <p:spTgt spid="7"/>
+                                        </p:tgtEl>
+                                        <p:attrNameLst>
+                                          <p:attrName>style.visibility</p:attrName>
+                                        </p:attrNameLst>
+                                      </p:cBhvr>
+                                      <p:to>
+                                        <p:strVal val="visible"/>
+                                      </p:to>
+                                    </p:set>
+                                    <p:animEffect transition="in" filter="fade">
+                                      <p:cBhvr>
+                                        <p:cTn id="7" dur="500"/>
+                                        <p:tgtEl>
+                                          <p:spTgt spid="7"/>
+                                        </p:tgtEl>
+                                      </p:cBhvr>
+                                    </p:animEffect>
+                                  </p:childTnLst>
+                                </p:cTn>
+                              </p:par>
+                            </p:childTnLst>
+                          </p:cTn>
+                        </p:par>
+                      </p:childTnLst>
+                    </p:cTn>
+                  </p:par>
+                  <p:par>
+                    <p:cTn id="8" fill="hold">
+                      <p:stCondLst>
+                        <p:cond delay="indefinite"/>
+                      </p:stCondLst>
+                      <p:childTnLst>
+                        <p:par>
+                          <p:cTn id="9" fill="hold">
+                            <p:stCondLst>
+                              <p:cond delay="0"/>
+                            </p:stCondLst>
+                            <p:childTnLst>
+                              <p:par>
+                                <p:cTn id="10" presetID="10" presetClass="entr" presetSubtype="0" fill="hold" grpId="0" nodeType="clickEffect">
+                                  <p:stCondLst>
+                                    <p:cond delay="0"/>
+                                  </p:stCondLst>
+                                  <p:childTnLst>
+                                    <p:set>
+                                      <p:cBhvr>
+                                        <p:cTn id="11" dur="1" fill="hold">
+                                          <p:stCondLst>
+                                            <p:cond delay="0"/>
+                                          </p:stCondLst>
+                                        </p:cTn>
+                                        <p:tgtEl>
+                                          <p:spTgt spid="5">
+                                            <p:txEl>
+                                              <p:pRg st="0" end="0"/>
+                                            </p:txEl>
+                                          </p:spTgt>
+                                        </p:tgtEl>
+                                        <p:attrNameLst>
+                                          <p:attrName>style.visibility</p:attrName>
+                                        </p:attrNameLst>
+                                      </p:cBhvr>
+                                      <p:to>
+                                        <p:strVal val="visible"/>
+                                      </p:to>
+                                    </p:set>
+                                    <p:animEffect transition="in" filter="fade">
+                                      <p:cBhvr>
+                                        <p:cTn id="12" dur="500"/>
+                                        <p:tgtEl>
+                                          <p:spTgt spid="5">
+                                            <p:txEl>
+                                              <p:pRg st="0" end="0"/>
+                                            </p:txEl>
+                                          </p:spTgt>
+                                        </p:tgtEl>
+                                      </p:cBhvr>
+                                    </p:animEffect>
+                                  </p:childTnLst>
+                                </p:cTn>
+                              </p:par>
+                            </p:childTnLst>
+                          </p:cTn>
+                        </p:par>
+                      </p:childTnLst>
+                    </p:cTn>
+                  </p:par>
+                  <p:par>
+                    <p:cTn id="13" fill="hold">
+                      <p:stCondLst>
+                        <p:cond delay="indefinite"/>
+                      </p:stCondLst>
+                      <p:childTnLst>
+                        <p:par>
+                          <p:cTn id="14" fill="hold">
+                            <p:stCondLst>
+                              <p:cond delay="0"/>
+                            </p:stCondLst>
+                            <p:childTnLst>
+                              <p:par>
+                                <p:cTn id="15" presetID="10" presetClass="entr" presetSubtype="0" fill="hold" grpId="0" nodeType="clickEffect">
+                                  <p:stCondLst>
+                                    <p:cond delay="0"/>
+                                  </p:stCondLst>
+                                  <p:childTnLst>
+                                    <p:set>
+                                      <p:cBhvr>
+                                        <p:cTn id="16" dur="1" fill="hold">
+                                          <p:stCondLst>
+                                            <p:cond delay="0"/>
+                                          </p:stCondLst>
+                                        </p:cTn>
+                                        <p:tgtEl>
+                                          <p:spTgt spid="5">
+                                            <p:txEl>
+                                              <p:pRg st="1" end="1"/>
+                                            </p:txEl>
+                                          </p:spTgt>
+                                        </p:tgtEl>
+                                        <p:attrNameLst>
+                                          <p:attrName>style.visibility</p:attrName>
+                                        </p:attrNameLst>
+                                      </p:cBhvr>
+                                      <p:to>
+                                        <p:strVal val="visible"/>
+                                      </p:to>
+                                    </p:set>
+                                    <p:animEffect transition="in" filter="fade">
+                                      <p:cBhvr>
+                                        <p:cTn id="17" dur="500"/>
+                                        <p:tgtEl>
+                                          <p:spTgt spid="5">
+                                            <p:txEl>
+                                              <p:pRg st="1" end="1"/>
+                                            </p:txEl>
+                                          </p:spTgt>
+                                        </p:tgtEl>
+                                      </p:cBhvr>
+                                    </p:animEffect>
+                                  </p:childTnLst>
+                                </p:cTn>
+                              </p:par>
+                            </p:childTnLst>
+                          </p:cTn>
+                        </p:par>
+                      </p:childTnLst>
+                    </p:cTn>
+                  </p:par>
+                  <p:par>
+                    <p:cTn id="18" fill="hold">
+                      <p:stCondLst>
+                        <p:cond delay="indefinite"/>
+                      </p:stCondLst>
+                      <p:childTnLst>
+                        <p:par>
+                          <p:cTn id="19" fill="hold">
+                            <p:stCondLst>
+                              <p:cond delay="0"/>
+                            </p:stCondLst>
+                            <p:childTnLst>
+                              <p:par>
+                                <p:cTn id="20" presetID="10" presetClass="entr" presetSubtype="0" fill="hold" grpId="0" nodeType="clickEffect">
+                                  <p:stCondLst>
+                                    <p:cond delay="0"/>
+                                  </p:stCondLst>
+                                  <p:childTnLst>
+                                    <p:set>
+                                      <p:cBhvr>
+                                        <p:cTn id="21" dur="1" fill="hold">
+                                          <p:stCondLst>
+                                            <p:cond delay="0"/>
+                                          </p:stCondLst>
+                                        </p:cTn>
+                                        <p:tgtEl>
+                                          <p:spTgt spid="5">
+                                            <p:txEl>
+                                              <p:pRg st="2" end="2"/>
+                                            </p:txEl>
+                                          </p:spTgt>
+                                        </p:tgtEl>
+                                        <p:attrNameLst>
+                                          <p:attrName>style.visibility</p:attrName>
+                                        </p:attrNameLst>
+                                      </p:cBhvr>
+                                      <p:to>
+                                        <p:strVal val="visible"/>
+                                      </p:to>
+                                    </p:set>
+                                    <p:animEffect transition="in" filter="fade">
+                                      <p:cBhvr>
+                                        <p:cTn id="22" dur="500"/>
+                                        <p:tgtEl>
+                                          <p:spTgt spid="5">
+                                            <p:txEl>
+                                              <p:pRg st="2" end="2"/>
+                                            </p:txEl>
+                                          </p:spTgt>
+                                        </p:tgtEl>
+                                      </p:cBhvr>
+                                    </p:animEffect>
+                                  </p:childTnLst>
+                                </p:cTn>
+                              </p:par>
+                            </p:childTnLst>
+                          </p:cTn>
+                        </p:par>
+                      </p:childTnLst>
+                    </p:cTn>
+                  </p:par>
+                </p:childTnLst>
+              </p:cTn>
+              <p:prevCondLst>
+                <p:cond evt="onPrev" delay="0">
+                  <p:tgtEl>
+                    <p:sldTgt/>
+                  </p:tgtEl>
+                </p:cond>
+              </p:prevCondLst>
+              <p:nextCondLst>
+                <p:cond evt="onNext" delay="0">
+                  <p:tgtEl>
+                    <p:sldTgt/>
+                  </p:tgtEl>
+                </p:cond>
+              </p:nextCondLst>
+            </p:seq>
+          </p:childTnLst>
+        </p:cTn>
+      </p:par>
+    </p:tnLst>
+    <p:bldLst>
+      <p:bldP spid="5" grpId="0" build="p"/>
+    </p:bldLst>
+  </p:timing>
 </p:sld>
 </file>
 
 <file path=ppt/theme/theme1.xml><?xml version="1.0" encoding="utf-8"?>
-<a:theme xmlns:a="http://schemas.openxmlformats.org/drawingml/2006/main" name="Retrospect">
+<a:theme xmlns:a="http://schemas.openxmlformats.org/drawingml/2006/main" name="Terugblik">
   <a:themeElements>
-    <a:clrScheme name="Retrospect">
+    <a:clrScheme name="Terugblik">
       <a:dk1>
-        <a:srgbClr val="000000"/>
+        <a:sysClr val="windowText" lastClr="000000"/>
       </a:dk1>
       <a:lt1>
         <a:sysClr val="window" lastClr="FFFFFF"/>
       </a:lt1>
       <a:dk2>
-        <a:srgbClr val="637052"/>
+        <a:srgbClr val="344068"/>
       </a:dk2>
       <a:lt2>
-        <a:srgbClr val="CCDDEA"/>
+        <a:srgbClr val="D9E0E6"/>
       </a:lt2>
       <a:accent1>
-        <a:srgbClr val="E48312"/>
+        <a:srgbClr val="1CADE4"/>
       </a:accent1>
       <a:accent2>
-        <a:srgbClr val="BD582C"/>
+        <a:srgbClr val="2683C6"/>
       </a:accent2>
       <a:accent3>
-        <a:srgbClr val="865640"/>
+        <a:srgbClr val="28C4CC"/>
       </a:accent3>
       <a:accent4>
-        <a:srgbClr val="9B8357"/>
+        <a:srgbClr val="42BA97"/>
       </a:accent4>
       <a:accent5>
-        <a:srgbClr val="C2BC80"/>
+        <a:srgbClr val="3E8853"/>
       </a:accent5>
       <a:accent6>
-        <a:srgbClr val="94A088"/>
+        <a:srgbClr val="62A39F"/>
       </a:accent6>
       <a:hlink>
-        <a:srgbClr val="2998E3"/>
+        <a:srgbClr val="6EAC1C"/>
       </a:hlink>
       <a:folHlink>
-        <a:srgbClr val="8C8C8C"/>
+        <a:srgbClr val="B26B02"/>
       </a:folHlink>
     </a:clrScheme>
-    <a:fontScheme name="Retrospect">
+    <a:fontScheme name="Terugblik">
       <a:majorFont>
         <a:latin typeface="Calibri Light" panose="020F0302020204030204"/>
         <a:ea typeface=""/>
@@ -6506,7 +7255,7 @@
         <a:font script="Geor" typeface="Sylfaen"/>
       </a:minorFont>
     </a:fontScheme>
-    <a:fmtScheme name="Retrospect">
+    <a:fmtScheme name="Terugblik">
       <a:fillStyleLst>
         <a:solidFill>
           <a:schemeClr val="phClr"/>
@@ -6670,7 +7419,7 @@
   <a:extraClrSchemeLst/>
   <a:extLst>
     <a:ext uri="{05A4C25C-085E-4340-85A3-A5531E510DB2}">
-      <thm15:themeFamily xmlns:thm15="http://schemas.microsoft.com/office/thememl/2012/main" name="Retrospect" id="{5F128B03-DCCA-4EEB-AB3B-CF2899314A46}" vid="{3F1AAB62-24C6-49D2-8E01-B56FAC9A3DCD}"/>
+      <thm15:themeFamily xmlns:thm15="http://schemas.microsoft.com/office/thememl/2012/main" name="Retrospect" id="{5F128B03-DCCA-4EEB-AB3B-CF2899314A46}" vid="{9CC26709-368C-4D72-9060-94E5B3FF3CD6}"/>
     </a:ext>
   </a:extLst>
 </a:theme>

--- a/Scrum Artifacts/Sprint5/IT-Projectwerk 2022.pptx
+++ b/Scrum Artifacts/Sprint5/IT-Projectwerk 2022.pptx
@@ -5,7 +5,7 @@
     <p:sldMasterId id="2147483672" r:id="rId1"/>
   </p:sldMasterIdLst>
   <p:notesMasterIdLst>
-    <p:notesMasterId r:id="rId17"/>
+    <p:notesMasterId r:id="rId18"/>
   </p:notesMasterIdLst>
   <p:sldIdLst>
     <p:sldId id="256" r:id="rId2"/>
@@ -20,9 +20,10 @@
     <p:sldId id="268" r:id="rId11"/>
     <p:sldId id="269" r:id="rId12"/>
     <p:sldId id="270" r:id="rId13"/>
-    <p:sldId id="262" r:id="rId14"/>
-    <p:sldId id="263" r:id="rId15"/>
-    <p:sldId id="264" r:id="rId16"/>
+    <p:sldId id="271" r:id="rId14"/>
+    <p:sldId id="262" r:id="rId15"/>
+    <p:sldId id="263" r:id="rId16"/>
+    <p:sldId id="264" r:id="rId17"/>
   </p:sldIdLst>
   <p:sldSz cx="12192000" cy="6858000"/>
   <p:notesSz cx="6858000" cy="9144000"/>
@@ -239,7 +240,7 @@
           <a:p>
             <a:fld id="{A995E84E-CDEF-4A96-A262-66E76253392E}" type="datetimeFigureOut">
               <a:rPr lang="nl-BE" smtClean="0"/>
-              <a:t>13/06/2022</a:t>
+              <a:t>14/06/2022</a:t>
             </a:fld>
             <a:endParaRPr lang="nl-BE"/>
           </a:p>
@@ -733,7 +734,7 @@
           <a:p>
             <a:fld id="{DE0F2AED-0ED5-49A6-B062-0BE42E986736}" type="datetimeFigureOut">
               <a:rPr lang="nl-BE" smtClean="0"/>
-              <a:t>13/06/2022</a:t>
+              <a:t>14/06/2022</a:t>
             </a:fld>
             <a:endParaRPr lang="nl-BE"/>
           </a:p>
@@ -941,7 +942,7 @@
           <a:p>
             <a:fld id="{DE0F2AED-0ED5-49A6-B062-0BE42E986736}" type="datetimeFigureOut">
               <a:rPr lang="nl-BE" smtClean="0"/>
-              <a:t>13/06/2022</a:t>
+              <a:t>14/06/2022</a:t>
             </a:fld>
             <a:endParaRPr lang="nl-BE"/>
           </a:p>
@@ -1197,7 +1198,7 @@
           <a:p>
             <a:fld id="{DE0F2AED-0ED5-49A6-B062-0BE42E986736}" type="datetimeFigureOut">
               <a:rPr lang="nl-BE" smtClean="0"/>
-              <a:t>13/06/2022</a:t>
+              <a:t>14/06/2022</a:t>
             </a:fld>
             <a:endParaRPr lang="nl-BE"/>
           </a:p>
@@ -1367,7 +1368,7 @@
           <a:p>
             <a:fld id="{DE0F2AED-0ED5-49A6-B062-0BE42E986736}" type="datetimeFigureOut">
               <a:rPr lang="nl-BE" smtClean="0"/>
-              <a:t>13/06/2022</a:t>
+              <a:t>14/06/2022</a:t>
             </a:fld>
             <a:endParaRPr lang="nl-BE"/>
           </a:p>
@@ -1710,7 +1711,7 @@
           <a:p>
             <a:fld id="{DE0F2AED-0ED5-49A6-B062-0BE42E986736}" type="datetimeFigureOut">
               <a:rPr lang="nl-BE" smtClean="0"/>
-              <a:t>13/06/2022</a:t>
+              <a:t>14/06/2022</a:t>
             </a:fld>
             <a:endParaRPr lang="nl-BE"/>
           </a:p>
@@ -1985,7 +1986,7 @@
           <a:p>
             <a:fld id="{DE0F2AED-0ED5-49A6-B062-0BE42E986736}" type="datetimeFigureOut">
               <a:rPr lang="nl-BE" smtClean="0"/>
-              <a:t>13/06/2022</a:t>
+              <a:t>14/06/2022</a:t>
             </a:fld>
             <a:endParaRPr lang="nl-BE"/>
           </a:p>
@@ -2364,7 +2365,7 @@
           <a:p>
             <a:fld id="{DE0F2AED-0ED5-49A6-B062-0BE42E986736}" type="datetimeFigureOut">
               <a:rPr lang="nl-BE" smtClean="0"/>
-              <a:t>13/06/2022</a:t>
+              <a:t>14/06/2022</a:t>
             </a:fld>
             <a:endParaRPr lang="nl-BE"/>
           </a:p>
@@ -2482,7 +2483,7 @@
           <a:p>
             <a:fld id="{DE0F2AED-0ED5-49A6-B062-0BE42E986736}" type="datetimeFigureOut">
               <a:rPr lang="nl-BE" smtClean="0"/>
-              <a:t>13/06/2022</a:t>
+              <a:t>14/06/2022</a:t>
             </a:fld>
             <a:endParaRPr lang="nl-BE"/>
           </a:p>
@@ -2653,7 +2654,7 @@
           <a:p>
             <a:fld id="{DE0F2AED-0ED5-49A6-B062-0BE42E986736}" type="datetimeFigureOut">
               <a:rPr lang="nl-BE" smtClean="0"/>
-              <a:t>13/06/2022</a:t>
+              <a:t>14/06/2022</a:t>
             </a:fld>
             <a:endParaRPr lang="nl-BE"/>
           </a:p>
@@ -3007,7 +3008,7 @@
           <a:p>
             <a:fld id="{DE0F2AED-0ED5-49A6-B062-0BE42E986736}" type="datetimeFigureOut">
               <a:rPr lang="nl-BE" smtClean="0"/>
-              <a:t>13/06/2022</a:t>
+              <a:t>14/06/2022</a:t>
             </a:fld>
             <a:endParaRPr lang="nl-BE"/>
           </a:p>
@@ -3384,7 +3385,7 @@
           <a:p>
             <a:fld id="{DE0F2AED-0ED5-49A6-B062-0BE42E986736}" type="datetimeFigureOut">
               <a:rPr lang="nl-BE" smtClean="0"/>
-              <a:t>13/06/2022</a:t>
+              <a:t>14/06/2022</a:t>
             </a:fld>
             <a:endParaRPr lang="nl-BE"/>
           </a:p>
@@ -3671,7 +3672,7 @@
           <a:p>
             <a:fld id="{DE0F2AED-0ED5-49A6-B062-0BE42E986736}" type="datetimeFigureOut">
               <a:rPr lang="nl-BE" smtClean="0"/>
-              <a:t>13/06/2022</a:t>
+              <a:t>14/06/2022</a:t>
             </a:fld>
             <a:endParaRPr lang="nl-BE"/>
           </a:p>
@@ -4285,7 +4286,7 @@
           <p:cNvPr id="2" name="Titel 1">
             <a:extLst>
               <a:ext uri="{FF2B5EF4-FFF2-40B4-BE49-F238E27FC236}">
-                <a16:creationId xmlns:a16="http://schemas.microsoft.com/office/drawing/2014/main" xmlns="" id="{BE311A97-C066-5B05-482F-0E6FA4903BCF}"/>
+                <a16:creationId xmlns="" xmlns:a16="http://schemas.microsoft.com/office/drawing/2014/main" id="{BE311A97-C066-5B05-482F-0E6FA4903BCF}"/>
               </a:ext>
             </a:extLst>
           </p:cNvPr>
@@ -4310,9 +4311,28 @@
           </a:p>
         </p:txBody>
       </p:sp>
+      <p:sp>
+        <p:nvSpPr>
+          <p:cNvPr id="5" name="Tijdelijke aanduiding voor tekst 4"/>
+          <p:cNvSpPr>
+            <a:spLocks noGrp="1"/>
+          </p:cNvSpPr>
+          <p:nvPr>
+            <p:ph type="body" sz="half" idx="2"/>
+          </p:nvPr>
+        </p:nvSpPr>
+        <p:spPr/>
+        <p:txBody>
+          <a:bodyPr/>
+          <a:lstStyle/>
+          <a:p>
+            <a:endParaRPr lang="nl-BE" dirty="0"/>
+          </a:p>
+        </p:txBody>
+      </p:sp>
       <p:pic>
         <p:nvPicPr>
-          <p:cNvPr id="3" name="Tijdelijke aanduiding voor inhoud 2"/>
+          <p:cNvPr id="6" name="Tijdelijke aanduiding voor inhoud 5"/>
           <p:cNvPicPr>
             <a:picLocks noGrp="1" noChangeAspect="1"/>
           </p:cNvPicPr>
@@ -4320,40 +4340,22 @@
             <p:ph idx="1"/>
           </p:nvPr>
         </p:nvPicPr>
-        <p:blipFill rotWithShape="1">
+        <p:blipFill>
           <a:blip r:embed="rId2"/>
-          <a:srcRect r="2994"/>
-          <a:stretch/>
+          <a:stretch>
+            <a:fillRect/>
+          </a:stretch>
         </p:blipFill>
         <p:spPr>
           <a:xfrm>
-            <a:off x="4138452" y="594359"/>
-            <a:ext cx="7601604" cy="3940353"/>
+            <a:off x="4212019" y="594359"/>
+            <a:ext cx="7715883" cy="3988151"/>
           </a:xfrm>
           <a:prstGeom prst="rect">
             <a:avLst/>
           </a:prstGeom>
         </p:spPr>
       </p:pic>
-      <p:sp>
-        <p:nvSpPr>
-          <p:cNvPr id="5" name="Tijdelijke aanduiding voor tekst 4"/>
-          <p:cNvSpPr>
-            <a:spLocks noGrp="1"/>
-          </p:cNvSpPr>
-          <p:nvPr>
-            <p:ph type="body" sz="half" idx="2"/>
-          </p:nvPr>
-        </p:nvSpPr>
-        <p:spPr/>
-        <p:txBody>
-          <a:bodyPr/>
-          <a:lstStyle/>
-          <a:p>
-            <a:endParaRPr lang="nl-BE" dirty="0"/>
-          </a:p>
-        </p:txBody>
-      </p:sp>
     </p:spTree>
     <p:extLst>
       <p:ext uri="{BB962C8B-B14F-4D97-AF65-F5344CB8AC3E}">
@@ -4396,7 +4398,7 @@
           <p:cNvPr id="2" name="Titel 1">
             <a:extLst>
               <a:ext uri="{FF2B5EF4-FFF2-40B4-BE49-F238E27FC236}">
-                <a16:creationId xmlns:a16="http://schemas.microsoft.com/office/drawing/2014/main" xmlns="" id="{BE311A97-C066-5B05-482F-0E6FA4903BCF}"/>
+                <a16:creationId xmlns="" xmlns:a16="http://schemas.microsoft.com/office/drawing/2014/main" id="{BE311A97-C066-5B05-482F-0E6FA4903BCF}"/>
               </a:ext>
             </a:extLst>
           </p:cNvPr>
@@ -4439,8 +4441,8 @@
         </p:blipFill>
         <p:spPr>
           <a:xfrm>
-            <a:off x="4185499" y="594359"/>
-            <a:ext cx="7702203" cy="3605900"/>
+            <a:off x="4156466" y="594359"/>
+            <a:ext cx="8035534" cy="3761954"/>
           </a:xfrm>
           <a:prstGeom prst="rect">
             <a:avLst/>
@@ -4457,9 +4459,16 @@
             <p:ph type="body" sz="half" idx="2"/>
           </p:nvPr>
         </p:nvSpPr>
-        <p:spPr/>
-        <p:txBody>
-          <a:bodyPr/>
+        <p:spPr>
+          <a:xfrm>
+            <a:off x="457200" y="2926080"/>
+            <a:ext cx="3368566" cy="3379124"/>
+          </a:xfrm>
+        </p:spPr>
+        <p:txBody>
+          <a:bodyPr>
+            <a:normAutofit/>
+          </a:bodyPr>
           <a:lstStyle/>
           <a:p>
             <a:pPr marL="285750" indent="-285750">
@@ -4467,7 +4476,7 @@
               <a:buChar char="•"/>
             </a:pPr>
             <a:r>
-              <a:rPr lang="nl-BE" dirty="0" smtClean="0"/>
+              <a:rPr lang="nl-BE" sz="2000" dirty="0"/>
               <a:t>Installatie</a:t>
             </a:r>
           </a:p>
@@ -4477,7 +4486,7 @@
               <a:buChar char="•"/>
             </a:pPr>
             <a:r>
-              <a:rPr lang="nl-BE" dirty="0" smtClean="0"/>
+              <a:rPr lang="nl-BE" sz="2000" dirty="0"/>
               <a:t>Stappenplan</a:t>
             </a:r>
           </a:p>
@@ -4487,10 +4496,10 @@
               <a:buChar char="•"/>
             </a:pPr>
             <a:r>
-              <a:rPr lang="nl-BE" dirty="0" smtClean="0"/>
+              <a:rPr lang="nl-BE" sz="2000" dirty="0"/>
               <a:t>Hervatting uit vorige sprint</a:t>
             </a:r>
-            <a:endParaRPr lang="nl-BE" dirty="0"/>
+            <a:endParaRPr lang="nl-BE" sz="2000" dirty="0"/>
           </a:p>
         </p:txBody>
       </p:sp>
@@ -4536,7 +4545,7 @@
           <p:cNvPr id="2" name="Titel 1">
             <a:extLst>
               <a:ext uri="{FF2B5EF4-FFF2-40B4-BE49-F238E27FC236}">
-                <a16:creationId xmlns:a16="http://schemas.microsoft.com/office/drawing/2014/main" xmlns="" id="{BE311A97-C066-5B05-482F-0E6FA4903BCF}"/>
+                <a16:creationId xmlns="" xmlns:a16="http://schemas.microsoft.com/office/drawing/2014/main" id="{BE311A97-C066-5B05-482F-0E6FA4903BCF}"/>
               </a:ext>
             </a:extLst>
           </p:cNvPr>
@@ -4561,9 +4570,28 @@
           </a:p>
         </p:txBody>
       </p:sp>
+      <p:sp>
+        <p:nvSpPr>
+          <p:cNvPr id="5" name="Tijdelijke aanduiding voor tekst 4"/>
+          <p:cNvSpPr>
+            <a:spLocks noGrp="1"/>
+          </p:cNvSpPr>
+          <p:nvPr>
+            <p:ph type="body" sz="half" idx="2"/>
+          </p:nvPr>
+        </p:nvSpPr>
+        <p:spPr/>
+        <p:txBody>
+          <a:bodyPr/>
+          <a:lstStyle/>
+          <a:p>
+            <a:endParaRPr lang="nl-BE" dirty="0"/>
+          </a:p>
+        </p:txBody>
+      </p:sp>
       <p:pic>
         <p:nvPicPr>
-          <p:cNvPr id="3" name="Tijdelijke aanduiding voor inhoud 2"/>
+          <p:cNvPr id="6" name="Tijdelijke aanduiding voor inhoud 5"/>
           <p:cNvPicPr>
             <a:picLocks noGrp="1" noChangeAspect="1"/>
           </p:cNvPicPr>
@@ -4571,40 +4599,22 @@
             <p:ph idx="1"/>
           </p:nvPr>
         </p:nvPicPr>
-        <p:blipFill rotWithShape="1">
+        <p:blipFill>
           <a:blip r:embed="rId2"/>
-          <a:srcRect r="30670"/>
-          <a:stretch/>
+          <a:stretch>
+            <a:fillRect/>
+          </a:stretch>
         </p:blipFill>
         <p:spPr>
           <a:xfrm>
-            <a:off x="4180491" y="594359"/>
-            <a:ext cx="6211926" cy="3827949"/>
+            <a:off x="4346526" y="1098297"/>
+            <a:ext cx="6977544" cy="3564123"/>
           </a:xfrm>
           <a:prstGeom prst="rect">
             <a:avLst/>
           </a:prstGeom>
         </p:spPr>
       </p:pic>
-      <p:sp>
-        <p:nvSpPr>
-          <p:cNvPr id="5" name="Tijdelijke aanduiding voor tekst 4"/>
-          <p:cNvSpPr>
-            <a:spLocks noGrp="1"/>
-          </p:cNvSpPr>
-          <p:nvPr>
-            <p:ph type="body" sz="half" idx="2"/>
-          </p:nvPr>
-        </p:nvSpPr>
-        <p:spPr/>
-        <p:txBody>
-          <a:bodyPr/>
-          <a:lstStyle/>
-          <a:p>
-            <a:endParaRPr lang="nl-BE" dirty="0"/>
-          </a:p>
-        </p:txBody>
-      </p:sp>
     </p:spTree>
     <p:extLst>
       <p:ext uri="{BB962C8B-B14F-4D97-AF65-F5344CB8AC3E}">
@@ -4647,7 +4657,7 @@
           <p:cNvPr id="2" name="Titel 1">
             <a:extLst>
               <a:ext uri="{FF2B5EF4-FFF2-40B4-BE49-F238E27FC236}">
-                <a16:creationId xmlns:a16="http://schemas.microsoft.com/office/drawing/2014/main" xmlns="" id="{AEC34B59-0146-C33F-CFC6-890060B52779}"/>
+                <a16:creationId xmlns="" xmlns:a16="http://schemas.microsoft.com/office/drawing/2014/main" id="{BE311A97-C066-5B05-482F-0E6FA4903BCF}"/>
               </a:ext>
             </a:extLst>
           </p:cNvPr>
@@ -4660,71 +4670,82 @@
         </p:nvSpPr>
         <p:spPr/>
         <p:txBody>
-          <a:bodyPr/>
-          <a:lstStyle/>
-          <a:p>
-            <a:r>
-              <a:rPr lang="nl-BE" dirty="0"/>
-              <a:t>Uitvoering</a:t>
-            </a:r>
-          </a:p>
-        </p:txBody>
-      </p:sp>
-      <p:sp>
-        <p:nvSpPr>
-          <p:cNvPr id="3" name="Tijdelijke aanduiding voor inhoud 2">
+          <a:bodyPr>
+            <a:normAutofit/>
+          </a:bodyPr>
+          <a:lstStyle/>
+          <a:p>
+            <a:r>
+              <a:rPr lang="nl-BE" sz="4800" dirty="0"/>
+              <a:t>Sprints</a:t>
+            </a:r>
+          </a:p>
+        </p:txBody>
+      </p:sp>
+      <p:sp>
+        <p:nvSpPr>
+          <p:cNvPr id="5" name="Tijdelijke aanduiding voor tekst 4"/>
+          <p:cNvSpPr>
+            <a:spLocks noGrp="1"/>
+          </p:cNvSpPr>
+          <p:nvPr>
+            <p:ph type="body" sz="half" idx="2"/>
+          </p:nvPr>
+        </p:nvSpPr>
+        <p:spPr/>
+        <p:txBody>
+          <a:bodyPr>
+            <a:normAutofit/>
+          </a:bodyPr>
+          <a:lstStyle/>
+          <a:p>
+            <a:pPr marL="285750" indent="-285750">
+              <a:buFont typeface="Arial" panose="020B0604020202020204" pitchFamily="34" charset="0"/>
+              <a:buChar char="•"/>
+            </a:pPr>
+            <a:r>
+              <a:rPr lang="nl-BE" sz="2000" dirty="0"/>
+              <a:t>Laatste </a:t>
+            </a:r>
+            <a:r>
+              <a:rPr lang="nl-BE" sz="2000" dirty="0"/>
+              <a:t>sprint</a:t>
+            </a:r>
+          </a:p>
+        </p:txBody>
+      </p:sp>
+      <p:pic>
+        <p:nvPicPr>
+          <p:cNvPr id="6" name="Tijdelijke aanduiding voor inhoud 5"/>
+          <p:cNvPicPr>
+            <a:picLocks noGrp="1" noChangeAspect="1"/>
+          </p:cNvPicPr>
+          <p:nvPr>
+            <p:ph idx="1"/>
+          </p:nvPr>
+        </p:nvPicPr>
+        <p:blipFill rotWithShape="1">
+          <a:blip r:embed="rId2">
             <a:extLst>
-              <a:ext uri="{FF2B5EF4-FFF2-40B4-BE49-F238E27FC236}">
-                <a16:creationId xmlns:a16="http://schemas.microsoft.com/office/drawing/2014/main" xmlns="" id="{4BE4A8C1-501E-56ED-71C8-F32C29245B80}"/>
+              <a:ext uri="{28A0092B-C50C-407E-A947-70E740481C1C}">
+                <a14:useLocalDpi xmlns:a14="http://schemas.microsoft.com/office/drawing/2010/main" val="0"/>
               </a:ext>
             </a:extLst>
-          </p:cNvPr>
-          <p:cNvSpPr>
-            <a:spLocks noGrp="1"/>
-          </p:cNvSpPr>
-          <p:nvPr>
-            <p:ph idx="1"/>
-          </p:nvPr>
-        </p:nvSpPr>
-        <p:spPr/>
-        <p:txBody>
-          <a:bodyPr/>
-          <a:lstStyle/>
-          <a:p>
-            <a:r>
-              <a:rPr lang="nl-BE" dirty="0" err="1"/>
-              <a:t>Github</a:t>
-            </a:r>
-            <a:endParaRPr lang="nl-BE" dirty="0"/>
-          </a:p>
-          <a:p>
-            <a:r>
-              <a:rPr lang="nl-BE" dirty="0"/>
-              <a:t>Visio</a:t>
-            </a:r>
-          </a:p>
-          <a:p>
-            <a:r>
-              <a:rPr lang="nl-BE" dirty="0"/>
-              <a:t>Python3</a:t>
-            </a:r>
-          </a:p>
-          <a:p>
-            <a:r>
-              <a:rPr lang="nl-BE" dirty="0" err="1"/>
-              <a:t>Notepad</a:t>
-            </a:r>
-            <a:r>
-              <a:rPr lang="nl-BE" dirty="0"/>
-              <a:t>++</a:t>
-            </a:r>
-          </a:p>
-        </p:txBody>
-      </p:sp>
+          </a:blip>
+          <a:srcRect r="29844"/>
+          <a:stretch/>
+        </p:blipFill>
+        <p:spPr>
+          <a:xfrm>
+            <a:off x="4393862" y="2087355"/>
+            <a:ext cx="6832109" cy="1677450"/>
+          </a:xfrm>
+        </p:spPr>
+      </p:pic>
     </p:spTree>
     <p:extLst>
       <p:ext uri="{BB962C8B-B14F-4D97-AF65-F5344CB8AC3E}">
-        <p14:creationId xmlns:p14="http://schemas.microsoft.com/office/powerpoint/2010/main" val="2170463598"/>
+        <p14:creationId xmlns:p14="http://schemas.microsoft.com/office/powerpoint/2010/main" val="1863300008"/>
       </p:ext>
     </p:extLst>
   </p:cSld>
@@ -4763,7 +4784,7 @@
           <p:cNvPr id="2" name="Titel 1">
             <a:extLst>
               <a:ext uri="{FF2B5EF4-FFF2-40B4-BE49-F238E27FC236}">
-                <a16:creationId xmlns:a16="http://schemas.microsoft.com/office/drawing/2014/main" xmlns="" id="{AFC54422-200F-390B-1E44-8D7F3C8BE92E}"/>
+                <a16:creationId xmlns="" xmlns:a16="http://schemas.microsoft.com/office/drawing/2014/main" id="{AEC34B59-0146-C33F-CFC6-890060B52779}"/>
               </a:ext>
             </a:extLst>
           </p:cNvPr>
@@ -4781,7 +4802,7 @@
           <a:p>
             <a:r>
               <a:rPr lang="nl-BE" dirty="0"/>
-              <a:t>Demo</a:t>
+              <a:t>Uitvoering</a:t>
             </a:r>
           </a:p>
         </p:txBody>
@@ -4791,7 +4812,7 @@
           <p:cNvPr id="3" name="Tijdelijke aanduiding voor inhoud 2">
             <a:extLst>
               <a:ext uri="{FF2B5EF4-FFF2-40B4-BE49-F238E27FC236}">
-                <a16:creationId xmlns:a16="http://schemas.microsoft.com/office/drawing/2014/main" xmlns="" id="{B0725605-6BF1-AB8E-4534-CF8AAC3DA7F6}"/>
+                <a16:creationId xmlns="" xmlns:a16="http://schemas.microsoft.com/office/drawing/2014/main" id="{4BE4A8C1-501E-56ED-71C8-F32C29245B80}"/>
               </a:ext>
             </a:extLst>
           </p:cNvPr>
@@ -4808,20 +4829,31 @@
           <a:lstStyle/>
           <a:p>
             <a:r>
+              <a:rPr lang="nl-BE" dirty="0" err="1"/>
+              <a:t>Github</a:t>
+            </a:r>
+            <a:endParaRPr lang="nl-BE" dirty="0"/>
+          </a:p>
+          <a:p>
+            <a:r>
               <a:rPr lang="nl-BE" dirty="0"/>
-              <a:t>Script</a:t>
+              <a:t>Visio</a:t>
             </a:r>
           </a:p>
           <a:p>
             <a:r>
               <a:rPr lang="nl-BE" dirty="0"/>
-              <a:t>PXE-boot</a:t>
-            </a:r>
-          </a:p>
-          <a:p>
+              <a:t>Python3</a:t>
+            </a:r>
+          </a:p>
+          <a:p>
+            <a:r>
+              <a:rPr lang="nl-BE" dirty="0" err="1"/>
+              <a:t>Notepad</a:t>
+            </a:r>
             <a:r>
               <a:rPr lang="nl-BE" dirty="0"/>
-              <a:t>Docker</a:t>
+              <a:t>++</a:t>
             </a:r>
           </a:p>
         </p:txBody>
@@ -4829,13 +4861,20 @@
     </p:spTree>
     <p:extLst>
       <p:ext uri="{BB962C8B-B14F-4D97-AF65-F5344CB8AC3E}">
-        <p14:creationId xmlns:p14="http://schemas.microsoft.com/office/powerpoint/2010/main" val="2859215401"/>
+        <p14:creationId xmlns:p14="http://schemas.microsoft.com/office/powerpoint/2010/main" val="2170463598"/>
       </p:ext>
     </p:extLst>
   </p:cSld>
   <p:clrMapOvr>
     <a:masterClrMapping/>
   </p:clrMapOvr>
+  <p:timing>
+    <p:tnLst>
+      <p:par>
+        <p:cTn id="1" dur="indefinite" restart="never" nodeType="tmRoot"/>
+      </p:par>
+    </p:tnLst>
+  </p:timing>
 </p:sld>
 </file>
 
@@ -4861,7 +4900,7 @@
           <p:cNvPr id="2" name="Titel 1">
             <a:extLst>
               <a:ext uri="{FF2B5EF4-FFF2-40B4-BE49-F238E27FC236}">
-                <a16:creationId xmlns:a16="http://schemas.microsoft.com/office/drawing/2014/main" xmlns="" id="{6DCE6BC2-FCC8-1C7A-F5B9-58B298288E95}"/>
+                <a16:creationId xmlns="" xmlns:a16="http://schemas.microsoft.com/office/drawing/2014/main" id="{AFC54422-200F-390B-1E44-8D7F3C8BE92E}"/>
               </a:ext>
             </a:extLst>
           </p:cNvPr>
@@ -4879,7 +4918,7 @@
           <a:p>
             <a:r>
               <a:rPr lang="nl-BE" dirty="0"/>
-              <a:t>Besluit</a:t>
+              <a:t>Demo</a:t>
             </a:r>
           </a:p>
         </p:txBody>
@@ -4889,7 +4928,105 @@
           <p:cNvPr id="3" name="Tijdelijke aanduiding voor inhoud 2">
             <a:extLst>
               <a:ext uri="{FF2B5EF4-FFF2-40B4-BE49-F238E27FC236}">
-                <a16:creationId xmlns:a16="http://schemas.microsoft.com/office/drawing/2014/main" xmlns="" id="{B963BFE1-6C82-E4C3-8482-D129FE7C6828}"/>
+                <a16:creationId xmlns="" xmlns:a16="http://schemas.microsoft.com/office/drawing/2014/main" id="{B0725605-6BF1-AB8E-4534-CF8AAC3DA7F6}"/>
+              </a:ext>
+            </a:extLst>
+          </p:cNvPr>
+          <p:cNvSpPr>
+            <a:spLocks noGrp="1"/>
+          </p:cNvSpPr>
+          <p:nvPr>
+            <p:ph idx="1"/>
+          </p:nvPr>
+        </p:nvSpPr>
+        <p:spPr/>
+        <p:txBody>
+          <a:bodyPr/>
+          <a:lstStyle/>
+          <a:p>
+            <a:r>
+              <a:rPr lang="nl-BE" dirty="0"/>
+              <a:t>Script</a:t>
+            </a:r>
+          </a:p>
+          <a:p>
+            <a:r>
+              <a:rPr lang="nl-BE" dirty="0"/>
+              <a:t>PXE-boot</a:t>
+            </a:r>
+          </a:p>
+          <a:p>
+            <a:r>
+              <a:rPr lang="nl-BE" dirty="0"/>
+              <a:t>Docker</a:t>
+            </a:r>
+          </a:p>
+        </p:txBody>
+      </p:sp>
+    </p:spTree>
+    <p:extLst>
+      <p:ext uri="{BB962C8B-B14F-4D97-AF65-F5344CB8AC3E}">
+        <p14:creationId xmlns:p14="http://schemas.microsoft.com/office/powerpoint/2010/main" val="2859215401"/>
+      </p:ext>
+    </p:extLst>
+  </p:cSld>
+  <p:clrMapOvr>
+    <a:masterClrMapping/>
+  </p:clrMapOvr>
+</p:sld>
+</file>
+
+<file path=ppt/slides/slide16.xml><?xml version="1.0" encoding="utf-8"?>
+<p:sld xmlns:a="http://schemas.openxmlformats.org/drawingml/2006/main" xmlns:r="http://schemas.openxmlformats.org/officeDocument/2006/relationships" xmlns:p="http://schemas.openxmlformats.org/presentationml/2006/main">
+  <p:cSld>
+    <p:spTree>
+      <p:nvGrpSpPr>
+        <p:cNvPr id="1" name=""/>
+        <p:cNvGrpSpPr/>
+        <p:nvPr/>
+      </p:nvGrpSpPr>
+      <p:grpSpPr>
+        <a:xfrm>
+          <a:off x="0" y="0"/>
+          <a:ext cx="0" cy="0"/>
+          <a:chOff x="0" y="0"/>
+          <a:chExt cx="0" cy="0"/>
+        </a:xfrm>
+      </p:grpSpPr>
+      <p:sp>
+        <p:nvSpPr>
+          <p:cNvPr id="2" name="Titel 1">
+            <a:extLst>
+              <a:ext uri="{FF2B5EF4-FFF2-40B4-BE49-F238E27FC236}">
+                <a16:creationId xmlns="" xmlns:a16="http://schemas.microsoft.com/office/drawing/2014/main" id="{6DCE6BC2-FCC8-1C7A-F5B9-58B298288E95}"/>
+              </a:ext>
+            </a:extLst>
+          </p:cNvPr>
+          <p:cNvSpPr>
+            <a:spLocks noGrp="1"/>
+          </p:cNvSpPr>
+          <p:nvPr>
+            <p:ph type="title"/>
+          </p:nvPr>
+        </p:nvSpPr>
+        <p:spPr/>
+        <p:txBody>
+          <a:bodyPr/>
+          <a:lstStyle/>
+          <a:p>
+            <a:r>
+              <a:rPr lang="nl-BE" dirty="0"/>
+              <a:t>Besluit</a:t>
+            </a:r>
+          </a:p>
+        </p:txBody>
+      </p:sp>
+      <p:sp>
+        <p:nvSpPr>
+          <p:cNvPr id="3" name="Tijdelijke aanduiding voor inhoud 2">
+            <a:extLst>
+              <a:ext uri="{FF2B5EF4-FFF2-40B4-BE49-F238E27FC236}">
+                <a16:creationId xmlns="" xmlns:a16="http://schemas.microsoft.com/office/drawing/2014/main" id="{B963BFE1-6C82-E4C3-8482-D129FE7C6828}"/>
               </a:ext>
             </a:extLst>
           </p:cNvPr>
@@ -5233,7 +5370,7 @@
           <p:cNvPr id="2" name="Titel 1">
             <a:extLst>
               <a:ext uri="{FF2B5EF4-FFF2-40B4-BE49-F238E27FC236}">
-                <a16:creationId xmlns:a16="http://schemas.microsoft.com/office/drawing/2014/main" xmlns="" id="{33BEE258-CFBD-51A6-AC0F-ED8F49AD3195}"/>
+                <a16:creationId xmlns="" xmlns:a16="http://schemas.microsoft.com/office/drawing/2014/main" id="{33BEE258-CFBD-51A6-AC0F-ED8F49AD3195}"/>
               </a:ext>
             </a:extLst>
           </p:cNvPr>
@@ -5261,7 +5398,7 @@
           <p:cNvPr id="3" name="Tijdelijke aanduiding voor inhoud 2">
             <a:extLst>
               <a:ext uri="{FF2B5EF4-FFF2-40B4-BE49-F238E27FC236}">
-                <a16:creationId xmlns:a16="http://schemas.microsoft.com/office/drawing/2014/main" xmlns="" id="{2B9BF8CB-C2D6-51EE-2634-6D720262DB13}"/>
+                <a16:creationId xmlns="" xmlns:a16="http://schemas.microsoft.com/office/drawing/2014/main" id="{2B9BF8CB-C2D6-51EE-2634-6D720262DB13}"/>
               </a:ext>
             </a:extLst>
           </p:cNvPr>
@@ -5384,10 +5521,10 @@
           <p:cNvPr id="12" name="Rectangle 11">
             <a:extLst>
               <a:ext uri="{FF2B5EF4-FFF2-40B4-BE49-F238E27FC236}">
-                <a16:creationId xmlns:a16="http://schemas.microsoft.com/office/drawing/2014/main" xmlns="" id="{284B70D5-875B-433D-BDBD-1522A85D6C1D}"/>
+                <a16:creationId xmlns="" xmlns:a16="http://schemas.microsoft.com/office/drawing/2014/main" id="{284B70D5-875B-433D-BDBD-1522A85D6C1D}"/>
               </a:ext>
               <a:ext uri="{C183D7F6-B498-43B3-948B-1728B52AA6E4}">
-                <adec:decorative xmlns:adec="http://schemas.microsoft.com/office/drawing/2017/decorative" xmlns="" val="1"/>
+                <adec:decorative xmlns="" xmlns:adec="http://schemas.microsoft.com/office/drawing/2017/decorative" val="1"/>
               </a:ext>
             </a:extLst>
           </p:cNvPr>
@@ -5397,7 +5534,7 @@
           <p:nvPr>
             <p:extLst>
               <p:ext uri="{386F3935-93C4-4BCD-93E2-E3B085C9AB24}">
-                <p16:designElem xmlns:p16="http://schemas.microsoft.com/office/powerpoint/2015/main" xmlns="" val="1"/>
+                <p16:designElem xmlns="" xmlns:p16="http://schemas.microsoft.com/office/powerpoint/2015/main" val="1"/>
               </p:ext>
             </p:extLst>
           </p:nvPr>
@@ -5444,7 +5581,7 @@
           <p:cNvPr id="2" name="Titel 1">
             <a:extLst>
               <a:ext uri="{FF2B5EF4-FFF2-40B4-BE49-F238E27FC236}">
-                <a16:creationId xmlns:a16="http://schemas.microsoft.com/office/drawing/2014/main" xmlns="" id="{B0C36400-815D-ABB3-D6A1-0664CE5CBDA1}"/>
+                <a16:creationId xmlns="" xmlns:a16="http://schemas.microsoft.com/office/drawing/2014/main" id="{B0C36400-815D-ABB3-D6A1-0664CE5CBDA1}"/>
               </a:ext>
             </a:extLst>
           </p:cNvPr>
@@ -5479,7 +5616,7 @@
           <p:cNvPr id="9" name="Content Placeholder 8">
             <a:extLst>
               <a:ext uri="{FF2B5EF4-FFF2-40B4-BE49-F238E27FC236}">
-                <a16:creationId xmlns:a16="http://schemas.microsoft.com/office/drawing/2014/main" xmlns="" id="{1D5EF0D3-E098-4EEF-7F0B-6AE05CCE0B15}"/>
+                <a16:creationId xmlns="" xmlns:a16="http://schemas.microsoft.com/office/drawing/2014/main" id="{1D5EF0D3-E098-4EEF-7F0B-6AE05CCE0B15}"/>
               </a:ext>
             </a:extLst>
           </p:cNvPr>
@@ -5670,7 +5807,7 @@
           <p:cNvPr id="5" name="Tijdelijke aanduiding voor inhoud 4">
             <a:extLst>
               <a:ext uri="{FF2B5EF4-FFF2-40B4-BE49-F238E27FC236}">
-                <a16:creationId xmlns:a16="http://schemas.microsoft.com/office/drawing/2014/main" xmlns="" id="{1B53E411-4C23-54EA-5A09-67D623C2A0B7}"/>
+                <a16:creationId xmlns="" xmlns:a16="http://schemas.microsoft.com/office/drawing/2014/main" id="{1B53E411-4C23-54EA-5A09-67D623C2A0B7}"/>
               </a:ext>
             </a:extLst>
           </p:cNvPr>
@@ -5700,10 +5837,10 @@
           <p:cNvPr id="14" name="Straight Connector 13">
             <a:extLst>
               <a:ext uri="{FF2B5EF4-FFF2-40B4-BE49-F238E27FC236}">
-                <a16:creationId xmlns:a16="http://schemas.microsoft.com/office/drawing/2014/main" xmlns="" id="{C947DF4A-614C-4B4C-8B80-E5B9D8E8CFED}"/>
+                <a16:creationId xmlns="" xmlns:a16="http://schemas.microsoft.com/office/drawing/2014/main" id="{C947DF4A-614C-4B4C-8B80-E5B9D8E8CFED}"/>
               </a:ext>
               <a:ext uri="{C183D7F6-B498-43B3-948B-1728B52AA6E4}">
-                <adec:decorative xmlns:adec="http://schemas.microsoft.com/office/drawing/2017/decorative" xmlns="" val="1"/>
+                <adec:decorative xmlns="" xmlns:adec="http://schemas.microsoft.com/office/drawing/2017/decorative" val="1"/>
               </a:ext>
             </a:extLst>
           </p:cNvPr>
@@ -5713,7 +5850,7 @@
           <p:nvPr>
             <p:extLst>
               <p:ext uri="{386F3935-93C4-4BCD-93E2-E3B085C9AB24}">
-                <p16:designElem xmlns:p16="http://schemas.microsoft.com/office/powerpoint/2015/main" xmlns="" val="1"/>
+                <p16:designElem xmlns="" xmlns:p16="http://schemas.microsoft.com/office/powerpoint/2015/main" val="1"/>
               </p:ext>
             </p:extLst>
           </p:nvPr>
@@ -5756,10 +5893,10 @@
           <p:cNvPr id="16" name="Rectangle 15">
             <a:extLst>
               <a:ext uri="{FF2B5EF4-FFF2-40B4-BE49-F238E27FC236}">
-                <a16:creationId xmlns:a16="http://schemas.microsoft.com/office/drawing/2014/main" xmlns="" id="{1E299956-A9E7-4FC1-A0B1-D590CA9730E8}"/>
+                <a16:creationId xmlns="" xmlns:a16="http://schemas.microsoft.com/office/drawing/2014/main" id="{1E299956-A9E7-4FC1-A0B1-D590CA9730E8}"/>
               </a:ext>
               <a:ext uri="{C183D7F6-B498-43B3-948B-1728B52AA6E4}">
-                <adec:decorative xmlns:adec="http://schemas.microsoft.com/office/drawing/2017/decorative" xmlns="" val="1"/>
+                <adec:decorative xmlns="" xmlns:adec="http://schemas.microsoft.com/office/drawing/2017/decorative" val="1"/>
               </a:ext>
             </a:extLst>
           </p:cNvPr>
@@ -5769,7 +5906,7 @@
           <p:nvPr>
             <p:extLst>
               <p:ext uri="{386F3935-93C4-4BCD-93E2-E3B085C9AB24}">
-                <p16:designElem xmlns:p16="http://schemas.microsoft.com/office/powerpoint/2015/main" xmlns="" val="1"/>
+                <p16:designElem xmlns="" xmlns:p16="http://schemas.microsoft.com/office/powerpoint/2015/main" val="1"/>
               </p:ext>
             </p:extLst>
           </p:nvPr>
@@ -5811,10 +5948,10 @@
           <p:cNvPr id="18" name="Rectangle 17">
             <a:extLst>
               <a:ext uri="{FF2B5EF4-FFF2-40B4-BE49-F238E27FC236}">
-                <a16:creationId xmlns:a16="http://schemas.microsoft.com/office/drawing/2014/main" xmlns="" id="{17FC539C-B783-4B03-9F9E-D13430F3F64F}"/>
+                <a16:creationId xmlns="" xmlns:a16="http://schemas.microsoft.com/office/drawing/2014/main" id="{17FC539C-B783-4B03-9F9E-D13430F3F64F}"/>
               </a:ext>
               <a:ext uri="{C183D7F6-B498-43B3-948B-1728B52AA6E4}">
-                <adec:decorative xmlns:adec="http://schemas.microsoft.com/office/drawing/2017/decorative" xmlns="" val="1"/>
+                <adec:decorative xmlns="" xmlns:adec="http://schemas.microsoft.com/office/drawing/2017/decorative" val="1"/>
               </a:ext>
             </a:extLst>
           </p:cNvPr>
@@ -5824,7 +5961,7 @@
           <p:nvPr>
             <p:extLst>
               <p:ext uri="{386F3935-93C4-4BCD-93E2-E3B085C9AB24}">
-                <p16:designElem xmlns:p16="http://schemas.microsoft.com/office/powerpoint/2015/main" xmlns="" val="1"/>
+                <p16:designElem xmlns="" xmlns:p16="http://schemas.microsoft.com/office/powerpoint/2015/main" val="1"/>
               </p:ext>
             </p:extLst>
           </p:nvPr>
@@ -5911,7 +6048,7 @@
           <p:cNvPr id="2" name="Titel 1">
             <a:extLst>
               <a:ext uri="{FF2B5EF4-FFF2-40B4-BE49-F238E27FC236}">
-                <a16:creationId xmlns:a16="http://schemas.microsoft.com/office/drawing/2014/main" xmlns="" id="{3FE4B145-053D-E958-EC6A-D27D8DA621B8}"/>
+                <a16:creationId xmlns="" xmlns:a16="http://schemas.microsoft.com/office/drawing/2014/main" id="{3FE4B145-053D-E958-EC6A-D27D8DA621B8}"/>
               </a:ext>
             </a:extLst>
           </p:cNvPr>
@@ -5941,7 +6078,7 @@
           <p:cNvPr id="8" name="Afbeelding 7" descr="Afbeelding met pijl&#10;&#10;Automatisch gegenereerde beschrijving">
             <a:extLst>
               <a:ext uri="{FF2B5EF4-FFF2-40B4-BE49-F238E27FC236}">
-                <a16:creationId xmlns:a16="http://schemas.microsoft.com/office/drawing/2014/main" xmlns="" id="{503873E3-C0B1-C2CC-8735-90E5C340BF23}"/>
+                <a16:creationId xmlns="" xmlns:a16="http://schemas.microsoft.com/office/drawing/2014/main" id="{503873E3-C0B1-C2CC-8735-90E5C340BF23}"/>
               </a:ext>
             </a:extLst>
           </p:cNvPr>
@@ -5971,7 +6108,7 @@
           <p:cNvPr id="9" name="Tekstvak 8">
             <a:extLst>
               <a:ext uri="{FF2B5EF4-FFF2-40B4-BE49-F238E27FC236}">
-                <a16:creationId xmlns:a16="http://schemas.microsoft.com/office/drawing/2014/main" xmlns="" id="{10962399-632C-FD8C-82C4-7D2939DD3448}"/>
+                <a16:creationId xmlns="" xmlns:a16="http://schemas.microsoft.com/office/drawing/2014/main" id="{10962399-632C-FD8C-82C4-7D2939DD3448}"/>
               </a:ext>
             </a:extLst>
           </p:cNvPr>
@@ -6104,7 +6241,7 @@
           <p:cNvPr id="5" name="Tekstvak 4">
             <a:extLst>
               <a:ext uri="{FF2B5EF4-FFF2-40B4-BE49-F238E27FC236}">
-                <a16:creationId xmlns:a16="http://schemas.microsoft.com/office/drawing/2014/main" xmlns="" id="{1516458D-F828-DAC5-E5D1-FC80439EA055}"/>
+                <a16:creationId xmlns="" xmlns:a16="http://schemas.microsoft.com/office/drawing/2014/main" id="{1516458D-F828-DAC5-E5D1-FC80439EA055}"/>
               </a:ext>
             </a:extLst>
           </p:cNvPr>
@@ -6173,7 +6310,7 @@
           <p:cNvPr id="6" name="Tekstvak 5">
             <a:extLst>
               <a:ext uri="{FF2B5EF4-FFF2-40B4-BE49-F238E27FC236}">
-                <a16:creationId xmlns:a16="http://schemas.microsoft.com/office/drawing/2014/main" xmlns="" id="{9F2329EE-DFDA-B646-F47C-5DB023F9E558}"/>
+                <a16:creationId xmlns="" xmlns:a16="http://schemas.microsoft.com/office/drawing/2014/main" id="{9F2329EE-DFDA-B646-F47C-5DB023F9E558}"/>
               </a:ext>
             </a:extLst>
           </p:cNvPr>
@@ -6244,7 +6381,7 @@
               <p14:cNvPr id="15" name="Inkt 14">
                 <a:extLst>
                   <a:ext uri="{FF2B5EF4-FFF2-40B4-BE49-F238E27FC236}">
-                    <a16:creationId xmlns:a16="http://schemas.microsoft.com/office/drawing/2014/main" xmlns="" id="{63E0BE64-5205-3BD9-7914-9297041A112D}"/>
+                    <a16:creationId xmlns="" xmlns:a16="http://schemas.microsoft.com/office/drawing/2014/main" id="{63E0BE64-5205-3BD9-7914-9297041A112D}"/>
                   </a:ext>
                 </a:extLst>
               </p14:cNvPr>
@@ -6293,7 +6430,7 @@
           <p:cNvPr id="28" name="Vermenigvuldigingsteken 27">
             <a:extLst>
               <a:ext uri="{FF2B5EF4-FFF2-40B4-BE49-F238E27FC236}">
-                <a16:creationId xmlns:a16="http://schemas.microsoft.com/office/drawing/2014/main" xmlns="" id="{386CB9B1-EED4-E14F-E121-8D65624C47CA}"/>
+                <a16:creationId xmlns="" xmlns:a16="http://schemas.microsoft.com/office/drawing/2014/main" id="{386CB9B1-EED4-E14F-E121-8D65624C47CA}"/>
               </a:ext>
             </a:extLst>
           </p:cNvPr>
@@ -6487,7 +6624,7 @@
           <p:cNvPr id="2" name="Titel 1">
             <a:extLst>
               <a:ext uri="{FF2B5EF4-FFF2-40B4-BE49-F238E27FC236}">
-                <a16:creationId xmlns:a16="http://schemas.microsoft.com/office/drawing/2014/main" xmlns="" id="{61222D61-FB80-136C-EA7C-4498181F5EC3}"/>
+                <a16:creationId xmlns="" xmlns:a16="http://schemas.microsoft.com/office/drawing/2014/main" id="{61222D61-FB80-136C-EA7C-4498181F5EC3}"/>
               </a:ext>
             </a:extLst>
           </p:cNvPr>
@@ -6515,7 +6652,7 @@
           <p:cNvPr id="5" name="Tijdelijke aanduiding voor inhoud 4">
             <a:extLst>
               <a:ext uri="{FF2B5EF4-FFF2-40B4-BE49-F238E27FC236}">
-                <a16:creationId xmlns:a16="http://schemas.microsoft.com/office/drawing/2014/main" xmlns="" id="{C0BB8812-5997-BA9A-BC40-7B96BCE35243}"/>
+                <a16:creationId xmlns="" xmlns:a16="http://schemas.microsoft.com/office/drawing/2014/main" id="{C0BB8812-5997-BA9A-BC40-7B96BCE35243}"/>
               </a:ext>
             </a:extLst>
           </p:cNvPr>
@@ -6581,7 +6718,7 @@
           <p:cNvPr id="2" name="Titel 1">
             <a:extLst>
               <a:ext uri="{FF2B5EF4-FFF2-40B4-BE49-F238E27FC236}">
-                <a16:creationId xmlns:a16="http://schemas.microsoft.com/office/drawing/2014/main" xmlns="" id="{437CA3E9-E049-BF82-8256-9488B89D6579}"/>
+                <a16:creationId xmlns="" xmlns:a16="http://schemas.microsoft.com/office/drawing/2014/main" id="{437CA3E9-E049-BF82-8256-9488B89D6579}"/>
               </a:ext>
             </a:extLst>
           </p:cNvPr>
@@ -6609,7 +6746,7 @@
           <p:cNvPr id="3" name="Tijdelijke aanduiding voor inhoud 2">
             <a:extLst>
               <a:ext uri="{FF2B5EF4-FFF2-40B4-BE49-F238E27FC236}">
-                <a16:creationId xmlns:a16="http://schemas.microsoft.com/office/drawing/2014/main" xmlns="" id="{78D28960-B765-7B25-FA04-FDD1ED45EF63}"/>
+                <a16:creationId xmlns="" xmlns:a16="http://schemas.microsoft.com/office/drawing/2014/main" id="{78D28960-B765-7B25-FA04-FDD1ED45EF63}"/>
               </a:ext>
             </a:extLst>
           </p:cNvPr>
@@ -6650,7 +6787,7 @@
           <p:cNvPr id="4" name="Tijdelijke aanduiding voor inhoud 4">
             <a:extLst>
               <a:ext uri="{FF2B5EF4-FFF2-40B4-BE49-F238E27FC236}">
-                <a16:creationId xmlns:a16="http://schemas.microsoft.com/office/drawing/2014/main" xmlns="" id="{5188A173-A41B-CD1D-B5BF-87529FB515BC}"/>
+                <a16:creationId xmlns="" xmlns:a16="http://schemas.microsoft.com/office/drawing/2014/main" id="{5188A173-A41B-CD1D-B5BF-87529FB515BC}"/>
               </a:ext>
             </a:extLst>
           </p:cNvPr>
@@ -6680,7 +6817,7 @@
           <p:cNvPr id="5" name="Afbeelding 4">
             <a:extLst>
               <a:ext uri="{FF2B5EF4-FFF2-40B4-BE49-F238E27FC236}">
-                <a16:creationId xmlns:a16="http://schemas.microsoft.com/office/drawing/2014/main" xmlns="" id="{B8F3C3C3-93B4-9255-2B12-269380A0EE2D}"/>
+                <a16:creationId xmlns="" xmlns:a16="http://schemas.microsoft.com/office/drawing/2014/main" id="{B8F3C3C3-93B4-9255-2B12-269380A0EE2D}"/>
               </a:ext>
             </a:extLst>
           </p:cNvPr>
@@ -6747,7 +6884,7 @@
           <p:cNvPr id="2" name="Titel 1">
             <a:extLst>
               <a:ext uri="{FF2B5EF4-FFF2-40B4-BE49-F238E27FC236}">
-                <a16:creationId xmlns:a16="http://schemas.microsoft.com/office/drawing/2014/main" xmlns="" id="{BE311A97-C066-5B05-482F-0E6FA4903BCF}"/>
+                <a16:creationId xmlns="" xmlns:a16="http://schemas.microsoft.com/office/drawing/2014/main" id="{BE311A97-C066-5B05-482F-0E6FA4903BCF}"/>
               </a:ext>
             </a:extLst>
           </p:cNvPr>
@@ -6778,34 +6915,6 @@
           </a:p>
         </p:txBody>
       </p:sp>
-      <p:pic>
-        <p:nvPicPr>
-          <p:cNvPr id="7" name="Tijdelijke aanduiding voor inhoud 6"/>
-          <p:cNvPicPr>
-            <a:picLocks noGrp="1" noChangeAspect="1"/>
-          </p:cNvPicPr>
-          <p:nvPr>
-            <p:ph idx="1"/>
-          </p:nvPr>
-        </p:nvPicPr>
-        <p:blipFill rotWithShape="1">
-          <a:blip r:embed="rId2">
-            <a:extLst>
-              <a:ext uri="{28A0092B-C50C-407E-A947-70E740481C1C}">
-                <a14:useLocalDpi xmlns:a14="http://schemas.microsoft.com/office/drawing/2010/main" val="0"/>
-              </a:ext>
-            </a:extLst>
-          </a:blip>
-          <a:srcRect l="1039" t="2175" r="8300" b="1410"/>
-          <a:stretch/>
-        </p:blipFill>
-        <p:spPr>
-          <a:xfrm>
-            <a:off x="4142481" y="230225"/>
-            <a:ext cx="7678164" cy="6409502"/>
-          </a:xfrm>
-        </p:spPr>
-      </p:pic>
       <p:sp>
         <p:nvSpPr>
           <p:cNvPr id="5" name="Tijdelijke aanduiding voor tekst 4"/>
@@ -6860,6 +6969,32 @@
           </a:p>
         </p:txBody>
       </p:sp>
+      <p:pic>
+        <p:nvPicPr>
+          <p:cNvPr id="4" name="Tijdelijke aanduiding voor inhoud 3"/>
+          <p:cNvPicPr>
+            <a:picLocks noGrp="1" noChangeAspect="1"/>
+          </p:cNvPicPr>
+          <p:nvPr>
+            <p:ph idx="1"/>
+          </p:nvPr>
+        </p:nvPicPr>
+        <p:blipFill>
+          <a:blip r:embed="rId2"/>
+          <a:stretch>
+            <a:fillRect/>
+          </a:stretch>
+        </p:blipFill>
+        <p:spPr>
+          <a:xfrm>
+            <a:off x="4438785" y="143258"/>
+            <a:ext cx="6660139" cy="6628871"/>
+          </a:xfrm>
+          <a:prstGeom prst="rect">
+            <a:avLst/>
+          </a:prstGeom>
+        </p:spPr>
+      </p:pic>
     </p:spTree>
     <p:extLst>
       <p:ext uri="{BB962C8B-B14F-4D97-AF65-F5344CB8AC3E}">
@@ -6891,7 +7026,7 @@
                             </p:stCondLst>
                             <p:childTnLst>
                               <p:par>
-                                <p:cTn id="5" presetID="10" presetClass="entr" presetSubtype="0" fill="hold" nodeType="clickEffect">
+                                <p:cTn id="5" presetID="10" presetClass="entr" presetSubtype="0" fill="hold" grpId="0" nodeType="clickEffect">
                                   <p:stCondLst>
                                     <p:cond delay="0"/>
                                   </p:stCondLst>
@@ -6904,7 +7039,11 @@
                                           </p:stCondLst>
                                         </p:cTn>
                                         <p:tgtEl>
-                                          <p:spTgt spid="7"/>
+                                          <p:spTgt spid="5">
+                                            <p:txEl>
+                                              <p:pRg st="0" end="0"/>
+                                            </p:txEl>
+                                          </p:spTgt>
                                         </p:tgtEl>
                                         <p:attrNameLst>
                                           <p:attrName>style.visibility</p:attrName>
@@ -6918,7 +7057,11 @@
                                       <p:cBhvr>
                                         <p:cTn id="7" dur="500"/>
                                         <p:tgtEl>
-                                          <p:spTgt spid="7"/>
+                                          <p:spTgt spid="5">
+                                            <p:txEl>
+                                              <p:pRg st="0" end="0"/>
+                                            </p:txEl>
+                                          </p:spTgt>
                                         </p:tgtEl>
                                       </p:cBhvr>
                                     </p:animEffect>
@@ -6959,7 +7102,7 @@
                                         <p:tgtEl>
                                           <p:spTgt spid="5">
                                             <p:txEl>
-                                              <p:pRg st="0" end="0"/>
+                                              <p:pRg st="1" end="1"/>
                                             </p:txEl>
                                           </p:spTgt>
                                         </p:tgtEl>
@@ -6977,7 +7120,7 @@
                                         <p:tgtEl>
                                           <p:spTgt spid="5">
                                             <p:txEl>
-                                              <p:pRg st="0" end="0"/>
+                                              <p:pRg st="1" end="1"/>
                                             </p:txEl>
                                           </p:spTgt>
                                         </p:tgtEl>
@@ -7020,7 +7163,7 @@
                                         <p:tgtEl>
                                           <p:spTgt spid="5">
                                             <p:txEl>
-                                              <p:pRg st="1" end="1"/>
+                                              <p:pRg st="2" end="2"/>
                                             </p:txEl>
                                           </p:spTgt>
                                         </p:tgtEl>
@@ -7035,67 +7178,6 @@
                                     <p:animEffect transition="in" filter="fade">
                                       <p:cBhvr>
                                         <p:cTn id="17" dur="500"/>
-                                        <p:tgtEl>
-                                          <p:spTgt spid="5">
-                                            <p:txEl>
-                                              <p:pRg st="1" end="1"/>
-                                            </p:txEl>
-                                          </p:spTgt>
-                                        </p:tgtEl>
-                                      </p:cBhvr>
-                                    </p:animEffect>
-                                  </p:childTnLst>
-                                </p:cTn>
-                              </p:par>
-                            </p:childTnLst>
-                          </p:cTn>
-                        </p:par>
-                      </p:childTnLst>
-                    </p:cTn>
-                  </p:par>
-                  <p:par>
-                    <p:cTn id="18" fill="hold">
-                      <p:stCondLst>
-                        <p:cond delay="indefinite"/>
-                      </p:stCondLst>
-                      <p:childTnLst>
-                        <p:par>
-                          <p:cTn id="19" fill="hold">
-                            <p:stCondLst>
-                              <p:cond delay="0"/>
-                            </p:stCondLst>
-                            <p:childTnLst>
-                              <p:par>
-                                <p:cTn id="20" presetID="10" presetClass="entr" presetSubtype="0" fill="hold" grpId="0" nodeType="clickEffect">
-                                  <p:stCondLst>
-                                    <p:cond delay="0"/>
-                                  </p:stCondLst>
-                                  <p:childTnLst>
-                                    <p:set>
-                                      <p:cBhvr>
-                                        <p:cTn id="21" dur="1" fill="hold">
-                                          <p:stCondLst>
-                                            <p:cond delay="0"/>
-                                          </p:stCondLst>
-                                        </p:cTn>
-                                        <p:tgtEl>
-                                          <p:spTgt spid="5">
-                                            <p:txEl>
-                                              <p:pRg st="2" end="2"/>
-                                            </p:txEl>
-                                          </p:spTgt>
-                                        </p:tgtEl>
-                                        <p:attrNameLst>
-                                          <p:attrName>style.visibility</p:attrName>
-                                        </p:attrNameLst>
-                                      </p:cBhvr>
-                                      <p:to>
-                                        <p:strVal val="visible"/>
-                                      </p:to>
-                                    </p:set>
-                                    <p:animEffect transition="in" filter="fade">
-                                      <p:cBhvr>
-                                        <p:cTn id="22" dur="500"/>
                                         <p:tgtEl>
                                           <p:spTgt spid="5">
                                             <p:txEl>

--- a/Scrum Artifacts/Sprint5/IT-Projectwerk 2022.pptx
+++ b/Scrum Artifacts/Sprint5/IT-Projectwerk 2022.pptx
@@ -240,7 +240,7 @@
           <a:p>
             <a:fld id="{A995E84E-CDEF-4A96-A262-66E76253392E}" type="datetimeFigureOut">
               <a:rPr lang="nl-BE" smtClean="0"/>
-              <a:t>14/06/2022</a:t>
+              <a:t>15/06/2022</a:t>
             </a:fld>
             <a:endParaRPr lang="nl-BE"/>
           </a:p>
@@ -734,7 +734,7 @@
           <a:p>
             <a:fld id="{DE0F2AED-0ED5-49A6-B062-0BE42E986736}" type="datetimeFigureOut">
               <a:rPr lang="nl-BE" smtClean="0"/>
-              <a:t>14/06/2022</a:t>
+              <a:t>15/06/2022</a:t>
             </a:fld>
             <a:endParaRPr lang="nl-BE"/>
           </a:p>
@@ -942,7 +942,7 @@
           <a:p>
             <a:fld id="{DE0F2AED-0ED5-49A6-B062-0BE42E986736}" type="datetimeFigureOut">
               <a:rPr lang="nl-BE" smtClean="0"/>
-              <a:t>14/06/2022</a:t>
+              <a:t>15/06/2022</a:t>
             </a:fld>
             <a:endParaRPr lang="nl-BE"/>
           </a:p>
@@ -1198,7 +1198,7 @@
           <a:p>
             <a:fld id="{DE0F2AED-0ED5-49A6-B062-0BE42E986736}" type="datetimeFigureOut">
               <a:rPr lang="nl-BE" smtClean="0"/>
-              <a:t>14/06/2022</a:t>
+              <a:t>15/06/2022</a:t>
             </a:fld>
             <a:endParaRPr lang="nl-BE"/>
           </a:p>
@@ -1368,7 +1368,7 @@
           <a:p>
             <a:fld id="{DE0F2AED-0ED5-49A6-B062-0BE42E986736}" type="datetimeFigureOut">
               <a:rPr lang="nl-BE" smtClean="0"/>
-              <a:t>14/06/2022</a:t>
+              <a:t>15/06/2022</a:t>
             </a:fld>
             <a:endParaRPr lang="nl-BE"/>
           </a:p>
@@ -1711,7 +1711,7 @@
           <a:p>
             <a:fld id="{DE0F2AED-0ED5-49A6-B062-0BE42E986736}" type="datetimeFigureOut">
               <a:rPr lang="nl-BE" smtClean="0"/>
-              <a:t>14/06/2022</a:t>
+              <a:t>15/06/2022</a:t>
             </a:fld>
             <a:endParaRPr lang="nl-BE"/>
           </a:p>
@@ -1986,7 +1986,7 @@
           <a:p>
             <a:fld id="{DE0F2AED-0ED5-49A6-B062-0BE42E986736}" type="datetimeFigureOut">
               <a:rPr lang="nl-BE" smtClean="0"/>
-              <a:t>14/06/2022</a:t>
+              <a:t>15/06/2022</a:t>
             </a:fld>
             <a:endParaRPr lang="nl-BE"/>
           </a:p>
@@ -2365,7 +2365,7 @@
           <a:p>
             <a:fld id="{DE0F2AED-0ED5-49A6-B062-0BE42E986736}" type="datetimeFigureOut">
               <a:rPr lang="nl-BE" smtClean="0"/>
-              <a:t>14/06/2022</a:t>
+              <a:t>15/06/2022</a:t>
             </a:fld>
             <a:endParaRPr lang="nl-BE"/>
           </a:p>
@@ -2483,7 +2483,7 @@
           <a:p>
             <a:fld id="{DE0F2AED-0ED5-49A6-B062-0BE42E986736}" type="datetimeFigureOut">
               <a:rPr lang="nl-BE" smtClean="0"/>
-              <a:t>14/06/2022</a:t>
+              <a:t>15/06/2022</a:t>
             </a:fld>
             <a:endParaRPr lang="nl-BE"/>
           </a:p>
@@ -2654,7 +2654,7 @@
           <a:p>
             <a:fld id="{DE0F2AED-0ED5-49A6-B062-0BE42E986736}" type="datetimeFigureOut">
               <a:rPr lang="nl-BE" smtClean="0"/>
-              <a:t>14/06/2022</a:t>
+              <a:t>15/06/2022</a:t>
             </a:fld>
             <a:endParaRPr lang="nl-BE"/>
           </a:p>
@@ -3008,7 +3008,7 @@
           <a:p>
             <a:fld id="{DE0F2AED-0ED5-49A6-B062-0BE42E986736}" type="datetimeFigureOut">
               <a:rPr lang="nl-BE" smtClean="0"/>
-              <a:t>14/06/2022</a:t>
+              <a:t>15/06/2022</a:t>
             </a:fld>
             <a:endParaRPr lang="nl-BE"/>
           </a:p>
@@ -3385,7 +3385,7 @@
           <a:p>
             <a:fld id="{DE0F2AED-0ED5-49A6-B062-0BE42E986736}" type="datetimeFigureOut">
               <a:rPr lang="nl-BE" smtClean="0"/>
-              <a:t>14/06/2022</a:t>
+              <a:t>15/06/2022</a:t>
             </a:fld>
             <a:endParaRPr lang="nl-BE"/>
           </a:p>
@@ -3672,7 +3672,7 @@
           <a:p>
             <a:fld id="{DE0F2AED-0ED5-49A6-B062-0BE42E986736}" type="datetimeFigureOut">
               <a:rPr lang="nl-BE" smtClean="0"/>
-              <a:t>14/06/2022</a:t>
+              <a:t>15/06/2022</a:t>
             </a:fld>
             <a:endParaRPr lang="nl-BE"/>
           </a:p>
@@ -4286,7 +4286,7 @@
           <p:cNvPr id="2" name="Titel 1">
             <a:extLst>
               <a:ext uri="{FF2B5EF4-FFF2-40B4-BE49-F238E27FC236}">
-                <a16:creationId xmlns="" xmlns:a16="http://schemas.microsoft.com/office/drawing/2014/main" id="{BE311A97-C066-5B05-482F-0E6FA4903BCF}"/>
+                <a16:creationId xmlns:a16="http://schemas.microsoft.com/office/drawing/2014/main" id="{BE311A97-C066-5B05-482F-0E6FA4903BCF}"/>
               </a:ext>
             </a:extLst>
           </p:cNvPr>
@@ -4398,7 +4398,7 @@
           <p:cNvPr id="2" name="Titel 1">
             <a:extLst>
               <a:ext uri="{FF2B5EF4-FFF2-40B4-BE49-F238E27FC236}">
-                <a16:creationId xmlns="" xmlns:a16="http://schemas.microsoft.com/office/drawing/2014/main" id="{BE311A97-C066-5B05-482F-0E6FA4903BCF}"/>
+                <a16:creationId xmlns:a16="http://schemas.microsoft.com/office/drawing/2014/main" id="{BE311A97-C066-5B05-482F-0E6FA4903BCF}"/>
               </a:ext>
             </a:extLst>
           </p:cNvPr>
@@ -4499,7 +4499,6 @@
               <a:rPr lang="nl-BE" sz="2000" dirty="0"/>
               <a:t>Hervatting uit vorige sprint</a:t>
             </a:r>
-            <a:endParaRPr lang="nl-BE" sz="2000" dirty="0"/>
           </a:p>
         </p:txBody>
       </p:sp>
@@ -4545,7 +4544,7 @@
           <p:cNvPr id="2" name="Titel 1">
             <a:extLst>
               <a:ext uri="{FF2B5EF4-FFF2-40B4-BE49-F238E27FC236}">
-                <a16:creationId xmlns="" xmlns:a16="http://schemas.microsoft.com/office/drawing/2014/main" id="{BE311A97-C066-5B05-482F-0E6FA4903BCF}"/>
+                <a16:creationId xmlns:a16="http://schemas.microsoft.com/office/drawing/2014/main" id="{BE311A97-C066-5B05-482F-0E6FA4903BCF}"/>
               </a:ext>
             </a:extLst>
           </p:cNvPr>
@@ -4657,7 +4656,7 @@
           <p:cNvPr id="2" name="Titel 1">
             <a:extLst>
               <a:ext uri="{FF2B5EF4-FFF2-40B4-BE49-F238E27FC236}">
-                <a16:creationId xmlns="" xmlns:a16="http://schemas.microsoft.com/office/drawing/2014/main" id="{BE311A97-C066-5B05-482F-0E6FA4903BCF}"/>
+                <a16:creationId xmlns:a16="http://schemas.microsoft.com/office/drawing/2014/main" id="{BE311A97-C066-5B05-482F-0E6FA4903BCF}"/>
               </a:ext>
             </a:extLst>
           </p:cNvPr>
@@ -4705,11 +4704,7 @@
             </a:pPr>
             <a:r>
               <a:rPr lang="nl-BE" sz="2000" dirty="0"/>
-              <a:t>Laatste </a:t>
-            </a:r>
-            <a:r>
-              <a:rPr lang="nl-BE" sz="2000" dirty="0"/>
-              <a:t>sprint</a:t>
+              <a:t>Laatste sprint</a:t>
             </a:r>
           </a:p>
         </p:txBody>
@@ -4784,7 +4779,7 @@
           <p:cNvPr id="2" name="Titel 1">
             <a:extLst>
               <a:ext uri="{FF2B5EF4-FFF2-40B4-BE49-F238E27FC236}">
-                <a16:creationId xmlns="" xmlns:a16="http://schemas.microsoft.com/office/drawing/2014/main" id="{AEC34B59-0146-C33F-CFC6-890060B52779}"/>
+                <a16:creationId xmlns:a16="http://schemas.microsoft.com/office/drawing/2014/main" id="{AEC34B59-0146-C33F-CFC6-890060B52779}"/>
               </a:ext>
             </a:extLst>
           </p:cNvPr>
@@ -4801,63 +4796,192 @@
           <a:lstStyle/>
           <a:p>
             <a:r>
-              <a:rPr lang="nl-BE" dirty="0"/>
-              <a:t>Uitvoering</a:t>
-            </a:r>
-          </a:p>
-        </p:txBody>
-      </p:sp>
-      <p:sp>
-        <p:nvSpPr>
-          <p:cNvPr id="3" name="Tijdelijke aanduiding voor inhoud 2">
+              <a:rPr lang="nl-BE" dirty="0" smtClean="0"/>
+              <a:t>Werkwijze</a:t>
+            </a:r>
+            <a:endParaRPr lang="nl-BE" dirty="0"/>
+          </a:p>
+        </p:txBody>
+      </p:sp>
+      <p:pic>
+        <p:nvPicPr>
+          <p:cNvPr id="4" name="Tijdelijke aanduiding voor inhoud 3"/>
+          <p:cNvPicPr>
+            <a:picLocks noGrp="1" noChangeAspect="1"/>
+          </p:cNvPicPr>
+          <p:nvPr>
+            <p:ph idx="1"/>
+          </p:nvPr>
+        </p:nvPicPr>
+        <p:blipFill>
+          <a:blip r:embed="rId2">
             <a:extLst>
-              <a:ext uri="{FF2B5EF4-FFF2-40B4-BE49-F238E27FC236}">
-                <a16:creationId xmlns="" xmlns:a16="http://schemas.microsoft.com/office/drawing/2014/main" id="{4BE4A8C1-501E-56ED-71C8-F32C29245B80}"/>
+              <a:ext uri="{28A0092B-C50C-407E-A947-70E740481C1C}">
+                <a14:useLocalDpi xmlns:a14="http://schemas.microsoft.com/office/drawing/2010/main" val="0"/>
               </a:ext>
             </a:extLst>
-          </p:cNvPr>
-          <p:cNvSpPr>
-            <a:spLocks noGrp="1"/>
-          </p:cNvSpPr>
-          <p:nvPr>
-            <p:ph idx="1"/>
-          </p:nvPr>
-        </p:nvSpPr>
-        <p:spPr/>
-        <p:txBody>
-          <a:bodyPr/>
-          <a:lstStyle/>
-          <a:p>
-            <a:r>
-              <a:rPr lang="nl-BE" dirty="0" err="1"/>
-              <a:t>Github</a:t>
-            </a:r>
-            <a:endParaRPr lang="nl-BE" dirty="0"/>
-          </a:p>
-          <a:p>
-            <a:r>
-              <a:rPr lang="nl-BE" dirty="0"/>
-              <a:t>Visio</a:t>
-            </a:r>
-          </a:p>
-          <a:p>
-            <a:r>
-              <a:rPr lang="nl-BE" dirty="0"/>
-              <a:t>Python3</a:t>
-            </a:r>
-          </a:p>
-          <a:p>
-            <a:r>
-              <a:rPr lang="nl-BE" dirty="0" err="1"/>
-              <a:t>Notepad</a:t>
-            </a:r>
-            <a:r>
-              <a:rPr lang="nl-BE" dirty="0"/>
-              <a:t>++</a:t>
-            </a:r>
-          </a:p>
-        </p:txBody>
-      </p:sp>
+          </a:blip>
+          <a:stretch>
+            <a:fillRect/>
+          </a:stretch>
+        </p:blipFill>
+        <p:spPr>
+          <a:xfrm>
+            <a:off x="3851315" y="1808536"/>
+            <a:ext cx="1702481" cy="1621058"/>
+          </a:xfrm>
+        </p:spPr>
+      </p:pic>
+      <p:pic>
+        <p:nvPicPr>
+          <p:cNvPr id="5" name="Afbeelding 4"/>
+          <p:cNvPicPr>
+            <a:picLocks noChangeAspect="1"/>
+          </p:cNvPicPr>
+          <p:nvPr/>
+        </p:nvPicPr>
+        <p:blipFill>
+          <a:blip r:embed="rId3">
+            <a:extLst>
+              <a:ext uri="{28A0092B-C50C-407E-A947-70E740481C1C}">
+                <a14:useLocalDpi xmlns:a14="http://schemas.microsoft.com/office/drawing/2010/main" val="0"/>
+              </a:ext>
+            </a:extLst>
+          </a:blip>
+          <a:stretch>
+            <a:fillRect/>
+          </a:stretch>
+        </p:blipFill>
+        <p:spPr>
+          <a:xfrm>
+            <a:off x="8482280" y="1931993"/>
+            <a:ext cx="1726899" cy="1497601"/>
+          </a:xfrm>
+          <a:prstGeom prst="rect">
+            <a:avLst/>
+          </a:prstGeom>
+        </p:spPr>
+      </p:pic>
+      <p:pic>
+        <p:nvPicPr>
+          <p:cNvPr id="7" name="Afbeelding 6"/>
+          <p:cNvPicPr>
+            <a:picLocks noChangeAspect="1"/>
+          </p:cNvPicPr>
+          <p:nvPr/>
+        </p:nvPicPr>
+        <p:blipFill>
+          <a:blip r:embed="rId4">
+            <a:extLst>
+              <a:ext uri="{28A0092B-C50C-407E-A947-70E740481C1C}">
+                <a14:useLocalDpi xmlns:a14="http://schemas.microsoft.com/office/drawing/2010/main" val="0"/>
+              </a:ext>
+            </a:extLst>
+          </a:blip>
+          <a:stretch>
+            <a:fillRect/>
+          </a:stretch>
+        </p:blipFill>
+        <p:spPr>
+          <a:xfrm>
+            <a:off x="6126480" y="1676385"/>
+            <a:ext cx="1885360" cy="1885360"/>
+          </a:xfrm>
+          <a:prstGeom prst="rect">
+            <a:avLst/>
+          </a:prstGeom>
+        </p:spPr>
+      </p:pic>
+      <p:pic>
+        <p:nvPicPr>
+          <p:cNvPr id="8" name="Afbeelding 7"/>
+          <p:cNvPicPr>
+            <a:picLocks noChangeAspect="1"/>
+          </p:cNvPicPr>
+          <p:nvPr/>
+        </p:nvPicPr>
+        <p:blipFill>
+          <a:blip r:embed="rId5" cstate="print">
+            <a:extLst>
+              <a:ext uri="{28A0092B-C50C-407E-A947-70E740481C1C}">
+                <a14:useLocalDpi xmlns:a14="http://schemas.microsoft.com/office/drawing/2010/main" val="0"/>
+              </a:ext>
+            </a:extLst>
+          </a:blip>
+          <a:stretch>
+            <a:fillRect/>
+          </a:stretch>
+        </p:blipFill>
+        <p:spPr>
+          <a:xfrm>
+            <a:off x="396213" y="1849950"/>
+            <a:ext cx="3328290" cy="1872163"/>
+          </a:xfrm>
+          <a:prstGeom prst="rect">
+            <a:avLst/>
+          </a:prstGeom>
+        </p:spPr>
+      </p:pic>
+      <p:pic>
+        <p:nvPicPr>
+          <p:cNvPr id="9" name="Afbeelding 8"/>
+          <p:cNvPicPr>
+            <a:picLocks noChangeAspect="1"/>
+          </p:cNvPicPr>
+          <p:nvPr/>
+        </p:nvPicPr>
+        <p:blipFill>
+          <a:blip r:embed="rId6" cstate="print">
+            <a:extLst>
+              <a:ext uri="{28A0092B-C50C-407E-A947-70E740481C1C}">
+                <a14:useLocalDpi xmlns:a14="http://schemas.microsoft.com/office/drawing/2010/main" val="0"/>
+              </a:ext>
+            </a:extLst>
+          </a:blip>
+          <a:stretch>
+            <a:fillRect/>
+          </a:stretch>
+        </p:blipFill>
+        <p:spPr>
+          <a:xfrm>
+            <a:off x="3373139" y="3968841"/>
+            <a:ext cx="2078491" cy="2078491"/>
+          </a:xfrm>
+          <a:prstGeom prst="rect">
+            <a:avLst/>
+          </a:prstGeom>
+        </p:spPr>
+      </p:pic>
+      <p:pic>
+        <p:nvPicPr>
+          <p:cNvPr id="10" name="Afbeelding 9"/>
+          <p:cNvPicPr>
+            <a:picLocks noChangeAspect="1"/>
+          </p:cNvPicPr>
+          <p:nvPr/>
+        </p:nvPicPr>
+        <p:blipFill>
+          <a:blip r:embed="rId7">
+            <a:extLst>
+              <a:ext uri="{28A0092B-C50C-407E-A947-70E740481C1C}">
+                <a14:useLocalDpi xmlns:a14="http://schemas.microsoft.com/office/drawing/2010/main" val="0"/>
+              </a:ext>
+            </a:extLst>
+          </a:blip>
+          <a:stretch>
+            <a:fillRect/>
+          </a:stretch>
+        </p:blipFill>
+        <p:spPr>
+          <a:xfrm>
+            <a:off x="6153817" y="3642330"/>
+            <a:ext cx="2405002" cy="2405002"/>
+          </a:xfrm>
+          <a:prstGeom prst="rect">
+            <a:avLst/>
+          </a:prstGeom>
+        </p:spPr>
+      </p:pic>
     </p:spTree>
     <p:extLst>
       <p:ext uri="{BB962C8B-B14F-4D97-AF65-F5344CB8AC3E}">
@@ -4900,7 +5024,7 @@
           <p:cNvPr id="2" name="Titel 1">
             <a:extLst>
               <a:ext uri="{FF2B5EF4-FFF2-40B4-BE49-F238E27FC236}">
-                <a16:creationId xmlns="" xmlns:a16="http://schemas.microsoft.com/office/drawing/2014/main" id="{AFC54422-200F-390B-1E44-8D7F3C8BE92E}"/>
+                <a16:creationId xmlns:a16="http://schemas.microsoft.com/office/drawing/2014/main" id="{AFC54422-200F-390B-1E44-8D7F3C8BE92E}"/>
               </a:ext>
             </a:extLst>
           </p:cNvPr>
@@ -4928,7 +5052,7 @@
           <p:cNvPr id="3" name="Tijdelijke aanduiding voor inhoud 2">
             <a:extLst>
               <a:ext uri="{FF2B5EF4-FFF2-40B4-BE49-F238E27FC236}">
-                <a16:creationId xmlns="" xmlns:a16="http://schemas.microsoft.com/office/drawing/2014/main" id="{B0725605-6BF1-AB8E-4534-CF8AAC3DA7F6}"/>
+                <a16:creationId xmlns:a16="http://schemas.microsoft.com/office/drawing/2014/main" id="{B0725605-6BF1-AB8E-4534-CF8AAC3DA7F6}"/>
               </a:ext>
             </a:extLst>
           </p:cNvPr>
@@ -4944,22 +5068,7 @@
           <a:bodyPr/>
           <a:lstStyle/>
           <a:p>
-            <a:r>
-              <a:rPr lang="nl-BE" dirty="0"/>
-              <a:t>Script</a:t>
-            </a:r>
-          </a:p>
-          <a:p>
-            <a:r>
-              <a:rPr lang="nl-BE" dirty="0"/>
-              <a:t>PXE-boot</a:t>
-            </a:r>
-          </a:p>
-          <a:p>
-            <a:r>
-              <a:rPr lang="nl-BE" dirty="0"/>
-              <a:t>Docker</a:t>
-            </a:r>
+            <a:endParaRPr lang="nl-BE" dirty="0"/>
           </a:p>
         </p:txBody>
       </p:sp>
@@ -4998,7 +5107,7 @@
           <p:cNvPr id="2" name="Titel 1">
             <a:extLst>
               <a:ext uri="{FF2B5EF4-FFF2-40B4-BE49-F238E27FC236}">
-                <a16:creationId xmlns="" xmlns:a16="http://schemas.microsoft.com/office/drawing/2014/main" id="{6DCE6BC2-FCC8-1C7A-F5B9-58B298288E95}"/>
+                <a16:creationId xmlns:a16="http://schemas.microsoft.com/office/drawing/2014/main" id="{6DCE6BC2-FCC8-1C7A-F5B9-58B298288E95}"/>
               </a:ext>
             </a:extLst>
           </p:cNvPr>
@@ -5021,53 +5130,35 @@
           </a:p>
         </p:txBody>
       </p:sp>
-      <p:sp>
-        <p:nvSpPr>
-          <p:cNvPr id="3" name="Tijdelijke aanduiding voor inhoud 2">
+      <p:pic>
+        <p:nvPicPr>
+          <p:cNvPr id="4" name="Tijdelijke aanduiding voor inhoud 3"/>
+          <p:cNvPicPr>
+            <a:picLocks noGrp="1" noChangeAspect="1"/>
+          </p:cNvPicPr>
+          <p:nvPr>
+            <p:ph idx="1"/>
+          </p:nvPr>
+        </p:nvPicPr>
+        <p:blipFill>
+          <a:blip r:embed="rId2">
             <a:extLst>
-              <a:ext uri="{FF2B5EF4-FFF2-40B4-BE49-F238E27FC236}">
-                <a16:creationId xmlns="" xmlns:a16="http://schemas.microsoft.com/office/drawing/2014/main" id="{B963BFE1-6C82-E4C3-8482-D129FE7C6828}"/>
+              <a:ext uri="{28A0092B-C50C-407E-A947-70E740481C1C}">
+                <a14:useLocalDpi xmlns:a14="http://schemas.microsoft.com/office/drawing/2010/main" val="0"/>
               </a:ext>
             </a:extLst>
-          </p:cNvPr>
-          <p:cNvSpPr>
-            <a:spLocks noGrp="1"/>
-          </p:cNvSpPr>
-          <p:nvPr>
-            <p:ph idx="1"/>
-          </p:nvPr>
-        </p:nvSpPr>
-        <p:spPr/>
-        <p:txBody>
-          <a:bodyPr/>
-          <a:lstStyle/>
-          <a:p>
-            <a:r>
-              <a:rPr lang="nl-BE" dirty="0"/>
-              <a:t>Product</a:t>
-            </a:r>
-          </a:p>
-          <a:p>
-            <a:r>
-              <a:rPr lang="nl-BE" dirty="0"/>
-              <a:t>Sterke punten</a:t>
-            </a:r>
-          </a:p>
-          <a:p>
-            <a:r>
-              <a:rPr lang="nl-BE" dirty="0"/>
-              <a:t>Werkpunten</a:t>
-            </a:r>
-          </a:p>
-          <a:p>
-            <a:r>
-              <a:rPr lang="nl-BE"/>
-              <a:t>Revisie</a:t>
-            </a:r>
-            <a:endParaRPr lang="nl-BE" dirty="0"/>
-          </a:p>
-        </p:txBody>
-      </p:sp>
+          </a:blip>
+          <a:stretch>
+            <a:fillRect/>
+          </a:stretch>
+        </p:blipFill>
+        <p:spPr>
+          <a:xfrm>
+            <a:off x="2920582" y="1737360"/>
+            <a:ext cx="6902148" cy="4601433"/>
+          </a:xfrm>
+        </p:spPr>
+      </p:pic>
     </p:spTree>
     <p:extLst>
       <p:ext uri="{BB962C8B-B14F-4D97-AF65-F5344CB8AC3E}">
@@ -5370,7 +5461,7 @@
           <p:cNvPr id="2" name="Titel 1">
             <a:extLst>
               <a:ext uri="{FF2B5EF4-FFF2-40B4-BE49-F238E27FC236}">
-                <a16:creationId xmlns="" xmlns:a16="http://schemas.microsoft.com/office/drawing/2014/main" id="{33BEE258-CFBD-51A6-AC0F-ED8F49AD3195}"/>
+                <a16:creationId xmlns:a16="http://schemas.microsoft.com/office/drawing/2014/main" id="{33BEE258-CFBD-51A6-AC0F-ED8F49AD3195}"/>
               </a:ext>
             </a:extLst>
           </p:cNvPr>
@@ -5398,7 +5489,7 @@
           <p:cNvPr id="3" name="Tijdelijke aanduiding voor inhoud 2">
             <a:extLst>
               <a:ext uri="{FF2B5EF4-FFF2-40B4-BE49-F238E27FC236}">
-                <a16:creationId xmlns="" xmlns:a16="http://schemas.microsoft.com/office/drawing/2014/main" id="{2B9BF8CB-C2D6-51EE-2634-6D720262DB13}"/>
+                <a16:creationId xmlns:a16="http://schemas.microsoft.com/office/drawing/2014/main" id="{2B9BF8CB-C2D6-51EE-2634-6D720262DB13}"/>
               </a:ext>
             </a:extLst>
           </p:cNvPr>
@@ -5521,10 +5612,10 @@
           <p:cNvPr id="12" name="Rectangle 11">
             <a:extLst>
               <a:ext uri="{FF2B5EF4-FFF2-40B4-BE49-F238E27FC236}">
-                <a16:creationId xmlns="" xmlns:a16="http://schemas.microsoft.com/office/drawing/2014/main" id="{284B70D5-875B-433D-BDBD-1522A85D6C1D}"/>
+                <a16:creationId xmlns:a16="http://schemas.microsoft.com/office/drawing/2014/main" id="{284B70D5-875B-433D-BDBD-1522A85D6C1D}"/>
               </a:ext>
               <a:ext uri="{C183D7F6-B498-43B3-948B-1728B52AA6E4}">
-                <adec:decorative xmlns="" xmlns:adec="http://schemas.microsoft.com/office/drawing/2017/decorative" val="1"/>
+                <adec:decorative xmlns:adec="http://schemas.microsoft.com/office/drawing/2017/decorative" xmlns="" val="1"/>
               </a:ext>
             </a:extLst>
           </p:cNvPr>
@@ -5534,7 +5625,7 @@
           <p:nvPr>
             <p:extLst>
               <p:ext uri="{386F3935-93C4-4BCD-93E2-E3B085C9AB24}">
-                <p16:designElem xmlns="" xmlns:p16="http://schemas.microsoft.com/office/powerpoint/2015/main" val="1"/>
+                <p16:designElem xmlns:p16="http://schemas.microsoft.com/office/powerpoint/2015/main" val="1"/>
               </p:ext>
             </p:extLst>
           </p:nvPr>
@@ -5581,7 +5672,7 @@
           <p:cNvPr id="2" name="Titel 1">
             <a:extLst>
               <a:ext uri="{FF2B5EF4-FFF2-40B4-BE49-F238E27FC236}">
-                <a16:creationId xmlns="" xmlns:a16="http://schemas.microsoft.com/office/drawing/2014/main" id="{B0C36400-815D-ABB3-D6A1-0664CE5CBDA1}"/>
+                <a16:creationId xmlns:a16="http://schemas.microsoft.com/office/drawing/2014/main" id="{B0C36400-815D-ABB3-D6A1-0664CE5CBDA1}"/>
               </a:ext>
             </a:extLst>
           </p:cNvPr>
@@ -5616,7 +5707,7 @@
           <p:cNvPr id="9" name="Content Placeholder 8">
             <a:extLst>
               <a:ext uri="{FF2B5EF4-FFF2-40B4-BE49-F238E27FC236}">
-                <a16:creationId xmlns="" xmlns:a16="http://schemas.microsoft.com/office/drawing/2014/main" id="{1D5EF0D3-E098-4EEF-7F0B-6AE05CCE0B15}"/>
+                <a16:creationId xmlns:a16="http://schemas.microsoft.com/office/drawing/2014/main" id="{1D5EF0D3-E098-4EEF-7F0B-6AE05CCE0B15}"/>
               </a:ext>
             </a:extLst>
           </p:cNvPr>
@@ -5807,7 +5898,7 @@
           <p:cNvPr id="5" name="Tijdelijke aanduiding voor inhoud 4">
             <a:extLst>
               <a:ext uri="{FF2B5EF4-FFF2-40B4-BE49-F238E27FC236}">
-                <a16:creationId xmlns="" xmlns:a16="http://schemas.microsoft.com/office/drawing/2014/main" id="{1B53E411-4C23-54EA-5A09-67D623C2A0B7}"/>
+                <a16:creationId xmlns:a16="http://schemas.microsoft.com/office/drawing/2014/main" id="{1B53E411-4C23-54EA-5A09-67D623C2A0B7}"/>
               </a:ext>
             </a:extLst>
           </p:cNvPr>
@@ -5837,10 +5928,10 @@
           <p:cNvPr id="14" name="Straight Connector 13">
             <a:extLst>
               <a:ext uri="{FF2B5EF4-FFF2-40B4-BE49-F238E27FC236}">
-                <a16:creationId xmlns="" xmlns:a16="http://schemas.microsoft.com/office/drawing/2014/main" id="{C947DF4A-614C-4B4C-8B80-E5B9D8E8CFED}"/>
+                <a16:creationId xmlns:a16="http://schemas.microsoft.com/office/drawing/2014/main" id="{C947DF4A-614C-4B4C-8B80-E5B9D8E8CFED}"/>
               </a:ext>
               <a:ext uri="{C183D7F6-B498-43B3-948B-1728B52AA6E4}">
-                <adec:decorative xmlns="" xmlns:adec="http://schemas.microsoft.com/office/drawing/2017/decorative" val="1"/>
+                <adec:decorative xmlns:adec="http://schemas.microsoft.com/office/drawing/2017/decorative" xmlns="" val="1"/>
               </a:ext>
             </a:extLst>
           </p:cNvPr>
@@ -5850,7 +5941,7 @@
           <p:nvPr>
             <p:extLst>
               <p:ext uri="{386F3935-93C4-4BCD-93E2-E3B085C9AB24}">
-                <p16:designElem xmlns="" xmlns:p16="http://schemas.microsoft.com/office/powerpoint/2015/main" val="1"/>
+                <p16:designElem xmlns:p16="http://schemas.microsoft.com/office/powerpoint/2015/main" val="1"/>
               </p:ext>
             </p:extLst>
           </p:nvPr>
@@ -5893,10 +5984,10 @@
           <p:cNvPr id="16" name="Rectangle 15">
             <a:extLst>
               <a:ext uri="{FF2B5EF4-FFF2-40B4-BE49-F238E27FC236}">
-                <a16:creationId xmlns="" xmlns:a16="http://schemas.microsoft.com/office/drawing/2014/main" id="{1E299956-A9E7-4FC1-A0B1-D590CA9730E8}"/>
+                <a16:creationId xmlns:a16="http://schemas.microsoft.com/office/drawing/2014/main" id="{1E299956-A9E7-4FC1-A0B1-D590CA9730E8}"/>
               </a:ext>
               <a:ext uri="{C183D7F6-B498-43B3-948B-1728B52AA6E4}">
-                <adec:decorative xmlns="" xmlns:adec="http://schemas.microsoft.com/office/drawing/2017/decorative" val="1"/>
+                <adec:decorative xmlns:adec="http://schemas.microsoft.com/office/drawing/2017/decorative" xmlns="" val="1"/>
               </a:ext>
             </a:extLst>
           </p:cNvPr>
@@ -5906,7 +5997,7 @@
           <p:nvPr>
             <p:extLst>
               <p:ext uri="{386F3935-93C4-4BCD-93E2-E3B085C9AB24}">
-                <p16:designElem xmlns="" xmlns:p16="http://schemas.microsoft.com/office/powerpoint/2015/main" val="1"/>
+                <p16:designElem xmlns:p16="http://schemas.microsoft.com/office/powerpoint/2015/main" val="1"/>
               </p:ext>
             </p:extLst>
           </p:nvPr>
@@ -5948,10 +6039,10 @@
           <p:cNvPr id="18" name="Rectangle 17">
             <a:extLst>
               <a:ext uri="{FF2B5EF4-FFF2-40B4-BE49-F238E27FC236}">
-                <a16:creationId xmlns="" xmlns:a16="http://schemas.microsoft.com/office/drawing/2014/main" id="{17FC539C-B783-4B03-9F9E-D13430F3F64F}"/>
+                <a16:creationId xmlns:a16="http://schemas.microsoft.com/office/drawing/2014/main" id="{17FC539C-B783-4B03-9F9E-D13430F3F64F}"/>
               </a:ext>
               <a:ext uri="{C183D7F6-B498-43B3-948B-1728B52AA6E4}">
-                <adec:decorative xmlns="" xmlns:adec="http://schemas.microsoft.com/office/drawing/2017/decorative" val="1"/>
+                <adec:decorative xmlns:adec="http://schemas.microsoft.com/office/drawing/2017/decorative" xmlns="" val="1"/>
               </a:ext>
             </a:extLst>
           </p:cNvPr>
@@ -5961,7 +6052,7 @@
           <p:nvPr>
             <p:extLst>
               <p:ext uri="{386F3935-93C4-4BCD-93E2-E3B085C9AB24}">
-                <p16:designElem xmlns="" xmlns:p16="http://schemas.microsoft.com/office/powerpoint/2015/main" val="1"/>
+                <p16:designElem xmlns:p16="http://schemas.microsoft.com/office/powerpoint/2015/main" val="1"/>
               </p:ext>
             </p:extLst>
           </p:nvPr>
@@ -6048,7 +6139,7 @@
           <p:cNvPr id="2" name="Titel 1">
             <a:extLst>
               <a:ext uri="{FF2B5EF4-FFF2-40B4-BE49-F238E27FC236}">
-                <a16:creationId xmlns="" xmlns:a16="http://schemas.microsoft.com/office/drawing/2014/main" id="{3FE4B145-053D-E958-EC6A-D27D8DA621B8}"/>
+                <a16:creationId xmlns:a16="http://schemas.microsoft.com/office/drawing/2014/main" id="{3FE4B145-053D-E958-EC6A-D27D8DA621B8}"/>
               </a:ext>
             </a:extLst>
           </p:cNvPr>
@@ -6078,7 +6169,7 @@
           <p:cNvPr id="8" name="Afbeelding 7" descr="Afbeelding met pijl&#10;&#10;Automatisch gegenereerde beschrijving">
             <a:extLst>
               <a:ext uri="{FF2B5EF4-FFF2-40B4-BE49-F238E27FC236}">
-                <a16:creationId xmlns="" xmlns:a16="http://schemas.microsoft.com/office/drawing/2014/main" id="{503873E3-C0B1-C2CC-8735-90E5C340BF23}"/>
+                <a16:creationId xmlns:a16="http://schemas.microsoft.com/office/drawing/2014/main" id="{503873E3-C0B1-C2CC-8735-90E5C340BF23}"/>
               </a:ext>
             </a:extLst>
           </p:cNvPr>
@@ -6108,7 +6199,7 @@
           <p:cNvPr id="9" name="Tekstvak 8">
             <a:extLst>
               <a:ext uri="{FF2B5EF4-FFF2-40B4-BE49-F238E27FC236}">
-                <a16:creationId xmlns="" xmlns:a16="http://schemas.microsoft.com/office/drawing/2014/main" id="{10962399-632C-FD8C-82C4-7D2939DD3448}"/>
+                <a16:creationId xmlns:a16="http://schemas.microsoft.com/office/drawing/2014/main" id="{10962399-632C-FD8C-82C4-7D2939DD3448}"/>
               </a:ext>
             </a:extLst>
           </p:cNvPr>
@@ -6241,7 +6332,7 @@
           <p:cNvPr id="5" name="Tekstvak 4">
             <a:extLst>
               <a:ext uri="{FF2B5EF4-FFF2-40B4-BE49-F238E27FC236}">
-                <a16:creationId xmlns="" xmlns:a16="http://schemas.microsoft.com/office/drawing/2014/main" id="{1516458D-F828-DAC5-E5D1-FC80439EA055}"/>
+                <a16:creationId xmlns:a16="http://schemas.microsoft.com/office/drawing/2014/main" id="{1516458D-F828-DAC5-E5D1-FC80439EA055}"/>
               </a:ext>
             </a:extLst>
           </p:cNvPr>
@@ -6310,7 +6401,7 @@
           <p:cNvPr id="6" name="Tekstvak 5">
             <a:extLst>
               <a:ext uri="{FF2B5EF4-FFF2-40B4-BE49-F238E27FC236}">
-                <a16:creationId xmlns="" xmlns:a16="http://schemas.microsoft.com/office/drawing/2014/main" id="{9F2329EE-DFDA-B646-F47C-5DB023F9E558}"/>
+                <a16:creationId xmlns:a16="http://schemas.microsoft.com/office/drawing/2014/main" id="{9F2329EE-DFDA-B646-F47C-5DB023F9E558}"/>
               </a:ext>
             </a:extLst>
           </p:cNvPr>
@@ -6381,7 +6472,7 @@
               <p14:cNvPr id="15" name="Inkt 14">
                 <a:extLst>
                   <a:ext uri="{FF2B5EF4-FFF2-40B4-BE49-F238E27FC236}">
-                    <a16:creationId xmlns="" xmlns:a16="http://schemas.microsoft.com/office/drawing/2014/main" id="{63E0BE64-5205-3BD9-7914-9297041A112D}"/>
+                    <a16:creationId xmlns:a16="http://schemas.microsoft.com/office/drawing/2014/main" id="{63E0BE64-5205-3BD9-7914-9297041A112D}"/>
                   </a:ext>
                 </a:extLst>
               </p14:cNvPr>
@@ -6430,7 +6521,7 @@
           <p:cNvPr id="28" name="Vermenigvuldigingsteken 27">
             <a:extLst>
               <a:ext uri="{FF2B5EF4-FFF2-40B4-BE49-F238E27FC236}">
-                <a16:creationId xmlns="" xmlns:a16="http://schemas.microsoft.com/office/drawing/2014/main" id="{386CB9B1-EED4-E14F-E121-8D65624C47CA}"/>
+                <a16:creationId xmlns:a16="http://schemas.microsoft.com/office/drawing/2014/main" id="{386CB9B1-EED4-E14F-E121-8D65624C47CA}"/>
               </a:ext>
             </a:extLst>
           </p:cNvPr>
@@ -6624,7 +6715,7 @@
           <p:cNvPr id="2" name="Titel 1">
             <a:extLst>
               <a:ext uri="{FF2B5EF4-FFF2-40B4-BE49-F238E27FC236}">
-                <a16:creationId xmlns="" xmlns:a16="http://schemas.microsoft.com/office/drawing/2014/main" id="{61222D61-FB80-136C-EA7C-4498181F5EC3}"/>
+                <a16:creationId xmlns:a16="http://schemas.microsoft.com/office/drawing/2014/main" id="{61222D61-FB80-136C-EA7C-4498181F5EC3}"/>
               </a:ext>
             </a:extLst>
           </p:cNvPr>
@@ -6652,7 +6743,7 @@
           <p:cNvPr id="5" name="Tijdelijke aanduiding voor inhoud 4">
             <a:extLst>
               <a:ext uri="{FF2B5EF4-FFF2-40B4-BE49-F238E27FC236}">
-                <a16:creationId xmlns="" xmlns:a16="http://schemas.microsoft.com/office/drawing/2014/main" id="{C0BB8812-5997-BA9A-BC40-7B96BCE35243}"/>
+                <a16:creationId xmlns:a16="http://schemas.microsoft.com/office/drawing/2014/main" id="{C0BB8812-5997-BA9A-BC40-7B96BCE35243}"/>
               </a:ext>
             </a:extLst>
           </p:cNvPr>
@@ -6718,7 +6809,7 @@
           <p:cNvPr id="2" name="Titel 1">
             <a:extLst>
               <a:ext uri="{FF2B5EF4-FFF2-40B4-BE49-F238E27FC236}">
-                <a16:creationId xmlns="" xmlns:a16="http://schemas.microsoft.com/office/drawing/2014/main" id="{437CA3E9-E049-BF82-8256-9488B89D6579}"/>
+                <a16:creationId xmlns:a16="http://schemas.microsoft.com/office/drawing/2014/main" id="{437CA3E9-E049-BF82-8256-9488B89D6579}"/>
               </a:ext>
             </a:extLst>
           </p:cNvPr>
@@ -6746,7 +6837,7 @@
           <p:cNvPr id="3" name="Tijdelijke aanduiding voor inhoud 2">
             <a:extLst>
               <a:ext uri="{FF2B5EF4-FFF2-40B4-BE49-F238E27FC236}">
-                <a16:creationId xmlns="" xmlns:a16="http://schemas.microsoft.com/office/drawing/2014/main" id="{78D28960-B765-7B25-FA04-FDD1ED45EF63}"/>
+                <a16:creationId xmlns:a16="http://schemas.microsoft.com/office/drawing/2014/main" id="{78D28960-B765-7B25-FA04-FDD1ED45EF63}"/>
               </a:ext>
             </a:extLst>
           </p:cNvPr>
@@ -6787,7 +6878,7 @@
           <p:cNvPr id="4" name="Tijdelijke aanduiding voor inhoud 4">
             <a:extLst>
               <a:ext uri="{FF2B5EF4-FFF2-40B4-BE49-F238E27FC236}">
-                <a16:creationId xmlns="" xmlns:a16="http://schemas.microsoft.com/office/drawing/2014/main" id="{5188A173-A41B-CD1D-B5BF-87529FB515BC}"/>
+                <a16:creationId xmlns:a16="http://schemas.microsoft.com/office/drawing/2014/main" id="{5188A173-A41B-CD1D-B5BF-87529FB515BC}"/>
               </a:ext>
             </a:extLst>
           </p:cNvPr>
@@ -6804,8 +6895,8 @@
         </p:blipFill>
         <p:spPr>
           <a:xfrm>
-            <a:off x="1097281" y="2604357"/>
-            <a:ext cx="7871578" cy="1103119"/>
+            <a:off x="1097281" y="2604358"/>
+            <a:ext cx="6274480" cy="879302"/>
           </a:xfrm>
           <a:prstGeom prst="rect">
             <a:avLst/>
@@ -6817,7 +6908,7 @@
           <p:cNvPr id="5" name="Afbeelding 4">
             <a:extLst>
               <a:ext uri="{FF2B5EF4-FFF2-40B4-BE49-F238E27FC236}">
-                <a16:creationId xmlns="" xmlns:a16="http://schemas.microsoft.com/office/drawing/2014/main" id="{B8F3C3C3-93B4-9255-2B12-269380A0EE2D}"/>
+                <a16:creationId xmlns:a16="http://schemas.microsoft.com/office/drawing/2014/main" id="{B8F3C3C3-93B4-9255-2B12-269380A0EE2D}"/>
               </a:ext>
             </a:extLst>
           </p:cNvPr>
@@ -6834,8 +6925,32 @@
         </p:blipFill>
         <p:spPr>
           <a:xfrm>
-            <a:off x="1097281" y="3851922"/>
-            <a:ext cx="7871578" cy="1344198"/>
+            <a:off x="1097281" y="3499055"/>
+            <a:ext cx="6274480" cy="1071468"/>
+          </a:xfrm>
+          <a:prstGeom prst="rect">
+            <a:avLst/>
+          </a:prstGeom>
+        </p:spPr>
+      </p:pic>
+      <p:pic>
+        <p:nvPicPr>
+          <p:cNvPr id="6" name="Afbeelding 5"/>
+          <p:cNvPicPr>
+            <a:picLocks noChangeAspect="1"/>
+          </p:cNvPicPr>
+          <p:nvPr/>
+        </p:nvPicPr>
+        <p:blipFill>
+          <a:blip r:embed="rId4"/>
+          <a:stretch>
+            <a:fillRect/>
+          </a:stretch>
+        </p:blipFill>
+        <p:spPr>
+          <a:xfrm>
+            <a:off x="1097279" y="4677646"/>
+            <a:ext cx="6256275" cy="978436"/>
           </a:xfrm>
           <a:prstGeom prst="rect">
             <a:avLst/>
@@ -6884,7 +6999,7 @@
           <p:cNvPr id="2" name="Titel 1">
             <a:extLst>
               <a:ext uri="{FF2B5EF4-FFF2-40B4-BE49-F238E27FC236}">
-                <a16:creationId xmlns="" xmlns:a16="http://schemas.microsoft.com/office/drawing/2014/main" id="{BE311A97-C066-5B05-482F-0E6FA4903BCF}"/>
+                <a16:creationId xmlns:a16="http://schemas.microsoft.com/office/drawing/2014/main" id="{BE311A97-C066-5B05-482F-0E6FA4903BCF}"/>
               </a:ext>
             </a:extLst>
           </p:cNvPr>
@@ -6987,7 +7102,7 @@
         </p:blipFill>
         <p:spPr>
           <a:xfrm>
-            <a:off x="4438785" y="143258"/>
+            <a:off x="4438785" y="105550"/>
             <a:ext cx="6660139" cy="6628871"/>
           </a:xfrm>
           <a:prstGeom prst="rect">

--- a/Scrum Artifacts/Sprint5/IT-Projectwerk 2022.pptx
+++ b/Scrum Artifacts/Sprint5/IT-Projectwerk 2022.pptx
@@ -130,6 +130,3521 @@
 </p:presentation>
 </file>
 
+<file path=ppt/diagrams/colors1.xml><?xml version="1.0" encoding="utf-8"?>
+<dgm:colorsDef xmlns:dgm="http://schemas.openxmlformats.org/drawingml/2006/diagram" xmlns:a="http://schemas.openxmlformats.org/drawingml/2006/main" uniqueId="urn:microsoft.com/office/officeart/2005/8/colors/colorful2">
+  <dgm:title val=""/>
+  <dgm:desc val=""/>
+  <dgm:catLst>
+    <dgm:cat type="colorful" pri="10200"/>
+  </dgm:catLst>
+  <dgm:styleLbl name="node0">
+    <dgm:fillClrLst meth="repeat">
+      <a:schemeClr val="accent1"/>
+    </dgm:fillClrLst>
+    <dgm:linClrLst meth="repeat">
+      <a:schemeClr val="lt1"/>
+    </dgm:linClrLst>
+    <dgm:effectClrLst/>
+    <dgm:txLinClrLst/>
+    <dgm:txFillClrLst/>
+    <dgm:txEffectClrLst/>
+  </dgm:styleLbl>
+  <dgm:styleLbl name="node1">
+    <dgm:fillClrLst>
+      <a:schemeClr val="accent2"/>
+      <a:schemeClr val="accent3"/>
+    </dgm:fillClrLst>
+    <dgm:linClrLst meth="repeat">
+      <a:schemeClr val="lt1"/>
+    </dgm:linClrLst>
+    <dgm:effectClrLst/>
+    <dgm:txLinClrLst/>
+    <dgm:txFillClrLst/>
+    <dgm:txEffectClrLst/>
+  </dgm:styleLbl>
+  <dgm:styleLbl name="alignNode1">
+    <dgm:fillClrLst>
+      <a:schemeClr val="accent2"/>
+      <a:schemeClr val="accent3"/>
+    </dgm:fillClrLst>
+    <dgm:linClrLst>
+      <a:schemeClr val="accent2"/>
+      <a:schemeClr val="accent3"/>
+    </dgm:linClrLst>
+    <dgm:effectClrLst/>
+    <dgm:txLinClrLst/>
+    <dgm:txFillClrLst/>
+    <dgm:txEffectClrLst/>
+  </dgm:styleLbl>
+  <dgm:styleLbl name="lnNode1">
+    <dgm:fillClrLst>
+      <a:schemeClr val="accent2"/>
+      <a:schemeClr val="accent3"/>
+    </dgm:fillClrLst>
+    <dgm:linClrLst meth="repeat">
+      <a:schemeClr val="lt1"/>
+    </dgm:linClrLst>
+    <dgm:effectClrLst/>
+    <dgm:txLinClrLst/>
+    <dgm:txFillClrLst/>
+    <dgm:txEffectClrLst/>
+  </dgm:styleLbl>
+  <dgm:styleLbl name="vennNode1">
+    <dgm:fillClrLst>
+      <a:schemeClr val="accent2">
+        <a:alpha val="50000"/>
+      </a:schemeClr>
+      <a:schemeClr val="accent3">
+        <a:alpha val="50000"/>
+      </a:schemeClr>
+    </dgm:fillClrLst>
+    <dgm:linClrLst meth="repeat">
+      <a:schemeClr val="lt1"/>
+    </dgm:linClrLst>
+    <dgm:effectClrLst/>
+    <dgm:txLinClrLst/>
+    <dgm:txFillClrLst/>
+    <dgm:txEffectClrLst/>
+  </dgm:styleLbl>
+  <dgm:styleLbl name="node2">
+    <dgm:fillClrLst>
+      <a:schemeClr val="accent3"/>
+    </dgm:fillClrLst>
+    <dgm:linClrLst meth="repeat">
+      <a:schemeClr val="lt1"/>
+    </dgm:linClrLst>
+    <dgm:effectClrLst/>
+    <dgm:txLinClrLst/>
+    <dgm:txFillClrLst/>
+    <dgm:txEffectClrLst/>
+  </dgm:styleLbl>
+  <dgm:styleLbl name="node3">
+    <dgm:fillClrLst>
+      <a:schemeClr val="accent4"/>
+    </dgm:fillClrLst>
+    <dgm:linClrLst meth="repeat">
+      <a:schemeClr val="lt1"/>
+    </dgm:linClrLst>
+    <dgm:effectClrLst/>
+    <dgm:txLinClrLst/>
+    <dgm:txFillClrLst/>
+    <dgm:txEffectClrLst/>
+  </dgm:styleLbl>
+  <dgm:styleLbl name="node4">
+    <dgm:fillClrLst>
+      <a:schemeClr val="accent5"/>
+    </dgm:fillClrLst>
+    <dgm:linClrLst meth="repeat">
+      <a:schemeClr val="lt1"/>
+    </dgm:linClrLst>
+    <dgm:effectClrLst/>
+    <dgm:txLinClrLst/>
+    <dgm:txFillClrLst/>
+    <dgm:txEffectClrLst/>
+  </dgm:styleLbl>
+  <dgm:styleLbl name="fgImgPlace1">
+    <dgm:fillClrLst>
+      <a:schemeClr val="accent2">
+        <a:tint val="50000"/>
+      </a:schemeClr>
+      <a:schemeClr val="accent3">
+        <a:tint val="50000"/>
+      </a:schemeClr>
+    </dgm:fillClrLst>
+    <dgm:linClrLst meth="repeat">
+      <a:schemeClr val="lt1"/>
+    </dgm:linClrLst>
+    <dgm:effectClrLst/>
+    <dgm:txLinClrLst/>
+    <dgm:txFillClrLst meth="repeat">
+      <a:schemeClr val="lt1"/>
+    </dgm:txFillClrLst>
+    <dgm:txEffectClrLst/>
+  </dgm:styleLbl>
+  <dgm:styleLbl name="alignImgPlace1">
+    <dgm:fillClrLst>
+      <a:schemeClr val="accent2">
+        <a:tint val="50000"/>
+      </a:schemeClr>
+      <a:schemeClr val="accent3">
+        <a:tint val="20000"/>
+      </a:schemeClr>
+    </dgm:fillClrLst>
+    <dgm:linClrLst meth="repeat">
+      <a:schemeClr val="lt1"/>
+    </dgm:linClrLst>
+    <dgm:effectClrLst/>
+    <dgm:txLinClrLst/>
+    <dgm:txFillClrLst meth="repeat">
+      <a:schemeClr val="lt1"/>
+    </dgm:txFillClrLst>
+    <dgm:txEffectClrLst/>
+  </dgm:styleLbl>
+  <dgm:styleLbl name="bgImgPlace1">
+    <dgm:fillClrLst>
+      <a:schemeClr val="accent2">
+        <a:tint val="50000"/>
+      </a:schemeClr>
+      <a:schemeClr val="accent3">
+        <a:tint val="20000"/>
+      </a:schemeClr>
+    </dgm:fillClrLst>
+    <dgm:linClrLst meth="repeat">
+      <a:schemeClr val="lt1"/>
+    </dgm:linClrLst>
+    <dgm:effectClrLst/>
+    <dgm:txLinClrLst/>
+    <dgm:txFillClrLst meth="repeat">
+      <a:schemeClr val="lt1"/>
+    </dgm:txFillClrLst>
+    <dgm:txEffectClrLst/>
+  </dgm:styleLbl>
+  <dgm:styleLbl name="sibTrans2D1">
+    <dgm:fillClrLst>
+      <a:schemeClr val="accent2"/>
+      <a:schemeClr val="accent3"/>
+    </dgm:fillClrLst>
+    <dgm:linClrLst meth="repeat">
+      <a:schemeClr val="lt1"/>
+    </dgm:linClrLst>
+    <dgm:effectClrLst/>
+    <dgm:txLinClrLst/>
+    <dgm:txFillClrLst/>
+    <dgm:txEffectClrLst/>
+  </dgm:styleLbl>
+  <dgm:styleLbl name="fgSibTrans2D1">
+    <dgm:fillClrLst>
+      <a:schemeClr val="accent2"/>
+      <a:schemeClr val="accent3"/>
+    </dgm:fillClrLst>
+    <dgm:linClrLst meth="repeat">
+      <a:schemeClr val="lt1"/>
+    </dgm:linClrLst>
+    <dgm:effectClrLst/>
+    <dgm:txLinClrLst/>
+    <dgm:txFillClrLst meth="repeat">
+      <a:schemeClr val="lt1"/>
+    </dgm:txFillClrLst>
+    <dgm:txEffectClrLst/>
+  </dgm:styleLbl>
+  <dgm:styleLbl name="bgSibTrans2D1">
+    <dgm:fillClrLst>
+      <a:schemeClr val="accent2"/>
+      <a:schemeClr val="accent3"/>
+    </dgm:fillClrLst>
+    <dgm:linClrLst meth="repeat">
+      <a:schemeClr val="lt1"/>
+    </dgm:linClrLst>
+    <dgm:effectClrLst/>
+    <dgm:txLinClrLst/>
+    <dgm:txFillClrLst meth="repeat">
+      <a:schemeClr val="lt1"/>
+    </dgm:txFillClrLst>
+    <dgm:txEffectClrLst/>
+  </dgm:styleLbl>
+  <dgm:styleLbl name="sibTrans1D1">
+    <dgm:fillClrLst/>
+    <dgm:linClrLst>
+      <a:schemeClr val="accent2"/>
+      <a:schemeClr val="accent3"/>
+    </dgm:linClrLst>
+    <dgm:effectClrLst/>
+    <dgm:txLinClrLst/>
+    <dgm:txFillClrLst meth="repeat">
+      <a:schemeClr val="tx1"/>
+    </dgm:txFillClrLst>
+    <dgm:txEffectClrLst/>
+  </dgm:styleLbl>
+  <dgm:styleLbl name="callout">
+    <dgm:fillClrLst meth="repeat">
+      <a:schemeClr val="accent2"/>
+    </dgm:fillClrLst>
+    <dgm:linClrLst meth="repeat">
+      <a:schemeClr val="accent2">
+        <a:tint val="50000"/>
+      </a:schemeClr>
+    </dgm:linClrLst>
+    <dgm:effectClrLst/>
+    <dgm:txLinClrLst/>
+    <dgm:txFillClrLst meth="repeat">
+      <a:schemeClr val="tx1"/>
+    </dgm:txFillClrLst>
+    <dgm:txEffectClrLst/>
+  </dgm:styleLbl>
+  <dgm:styleLbl name="asst0">
+    <dgm:fillClrLst meth="repeat">
+      <a:schemeClr val="accent2"/>
+    </dgm:fillClrLst>
+    <dgm:linClrLst meth="repeat">
+      <a:schemeClr val="lt1">
+        <a:shade val="80000"/>
+      </a:schemeClr>
+    </dgm:linClrLst>
+    <dgm:effectClrLst/>
+    <dgm:txLinClrLst/>
+    <dgm:txFillClrLst/>
+    <dgm:txEffectClrLst/>
+  </dgm:styleLbl>
+  <dgm:styleLbl name="asst1">
+    <dgm:fillClrLst meth="repeat">
+      <a:schemeClr val="accent3"/>
+    </dgm:fillClrLst>
+    <dgm:linClrLst meth="repeat">
+      <a:schemeClr val="lt1">
+        <a:shade val="80000"/>
+      </a:schemeClr>
+    </dgm:linClrLst>
+    <dgm:effectClrLst/>
+    <dgm:txLinClrLst/>
+    <dgm:txFillClrLst/>
+    <dgm:txEffectClrLst/>
+  </dgm:styleLbl>
+  <dgm:styleLbl name="asst2">
+    <dgm:fillClrLst>
+      <a:schemeClr val="accent4"/>
+    </dgm:fillClrLst>
+    <dgm:linClrLst meth="repeat">
+      <a:schemeClr val="lt1"/>
+    </dgm:linClrLst>
+    <dgm:effectClrLst/>
+    <dgm:txLinClrLst/>
+    <dgm:txFillClrLst/>
+    <dgm:txEffectClrLst/>
+  </dgm:styleLbl>
+  <dgm:styleLbl name="asst3">
+    <dgm:fillClrLst>
+      <a:schemeClr val="accent5"/>
+    </dgm:fillClrLst>
+    <dgm:linClrLst meth="repeat">
+      <a:schemeClr val="lt1"/>
+    </dgm:linClrLst>
+    <dgm:effectClrLst/>
+    <dgm:txLinClrLst/>
+    <dgm:txFillClrLst/>
+    <dgm:txEffectClrLst/>
+  </dgm:styleLbl>
+  <dgm:styleLbl name="asst4">
+    <dgm:fillClrLst>
+      <a:schemeClr val="accent6"/>
+    </dgm:fillClrLst>
+    <dgm:linClrLst meth="repeat">
+      <a:schemeClr val="lt1"/>
+    </dgm:linClrLst>
+    <dgm:effectClrLst/>
+    <dgm:txLinClrLst/>
+    <dgm:txFillClrLst/>
+    <dgm:txEffectClrLst/>
+  </dgm:styleLbl>
+  <dgm:styleLbl name="parChTrans2D1">
+    <dgm:fillClrLst meth="repeat">
+      <a:schemeClr val="accent2"/>
+    </dgm:fillClrLst>
+    <dgm:linClrLst meth="repeat">
+      <a:schemeClr val="lt1"/>
+    </dgm:linClrLst>
+    <dgm:effectClrLst/>
+    <dgm:txLinClrLst/>
+    <dgm:txFillClrLst meth="repeat">
+      <a:schemeClr val="lt1"/>
+    </dgm:txFillClrLst>
+    <dgm:txEffectClrLst/>
+  </dgm:styleLbl>
+  <dgm:styleLbl name="parChTrans2D2">
+    <dgm:fillClrLst meth="repeat">
+      <a:schemeClr val="accent3"/>
+    </dgm:fillClrLst>
+    <dgm:linClrLst meth="repeat">
+      <a:schemeClr val="lt1"/>
+    </dgm:linClrLst>
+    <dgm:effectClrLst/>
+    <dgm:txLinClrLst/>
+    <dgm:txFillClrLst/>
+    <dgm:txEffectClrLst/>
+  </dgm:styleLbl>
+  <dgm:styleLbl name="parChTrans2D3">
+    <dgm:fillClrLst meth="repeat">
+      <a:schemeClr val="accent4"/>
+    </dgm:fillClrLst>
+    <dgm:linClrLst meth="repeat">
+      <a:schemeClr val="lt1"/>
+    </dgm:linClrLst>
+    <dgm:effectClrLst/>
+    <dgm:txLinClrLst/>
+    <dgm:txFillClrLst/>
+    <dgm:txEffectClrLst/>
+  </dgm:styleLbl>
+  <dgm:styleLbl name="parChTrans2D4">
+    <dgm:fillClrLst meth="repeat">
+      <a:schemeClr val="accent5"/>
+    </dgm:fillClrLst>
+    <dgm:linClrLst meth="repeat">
+      <a:schemeClr val="lt1"/>
+    </dgm:linClrLst>
+    <dgm:effectClrLst/>
+    <dgm:txLinClrLst/>
+    <dgm:txFillClrLst meth="repeat">
+      <a:schemeClr val="lt1"/>
+    </dgm:txFillClrLst>
+    <dgm:txEffectClrLst/>
+  </dgm:styleLbl>
+  <dgm:styleLbl name="parChTrans1D1">
+    <dgm:fillClrLst meth="repeat">
+      <a:schemeClr val="accent2"/>
+    </dgm:fillClrLst>
+    <dgm:linClrLst meth="repeat">
+      <a:schemeClr val="accent2"/>
+    </dgm:linClrLst>
+    <dgm:effectClrLst/>
+    <dgm:txLinClrLst/>
+    <dgm:txFillClrLst meth="repeat">
+      <a:schemeClr val="tx1"/>
+    </dgm:txFillClrLst>
+    <dgm:txEffectClrLst/>
+  </dgm:styleLbl>
+  <dgm:styleLbl name="parChTrans1D2">
+    <dgm:fillClrLst meth="repeat">
+      <a:schemeClr val="accent2">
+        <a:tint val="90000"/>
+      </a:schemeClr>
+    </dgm:fillClrLst>
+    <dgm:linClrLst meth="repeat">
+      <a:schemeClr val="accent3"/>
+    </dgm:linClrLst>
+    <dgm:effectClrLst/>
+    <dgm:txLinClrLst/>
+    <dgm:txFillClrLst meth="repeat">
+      <a:schemeClr val="tx1"/>
+    </dgm:txFillClrLst>
+    <dgm:txEffectClrLst/>
+  </dgm:styleLbl>
+  <dgm:styleLbl name="parChTrans1D3">
+    <dgm:fillClrLst meth="repeat">
+      <a:schemeClr val="accent2">
+        <a:tint val="70000"/>
+      </a:schemeClr>
+    </dgm:fillClrLst>
+    <dgm:linClrLst meth="repeat">
+      <a:schemeClr val="accent4"/>
+    </dgm:linClrLst>
+    <dgm:effectClrLst/>
+    <dgm:txLinClrLst/>
+    <dgm:txFillClrLst meth="repeat">
+      <a:schemeClr val="tx1"/>
+    </dgm:txFillClrLst>
+    <dgm:txEffectClrLst/>
+  </dgm:styleLbl>
+  <dgm:styleLbl name="parChTrans1D4">
+    <dgm:fillClrLst meth="repeat">
+      <a:schemeClr val="accent2">
+        <a:tint val="50000"/>
+      </a:schemeClr>
+    </dgm:fillClrLst>
+    <dgm:linClrLst meth="repeat">
+      <a:schemeClr val="accent5"/>
+    </dgm:linClrLst>
+    <dgm:effectClrLst/>
+    <dgm:txLinClrLst/>
+    <dgm:txFillClrLst meth="repeat">
+      <a:schemeClr val="tx1"/>
+    </dgm:txFillClrLst>
+    <dgm:txEffectClrLst/>
+  </dgm:styleLbl>
+  <dgm:styleLbl name="fgAcc1">
+    <dgm:fillClrLst meth="repeat">
+      <a:schemeClr val="lt1">
+        <a:alpha val="90000"/>
+      </a:schemeClr>
+    </dgm:fillClrLst>
+    <dgm:linClrLst>
+      <a:schemeClr val="accent2"/>
+      <a:schemeClr val="accent3"/>
+    </dgm:linClrLst>
+    <dgm:effectClrLst/>
+    <dgm:txLinClrLst/>
+    <dgm:txFillClrLst meth="repeat">
+      <a:schemeClr val="dk1"/>
+    </dgm:txFillClrLst>
+    <dgm:txEffectClrLst/>
+  </dgm:styleLbl>
+  <dgm:styleLbl name="conFgAcc1">
+    <dgm:fillClrLst meth="repeat">
+      <a:schemeClr val="lt1">
+        <a:alpha val="90000"/>
+      </a:schemeClr>
+    </dgm:fillClrLst>
+    <dgm:linClrLst>
+      <a:schemeClr val="accent2"/>
+      <a:schemeClr val="accent3"/>
+    </dgm:linClrLst>
+    <dgm:effectClrLst/>
+    <dgm:txLinClrLst/>
+    <dgm:txFillClrLst meth="repeat">
+      <a:schemeClr val="dk1"/>
+    </dgm:txFillClrLst>
+    <dgm:txEffectClrLst/>
+  </dgm:styleLbl>
+  <dgm:styleLbl name="alignAcc1">
+    <dgm:fillClrLst meth="repeat">
+      <a:schemeClr val="lt1">
+        <a:alpha val="90000"/>
+      </a:schemeClr>
+    </dgm:fillClrLst>
+    <dgm:linClrLst>
+      <a:schemeClr val="accent2"/>
+      <a:schemeClr val="accent3"/>
+    </dgm:linClrLst>
+    <dgm:effectClrLst/>
+    <dgm:txLinClrLst/>
+    <dgm:txFillClrLst meth="repeat">
+      <a:schemeClr val="dk1"/>
+    </dgm:txFillClrLst>
+    <dgm:txEffectClrLst/>
+  </dgm:styleLbl>
+  <dgm:styleLbl name="trAlignAcc1">
+    <dgm:fillClrLst meth="repeat">
+      <a:schemeClr val="lt1">
+        <a:alpha val="40000"/>
+      </a:schemeClr>
+    </dgm:fillClrLst>
+    <dgm:linClrLst meth="repeat">
+      <a:schemeClr val="accent2"/>
+    </dgm:linClrLst>
+    <dgm:effectClrLst/>
+    <dgm:txLinClrLst/>
+    <dgm:txFillClrLst meth="repeat">
+      <a:schemeClr val="dk1"/>
+    </dgm:txFillClrLst>
+    <dgm:txEffectClrLst/>
+  </dgm:styleLbl>
+  <dgm:styleLbl name="bgAcc1">
+    <dgm:fillClrLst meth="repeat">
+      <a:schemeClr val="lt1">
+        <a:alpha val="90000"/>
+      </a:schemeClr>
+    </dgm:fillClrLst>
+    <dgm:linClrLst>
+      <a:schemeClr val="accent2"/>
+      <a:schemeClr val="accent3"/>
+    </dgm:linClrLst>
+    <dgm:effectClrLst/>
+    <dgm:txLinClrLst/>
+    <dgm:txFillClrLst meth="repeat">
+      <a:schemeClr val="dk1"/>
+    </dgm:txFillClrLst>
+    <dgm:txEffectClrLst/>
+  </dgm:styleLbl>
+  <dgm:styleLbl name="solidFgAcc1">
+    <dgm:fillClrLst meth="repeat">
+      <a:schemeClr val="lt1"/>
+    </dgm:fillClrLst>
+    <dgm:linClrLst>
+      <a:schemeClr val="accent2"/>
+      <a:schemeClr val="accent3"/>
+    </dgm:linClrLst>
+    <dgm:effectClrLst/>
+    <dgm:txLinClrLst/>
+    <dgm:txFillClrLst meth="repeat">
+      <a:schemeClr val="dk1"/>
+    </dgm:txFillClrLst>
+    <dgm:txEffectClrLst/>
+  </dgm:styleLbl>
+  <dgm:styleLbl name="solidAlignAcc1">
+    <dgm:fillClrLst meth="repeat">
+      <a:schemeClr val="lt1"/>
+    </dgm:fillClrLst>
+    <dgm:linClrLst>
+      <a:schemeClr val="accent2"/>
+      <a:schemeClr val="accent3"/>
+    </dgm:linClrLst>
+    <dgm:effectClrLst/>
+    <dgm:txLinClrLst/>
+    <dgm:txFillClrLst meth="repeat">
+      <a:schemeClr val="dk1"/>
+    </dgm:txFillClrLst>
+    <dgm:txEffectClrLst/>
+  </dgm:styleLbl>
+  <dgm:styleLbl name="solidBgAcc1">
+    <dgm:fillClrLst meth="repeat">
+      <a:schemeClr val="lt1"/>
+    </dgm:fillClrLst>
+    <dgm:linClrLst>
+      <a:schemeClr val="accent2"/>
+      <a:schemeClr val="accent3"/>
+    </dgm:linClrLst>
+    <dgm:effectClrLst/>
+    <dgm:txLinClrLst/>
+    <dgm:txFillClrLst meth="repeat">
+      <a:schemeClr val="dk1"/>
+    </dgm:txFillClrLst>
+    <dgm:txEffectClrLst/>
+  </dgm:styleLbl>
+  <dgm:styleLbl name="fgAccFollowNode1">
+    <dgm:fillClrLst>
+      <a:schemeClr val="accent2">
+        <a:tint val="40000"/>
+        <a:alpha val="90000"/>
+      </a:schemeClr>
+      <a:schemeClr val="accent3">
+        <a:tint val="40000"/>
+        <a:alpha val="90000"/>
+      </a:schemeClr>
+    </dgm:fillClrLst>
+    <dgm:linClrLst>
+      <a:schemeClr val="accent2">
+        <a:tint val="40000"/>
+        <a:alpha val="90000"/>
+      </a:schemeClr>
+      <a:schemeClr val="accent3">
+        <a:tint val="40000"/>
+        <a:alpha val="90000"/>
+      </a:schemeClr>
+    </dgm:linClrLst>
+    <dgm:effectClrLst/>
+    <dgm:txLinClrLst/>
+    <dgm:txFillClrLst meth="repeat">
+      <a:schemeClr val="dk1"/>
+    </dgm:txFillClrLst>
+    <dgm:txEffectClrLst/>
+  </dgm:styleLbl>
+  <dgm:styleLbl name="alignAccFollowNode1">
+    <dgm:fillClrLst>
+      <a:schemeClr val="accent2">
+        <a:tint val="40000"/>
+        <a:alpha val="90000"/>
+      </a:schemeClr>
+      <a:schemeClr val="accent3">
+        <a:tint val="40000"/>
+        <a:alpha val="90000"/>
+      </a:schemeClr>
+    </dgm:fillClrLst>
+    <dgm:linClrLst>
+      <a:schemeClr val="accent2">
+        <a:tint val="40000"/>
+        <a:alpha val="90000"/>
+      </a:schemeClr>
+      <a:schemeClr val="accent3">
+        <a:tint val="40000"/>
+        <a:alpha val="90000"/>
+      </a:schemeClr>
+    </dgm:linClrLst>
+    <dgm:effectClrLst/>
+    <dgm:txLinClrLst/>
+    <dgm:txFillClrLst meth="repeat">
+      <a:schemeClr val="dk1"/>
+    </dgm:txFillClrLst>
+    <dgm:txEffectClrLst/>
+  </dgm:styleLbl>
+  <dgm:styleLbl name="bgAccFollowNode1">
+    <dgm:fillClrLst>
+      <a:schemeClr val="accent2">
+        <a:tint val="40000"/>
+        <a:alpha val="90000"/>
+      </a:schemeClr>
+      <a:schemeClr val="accent3">
+        <a:tint val="40000"/>
+        <a:alpha val="90000"/>
+      </a:schemeClr>
+    </dgm:fillClrLst>
+    <dgm:linClrLst>
+      <a:schemeClr val="accent2">
+        <a:tint val="40000"/>
+        <a:alpha val="90000"/>
+      </a:schemeClr>
+      <a:schemeClr val="accent3">
+        <a:tint val="40000"/>
+        <a:alpha val="90000"/>
+      </a:schemeClr>
+    </dgm:linClrLst>
+    <dgm:effectClrLst/>
+    <dgm:txLinClrLst/>
+    <dgm:txFillClrLst meth="repeat">
+      <a:schemeClr val="dk1"/>
+    </dgm:txFillClrLst>
+    <dgm:txEffectClrLst/>
+  </dgm:styleLbl>
+  <dgm:styleLbl name="fgAcc0">
+    <dgm:fillClrLst meth="repeat">
+      <a:schemeClr val="lt1">
+        <a:alpha val="90000"/>
+      </a:schemeClr>
+    </dgm:fillClrLst>
+    <dgm:linClrLst>
+      <a:schemeClr val="accent1"/>
+    </dgm:linClrLst>
+    <dgm:effectClrLst/>
+    <dgm:txLinClrLst/>
+    <dgm:txFillClrLst meth="repeat">
+      <a:schemeClr val="dk1"/>
+    </dgm:txFillClrLst>
+    <dgm:txEffectClrLst/>
+  </dgm:styleLbl>
+  <dgm:styleLbl name="fgAcc2">
+    <dgm:fillClrLst meth="repeat">
+      <a:schemeClr val="lt1">
+        <a:alpha val="90000"/>
+      </a:schemeClr>
+    </dgm:fillClrLst>
+    <dgm:linClrLst>
+      <a:schemeClr val="accent3"/>
+    </dgm:linClrLst>
+    <dgm:effectClrLst/>
+    <dgm:txLinClrLst/>
+    <dgm:txFillClrLst meth="repeat">
+      <a:schemeClr val="dk1"/>
+    </dgm:txFillClrLst>
+    <dgm:txEffectClrLst/>
+  </dgm:styleLbl>
+  <dgm:styleLbl name="fgAcc3">
+    <dgm:fillClrLst meth="repeat">
+      <a:schemeClr val="lt1">
+        <a:alpha val="90000"/>
+      </a:schemeClr>
+    </dgm:fillClrLst>
+    <dgm:linClrLst>
+      <a:schemeClr val="accent4"/>
+    </dgm:linClrLst>
+    <dgm:effectClrLst/>
+    <dgm:txLinClrLst/>
+    <dgm:txFillClrLst meth="repeat">
+      <a:schemeClr val="dk1"/>
+    </dgm:txFillClrLst>
+    <dgm:txEffectClrLst/>
+  </dgm:styleLbl>
+  <dgm:styleLbl name="fgAcc4">
+    <dgm:fillClrLst meth="repeat">
+      <a:schemeClr val="lt1">
+        <a:alpha val="90000"/>
+      </a:schemeClr>
+    </dgm:fillClrLst>
+    <dgm:linClrLst>
+      <a:schemeClr val="accent5"/>
+    </dgm:linClrLst>
+    <dgm:effectClrLst/>
+    <dgm:txLinClrLst/>
+    <dgm:txFillClrLst meth="repeat">
+      <a:schemeClr val="dk1"/>
+    </dgm:txFillClrLst>
+    <dgm:txEffectClrLst/>
+  </dgm:styleLbl>
+  <dgm:styleLbl name="bgShp">
+    <dgm:fillClrLst meth="repeat">
+      <a:schemeClr val="accent2">
+        <a:tint val="40000"/>
+      </a:schemeClr>
+    </dgm:fillClrLst>
+    <dgm:linClrLst meth="repeat">
+      <a:schemeClr val="dk1"/>
+    </dgm:linClrLst>
+    <dgm:effectClrLst/>
+    <dgm:txLinClrLst/>
+    <dgm:txFillClrLst meth="repeat">
+      <a:schemeClr val="dk1"/>
+    </dgm:txFillClrLst>
+    <dgm:txEffectClrLst/>
+  </dgm:styleLbl>
+  <dgm:styleLbl name="dkBgShp">
+    <dgm:fillClrLst meth="repeat">
+      <a:schemeClr val="accent2">
+        <a:shade val="90000"/>
+      </a:schemeClr>
+    </dgm:fillClrLst>
+    <dgm:linClrLst meth="repeat">
+      <a:schemeClr val="dk1"/>
+    </dgm:linClrLst>
+    <dgm:effectClrLst/>
+    <dgm:txLinClrLst/>
+    <dgm:txFillClrLst meth="repeat">
+      <a:schemeClr val="lt1"/>
+    </dgm:txFillClrLst>
+    <dgm:txEffectClrLst/>
+  </dgm:styleLbl>
+  <dgm:styleLbl name="trBgShp">
+    <dgm:fillClrLst meth="repeat">
+      <a:schemeClr val="accent2">
+        <a:tint val="50000"/>
+        <a:alpha val="40000"/>
+      </a:schemeClr>
+    </dgm:fillClrLst>
+    <dgm:linClrLst meth="repeat">
+      <a:schemeClr val="accent2"/>
+    </dgm:linClrLst>
+    <dgm:effectClrLst/>
+    <dgm:txLinClrLst/>
+    <dgm:txFillClrLst meth="repeat">
+      <a:schemeClr val="lt1"/>
+    </dgm:txFillClrLst>
+    <dgm:txEffectClrLst/>
+  </dgm:styleLbl>
+  <dgm:styleLbl name="fgShp">
+    <dgm:fillClrLst meth="repeat">
+      <a:schemeClr val="accent2">
+        <a:tint val="40000"/>
+      </a:schemeClr>
+    </dgm:fillClrLst>
+    <dgm:linClrLst meth="repeat">
+      <a:schemeClr val="lt1"/>
+    </dgm:linClrLst>
+    <dgm:effectClrLst/>
+    <dgm:txLinClrLst/>
+    <dgm:txFillClrLst meth="repeat">
+      <a:schemeClr val="dk1"/>
+    </dgm:txFillClrLst>
+    <dgm:txEffectClrLst/>
+  </dgm:styleLbl>
+  <dgm:styleLbl name="revTx">
+    <dgm:fillClrLst meth="repeat">
+      <a:schemeClr val="lt1">
+        <a:alpha val="0"/>
+      </a:schemeClr>
+    </dgm:fillClrLst>
+    <dgm:linClrLst meth="repeat">
+      <a:schemeClr val="dk1">
+        <a:alpha val="0"/>
+      </a:schemeClr>
+    </dgm:linClrLst>
+    <dgm:effectClrLst/>
+    <dgm:txLinClrLst/>
+    <dgm:txFillClrLst meth="repeat">
+      <a:schemeClr val="tx1"/>
+    </dgm:txFillClrLst>
+    <dgm:txEffectClrLst/>
+  </dgm:styleLbl>
+</dgm:colorsDef>
+</file>
+
+<file path=ppt/diagrams/data1.xml><?xml version="1.0" encoding="utf-8"?>
+<dgm:dataModel xmlns:dgm="http://schemas.openxmlformats.org/drawingml/2006/diagram" xmlns:a="http://schemas.openxmlformats.org/drawingml/2006/main">
+  <dgm:ptLst>
+    <dgm:pt modelId="{D6EB8624-9D8C-4A09-9280-6601EA15FE25}" type="doc">
+      <dgm:prSet loTypeId="urn:microsoft.com/office/officeart/2008/layout/LinedList" loCatId="list" qsTypeId="urn:microsoft.com/office/officeart/2005/8/quickstyle/simple1" qsCatId="simple" csTypeId="urn:microsoft.com/office/officeart/2005/8/colors/colorful2" csCatId="colorful"/>
+      <dgm:spPr/>
+      <dgm:t>
+        <a:bodyPr/>
+        <a:lstStyle/>
+        <a:p>
+          <a:endParaRPr lang="en-US"/>
+        </a:p>
+      </dgm:t>
+    </dgm:pt>
+    <dgm:pt modelId="{4B705906-71E3-4050-BB6E-1F8185063CB0}">
+      <dgm:prSet/>
+      <dgm:spPr/>
+      <dgm:t>
+        <a:bodyPr/>
+        <a:lstStyle/>
+        <a:p>
+          <a:r>
+            <a:rPr lang="nl-BE"/>
+            <a:t>- Wie is wie</a:t>
+          </a:r>
+          <a:endParaRPr lang="en-US"/>
+        </a:p>
+      </dgm:t>
+    </dgm:pt>
+    <dgm:pt modelId="{0892AD63-1FF2-4A8B-B022-4B68E36B2117}" type="parTrans" cxnId="{5F7C2A6D-872D-4C57-8525-51D10D4176B1}">
+      <dgm:prSet/>
+      <dgm:spPr/>
+      <dgm:t>
+        <a:bodyPr/>
+        <a:lstStyle/>
+        <a:p>
+          <a:endParaRPr lang="en-US"/>
+        </a:p>
+      </dgm:t>
+    </dgm:pt>
+    <dgm:pt modelId="{3993D87A-3F51-47F6-B94C-D53095E1DCBF}" type="sibTrans" cxnId="{5F7C2A6D-872D-4C57-8525-51D10D4176B1}">
+      <dgm:prSet/>
+      <dgm:spPr/>
+      <dgm:t>
+        <a:bodyPr/>
+        <a:lstStyle/>
+        <a:p>
+          <a:endParaRPr lang="en-US"/>
+        </a:p>
+      </dgm:t>
+    </dgm:pt>
+    <dgm:pt modelId="{3D3A9F20-6C12-4DED-A8D6-A6148BA0E707}">
+      <dgm:prSet/>
+      <dgm:spPr/>
+      <dgm:t>
+        <a:bodyPr/>
+        <a:lstStyle/>
+        <a:p>
+          <a:r>
+            <a:rPr lang="nl-BE"/>
+            <a:t>- Situatieschets</a:t>
+          </a:r>
+          <a:endParaRPr lang="en-US"/>
+        </a:p>
+      </dgm:t>
+    </dgm:pt>
+    <dgm:pt modelId="{7A24B722-D636-4C49-BBFD-CE00989B6CA6}" type="parTrans" cxnId="{11E44CF1-2BF4-463D-AD06-AD179F4C15A4}">
+      <dgm:prSet/>
+      <dgm:spPr/>
+      <dgm:t>
+        <a:bodyPr/>
+        <a:lstStyle/>
+        <a:p>
+          <a:endParaRPr lang="en-US"/>
+        </a:p>
+      </dgm:t>
+    </dgm:pt>
+    <dgm:pt modelId="{376AD437-55F4-4BEF-B8EF-8ABD61C9D6D3}" type="sibTrans" cxnId="{11E44CF1-2BF4-463D-AD06-AD179F4C15A4}">
+      <dgm:prSet/>
+      <dgm:spPr/>
+      <dgm:t>
+        <a:bodyPr/>
+        <a:lstStyle/>
+        <a:p>
+          <a:endParaRPr lang="en-US"/>
+        </a:p>
+      </dgm:t>
+    </dgm:pt>
+    <dgm:pt modelId="{210BD77C-F462-4C86-9BE2-31E31DCF2A35}">
+      <dgm:prSet/>
+      <dgm:spPr/>
+      <dgm:t>
+        <a:bodyPr/>
+        <a:lstStyle/>
+        <a:p>
+          <a:r>
+            <a:rPr lang="nl-BE"/>
+            <a:t>- Plan van aanpak</a:t>
+          </a:r>
+          <a:endParaRPr lang="en-US"/>
+        </a:p>
+      </dgm:t>
+    </dgm:pt>
+    <dgm:pt modelId="{D6D4CB2E-5F58-4450-800B-D2512147DDF3}" type="parTrans" cxnId="{251E754D-0B3F-4849-88BC-EE3DE84F9277}">
+      <dgm:prSet/>
+      <dgm:spPr/>
+      <dgm:t>
+        <a:bodyPr/>
+        <a:lstStyle/>
+        <a:p>
+          <a:endParaRPr lang="en-US"/>
+        </a:p>
+      </dgm:t>
+    </dgm:pt>
+    <dgm:pt modelId="{B2454F2E-BC32-41CF-8AC9-B23ABBF6740A}" type="sibTrans" cxnId="{251E754D-0B3F-4849-88BC-EE3DE84F9277}">
+      <dgm:prSet/>
+      <dgm:spPr/>
+      <dgm:t>
+        <a:bodyPr/>
+        <a:lstStyle/>
+        <a:p>
+          <a:endParaRPr lang="en-US"/>
+        </a:p>
+      </dgm:t>
+    </dgm:pt>
+    <dgm:pt modelId="{2B0D2DE3-FB69-4818-B9FD-CFB0D04CD998}">
+      <dgm:prSet/>
+      <dgm:spPr/>
+      <dgm:t>
+        <a:bodyPr/>
+        <a:lstStyle/>
+        <a:p>
+          <a:r>
+            <a:rPr lang="nl-BE"/>
+            <a:t>- Sprints</a:t>
+          </a:r>
+          <a:endParaRPr lang="en-US"/>
+        </a:p>
+      </dgm:t>
+    </dgm:pt>
+    <dgm:pt modelId="{494E1E7C-727F-4716-9405-DFFEF90A96F1}" type="parTrans" cxnId="{BAAD572B-890D-4105-81A7-A7A39CE01280}">
+      <dgm:prSet/>
+      <dgm:spPr/>
+      <dgm:t>
+        <a:bodyPr/>
+        <a:lstStyle/>
+        <a:p>
+          <a:endParaRPr lang="en-US"/>
+        </a:p>
+      </dgm:t>
+    </dgm:pt>
+    <dgm:pt modelId="{F24CFE20-1041-4345-AEC9-C1BB98D87866}" type="sibTrans" cxnId="{BAAD572B-890D-4105-81A7-A7A39CE01280}">
+      <dgm:prSet/>
+      <dgm:spPr/>
+      <dgm:t>
+        <a:bodyPr/>
+        <a:lstStyle/>
+        <a:p>
+          <a:endParaRPr lang="en-US"/>
+        </a:p>
+      </dgm:t>
+    </dgm:pt>
+    <dgm:pt modelId="{2D188BD8-475B-485C-91FF-A8A5B92408F2}">
+      <dgm:prSet/>
+      <dgm:spPr/>
+      <dgm:t>
+        <a:bodyPr/>
+        <a:lstStyle/>
+        <a:p>
+          <a:r>
+            <a:rPr lang="nl-BE"/>
+            <a:t>- Uitvoering</a:t>
+          </a:r>
+          <a:endParaRPr lang="en-US"/>
+        </a:p>
+      </dgm:t>
+    </dgm:pt>
+    <dgm:pt modelId="{78075E03-28CF-4168-9279-6D23100E35ED}" type="parTrans" cxnId="{BBC37BD3-ADB6-47A9-A65A-E6568194CB05}">
+      <dgm:prSet/>
+      <dgm:spPr/>
+      <dgm:t>
+        <a:bodyPr/>
+        <a:lstStyle/>
+        <a:p>
+          <a:endParaRPr lang="en-US"/>
+        </a:p>
+      </dgm:t>
+    </dgm:pt>
+    <dgm:pt modelId="{45CAF5CD-7CBB-4491-A51B-1EEC6F6FA4E8}" type="sibTrans" cxnId="{BBC37BD3-ADB6-47A9-A65A-E6568194CB05}">
+      <dgm:prSet/>
+      <dgm:spPr/>
+      <dgm:t>
+        <a:bodyPr/>
+        <a:lstStyle/>
+        <a:p>
+          <a:endParaRPr lang="en-US"/>
+        </a:p>
+      </dgm:t>
+    </dgm:pt>
+    <dgm:pt modelId="{1EF404B2-0101-463E-ADEE-FDD108DDC4DF}">
+      <dgm:prSet/>
+      <dgm:spPr/>
+      <dgm:t>
+        <a:bodyPr/>
+        <a:lstStyle/>
+        <a:p>
+          <a:r>
+            <a:rPr lang="nl-BE"/>
+            <a:t>- Demo</a:t>
+          </a:r>
+          <a:endParaRPr lang="en-US"/>
+        </a:p>
+      </dgm:t>
+    </dgm:pt>
+    <dgm:pt modelId="{E978D11A-B262-4237-8DDB-FB2D4500D82D}" type="parTrans" cxnId="{AEA22BF2-4B67-413D-949F-9D151E167AEB}">
+      <dgm:prSet/>
+      <dgm:spPr/>
+      <dgm:t>
+        <a:bodyPr/>
+        <a:lstStyle/>
+        <a:p>
+          <a:endParaRPr lang="en-US"/>
+        </a:p>
+      </dgm:t>
+    </dgm:pt>
+    <dgm:pt modelId="{B5C4D2AD-A282-4A79-B7CE-EED6055FF136}" type="sibTrans" cxnId="{AEA22BF2-4B67-413D-949F-9D151E167AEB}">
+      <dgm:prSet/>
+      <dgm:spPr/>
+      <dgm:t>
+        <a:bodyPr/>
+        <a:lstStyle/>
+        <a:p>
+          <a:endParaRPr lang="en-US"/>
+        </a:p>
+      </dgm:t>
+    </dgm:pt>
+    <dgm:pt modelId="{10F9A1DE-CE59-4BBF-AFCC-8A66855DF5E6}">
+      <dgm:prSet/>
+      <dgm:spPr/>
+      <dgm:t>
+        <a:bodyPr/>
+        <a:lstStyle/>
+        <a:p>
+          <a:r>
+            <a:rPr lang="nl-BE"/>
+            <a:t>- Besluit</a:t>
+          </a:r>
+          <a:endParaRPr lang="en-US"/>
+        </a:p>
+      </dgm:t>
+    </dgm:pt>
+    <dgm:pt modelId="{75281B5F-B95B-44D9-A522-84AA8CAAD821}" type="parTrans" cxnId="{0E040CE8-3EF2-4C05-AAE3-BEB99F8AB03C}">
+      <dgm:prSet/>
+      <dgm:spPr/>
+      <dgm:t>
+        <a:bodyPr/>
+        <a:lstStyle/>
+        <a:p>
+          <a:endParaRPr lang="en-US"/>
+        </a:p>
+      </dgm:t>
+    </dgm:pt>
+    <dgm:pt modelId="{A13D5C9D-5A1E-494F-A203-475C222B5659}" type="sibTrans" cxnId="{0E040CE8-3EF2-4C05-AAE3-BEB99F8AB03C}">
+      <dgm:prSet/>
+      <dgm:spPr/>
+      <dgm:t>
+        <a:bodyPr/>
+        <a:lstStyle/>
+        <a:p>
+          <a:endParaRPr lang="en-US"/>
+        </a:p>
+      </dgm:t>
+    </dgm:pt>
+    <dgm:pt modelId="{39C2A261-E168-48EF-ADFE-3C9DDEA44294}" type="pres">
+      <dgm:prSet presAssocID="{D6EB8624-9D8C-4A09-9280-6601EA15FE25}" presName="vert0" presStyleCnt="0">
+        <dgm:presLayoutVars>
+          <dgm:dir/>
+          <dgm:animOne val="branch"/>
+          <dgm:animLvl val="lvl"/>
+        </dgm:presLayoutVars>
+      </dgm:prSet>
+      <dgm:spPr/>
+    </dgm:pt>
+    <dgm:pt modelId="{C5982169-665D-48AE-83AF-D1A16A4706C0}" type="pres">
+      <dgm:prSet presAssocID="{4B705906-71E3-4050-BB6E-1F8185063CB0}" presName="thickLine" presStyleLbl="alignNode1" presStyleIdx="0" presStyleCnt="7"/>
+      <dgm:spPr/>
+    </dgm:pt>
+    <dgm:pt modelId="{7AB16C6C-71D9-4139-99A6-F0C0521FFFD9}" type="pres">
+      <dgm:prSet presAssocID="{4B705906-71E3-4050-BB6E-1F8185063CB0}" presName="horz1" presStyleCnt="0"/>
+      <dgm:spPr/>
+    </dgm:pt>
+    <dgm:pt modelId="{A2D290F6-366E-4EE6-8584-A7515E133975}" type="pres">
+      <dgm:prSet presAssocID="{4B705906-71E3-4050-BB6E-1F8185063CB0}" presName="tx1" presStyleLbl="revTx" presStyleIdx="0" presStyleCnt="7"/>
+      <dgm:spPr/>
+    </dgm:pt>
+    <dgm:pt modelId="{BA708DE5-64F2-4FF1-98E9-AA9F30797E86}" type="pres">
+      <dgm:prSet presAssocID="{4B705906-71E3-4050-BB6E-1F8185063CB0}" presName="vert1" presStyleCnt="0"/>
+      <dgm:spPr/>
+    </dgm:pt>
+    <dgm:pt modelId="{07A531F2-0542-42A2-9577-EE42DCB2A037}" type="pres">
+      <dgm:prSet presAssocID="{3D3A9F20-6C12-4DED-A8D6-A6148BA0E707}" presName="thickLine" presStyleLbl="alignNode1" presStyleIdx="1" presStyleCnt="7"/>
+      <dgm:spPr/>
+    </dgm:pt>
+    <dgm:pt modelId="{D3126F0E-6137-4937-AEA1-0C0E2309BDC6}" type="pres">
+      <dgm:prSet presAssocID="{3D3A9F20-6C12-4DED-A8D6-A6148BA0E707}" presName="horz1" presStyleCnt="0"/>
+      <dgm:spPr/>
+    </dgm:pt>
+    <dgm:pt modelId="{857ACBCB-81DE-442F-AF6B-7B35ADF4C186}" type="pres">
+      <dgm:prSet presAssocID="{3D3A9F20-6C12-4DED-A8D6-A6148BA0E707}" presName="tx1" presStyleLbl="revTx" presStyleIdx="1" presStyleCnt="7"/>
+      <dgm:spPr/>
+    </dgm:pt>
+    <dgm:pt modelId="{92C80B9F-53A7-4BBB-9328-CC9DDC221548}" type="pres">
+      <dgm:prSet presAssocID="{3D3A9F20-6C12-4DED-A8D6-A6148BA0E707}" presName="vert1" presStyleCnt="0"/>
+      <dgm:spPr/>
+    </dgm:pt>
+    <dgm:pt modelId="{A565B34F-08F3-4303-851C-EBF524AB6C68}" type="pres">
+      <dgm:prSet presAssocID="{210BD77C-F462-4C86-9BE2-31E31DCF2A35}" presName="thickLine" presStyleLbl="alignNode1" presStyleIdx="2" presStyleCnt="7"/>
+      <dgm:spPr/>
+    </dgm:pt>
+    <dgm:pt modelId="{85B85394-0F62-4C9C-B722-01E96DDF94D4}" type="pres">
+      <dgm:prSet presAssocID="{210BD77C-F462-4C86-9BE2-31E31DCF2A35}" presName="horz1" presStyleCnt="0"/>
+      <dgm:spPr/>
+    </dgm:pt>
+    <dgm:pt modelId="{FF291A46-37B7-468A-AE9A-F2D6EEA1231B}" type="pres">
+      <dgm:prSet presAssocID="{210BD77C-F462-4C86-9BE2-31E31DCF2A35}" presName="tx1" presStyleLbl="revTx" presStyleIdx="2" presStyleCnt="7"/>
+      <dgm:spPr/>
+    </dgm:pt>
+    <dgm:pt modelId="{242D3D1A-6933-4623-994F-0AC0F3458B3F}" type="pres">
+      <dgm:prSet presAssocID="{210BD77C-F462-4C86-9BE2-31E31DCF2A35}" presName="vert1" presStyleCnt="0"/>
+      <dgm:spPr/>
+    </dgm:pt>
+    <dgm:pt modelId="{F3EF0001-728D-42E4-891F-55215DB541A5}" type="pres">
+      <dgm:prSet presAssocID="{2B0D2DE3-FB69-4818-B9FD-CFB0D04CD998}" presName="thickLine" presStyleLbl="alignNode1" presStyleIdx="3" presStyleCnt="7"/>
+      <dgm:spPr/>
+    </dgm:pt>
+    <dgm:pt modelId="{E7691F10-C2CE-493F-82AF-1012BE0AA86C}" type="pres">
+      <dgm:prSet presAssocID="{2B0D2DE3-FB69-4818-B9FD-CFB0D04CD998}" presName="horz1" presStyleCnt="0"/>
+      <dgm:spPr/>
+    </dgm:pt>
+    <dgm:pt modelId="{FD2FE0F3-068A-484E-98A7-4C3CB9FFCF4B}" type="pres">
+      <dgm:prSet presAssocID="{2B0D2DE3-FB69-4818-B9FD-CFB0D04CD998}" presName="tx1" presStyleLbl="revTx" presStyleIdx="3" presStyleCnt="7"/>
+      <dgm:spPr/>
+    </dgm:pt>
+    <dgm:pt modelId="{70D1CA09-C363-4E2C-811F-B25562407CF6}" type="pres">
+      <dgm:prSet presAssocID="{2B0D2DE3-FB69-4818-B9FD-CFB0D04CD998}" presName="vert1" presStyleCnt="0"/>
+      <dgm:spPr/>
+    </dgm:pt>
+    <dgm:pt modelId="{0418F26F-2407-427E-B38A-D201AFF15325}" type="pres">
+      <dgm:prSet presAssocID="{2D188BD8-475B-485C-91FF-A8A5B92408F2}" presName="thickLine" presStyleLbl="alignNode1" presStyleIdx="4" presStyleCnt="7"/>
+      <dgm:spPr/>
+    </dgm:pt>
+    <dgm:pt modelId="{A6307761-7308-443D-A833-7FE393053853}" type="pres">
+      <dgm:prSet presAssocID="{2D188BD8-475B-485C-91FF-A8A5B92408F2}" presName="horz1" presStyleCnt="0"/>
+      <dgm:spPr/>
+    </dgm:pt>
+    <dgm:pt modelId="{32321A36-3C1F-494F-B7D4-ABABEA74B3F7}" type="pres">
+      <dgm:prSet presAssocID="{2D188BD8-475B-485C-91FF-A8A5B92408F2}" presName="tx1" presStyleLbl="revTx" presStyleIdx="4" presStyleCnt="7"/>
+      <dgm:spPr/>
+    </dgm:pt>
+    <dgm:pt modelId="{7495E414-AF05-481E-8E40-D94941D83E59}" type="pres">
+      <dgm:prSet presAssocID="{2D188BD8-475B-485C-91FF-A8A5B92408F2}" presName="vert1" presStyleCnt="0"/>
+      <dgm:spPr/>
+    </dgm:pt>
+    <dgm:pt modelId="{E272CFD4-1F6F-408C-838C-671C2740F318}" type="pres">
+      <dgm:prSet presAssocID="{1EF404B2-0101-463E-ADEE-FDD108DDC4DF}" presName="thickLine" presStyleLbl="alignNode1" presStyleIdx="5" presStyleCnt="7"/>
+      <dgm:spPr/>
+    </dgm:pt>
+    <dgm:pt modelId="{5C9EFE67-67FF-4DA0-BB07-33CF2518571E}" type="pres">
+      <dgm:prSet presAssocID="{1EF404B2-0101-463E-ADEE-FDD108DDC4DF}" presName="horz1" presStyleCnt="0"/>
+      <dgm:spPr/>
+    </dgm:pt>
+    <dgm:pt modelId="{0F6D2CC7-85F2-42BA-9D0F-D9340A2DCDA8}" type="pres">
+      <dgm:prSet presAssocID="{1EF404B2-0101-463E-ADEE-FDD108DDC4DF}" presName="tx1" presStyleLbl="revTx" presStyleIdx="5" presStyleCnt="7"/>
+      <dgm:spPr/>
+    </dgm:pt>
+    <dgm:pt modelId="{69D36947-8FF1-4891-99D7-2F6C24ED18A4}" type="pres">
+      <dgm:prSet presAssocID="{1EF404B2-0101-463E-ADEE-FDD108DDC4DF}" presName="vert1" presStyleCnt="0"/>
+      <dgm:spPr/>
+    </dgm:pt>
+    <dgm:pt modelId="{BCC9AD22-DFBF-4B3C-B869-7707E829B162}" type="pres">
+      <dgm:prSet presAssocID="{10F9A1DE-CE59-4BBF-AFCC-8A66855DF5E6}" presName="thickLine" presStyleLbl="alignNode1" presStyleIdx="6" presStyleCnt="7"/>
+      <dgm:spPr/>
+    </dgm:pt>
+    <dgm:pt modelId="{08F7D9AB-C555-4E3F-899E-8ABDE488AF5B}" type="pres">
+      <dgm:prSet presAssocID="{10F9A1DE-CE59-4BBF-AFCC-8A66855DF5E6}" presName="horz1" presStyleCnt="0"/>
+      <dgm:spPr/>
+    </dgm:pt>
+    <dgm:pt modelId="{0001499C-FD79-4A4F-B1D8-5BB0220D3E4E}" type="pres">
+      <dgm:prSet presAssocID="{10F9A1DE-CE59-4BBF-AFCC-8A66855DF5E6}" presName="tx1" presStyleLbl="revTx" presStyleIdx="6" presStyleCnt="7"/>
+      <dgm:spPr/>
+    </dgm:pt>
+    <dgm:pt modelId="{53CA7FF8-30C2-4A7A-8CFC-33468F785DAD}" type="pres">
+      <dgm:prSet presAssocID="{10F9A1DE-CE59-4BBF-AFCC-8A66855DF5E6}" presName="vert1" presStyleCnt="0"/>
+      <dgm:spPr/>
+    </dgm:pt>
+  </dgm:ptLst>
+  <dgm:cxnLst>
+    <dgm:cxn modelId="{DFD7D00F-E00C-4CB5-AA44-4D31BF7B7B57}" type="presOf" srcId="{10F9A1DE-CE59-4BBF-AFCC-8A66855DF5E6}" destId="{0001499C-FD79-4A4F-B1D8-5BB0220D3E4E}" srcOrd="0" destOrd="0" presId="urn:microsoft.com/office/officeart/2008/layout/LinedList"/>
+    <dgm:cxn modelId="{8B5B981E-2606-4728-A9E4-931AF4232A01}" type="presOf" srcId="{1EF404B2-0101-463E-ADEE-FDD108DDC4DF}" destId="{0F6D2CC7-85F2-42BA-9D0F-D9340A2DCDA8}" srcOrd="0" destOrd="0" presId="urn:microsoft.com/office/officeart/2008/layout/LinedList"/>
+    <dgm:cxn modelId="{BAAD572B-890D-4105-81A7-A7A39CE01280}" srcId="{D6EB8624-9D8C-4A09-9280-6601EA15FE25}" destId="{2B0D2DE3-FB69-4818-B9FD-CFB0D04CD998}" srcOrd="3" destOrd="0" parTransId="{494E1E7C-727F-4716-9405-DFFEF90A96F1}" sibTransId="{F24CFE20-1041-4345-AEC9-C1BB98D87866}"/>
+    <dgm:cxn modelId="{87836E2E-B5D6-4F25-BE44-4ECC7B82BFFD}" type="presOf" srcId="{2B0D2DE3-FB69-4818-B9FD-CFB0D04CD998}" destId="{FD2FE0F3-068A-484E-98A7-4C3CB9FFCF4B}" srcOrd="0" destOrd="0" presId="urn:microsoft.com/office/officeart/2008/layout/LinedList"/>
+    <dgm:cxn modelId="{5F7C2A6D-872D-4C57-8525-51D10D4176B1}" srcId="{D6EB8624-9D8C-4A09-9280-6601EA15FE25}" destId="{4B705906-71E3-4050-BB6E-1F8185063CB0}" srcOrd="0" destOrd="0" parTransId="{0892AD63-1FF2-4A8B-B022-4B68E36B2117}" sibTransId="{3993D87A-3F51-47F6-B94C-D53095E1DCBF}"/>
+    <dgm:cxn modelId="{251E754D-0B3F-4849-88BC-EE3DE84F9277}" srcId="{D6EB8624-9D8C-4A09-9280-6601EA15FE25}" destId="{210BD77C-F462-4C86-9BE2-31E31DCF2A35}" srcOrd="2" destOrd="0" parTransId="{D6D4CB2E-5F58-4450-800B-D2512147DDF3}" sibTransId="{B2454F2E-BC32-41CF-8AC9-B23ABBF6740A}"/>
+    <dgm:cxn modelId="{4CBC8550-9430-4FF9-A04B-49C20B462456}" type="presOf" srcId="{D6EB8624-9D8C-4A09-9280-6601EA15FE25}" destId="{39C2A261-E168-48EF-ADFE-3C9DDEA44294}" srcOrd="0" destOrd="0" presId="urn:microsoft.com/office/officeart/2008/layout/LinedList"/>
+    <dgm:cxn modelId="{22B7B98F-8F47-4639-942C-208A5591628E}" type="presOf" srcId="{210BD77C-F462-4C86-9BE2-31E31DCF2A35}" destId="{FF291A46-37B7-468A-AE9A-F2D6EEA1231B}" srcOrd="0" destOrd="0" presId="urn:microsoft.com/office/officeart/2008/layout/LinedList"/>
+    <dgm:cxn modelId="{D9234E91-87F3-4CBD-B440-F17778482A94}" type="presOf" srcId="{3D3A9F20-6C12-4DED-A8D6-A6148BA0E707}" destId="{857ACBCB-81DE-442F-AF6B-7B35ADF4C186}" srcOrd="0" destOrd="0" presId="urn:microsoft.com/office/officeart/2008/layout/LinedList"/>
+    <dgm:cxn modelId="{99A9A3B9-A1CE-4B9F-BD9C-88CA5F67DDF1}" type="presOf" srcId="{4B705906-71E3-4050-BB6E-1F8185063CB0}" destId="{A2D290F6-366E-4EE6-8584-A7515E133975}" srcOrd="0" destOrd="0" presId="urn:microsoft.com/office/officeart/2008/layout/LinedList"/>
+    <dgm:cxn modelId="{BBC37BD3-ADB6-47A9-A65A-E6568194CB05}" srcId="{D6EB8624-9D8C-4A09-9280-6601EA15FE25}" destId="{2D188BD8-475B-485C-91FF-A8A5B92408F2}" srcOrd="4" destOrd="0" parTransId="{78075E03-28CF-4168-9279-6D23100E35ED}" sibTransId="{45CAF5CD-7CBB-4491-A51B-1EEC6F6FA4E8}"/>
+    <dgm:cxn modelId="{0E040CE8-3EF2-4C05-AAE3-BEB99F8AB03C}" srcId="{D6EB8624-9D8C-4A09-9280-6601EA15FE25}" destId="{10F9A1DE-CE59-4BBF-AFCC-8A66855DF5E6}" srcOrd="6" destOrd="0" parTransId="{75281B5F-B95B-44D9-A522-84AA8CAAD821}" sibTransId="{A13D5C9D-5A1E-494F-A203-475C222B5659}"/>
+    <dgm:cxn modelId="{A57667ED-D263-4C22-AA13-F216A15F7980}" type="presOf" srcId="{2D188BD8-475B-485C-91FF-A8A5B92408F2}" destId="{32321A36-3C1F-494F-B7D4-ABABEA74B3F7}" srcOrd="0" destOrd="0" presId="urn:microsoft.com/office/officeart/2008/layout/LinedList"/>
+    <dgm:cxn modelId="{11E44CF1-2BF4-463D-AD06-AD179F4C15A4}" srcId="{D6EB8624-9D8C-4A09-9280-6601EA15FE25}" destId="{3D3A9F20-6C12-4DED-A8D6-A6148BA0E707}" srcOrd="1" destOrd="0" parTransId="{7A24B722-D636-4C49-BBFD-CE00989B6CA6}" sibTransId="{376AD437-55F4-4BEF-B8EF-8ABD61C9D6D3}"/>
+    <dgm:cxn modelId="{AEA22BF2-4B67-413D-949F-9D151E167AEB}" srcId="{D6EB8624-9D8C-4A09-9280-6601EA15FE25}" destId="{1EF404B2-0101-463E-ADEE-FDD108DDC4DF}" srcOrd="5" destOrd="0" parTransId="{E978D11A-B262-4237-8DDB-FB2D4500D82D}" sibTransId="{B5C4D2AD-A282-4A79-B7CE-EED6055FF136}"/>
+    <dgm:cxn modelId="{82CA2C4E-DB5B-4A13-933A-005B60FD9826}" type="presParOf" srcId="{39C2A261-E168-48EF-ADFE-3C9DDEA44294}" destId="{C5982169-665D-48AE-83AF-D1A16A4706C0}" srcOrd="0" destOrd="0" presId="urn:microsoft.com/office/officeart/2008/layout/LinedList"/>
+    <dgm:cxn modelId="{D073BAB8-E08C-422E-93B7-5D580C581044}" type="presParOf" srcId="{39C2A261-E168-48EF-ADFE-3C9DDEA44294}" destId="{7AB16C6C-71D9-4139-99A6-F0C0521FFFD9}" srcOrd="1" destOrd="0" presId="urn:microsoft.com/office/officeart/2008/layout/LinedList"/>
+    <dgm:cxn modelId="{D58113B9-77E2-4A62-9B67-CF47883FB7A3}" type="presParOf" srcId="{7AB16C6C-71D9-4139-99A6-F0C0521FFFD9}" destId="{A2D290F6-366E-4EE6-8584-A7515E133975}" srcOrd="0" destOrd="0" presId="urn:microsoft.com/office/officeart/2008/layout/LinedList"/>
+    <dgm:cxn modelId="{0E540B4A-8589-4E31-80D9-63C248DF0825}" type="presParOf" srcId="{7AB16C6C-71D9-4139-99A6-F0C0521FFFD9}" destId="{BA708DE5-64F2-4FF1-98E9-AA9F30797E86}" srcOrd="1" destOrd="0" presId="urn:microsoft.com/office/officeart/2008/layout/LinedList"/>
+    <dgm:cxn modelId="{14322B9C-9566-492F-B834-9F8E81C8E24F}" type="presParOf" srcId="{39C2A261-E168-48EF-ADFE-3C9DDEA44294}" destId="{07A531F2-0542-42A2-9577-EE42DCB2A037}" srcOrd="2" destOrd="0" presId="urn:microsoft.com/office/officeart/2008/layout/LinedList"/>
+    <dgm:cxn modelId="{CD2EABF5-D487-485F-86E0-842BEE29AB45}" type="presParOf" srcId="{39C2A261-E168-48EF-ADFE-3C9DDEA44294}" destId="{D3126F0E-6137-4937-AEA1-0C0E2309BDC6}" srcOrd="3" destOrd="0" presId="urn:microsoft.com/office/officeart/2008/layout/LinedList"/>
+    <dgm:cxn modelId="{745E8C93-82BC-4138-8FA8-7E551116DC44}" type="presParOf" srcId="{D3126F0E-6137-4937-AEA1-0C0E2309BDC6}" destId="{857ACBCB-81DE-442F-AF6B-7B35ADF4C186}" srcOrd="0" destOrd="0" presId="urn:microsoft.com/office/officeart/2008/layout/LinedList"/>
+    <dgm:cxn modelId="{33DF4218-F150-429B-B320-A6AFD6464554}" type="presParOf" srcId="{D3126F0E-6137-4937-AEA1-0C0E2309BDC6}" destId="{92C80B9F-53A7-4BBB-9328-CC9DDC221548}" srcOrd="1" destOrd="0" presId="urn:microsoft.com/office/officeart/2008/layout/LinedList"/>
+    <dgm:cxn modelId="{AE856A95-299B-4528-A8D6-BB8440D1F002}" type="presParOf" srcId="{39C2A261-E168-48EF-ADFE-3C9DDEA44294}" destId="{A565B34F-08F3-4303-851C-EBF524AB6C68}" srcOrd="4" destOrd="0" presId="urn:microsoft.com/office/officeart/2008/layout/LinedList"/>
+    <dgm:cxn modelId="{16EC41E5-7679-4B5F-9D9F-F79228F29136}" type="presParOf" srcId="{39C2A261-E168-48EF-ADFE-3C9DDEA44294}" destId="{85B85394-0F62-4C9C-B722-01E96DDF94D4}" srcOrd="5" destOrd="0" presId="urn:microsoft.com/office/officeart/2008/layout/LinedList"/>
+    <dgm:cxn modelId="{FBE95C27-5581-47A4-86BD-3493521D5C55}" type="presParOf" srcId="{85B85394-0F62-4C9C-B722-01E96DDF94D4}" destId="{FF291A46-37B7-468A-AE9A-F2D6EEA1231B}" srcOrd="0" destOrd="0" presId="urn:microsoft.com/office/officeart/2008/layout/LinedList"/>
+    <dgm:cxn modelId="{4BCC7748-DA48-43E7-B3CE-9DA1B31F3711}" type="presParOf" srcId="{85B85394-0F62-4C9C-B722-01E96DDF94D4}" destId="{242D3D1A-6933-4623-994F-0AC0F3458B3F}" srcOrd="1" destOrd="0" presId="urn:microsoft.com/office/officeart/2008/layout/LinedList"/>
+    <dgm:cxn modelId="{AFC7BAD3-A275-4CF8-A6F1-9B4750D593D8}" type="presParOf" srcId="{39C2A261-E168-48EF-ADFE-3C9DDEA44294}" destId="{F3EF0001-728D-42E4-891F-55215DB541A5}" srcOrd="6" destOrd="0" presId="urn:microsoft.com/office/officeart/2008/layout/LinedList"/>
+    <dgm:cxn modelId="{8349C523-A7E2-489F-9582-6A5E0F995A8A}" type="presParOf" srcId="{39C2A261-E168-48EF-ADFE-3C9DDEA44294}" destId="{E7691F10-C2CE-493F-82AF-1012BE0AA86C}" srcOrd="7" destOrd="0" presId="urn:microsoft.com/office/officeart/2008/layout/LinedList"/>
+    <dgm:cxn modelId="{517E4F47-8A75-44A1-909D-48350D8C7C09}" type="presParOf" srcId="{E7691F10-C2CE-493F-82AF-1012BE0AA86C}" destId="{FD2FE0F3-068A-484E-98A7-4C3CB9FFCF4B}" srcOrd="0" destOrd="0" presId="urn:microsoft.com/office/officeart/2008/layout/LinedList"/>
+    <dgm:cxn modelId="{F5AB82C7-715E-4C16-A7FB-2A237F3E1AB1}" type="presParOf" srcId="{E7691F10-C2CE-493F-82AF-1012BE0AA86C}" destId="{70D1CA09-C363-4E2C-811F-B25562407CF6}" srcOrd="1" destOrd="0" presId="urn:microsoft.com/office/officeart/2008/layout/LinedList"/>
+    <dgm:cxn modelId="{A9316D1C-FB90-4B55-A4D6-AB63D1733D56}" type="presParOf" srcId="{39C2A261-E168-48EF-ADFE-3C9DDEA44294}" destId="{0418F26F-2407-427E-B38A-D201AFF15325}" srcOrd="8" destOrd="0" presId="urn:microsoft.com/office/officeart/2008/layout/LinedList"/>
+    <dgm:cxn modelId="{A8EE0062-AE46-45AA-9DD8-661408BACE27}" type="presParOf" srcId="{39C2A261-E168-48EF-ADFE-3C9DDEA44294}" destId="{A6307761-7308-443D-A833-7FE393053853}" srcOrd="9" destOrd="0" presId="urn:microsoft.com/office/officeart/2008/layout/LinedList"/>
+    <dgm:cxn modelId="{58E504D3-625A-41AE-A37B-645084D3D5D4}" type="presParOf" srcId="{A6307761-7308-443D-A833-7FE393053853}" destId="{32321A36-3C1F-494F-B7D4-ABABEA74B3F7}" srcOrd="0" destOrd="0" presId="urn:microsoft.com/office/officeart/2008/layout/LinedList"/>
+    <dgm:cxn modelId="{68933688-AA81-44EB-9CC0-2A200C279970}" type="presParOf" srcId="{A6307761-7308-443D-A833-7FE393053853}" destId="{7495E414-AF05-481E-8E40-D94941D83E59}" srcOrd="1" destOrd="0" presId="urn:microsoft.com/office/officeart/2008/layout/LinedList"/>
+    <dgm:cxn modelId="{16FA00EF-E5C4-4790-AD5F-A1121AEA4246}" type="presParOf" srcId="{39C2A261-E168-48EF-ADFE-3C9DDEA44294}" destId="{E272CFD4-1F6F-408C-838C-671C2740F318}" srcOrd="10" destOrd="0" presId="urn:microsoft.com/office/officeart/2008/layout/LinedList"/>
+    <dgm:cxn modelId="{189BA58B-A15A-4C50-B383-D9E44B0E82E1}" type="presParOf" srcId="{39C2A261-E168-48EF-ADFE-3C9DDEA44294}" destId="{5C9EFE67-67FF-4DA0-BB07-33CF2518571E}" srcOrd="11" destOrd="0" presId="urn:microsoft.com/office/officeart/2008/layout/LinedList"/>
+    <dgm:cxn modelId="{388D50C4-B8A1-47CE-8D8A-E3CCCF925C47}" type="presParOf" srcId="{5C9EFE67-67FF-4DA0-BB07-33CF2518571E}" destId="{0F6D2CC7-85F2-42BA-9D0F-D9340A2DCDA8}" srcOrd="0" destOrd="0" presId="urn:microsoft.com/office/officeart/2008/layout/LinedList"/>
+    <dgm:cxn modelId="{056A76EA-A004-49D8-B57A-8682E98CCAFB}" type="presParOf" srcId="{5C9EFE67-67FF-4DA0-BB07-33CF2518571E}" destId="{69D36947-8FF1-4891-99D7-2F6C24ED18A4}" srcOrd="1" destOrd="0" presId="urn:microsoft.com/office/officeart/2008/layout/LinedList"/>
+    <dgm:cxn modelId="{0C74A9C6-8F46-4952-88F9-B32C98419C50}" type="presParOf" srcId="{39C2A261-E168-48EF-ADFE-3C9DDEA44294}" destId="{BCC9AD22-DFBF-4B3C-B869-7707E829B162}" srcOrd="12" destOrd="0" presId="urn:microsoft.com/office/officeart/2008/layout/LinedList"/>
+    <dgm:cxn modelId="{272145BA-1DB4-4E26-A20C-A48395A2820A}" type="presParOf" srcId="{39C2A261-E168-48EF-ADFE-3C9DDEA44294}" destId="{08F7D9AB-C555-4E3F-899E-8ABDE488AF5B}" srcOrd="13" destOrd="0" presId="urn:microsoft.com/office/officeart/2008/layout/LinedList"/>
+    <dgm:cxn modelId="{5282824E-8830-48FD-B173-8B80434034F5}" type="presParOf" srcId="{08F7D9AB-C555-4E3F-899E-8ABDE488AF5B}" destId="{0001499C-FD79-4A4F-B1D8-5BB0220D3E4E}" srcOrd="0" destOrd="0" presId="urn:microsoft.com/office/officeart/2008/layout/LinedList"/>
+    <dgm:cxn modelId="{6AEF0E2D-7ABA-41B3-B971-BF3C977C38AD}" type="presParOf" srcId="{08F7D9AB-C555-4E3F-899E-8ABDE488AF5B}" destId="{53CA7FF8-30C2-4A7A-8CFC-33468F785DAD}" srcOrd="1" destOrd="0" presId="urn:microsoft.com/office/officeart/2008/layout/LinedList"/>
+  </dgm:cxnLst>
+  <dgm:bg/>
+  <dgm:whole/>
+  <dgm:extLst>
+    <a:ext uri="http://schemas.microsoft.com/office/drawing/2008/diagram">
+      <dsp:dataModelExt xmlns:dsp="http://schemas.microsoft.com/office/drawing/2008/diagram" relId="rId6" minVer="http://schemas.openxmlformats.org/drawingml/2006/diagram"/>
+    </a:ext>
+  </dgm:extLst>
+</dgm:dataModel>
+</file>
+
+<file path=ppt/diagrams/drawing1.xml><?xml version="1.0" encoding="utf-8"?>
+<dsp:drawing xmlns:dgm="http://schemas.openxmlformats.org/drawingml/2006/diagram" xmlns:dsp="http://schemas.microsoft.com/office/drawing/2008/diagram" xmlns:a="http://schemas.openxmlformats.org/drawingml/2006/main">
+  <dsp:spTree>
+    <dsp:nvGrpSpPr>
+      <dsp:cNvPr id="0" name=""/>
+      <dsp:cNvGrpSpPr/>
+    </dsp:nvGrpSpPr>
+    <dsp:grpSpPr/>
+    <dsp:sp modelId="{C5982169-665D-48AE-83AF-D1A16A4706C0}">
+      <dsp:nvSpPr>
+        <dsp:cNvPr id="0" name=""/>
+        <dsp:cNvSpPr/>
+      </dsp:nvSpPr>
+      <dsp:spPr>
+        <a:xfrm>
+          <a:off x="0" y="689"/>
+          <a:ext cx="6797675" cy="0"/>
+        </a:xfrm>
+        <a:prstGeom prst="line">
+          <a:avLst/>
+        </a:prstGeom>
+        <a:solidFill>
+          <a:schemeClr val="accent2">
+            <a:hueOff val="0"/>
+            <a:satOff val="0"/>
+            <a:lumOff val="0"/>
+            <a:alphaOff val="0"/>
+          </a:schemeClr>
+        </a:solidFill>
+        <a:ln w="15875" cap="flat" cmpd="sng" algn="ctr">
+          <a:solidFill>
+            <a:schemeClr val="accent2">
+              <a:hueOff val="0"/>
+              <a:satOff val="0"/>
+              <a:lumOff val="0"/>
+              <a:alphaOff val="0"/>
+            </a:schemeClr>
+          </a:solidFill>
+          <a:prstDash val="solid"/>
+        </a:ln>
+        <a:effectLst/>
+      </dsp:spPr>
+      <dsp:style>
+        <a:lnRef idx="2">
+          <a:scrgbClr r="0" g="0" b="0"/>
+        </a:lnRef>
+        <a:fillRef idx="1">
+          <a:scrgbClr r="0" g="0" b="0"/>
+        </a:fillRef>
+        <a:effectRef idx="0">
+          <a:scrgbClr r="0" g="0" b="0"/>
+        </a:effectRef>
+        <a:fontRef idx="minor">
+          <a:schemeClr val="lt1"/>
+        </a:fontRef>
+      </dsp:style>
+    </dsp:sp>
+    <dsp:sp modelId="{A2D290F6-366E-4EE6-8584-A7515E133975}">
+      <dsp:nvSpPr>
+        <dsp:cNvPr id="0" name=""/>
+        <dsp:cNvSpPr/>
+      </dsp:nvSpPr>
+      <dsp:spPr>
+        <a:xfrm>
+          <a:off x="0" y="689"/>
+          <a:ext cx="6797675" cy="806933"/>
+        </a:xfrm>
+        <a:prstGeom prst="rect">
+          <a:avLst/>
+        </a:prstGeom>
+        <a:noFill/>
+        <a:ln>
+          <a:noFill/>
+        </a:ln>
+        <a:effectLst/>
+      </dsp:spPr>
+      <dsp:style>
+        <a:lnRef idx="0">
+          <a:scrgbClr r="0" g="0" b="0"/>
+        </a:lnRef>
+        <a:fillRef idx="0">
+          <a:scrgbClr r="0" g="0" b="0"/>
+        </a:fillRef>
+        <a:effectRef idx="0">
+          <a:scrgbClr r="0" g="0" b="0"/>
+        </a:effectRef>
+        <a:fontRef idx="minor"/>
+      </dsp:style>
+      <dsp:txBody>
+        <a:bodyPr spcFirstLastPara="0" vert="horz" wrap="square" lIns="140970" tIns="140970" rIns="140970" bIns="140970" numCol="1" spcCol="1270" anchor="t" anchorCtr="0">
+          <a:noAutofit/>
+        </a:bodyPr>
+        <a:lstStyle/>
+        <a:p>
+          <a:pPr marL="0" lvl="0" indent="0" algn="l" defTabSz="1644650">
+            <a:lnSpc>
+              <a:spcPct val="90000"/>
+            </a:lnSpc>
+            <a:spcBef>
+              <a:spcPct val="0"/>
+            </a:spcBef>
+            <a:spcAft>
+              <a:spcPct val="35000"/>
+            </a:spcAft>
+            <a:buNone/>
+          </a:pPr>
+          <a:r>
+            <a:rPr lang="nl-BE" sz="3700" kern="1200"/>
+            <a:t>- Wie is wie</a:t>
+          </a:r>
+          <a:endParaRPr lang="en-US" sz="3700" kern="1200"/>
+        </a:p>
+      </dsp:txBody>
+      <dsp:txXfrm>
+        <a:off x="0" y="689"/>
+        <a:ext cx="6797675" cy="806933"/>
+      </dsp:txXfrm>
+    </dsp:sp>
+    <dsp:sp modelId="{07A531F2-0542-42A2-9577-EE42DCB2A037}">
+      <dsp:nvSpPr>
+        <dsp:cNvPr id="0" name=""/>
+        <dsp:cNvSpPr/>
+      </dsp:nvSpPr>
+      <dsp:spPr>
+        <a:xfrm>
+          <a:off x="0" y="807622"/>
+          <a:ext cx="6797675" cy="0"/>
+        </a:xfrm>
+        <a:prstGeom prst="line">
+          <a:avLst/>
+        </a:prstGeom>
+        <a:solidFill>
+          <a:schemeClr val="accent2">
+            <a:hueOff val="-221971"/>
+            <a:satOff val="-98"/>
+            <a:lumOff val="261"/>
+            <a:alphaOff val="0"/>
+          </a:schemeClr>
+        </a:solidFill>
+        <a:ln w="15875" cap="flat" cmpd="sng" algn="ctr">
+          <a:solidFill>
+            <a:schemeClr val="accent2">
+              <a:hueOff val="-221971"/>
+              <a:satOff val="-98"/>
+              <a:lumOff val="261"/>
+              <a:alphaOff val="0"/>
+            </a:schemeClr>
+          </a:solidFill>
+          <a:prstDash val="solid"/>
+        </a:ln>
+        <a:effectLst/>
+      </dsp:spPr>
+      <dsp:style>
+        <a:lnRef idx="2">
+          <a:scrgbClr r="0" g="0" b="0"/>
+        </a:lnRef>
+        <a:fillRef idx="1">
+          <a:scrgbClr r="0" g="0" b="0"/>
+        </a:fillRef>
+        <a:effectRef idx="0">
+          <a:scrgbClr r="0" g="0" b="0"/>
+        </a:effectRef>
+        <a:fontRef idx="minor">
+          <a:schemeClr val="lt1"/>
+        </a:fontRef>
+      </dsp:style>
+    </dsp:sp>
+    <dsp:sp modelId="{857ACBCB-81DE-442F-AF6B-7B35ADF4C186}">
+      <dsp:nvSpPr>
+        <dsp:cNvPr id="0" name=""/>
+        <dsp:cNvSpPr/>
+      </dsp:nvSpPr>
+      <dsp:spPr>
+        <a:xfrm>
+          <a:off x="0" y="807622"/>
+          <a:ext cx="6797675" cy="806933"/>
+        </a:xfrm>
+        <a:prstGeom prst="rect">
+          <a:avLst/>
+        </a:prstGeom>
+        <a:noFill/>
+        <a:ln>
+          <a:noFill/>
+        </a:ln>
+        <a:effectLst/>
+      </dsp:spPr>
+      <dsp:style>
+        <a:lnRef idx="0">
+          <a:scrgbClr r="0" g="0" b="0"/>
+        </a:lnRef>
+        <a:fillRef idx="0">
+          <a:scrgbClr r="0" g="0" b="0"/>
+        </a:fillRef>
+        <a:effectRef idx="0">
+          <a:scrgbClr r="0" g="0" b="0"/>
+        </a:effectRef>
+        <a:fontRef idx="minor"/>
+      </dsp:style>
+      <dsp:txBody>
+        <a:bodyPr spcFirstLastPara="0" vert="horz" wrap="square" lIns="140970" tIns="140970" rIns="140970" bIns="140970" numCol="1" spcCol="1270" anchor="t" anchorCtr="0">
+          <a:noAutofit/>
+        </a:bodyPr>
+        <a:lstStyle/>
+        <a:p>
+          <a:pPr marL="0" lvl="0" indent="0" algn="l" defTabSz="1644650">
+            <a:lnSpc>
+              <a:spcPct val="90000"/>
+            </a:lnSpc>
+            <a:spcBef>
+              <a:spcPct val="0"/>
+            </a:spcBef>
+            <a:spcAft>
+              <a:spcPct val="35000"/>
+            </a:spcAft>
+            <a:buNone/>
+          </a:pPr>
+          <a:r>
+            <a:rPr lang="nl-BE" sz="3700" kern="1200"/>
+            <a:t>- Situatieschets</a:t>
+          </a:r>
+          <a:endParaRPr lang="en-US" sz="3700" kern="1200"/>
+        </a:p>
+      </dsp:txBody>
+      <dsp:txXfrm>
+        <a:off x="0" y="807622"/>
+        <a:ext cx="6797675" cy="806933"/>
+      </dsp:txXfrm>
+    </dsp:sp>
+    <dsp:sp modelId="{A565B34F-08F3-4303-851C-EBF524AB6C68}">
+      <dsp:nvSpPr>
+        <dsp:cNvPr id="0" name=""/>
+        <dsp:cNvSpPr/>
+      </dsp:nvSpPr>
+      <dsp:spPr>
+        <a:xfrm>
+          <a:off x="0" y="1614556"/>
+          <a:ext cx="6797675" cy="0"/>
+        </a:xfrm>
+        <a:prstGeom prst="line">
+          <a:avLst/>
+        </a:prstGeom>
+        <a:solidFill>
+          <a:schemeClr val="accent2">
+            <a:hueOff val="-443941"/>
+            <a:satOff val="-195"/>
+            <a:lumOff val="523"/>
+            <a:alphaOff val="0"/>
+          </a:schemeClr>
+        </a:solidFill>
+        <a:ln w="15875" cap="flat" cmpd="sng" algn="ctr">
+          <a:solidFill>
+            <a:schemeClr val="accent2">
+              <a:hueOff val="-443941"/>
+              <a:satOff val="-195"/>
+              <a:lumOff val="523"/>
+              <a:alphaOff val="0"/>
+            </a:schemeClr>
+          </a:solidFill>
+          <a:prstDash val="solid"/>
+        </a:ln>
+        <a:effectLst/>
+      </dsp:spPr>
+      <dsp:style>
+        <a:lnRef idx="2">
+          <a:scrgbClr r="0" g="0" b="0"/>
+        </a:lnRef>
+        <a:fillRef idx="1">
+          <a:scrgbClr r="0" g="0" b="0"/>
+        </a:fillRef>
+        <a:effectRef idx="0">
+          <a:scrgbClr r="0" g="0" b="0"/>
+        </a:effectRef>
+        <a:fontRef idx="minor">
+          <a:schemeClr val="lt1"/>
+        </a:fontRef>
+      </dsp:style>
+    </dsp:sp>
+    <dsp:sp modelId="{FF291A46-37B7-468A-AE9A-F2D6EEA1231B}">
+      <dsp:nvSpPr>
+        <dsp:cNvPr id="0" name=""/>
+        <dsp:cNvSpPr/>
+      </dsp:nvSpPr>
+      <dsp:spPr>
+        <a:xfrm>
+          <a:off x="0" y="1614556"/>
+          <a:ext cx="6797675" cy="806933"/>
+        </a:xfrm>
+        <a:prstGeom prst="rect">
+          <a:avLst/>
+        </a:prstGeom>
+        <a:noFill/>
+        <a:ln>
+          <a:noFill/>
+        </a:ln>
+        <a:effectLst/>
+      </dsp:spPr>
+      <dsp:style>
+        <a:lnRef idx="0">
+          <a:scrgbClr r="0" g="0" b="0"/>
+        </a:lnRef>
+        <a:fillRef idx="0">
+          <a:scrgbClr r="0" g="0" b="0"/>
+        </a:fillRef>
+        <a:effectRef idx="0">
+          <a:scrgbClr r="0" g="0" b="0"/>
+        </a:effectRef>
+        <a:fontRef idx="minor"/>
+      </dsp:style>
+      <dsp:txBody>
+        <a:bodyPr spcFirstLastPara="0" vert="horz" wrap="square" lIns="140970" tIns="140970" rIns="140970" bIns="140970" numCol="1" spcCol="1270" anchor="t" anchorCtr="0">
+          <a:noAutofit/>
+        </a:bodyPr>
+        <a:lstStyle/>
+        <a:p>
+          <a:pPr marL="0" lvl="0" indent="0" algn="l" defTabSz="1644650">
+            <a:lnSpc>
+              <a:spcPct val="90000"/>
+            </a:lnSpc>
+            <a:spcBef>
+              <a:spcPct val="0"/>
+            </a:spcBef>
+            <a:spcAft>
+              <a:spcPct val="35000"/>
+            </a:spcAft>
+            <a:buNone/>
+          </a:pPr>
+          <a:r>
+            <a:rPr lang="nl-BE" sz="3700" kern="1200"/>
+            <a:t>- Plan van aanpak</a:t>
+          </a:r>
+          <a:endParaRPr lang="en-US" sz="3700" kern="1200"/>
+        </a:p>
+      </dsp:txBody>
+      <dsp:txXfrm>
+        <a:off x="0" y="1614556"/>
+        <a:ext cx="6797675" cy="806933"/>
+      </dsp:txXfrm>
+    </dsp:sp>
+    <dsp:sp modelId="{F3EF0001-728D-42E4-891F-55215DB541A5}">
+      <dsp:nvSpPr>
+        <dsp:cNvPr id="0" name=""/>
+        <dsp:cNvSpPr/>
+      </dsp:nvSpPr>
+      <dsp:spPr>
+        <a:xfrm>
+          <a:off x="0" y="2421489"/>
+          <a:ext cx="6797675" cy="0"/>
+        </a:xfrm>
+        <a:prstGeom prst="line">
+          <a:avLst/>
+        </a:prstGeom>
+        <a:solidFill>
+          <a:schemeClr val="accent2">
+            <a:hueOff val="-665912"/>
+            <a:satOff val="-293"/>
+            <a:lumOff val="784"/>
+            <a:alphaOff val="0"/>
+          </a:schemeClr>
+        </a:solidFill>
+        <a:ln w="15875" cap="flat" cmpd="sng" algn="ctr">
+          <a:solidFill>
+            <a:schemeClr val="accent2">
+              <a:hueOff val="-665912"/>
+              <a:satOff val="-293"/>
+              <a:lumOff val="784"/>
+              <a:alphaOff val="0"/>
+            </a:schemeClr>
+          </a:solidFill>
+          <a:prstDash val="solid"/>
+        </a:ln>
+        <a:effectLst/>
+      </dsp:spPr>
+      <dsp:style>
+        <a:lnRef idx="2">
+          <a:scrgbClr r="0" g="0" b="0"/>
+        </a:lnRef>
+        <a:fillRef idx="1">
+          <a:scrgbClr r="0" g="0" b="0"/>
+        </a:fillRef>
+        <a:effectRef idx="0">
+          <a:scrgbClr r="0" g="0" b="0"/>
+        </a:effectRef>
+        <a:fontRef idx="minor">
+          <a:schemeClr val="lt1"/>
+        </a:fontRef>
+      </dsp:style>
+    </dsp:sp>
+    <dsp:sp modelId="{FD2FE0F3-068A-484E-98A7-4C3CB9FFCF4B}">
+      <dsp:nvSpPr>
+        <dsp:cNvPr id="0" name=""/>
+        <dsp:cNvSpPr/>
+      </dsp:nvSpPr>
+      <dsp:spPr>
+        <a:xfrm>
+          <a:off x="0" y="2421489"/>
+          <a:ext cx="6797675" cy="806933"/>
+        </a:xfrm>
+        <a:prstGeom prst="rect">
+          <a:avLst/>
+        </a:prstGeom>
+        <a:noFill/>
+        <a:ln>
+          <a:noFill/>
+        </a:ln>
+        <a:effectLst/>
+      </dsp:spPr>
+      <dsp:style>
+        <a:lnRef idx="0">
+          <a:scrgbClr r="0" g="0" b="0"/>
+        </a:lnRef>
+        <a:fillRef idx="0">
+          <a:scrgbClr r="0" g="0" b="0"/>
+        </a:fillRef>
+        <a:effectRef idx="0">
+          <a:scrgbClr r="0" g="0" b="0"/>
+        </a:effectRef>
+        <a:fontRef idx="minor"/>
+      </dsp:style>
+      <dsp:txBody>
+        <a:bodyPr spcFirstLastPara="0" vert="horz" wrap="square" lIns="140970" tIns="140970" rIns="140970" bIns="140970" numCol="1" spcCol="1270" anchor="t" anchorCtr="0">
+          <a:noAutofit/>
+        </a:bodyPr>
+        <a:lstStyle/>
+        <a:p>
+          <a:pPr marL="0" lvl="0" indent="0" algn="l" defTabSz="1644650">
+            <a:lnSpc>
+              <a:spcPct val="90000"/>
+            </a:lnSpc>
+            <a:spcBef>
+              <a:spcPct val="0"/>
+            </a:spcBef>
+            <a:spcAft>
+              <a:spcPct val="35000"/>
+            </a:spcAft>
+            <a:buNone/>
+          </a:pPr>
+          <a:r>
+            <a:rPr lang="nl-BE" sz="3700" kern="1200"/>
+            <a:t>- Sprints</a:t>
+          </a:r>
+          <a:endParaRPr lang="en-US" sz="3700" kern="1200"/>
+        </a:p>
+      </dsp:txBody>
+      <dsp:txXfrm>
+        <a:off x="0" y="2421489"/>
+        <a:ext cx="6797675" cy="806933"/>
+      </dsp:txXfrm>
+    </dsp:sp>
+    <dsp:sp modelId="{0418F26F-2407-427E-B38A-D201AFF15325}">
+      <dsp:nvSpPr>
+        <dsp:cNvPr id="0" name=""/>
+        <dsp:cNvSpPr/>
+      </dsp:nvSpPr>
+      <dsp:spPr>
+        <a:xfrm>
+          <a:off x="0" y="3228422"/>
+          <a:ext cx="6797675" cy="0"/>
+        </a:xfrm>
+        <a:prstGeom prst="line">
+          <a:avLst/>
+        </a:prstGeom>
+        <a:solidFill>
+          <a:schemeClr val="accent2">
+            <a:hueOff val="-887883"/>
+            <a:satOff val="-391"/>
+            <a:lumOff val="1046"/>
+            <a:alphaOff val="0"/>
+          </a:schemeClr>
+        </a:solidFill>
+        <a:ln w="15875" cap="flat" cmpd="sng" algn="ctr">
+          <a:solidFill>
+            <a:schemeClr val="accent2">
+              <a:hueOff val="-887883"/>
+              <a:satOff val="-391"/>
+              <a:lumOff val="1046"/>
+              <a:alphaOff val="0"/>
+            </a:schemeClr>
+          </a:solidFill>
+          <a:prstDash val="solid"/>
+        </a:ln>
+        <a:effectLst/>
+      </dsp:spPr>
+      <dsp:style>
+        <a:lnRef idx="2">
+          <a:scrgbClr r="0" g="0" b="0"/>
+        </a:lnRef>
+        <a:fillRef idx="1">
+          <a:scrgbClr r="0" g="0" b="0"/>
+        </a:fillRef>
+        <a:effectRef idx="0">
+          <a:scrgbClr r="0" g="0" b="0"/>
+        </a:effectRef>
+        <a:fontRef idx="minor">
+          <a:schemeClr val="lt1"/>
+        </a:fontRef>
+      </dsp:style>
+    </dsp:sp>
+    <dsp:sp modelId="{32321A36-3C1F-494F-B7D4-ABABEA74B3F7}">
+      <dsp:nvSpPr>
+        <dsp:cNvPr id="0" name=""/>
+        <dsp:cNvSpPr/>
+      </dsp:nvSpPr>
+      <dsp:spPr>
+        <a:xfrm>
+          <a:off x="0" y="3228422"/>
+          <a:ext cx="6797675" cy="806933"/>
+        </a:xfrm>
+        <a:prstGeom prst="rect">
+          <a:avLst/>
+        </a:prstGeom>
+        <a:noFill/>
+        <a:ln>
+          <a:noFill/>
+        </a:ln>
+        <a:effectLst/>
+      </dsp:spPr>
+      <dsp:style>
+        <a:lnRef idx="0">
+          <a:scrgbClr r="0" g="0" b="0"/>
+        </a:lnRef>
+        <a:fillRef idx="0">
+          <a:scrgbClr r="0" g="0" b="0"/>
+        </a:fillRef>
+        <a:effectRef idx="0">
+          <a:scrgbClr r="0" g="0" b="0"/>
+        </a:effectRef>
+        <a:fontRef idx="minor"/>
+      </dsp:style>
+      <dsp:txBody>
+        <a:bodyPr spcFirstLastPara="0" vert="horz" wrap="square" lIns="140970" tIns="140970" rIns="140970" bIns="140970" numCol="1" spcCol="1270" anchor="t" anchorCtr="0">
+          <a:noAutofit/>
+        </a:bodyPr>
+        <a:lstStyle/>
+        <a:p>
+          <a:pPr marL="0" lvl="0" indent="0" algn="l" defTabSz="1644650">
+            <a:lnSpc>
+              <a:spcPct val="90000"/>
+            </a:lnSpc>
+            <a:spcBef>
+              <a:spcPct val="0"/>
+            </a:spcBef>
+            <a:spcAft>
+              <a:spcPct val="35000"/>
+            </a:spcAft>
+            <a:buNone/>
+          </a:pPr>
+          <a:r>
+            <a:rPr lang="nl-BE" sz="3700" kern="1200"/>
+            <a:t>- Uitvoering</a:t>
+          </a:r>
+          <a:endParaRPr lang="en-US" sz="3700" kern="1200"/>
+        </a:p>
+      </dsp:txBody>
+      <dsp:txXfrm>
+        <a:off x="0" y="3228422"/>
+        <a:ext cx="6797675" cy="806933"/>
+      </dsp:txXfrm>
+    </dsp:sp>
+    <dsp:sp modelId="{E272CFD4-1F6F-408C-838C-671C2740F318}">
+      <dsp:nvSpPr>
+        <dsp:cNvPr id="0" name=""/>
+        <dsp:cNvSpPr/>
+      </dsp:nvSpPr>
+      <dsp:spPr>
+        <a:xfrm>
+          <a:off x="0" y="4035355"/>
+          <a:ext cx="6797675" cy="0"/>
+        </a:xfrm>
+        <a:prstGeom prst="line">
+          <a:avLst/>
+        </a:prstGeom>
+        <a:solidFill>
+          <a:schemeClr val="accent2">
+            <a:hueOff val="-1109853"/>
+            <a:satOff val="-488"/>
+            <a:lumOff val="1307"/>
+            <a:alphaOff val="0"/>
+          </a:schemeClr>
+        </a:solidFill>
+        <a:ln w="15875" cap="flat" cmpd="sng" algn="ctr">
+          <a:solidFill>
+            <a:schemeClr val="accent2">
+              <a:hueOff val="-1109853"/>
+              <a:satOff val="-488"/>
+              <a:lumOff val="1307"/>
+              <a:alphaOff val="0"/>
+            </a:schemeClr>
+          </a:solidFill>
+          <a:prstDash val="solid"/>
+        </a:ln>
+        <a:effectLst/>
+      </dsp:spPr>
+      <dsp:style>
+        <a:lnRef idx="2">
+          <a:scrgbClr r="0" g="0" b="0"/>
+        </a:lnRef>
+        <a:fillRef idx="1">
+          <a:scrgbClr r="0" g="0" b="0"/>
+        </a:fillRef>
+        <a:effectRef idx="0">
+          <a:scrgbClr r="0" g="0" b="0"/>
+        </a:effectRef>
+        <a:fontRef idx="minor">
+          <a:schemeClr val="lt1"/>
+        </a:fontRef>
+      </dsp:style>
+    </dsp:sp>
+    <dsp:sp modelId="{0F6D2CC7-85F2-42BA-9D0F-D9340A2DCDA8}">
+      <dsp:nvSpPr>
+        <dsp:cNvPr id="0" name=""/>
+        <dsp:cNvSpPr/>
+      </dsp:nvSpPr>
+      <dsp:spPr>
+        <a:xfrm>
+          <a:off x="0" y="4035355"/>
+          <a:ext cx="6797675" cy="806933"/>
+        </a:xfrm>
+        <a:prstGeom prst="rect">
+          <a:avLst/>
+        </a:prstGeom>
+        <a:noFill/>
+        <a:ln>
+          <a:noFill/>
+        </a:ln>
+        <a:effectLst/>
+      </dsp:spPr>
+      <dsp:style>
+        <a:lnRef idx="0">
+          <a:scrgbClr r="0" g="0" b="0"/>
+        </a:lnRef>
+        <a:fillRef idx="0">
+          <a:scrgbClr r="0" g="0" b="0"/>
+        </a:fillRef>
+        <a:effectRef idx="0">
+          <a:scrgbClr r="0" g="0" b="0"/>
+        </a:effectRef>
+        <a:fontRef idx="minor"/>
+      </dsp:style>
+      <dsp:txBody>
+        <a:bodyPr spcFirstLastPara="0" vert="horz" wrap="square" lIns="140970" tIns="140970" rIns="140970" bIns="140970" numCol="1" spcCol="1270" anchor="t" anchorCtr="0">
+          <a:noAutofit/>
+        </a:bodyPr>
+        <a:lstStyle/>
+        <a:p>
+          <a:pPr marL="0" lvl="0" indent="0" algn="l" defTabSz="1644650">
+            <a:lnSpc>
+              <a:spcPct val="90000"/>
+            </a:lnSpc>
+            <a:spcBef>
+              <a:spcPct val="0"/>
+            </a:spcBef>
+            <a:spcAft>
+              <a:spcPct val="35000"/>
+            </a:spcAft>
+            <a:buNone/>
+          </a:pPr>
+          <a:r>
+            <a:rPr lang="nl-BE" sz="3700" kern="1200"/>
+            <a:t>- Demo</a:t>
+          </a:r>
+          <a:endParaRPr lang="en-US" sz="3700" kern="1200"/>
+        </a:p>
+      </dsp:txBody>
+      <dsp:txXfrm>
+        <a:off x="0" y="4035355"/>
+        <a:ext cx="6797675" cy="806933"/>
+      </dsp:txXfrm>
+    </dsp:sp>
+    <dsp:sp modelId="{BCC9AD22-DFBF-4B3C-B869-7707E829B162}">
+      <dsp:nvSpPr>
+        <dsp:cNvPr id="0" name=""/>
+        <dsp:cNvSpPr/>
+      </dsp:nvSpPr>
+      <dsp:spPr>
+        <a:xfrm>
+          <a:off x="0" y="4842289"/>
+          <a:ext cx="6797675" cy="0"/>
+        </a:xfrm>
+        <a:prstGeom prst="line">
+          <a:avLst/>
+        </a:prstGeom>
+        <a:solidFill>
+          <a:schemeClr val="accent2">
+            <a:hueOff val="-1331824"/>
+            <a:satOff val="-586"/>
+            <a:lumOff val="1569"/>
+            <a:alphaOff val="0"/>
+          </a:schemeClr>
+        </a:solidFill>
+        <a:ln w="15875" cap="flat" cmpd="sng" algn="ctr">
+          <a:solidFill>
+            <a:schemeClr val="accent2">
+              <a:hueOff val="-1331824"/>
+              <a:satOff val="-586"/>
+              <a:lumOff val="1569"/>
+              <a:alphaOff val="0"/>
+            </a:schemeClr>
+          </a:solidFill>
+          <a:prstDash val="solid"/>
+        </a:ln>
+        <a:effectLst/>
+      </dsp:spPr>
+      <dsp:style>
+        <a:lnRef idx="2">
+          <a:scrgbClr r="0" g="0" b="0"/>
+        </a:lnRef>
+        <a:fillRef idx="1">
+          <a:scrgbClr r="0" g="0" b="0"/>
+        </a:fillRef>
+        <a:effectRef idx="0">
+          <a:scrgbClr r="0" g="0" b="0"/>
+        </a:effectRef>
+        <a:fontRef idx="minor">
+          <a:schemeClr val="lt1"/>
+        </a:fontRef>
+      </dsp:style>
+    </dsp:sp>
+    <dsp:sp modelId="{0001499C-FD79-4A4F-B1D8-5BB0220D3E4E}">
+      <dsp:nvSpPr>
+        <dsp:cNvPr id="0" name=""/>
+        <dsp:cNvSpPr/>
+      </dsp:nvSpPr>
+      <dsp:spPr>
+        <a:xfrm>
+          <a:off x="0" y="4842289"/>
+          <a:ext cx="6797675" cy="806933"/>
+        </a:xfrm>
+        <a:prstGeom prst="rect">
+          <a:avLst/>
+        </a:prstGeom>
+        <a:noFill/>
+        <a:ln>
+          <a:noFill/>
+        </a:ln>
+        <a:effectLst/>
+      </dsp:spPr>
+      <dsp:style>
+        <a:lnRef idx="0">
+          <a:scrgbClr r="0" g="0" b="0"/>
+        </a:lnRef>
+        <a:fillRef idx="0">
+          <a:scrgbClr r="0" g="0" b="0"/>
+        </a:fillRef>
+        <a:effectRef idx="0">
+          <a:scrgbClr r="0" g="0" b="0"/>
+        </a:effectRef>
+        <a:fontRef idx="minor"/>
+      </dsp:style>
+      <dsp:txBody>
+        <a:bodyPr spcFirstLastPara="0" vert="horz" wrap="square" lIns="140970" tIns="140970" rIns="140970" bIns="140970" numCol="1" spcCol="1270" anchor="t" anchorCtr="0">
+          <a:noAutofit/>
+        </a:bodyPr>
+        <a:lstStyle/>
+        <a:p>
+          <a:pPr marL="0" lvl="0" indent="0" algn="l" defTabSz="1644650">
+            <a:lnSpc>
+              <a:spcPct val="90000"/>
+            </a:lnSpc>
+            <a:spcBef>
+              <a:spcPct val="0"/>
+            </a:spcBef>
+            <a:spcAft>
+              <a:spcPct val="35000"/>
+            </a:spcAft>
+            <a:buNone/>
+          </a:pPr>
+          <a:r>
+            <a:rPr lang="nl-BE" sz="3700" kern="1200"/>
+            <a:t>- Besluit</a:t>
+          </a:r>
+          <a:endParaRPr lang="en-US" sz="3700" kern="1200"/>
+        </a:p>
+      </dsp:txBody>
+      <dsp:txXfrm>
+        <a:off x="0" y="4842289"/>
+        <a:ext cx="6797675" cy="806933"/>
+      </dsp:txXfrm>
+    </dsp:sp>
+  </dsp:spTree>
+</dsp:drawing>
+</file>
+
+<file path=ppt/diagrams/layout1.xml><?xml version="1.0" encoding="utf-8"?>
+<dgm:layoutDef xmlns:dgm="http://schemas.openxmlformats.org/drawingml/2006/diagram" xmlns:a="http://schemas.openxmlformats.org/drawingml/2006/main" uniqueId="urn:microsoft.com/office/officeart/2008/layout/LinedList">
+  <dgm:title val=""/>
+  <dgm:desc val=""/>
+  <dgm:catLst>
+    <dgm:cat type="hierarchy" pri="8000"/>
+    <dgm:cat type="list" pri="2500"/>
+  </dgm:catLst>
+  <dgm:sampData>
+    <dgm:dataModel>
+      <dgm:ptLst>
+        <dgm:pt modelId="0" type="doc"/>
+        <dgm:pt modelId="1">
+          <dgm:prSet phldr="1"/>
+        </dgm:pt>
+        <dgm:pt modelId="11">
+          <dgm:prSet phldr="1"/>
+        </dgm:pt>
+        <dgm:pt modelId="12">
+          <dgm:prSet phldr="1"/>
+        </dgm:pt>
+        <dgm:pt modelId="13">
+          <dgm:prSet phldr="1"/>
+        </dgm:pt>
+      </dgm:ptLst>
+      <dgm:cxnLst>
+        <dgm:cxn modelId="2" srcId="0" destId="1" srcOrd="0" destOrd="0"/>
+        <dgm:cxn modelId="3" srcId="1" destId="11" srcOrd="0" destOrd="0"/>
+        <dgm:cxn modelId="4" srcId="1" destId="12" srcOrd="1" destOrd="0"/>
+        <dgm:cxn modelId="5" srcId="1" destId="13" srcOrd="2" destOrd="0"/>
+      </dgm:cxnLst>
+      <dgm:bg/>
+      <dgm:whole/>
+    </dgm:dataModel>
+  </dgm:sampData>
+  <dgm:styleData>
+    <dgm:dataModel>
+      <dgm:ptLst>
+        <dgm:pt modelId="0" type="doc"/>
+        <dgm:pt modelId="1">
+          <dgm:prSet phldr="1"/>
+        </dgm:pt>
+        <dgm:pt modelId="11">
+          <dgm:prSet phldr="1"/>
+        </dgm:pt>
+        <dgm:pt modelId="12">
+          <dgm:prSet phldr="1"/>
+        </dgm:pt>
+      </dgm:ptLst>
+      <dgm:cxnLst>
+        <dgm:cxn modelId="2" srcId="0" destId="1" srcOrd="0" destOrd="0"/>
+        <dgm:cxn modelId="3" srcId="1" destId="11" srcOrd="0" destOrd="0"/>
+        <dgm:cxn modelId="4" srcId="1" destId="12" srcOrd="1" destOrd="0"/>
+      </dgm:cxnLst>
+      <dgm:bg/>
+      <dgm:whole/>
+    </dgm:dataModel>
+  </dgm:styleData>
+  <dgm:clrData>
+    <dgm:dataModel>
+      <dgm:ptLst>
+        <dgm:pt modelId="0" type="doc"/>
+        <dgm:pt modelId="1">
+          <dgm:prSet phldr="1"/>
+        </dgm:pt>
+        <dgm:pt modelId="11">
+          <dgm:prSet phldr="1"/>
+        </dgm:pt>
+        <dgm:pt modelId="12">
+          <dgm:prSet phldr="1"/>
+        </dgm:pt>
+      </dgm:ptLst>
+      <dgm:cxnLst>
+        <dgm:cxn modelId="2" srcId="0" destId="1" srcOrd="0" destOrd="0"/>
+        <dgm:cxn modelId="3" srcId="1" destId="11" srcOrd="0" destOrd="0"/>
+        <dgm:cxn modelId="4" srcId="1" destId="12" srcOrd="1" destOrd="0"/>
+      </dgm:cxnLst>
+      <dgm:bg/>
+      <dgm:whole/>
+    </dgm:dataModel>
+  </dgm:clrData>
+  <dgm:layoutNode name="vert0">
+    <dgm:varLst>
+      <dgm:dir/>
+      <dgm:animOne val="branch"/>
+      <dgm:animLvl val="lvl"/>
+    </dgm:varLst>
+    <dgm:choose name="Name0">
+      <dgm:if name="Name1" func="var" arg="dir" op="equ" val="norm">
+        <dgm:alg type="lin">
+          <dgm:param type="linDir" val="fromT"/>
+          <dgm:param type="nodeHorzAlign" val="l"/>
+        </dgm:alg>
+      </dgm:if>
+      <dgm:else name="Name2">
+        <dgm:alg type="lin">
+          <dgm:param type="linDir" val="fromT"/>
+          <dgm:param type="nodeHorzAlign" val="r"/>
+        </dgm:alg>
+      </dgm:else>
+    </dgm:choose>
+    <dgm:shape xmlns:r="http://schemas.openxmlformats.org/officeDocument/2006/relationships" r:blip="">
+      <dgm:adjLst/>
+    </dgm:shape>
+    <dgm:presOf/>
+    <dgm:constrLst>
+      <dgm:constr type="w" for="ch" forName="horz1" refType="w"/>
+      <dgm:constr type="h" for="ch" forName="horz1" refType="h"/>
+      <dgm:constr type="h" for="des" forName="vert1" refType="h"/>
+      <dgm:constr type="h" for="des" forName="tx1" refType="h"/>
+      <dgm:constr type="h" for="des" forName="horz2" refType="h"/>
+      <dgm:constr type="h" for="des" forName="vert2" refType="h"/>
+      <dgm:constr type="h" for="des" forName="horz3" refType="h"/>
+      <dgm:constr type="h" for="des" forName="vert3" refType="h"/>
+      <dgm:constr type="h" for="des" forName="horz4" refType="h"/>
+      <dgm:constr type="h" for="des" ptType="node" refType="h"/>
+      <dgm:constr type="primFontSz" for="des" forName="tx1" op="equ" val="65"/>
+      <dgm:constr type="primFontSz" for="des" forName="tx2" op="equ" val="65"/>
+      <dgm:constr type="primFontSz" for="des" forName="tx3" op="equ" val="65"/>
+      <dgm:constr type="primFontSz" for="des" forName="tx4" op="equ" val="65"/>
+      <dgm:constr type="w" for="des" forName="thickLine" refType="w"/>
+      <dgm:constr type="h" for="des" forName="thickLine"/>
+      <dgm:constr type="h" for="des" forName="thinLine1"/>
+      <dgm:constr type="h" for="des" forName="thinLine2b"/>
+      <dgm:constr type="h" for="des" forName="thinLine3"/>
+      <dgm:constr type="h" for="des" forName="vertSpace2a" refType="h" fact="0.05"/>
+      <dgm:constr type="h" for="des" forName="vertSpace2b" refType="h" refFor="des" refForName="vertSpace2a"/>
+    </dgm:constrLst>
+    <dgm:forEach name="Name3" axis="ch" ptType="node">
+      <dgm:layoutNode name="thickLine" styleLbl="alignNode1">
+        <dgm:alg type="sp"/>
+        <dgm:shape xmlns:r="http://schemas.openxmlformats.org/officeDocument/2006/relationships" type="line" r:blip="">
+          <dgm:adjLst/>
+        </dgm:shape>
+        <dgm:presOf/>
+      </dgm:layoutNode>
+      <dgm:layoutNode name="horz1">
+        <dgm:choose name="Name4">
+          <dgm:if name="Name5" func="var" arg="dir" op="equ" val="norm">
+            <dgm:alg type="lin">
+              <dgm:param type="linDir" val="fromL"/>
+              <dgm:param type="nodeVertAlign" val="t"/>
+            </dgm:alg>
+          </dgm:if>
+          <dgm:else name="Name6">
+            <dgm:alg type="lin">
+              <dgm:param type="linDir" val="fromR"/>
+              <dgm:param type="nodeVertAlign" val="t"/>
+            </dgm:alg>
+          </dgm:else>
+        </dgm:choose>
+        <dgm:shape xmlns:r="http://schemas.openxmlformats.org/officeDocument/2006/relationships" r:blip="">
+          <dgm:adjLst/>
+        </dgm:shape>
+        <dgm:presOf/>
+        <dgm:choose name="Name7">
+          <dgm:if name="Name8" axis="root des" func="maxDepth" op="equ" val="1">
+            <dgm:constrLst>
+              <dgm:constr type="w" for="ch" forName="tx1" refType="w"/>
+            </dgm:constrLst>
+          </dgm:if>
+          <dgm:if name="Name9" axis="root des" func="maxDepth" op="equ" val="2">
+            <dgm:constrLst>
+              <dgm:constr type="w" for="ch" forName="tx1" refType="w" fact="0.2"/>
+              <dgm:constr type="w" for="des" forName="tx2" refType="w" fact="0.785"/>
+              <dgm:constr type="w" for="des" forName="horzSpace2" refType="w" fact="0.015"/>
+              <dgm:constr type="w" for="des" forName="thinLine2b" refType="w" fact="0.8"/>
+            </dgm:constrLst>
+          </dgm:if>
+          <dgm:if name="Name10" axis="root des" func="maxDepth" op="equ" val="3">
+            <dgm:constrLst>
+              <dgm:constr type="w" for="ch" forName="tx1" refType="w" fact="0.2"/>
+              <dgm:constr type="w" for="des" forName="tx2" refType="w" fact="0.385"/>
+              <dgm:constr type="w" for="des" forName="tx3" refType="w" fact="0.385"/>
+              <dgm:constr type="w" for="des" forName="horzSpace2" refType="w" fact="0.015"/>
+              <dgm:constr type="w" for="des" forName="horzSpace3" refType="w" fact="0.015"/>
+              <dgm:constr type="w" for="des" forName="thinLine2b" refType="w" fact="0.8"/>
+              <dgm:constr type="w" for="des" forName="thinLine3" refType="w" fact="0.385"/>
+            </dgm:constrLst>
+          </dgm:if>
+          <dgm:if name="Name11" axis="root des" func="maxDepth" op="gte" val="4">
+            <dgm:constrLst>
+              <dgm:constr type="w" for="ch" forName="tx1" refType="w" fact="0.2"/>
+              <dgm:constr type="w" for="des" forName="tx2" refType="w" fact="0.2516"/>
+              <dgm:constr type="w" for="des" forName="tx3" refType="w" fact="0.2516"/>
+              <dgm:constr type="w" for="des" forName="tx4" refType="w" fact="0.2516"/>
+              <dgm:constr type="w" for="des" forName="horzSpace2" refType="w" fact="0.015"/>
+              <dgm:constr type="w" for="des" forName="horzSpace3" refType="w" fact="0.015"/>
+              <dgm:constr type="w" for="des" forName="horzSpace4" refType="w" fact="0.015"/>
+              <dgm:constr type="w" for="des" forName="thinLine2b" refType="w" fact="0.8"/>
+              <dgm:constr type="w" for="des" forName="thinLine3" refType="w" fact="0.5332"/>
+            </dgm:constrLst>
+          </dgm:if>
+          <dgm:else name="Name12"/>
+        </dgm:choose>
+        <dgm:layoutNode name="tx1" styleLbl="revTx">
+          <dgm:alg type="tx">
+            <dgm:param type="parTxLTRAlign" val="l"/>
+            <dgm:param type="parTxRTLAlign" val="r"/>
+            <dgm:param type="txAnchorVert" val="t"/>
+          </dgm:alg>
+          <dgm:shape xmlns:r="http://schemas.openxmlformats.org/officeDocument/2006/relationships" type="rect" r:blip="">
+            <dgm:adjLst/>
+          </dgm:shape>
+          <dgm:presOf axis="self"/>
+          <dgm:constrLst>
+            <dgm:constr type="tMarg" refType="primFontSz" fact="0.3"/>
+            <dgm:constr type="bMarg" refType="primFontSz" fact="0.3"/>
+            <dgm:constr type="lMarg" refType="primFontSz" fact="0.3"/>
+            <dgm:constr type="rMarg" refType="primFontSz" fact="0.3"/>
+          </dgm:constrLst>
+          <dgm:ruleLst>
+            <dgm:rule type="primFontSz" val="5" fact="NaN" max="NaN"/>
+          </dgm:ruleLst>
+        </dgm:layoutNode>
+        <dgm:layoutNode name="vert1">
+          <dgm:choose name="Name13">
+            <dgm:if name="Name14" func="var" arg="dir" op="equ" val="norm">
+              <dgm:alg type="lin">
+                <dgm:param type="linDir" val="fromT"/>
+                <dgm:param type="nodeHorzAlign" val="l"/>
+              </dgm:alg>
+            </dgm:if>
+            <dgm:else name="Name15">
+              <dgm:alg type="lin">
+                <dgm:param type="linDir" val="fromT"/>
+                <dgm:param type="nodeHorzAlign" val="r"/>
+              </dgm:alg>
+            </dgm:else>
+          </dgm:choose>
+          <dgm:shape xmlns:r="http://schemas.openxmlformats.org/officeDocument/2006/relationships" r:blip="">
+            <dgm:adjLst/>
+          </dgm:shape>
+          <dgm:presOf/>
+          <dgm:forEach name="Name16" axis="ch" ptType="node">
+            <dgm:choose name="Name17">
+              <dgm:if name="Name18" axis="self" ptType="node" func="pos" op="equ" val="1">
+                <dgm:layoutNode name="vertSpace2a">
+                  <dgm:alg type="sp"/>
+                  <dgm:shape xmlns:r="http://schemas.openxmlformats.org/officeDocument/2006/relationships" r:blip="">
+                    <dgm:adjLst/>
+                  </dgm:shape>
+                  <dgm:presOf/>
+                </dgm:layoutNode>
+              </dgm:if>
+              <dgm:else name="Name19"/>
+            </dgm:choose>
+            <dgm:layoutNode name="horz2">
+              <dgm:choose name="Name20">
+                <dgm:if name="Name21" func="var" arg="dir" op="equ" val="norm">
+                  <dgm:alg type="lin">
+                    <dgm:param type="linDir" val="fromL"/>
+                    <dgm:param type="nodeVertAlign" val="t"/>
+                  </dgm:alg>
+                </dgm:if>
+                <dgm:else name="Name22">
+                  <dgm:alg type="lin">
+                    <dgm:param type="linDir" val="fromR"/>
+                    <dgm:param type="nodeVertAlign" val="t"/>
+                  </dgm:alg>
+                </dgm:else>
+              </dgm:choose>
+              <dgm:shape xmlns:r="http://schemas.openxmlformats.org/officeDocument/2006/relationships" r:blip="">
+                <dgm:adjLst/>
+              </dgm:shape>
+              <dgm:presOf/>
+              <dgm:layoutNode name="horzSpace2">
+                <dgm:alg type="sp"/>
+                <dgm:shape xmlns:r="http://schemas.openxmlformats.org/officeDocument/2006/relationships" r:blip="">
+                  <dgm:adjLst/>
+                </dgm:shape>
+                <dgm:presOf/>
+              </dgm:layoutNode>
+              <dgm:layoutNode name="tx2" styleLbl="revTx">
+                <dgm:alg type="tx">
+                  <dgm:param type="parTxLTRAlign" val="l"/>
+                  <dgm:param type="parTxRTLAlign" val="r"/>
+                  <dgm:param type="txAnchorVert" val="t"/>
+                </dgm:alg>
+                <dgm:shape xmlns:r="http://schemas.openxmlformats.org/officeDocument/2006/relationships" type="rect" r:blip="">
+                  <dgm:adjLst/>
+                </dgm:shape>
+                <dgm:presOf axis="self"/>
+                <dgm:constrLst>
+                  <dgm:constr type="tMarg" refType="primFontSz" fact="0.3"/>
+                  <dgm:constr type="bMarg" refType="primFontSz" fact="0.3"/>
+                  <dgm:constr type="lMarg" refType="primFontSz" fact="0.3"/>
+                  <dgm:constr type="rMarg" refType="primFontSz" fact="0.3"/>
+                </dgm:constrLst>
+                <dgm:ruleLst>
+                  <dgm:rule type="primFontSz" val="5" fact="NaN" max="NaN"/>
+                </dgm:ruleLst>
+              </dgm:layoutNode>
+              <dgm:layoutNode name="vert2">
+                <dgm:choose name="Name23">
+                  <dgm:if name="Name24" func="var" arg="dir" op="equ" val="norm">
+                    <dgm:alg type="lin">
+                      <dgm:param type="linDir" val="fromT"/>
+                      <dgm:param type="nodeHorzAlign" val="l"/>
+                    </dgm:alg>
+                  </dgm:if>
+                  <dgm:else name="Name25">
+                    <dgm:alg type="lin">
+                      <dgm:param type="linDir" val="fromT"/>
+                      <dgm:param type="nodeHorzAlign" val="r"/>
+                    </dgm:alg>
+                  </dgm:else>
+                </dgm:choose>
+                <dgm:shape xmlns:r="http://schemas.openxmlformats.org/officeDocument/2006/relationships" r:blip="">
+                  <dgm:adjLst/>
+                </dgm:shape>
+                <dgm:presOf/>
+                <dgm:forEach name="Name26" axis="ch" ptType="node">
+                  <dgm:layoutNode name="horz3">
+                    <dgm:choose name="Name27">
+                      <dgm:if name="Name28" func="var" arg="dir" op="equ" val="norm">
+                        <dgm:alg type="lin">
+                          <dgm:param type="linDir" val="fromL"/>
+                          <dgm:param type="nodeVertAlign" val="t"/>
+                        </dgm:alg>
+                      </dgm:if>
+                      <dgm:else name="Name29">
+                        <dgm:alg type="lin">
+                          <dgm:param type="linDir" val="fromR"/>
+                          <dgm:param type="nodeVertAlign" val="t"/>
+                        </dgm:alg>
+                      </dgm:else>
+                    </dgm:choose>
+                    <dgm:shape xmlns:r="http://schemas.openxmlformats.org/officeDocument/2006/relationships" r:blip="">
+                      <dgm:adjLst/>
+                    </dgm:shape>
+                    <dgm:presOf/>
+                    <dgm:layoutNode name="horzSpace3">
+                      <dgm:alg type="sp"/>
+                      <dgm:shape xmlns:r="http://schemas.openxmlformats.org/officeDocument/2006/relationships" r:blip="">
+                        <dgm:adjLst/>
+                      </dgm:shape>
+                      <dgm:presOf/>
+                    </dgm:layoutNode>
+                    <dgm:layoutNode name="tx3" styleLbl="revTx">
+                      <dgm:alg type="tx">
+                        <dgm:param type="parTxLTRAlign" val="l"/>
+                        <dgm:param type="parTxRTLAlign" val="r"/>
+                        <dgm:param type="txAnchorVert" val="t"/>
+                      </dgm:alg>
+                      <dgm:shape xmlns:r="http://schemas.openxmlformats.org/officeDocument/2006/relationships" type="rect" r:blip="">
+                        <dgm:adjLst/>
+                      </dgm:shape>
+                      <dgm:presOf axis="self"/>
+                      <dgm:constrLst>
+                        <dgm:constr type="tMarg" refType="primFontSz" fact="0.3"/>
+                        <dgm:constr type="bMarg" refType="primFontSz" fact="0.3"/>
+                        <dgm:constr type="lMarg" refType="primFontSz" fact="0.3"/>
+                        <dgm:constr type="rMarg" refType="primFontSz" fact="0.3"/>
+                      </dgm:constrLst>
+                      <dgm:ruleLst>
+                        <dgm:rule type="primFontSz" val="5" fact="NaN" max="NaN"/>
+                      </dgm:ruleLst>
+                    </dgm:layoutNode>
+                    <dgm:layoutNode name="vert3">
+                      <dgm:choose name="Name30">
+                        <dgm:if name="Name31" func="var" arg="dir" op="equ" val="norm">
+                          <dgm:alg type="lin">
+                            <dgm:param type="linDir" val="fromT"/>
+                            <dgm:param type="nodeHorzAlign" val="l"/>
+                          </dgm:alg>
+                        </dgm:if>
+                        <dgm:else name="Name32">
+                          <dgm:alg type="lin">
+                            <dgm:param type="linDir" val="fromT"/>
+                            <dgm:param type="nodeHorzAlign" val="r"/>
+                          </dgm:alg>
+                        </dgm:else>
+                      </dgm:choose>
+                      <dgm:shape xmlns:r="http://schemas.openxmlformats.org/officeDocument/2006/relationships" r:blip="">
+                        <dgm:adjLst/>
+                      </dgm:shape>
+                      <dgm:presOf/>
+                      <dgm:forEach name="Name33" axis="ch" ptType="node">
+                        <dgm:layoutNode name="horz4">
+                          <dgm:choose name="Name34">
+                            <dgm:if name="Name35" func="var" arg="dir" op="equ" val="norm">
+                              <dgm:alg type="lin">
+                                <dgm:param type="linDir" val="fromL"/>
+                                <dgm:param type="nodeVertAlign" val="t"/>
+                              </dgm:alg>
+                            </dgm:if>
+                            <dgm:else name="Name36">
+                              <dgm:alg type="lin">
+                                <dgm:param type="linDir" val="fromR"/>
+                                <dgm:param type="nodeVertAlign" val="t"/>
+                              </dgm:alg>
+                            </dgm:else>
+                          </dgm:choose>
+                          <dgm:shape xmlns:r="http://schemas.openxmlformats.org/officeDocument/2006/relationships" r:blip="">
+                            <dgm:adjLst/>
+                          </dgm:shape>
+                          <dgm:presOf/>
+                          <dgm:layoutNode name="horzSpace4">
+                            <dgm:alg type="sp"/>
+                            <dgm:shape xmlns:r="http://schemas.openxmlformats.org/officeDocument/2006/relationships" r:blip="">
+                              <dgm:adjLst/>
+                            </dgm:shape>
+                            <dgm:presOf/>
+                          </dgm:layoutNode>
+                          <dgm:layoutNode name="tx4" styleLbl="revTx">
+                            <dgm:varLst>
+                              <dgm:bulletEnabled val="1"/>
+                            </dgm:varLst>
+                            <dgm:alg type="tx">
+                              <dgm:param type="parTxLTRAlign" val="l"/>
+                              <dgm:param type="parTxRTLAlign" val="r"/>
+                              <dgm:param type="txAnchorVert" val="t"/>
+                            </dgm:alg>
+                            <dgm:shape xmlns:r="http://schemas.openxmlformats.org/officeDocument/2006/relationships" type="rect" r:blip="">
+                              <dgm:adjLst/>
+                            </dgm:shape>
+                            <dgm:presOf axis="desOrSelf" ptType="node"/>
+                            <dgm:constrLst>
+                              <dgm:constr type="tMarg" refType="primFontSz" fact="0.3"/>
+                              <dgm:constr type="bMarg" refType="primFontSz" fact="0.3"/>
+                              <dgm:constr type="lMarg" refType="primFontSz" fact="0.3"/>
+                              <dgm:constr type="rMarg" refType="primFontSz" fact="0.3"/>
+                            </dgm:constrLst>
+                            <dgm:ruleLst>
+                              <dgm:rule type="primFontSz" val="5" fact="NaN" max="NaN"/>
+                            </dgm:ruleLst>
+                          </dgm:layoutNode>
+                        </dgm:layoutNode>
+                      </dgm:forEach>
+                    </dgm:layoutNode>
+                  </dgm:layoutNode>
+                  <dgm:forEach name="Name37" axis="followSib" ptType="sibTrans" cnt="1">
+                    <dgm:layoutNode name="thinLine3" styleLbl="callout">
+                      <dgm:alg type="sp"/>
+                      <dgm:shape xmlns:r="http://schemas.openxmlformats.org/officeDocument/2006/relationships" type="line" r:blip="">
+                        <dgm:adjLst/>
+                      </dgm:shape>
+                      <dgm:presOf/>
+                    </dgm:layoutNode>
+                  </dgm:forEach>
+                </dgm:forEach>
+              </dgm:layoutNode>
+            </dgm:layoutNode>
+            <dgm:layoutNode name="thinLine2b" styleLbl="callout">
+              <dgm:alg type="sp"/>
+              <dgm:shape xmlns:r="http://schemas.openxmlformats.org/officeDocument/2006/relationships" type="line" r:blip="">
+                <dgm:adjLst/>
+              </dgm:shape>
+              <dgm:presOf/>
+            </dgm:layoutNode>
+            <dgm:layoutNode name="vertSpace2b">
+              <dgm:alg type="sp"/>
+              <dgm:shape xmlns:r="http://schemas.openxmlformats.org/officeDocument/2006/relationships" r:blip="">
+                <dgm:adjLst/>
+              </dgm:shape>
+              <dgm:presOf/>
+            </dgm:layoutNode>
+          </dgm:forEach>
+        </dgm:layoutNode>
+      </dgm:layoutNode>
+    </dgm:forEach>
+  </dgm:layoutNode>
+</dgm:layoutDef>
+</file>
+
+<file path=ppt/diagrams/quickStyle1.xml><?xml version="1.0" encoding="utf-8"?>
+<dgm:styleDef xmlns:dgm="http://schemas.openxmlformats.org/drawingml/2006/diagram" xmlns:a="http://schemas.openxmlformats.org/drawingml/2006/main" uniqueId="urn:microsoft.com/office/officeart/2005/8/quickstyle/simple1">
+  <dgm:title val=""/>
+  <dgm:desc val=""/>
+  <dgm:catLst>
+    <dgm:cat type="simple" pri="10100"/>
+  </dgm:catLst>
+  <dgm:scene3d>
+    <a:camera prst="orthographicFront"/>
+    <a:lightRig rig="threePt" dir="t"/>
+  </dgm:scene3d>
+  <dgm:styleLbl name="node0">
+    <dgm:scene3d>
+      <a:camera prst="orthographicFront"/>
+      <a:lightRig rig="threePt" dir="t"/>
+    </dgm:scene3d>
+    <dgm:sp3d/>
+    <dgm:txPr/>
+    <dgm:style>
+      <a:lnRef idx="2">
+        <a:scrgbClr r="0" g="0" b="0"/>
+      </a:lnRef>
+      <a:fillRef idx="1">
+        <a:scrgbClr r="0" g="0" b="0"/>
+      </a:fillRef>
+      <a:effectRef idx="0">
+        <a:scrgbClr r="0" g="0" b="0"/>
+      </a:effectRef>
+      <a:fontRef idx="minor">
+        <a:schemeClr val="lt1"/>
+      </a:fontRef>
+    </dgm:style>
+  </dgm:styleLbl>
+  <dgm:styleLbl name="lnNode1">
+    <dgm:scene3d>
+      <a:camera prst="orthographicFront"/>
+      <a:lightRig rig="threePt" dir="t"/>
+    </dgm:scene3d>
+    <dgm:sp3d/>
+    <dgm:txPr/>
+    <dgm:style>
+      <a:lnRef idx="2">
+        <a:scrgbClr r="0" g="0" b="0"/>
+      </a:lnRef>
+      <a:fillRef idx="1">
+        <a:scrgbClr r="0" g="0" b="0"/>
+      </a:fillRef>
+      <a:effectRef idx="0">
+        <a:scrgbClr r="0" g="0" b="0"/>
+      </a:effectRef>
+      <a:fontRef idx="minor">
+        <a:schemeClr val="lt1"/>
+      </a:fontRef>
+    </dgm:style>
+  </dgm:styleLbl>
+  <dgm:styleLbl name="vennNode1">
+    <dgm:scene3d>
+      <a:camera prst="orthographicFront"/>
+      <a:lightRig rig="threePt" dir="t"/>
+    </dgm:scene3d>
+    <dgm:sp3d/>
+    <dgm:txPr/>
+    <dgm:style>
+      <a:lnRef idx="2">
+        <a:scrgbClr r="0" g="0" b="0"/>
+      </a:lnRef>
+      <a:fillRef idx="1">
+        <a:scrgbClr r="0" g="0" b="0"/>
+      </a:fillRef>
+      <a:effectRef idx="0">
+        <a:scrgbClr r="0" g="0" b="0"/>
+      </a:effectRef>
+      <a:fontRef idx="minor">
+        <a:schemeClr val="tx1"/>
+      </a:fontRef>
+    </dgm:style>
+  </dgm:styleLbl>
+  <dgm:styleLbl name="alignNode1">
+    <dgm:scene3d>
+      <a:camera prst="orthographicFront"/>
+      <a:lightRig rig="threePt" dir="t"/>
+    </dgm:scene3d>
+    <dgm:sp3d/>
+    <dgm:txPr/>
+    <dgm:style>
+      <a:lnRef idx="2">
+        <a:scrgbClr r="0" g="0" b="0"/>
+      </a:lnRef>
+      <a:fillRef idx="1">
+        <a:scrgbClr r="0" g="0" b="0"/>
+      </a:fillRef>
+      <a:effectRef idx="0">
+        <a:scrgbClr r="0" g="0" b="0"/>
+      </a:effectRef>
+      <a:fontRef idx="minor">
+        <a:schemeClr val="lt1"/>
+      </a:fontRef>
+    </dgm:style>
+  </dgm:styleLbl>
+  <dgm:styleLbl name="node1">
+    <dgm:scene3d>
+      <a:camera prst="orthographicFront"/>
+      <a:lightRig rig="threePt" dir="t"/>
+    </dgm:scene3d>
+    <dgm:sp3d/>
+    <dgm:txPr/>
+    <dgm:style>
+      <a:lnRef idx="2">
+        <a:scrgbClr r="0" g="0" b="0"/>
+      </a:lnRef>
+      <a:fillRef idx="1">
+        <a:scrgbClr r="0" g="0" b="0"/>
+      </a:fillRef>
+      <a:effectRef idx="0">
+        <a:scrgbClr r="0" g="0" b="0"/>
+      </a:effectRef>
+      <a:fontRef idx="minor">
+        <a:schemeClr val="lt1"/>
+      </a:fontRef>
+    </dgm:style>
+  </dgm:styleLbl>
+  <dgm:styleLbl name="node2">
+    <dgm:scene3d>
+      <a:camera prst="orthographicFront"/>
+      <a:lightRig rig="threePt" dir="t"/>
+    </dgm:scene3d>
+    <dgm:sp3d/>
+    <dgm:txPr/>
+    <dgm:style>
+      <a:lnRef idx="2">
+        <a:scrgbClr r="0" g="0" b="0"/>
+      </a:lnRef>
+      <a:fillRef idx="1">
+        <a:scrgbClr r="0" g="0" b="0"/>
+      </a:fillRef>
+      <a:effectRef idx="0">
+        <a:scrgbClr r="0" g="0" b="0"/>
+      </a:effectRef>
+      <a:fontRef idx="minor">
+        <a:schemeClr val="lt1"/>
+      </a:fontRef>
+    </dgm:style>
+  </dgm:styleLbl>
+  <dgm:styleLbl name="node3">
+    <dgm:scene3d>
+      <a:camera prst="orthographicFront"/>
+      <a:lightRig rig="threePt" dir="t"/>
+    </dgm:scene3d>
+    <dgm:sp3d/>
+    <dgm:txPr/>
+    <dgm:style>
+      <a:lnRef idx="2">
+        <a:scrgbClr r="0" g="0" b="0"/>
+      </a:lnRef>
+      <a:fillRef idx="1">
+        <a:scrgbClr r="0" g="0" b="0"/>
+      </a:fillRef>
+      <a:effectRef idx="0">
+        <a:scrgbClr r="0" g="0" b="0"/>
+      </a:effectRef>
+      <a:fontRef idx="minor">
+        <a:schemeClr val="lt1"/>
+      </a:fontRef>
+    </dgm:style>
+  </dgm:styleLbl>
+  <dgm:styleLbl name="node4">
+    <dgm:scene3d>
+      <a:camera prst="orthographicFront"/>
+      <a:lightRig rig="threePt" dir="t"/>
+    </dgm:scene3d>
+    <dgm:sp3d/>
+    <dgm:txPr/>
+    <dgm:style>
+      <a:lnRef idx="2">
+        <a:scrgbClr r="0" g="0" b="0"/>
+      </a:lnRef>
+      <a:fillRef idx="1">
+        <a:scrgbClr r="0" g="0" b="0"/>
+      </a:fillRef>
+      <a:effectRef idx="0">
+        <a:scrgbClr r="0" g="0" b="0"/>
+      </a:effectRef>
+      <a:fontRef idx="minor">
+        <a:schemeClr val="lt1"/>
+      </a:fontRef>
+    </dgm:style>
+  </dgm:styleLbl>
+  <dgm:styleLbl name="fgImgPlace1">
+    <dgm:scene3d>
+      <a:camera prst="orthographicFront"/>
+      <a:lightRig rig="threePt" dir="t"/>
+    </dgm:scene3d>
+    <dgm:sp3d/>
+    <dgm:txPr/>
+    <dgm:style>
+      <a:lnRef idx="2">
+        <a:scrgbClr r="0" g="0" b="0"/>
+      </a:lnRef>
+      <a:fillRef idx="1">
+        <a:scrgbClr r="0" g="0" b="0"/>
+      </a:fillRef>
+      <a:effectRef idx="0">
+        <a:scrgbClr r="0" g="0" b="0"/>
+      </a:effectRef>
+      <a:fontRef idx="minor"/>
+    </dgm:style>
+  </dgm:styleLbl>
+  <dgm:styleLbl name="alignImgPlace1">
+    <dgm:scene3d>
+      <a:camera prst="orthographicFront"/>
+      <a:lightRig rig="threePt" dir="t"/>
+    </dgm:scene3d>
+    <dgm:sp3d/>
+    <dgm:txPr/>
+    <dgm:style>
+      <a:lnRef idx="2">
+        <a:scrgbClr r="0" g="0" b="0"/>
+      </a:lnRef>
+      <a:fillRef idx="1">
+        <a:scrgbClr r="0" g="0" b="0"/>
+      </a:fillRef>
+      <a:effectRef idx="0">
+        <a:scrgbClr r="0" g="0" b="0"/>
+      </a:effectRef>
+      <a:fontRef idx="minor"/>
+    </dgm:style>
+  </dgm:styleLbl>
+  <dgm:styleLbl name="bgImgPlace1">
+    <dgm:scene3d>
+      <a:camera prst="orthographicFront"/>
+      <a:lightRig rig="threePt" dir="t"/>
+    </dgm:scene3d>
+    <dgm:sp3d/>
+    <dgm:txPr/>
+    <dgm:style>
+      <a:lnRef idx="2">
+        <a:scrgbClr r="0" g="0" b="0"/>
+      </a:lnRef>
+      <a:fillRef idx="1">
+        <a:scrgbClr r="0" g="0" b="0"/>
+      </a:fillRef>
+      <a:effectRef idx="0">
+        <a:scrgbClr r="0" g="0" b="0"/>
+      </a:effectRef>
+      <a:fontRef idx="minor"/>
+    </dgm:style>
+  </dgm:styleLbl>
+  <dgm:styleLbl name="sibTrans2D1">
+    <dgm:scene3d>
+      <a:camera prst="orthographicFront"/>
+      <a:lightRig rig="threePt" dir="t"/>
+    </dgm:scene3d>
+    <dgm:sp3d/>
+    <dgm:txPr/>
+    <dgm:style>
+      <a:lnRef idx="0">
+        <a:scrgbClr r="0" g="0" b="0"/>
+      </a:lnRef>
+      <a:fillRef idx="1">
+        <a:scrgbClr r="0" g="0" b="0"/>
+      </a:fillRef>
+      <a:effectRef idx="0">
+        <a:scrgbClr r="0" g="0" b="0"/>
+      </a:effectRef>
+      <a:fontRef idx="minor">
+        <a:schemeClr val="lt1"/>
+      </a:fontRef>
+    </dgm:style>
+  </dgm:styleLbl>
+  <dgm:styleLbl name="fgSibTrans2D1">
+    <dgm:scene3d>
+      <a:camera prst="orthographicFront"/>
+      <a:lightRig rig="threePt" dir="t"/>
+    </dgm:scene3d>
+    <dgm:sp3d/>
+    <dgm:txPr/>
+    <dgm:style>
+      <a:lnRef idx="0">
+        <a:scrgbClr r="0" g="0" b="0"/>
+      </a:lnRef>
+      <a:fillRef idx="1">
+        <a:scrgbClr r="0" g="0" b="0"/>
+      </a:fillRef>
+      <a:effectRef idx="0">
+        <a:scrgbClr r="0" g="0" b="0"/>
+      </a:effectRef>
+      <a:fontRef idx="minor">
+        <a:schemeClr val="lt1"/>
+      </a:fontRef>
+    </dgm:style>
+  </dgm:styleLbl>
+  <dgm:styleLbl name="bgSibTrans2D1">
+    <dgm:scene3d>
+      <a:camera prst="orthographicFront"/>
+      <a:lightRig rig="threePt" dir="t"/>
+    </dgm:scene3d>
+    <dgm:sp3d/>
+    <dgm:txPr/>
+    <dgm:style>
+      <a:lnRef idx="0">
+        <a:scrgbClr r="0" g="0" b="0"/>
+      </a:lnRef>
+      <a:fillRef idx="1">
+        <a:scrgbClr r="0" g="0" b="0"/>
+      </a:fillRef>
+      <a:effectRef idx="0">
+        <a:scrgbClr r="0" g="0" b="0"/>
+      </a:effectRef>
+      <a:fontRef idx="minor">
+        <a:schemeClr val="lt1"/>
+      </a:fontRef>
+    </dgm:style>
+  </dgm:styleLbl>
+  <dgm:styleLbl name="sibTrans1D1">
+    <dgm:scene3d>
+      <a:camera prst="orthographicFront"/>
+      <a:lightRig rig="threePt" dir="t"/>
+    </dgm:scene3d>
+    <dgm:sp3d/>
+    <dgm:txPr/>
+    <dgm:style>
+      <a:lnRef idx="1">
+        <a:scrgbClr r="0" g="0" b="0"/>
+      </a:lnRef>
+      <a:fillRef idx="0">
+        <a:scrgbClr r="0" g="0" b="0"/>
+      </a:fillRef>
+      <a:effectRef idx="0">
+        <a:scrgbClr r="0" g="0" b="0"/>
+      </a:effectRef>
+      <a:fontRef idx="minor"/>
+    </dgm:style>
+  </dgm:styleLbl>
+  <dgm:styleLbl name="callout">
+    <dgm:scene3d>
+      <a:camera prst="orthographicFront"/>
+      <a:lightRig rig="threePt" dir="t"/>
+    </dgm:scene3d>
+    <dgm:sp3d/>
+    <dgm:txPr/>
+    <dgm:style>
+      <a:lnRef idx="2">
+        <a:scrgbClr r="0" g="0" b="0"/>
+      </a:lnRef>
+      <a:fillRef idx="1">
+        <a:scrgbClr r="0" g="0" b="0"/>
+      </a:fillRef>
+      <a:effectRef idx="0">
+        <a:scrgbClr r="0" g="0" b="0"/>
+      </a:effectRef>
+      <a:fontRef idx="minor"/>
+    </dgm:style>
+  </dgm:styleLbl>
+  <dgm:styleLbl name="asst0">
+    <dgm:scene3d>
+      <a:camera prst="orthographicFront"/>
+      <a:lightRig rig="threePt" dir="t"/>
+    </dgm:scene3d>
+    <dgm:sp3d/>
+    <dgm:txPr/>
+    <dgm:style>
+      <a:lnRef idx="2">
+        <a:scrgbClr r="0" g="0" b="0"/>
+      </a:lnRef>
+      <a:fillRef idx="1">
+        <a:scrgbClr r="0" g="0" b="0"/>
+      </a:fillRef>
+      <a:effectRef idx="0">
+        <a:scrgbClr r="0" g="0" b="0"/>
+      </a:effectRef>
+      <a:fontRef idx="minor">
+        <a:schemeClr val="lt1"/>
+      </a:fontRef>
+    </dgm:style>
+  </dgm:styleLbl>
+  <dgm:styleLbl name="asst1">
+    <dgm:scene3d>
+      <a:camera prst="orthographicFront"/>
+      <a:lightRig rig="threePt" dir="t"/>
+    </dgm:scene3d>
+    <dgm:sp3d/>
+    <dgm:txPr/>
+    <dgm:style>
+      <a:lnRef idx="2">
+        <a:scrgbClr r="0" g="0" b="0"/>
+      </a:lnRef>
+      <a:fillRef idx="1">
+        <a:scrgbClr r="0" g="0" b="0"/>
+      </a:fillRef>
+      <a:effectRef idx="0">
+        <a:scrgbClr r="0" g="0" b="0"/>
+      </a:effectRef>
+      <a:fontRef idx="minor">
+        <a:schemeClr val="lt1"/>
+      </a:fontRef>
+    </dgm:style>
+  </dgm:styleLbl>
+  <dgm:styleLbl name="asst2">
+    <dgm:scene3d>
+      <a:camera prst="orthographicFront"/>
+      <a:lightRig rig="threePt" dir="t"/>
+    </dgm:scene3d>
+    <dgm:sp3d/>
+    <dgm:txPr/>
+    <dgm:style>
+      <a:lnRef idx="2">
+        <a:scrgbClr r="0" g="0" b="0"/>
+      </a:lnRef>
+      <a:fillRef idx="1">
+        <a:scrgbClr r="0" g="0" b="0"/>
+      </a:fillRef>
+      <a:effectRef idx="0">
+        <a:scrgbClr r="0" g="0" b="0"/>
+      </a:effectRef>
+      <a:fontRef idx="minor">
+        <a:schemeClr val="lt1"/>
+      </a:fontRef>
+    </dgm:style>
+  </dgm:styleLbl>
+  <dgm:styleLbl name="asst3">
+    <dgm:scene3d>
+      <a:camera prst="orthographicFront"/>
+      <a:lightRig rig="threePt" dir="t"/>
+    </dgm:scene3d>
+    <dgm:sp3d/>
+    <dgm:txPr/>
+    <dgm:style>
+      <a:lnRef idx="2">
+        <a:scrgbClr r="0" g="0" b="0"/>
+      </a:lnRef>
+      <a:fillRef idx="1">
+        <a:scrgbClr r="0" g="0" b="0"/>
+      </a:fillRef>
+      <a:effectRef idx="0">
+        <a:scrgbClr r="0" g="0" b="0"/>
+      </a:effectRef>
+      <a:fontRef idx="minor">
+        <a:schemeClr val="lt1"/>
+      </a:fontRef>
+    </dgm:style>
+  </dgm:styleLbl>
+  <dgm:styleLbl name="asst4">
+    <dgm:scene3d>
+      <a:camera prst="orthographicFront"/>
+      <a:lightRig rig="threePt" dir="t"/>
+    </dgm:scene3d>
+    <dgm:sp3d/>
+    <dgm:txPr/>
+    <dgm:style>
+      <a:lnRef idx="2">
+        <a:scrgbClr r="0" g="0" b="0"/>
+      </a:lnRef>
+      <a:fillRef idx="1">
+        <a:scrgbClr r="0" g="0" b="0"/>
+      </a:fillRef>
+      <a:effectRef idx="0">
+        <a:scrgbClr r="0" g="0" b="0"/>
+      </a:effectRef>
+      <a:fontRef idx="minor">
+        <a:schemeClr val="lt1"/>
+      </a:fontRef>
+    </dgm:style>
+  </dgm:styleLbl>
+  <dgm:styleLbl name="parChTrans2D1">
+    <dgm:scene3d>
+      <a:camera prst="orthographicFront"/>
+      <a:lightRig rig="threePt" dir="t"/>
+    </dgm:scene3d>
+    <dgm:sp3d/>
+    <dgm:txPr/>
+    <dgm:style>
+      <a:lnRef idx="2">
+        <a:scrgbClr r="0" g="0" b="0"/>
+      </a:lnRef>
+      <a:fillRef idx="1">
+        <a:scrgbClr r="0" g="0" b="0"/>
+      </a:fillRef>
+      <a:effectRef idx="0">
+        <a:scrgbClr r="0" g="0" b="0"/>
+      </a:effectRef>
+      <a:fontRef idx="minor">
+        <a:schemeClr val="lt1"/>
+      </a:fontRef>
+    </dgm:style>
+  </dgm:styleLbl>
+  <dgm:styleLbl name="parChTrans2D2">
+    <dgm:scene3d>
+      <a:camera prst="orthographicFront"/>
+      <a:lightRig rig="threePt" dir="t"/>
+    </dgm:scene3d>
+    <dgm:sp3d/>
+    <dgm:txPr/>
+    <dgm:style>
+      <a:lnRef idx="2">
+        <a:scrgbClr r="0" g="0" b="0"/>
+      </a:lnRef>
+      <a:fillRef idx="1">
+        <a:scrgbClr r="0" g="0" b="0"/>
+      </a:fillRef>
+      <a:effectRef idx="0">
+        <a:scrgbClr r="0" g="0" b="0"/>
+      </a:effectRef>
+      <a:fontRef idx="minor">
+        <a:schemeClr val="lt1"/>
+      </a:fontRef>
+    </dgm:style>
+  </dgm:styleLbl>
+  <dgm:styleLbl name="parChTrans2D3">
+    <dgm:scene3d>
+      <a:camera prst="orthographicFront"/>
+      <a:lightRig rig="threePt" dir="t"/>
+    </dgm:scene3d>
+    <dgm:sp3d/>
+    <dgm:txPr/>
+    <dgm:style>
+      <a:lnRef idx="2">
+        <a:scrgbClr r="0" g="0" b="0"/>
+      </a:lnRef>
+      <a:fillRef idx="1">
+        <a:scrgbClr r="0" g="0" b="0"/>
+      </a:fillRef>
+      <a:effectRef idx="0">
+        <a:scrgbClr r="0" g="0" b="0"/>
+      </a:effectRef>
+      <a:fontRef idx="minor">
+        <a:schemeClr val="lt1"/>
+      </a:fontRef>
+    </dgm:style>
+  </dgm:styleLbl>
+  <dgm:styleLbl name="parChTrans2D4">
+    <dgm:scene3d>
+      <a:camera prst="orthographicFront"/>
+      <a:lightRig rig="threePt" dir="t"/>
+    </dgm:scene3d>
+    <dgm:sp3d/>
+    <dgm:txPr/>
+    <dgm:style>
+      <a:lnRef idx="2">
+        <a:scrgbClr r="0" g="0" b="0"/>
+      </a:lnRef>
+      <a:fillRef idx="1">
+        <a:scrgbClr r="0" g="0" b="0"/>
+      </a:fillRef>
+      <a:effectRef idx="0">
+        <a:scrgbClr r="0" g="0" b="0"/>
+      </a:effectRef>
+      <a:fontRef idx="minor">
+        <a:schemeClr val="lt1"/>
+      </a:fontRef>
+    </dgm:style>
+  </dgm:styleLbl>
+  <dgm:styleLbl name="parChTrans1D1">
+    <dgm:scene3d>
+      <a:camera prst="orthographicFront"/>
+      <a:lightRig rig="threePt" dir="t"/>
+    </dgm:scene3d>
+    <dgm:sp3d/>
+    <dgm:txPr/>
+    <dgm:style>
+      <a:lnRef idx="2">
+        <a:scrgbClr r="0" g="0" b="0"/>
+      </a:lnRef>
+      <a:fillRef idx="0">
+        <a:scrgbClr r="0" g="0" b="0"/>
+      </a:fillRef>
+      <a:effectRef idx="0">
+        <a:scrgbClr r="0" g="0" b="0"/>
+      </a:effectRef>
+      <a:fontRef idx="minor"/>
+    </dgm:style>
+  </dgm:styleLbl>
+  <dgm:styleLbl name="parChTrans1D2">
+    <dgm:scene3d>
+      <a:camera prst="orthographicFront"/>
+      <a:lightRig rig="threePt" dir="t"/>
+    </dgm:scene3d>
+    <dgm:sp3d/>
+    <dgm:txPr/>
+    <dgm:style>
+      <a:lnRef idx="2">
+        <a:scrgbClr r="0" g="0" b="0"/>
+      </a:lnRef>
+      <a:fillRef idx="0">
+        <a:scrgbClr r="0" g="0" b="0"/>
+      </a:fillRef>
+      <a:effectRef idx="0">
+        <a:scrgbClr r="0" g="0" b="0"/>
+      </a:effectRef>
+      <a:fontRef idx="minor"/>
+    </dgm:style>
+  </dgm:styleLbl>
+  <dgm:styleLbl name="parChTrans1D3">
+    <dgm:scene3d>
+      <a:camera prst="orthographicFront"/>
+      <a:lightRig rig="threePt" dir="t"/>
+    </dgm:scene3d>
+    <dgm:sp3d/>
+    <dgm:txPr/>
+    <dgm:style>
+      <a:lnRef idx="2">
+        <a:scrgbClr r="0" g="0" b="0"/>
+      </a:lnRef>
+      <a:fillRef idx="0">
+        <a:scrgbClr r="0" g="0" b="0"/>
+      </a:fillRef>
+      <a:effectRef idx="0">
+        <a:scrgbClr r="0" g="0" b="0"/>
+      </a:effectRef>
+      <a:fontRef idx="minor"/>
+    </dgm:style>
+  </dgm:styleLbl>
+  <dgm:styleLbl name="parChTrans1D4">
+    <dgm:scene3d>
+      <a:camera prst="orthographicFront"/>
+      <a:lightRig rig="threePt" dir="t"/>
+    </dgm:scene3d>
+    <dgm:sp3d/>
+    <dgm:txPr/>
+    <dgm:style>
+      <a:lnRef idx="2">
+        <a:scrgbClr r="0" g="0" b="0"/>
+      </a:lnRef>
+      <a:fillRef idx="0">
+        <a:scrgbClr r="0" g="0" b="0"/>
+      </a:fillRef>
+      <a:effectRef idx="0">
+        <a:scrgbClr r="0" g="0" b="0"/>
+      </a:effectRef>
+      <a:fontRef idx="minor"/>
+    </dgm:style>
+  </dgm:styleLbl>
+  <dgm:styleLbl name="fgAcc1">
+    <dgm:scene3d>
+      <a:camera prst="orthographicFront"/>
+      <a:lightRig rig="threePt" dir="t"/>
+    </dgm:scene3d>
+    <dgm:sp3d/>
+    <dgm:txPr/>
+    <dgm:style>
+      <a:lnRef idx="2">
+        <a:scrgbClr r="0" g="0" b="0"/>
+      </a:lnRef>
+      <a:fillRef idx="1">
+        <a:scrgbClr r="0" g="0" b="0"/>
+      </a:fillRef>
+      <a:effectRef idx="0">
+        <a:scrgbClr r="0" g="0" b="0"/>
+      </a:effectRef>
+      <a:fontRef idx="minor"/>
+    </dgm:style>
+  </dgm:styleLbl>
+  <dgm:styleLbl name="conFgAcc1">
+    <dgm:scene3d>
+      <a:camera prst="orthographicFront"/>
+      <a:lightRig rig="threePt" dir="t"/>
+    </dgm:scene3d>
+    <dgm:sp3d/>
+    <dgm:txPr/>
+    <dgm:style>
+      <a:lnRef idx="2">
+        <a:scrgbClr r="0" g="0" b="0"/>
+      </a:lnRef>
+      <a:fillRef idx="1">
+        <a:scrgbClr r="0" g="0" b="0"/>
+      </a:fillRef>
+      <a:effectRef idx="0">
+        <a:scrgbClr r="0" g="0" b="0"/>
+      </a:effectRef>
+      <a:fontRef idx="minor"/>
+    </dgm:style>
+  </dgm:styleLbl>
+  <dgm:styleLbl name="alignAcc1">
+    <dgm:scene3d>
+      <a:camera prst="orthographicFront"/>
+      <a:lightRig rig="threePt" dir="t"/>
+    </dgm:scene3d>
+    <dgm:sp3d/>
+    <dgm:txPr/>
+    <dgm:style>
+      <a:lnRef idx="2">
+        <a:scrgbClr r="0" g="0" b="0"/>
+      </a:lnRef>
+      <a:fillRef idx="1">
+        <a:scrgbClr r="0" g="0" b="0"/>
+      </a:fillRef>
+      <a:effectRef idx="0">
+        <a:scrgbClr r="0" g="0" b="0"/>
+      </a:effectRef>
+      <a:fontRef idx="minor"/>
+    </dgm:style>
+  </dgm:styleLbl>
+  <dgm:styleLbl name="trAlignAcc1">
+    <dgm:scene3d>
+      <a:camera prst="orthographicFront"/>
+      <a:lightRig rig="threePt" dir="t"/>
+    </dgm:scene3d>
+    <dgm:sp3d/>
+    <dgm:txPr/>
+    <dgm:style>
+      <a:lnRef idx="1">
+        <a:scrgbClr r="0" g="0" b="0"/>
+      </a:lnRef>
+      <a:fillRef idx="1">
+        <a:scrgbClr r="0" g="0" b="0"/>
+      </a:fillRef>
+      <a:effectRef idx="0">
+        <a:scrgbClr r="0" g="0" b="0"/>
+      </a:effectRef>
+      <a:fontRef idx="minor"/>
+    </dgm:style>
+  </dgm:styleLbl>
+  <dgm:styleLbl name="bgAcc1">
+    <dgm:scene3d>
+      <a:camera prst="orthographicFront"/>
+      <a:lightRig rig="threePt" dir="t"/>
+    </dgm:scene3d>
+    <dgm:sp3d/>
+    <dgm:txPr/>
+    <dgm:style>
+      <a:lnRef idx="2">
+        <a:scrgbClr r="0" g="0" b="0"/>
+      </a:lnRef>
+      <a:fillRef idx="1">
+        <a:scrgbClr r="0" g="0" b="0"/>
+      </a:fillRef>
+      <a:effectRef idx="0">
+        <a:scrgbClr r="0" g="0" b="0"/>
+      </a:effectRef>
+      <a:fontRef idx="minor"/>
+    </dgm:style>
+  </dgm:styleLbl>
+  <dgm:styleLbl name="solidFgAcc1">
+    <dgm:scene3d>
+      <a:camera prst="orthographicFront"/>
+      <a:lightRig rig="threePt" dir="t"/>
+    </dgm:scene3d>
+    <dgm:sp3d/>
+    <dgm:txPr/>
+    <dgm:style>
+      <a:lnRef idx="2">
+        <a:scrgbClr r="0" g="0" b="0"/>
+      </a:lnRef>
+      <a:fillRef idx="1">
+        <a:scrgbClr r="0" g="0" b="0"/>
+      </a:fillRef>
+      <a:effectRef idx="0">
+        <a:scrgbClr r="0" g="0" b="0"/>
+      </a:effectRef>
+      <a:fontRef idx="minor"/>
+    </dgm:style>
+  </dgm:styleLbl>
+  <dgm:styleLbl name="solidAlignAcc1">
+    <dgm:scene3d>
+      <a:camera prst="orthographicFront"/>
+      <a:lightRig rig="threePt" dir="t"/>
+    </dgm:scene3d>
+    <dgm:sp3d/>
+    <dgm:txPr/>
+    <dgm:style>
+      <a:lnRef idx="2">
+        <a:scrgbClr r="0" g="0" b="0"/>
+      </a:lnRef>
+      <a:fillRef idx="1">
+        <a:scrgbClr r="0" g="0" b="0"/>
+      </a:fillRef>
+      <a:effectRef idx="0">
+        <a:scrgbClr r="0" g="0" b="0"/>
+      </a:effectRef>
+      <a:fontRef idx="minor"/>
+    </dgm:style>
+  </dgm:styleLbl>
+  <dgm:styleLbl name="solidBgAcc1">
+    <dgm:scene3d>
+      <a:camera prst="orthographicFront"/>
+      <a:lightRig rig="threePt" dir="t"/>
+    </dgm:scene3d>
+    <dgm:sp3d/>
+    <dgm:txPr/>
+    <dgm:style>
+      <a:lnRef idx="2">
+        <a:scrgbClr r="0" g="0" b="0"/>
+      </a:lnRef>
+      <a:fillRef idx="1">
+        <a:scrgbClr r="0" g="0" b="0"/>
+      </a:fillRef>
+      <a:effectRef idx="0">
+        <a:scrgbClr r="0" g="0" b="0"/>
+      </a:effectRef>
+      <a:fontRef idx="minor"/>
+    </dgm:style>
+  </dgm:styleLbl>
+  <dgm:styleLbl name="fgAccFollowNode1">
+    <dgm:scene3d>
+      <a:camera prst="orthographicFront"/>
+      <a:lightRig rig="threePt" dir="t"/>
+    </dgm:scene3d>
+    <dgm:sp3d/>
+    <dgm:txPr/>
+    <dgm:style>
+      <a:lnRef idx="2">
+        <a:scrgbClr r="0" g="0" b="0"/>
+      </a:lnRef>
+      <a:fillRef idx="1">
+        <a:scrgbClr r="0" g="0" b="0"/>
+      </a:fillRef>
+      <a:effectRef idx="0">
+        <a:scrgbClr r="0" g="0" b="0"/>
+      </a:effectRef>
+      <a:fontRef idx="minor"/>
+    </dgm:style>
+  </dgm:styleLbl>
+  <dgm:styleLbl name="alignAccFollowNode1">
+    <dgm:scene3d>
+      <a:camera prst="orthographicFront"/>
+      <a:lightRig rig="threePt" dir="t"/>
+    </dgm:scene3d>
+    <dgm:sp3d/>
+    <dgm:txPr/>
+    <dgm:style>
+      <a:lnRef idx="2">
+        <a:scrgbClr r="0" g="0" b="0"/>
+      </a:lnRef>
+      <a:fillRef idx="1">
+        <a:scrgbClr r="0" g="0" b="0"/>
+      </a:fillRef>
+      <a:effectRef idx="0">
+        <a:scrgbClr r="0" g="0" b="0"/>
+      </a:effectRef>
+      <a:fontRef idx="minor"/>
+    </dgm:style>
+  </dgm:styleLbl>
+  <dgm:styleLbl name="bgAccFollowNode1">
+    <dgm:scene3d>
+      <a:camera prst="orthographicFront"/>
+      <a:lightRig rig="threePt" dir="t"/>
+    </dgm:scene3d>
+    <dgm:sp3d/>
+    <dgm:txPr/>
+    <dgm:style>
+      <a:lnRef idx="2">
+        <a:scrgbClr r="0" g="0" b="0"/>
+      </a:lnRef>
+      <a:fillRef idx="1">
+        <a:scrgbClr r="0" g="0" b="0"/>
+      </a:fillRef>
+      <a:effectRef idx="0">
+        <a:scrgbClr r="0" g="0" b="0"/>
+      </a:effectRef>
+      <a:fontRef idx="minor"/>
+    </dgm:style>
+  </dgm:styleLbl>
+  <dgm:styleLbl name="fgAcc0">
+    <dgm:scene3d>
+      <a:camera prst="orthographicFront"/>
+      <a:lightRig rig="threePt" dir="t"/>
+    </dgm:scene3d>
+    <dgm:sp3d/>
+    <dgm:txPr/>
+    <dgm:style>
+      <a:lnRef idx="2">
+        <a:scrgbClr r="0" g="0" b="0"/>
+      </a:lnRef>
+      <a:fillRef idx="1">
+        <a:scrgbClr r="0" g="0" b="0"/>
+      </a:fillRef>
+      <a:effectRef idx="0">
+        <a:scrgbClr r="0" g="0" b="0"/>
+      </a:effectRef>
+      <a:fontRef idx="minor"/>
+    </dgm:style>
+  </dgm:styleLbl>
+  <dgm:styleLbl name="fgAcc2">
+    <dgm:scene3d>
+      <a:camera prst="orthographicFront"/>
+      <a:lightRig rig="threePt" dir="t"/>
+    </dgm:scene3d>
+    <dgm:sp3d/>
+    <dgm:txPr/>
+    <dgm:style>
+      <a:lnRef idx="2">
+        <a:scrgbClr r="0" g="0" b="0"/>
+      </a:lnRef>
+      <a:fillRef idx="1">
+        <a:scrgbClr r="0" g="0" b="0"/>
+      </a:fillRef>
+      <a:effectRef idx="0">
+        <a:scrgbClr r="0" g="0" b="0"/>
+      </a:effectRef>
+      <a:fontRef idx="minor"/>
+    </dgm:style>
+  </dgm:styleLbl>
+  <dgm:styleLbl name="fgAcc3">
+    <dgm:scene3d>
+      <a:camera prst="orthographicFront"/>
+      <a:lightRig rig="threePt" dir="t"/>
+    </dgm:scene3d>
+    <dgm:sp3d/>
+    <dgm:txPr/>
+    <dgm:style>
+      <a:lnRef idx="2">
+        <a:scrgbClr r="0" g="0" b="0"/>
+      </a:lnRef>
+      <a:fillRef idx="1">
+        <a:scrgbClr r="0" g="0" b="0"/>
+      </a:fillRef>
+      <a:effectRef idx="0">
+        <a:scrgbClr r="0" g="0" b="0"/>
+      </a:effectRef>
+      <a:fontRef idx="minor"/>
+    </dgm:style>
+  </dgm:styleLbl>
+  <dgm:styleLbl name="fgAcc4">
+    <dgm:scene3d>
+      <a:camera prst="orthographicFront"/>
+      <a:lightRig rig="threePt" dir="t"/>
+    </dgm:scene3d>
+    <dgm:sp3d/>
+    <dgm:txPr/>
+    <dgm:style>
+      <a:lnRef idx="2">
+        <a:scrgbClr r="0" g="0" b="0"/>
+      </a:lnRef>
+      <a:fillRef idx="1">
+        <a:scrgbClr r="0" g="0" b="0"/>
+      </a:fillRef>
+      <a:effectRef idx="0">
+        <a:scrgbClr r="0" g="0" b="0"/>
+      </a:effectRef>
+      <a:fontRef idx="minor"/>
+    </dgm:style>
+  </dgm:styleLbl>
+  <dgm:styleLbl name="bgShp">
+    <dgm:scene3d>
+      <a:camera prst="orthographicFront"/>
+      <a:lightRig rig="threePt" dir="t"/>
+    </dgm:scene3d>
+    <dgm:sp3d/>
+    <dgm:txPr/>
+    <dgm:style>
+      <a:lnRef idx="0">
+        <a:scrgbClr r="0" g="0" b="0"/>
+      </a:lnRef>
+      <a:fillRef idx="1">
+        <a:scrgbClr r="0" g="0" b="0"/>
+      </a:fillRef>
+      <a:effectRef idx="0">
+        <a:scrgbClr r="0" g="0" b="0"/>
+      </a:effectRef>
+      <a:fontRef idx="minor"/>
+    </dgm:style>
+  </dgm:styleLbl>
+  <dgm:styleLbl name="dkBgShp">
+    <dgm:scene3d>
+      <a:camera prst="orthographicFront"/>
+      <a:lightRig rig="threePt" dir="t"/>
+    </dgm:scene3d>
+    <dgm:sp3d/>
+    <dgm:txPr/>
+    <dgm:style>
+      <a:lnRef idx="0">
+        <a:scrgbClr r="0" g="0" b="0"/>
+      </a:lnRef>
+      <a:fillRef idx="1">
+        <a:scrgbClr r="0" g="0" b="0"/>
+      </a:fillRef>
+      <a:effectRef idx="0">
+        <a:scrgbClr r="0" g="0" b="0"/>
+      </a:effectRef>
+      <a:fontRef idx="minor"/>
+    </dgm:style>
+  </dgm:styleLbl>
+  <dgm:styleLbl name="trBgShp">
+    <dgm:scene3d>
+      <a:camera prst="orthographicFront"/>
+      <a:lightRig rig="threePt" dir="t"/>
+    </dgm:scene3d>
+    <dgm:sp3d/>
+    <dgm:txPr/>
+    <dgm:style>
+      <a:lnRef idx="0">
+        <a:scrgbClr r="0" g="0" b="0"/>
+      </a:lnRef>
+      <a:fillRef idx="1">
+        <a:scrgbClr r="0" g="0" b="0"/>
+      </a:fillRef>
+      <a:effectRef idx="0">
+        <a:scrgbClr r="0" g="0" b="0"/>
+      </a:effectRef>
+      <a:fontRef idx="minor"/>
+    </dgm:style>
+  </dgm:styleLbl>
+  <dgm:styleLbl name="fgShp">
+    <dgm:scene3d>
+      <a:camera prst="orthographicFront"/>
+      <a:lightRig rig="threePt" dir="t"/>
+    </dgm:scene3d>
+    <dgm:sp3d/>
+    <dgm:txPr/>
+    <dgm:style>
+      <a:lnRef idx="2">
+        <a:scrgbClr r="0" g="0" b="0"/>
+      </a:lnRef>
+      <a:fillRef idx="1">
+        <a:scrgbClr r="0" g="0" b="0"/>
+      </a:fillRef>
+      <a:effectRef idx="0">
+        <a:scrgbClr r="0" g="0" b="0"/>
+      </a:effectRef>
+      <a:fontRef idx="minor"/>
+    </dgm:style>
+  </dgm:styleLbl>
+  <dgm:styleLbl name="revTx">
+    <dgm:scene3d>
+      <a:camera prst="orthographicFront"/>
+      <a:lightRig rig="threePt" dir="t"/>
+    </dgm:scene3d>
+    <dgm:sp3d/>
+    <dgm:txPr/>
+    <dgm:style>
+      <a:lnRef idx="0">
+        <a:scrgbClr r="0" g="0" b="0"/>
+      </a:lnRef>
+      <a:fillRef idx="0">
+        <a:scrgbClr r="0" g="0" b="0"/>
+      </a:fillRef>
+      <a:effectRef idx="0">
+        <a:scrgbClr r="0" g="0" b="0"/>
+      </a:effectRef>
+      <a:fontRef idx="minor"/>
+    </dgm:style>
+  </dgm:styleLbl>
+</dgm:styleDef>
+</file>
+
 <file path=ppt/ink/ink1.xml><?xml version="1.0" encoding="utf-8"?>
 <inkml:ink xmlns:inkml="http://www.w3.org/2003/InkML">
   <inkml:definitions>
@@ -638,7 +4153,7 @@
           </a:lstStyle>
           <a:p>
             <a:r>
-              <a:rPr lang="nl-NL" smtClean="0"/>
+              <a:rPr lang="nl-NL"/>
               <a:t>Klik om de stijl te bewerken</a:t>
             </a:r>
             <a:endParaRPr lang="en-US" dirty="0"/>
@@ -710,7 +4225,7 @@
           </a:lstStyle>
           <a:p>
             <a:r>
-              <a:rPr lang="nl-NL" smtClean="0"/>
+              <a:rPr lang="nl-NL"/>
               <a:t>Klik om de ondertitelstijl van het model te bewerken</a:t>
             </a:r>
             <a:endParaRPr lang="en-US" dirty="0"/>
@@ -866,7 +4381,7 @@
           <a:lstStyle/>
           <a:p>
             <a:r>
-              <a:rPr lang="nl-NL" smtClean="0"/>
+              <a:rPr lang="nl-NL"/>
               <a:t>Klik om de stijl te bewerken</a:t>
             </a:r>
             <a:endParaRPr lang="en-US" dirty="0"/>
@@ -890,35 +4405,35 @@
           <a:p>
             <a:pPr lvl="0"/>
             <a:r>
-              <a:rPr lang="nl-NL" smtClean="0"/>
+              <a:rPr lang="nl-NL"/>
               <a:t>Klik om de modelstijlen te bewerken</a:t>
             </a:r>
           </a:p>
           <a:p>
             <a:pPr lvl="1"/>
             <a:r>
-              <a:rPr lang="nl-NL" smtClean="0"/>
+              <a:rPr lang="nl-NL"/>
               <a:t>Tweede niveau</a:t>
             </a:r>
           </a:p>
           <a:p>
             <a:pPr lvl="2"/>
             <a:r>
-              <a:rPr lang="nl-NL" smtClean="0"/>
+              <a:rPr lang="nl-NL"/>
               <a:t>Derde niveau</a:t>
             </a:r>
           </a:p>
           <a:p>
             <a:pPr lvl="3"/>
             <a:r>
-              <a:rPr lang="nl-NL" smtClean="0"/>
+              <a:rPr lang="nl-NL"/>
               <a:t>Vierde niveau</a:t>
             </a:r>
           </a:p>
           <a:p>
             <a:pPr lvl="4"/>
             <a:r>
-              <a:rPr lang="nl-NL" smtClean="0"/>
+              <a:rPr lang="nl-NL"/>
               <a:t>Vijfde niveau</a:t>
             </a:r>
             <a:endParaRPr lang="en-US" dirty="0"/>
@@ -1117,7 +4632,7 @@
           <a:lstStyle/>
           <a:p>
             <a:r>
-              <a:rPr lang="nl-NL" smtClean="0"/>
+              <a:rPr lang="nl-NL"/>
               <a:t>Klik om de stijl te bewerken</a:t>
             </a:r>
             <a:endParaRPr lang="en-US" dirty="0"/>
@@ -1146,35 +4661,35 @@
           <a:p>
             <a:pPr lvl="0"/>
             <a:r>
-              <a:rPr lang="nl-NL" smtClean="0"/>
+              <a:rPr lang="nl-NL"/>
               <a:t>Klik om de modelstijlen te bewerken</a:t>
             </a:r>
           </a:p>
           <a:p>
             <a:pPr lvl="1"/>
             <a:r>
-              <a:rPr lang="nl-NL" smtClean="0"/>
+              <a:rPr lang="nl-NL"/>
               <a:t>Tweede niveau</a:t>
             </a:r>
           </a:p>
           <a:p>
             <a:pPr lvl="2"/>
             <a:r>
-              <a:rPr lang="nl-NL" smtClean="0"/>
+              <a:rPr lang="nl-NL"/>
               <a:t>Derde niveau</a:t>
             </a:r>
           </a:p>
           <a:p>
             <a:pPr lvl="3"/>
             <a:r>
-              <a:rPr lang="nl-NL" smtClean="0"/>
+              <a:rPr lang="nl-NL"/>
               <a:t>Vierde niveau</a:t>
             </a:r>
           </a:p>
           <a:p>
             <a:pPr lvl="4"/>
             <a:r>
-              <a:rPr lang="nl-NL" smtClean="0"/>
+              <a:rPr lang="nl-NL"/>
               <a:t>Vijfde niveau</a:t>
             </a:r>
             <a:endParaRPr lang="en-US" dirty="0"/>
@@ -1292,7 +4807,7 @@
           <a:lstStyle/>
           <a:p>
             <a:r>
-              <a:rPr lang="nl-NL" smtClean="0"/>
+              <a:rPr lang="nl-NL"/>
               <a:t>Klik om de stijl te bewerken</a:t>
             </a:r>
             <a:endParaRPr lang="en-US" dirty="0"/>
@@ -1316,35 +4831,35 @@
           <a:p>
             <a:pPr lvl="0"/>
             <a:r>
-              <a:rPr lang="nl-NL" smtClean="0"/>
+              <a:rPr lang="nl-NL"/>
               <a:t>Klik om de modelstijlen te bewerken</a:t>
             </a:r>
           </a:p>
           <a:p>
             <a:pPr lvl="1"/>
             <a:r>
-              <a:rPr lang="nl-NL" smtClean="0"/>
+              <a:rPr lang="nl-NL"/>
               <a:t>Tweede niveau</a:t>
             </a:r>
           </a:p>
           <a:p>
             <a:pPr lvl="2"/>
             <a:r>
-              <a:rPr lang="nl-NL" smtClean="0"/>
+              <a:rPr lang="nl-NL"/>
               <a:t>Derde niveau</a:t>
             </a:r>
           </a:p>
           <a:p>
             <a:pPr lvl="3"/>
             <a:r>
-              <a:rPr lang="nl-NL" smtClean="0"/>
+              <a:rPr lang="nl-NL"/>
               <a:t>Vierde niveau</a:t>
             </a:r>
           </a:p>
           <a:p>
             <a:pPr lvl="4"/>
             <a:r>
-              <a:rPr lang="nl-NL" smtClean="0"/>
+              <a:rPr lang="nl-NL"/>
               <a:t>Vijfde niveau</a:t>
             </a:r>
             <a:endParaRPr lang="en-US" dirty="0"/>
@@ -1567,7 +5082,7 @@
           </a:lstStyle>
           <a:p>
             <a:r>
-              <a:rPr lang="nl-NL" smtClean="0"/>
+              <a:rPr lang="nl-NL"/>
               <a:t>Klik om de stijl te bewerken</a:t>
             </a:r>
             <a:endParaRPr lang="en-US" dirty="0"/>
@@ -1688,7 +5203,7 @@
           <a:p>
             <a:pPr lvl="0"/>
             <a:r>
-              <a:rPr lang="nl-NL" smtClean="0"/>
+              <a:rPr lang="nl-NL"/>
               <a:t>Klik om de modelstijlen te bewerken</a:t>
             </a:r>
           </a:p>
@@ -1848,7 +5363,7 @@
           <a:lstStyle/>
           <a:p>
             <a:r>
-              <a:rPr lang="nl-NL" smtClean="0"/>
+              <a:rPr lang="nl-NL"/>
               <a:t>Klik om de stijl te bewerken</a:t>
             </a:r>
             <a:endParaRPr lang="en-US" dirty="0"/>
@@ -1877,35 +5392,35 @@
           <a:p>
             <a:pPr lvl="0"/>
             <a:r>
-              <a:rPr lang="nl-NL" smtClean="0"/>
+              <a:rPr lang="nl-NL"/>
               <a:t>Klik om de modelstijlen te bewerken</a:t>
             </a:r>
           </a:p>
           <a:p>
             <a:pPr lvl="1"/>
             <a:r>
-              <a:rPr lang="nl-NL" smtClean="0"/>
+              <a:rPr lang="nl-NL"/>
               <a:t>Tweede niveau</a:t>
             </a:r>
           </a:p>
           <a:p>
             <a:pPr lvl="2"/>
             <a:r>
-              <a:rPr lang="nl-NL" smtClean="0"/>
+              <a:rPr lang="nl-NL"/>
               <a:t>Derde niveau</a:t>
             </a:r>
           </a:p>
           <a:p>
             <a:pPr lvl="3"/>
             <a:r>
-              <a:rPr lang="nl-NL" smtClean="0"/>
+              <a:rPr lang="nl-NL"/>
               <a:t>Vierde niveau</a:t>
             </a:r>
           </a:p>
           <a:p>
             <a:pPr lvl="4"/>
             <a:r>
-              <a:rPr lang="nl-NL" smtClean="0"/>
+              <a:rPr lang="nl-NL"/>
               <a:t>Vijfde niveau</a:t>
             </a:r>
             <a:endParaRPr lang="en-US" dirty="0"/>
@@ -1934,35 +5449,35 @@
           <a:p>
             <a:pPr lvl="0"/>
             <a:r>
-              <a:rPr lang="nl-NL" smtClean="0"/>
+              <a:rPr lang="nl-NL"/>
               <a:t>Klik om de modelstijlen te bewerken</a:t>
             </a:r>
           </a:p>
           <a:p>
             <a:pPr lvl="1"/>
             <a:r>
-              <a:rPr lang="nl-NL" smtClean="0"/>
+              <a:rPr lang="nl-NL"/>
               <a:t>Tweede niveau</a:t>
             </a:r>
           </a:p>
           <a:p>
             <a:pPr lvl="2"/>
             <a:r>
-              <a:rPr lang="nl-NL" smtClean="0"/>
+              <a:rPr lang="nl-NL"/>
               <a:t>Derde niveau</a:t>
             </a:r>
           </a:p>
           <a:p>
             <a:pPr lvl="3"/>
             <a:r>
-              <a:rPr lang="nl-NL" smtClean="0"/>
+              <a:rPr lang="nl-NL"/>
               <a:t>Vierde niveau</a:t>
             </a:r>
           </a:p>
           <a:p>
             <a:pPr lvl="4"/>
             <a:r>
-              <a:rPr lang="nl-NL" smtClean="0"/>
+              <a:rPr lang="nl-NL"/>
               <a:t>Vijfde niveau</a:t>
             </a:r>
             <a:endParaRPr lang="en-US" dirty="0"/>
@@ -2085,7 +5600,7 @@
           <a:lstStyle/>
           <a:p>
             <a:r>
-              <a:rPr lang="nl-NL" smtClean="0"/>
+              <a:rPr lang="nl-NL"/>
               <a:t>Klik om de stijl te bewerken</a:t>
             </a:r>
             <a:endParaRPr lang="en-US" dirty="0"/>
@@ -2157,7 +5672,7 @@
           <a:p>
             <a:pPr lvl="0"/>
             <a:r>
-              <a:rPr lang="nl-NL" smtClean="0"/>
+              <a:rPr lang="nl-NL"/>
               <a:t>Klik om de modelstijlen te bewerken</a:t>
             </a:r>
           </a:p>
@@ -2185,35 +5700,35 @@
           <a:p>
             <a:pPr lvl="0"/>
             <a:r>
-              <a:rPr lang="nl-NL" smtClean="0"/>
+              <a:rPr lang="nl-NL"/>
               <a:t>Klik om de modelstijlen te bewerken</a:t>
             </a:r>
           </a:p>
           <a:p>
             <a:pPr lvl="1"/>
             <a:r>
-              <a:rPr lang="nl-NL" smtClean="0"/>
+              <a:rPr lang="nl-NL"/>
               <a:t>Tweede niveau</a:t>
             </a:r>
           </a:p>
           <a:p>
             <a:pPr lvl="2"/>
             <a:r>
-              <a:rPr lang="nl-NL" smtClean="0"/>
+              <a:rPr lang="nl-NL"/>
               <a:t>Derde niveau</a:t>
             </a:r>
           </a:p>
           <a:p>
             <a:pPr lvl="3"/>
             <a:r>
-              <a:rPr lang="nl-NL" smtClean="0"/>
+              <a:rPr lang="nl-NL"/>
               <a:t>Vierde niveau</a:t>
             </a:r>
           </a:p>
           <a:p>
             <a:pPr lvl="4"/>
             <a:r>
-              <a:rPr lang="nl-NL" smtClean="0"/>
+              <a:rPr lang="nl-NL"/>
               <a:t>Vijfde niveau</a:t>
             </a:r>
             <a:endParaRPr lang="en-US" dirty="0"/>
@@ -2285,7 +5800,7 @@
           <a:p>
             <a:pPr lvl="0"/>
             <a:r>
-              <a:rPr lang="nl-NL" smtClean="0"/>
+              <a:rPr lang="nl-NL"/>
               <a:t>Klik om de modelstijlen te bewerken</a:t>
             </a:r>
           </a:p>
@@ -2313,35 +5828,35 @@
           <a:p>
             <a:pPr lvl="0"/>
             <a:r>
-              <a:rPr lang="nl-NL" smtClean="0"/>
+              <a:rPr lang="nl-NL"/>
               <a:t>Klik om de modelstijlen te bewerken</a:t>
             </a:r>
           </a:p>
           <a:p>
             <a:pPr lvl="1"/>
             <a:r>
-              <a:rPr lang="nl-NL" smtClean="0"/>
+              <a:rPr lang="nl-NL"/>
               <a:t>Tweede niveau</a:t>
             </a:r>
           </a:p>
           <a:p>
             <a:pPr lvl="2"/>
             <a:r>
-              <a:rPr lang="nl-NL" smtClean="0"/>
+              <a:rPr lang="nl-NL"/>
               <a:t>Derde niveau</a:t>
             </a:r>
           </a:p>
           <a:p>
             <a:pPr lvl="3"/>
             <a:r>
-              <a:rPr lang="nl-NL" smtClean="0"/>
+              <a:rPr lang="nl-NL"/>
               <a:t>Vierde niveau</a:t>
             </a:r>
           </a:p>
           <a:p>
             <a:pPr lvl="4"/>
             <a:r>
-              <a:rPr lang="nl-NL" smtClean="0"/>
+              <a:rPr lang="nl-NL"/>
               <a:t>Vijfde niveau</a:t>
             </a:r>
             <a:endParaRPr lang="en-US" dirty="0"/>
@@ -2459,7 +5974,7 @@
           <a:lstStyle/>
           <a:p>
             <a:r>
-              <a:rPr lang="nl-NL" smtClean="0"/>
+              <a:rPr lang="nl-NL"/>
               <a:t>Klik om de stijl te bewerken</a:t>
             </a:r>
             <a:endParaRPr lang="en-US" dirty="0"/>
@@ -2847,7 +6362,7 @@
           </a:lstStyle>
           <a:p>
             <a:r>
-              <a:rPr lang="nl-NL" smtClean="0"/>
+              <a:rPr lang="nl-NL"/>
               <a:t>Klik om de stijl te bewerken</a:t>
             </a:r>
             <a:endParaRPr lang="en-US" dirty="0"/>
@@ -2876,35 +6391,35 @@
           <a:p>
             <a:pPr lvl="0"/>
             <a:r>
-              <a:rPr lang="nl-NL" smtClean="0"/>
+              <a:rPr lang="nl-NL"/>
               <a:t>Klik om de modelstijlen te bewerken</a:t>
             </a:r>
           </a:p>
           <a:p>
             <a:pPr lvl="1"/>
             <a:r>
-              <a:rPr lang="nl-NL" smtClean="0"/>
+              <a:rPr lang="nl-NL"/>
               <a:t>Tweede niveau</a:t>
             </a:r>
           </a:p>
           <a:p>
             <a:pPr lvl="2"/>
             <a:r>
-              <a:rPr lang="nl-NL" smtClean="0"/>
+              <a:rPr lang="nl-NL"/>
               <a:t>Derde niveau</a:t>
             </a:r>
           </a:p>
           <a:p>
             <a:pPr lvl="3"/>
             <a:r>
-              <a:rPr lang="nl-NL" smtClean="0"/>
+              <a:rPr lang="nl-NL"/>
               <a:t>Vierde niveau</a:t>
             </a:r>
           </a:p>
           <a:p>
             <a:pPr lvl="4"/>
             <a:r>
-              <a:rPr lang="nl-NL" smtClean="0"/>
+              <a:rPr lang="nl-NL"/>
               <a:t>Vijfde niveau</a:t>
             </a:r>
             <a:endParaRPr lang="en-US" dirty="0"/>
@@ -2976,7 +6491,7 @@
           <a:p>
             <a:pPr lvl="0"/>
             <a:r>
-              <a:rPr lang="nl-NL" smtClean="0"/>
+              <a:rPr lang="nl-NL"/>
               <a:t>Klik om de modelstijlen te bewerken</a:t>
             </a:r>
           </a:p>
@@ -3214,7 +6729,7 @@
           </a:lstStyle>
           <a:p>
             <a:r>
-              <a:rPr lang="nl-NL" smtClean="0"/>
+              <a:rPr lang="nl-NL"/>
               <a:t>Klik om de stijl te bewerken</a:t>
             </a:r>
             <a:endParaRPr lang="en-US" dirty="0"/>
@@ -3284,7 +6799,7 @@
           </a:lstStyle>
           <a:p>
             <a:r>
-              <a:rPr lang="nl-NL" smtClean="0"/>
+              <a:rPr lang="nl-NL"/>
               <a:t>Klik op het pictogram als u een afbeelding wilt toevoegen</a:t>
             </a:r>
             <a:endParaRPr lang="en-US" dirty="0"/>
@@ -3362,7 +6877,7 @@
           <a:p>
             <a:pPr lvl="0"/>
             <a:r>
-              <a:rPr lang="nl-NL" smtClean="0"/>
+              <a:rPr lang="nl-NL"/>
               <a:t>Klik om de modelstijlen te bewerken</a:t>
             </a:r>
           </a:p>
@@ -3570,7 +7085,7 @@
           <a:lstStyle/>
           <a:p>
             <a:r>
-              <a:rPr lang="nl-NL" smtClean="0"/>
+              <a:rPr lang="nl-NL"/>
               <a:t>Klik om de stijl te bewerken</a:t>
             </a:r>
             <a:endParaRPr lang="en-US" dirty="0"/>
@@ -3604,35 +7119,35 @@
           <a:p>
             <a:pPr lvl="0"/>
             <a:r>
-              <a:rPr lang="nl-NL" smtClean="0"/>
+              <a:rPr lang="nl-NL"/>
               <a:t>Klik om de modelstijlen te bewerken</a:t>
             </a:r>
           </a:p>
           <a:p>
             <a:pPr lvl="1"/>
             <a:r>
-              <a:rPr lang="nl-NL" smtClean="0"/>
+              <a:rPr lang="nl-NL"/>
               <a:t>Tweede niveau</a:t>
             </a:r>
           </a:p>
           <a:p>
             <a:pPr lvl="2"/>
             <a:r>
-              <a:rPr lang="nl-NL" smtClean="0"/>
+              <a:rPr lang="nl-NL"/>
               <a:t>Derde niveau</a:t>
             </a:r>
           </a:p>
           <a:p>
             <a:pPr lvl="3"/>
             <a:r>
-              <a:rPr lang="nl-NL" smtClean="0"/>
+              <a:rPr lang="nl-NL"/>
               <a:t>Vierde niveau</a:t>
             </a:r>
           </a:p>
           <a:p>
             <a:pPr lvl="4"/>
             <a:r>
-              <a:rPr lang="nl-NL" smtClean="0"/>
+              <a:rPr lang="nl-NL"/>
               <a:t>Vijfde niveau</a:t>
             </a:r>
             <a:endParaRPr lang="en-US" dirty="0"/>
@@ -4182,6 +7697,14 @@
 <file path=ppt/slides/slide1.xml><?xml version="1.0" encoding="utf-8"?>
 <p:sld xmlns:a="http://schemas.openxmlformats.org/drawingml/2006/main" xmlns:r="http://schemas.openxmlformats.org/officeDocument/2006/relationships" xmlns:p="http://schemas.openxmlformats.org/presentationml/2006/main">
   <p:cSld>
+    <p:bg>
+      <p:bgPr>
+        <a:solidFill>
+          <a:schemeClr val="bg1"/>
+        </a:solidFill>
+        <a:effectLst/>
+      </p:bgPr>
+    </p:bg>
     <p:spTree>
       <p:nvGrpSpPr>
         <p:cNvPr id="1" name=""/>
@@ -4196,6 +7719,66 @@
           <a:chExt cx="0" cy="0"/>
         </a:xfrm>
       </p:grpSpPr>
+      <p:sp useBgFill="1">
+        <p:nvSpPr>
+          <p:cNvPr id="8" name="Rectangle 7">
+            <a:extLst>
+              <a:ext uri="{FF2B5EF4-FFF2-40B4-BE49-F238E27FC236}">
+                <a16:creationId xmlns:a16="http://schemas.microsoft.com/office/drawing/2014/main" id="{8C6E698C-8155-4B8B-BDC9-B7299772B509}"/>
+              </a:ext>
+              <a:ext uri="{C183D7F6-B498-43B3-948B-1728B52AA6E4}">
+                <adec:decorative xmlns:adec="http://schemas.microsoft.com/office/drawing/2017/decorative" val="1"/>
+              </a:ext>
+            </a:extLst>
+          </p:cNvPr>
+          <p:cNvSpPr>
+            <a:spLocks noGrp="1" noRot="1" noChangeAspect="1" noMove="1" noResize="1" noEditPoints="1" noAdjustHandles="1" noChangeArrowheads="1" noChangeShapeType="1" noTextEdit="1"/>
+          </p:cNvSpPr>
+          <p:nvPr>
+            <p:extLst>
+              <p:ext uri="{386F3935-93C4-4BCD-93E2-E3B085C9AB24}">
+                <p16:designElem xmlns:p16="http://schemas.microsoft.com/office/powerpoint/2015/main" val="1"/>
+              </p:ext>
+            </p:extLst>
+          </p:nvPr>
+        </p:nvSpPr>
+        <p:spPr>
+          <a:xfrm>
+            <a:off x="0" y="0"/>
+            <a:ext cx="12188952" cy="6858000"/>
+          </a:xfrm>
+          <a:prstGeom prst="rect">
+            <a:avLst/>
+          </a:prstGeom>
+          <a:ln>
+            <a:noFill/>
+          </a:ln>
+        </p:spPr>
+        <p:style>
+          <a:lnRef idx="2">
+            <a:schemeClr val="accent1">
+              <a:shade val="50000"/>
+            </a:schemeClr>
+          </a:lnRef>
+          <a:fillRef idx="1">
+            <a:schemeClr val="accent1"/>
+          </a:fillRef>
+          <a:effectRef idx="0">
+            <a:schemeClr val="accent1"/>
+          </a:effectRef>
+          <a:fontRef idx="minor">
+            <a:schemeClr val="lt1"/>
+          </a:fontRef>
+        </p:style>
+        <p:txBody>
+          <a:bodyPr rtlCol="0" anchor="ctr"/>
+          <a:lstStyle/>
+          <a:p>
+            <a:pPr algn="ctr"/>
+            <a:endParaRPr lang="en-US"/>
+          </a:p>
+        </p:txBody>
+      </p:sp>
       <p:sp>
         <p:nvSpPr>
           <p:cNvPr id="2" name="Title 1"/>
@@ -4206,11 +7789,19 @@
             <p:ph type="ctrTitle"/>
           </p:nvPr>
         </p:nvSpPr>
-        <p:spPr/>
+        <p:spPr>
+          <a:xfrm>
+            <a:off x="965201" y="643467"/>
+            <a:ext cx="6050740" cy="5054008"/>
+          </a:xfrm>
+        </p:spPr>
         <p:txBody>
-          <a:bodyPr/>
+          <a:bodyPr anchor="ctr">
+            <a:normAutofit/>
+          </a:bodyPr>
           <a:lstStyle/>
           <a:p>
+            <a:pPr algn="r"/>
             <a:r>
               <a:rPr lang="nl-BE" dirty="0"/>
               <a:t>IT-Projectwerk 2022</a:t>
@@ -4228,9 +7819,16 @@
             <p:ph type="subTitle" idx="1"/>
           </p:nvPr>
         </p:nvSpPr>
-        <p:spPr/>
+        <p:spPr>
+          <a:xfrm>
+            <a:off x="7597834" y="643467"/>
+            <a:ext cx="3998417" cy="5054008"/>
+          </a:xfrm>
+        </p:spPr>
         <p:txBody>
-          <a:bodyPr/>
+          <a:bodyPr anchor="ctr">
+            <a:normAutofit/>
+          </a:bodyPr>
           <a:lstStyle/>
           <a:p>
             <a:r>
@@ -4243,6 +7841,168 @@
             </a:r>
           </a:p>
         </p:txBody>
+      </p:sp>
+      <p:cxnSp>
+        <p:nvCxnSpPr>
+          <p:cNvPr id="10" name="Straight Connector 9">
+            <a:extLst>
+              <a:ext uri="{FF2B5EF4-FFF2-40B4-BE49-F238E27FC236}">
+                <a16:creationId xmlns:a16="http://schemas.microsoft.com/office/drawing/2014/main" id="{09525C9A-1972-4836-BA7A-706C946EF4DA}"/>
+              </a:ext>
+              <a:ext uri="{C183D7F6-B498-43B3-948B-1728B52AA6E4}">
+                <adec:decorative xmlns:adec="http://schemas.microsoft.com/office/drawing/2017/decorative" val="1"/>
+              </a:ext>
+            </a:extLst>
+          </p:cNvPr>
+          <p:cNvCxnSpPr>
+            <a:cxnSpLocks noGrp="1" noRot="1" noChangeAspect="1" noMove="1" noResize="1" noEditPoints="1" noAdjustHandles="1" noChangeArrowheads="1" noChangeShapeType="1"/>
+          </p:cNvCxnSpPr>
+          <p:nvPr>
+            <p:extLst>
+              <p:ext uri="{386F3935-93C4-4BCD-93E2-E3B085C9AB24}">
+                <p16:designElem xmlns:p16="http://schemas.microsoft.com/office/powerpoint/2015/main" val="1"/>
+              </p:ext>
+            </p:extLst>
+          </p:nvPr>
+        </p:nvCxnSpPr>
+        <p:spPr>
+          <a:xfrm>
+            <a:off x="7534656" y="1391367"/>
+            <a:ext cx="0" cy="3558208"/>
+          </a:xfrm>
+          <a:prstGeom prst="line">
+            <a:avLst/>
+          </a:prstGeom>
+          <a:ln>
+            <a:solidFill>
+              <a:schemeClr val="tx2"/>
+            </a:solidFill>
+          </a:ln>
+        </p:spPr>
+        <p:style>
+          <a:lnRef idx="1">
+            <a:schemeClr val="accent1"/>
+          </a:lnRef>
+          <a:fillRef idx="0">
+            <a:schemeClr val="accent1"/>
+          </a:fillRef>
+          <a:effectRef idx="0">
+            <a:schemeClr val="accent1"/>
+          </a:effectRef>
+          <a:fontRef idx="minor">
+            <a:schemeClr val="tx1"/>
+          </a:fontRef>
+        </p:style>
+      </p:cxnSp>
+      <p:sp>
+        <p:nvSpPr>
+          <p:cNvPr id="12" name="Rectangle 11">
+            <a:extLst>
+              <a:ext uri="{FF2B5EF4-FFF2-40B4-BE49-F238E27FC236}">
+                <a16:creationId xmlns:a16="http://schemas.microsoft.com/office/drawing/2014/main" id="{8A549DE7-671D-4575-AF43-858FD99981CF}"/>
+              </a:ext>
+              <a:ext uri="{C183D7F6-B498-43B3-948B-1728B52AA6E4}">
+                <adec:decorative xmlns:adec="http://schemas.microsoft.com/office/drawing/2017/decorative" val="1"/>
+              </a:ext>
+            </a:extLst>
+          </p:cNvPr>
+          <p:cNvSpPr>
+            <a:spLocks noGrp="1" noRot="1" noChangeAspect="1" noMove="1" noResize="1" noEditPoints="1" noAdjustHandles="1" noChangeArrowheads="1" noChangeShapeType="1" noTextEdit="1"/>
+          </p:cNvSpPr>
+          <p:nvPr>
+            <p:extLst>
+              <p:ext uri="{386F3935-93C4-4BCD-93E2-E3B085C9AB24}">
+                <p16:designElem xmlns:p16="http://schemas.microsoft.com/office/powerpoint/2015/main" val="1"/>
+              </p:ext>
+            </p:extLst>
+          </p:nvPr>
+        </p:nvSpPr>
+        <p:spPr>
+          <a:xfrm>
+            <a:off x="3175" y="6400800"/>
+            <a:ext cx="12188825" cy="457200"/>
+          </a:xfrm>
+          <a:prstGeom prst="rect">
+            <a:avLst/>
+          </a:prstGeom>
+          <a:solidFill>
+            <a:schemeClr val="accent2"/>
+          </a:solidFill>
+          <a:ln>
+            <a:noFill/>
+          </a:ln>
+        </p:spPr>
+        <p:style>
+          <a:lnRef idx="2">
+            <a:schemeClr val="accent1">
+              <a:shade val="50000"/>
+            </a:schemeClr>
+          </a:lnRef>
+          <a:fillRef idx="1">
+            <a:schemeClr val="accent1"/>
+          </a:fillRef>
+          <a:effectRef idx="0">
+            <a:schemeClr val="accent1"/>
+          </a:effectRef>
+          <a:fontRef idx="minor">
+            <a:schemeClr val="lt1"/>
+          </a:fontRef>
+        </p:style>
+      </p:sp>
+      <p:sp>
+        <p:nvSpPr>
+          <p:cNvPr id="14" name="Rectangle 13">
+            <a:extLst>
+              <a:ext uri="{FF2B5EF4-FFF2-40B4-BE49-F238E27FC236}">
+                <a16:creationId xmlns:a16="http://schemas.microsoft.com/office/drawing/2014/main" id="{C22D9B36-9BE7-472B-8808-7E0D6810738F}"/>
+              </a:ext>
+              <a:ext uri="{C183D7F6-B498-43B3-948B-1728B52AA6E4}">
+                <adec:decorative xmlns:adec="http://schemas.microsoft.com/office/drawing/2017/decorative" val="1"/>
+              </a:ext>
+            </a:extLst>
+          </p:cNvPr>
+          <p:cNvSpPr>
+            <a:spLocks noGrp="1" noRot="1" noChangeAspect="1" noMove="1" noResize="1" noEditPoints="1" noAdjustHandles="1" noChangeArrowheads="1" noChangeShapeType="1" noTextEdit="1"/>
+          </p:cNvSpPr>
+          <p:nvPr>
+            <p:extLst>
+              <p:ext uri="{386F3935-93C4-4BCD-93E2-E3B085C9AB24}">
+                <p16:designElem xmlns:p16="http://schemas.microsoft.com/office/powerpoint/2015/main" val="1"/>
+              </p:ext>
+            </p:extLst>
+          </p:nvPr>
+        </p:nvSpPr>
+        <p:spPr>
+          <a:xfrm>
+            <a:off x="15" y="6340942"/>
+            <a:ext cx="12188825" cy="64008"/>
+          </a:xfrm>
+          <a:prstGeom prst="rect">
+            <a:avLst/>
+          </a:prstGeom>
+          <a:solidFill>
+            <a:schemeClr val="accent1"/>
+          </a:solidFill>
+          <a:ln>
+            <a:noFill/>
+          </a:ln>
+        </p:spPr>
+        <p:style>
+          <a:lnRef idx="2">
+            <a:schemeClr val="accent1">
+              <a:shade val="50000"/>
+            </a:schemeClr>
+          </a:lnRef>
+          <a:fillRef idx="1">
+            <a:schemeClr val="accent1"/>
+          </a:fillRef>
+          <a:effectRef idx="0">
+            <a:schemeClr val="accent1"/>
+          </a:effectRef>
+          <a:fontRef idx="minor">
+            <a:schemeClr val="lt1"/>
+          </a:fontRef>
+        </p:style>
       </p:sp>
     </p:spTree>
     <p:extLst>
@@ -4254,13 +8014,6 @@
   <p:clrMapOvr>
     <a:masterClrMapping/>
   </p:clrMapOvr>
-  <p:timing>
-    <p:tnLst>
-      <p:par>
-        <p:cTn id="1" dur="indefinite" restart="never" nodeType="tmRoot"/>
-      </p:par>
-    </p:tnLst>
-  </p:timing>
 </p:sld>
 </file>
 
@@ -4366,13 +8119,6 @@
   <p:clrMapOvr>
     <a:masterClrMapping/>
   </p:clrMapOvr>
-  <p:timing>
-    <p:tnLst>
-      <p:par>
-        <p:cTn id="1" dur="indefinite" restart="never" nodeType="tmRoot"/>
-      </p:par>
-    </p:tnLst>
-  </p:timing>
 </p:sld>
 </file>
 
@@ -4515,9 +8261,218 @@
   <p:timing>
     <p:tnLst>
       <p:par>
-        <p:cTn id="1" dur="indefinite" restart="never" nodeType="tmRoot"/>
+        <p:cTn id="1" dur="indefinite" restart="never" nodeType="tmRoot">
+          <p:childTnLst>
+            <p:seq concurrent="1" nextAc="seek">
+              <p:cTn id="2" dur="indefinite" nodeType="mainSeq">
+                <p:childTnLst>
+                  <p:par>
+                    <p:cTn id="3" fill="hold">
+                      <p:stCondLst>
+                        <p:cond delay="indefinite"/>
+                      </p:stCondLst>
+                      <p:childTnLst>
+                        <p:par>
+                          <p:cTn id="4" fill="hold">
+                            <p:stCondLst>
+                              <p:cond delay="0"/>
+                            </p:stCondLst>
+                            <p:childTnLst>
+                              <p:par>
+                                <p:cTn id="5" presetID="10" presetClass="entr" presetSubtype="0" fill="hold" grpId="0" nodeType="clickEffect">
+                                  <p:stCondLst>
+                                    <p:cond delay="0"/>
+                                  </p:stCondLst>
+                                  <p:childTnLst>
+                                    <p:set>
+                                      <p:cBhvr>
+                                        <p:cTn id="6" dur="1" fill="hold">
+                                          <p:stCondLst>
+                                            <p:cond delay="0"/>
+                                          </p:stCondLst>
+                                        </p:cTn>
+                                        <p:tgtEl>
+                                          <p:spTgt spid="5">
+                                            <p:txEl>
+                                              <p:pRg st="0" end="0"/>
+                                            </p:txEl>
+                                          </p:spTgt>
+                                        </p:tgtEl>
+                                        <p:attrNameLst>
+                                          <p:attrName>style.visibility</p:attrName>
+                                        </p:attrNameLst>
+                                      </p:cBhvr>
+                                      <p:to>
+                                        <p:strVal val="visible"/>
+                                      </p:to>
+                                    </p:set>
+                                    <p:animEffect transition="in" filter="fade">
+                                      <p:cBhvr>
+                                        <p:cTn id="7" dur="500"/>
+                                        <p:tgtEl>
+                                          <p:spTgt spid="5">
+                                            <p:txEl>
+                                              <p:pRg st="0" end="0"/>
+                                            </p:txEl>
+                                          </p:spTgt>
+                                        </p:tgtEl>
+                                      </p:cBhvr>
+                                    </p:animEffect>
+                                  </p:childTnLst>
+                                </p:cTn>
+                              </p:par>
+                            </p:childTnLst>
+                          </p:cTn>
+                        </p:par>
+                      </p:childTnLst>
+                    </p:cTn>
+                  </p:par>
+                  <p:par>
+                    <p:cTn id="8" fill="hold">
+                      <p:stCondLst>
+                        <p:cond delay="indefinite"/>
+                      </p:stCondLst>
+                      <p:childTnLst>
+                        <p:par>
+                          <p:cTn id="9" fill="hold">
+                            <p:stCondLst>
+                              <p:cond delay="0"/>
+                            </p:stCondLst>
+                            <p:childTnLst>
+                              <p:par>
+                                <p:cTn id="10" presetID="10" presetClass="entr" presetSubtype="0" fill="hold" grpId="0" nodeType="clickEffect">
+                                  <p:stCondLst>
+                                    <p:cond delay="0"/>
+                                  </p:stCondLst>
+                                  <p:childTnLst>
+                                    <p:set>
+                                      <p:cBhvr>
+                                        <p:cTn id="11" dur="1" fill="hold">
+                                          <p:stCondLst>
+                                            <p:cond delay="0"/>
+                                          </p:stCondLst>
+                                        </p:cTn>
+                                        <p:tgtEl>
+                                          <p:spTgt spid="5">
+                                            <p:txEl>
+                                              <p:pRg st="1" end="1"/>
+                                            </p:txEl>
+                                          </p:spTgt>
+                                        </p:tgtEl>
+                                        <p:attrNameLst>
+                                          <p:attrName>style.visibility</p:attrName>
+                                        </p:attrNameLst>
+                                      </p:cBhvr>
+                                      <p:to>
+                                        <p:strVal val="visible"/>
+                                      </p:to>
+                                    </p:set>
+                                    <p:animEffect transition="in" filter="fade">
+                                      <p:cBhvr>
+                                        <p:cTn id="12" dur="500"/>
+                                        <p:tgtEl>
+                                          <p:spTgt spid="5">
+                                            <p:txEl>
+                                              <p:pRg st="1" end="1"/>
+                                            </p:txEl>
+                                          </p:spTgt>
+                                        </p:tgtEl>
+                                      </p:cBhvr>
+                                    </p:animEffect>
+                                  </p:childTnLst>
+                                </p:cTn>
+                              </p:par>
+                            </p:childTnLst>
+                          </p:cTn>
+                        </p:par>
+                      </p:childTnLst>
+                    </p:cTn>
+                  </p:par>
+                  <p:par>
+                    <p:cTn id="13" fill="hold">
+                      <p:stCondLst>
+                        <p:cond delay="indefinite"/>
+                      </p:stCondLst>
+                      <p:childTnLst>
+                        <p:par>
+                          <p:cTn id="14" fill="hold">
+                            <p:stCondLst>
+                              <p:cond delay="0"/>
+                            </p:stCondLst>
+                            <p:childTnLst>
+                              <p:par>
+                                <p:cTn id="15" presetID="10" presetClass="entr" presetSubtype="0" fill="hold" grpId="0" nodeType="clickEffect">
+                                  <p:stCondLst>
+                                    <p:cond delay="0"/>
+                                  </p:stCondLst>
+                                  <p:childTnLst>
+                                    <p:set>
+                                      <p:cBhvr>
+                                        <p:cTn id="16" dur="1" fill="hold">
+                                          <p:stCondLst>
+                                            <p:cond delay="0"/>
+                                          </p:stCondLst>
+                                        </p:cTn>
+                                        <p:tgtEl>
+                                          <p:spTgt spid="5">
+                                            <p:txEl>
+                                              <p:pRg st="2" end="2"/>
+                                            </p:txEl>
+                                          </p:spTgt>
+                                        </p:tgtEl>
+                                        <p:attrNameLst>
+                                          <p:attrName>style.visibility</p:attrName>
+                                        </p:attrNameLst>
+                                      </p:cBhvr>
+                                      <p:to>
+                                        <p:strVal val="visible"/>
+                                      </p:to>
+                                    </p:set>
+                                    <p:animEffect transition="in" filter="fade">
+                                      <p:cBhvr>
+                                        <p:cTn id="17" dur="500"/>
+                                        <p:tgtEl>
+                                          <p:spTgt spid="5">
+                                            <p:txEl>
+                                              <p:pRg st="2" end="2"/>
+                                            </p:txEl>
+                                          </p:spTgt>
+                                        </p:tgtEl>
+                                      </p:cBhvr>
+                                    </p:animEffect>
+                                  </p:childTnLst>
+                                </p:cTn>
+                              </p:par>
+                            </p:childTnLst>
+                          </p:cTn>
+                        </p:par>
+                      </p:childTnLst>
+                    </p:cTn>
+                  </p:par>
+                </p:childTnLst>
+              </p:cTn>
+              <p:prevCondLst>
+                <p:cond evt="onPrev" delay="0">
+                  <p:tgtEl>
+                    <p:sldTgt/>
+                  </p:tgtEl>
+                </p:cond>
+              </p:prevCondLst>
+              <p:nextCondLst>
+                <p:cond evt="onNext" delay="0">
+                  <p:tgtEl>
+                    <p:sldTgt/>
+                  </p:tgtEl>
+                </p:cond>
+              </p:nextCondLst>
+            </p:seq>
+          </p:childTnLst>
+        </p:cTn>
       </p:par>
     </p:tnLst>
+    <p:bldLst>
+      <p:bldP spid="5" grpId="0" build="p"/>
+    </p:bldLst>
   </p:timing>
 </p:sld>
 </file>
@@ -4624,13 +8579,6 @@
   <p:clrMapOvr>
     <a:masterClrMapping/>
   </p:clrMapOvr>
-  <p:timing>
-    <p:tnLst>
-      <p:par>
-        <p:cTn id="1" dur="indefinite" restart="never" nodeType="tmRoot"/>
-      </p:par>
-    </p:tnLst>
-  </p:timing>
 </p:sld>
 </file>
 
@@ -4750,9 +8698,96 @@
   <p:timing>
     <p:tnLst>
       <p:par>
-        <p:cTn id="1" dur="indefinite" restart="never" nodeType="tmRoot"/>
+        <p:cTn id="1" dur="indefinite" restart="never" nodeType="tmRoot">
+          <p:childTnLst>
+            <p:seq concurrent="1" nextAc="seek">
+              <p:cTn id="2" dur="indefinite" nodeType="mainSeq">
+                <p:childTnLst>
+                  <p:par>
+                    <p:cTn id="3" fill="hold">
+                      <p:stCondLst>
+                        <p:cond delay="indefinite"/>
+                      </p:stCondLst>
+                      <p:childTnLst>
+                        <p:par>
+                          <p:cTn id="4" fill="hold">
+                            <p:stCondLst>
+                              <p:cond delay="0"/>
+                            </p:stCondLst>
+                            <p:childTnLst>
+                              <p:par>
+                                <p:cTn id="5" presetID="10" presetClass="entr" presetSubtype="0" fill="hold" grpId="0" nodeType="clickEffect">
+                                  <p:stCondLst>
+                                    <p:cond delay="0"/>
+                                  </p:stCondLst>
+                                  <p:childTnLst>
+                                    <p:set>
+                                      <p:cBhvr>
+                                        <p:cTn id="6" dur="1" fill="hold">
+                                          <p:stCondLst>
+                                            <p:cond delay="0"/>
+                                          </p:stCondLst>
+                                        </p:cTn>
+                                        <p:tgtEl>
+                                          <p:spTgt spid="5">
+                                            <p:txEl>
+                                              <p:pRg st="0" end="0"/>
+                                            </p:txEl>
+                                          </p:spTgt>
+                                        </p:tgtEl>
+                                        <p:attrNameLst>
+                                          <p:attrName>style.visibility</p:attrName>
+                                        </p:attrNameLst>
+                                      </p:cBhvr>
+                                      <p:to>
+                                        <p:strVal val="visible"/>
+                                      </p:to>
+                                    </p:set>
+                                    <p:animEffect transition="in" filter="fade">
+                                      <p:cBhvr>
+                                        <p:cTn id="7" dur="500"/>
+                                        <p:tgtEl>
+                                          <p:spTgt spid="5">
+                                            <p:txEl>
+                                              <p:pRg st="0" end="0"/>
+                                            </p:txEl>
+                                          </p:spTgt>
+                                        </p:tgtEl>
+                                      </p:cBhvr>
+                                    </p:animEffect>
+                                  </p:childTnLst>
+                                </p:cTn>
+                              </p:par>
+                            </p:childTnLst>
+                          </p:cTn>
+                        </p:par>
+                      </p:childTnLst>
+                    </p:cTn>
+                  </p:par>
+                </p:childTnLst>
+              </p:cTn>
+              <p:prevCondLst>
+                <p:cond evt="onPrev" delay="0">
+                  <p:tgtEl>
+                    <p:sldTgt/>
+                  </p:tgtEl>
+                </p:cond>
+              </p:prevCondLst>
+              <p:nextCondLst>
+                <p:cond evt="onNext" delay="0">
+                  <p:tgtEl>
+                    <p:sldTgt/>
+                  </p:tgtEl>
+                </p:cond>
+              </p:nextCondLst>
+            </p:seq>
+          </p:childTnLst>
+        </p:cTn>
       </p:par>
     </p:tnLst>
+    <p:bldLst>
+      <p:bldP spid="5" grpId="0" build="p"/>
+    </p:bldLst>
   </p:timing>
 </p:sld>
 </file>
@@ -4796,10 +8831,9 @@
           <a:lstStyle/>
           <a:p>
             <a:r>
-              <a:rPr lang="nl-BE" dirty="0" smtClean="0"/>
+              <a:rPr lang="nl-BE" dirty="0"/>
               <a:t>Werkwijze</a:t>
             </a:r>
-            <a:endParaRPr lang="nl-BE" dirty="0"/>
           </a:p>
         </p:txBody>
       </p:sp>
@@ -4992,13 +9026,6 @@
   <p:clrMapOvr>
     <a:masterClrMapping/>
   </p:clrMapOvr>
-  <p:timing>
-    <p:tnLst>
-      <p:par>
-        <p:cTn id="1" dur="indefinite" restart="never" nodeType="tmRoot"/>
-      </p:par>
-    </p:tnLst>
-  </p:timing>
 </p:sld>
 </file>
 
@@ -5175,6 +9202,14 @@
 <file path=ppt/slides/slide2.xml><?xml version="1.0" encoding="utf-8"?>
 <p:sld xmlns:a="http://schemas.openxmlformats.org/drawingml/2006/main" xmlns:r="http://schemas.openxmlformats.org/officeDocument/2006/relationships" xmlns:p="http://schemas.openxmlformats.org/presentationml/2006/main">
   <p:cSld>
+    <p:bg>
+      <p:bgPr>
+        <a:solidFill>
+          <a:schemeClr val="bg1"/>
+        </a:solidFill>
+        <a:effectLst/>
+      </p:bgPr>
+    </p:bg>
     <p:spTree>
       <p:nvGrpSpPr>
         <p:cNvPr id="1" name=""/>
@@ -5189,6 +9224,121 @@
           <a:chExt cx="0" cy="0"/>
         </a:xfrm>
       </p:grpSpPr>
+      <p:sp useBgFill="1">
+        <p:nvSpPr>
+          <p:cNvPr id="9" name="Rectangle 8">
+            <a:extLst>
+              <a:ext uri="{FF2B5EF4-FFF2-40B4-BE49-F238E27FC236}">
+                <a16:creationId xmlns:a16="http://schemas.microsoft.com/office/drawing/2014/main" id="{EE1530B0-6F96-46C0-8B3E-3215CB756BE4}"/>
+              </a:ext>
+              <a:ext uri="{C183D7F6-B498-43B3-948B-1728B52AA6E4}">
+                <adec:decorative xmlns:adec="http://schemas.microsoft.com/office/drawing/2017/decorative" val="1"/>
+              </a:ext>
+            </a:extLst>
+          </p:cNvPr>
+          <p:cNvSpPr>
+            <a:spLocks noGrp="1" noRot="1" noChangeAspect="1" noMove="1" noResize="1" noEditPoints="1" noAdjustHandles="1" noChangeArrowheads="1" noChangeShapeType="1" noTextEdit="1"/>
+          </p:cNvSpPr>
+          <p:nvPr>
+            <p:extLst>
+              <p:ext uri="{386F3935-93C4-4BCD-93E2-E3B085C9AB24}">
+                <p16:designElem xmlns:p16="http://schemas.microsoft.com/office/powerpoint/2015/main" val="1"/>
+              </p:ext>
+            </p:extLst>
+          </p:nvPr>
+        </p:nvSpPr>
+        <p:spPr>
+          <a:xfrm>
+            <a:off x="5685" y="0"/>
+            <a:ext cx="12186315" cy="6858000"/>
+          </a:xfrm>
+          <a:prstGeom prst="rect">
+            <a:avLst/>
+          </a:prstGeom>
+          <a:ln>
+            <a:noFill/>
+          </a:ln>
+        </p:spPr>
+        <p:style>
+          <a:lnRef idx="2">
+            <a:schemeClr val="accent6">
+              <a:shade val="50000"/>
+            </a:schemeClr>
+          </a:lnRef>
+          <a:fillRef idx="1001">
+            <a:schemeClr val="lt1"/>
+          </a:fillRef>
+          <a:effectRef idx="0">
+            <a:schemeClr val="accent6"/>
+          </a:effectRef>
+          <a:fontRef idx="minor">
+            <a:schemeClr val="lt1"/>
+          </a:fontRef>
+        </p:style>
+        <p:txBody>
+          <a:bodyPr rtlCol="0" anchor="ctr"/>
+          <a:lstStyle/>
+          <a:p>
+            <a:pPr algn="ctr"/>
+            <a:endParaRPr lang="en-US"/>
+          </a:p>
+        </p:txBody>
+      </p:sp>
+      <p:sp>
+        <p:nvSpPr>
+          <p:cNvPr id="11" name="Rectangle 10">
+            <a:extLst>
+              <a:ext uri="{FF2B5EF4-FFF2-40B4-BE49-F238E27FC236}">
+                <a16:creationId xmlns:a16="http://schemas.microsoft.com/office/drawing/2014/main" id="{754910CF-1B56-45D3-960A-E89F7B3B9131}"/>
+              </a:ext>
+              <a:ext uri="{C183D7F6-B498-43B3-948B-1728B52AA6E4}">
+                <adec:decorative xmlns:adec="http://schemas.microsoft.com/office/drawing/2017/decorative" val="1"/>
+              </a:ext>
+            </a:extLst>
+          </p:cNvPr>
+          <p:cNvSpPr>
+            <a:spLocks noGrp="1" noRot="1" noChangeAspect="1" noMove="1" noResize="1" noEditPoints="1" noAdjustHandles="1" noChangeArrowheads="1" noChangeShapeType="1" noTextEdit="1"/>
+          </p:cNvSpPr>
+          <p:nvPr>
+            <p:extLst>
+              <p:ext uri="{386F3935-93C4-4BCD-93E2-E3B085C9AB24}">
+                <p16:designElem xmlns:p16="http://schemas.microsoft.com/office/powerpoint/2015/main" val="1"/>
+              </p:ext>
+            </p:extLst>
+          </p:nvPr>
+        </p:nvSpPr>
+        <p:spPr>
+          <a:xfrm>
+            <a:off x="16" y="0"/>
+            <a:ext cx="4050791" cy="6858000"/>
+          </a:xfrm>
+          <a:prstGeom prst="rect">
+            <a:avLst/>
+          </a:prstGeom>
+          <a:solidFill>
+            <a:schemeClr val="accent2"/>
+          </a:solidFill>
+          <a:ln>
+            <a:noFill/>
+          </a:ln>
+        </p:spPr>
+        <p:style>
+          <a:lnRef idx="2">
+            <a:schemeClr val="accent1">
+              <a:shade val="50000"/>
+            </a:schemeClr>
+          </a:lnRef>
+          <a:fillRef idx="1">
+            <a:schemeClr val="accent1"/>
+          </a:fillRef>
+          <a:effectRef idx="0">
+            <a:schemeClr val="accent1"/>
+          </a:effectRef>
+          <a:fontRef idx="minor">
+            <a:schemeClr val="lt1"/>
+          </a:fontRef>
+        </p:style>
+      </p:sp>
       <p:sp>
         <p:nvSpPr>
           <p:cNvPr id="2" name="Title 1"/>
@@ -5199,81 +9349,115 @@
             <p:ph type="title"/>
           </p:nvPr>
         </p:nvSpPr>
-        <p:spPr/>
-        <p:txBody>
-          <a:bodyPr/>
-          <a:lstStyle/>
-          <a:p>
-            <a:r>
-              <a:rPr lang="nl-BE" dirty="0"/>
-              <a:t>Inhoud</a:t>
-            </a:r>
-          </a:p>
-        </p:txBody>
-      </p:sp>
-      <p:sp>
-        <p:nvSpPr>
-          <p:cNvPr id="3" name="Content Placeholder 2"/>
-          <p:cNvSpPr>
-            <a:spLocks noGrp="1"/>
-          </p:cNvSpPr>
-          <p:nvPr>
-            <p:ph idx="1"/>
-          </p:nvPr>
-        </p:nvSpPr>
         <p:spPr>
           <a:xfrm>
-            <a:off x="1097280" y="2111113"/>
-            <a:ext cx="10058400" cy="4023360"/>
+            <a:off x="492370" y="516835"/>
+            <a:ext cx="3084844" cy="5772840"/>
           </a:xfrm>
         </p:spPr>
         <p:txBody>
-          <a:bodyPr/>
+          <a:bodyPr anchor="ctr">
+            <a:normAutofit/>
+          </a:bodyPr>
           <a:lstStyle/>
           <a:p>
             <a:r>
-              <a:rPr lang="nl-BE" dirty="0"/>
-              <a:t>- Wie is wie</a:t>
-            </a:r>
-          </a:p>
-          <a:p>
-            <a:r>
-              <a:rPr lang="nl-BE" dirty="0"/>
-              <a:t>- Situatieschets</a:t>
-            </a:r>
-          </a:p>
-          <a:p>
-            <a:r>
-              <a:rPr lang="nl-BE" dirty="0"/>
-              <a:t>- Plan van aanpak</a:t>
-            </a:r>
-          </a:p>
-          <a:p>
-            <a:r>
-              <a:rPr lang="nl-BE" dirty="0"/>
-              <a:t>- Sprints</a:t>
-            </a:r>
-          </a:p>
-          <a:p>
-            <a:r>
-              <a:rPr lang="nl-BE" dirty="0"/>
-              <a:t>- Uitvoering</a:t>
-            </a:r>
-          </a:p>
-          <a:p>
-            <a:r>
-              <a:rPr lang="nl-BE" dirty="0"/>
-              <a:t>- Demo</a:t>
-            </a:r>
-          </a:p>
-          <a:p>
-            <a:r>
-              <a:rPr lang="nl-BE" dirty="0"/>
-              <a:t>- Besluit</a:t>
+              <a:rPr lang="nl-BE" sz="3600">
+                <a:solidFill>
+                  <a:srgbClr val="FFFFFF"/>
+                </a:solidFill>
+              </a:rPr>
+              <a:t>Inhoud</a:t>
             </a:r>
           </a:p>
         </p:txBody>
       </p:sp>
+      <p:sp>
+        <p:nvSpPr>
+          <p:cNvPr id="13" name="Rectangle 12">
+            <a:extLst>
+              <a:ext uri="{FF2B5EF4-FFF2-40B4-BE49-F238E27FC236}">
+                <a16:creationId xmlns:a16="http://schemas.microsoft.com/office/drawing/2014/main" id="{6669F804-A677-4B75-95F4-A5E4426FB774}"/>
+              </a:ext>
+              <a:ext uri="{C183D7F6-B498-43B3-948B-1728B52AA6E4}">
+                <adec:decorative xmlns:adec="http://schemas.microsoft.com/office/drawing/2017/decorative" val="1"/>
+              </a:ext>
+            </a:extLst>
+          </p:cNvPr>
+          <p:cNvSpPr>
+            <a:spLocks noGrp="1" noRot="1" noChangeAspect="1" noMove="1" noResize="1" noEditPoints="1" noAdjustHandles="1" noChangeArrowheads="1" noChangeShapeType="1" noTextEdit="1"/>
+          </p:cNvSpPr>
+          <p:nvPr>
+            <p:extLst>
+              <p:ext uri="{386F3935-93C4-4BCD-93E2-E3B085C9AB24}">
+                <p16:designElem xmlns:p16="http://schemas.microsoft.com/office/powerpoint/2015/main" val="1"/>
+              </p:ext>
+            </p:extLst>
+          </p:nvPr>
+        </p:nvSpPr>
+        <p:spPr>
+          <a:xfrm>
+            <a:off x="4040071" y="0"/>
+            <a:ext cx="64008" cy="6858000"/>
+          </a:xfrm>
+          <a:prstGeom prst="rect">
+            <a:avLst/>
+          </a:prstGeom>
+          <a:solidFill>
+            <a:schemeClr val="accent1"/>
+          </a:solidFill>
+          <a:ln>
+            <a:noFill/>
+          </a:ln>
+        </p:spPr>
+        <p:style>
+          <a:lnRef idx="2">
+            <a:schemeClr val="accent1">
+              <a:shade val="50000"/>
+            </a:schemeClr>
+          </a:lnRef>
+          <a:fillRef idx="1">
+            <a:schemeClr val="accent1"/>
+          </a:fillRef>
+          <a:effectRef idx="0">
+            <a:schemeClr val="accent1"/>
+          </a:effectRef>
+          <a:fontRef idx="minor">
+            <a:schemeClr val="lt1"/>
+          </a:fontRef>
+        </p:style>
+      </p:sp>
+      <p:graphicFrame>
+        <p:nvGraphicFramePr>
+          <p:cNvPr id="7" name="Content Placeholder 2">
+            <a:extLst>
+              <a:ext uri="{FF2B5EF4-FFF2-40B4-BE49-F238E27FC236}">
+                <a16:creationId xmlns:a16="http://schemas.microsoft.com/office/drawing/2014/main" id="{99BCF860-9B65-BC08-E237-54A4D58CF998}"/>
+              </a:ext>
+            </a:extLst>
+          </p:cNvPr>
+          <p:cNvGraphicFramePr>
+            <a:graphicFrameLocks noGrp="1"/>
+          </p:cNvGraphicFramePr>
+          <p:nvPr>
+            <p:ph idx="1"/>
+            <p:extLst>
+              <p:ext uri="{D42A27DB-BD31-4B8C-83A1-F6EECF244321}">
+                <p14:modId xmlns:p14="http://schemas.microsoft.com/office/powerpoint/2010/main" val="4177614278"/>
+              </p:ext>
+            </p:extLst>
+          </p:nvPr>
+        </p:nvGraphicFramePr>
+        <p:xfrm>
+          <a:off x="4741863" y="639763"/>
+          <a:ext cx="6797675" cy="5649912"/>
+        </p:xfrm>
+        <a:graphic>
+          <a:graphicData uri="http://schemas.openxmlformats.org/drawingml/2006/diagram">
+            <dgm:relIds xmlns:dgm="http://schemas.openxmlformats.org/drawingml/2006/diagram" xmlns:r="http://schemas.openxmlformats.org/officeDocument/2006/relationships" r:dm="rId2" r:lo="rId3" r:qs="rId4" r:cs="rId5"/>
+          </a:graphicData>
+        </a:graphic>
+      </p:graphicFrame>
     </p:spTree>
     <p:extLst>
       <p:ext uri="{BB962C8B-B14F-4D97-AF65-F5344CB8AC3E}">
@@ -5284,13 +9468,6 @@
   <p:clrMapOvr>
     <a:masterClrMapping/>
   </p:clrMapOvr>
-  <p:timing>
-    <p:tnLst>
-      <p:par>
-        <p:cTn id="1" dur="indefinite" restart="never" nodeType="tmRoot"/>
-      </p:par>
-    </p:tnLst>
-  </p:timing>
 </p:sld>
 </file>
 
@@ -5419,6 +9596,53 @@
           </a:p>
         </p:txBody>
       </p:sp>
+      <p:pic>
+        <p:nvPicPr>
+          <p:cNvPr id="1026" name="Picture 2" descr="Voor wat kan je bij ons terecht als Brusselse organisatie?">
+            <a:extLst>
+              <a:ext uri="{FF2B5EF4-FFF2-40B4-BE49-F238E27FC236}">
+                <a16:creationId xmlns:a16="http://schemas.microsoft.com/office/drawing/2014/main" id="{5E0C741B-930B-E278-BCC4-660FE80393B3}"/>
+              </a:ext>
+            </a:extLst>
+          </p:cNvPr>
+          <p:cNvPicPr>
+            <a:picLocks noChangeAspect="1" noChangeArrowheads="1"/>
+          </p:cNvPicPr>
+          <p:nvPr/>
+        </p:nvPicPr>
+        <p:blipFill>
+          <a:blip r:embed="rId2">
+            <a:extLst>
+              <a:ext uri="{28A0092B-C50C-407E-A947-70E740481C1C}">
+                <a14:useLocalDpi xmlns:a14="http://schemas.microsoft.com/office/drawing/2010/main" val="0"/>
+              </a:ext>
+            </a:extLst>
+          </a:blip>
+          <a:srcRect/>
+          <a:stretch>
+            <a:fillRect/>
+          </a:stretch>
+        </p:blipFill>
+        <p:spPr bwMode="auto">
+          <a:xfrm>
+            <a:off x="4961659" y="2240396"/>
+            <a:ext cx="4762500" cy="2857500"/>
+          </a:xfrm>
+          <a:prstGeom prst="rect">
+            <a:avLst/>
+          </a:prstGeom>
+          <a:noFill/>
+          <a:extLst>
+            <a:ext uri="{909E8E84-426E-40DD-AFC4-6F175D3DCCD1}">
+              <a14:hiddenFill xmlns:a14="http://schemas.microsoft.com/office/drawing/2010/main">
+                <a:solidFill>
+                  <a:srgbClr val="FFFFFF"/>
+                </a:solidFill>
+              </a14:hiddenFill>
+            </a:ext>
+          </a:extLst>
+        </p:spPr>
+      </p:pic>
     </p:spTree>
     <p:extLst>
       <p:ext uri="{BB962C8B-B14F-4D97-AF65-F5344CB8AC3E}">
@@ -5429,19 +9653,20 @@
   <p:clrMapOvr>
     <a:masterClrMapping/>
   </p:clrMapOvr>
-  <p:timing>
-    <p:tnLst>
-      <p:par>
-        <p:cTn id="1" dur="indefinite" restart="never" nodeType="tmRoot"/>
-      </p:par>
-    </p:tnLst>
-  </p:timing>
 </p:sld>
 </file>
 
 <file path=ppt/slides/slide4.xml><?xml version="1.0" encoding="utf-8"?>
 <p:sld xmlns:a="http://schemas.openxmlformats.org/drawingml/2006/main" xmlns:r="http://schemas.openxmlformats.org/officeDocument/2006/relationships" xmlns:p="http://schemas.openxmlformats.org/presentationml/2006/main">
   <p:cSld>
+    <p:bg>
+      <p:bgPr>
+        <a:solidFill>
+          <a:schemeClr val="bg1"/>
+        </a:solidFill>
+        <a:effectLst/>
+      </p:bgPr>
+    </p:bg>
     <p:spTree>
       <p:nvGrpSpPr>
         <p:cNvPr id="1" name=""/>
@@ -5472,9 +9697,16 @@
             <p:ph type="title"/>
           </p:nvPr>
         </p:nvSpPr>
-        <p:spPr/>
+        <p:spPr>
+          <a:xfrm>
+            <a:off x="1097280" y="286603"/>
+            <a:ext cx="10058400" cy="1450757"/>
+          </a:xfrm>
+        </p:spPr>
         <p:txBody>
-          <a:bodyPr/>
+          <a:bodyPr>
+            <a:normAutofit/>
+          </a:bodyPr>
           <a:lstStyle/>
           <a:p>
             <a:r>
@@ -5500,68 +9732,120 @@
             <p:ph idx="1"/>
           </p:nvPr>
         </p:nvSpPr>
-        <p:spPr/>
+        <p:spPr>
+          <a:xfrm>
+            <a:off x="1097279" y="1845734"/>
+            <a:ext cx="6923291" cy="4023360"/>
+          </a:xfrm>
+        </p:spPr>
         <p:txBody>
-          <a:bodyPr/>
+          <a:bodyPr>
+            <a:normAutofit/>
+          </a:bodyPr>
           <a:lstStyle/>
           <a:p>
             <a:r>
-              <a:rPr lang="nl-BE" dirty="0"/>
+              <a:rPr lang="nl-BE" sz="1900" dirty="0"/>
               <a:t>- Samenwerking tussen Co-Hogeschool </a:t>
             </a:r>
             <a:r>
-              <a:rPr lang="nl-BE" dirty="0" err="1"/>
+              <a:rPr lang="nl-BE" sz="1900" dirty="0" err="1"/>
               <a:t>Odisee</a:t>
             </a:r>
             <a:r>
-              <a:rPr lang="nl-BE" dirty="0"/>
+              <a:rPr lang="nl-BE" sz="1900" dirty="0"/>
               <a:t> en bedrijven</a:t>
             </a:r>
           </a:p>
           <a:p>
             <a:r>
-              <a:rPr lang="nl-BE" dirty="0"/>
-              <a:t>- Deployment services implementeren voor de vestigingsplaatsen binnen de bedrijven</a:t>
-            </a:r>
-          </a:p>
-          <a:p>
-            <a:r>
-              <a:rPr lang="nl-BE" dirty="0"/>
+              <a:rPr lang="nl-BE" sz="1900" dirty="0"/>
+              <a:t>- Deployment services implementeren voor de vestigingsplaatsen           binnen de bedrijven</a:t>
+            </a:r>
+          </a:p>
+          <a:p>
+            <a:r>
+              <a:rPr lang="nl-BE" sz="1900" dirty="0"/>
               <a:t>- Werkplek om te studeren en nieuwe onderwerpen uitdiepen</a:t>
             </a:r>
           </a:p>
           <a:p>
             <a:r>
-              <a:rPr lang="nl-BE" dirty="0"/>
+              <a:rPr lang="nl-BE" sz="1900" dirty="0"/>
               <a:t>Te voorziene hardware per vestigingsplaats:</a:t>
             </a:r>
           </a:p>
           <a:p>
             <a:r>
-              <a:rPr lang="nl-BE" dirty="0"/>
+              <a:rPr lang="nl-BE" sz="1900" dirty="0"/>
               <a:t>Servers</a:t>
             </a:r>
           </a:p>
           <a:p>
             <a:r>
-              <a:rPr lang="nl-BE" dirty="0"/>
+              <a:rPr lang="nl-BE" sz="1900" dirty="0"/>
               <a:t>Router</a:t>
             </a:r>
           </a:p>
           <a:p>
             <a:r>
-              <a:rPr lang="nl-BE" dirty="0"/>
+              <a:rPr lang="nl-BE" sz="1900" dirty="0"/>
               <a:t>Switches</a:t>
             </a:r>
           </a:p>
           <a:p>
             <a:r>
-              <a:rPr lang="nl-BE" dirty="0"/>
+              <a:rPr lang="nl-BE" sz="1900" dirty="0"/>
               <a:t>Access-points</a:t>
             </a:r>
           </a:p>
         </p:txBody>
       </p:sp>
+      <p:pic>
+        <p:nvPicPr>
+          <p:cNvPr id="2050" name="Picture 2" descr="Brainstorm - Free business icons">
+            <a:extLst>
+              <a:ext uri="{FF2B5EF4-FFF2-40B4-BE49-F238E27FC236}">
+                <a16:creationId xmlns:a16="http://schemas.microsoft.com/office/drawing/2014/main" id="{0619263E-0FAE-412F-6008-CD3FC5936BC2}"/>
+              </a:ext>
+            </a:extLst>
+          </p:cNvPr>
+          <p:cNvPicPr>
+            <a:picLocks noChangeAspect="1" noChangeArrowheads="1"/>
+          </p:cNvPicPr>
+          <p:nvPr/>
+        </p:nvPicPr>
+        <p:blipFill rotWithShape="1">
+          <a:blip r:embed="rId2">
+            <a:extLst>
+              <a:ext uri="{28A0092B-C50C-407E-A947-70E740481C1C}">
+                <a14:useLocalDpi xmlns:a14="http://schemas.microsoft.com/office/drawing/2010/main" val="0"/>
+              </a:ext>
+            </a:extLst>
+          </a:blip>
+          <a:srcRect l="6984" r="2689" b="-5"/>
+          <a:stretch/>
+        </p:blipFill>
+        <p:spPr bwMode="auto">
+          <a:xfrm>
+            <a:off x="7660352" y="2121908"/>
+            <a:ext cx="3135109" cy="3471012"/>
+          </a:xfrm>
+          <a:prstGeom prst="rect">
+            <a:avLst/>
+          </a:prstGeom>
+          <a:noFill/>
+          <a:extLst>
+            <a:ext uri="{909E8E84-426E-40DD-AFC4-6F175D3DCCD1}">
+              <a14:hiddenFill xmlns:a14="http://schemas.microsoft.com/office/drawing/2010/main">
+                <a:solidFill>
+                  <a:srgbClr val="FFFFFF"/>
+                </a:solidFill>
+              </a14:hiddenFill>
+            </a:ext>
+          </a:extLst>
+        </p:spPr>
+      </p:pic>
     </p:spTree>
     <p:extLst>
       <p:ext uri="{BB962C8B-B14F-4D97-AF65-F5344CB8AC3E}">
@@ -5572,13 +9856,6 @@
   <p:clrMapOvr>
     <a:masterClrMapping/>
   </p:clrMapOvr>
-  <p:timing>
-    <p:tnLst>
-      <p:par>
-        <p:cTn id="1" dur="indefinite" restart="never" nodeType="tmRoot"/>
-      </p:par>
-    </p:tnLst>
-  </p:timing>
 </p:sld>
 </file>
 
@@ -5615,7 +9892,7 @@
                 <a16:creationId xmlns:a16="http://schemas.microsoft.com/office/drawing/2014/main" id="{284B70D5-875B-433D-BDBD-1522A85D6C1D}"/>
               </a:ext>
               <a:ext uri="{C183D7F6-B498-43B3-948B-1728B52AA6E4}">
-                <adec:decorative xmlns:adec="http://schemas.microsoft.com/office/drawing/2017/decorative" xmlns="" val="1"/>
+                <adec:decorative xmlns:adec="http://schemas.microsoft.com/office/drawing/2017/decorative" val="1"/>
               </a:ext>
             </a:extLst>
           </p:cNvPr>
@@ -5830,15 +10107,7 @@
             </a:r>
             <a:r>
               <a:rPr lang="en-US" dirty="0"/>
-              <a:t> image met </a:t>
-            </a:r>
-            <a:r>
-              <a:rPr lang="en-US" dirty="0" smtClean="0"/>
-              <a:t>python3 </a:t>
-            </a:r>
-            <a:r>
-              <a:rPr lang="en-US" dirty="0"/>
-              <a:t>software </a:t>
+              <a:t> image met python3 software </a:t>
             </a:r>
             <a:r>
               <a:rPr lang="en-US" dirty="0" err="1"/>
@@ -5931,7 +10200,7 @@
                 <a16:creationId xmlns:a16="http://schemas.microsoft.com/office/drawing/2014/main" id="{C947DF4A-614C-4B4C-8B80-E5B9D8E8CFED}"/>
               </a:ext>
               <a:ext uri="{C183D7F6-B498-43B3-948B-1728B52AA6E4}">
-                <adec:decorative xmlns:adec="http://schemas.microsoft.com/office/drawing/2017/decorative" xmlns="" val="1"/>
+                <adec:decorative xmlns:adec="http://schemas.microsoft.com/office/drawing/2017/decorative" val="1"/>
               </a:ext>
             </a:extLst>
           </p:cNvPr>
@@ -5987,7 +10256,7 @@
                 <a16:creationId xmlns:a16="http://schemas.microsoft.com/office/drawing/2014/main" id="{1E299956-A9E7-4FC1-A0B1-D590CA9730E8}"/>
               </a:ext>
               <a:ext uri="{C183D7F6-B498-43B3-948B-1728B52AA6E4}">
-                <adec:decorative xmlns:adec="http://schemas.microsoft.com/office/drawing/2017/decorative" xmlns="" val="1"/>
+                <adec:decorative xmlns:adec="http://schemas.microsoft.com/office/drawing/2017/decorative" val="1"/>
               </a:ext>
             </a:extLst>
           </p:cNvPr>
@@ -6042,7 +10311,7 @@
                 <a16:creationId xmlns:a16="http://schemas.microsoft.com/office/drawing/2014/main" id="{17FC539C-B783-4B03-9F9E-D13430F3F64F}"/>
               </a:ext>
               <a:ext uri="{C183D7F6-B498-43B3-948B-1728B52AA6E4}">
-                <adec:decorative xmlns:adec="http://schemas.microsoft.com/office/drawing/2017/decorative" xmlns="" val="1"/>
+                <adec:decorative xmlns:adec="http://schemas.microsoft.com/office/drawing/2017/decorative" val="1"/>
               </a:ext>
             </a:extLst>
           </p:cNvPr>
@@ -6099,13 +10368,6 @@
   <p:clrMapOvr>
     <a:masterClrMapping/>
   </p:clrMapOvr>
-  <p:timing>
-    <p:tnLst>
-      <p:par>
-        <p:cTn id="1" dur="indefinite" restart="never" nodeType="tmRoot"/>
-      </p:par>
-    </p:tnLst>
-  </p:timing>
 </p:sld>
 </file>
 
@@ -6410,7 +10672,7 @@
         </p:nvSpPr>
         <p:spPr>
           <a:xfrm>
-            <a:off x="6206256" y="2797333"/>
+            <a:off x="6096000" y="3212969"/>
             <a:ext cx="5885991" cy="1077218"/>
           </a:xfrm>
           <a:prstGeom prst="rect">
@@ -6530,8 +10792,8 @@
         </p:nvSpPr>
         <p:spPr>
           <a:xfrm>
-            <a:off x="7226531" y="2227811"/>
-            <a:ext cx="2806237" cy="2172642"/>
+            <a:off x="6449983" y="2402814"/>
+            <a:ext cx="3582785" cy="2556517"/>
           </a:xfrm>
           <a:prstGeom prst="mathMultiply">
             <a:avLst/>
@@ -6777,13 +11039,6 @@
   <p:clrMapOvr>
     <a:masterClrMapping/>
   </p:clrMapOvr>
-  <p:timing>
-    <p:tnLst>
-      <p:par>
-        <p:cTn id="1" dur="indefinite" restart="never" nodeType="tmRoot"/>
-      </p:par>
-    </p:tnLst>
-  </p:timing>
 </p:sld>
 </file>
 
@@ -6967,13 +11222,6 @@
   <p:clrMapOvr>
     <a:masterClrMapping/>
   </p:clrMapOvr>
-  <p:timing>
-    <p:tnLst>
-      <p:par>
-        <p:cTn id="1" dur="indefinite" restart="never" nodeType="tmRoot"/>
-      </p:par>
-    </p:tnLst>
-  </p:timing>
 </p:sld>
 </file>
 
@@ -7052,7 +11300,7 @@
               <a:buChar char="•"/>
             </a:pPr>
             <a:r>
-              <a:rPr lang="nl-BE" sz="2000" dirty="0" smtClean="0"/>
+              <a:rPr lang="nl-BE" sz="2000" dirty="0"/>
               <a:t>Sprint backlogs</a:t>
             </a:r>
           </a:p>
@@ -7062,14 +11310,14 @@
               <a:buChar char="•"/>
             </a:pPr>
             <a:r>
-              <a:rPr lang="nl-BE" sz="2000" dirty="0" smtClean="0"/>
+              <a:rPr lang="nl-BE" sz="2000" dirty="0"/>
               <a:t>Definition of </a:t>
             </a:r>
             <a:r>
-              <a:rPr lang="nl-BE" sz="2000" dirty="0" err="1" smtClean="0"/>
+              <a:rPr lang="nl-BE" sz="2000" dirty="0" err="1"/>
               <a:t>done</a:t>
             </a:r>
-            <a:endParaRPr lang="nl-BE" sz="2000" dirty="0" smtClean="0"/>
+            <a:endParaRPr lang="nl-BE" sz="2000" dirty="0"/>
           </a:p>
           <a:p>
             <a:pPr marL="285750" indent="-285750">
@@ -7077,10 +11325,9 @@
               <a:buChar char="•"/>
             </a:pPr>
             <a:r>
-              <a:rPr lang="nl-BE" sz="2000" dirty="0" smtClean="0"/>
+              <a:rPr lang="nl-BE" sz="2000" dirty="0"/>
               <a:t>Increment</a:t>
             </a:r>
-            <a:endParaRPr lang="nl-BE" sz="2000" dirty="0"/>
           </a:p>
         </p:txBody>
       </p:sp>

--- a/Scrum Artifacts/Sprint5/IT-Projectwerk 2022.pptx
+++ b/Scrum Artifacts/Sprint5/IT-Projectwerk 2022.pptx
@@ -10184,8 +10184,8 @@
         </p:blipFill>
         <p:spPr>
           <a:xfrm>
-            <a:off x="429123" y="608599"/>
-            <a:ext cx="6909801" cy="5165076"/>
+            <a:off x="239585" y="348792"/>
+            <a:ext cx="7282592" cy="5443737"/>
           </a:xfrm>
           <a:prstGeom prst="rect">
             <a:avLst/>

--- a/Scrum Artifacts/Sprint5/IT-Projectwerk 2022.pptx
+++ b/Scrum Artifacts/Sprint5/IT-Projectwerk 2022.pptx
@@ -916,7 +916,7 @@
 <dgm:dataModel xmlns:dgm="http://schemas.openxmlformats.org/drawingml/2006/diagram" xmlns:a="http://schemas.openxmlformats.org/drawingml/2006/main">
   <dgm:ptLst>
     <dgm:pt modelId="{D6EB8624-9D8C-4A09-9280-6601EA15FE25}" type="doc">
-      <dgm:prSet loTypeId="urn:microsoft.com/office/officeart/2008/layout/LinedList" loCatId="list" qsTypeId="urn:microsoft.com/office/officeart/2005/8/quickstyle/simple1" qsCatId="simple" csTypeId="urn:microsoft.com/office/officeart/2005/8/colors/colorful2" csCatId="colorful"/>
+      <dgm:prSet loTypeId="urn:microsoft.com/office/officeart/2008/layout/LinedList" loCatId="list" qsTypeId="urn:microsoft.com/office/officeart/2005/8/quickstyle/simple1" qsCatId="simple" csTypeId="urn:microsoft.com/office/officeart/2005/8/colors/colorful2" csCatId="colorful" phldr="1"/>
       <dgm:spPr/>
       <dgm:t>
         <a:bodyPr/>
@@ -1082,10 +1082,10 @@
         <a:lstStyle/>
         <a:p>
           <a:r>
-            <a:rPr lang="nl-BE"/>
-            <a:t>- Uitvoering</a:t>
+            <a:rPr lang="nl-BE" dirty="0"/>
+            <a:t>- Werkwijze</a:t>
           </a:r>
-          <a:endParaRPr lang="en-US"/>
+          <a:endParaRPr lang="en-US" dirty="0"/>
         </a:p>
       </dgm:t>
     </dgm:pt>
@@ -1910,10 +1910,10 @@
             <a:buNone/>
           </a:pPr>
           <a:r>
-            <a:rPr lang="nl-BE" sz="3700" kern="1200"/>
-            <a:t>- Uitvoering</a:t>
+            <a:rPr lang="nl-BE" sz="3700" kern="1200" dirty="0"/>
+            <a:t>- Werkwijze</a:t>
           </a:r>
-          <a:endParaRPr lang="en-US" sz="3700" kern="1200"/>
+          <a:endParaRPr lang="en-US" sz="3700" kern="1200" dirty="0"/>
         </a:p>
       </dsp:txBody>
       <dsp:txXfrm>
@@ -8085,13 +8085,17 @@
       </p:sp>
       <p:pic>
         <p:nvPicPr>
-          <p:cNvPr id="6" name="Tijdelijke aanduiding voor inhoud 5"/>
+          <p:cNvPr id="8" name="Afbeelding 7">
+            <a:extLst>
+              <a:ext uri="{FF2B5EF4-FFF2-40B4-BE49-F238E27FC236}">
+                <a16:creationId xmlns:a16="http://schemas.microsoft.com/office/drawing/2014/main" id="{51C586F5-C79C-F481-A8C0-AF83DA9F0DAF}"/>
+              </a:ext>
+            </a:extLst>
+          </p:cNvPr>
           <p:cNvPicPr>
-            <a:picLocks noGrp="1" noChangeAspect="1"/>
+            <a:picLocks noChangeAspect="1"/>
           </p:cNvPicPr>
-          <p:nvPr>
-            <p:ph idx="1"/>
-          </p:nvPr>
+          <p:nvPr/>
         </p:nvPicPr>
         <p:blipFill>
           <a:blip r:embed="rId2"/>
@@ -8101,8 +8105,8 @@
         </p:blipFill>
         <p:spPr>
           <a:xfrm>
-            <a:off x="4212019" y="594359"/>
-            <a:ext cx="7715883" cy="3988151"/>
+            <a:off x="4496364" y="908858"/>
+            <a:ext cx="7238436" cy="4174548"/>
           </a:xfrm>
           <a:prstGeom prst="rect">
             <a:avLst/>
@@ -8169,32 +8173,6 @@
           </a:p>
         </p:txBody>
       </p:sp>
-      <p:pic>
-        <p:nvPicPr>
-          <p:cNvPr id="3" name="Tijdelijke aanduiding voor inhoud 2"/>
-          <p:cNvPicPr>
-            <a:picLocks noGrp="1" noChangeAspect="1"/>
-          </p:cNvPicPr>
-          <p:nvPr>
-            <p:ph idx="1"/>
-          </p:nvPr>
-        </p:nvPicPr>
-        <p:blipFill>
-          <a:blip r:embed="rId2"/>
-          <a:stretch>
-            <a:fillRect/>
-          </a:stretch>
-        </p:blipFill>
-        <p:spPr>
-          <a:xfrm>
-            <a:off x="4156466" y="594359"/>
-            <a:ext cx="8035534" cy="3761954"/>
-          </a:xfrm>
-          <a:prstGeom prst="rect">
-            <a:avLst/>
-          </a:prstGeom>
-        </p:spPr>
-      </p:pic>
       <p:sp>
         <p:nvSpPr>
           <p:cNvPr id="5" name="Tijdelijke aanduiding voor tekst 4"/>
@@ -8248,6 +8226,36 @@
           </a:p>
         </p:txBody>
       </p:sp>
+      <p:pic>
+        <p:nvPicPr>
+          <p:cNvPr id="8" name="Afbeelding 7">
+            <a:extLst>
+              <a:ext uri="{FF2B5EF4-FFF2-40B4-BE49-F238E27FC236}">
+                <a16:creationId xmlns:a16="http://schemas.microsoft.com/office/drawing/2014/main" id="{4867E820-CAC5-399D-496A-AAC0173AF6A2}"/>
+              </a:ext>
+            </a:extLst>
+          </p:cNvPr>
+          <p:cNvPicPr>
+            <a:picLocks noChangeAspect="1"/>
+          </p:cNvPicPr>
+          <p:nvPr/>
+        </p:nvPicPr>
+        <p:blipFill>
+          <a:blip r:embed="rId2"/>
+          <a:stretch>
+            <a:fillRect/>
+          </a:stretch>
+        </p:blipFill>
+        <p:spPr>
+          <a:xfrm>
+            <a:off x="4189869" y="1835820"/>
+            <a:ext cx="8002131" cy="2646407"/>
+          </a:xfrm>
+          <a:prstGeom prst="rect">
+            <a:avLst/>
+          </a:prstGeom>
+        </p:spPr>
+      </p:pic>
     </p:spTree>
     <p:extLst>
       <p:ext uri="{BB962C8B-B14F-4D97-AF65-F5344CB8AC3E}">
@@ -8258,222 +8266,6 @@
   <p:clrMapOvr>
     <a:masterClrMapping/>
   </p:clrMapOvr>
-  <p:timing>
-    <p:tnLst>
-      <p:par>
-        <p:cTn id="1" dur="indefinite" restart="never" nodeType="tmRoot">
-          <p:childTnLst>
-            <p:seq concurrent="1" nextAc="seek">
-              <p:cTn id="2" dur="indefinite" nodeType="mainSeq">
-                <p:childTnLst>
-                  <p:par>
-                    <p:cTn id="3" fill="hold">
-                      <p:stCondLst>
-                        <p:cond delay="indefinite"/>
-                      </p:stCondLst>
-                      <p:childTnLst>
-                        <p:par>
-                          <p:cTn id="4" fill="hold">
-                            <p:stCondLst>
-                              <p:cond delay="0"/>
-                            </p:stCondLst>
-                            <p:childTnLst>
-                              <p:par>
-                                <p:cTn id="5" presetID="10" presetClass="entr" presetSubtype="0" fill="hold" grpId="0" nodeType="clickEffect">
-                                  <p:stCondLst>
-                                    <p:cond delay="0"/>
-                                  </p:stCondLst>
-                                  <p:childTnLst>
-                                    <p:set>
-                                      <p:cBhvr>
-                                        <p:cTn id="6" dur="1" fill="hold">
-                                          <p:stCondLst>
-                                            <p:cond delay="0"/>
-                                          </p:stCondLst>
-                                        </p:cTn>
-                                        <p:tgtEl>
-                                          <p:spTgt spid="5">
-                                            <p:txEl>
-                                              <p:pRg st="0" end="0"/>
-                                            </p:txEl>
-                                          </p:spTgt>
-                                        </p:tgtEl>
-                                        <p:attrNameLst>
-                                          <p:attrName>style.visibility</p:attrName>
-                                        </p:attrNameLst>
-                                      </p:cBhvr>
-                                      <p:to>
-                                        <p:strVal val="visible"/>
-                                      </p:to>
-                                    </p:set>
-                                    <p:animEffect transition="in" filter="fade">
-                                      <p:cBhvr>
-                                        <p:cTn id="7" dur="500"/>
-                                        <p:tgtEl>
-                                          <p:spTgt spid="5">
-                                            <p:txEl>
-                                              <p:pRg st="0" end="0"/>
-                                            </p:txEl>
-                                          </p:spTgt>
-                                        </p:tgtEl>
-                                      </p:cBhvr>
-                                    </p:animEffect>
-                                  </p:childTnLst>
-                                </p:cTn>
-                              </p:par>
-                            </p:childTnLst>
-                          </p:cTn>
-                        </p:par>
-                      </p:childTnLst>
-                    </p:cTn>
-                  </p:par>
-                  <p:par>
-                    <p:cTn id="8" fill="hold">
-                      <p:stCondLst>
-                        <p:cond delay="indefinite"/>
-                      </p:stCondLst>
-                      <p:childTnLst>
-                        <p:par>
-                          <p:cTn id="9" fill="hold">
-                            <p:stCondLst>
-                              <p:cond delay="0"/>
-                            </p:stCondLst>
-                            <p:childTnLst>
-                              <p:par>
-                                <p:cTn id="10" presetID="10" presetClass="entr" presetSubtype="0" fill="hold" grpId="0" nodeType="clickEffect">
-                                  <p:stCondLst>
-                                    <p:cond delay="0"/>
-                                  </p:stCondLst>
-                                  <p:childTnLst>
-                                    <p:set>
-                                      <p:cBhvr>
-                                        <p:cTn id="11" dur="1" fill="hold">
-                                          <p:stCondLst>
-                                            <p:cond delay="0"/>
-                                          </p:stCondLst>
-                                        </p:cTn>
-                                        <p:tgtEl>
-                                          <p:spTgt spid="5">
-                                            <p:txEl>
-                                              <p:pRg st="1" end="1"/>
-                                            </p:txEl>
-                                          </p:spTgt>
-                                        </p:tgtEl>
-                                        <p:attrNameLst>
-                                          <p:attrName>style.visibility</p:attrName>
-                                        </p:attrNameLst>
-                                      </p:cBhvr>
-                                      <p:to>
-                                        <p:strVal val="visible"/>
-                                      </p:to>
-                                    </p:set>
-                                    <p:animEffect transition="in" filter="fade">
-                                      <p:cBhvr>
-                                        <p:cTn id="12" dur="500"/>
-                                        <p:tgtEl>
-                                          <p:spTgt spid="5">
-                                            <p:txEl>
-                                              <p:pRg st="1" end="1"/>
-                                            </p:txEl>
-                                          </p:spTgt>
-                                        </p:tgtEl>
-                                      </p:cBhvr>
-                                    </p:animEffect>
-                                  </p:childTnLst>
-                                </p:cTn>
-                              </p:par>
-                            </p:childTnLst>
-                          </p:cTn>
-                        </p:par>
-                      </p:childTnLst>
-                    </p:cTn>
-                  </p:par>
-                  <p:par>
-                    <p:cTn id="13" fill="hold">
-                      <p:stCondLst>
-                        <p:cond delay="indefinite"/>
-                      </p:stCondLst>
-                      <p:childTnLst>
-                        <p:par>
-                          <p:cTn id="14" fill="hold">
-                            <p:stCondLst>
-                              <p:cond delay="0"/>
-                            </p:stCondLst>
-                            <p:childTnLst>
-                              <p:par>
-                                <p:cTn id="15" presetID="10" presetClass="entr" presetSubtype="0" fill="hold" grpId="0" nodeType="clickEffect">
-                                  <p:stCondLst>
-                                    <p:cond delay="0"/>
-                                  </p:stCondLst>
-                                  <p:childTnLst>
-                                    <p:set>
-                                      <p:cBhvr>
-                                        <p:cTn id="16" dur="1" fill="hold">
-                                          <p:stCondLst>
-                                            <p:cond delay="0"/>
-                                          </p:stCondLst>
-                                        </p:cTn>
-                                        <p:tgtEl>
-                                          <p:spTgt spid="5">
-                                            <p:txEl>
-                                              <p:pRg st="2" end="2"/>
-                                            </p:txEl>
-                                          </p:spTgt>
-                                        </p:tgtEl>
-                                        <p:attrNameLst>
-                                          <p:attrName>style.visibility</p:attrName>
-                                        </p:attrNameLst>
-                                      </p:cBhvr>
-                                      <p:to>
-                                        <p:strVal val="visible"/>
-                                      </p:to>
-                                    </p:set>
-                                    <p:animEffect transition="in" filter="fade">
-                                      <p:cBhvr>
-                                        <p:cTn id="17" dur="500"/>
-                                        <p:tgtEl>
-                                          <p:spTgt spid="5">
-                                            <p:txEl>
-                                              <p:pRg st="2" end="2"/>
-                                            </p:txEl>
-                                          </p:spTgt>
-                                        </p:tgtEl>
-                                      </p:cBhvr>
-                                    </p:animEffect>
-                                  </p:childTnLst>
-                                </p:cTn>
-                              </p:par>
-                            </p:childTnLst>
-                          </p:cTn>
-                        </p:par>
-                      </p:childTnLst>
-                    </p:cTn>
-                  </p:par>
-                </p:childTnLst>
-              </p:cTn>
-              <p:prevCondLst>
-                <p:cond evt="onPrev" delay="0">
-                  <p:tgtEl>
-                    <p:sldTgt/>
-                  </p:tgtEl>
-                </p:cond>
-              </p:prevCondLst>
-              <p:nextCondLst>
-                <p:cond evt="onNext" delay="0">
-                  <p:tgtEl>
-                    <p:sldTgt/>
-                  </p:tgtEl>
-                </p:cond>
-              </p:nextCondLst>
-            </p:seq>
-          </p:childTnLst>
-        </p:cTn>
-      </p:par>
-    </p:tnLst>
-    <p:bldLst>
-      <p:bldP spid="5" grpId="0" build="p"/>
-    </p:bldLst>
-  </p:timing>
 </p:sld>
 </file>
 
@@ -8659,30 +8451,32 @@
       </p:sp>
       <p:pic>
         <p:nvPicPr>
-          <p:cNvPr id="6" name="Tijdelijke aanduiding voor inhoud 5"/>
-          <p:cNvPicPr>
-            <a:picLocks noGrp="1" noChangeAspect="1"/>
-          </p:cNvPicPr>
-          <p:nvPr>
-            <p:ph idx="1"/>
-          </p:nvPr>
-        </p:nvPicPr>
-        <p:blipFill rotWithShape="1">
-          <a:blip r:embed="rId2">
+          <p:cNvPr id="4" name="Afbeelding 3">
             <a:extLst>
-              <a:ext uri="{28A0092B-C50C-407E-A947-70E740481C1C}">
-                <a14:useLocalDpi xmlns:a14="http://schemas.microsoft.com/office/drawing/2010/main" val="0"/>
+              <a:ext uri="{FF2B5EF4-FFF2-40B4-BE49-F238E27FC236}">
+                <a16:creationId xmlns:a16="http://schemas.microsoft.com/office/drawing/2014/main" id="{928B3940-8467-64CC-F3DA-FC442EB57E65}"/>
               </a:ext>
             </a:extLst>
-          </a:blip>
-          <a:srcRect r="29844"/>
-          <a:stretch/>
+          </p:cNvPr>
+          <p:cNvPicPr>
+            <a:picLocks noChangeAspect="1"/>
+          </p:cNvPicPr>
+          <p:nvPr/>
+        </p:nvPicPr>
+        <p:blipFill>
+          <a:blip r:embed="rId2"/>
+          <a:stretch>
+            <a:fillRect/>
+          </a:stretch>
         </p:blipFill>
         <p:spPr>
           <a:xfrm>
-            <a:off x="4393862" y="2087355"/>
-            <a:ext cx="6832109" cy="1677450"/>
+            <a:off x="4621876" y="1596535"/>
+            <a:ext cx="5497343" cy="1972078"/>
           </a:xfrm>
+          <a:prstGeom prst="rect">
+            <a:avLst/>
+          </a:prstGeom>
         </p:spPr>
       </p:pic>
     </p:spTree>
@@ -8695,100 +8489,6 @@
   <p:clrMapOvr>
     <a:masterClrMapping/>
   </p:clrMapOvr>
-  <p:timing>
-    <p:tnLst>
-      <p:par>
-        <p:cTn id="1" dur="indefinite" restart="never" nodeType="tmRoot">
-          <p:childTnLst>
-            <p:seq concurrent="1" nextAc="seek">
-              <p:cTn id="2" dur="indefinite" nodeType="mainSeq">
-                <p:childTnLst>
-                  <p:par>
-                    <p:cTn id="3" fill="hold">
-                      <p:stCondLst>
-                        <p:cond delay="indefinite"/>
-                      </p:stCondLst>
-                      <p:childTnLst>
-                        <p:par>
-                          <p:cTn id="4" fill="hold">
-                            <p:stCondLst>
-                              <p:cond delay="0"/>
-                            </p:stCondLst>
-                            <p:childTnLst>
-                              <p:par>
-                                <p:cTn id="5" presetID="10" presetClass="entr" presetSubtype="0" fill="hold" grpId="0" nodeType="clickEffect">
-                                  <p:stCondLst>
-                                    <p:cond delay="0"/>
-                                  </p:stCondLst>
-                                  <p:childTnLst>
-                                    <p:set>
-                                      <p:cBhvr>
-                                        <p:cTn id="6" dur="1" fill="hold">
-                                          <p:stCondLst>
-                                            <p:cond delay="0"/>
-                                          </p:stCondLst>
-                                        </p:cTn>
-                                        <p:tgtEl>
-                                          <p:spTgt spid="5">
-                                            <p:txEl>
-                                              <p:pRg st="0" end="0"/>
-                                            </p:txEl>
-                                          </p:spTgt>
-                                        </p:tgtEl>
-                                        <p:attrNameLst>
-                                          <p:attrName>style.visibility</p:attrName>
-                                        </p:attrNameLst>
-                                      </p:cBhvr>
-                                      <p:to>
-                                        <p:strVal val="visible"/>
-                                      </p:to>
-                                    </p:set>
-                                    <p:animEffect transition="in" filter="fade">
-                                      <p:cBhvr>
-                                        <p:cTn id="7" dur="500"/>
-                                        <p:tgtEl>
-                                          <p:spTgt spid="5">
-                                            <p:txEl>
-                                              <p:pRg st="0" end="0"/>
-                                            </p:txEl>
-                                          </p:spTgt>
-                                        </p:tgtEl>
-                                      </p:cBhvr>
-                                    </p:animEffect>
-                                  </p:childTnLst>
-                                </p:cTn>
-                              </p:par>
-                            </p:childTnLst>
-                          </p:cTn>
-                        </p:par>
-                      </p:childTnLst>
-                    </p:cTn>
-                  </p:par>
-                </p:childTnLst>
-              </p:cTn>
-              <p:prevCondLst>
-                <p:cond evt="onPrev" delay="0">
-                  <p:tgtEl>
-                    <p:sldTgt/>
-                  </p:tgtEl>
-                </p:cond>
-              </p:prevCondLst>
-              <p:nextCondLst>
-                <p:cond evt="onNext" delay="0">
-                  <p:tgtEl>
-                    <p:sldTgt/>
-                  </p:tgtEl>
-                </p:cond>
-              </p:nextCondLst>
-            </p:seq>
-          </p:childTnLst>
-        </p:cTn>
-      </p:par>
-    </p:tnLst>
-    <p:bldLst>
-      <p:bldP spid="5" grpId="0" build="p"/>
-    </p:bldLst>
-  </p:timing>
 </p:sld>
 </file>
 
@@ -8978,7 +8678,7 @@
         </p:blipFill>
         <p:spPr>
           <a:xfrm>
-            <a:off x="3373139" y="3968841"/>
+            <a:off x="4834141" y="3755511"/>
             <a:ext cx="2078491" cy="2078491"/>
           </a:xfrm>
           <a:prstGeom prst="rect">
@@ -9008,12 +8708,59 @@
         </p:blipFill>
         <p:spPr>
           <a:xfrm>
-            <a:off x="6153817" y="3642330"/>
+            <a:off x="7782537" y="3429000"/>
             <a:ext cx="2405002" cy="2405002"/>
           </a:xfrm>
           <a:prstGeom prst="rect">
             <a:avLst/>
           </a:prstGeom>
+        </p:spPr>
+      </p:pic>
+      <p:pic>
+        <p:nvPicPr>
+          <p:cNvPr id="2050" name="Picture 2">
+            <a:extLst>
+              <a:ext uri="{FF2B5EF4-FFF2-40B4-BE49-F238E27FC236}">
+                <a16:creationId xmlns:a16="http://schemas.microsoft.com/office/drawing/2014/main" id="{8223154D-E50F-DDF7-0EC1-FA91C25A21DB}"/>
+              </a:ext>
+            </a:extLst>
+          </p:cNvPr>
+          <p:cNvPicPr>
+            <a:picLocks noChangeAspect="1" noChangeArrowheads="1"/>
+          </p:cNvPicPr>
+          <p:nvPr/>
+        </p:nvPicPr>
+        <p:blipFill>
+          <a:blip r:embed="rId8">
+            <a:extLst>
+              <a:ext uri="{28A0092B-C50C-407E-A947-70E740481C1C}">
+                <a14:useLocalDpi xmlns:a14="http://schemas.microsoft.com/office/drawing/2010/main" val="0"/>
+              </a:ext>
+            </a:extLst>
+          </a:blip>
+          <a:srcRect/>
+          <a:stretch>
+            <a:fillRect/>
+          </a:stretch>
+        </p:blipFill>
+        <p:spPr bwMode="auto">
+          <a:xfrm>
+            <a:off x="1870988" y="3897959"/>
+            <a:ext cx="2143125" cy="2143125"/>
+          </a:xfrm>
+          <a:prstGeom prst="rect">
+            <a:avLst/>
+          </a:prstGeom>
+          <a:noFill/>
+          <a:extLst>
+            <a:ext uri="{909E8E84-426E-40DD-AFC4-6F175D3DCCD1}">
+              <a14:hiddenFill xmlns:a14="http://schemas.microsoft.com/office/drawing/2010/main">
+                <a:solidFill>
+                  <a:srgbClr val="FFFFFF"/>
+                </a:solidFill>
+              </a14:hiddenFill>
+            </a:ext>
+          </a:extLst>
         </p:spPr>
       </p:pic>
     </p:spTree>
@@ -9074,31 +8821,53 @@
           </a:p>
         </p:txBody>
       </p:sp>
-      <p:sp>
-        <p:nvSpPr>
-          <p:cNvPr id="3" name="Tijdelijke aanduiding voor inhoud 2">
+      <p:pic>
+        <p:nvPicPr>
+          <p:cNvPr id="1026" name="Picture 2" descr="Demo - Free computer icons">
             <a:extLst>
               <a:ext uri="{FF2B5EF4-FFF2-40B4-BE49-F238E27FC236}">
-                <a16:creationId xmlns:a16="http://schemas.microsoft.com/office/drawing/2014/main" id="{B0725605-6BF1-AB8E-4534-CF8AAC3DA7F6}"/>
+                <a16:creationId xmlns:a16="http://schemas.microsoft.com/office/drawing/2014/main" id="{6C944A2E-2B39-A19F-4F10-D7E2E48BD1CA}"/>
               </a:ext>
             </a:extLst>
           </p:cNvPr>
-          <p:cNvSpPr>
-            <a:spLocks noGrp="1"/>
-          </p:cNvSpPr>
-          <p:nvPr>
-            <p:ph idx="1"/>
-          </p:nvPr>
-        </p:nvSpPr>
-        <p:spPr/>
-        <p:txBody>
-          <a:bodyPr/>
-          <a:lstStyle/>
-          <a:p>
-            <a:endParaRPr lang="nl-BE" dirty="0"/>
-          </a:p>
-        </p:txBody>
-      </p:sp>
+          <p:cNvPicPr>
+            <a:picLocks noChangeAspect="1" noChangeArrowheads="1"/>
+          </p:cNvPicPr>
+          <p:nvPr/>
+        </p:nvPicPr>
+        <p:blipFill>
+          <a:blip r:embed="rId2">
+            <a:extLst>
+              <a:ext uri="{28A0092B-C50C-407E-A947-70E740481C1C}">
+                <a14:useLocalDpi xmlns:a14="http://schemas.microsoft.com/office/drawing/2010/main" val="0"/>
+              </a:ext>
+            </a:extLst>
+          </a:blip>
+          <a:srcRect/>
+          <a:stretch>
+            <a:fillRect/>
+          </a:stretch>
+        </p:blipFill>
+        <p:spPr bwMode="auto">
+          <a:xfrm>
+            <a:off x="3640975" y="1845734"/>
+            <a:ext cx="3973484" cy="3973484"/>
+          </a:xfrm>
+          <a:prstGeom prst="rect">
+            <a:avLst/>
+          </a:prstGeom>
+          <a:noFill/>
+          <a:extLst>
+            <a:ext uri="{909E8E84-426E-40DD-AFC4-6F175D3DCCD1}">
+              <a14:hiddenFill xmlns:a14="http://schemas.microsoft.com/office/drawing/2010/main">
+                <a:solidFill>
+                  <a:srgbClr val="FFFFFF"/>
+                </a:solidFill>
+              </a14:hiddenFill>
+            </a:ext>
+          </a:extLst>
+        </p:spPr>
+      </p:pic>
     </p:spTree>
     <p:extLst>
       <p:ext uri="{BB962C8B-B14F-4D97-AF65-F5344CB8AC3E}">
@@ -9443,7 +9212,7 @@
             <p:ph idx="1"/>
             <p:extLst>
               <p:ext uri="{D42A27DB-BD31-4B8C-83A1-F6EECF244321}">
-                <p14:modId xmlns:p14="http://schemas.microsoft.com/office/powerpoint/2010/main" val="4177614278"/>
+                <p14:modId xmlns:p14="http://schemas.microsoft.com/office/powerpoint/2010/main" val="2346983456"/>
               </p:ext>
             </p:extLst>
           </p:nvPr>
@@ -9625,7 +9394,7 @@
         </p:blipFill>
         <p:spPr bwMode="auto">
           <a:xfrm>
-            <a:off x="4961659" y="2240396"/>
+            <a:off x="4936720" y="2428664"/>
             <a:ext cx="4762500" cy="2857500"/>
           </a:xfrm>
           <a:prstGeom prst="rect">
@@ -11130,10 +10899,10 @@
       </p:sp>
       <p:pic>
         <p:nvPicPr>
-          <p:cNvPr id="4" name="Tijdelijke aanduiding voor inhoud 4">
+          <p:cNvPr id="5" name="Afbeelding 4">
             <a:extLst>
               <a:ext uri="{FF2B5EF4-FFF2-40B4-BE49-F238E27FC236}">
-                <a16:creationId xmlns:a16="http://schemas.microsoft.com/office/drawing/2014/main" id="{5188A173-A41B-CD1D-B5BF-87529FB515BC}"/>
+                <a16:creationId xmlns:a16="http://schemas.microsoft.com/office/drawing/2014/main" id="{B8F3C3C3-93B4-9255-2B12-269380A0EE2D}"/>
               </a:ext>
             </a:extLst>
           </p:cNvPr>
@@ -11150,38 +10919,8 @@
         </p:blipFill>
         <p:spPr>
           <a:xfrm>
-            <a:off x="1097281" y="2604358"/>
-            <a:ext cx="6274480" cy="879302"/>
-          </a:xfrm>
-          <a:prstGeom prst="rect">
-            <a:avLst/>
-          </a:prstGeom>
-        </p:spPr>
-      </p:pic>
-      <p:pic>
-        <p:nvPicPr>
-          <p:cNvPr id="5" name="Afbeelding 4">
-            <a:extLst>
-              <a:ext uri="{FF2B5EF4-FFF2-40B4-BE49-F238E27FC236}">
-                <a16:creationId xmlns:a16="http://schemas.microsoft.com/office/drawing/2014/main" id="{B8F3C3C3-93B4-9255-2B12-269380A0EE2D}"/>
-              </a:ext>
-            </a:extLst>
-          </p:cNvPr>
-          <p:cNvPicPr>
-            <a:picLocks noChangeAspect="1"/>
-          </p:cNvPicPr>
-          <p:nvPr/>
-        </p:nvPicPr>
-        <p:blipFill>
-          <a:blip r:embed="rId3"/>
-          <a:stretch>
-            <a:fillRect/>
-          </a:stretch>
-        </p:blipFill>
-        <p:spPr>
-          <a:xfrm>
-            <a:off x="1097281" y="3499055"/>
-            <a:ext cx="6274480" cy="1071468"/>
+            <a:off x="1088175" y="2610505"/>
+            <a:ext cx="7547825" cy="1071468"/>
           </a:xfrm>
           <a:prstGeom prst="rect">
             <a:avLst/>
@@ -11197,6 +10936,36 @@
           <p:nvPr/>
         </p:nvPicPr>
         <p:blipFill>
+          <a:blip r:embed="rId3"/>
+          <a:stretch>
+            <a:fillRect/>
+          </a:stretch>
+        </p:blipFill>
+        <p:spPr>
+          <a:xfrm>
+            <a:off x="1097280" y="3681973"/>
+            <a:ext cx="7538720" cy="978436"/>
+          </a:xfrm>
+          <a:prstGeom prst="rect">
+            <a:avLst/>
+          </a:prstGeom>
+        </p:spPr>
+      </p:pic>
+      <p:pic>
+        <p:nvPicPr>
+          <p:cNvPr id="8" name="Afbeelding 7">
+            <a:extLst>
+              <a:ext uri="{FF2B5EF4-FFF2-40B4-BE49-F238E27FC236}">
+                <a16:creationId xmlns:a16="http://schemas.microsoft.com/office/drawing/2014/main" id="{8B91A667-AB26-687F-2E2E-5C5B480D4D35}"/>
+              </a:ext>
+            </a:extLst>
+          </p:cNvPr>
+          <p:cNvPicPr>
+            <a:picLocks noChangeAspect="1"/>
+          </p:cNvPicPr>
+          <p:nvPr/>
+        </p:nvPicPr>
+        <p:blipFill>
           <a:blip r:embed="rId4"/>
           <a:stretch>
             <a:fillRect/>
@@ -11204,8 +10973,8 @@
         </p:blipFill>
         <p:spPr>
           <a:xfrm>
-            <a:off x="1097279" y="4677646"/>
-            <a:ext cx="6256275" cy="978436"/>
+            <a:off x="1097280" y="4712224"/>
+            <a:ext cx="7538720" cy="1071468"/>
           </a:xfrm>
           <a:prstGeom prst="rect">
             <a:avLst/>
@@ -11333,13 +11102,17 @@
       </p:sp>
       <p:pic>
         <p:nvPicPr>
-          <p:cNvPr id="4" name="Tijdelijke aanduiding voor inhoud 3"/>
+          <p:cNvPr id="8" name="Afbeelding 7">
+            <a:extLst>
+              <a:ext uri="{FF2B5EF4-FFF2-40B4-BE49-F238E27FC236}">
+                <a16:creationId xmlns:a16="http://schemas.microsoft.com/office/drawing/2014/main" id="{0C42578F-263B-299E-A907-2714797602E3}"/>
+              </a:ext>
+            </a:extLst>
+          </p:cNvPr>
           <p:cNvPicPr>
-            <a:picLocks noGrp="1" noChangeAspect="1"/>
+            <a:picLocks noChangeAspect="1"/>
           </p:cNvPicPr>
-          <p:nvPr>
-            <p:ph idx="1"/>
-          </p:nvPr>
+          <p:nvPr/>
         </p:nvPicPr>
         <p:blipFill>
           <a:blip r:embed="rId2"/>
@@ -11349,8 +11122,8 @@
         </p:blipFill>
         <p:spPr>
           <a:xfrm>
-            <a:off x="4438785" y="105550"/>
-            <a:ext cx="6660139" cy="6628871"/>
+            <a:off x="4340542" y="66329"/>
+            <a:ext cx="6133494" cy="6706909"/>
           </a:xfrm>
           <a:prstGeom prst="rect">
             <a:avLst/>
@@ -11367,222 +11140,6 @@
   <p:clrMapOvr>
     <a:masterClrMapping/>
   </p:clrMapOvr>
-  <p:timing>
-    <p:tnLst>
-      <p:par>
-        <p:cTn id="1" dur="indefinite" restart="never" nodeType="tmRoot">
-          <p:childTnLst>
-            <p:seq concurrent="1" nextAc="seek">
-              <p:cTn id="2" dur="indefinite" nodeType="mainSeq">
-                <p:childTnLst>
-                  <p:par>
-                    <p:cTn id="3" fill="hold">
-                      <p:stCondLst>
-                        <p:cond delay="indefinite"/>
-                      </p:stCondLst>
-                      <p:childTnLst>
-                        <p:par>
-                          <p:cTn id="4" fill="hold">
-                            <p:stCondLst>
-                              <p:cond delay="0"/>
-                            </p:stCondLst>
-                            <p:childTnLst>
-                              <p:par>
-                                <p:cTn id="5" presetID="10" presetClass="entr" presetSubtype="0" fill="hold" grpId="0" nodeType="clickEffect">
-                                  <p:stCondLst>
-                                    <p:cond delay="0"/>
-                                  </p:stCondLst>
-                                  <p:childTnLst>
-                                    <p:set>
-                                      <p:cBhvr>
-                                        <p:cTn id="6" dur="1" fill="hold">
-                                          <p:stCondLst>
-                                            <p:cond delay="0"/>
-                                          </p:stCondLst>
-                                        </p:cTn>
-                                        <p:tgtEl>
-                                          <p:spTgt spid="5">
-                                            <p:txEl>
-                                              <p:pRg st="0" end="0"/>
-                                            </p:txEl>
-                                          </p:spTgt>
-                                        </p:tgtEl>
-                                        <p:attrNameLst>
-                                          <p:attrName>style.visibility</p:attrName>
-                                        </p:attrNameLst>
-                                      </p:cBhvr>
-                                      <p:to>
-                                        <p:strVal val="visible"/>
-                                      </p:to>
-                                    </p:set>
-                                    <p:animEffect transition="in" filter="fade">
-                                      <p:cBhvr>
-                                        <p:cTn id="7" dur="500"/>
-                                        <p:tgtEl>
-                                          <p:spTgt spid="5">
-                                            <p:txEl>
-                                              <p:pRg st="0" end="0"/>
-                                            </p:txEl>
-                                          </p:spTgt>
-                                        </p:tgtEl>
-                                      </p:cBhvr>
-                                    </p:animEffect>
-                                  </p:childTnLst>
-                                </p:cTn>
-                              </p:par>
-                            </p:childTnLst>
-                          </p:cTn>
-                        </p:par>
-                      </p:childTnLst>
-                    </p:cTn>
-                  </p:par>
-                  <p:par>
-                    <p:cTn id="8" fill="hold">
-                      <p:stCondLst>
-                        <p:cond delay="indefinite"/>
-                      </p:stCondLst>
-                      <p:childTnLst>
-                        <p:par>
-                          <p:cTn id="9" fill="hold">
-                            <p:stCondLst>
-                              <p:cond delay="0"/>
-                            </p:stCondLst>
-                            <p:childTnLst>
-                              <p:par>
-                                <p:cTn id="10" presetID="10" presetClass="entr" presetSubtype="0" fill="hold" grpId="0" nodeType="clickEffect">
-                                  <p:stCondLst>
-                                    <p:cond delay="0"/>
-                                  </p:stCondLst>
-                                  <p:childTnLst>
-                                    <p:set>
-                                      <p:cBhvr>
-                                        <p:cTn id="11" dur="1" fill="hold">
-                                          <p:stCondLst>
-                                            <p:cond delay="0"/>
-                                          </p:stCondLst>
-                                        </p:cTn>
-                                        <p:tgtEl>
-                                          <p:spTgt spid="5">
-                                            <p:txEl>
-                                              <p:pRg st="1" end="1"/>
-                                            </p:txEl>
-                                          </p:spTgt>
-                                        </p:tgtEl>
-                                        <p:attrNameLst>
-                                          <p:attrName>style.visibility</p:attrName>
-                                        </p:attrNameLst>
-                                      </p:cBhvr>
-                                      <p:to>
-                                        <p:strVal val="visible"/>
-                                      </p:to>
-                                    </p:set>
-                                    <p:animEffect transition="in" filter="fade">
-                                      <p:cBhvr>
-                                        <p:cTn id="12" dur="500"/>
-                                        <p:tgtEl>
-                                          <p:spTgt spid="5">
-                                            <p:txEl>
-                                              <p:pRg st="1" end="1"/>
-                                            </p:txEl>
-                                          </p:spTgt>
-                                        </p:tgtEl>
-                                      </p:cBhvr>
-                                    </p:animEffect>
-                                  </p:childTnLst>
-                                </p:cTn>
-                              </p:par>
-                            </p:childTnLst>
-                          </p:cTn>
-                        </p:par>
-                      </p:childTnLst>
-                    </p:cTn>
-                  </p:par>
-                  <p:par>
-                    <p:cTn id="13" fill="hold">
-                      <p:stCondLst>
-                        <p:cond delay="indefinite"/>
-                      </p:stCondLst>
-                      <p:childTnLst>
-                        <p:par>
-                          <p:cTn id="14" fill="hold">
-                            <p:stCondLst>
-                              <p:cond delay="0"/>
-                            </p:stCondLst>
-                            <p:childTnLst>
-                              <p:par>
-                                <p:cTn id="15" presetID="10" presetClass="entr" presetSubtype="0" fill="hold" grpId="0" nodeType="clickEffect">
-                                  <p:stCondLst>
-                                    <p:cond delay="0"/>
-                                  </p:stCondLst>
-                                  <p:childTnLst>
-                                    <p:set>
-                                      <p:cBhvr>
-                                        <p:cTn id="16" dur="1" fill="hold">
-                                          <p:stCondLst>
-                                            <p:cond delay="0"/>
-                                          </p:stCondLst>
-                                        </p:cTn>
-                                        <p:tgtEl>
-                                          <p:spTgt spid="5">
-                                            <p:txEl>
-                                              <p:pRg st="2" end="2"/>
-                                            </p:txEl>
-                                          </p:spTgt>
-                                        </p:tgtEl>
-                                        <p:attrNameLst>
-                                          <p:attrName>style.visibility</p:attrName>
-                                        </p:attrNameLst>
-                                      </p:cBhvr>
-                                      <p:to>
-                                        <p:strVal val="visible"/>
-                                      </p:to>
-                                    </p:set>
-                                    <p:animEffect transition="in" filter="fade">
-                                      <p:cBhvr>
-                                        <p:cTn id="17" dur="500"/>
-                                        <p:tgtEl>
-                                          <p:spTgt spid="5">
-                                            <p:txEl>
-                                              <p:pRg st="2" end="2"/>
-                                            </p:txEl>
-                                          </p:spTgt>
-                                        </p:tgtEl>
-                                      </p:cBhvr>
-                                    </p:animEffect>
-                                  </p:childTnLst>
-                                </p:cTn>
-                              </p:par>
-                            </p:childTnLst>
-                          </p:cTn>
-                        </p:par>
-                      </p:childTnLst>
-                    </p:cTn>
-                  </p:par>
-                </p:childTnLst>
-              </p:cTn>
-              <p:prevCondLst>
-                <p:cond evt="onPrev" delay="0">
-                  <p:tgtEl>
-                    <p:sldTgt/>
-                  </p:tgtEl>
-                </p:cond>
-              </p:prevCondLst>
-              <p:nextCondLst>
-                <p:cond evt="onNext" delay="0">
-                  <p:tgtEl>
-                    <p:sldTgt/>
-                  </p:tgtEl>
-                </p:cond>
-              </p:nextCondLst>
-            </p:seq>
-          </p:childTnLst>
-        </p:cTn>
-      </p:par>
-    </p:tnLst>
-    <p:bldLst>
-      <p:bldP spid="5" grpId="0" build="p"/>
-    </p:bldLst>
-  </p:timing>
 </p:sld>
 </file>
 
